--- a/Assignment2/Apresentação1.pptx
+++ b/Assignment2/Apresentação1.pptx
@@ -10,6 +10,9 @@
     <p:sldId id="257" r:id="rId5"/>
     <p:sldId id="258" r:id="rId6"/>
     <p:sldId id="259" r:id="rId7"/>
+    <p:sldId id="260" r:id="rId8"/>
+    <p:sldId id="261" r:id="rId9"/>
+    <p:sldId id="262" r:id="rId10"/>
   </p:sldIdLst>
   <p:sldSz cx="12192000" cy="6858000"/>
   <p:notesSz cx="7559675" cy="10691813"/>
@@ -40,7 +43,7 @@
             <a:spLocks noGrp="1"/>
           </p:cNvSpPr>
           <p:nvPr>
-            <p:ph type="ftr" idx="2"/>
+            <p:ph type="ftr" idx="1"/>
           </p:nvPr>
         </p:nvSpPr>
         <p:spPr/>
@@ -60,14 +63,14 @@
             <a:spLocks noGrp="1"/>
           </p:cNvSpPr>
           <p:nvPr>
-            <p:ph type="sldNum" idx="3"/>
+            <p:ph type="sldNum" idx="2"/>
           </p:nvPr>
         </p:nvSpPr>
         <p:spPr/>
         <p:txBody>
           <a:bodyPr/>
           <a:p>
-            <a:fld id="{FB6A5835-9439-47CF-9A49-9CDBFAFB0036}" type="slidenum">
+            <a:fld id="{90985D56-FC83-42BD-87C5-562DE508CFF1}" type="slidenum">
               <a:t>&lt;#&gt;</a:t>
             </a:fld>
           </a:p>
@@ -80,7 +83,7 @@
             <a:spLocks noGrp="1"/>
           </p:cNvSpPr>
           <p:nvPr>
-            <p:ph type="dt" idx="1"/>
+            <p:ph type="dt" idx="3"/>
           </p:nvPr>
         </p:nvSpPr>
         <p:spPr/>
@@ -128,8 +131,8 @@
         </p:nvSpPr>
         <p:spPr>
           <a:xfrm>
-            <a:off x="838080" y="365040"/>
-            <a:ext cx="10515240" cy="1325160"/>
+            <a:off x="607680" y="271800"/>
+            <a:ext cx="10972080" cy="1145160"/>
           </a:xfrm>
           <a:prstGeom prst="rect">
             <a:avLst/>
@@ -144,14 +147,11 @@
             <a:noAutofit/>
           </a:bodyPr>
           <a:p>
-            <a:pPr indent="0">
+            <a:pPr indent="0" algn="ctr">
               <a:buNone/>
             </a:pPr>
-            <a:endParaRPr b="0" lang="pt-PT" sz="1800" spc="-1" strike="noStrike">
-              <a:solidFill>
-                <a:srgbClr val="000000"/>
-              </a:solidFill>
-              <a:latin typeface="Calibri"/>
+            <a:endParaRPr b="0" lang="en-GB" sz="4390" spc="-1" strike="noStrike">
+              <a:latin typeface="Arial"/>
             </a:endParaRPr>
           </a:p>
         </p:txBody>
@@ -168,8 +168,8 @@
         </p:nvSpPr>
         <p:spPr>
           <a:xfrm>
-            <a:off x="838080" y="1825560"/>
-            <a:ext cx="10515240" cy="2075040"/>
+            <a:off x="607680" y="1602720"/>
+            <a:ext cx="10972080" cy="1896840"/>
           </a:xfrm>
           <a:prstGeom prst="rect">
             <a:avLst/>
@@ -185,19 +185,13 @@
           </a:bodyPr>
           <a:p>
             <a:pPr indent="0">
-              <a:lnSpc>
-                <a:spcPct val="90000"/>
-              </a:lnSpc>
               <a:spcBef>
-                <a:spcPts val="1417"/>
+                <a:spcPts val="1400"/>
               </a:spcBef>
               <a:buNone/>
             </a:pPr>
-            <a:endParaRPr b="0" lang="pt-PT" sz="2800" spc="-1" strike="noStrike">
-              <a:solidFill>
-                <a:srgbClr val="000000"/>
-              </a:solidFill>
-              <a:latin typeface="Calibri"/>
+            <a:endParaRPr b="0" lang="en-GB" sz="3190" spc="-1" strike="noStrike">
+              <a:latin typeface="Arial"/>
             </a:endParaRPr>
           </a:p>
         </p:txBody>
@@ -214,8 +208,8 @@
         </p:nvSpPr>
         <p:spPr>
           <a:xfrm>
-            <a:off x="838080" y="4098240"/>
-            <a:ext cx="10515240" cy="2075040"/>
+            <a:off x="607680" y="3680280"/>
+            <a:ext cx="10972080" cy="1896840"/>
           </a:xfrm>
           <a:prstGeom prst="rect">
             <a:avLst/>
@@ -231,19 +225,13 @@
           </a:bodyPr>
           <a:p>
             <a:pPr indent="0">
-              <a:lnSpc>
-                <a:spcPct val="90000"/>
-              </a:lnSpc>
               <a:spcBef>
-                <a:spcPts val="1417"/>
+                <a:spcPts val="1400"/>
               </a:spcBef>
               <a:buNone/>
             </a:pPr>
-            <a:endParaRPr b="0" lang="pt-PT" sz="2800" spc="-1" strike="noStrike">
-              <a:solidFill>
-                <a:srgbClr val="000000"/>
-              </a:solidFill>
-              <a:latin typeface="Calibri"/>
+            <a:endParaRPr b="0" lang="en-GB" sz="3190" spc="-1" strike="noStrike">
+              <a:latin typeface="Arial"/>
             </a:endParaRPr>
           </a:p>
         </p:txBody>
@@ -255,7 +243,7 @@
             <a:spLocks noGrp="1"/>
           </p:cNvSpPr>
           <p:nvPr>
-            <p:ph type="ftr" idx="2"/>
+            <p:ph type="ftr" idx="1"/>
           </p:nvPr>
         </p:nvSpPr>
         <p:spPr/>
@@ -275,14 +263,14 @@
             <a:spLocks noGrp="1"/>
           </p:cNvSpPr>
           <p:nvPr>
-            <p:ph type="sldNum" idx="3"/>
+            <p:ph type="sldNum" idx="2"/>
           </p:nvPr>
         </p:nvSpPr>
         <p:spPr/>
         <p:txBody>
           <a:bodyPr/>
           <a:p>
-            <a:fld id="{E47E1FB5-7657-4EAC-AC00-4E6A7DD1FC20}" type="slidenum">
+            <a:fld id="{9E55599E-9E96-494F-8231-950F23D665EF}" type="slidenum">
               <a:t>&lt;#&gt;</a:t>
             </a:fld>
           </a:p>
@@ -295,7 +283,7 @@
             <a:spLocks noGrp="1"/>
           </p:cNvSpPr>
           <p:nvPr>
-            <p:ph type="dt" idx="1"/>
+            <p:ph type="dt" idx="3"/>
           </p:nvPr>
         </p:nvSpPr>
         <p:spPr/>
@@ -343,8 +331,8 @@
         </p:nvSpPr>
         <p:spPr>
           <a:xfrm>
-            <a:off x="838080" y="365040"/>
-            <a:ext cx="10515240" cy="1325160"/>
+            <a:off x="607680" y="271800"/>
+            <a:ext cx="10972080" cy="1145160"/>
           </a:xfrm>
           <a:prstGeom prst="rect">
             <a:avLst/>
@@ -359,14 +347,11 @@
             <a:noAutofit/>
           </a:bodyPr>
           <a:p>
-            <a:pPr indent="0">
+            <a:pPr indent="0" algn="ctr">
               <a:buNone/>
             </a:pPr>
-            <a:endParaRPr b="0" lang="pt-PT" sz="1800" spc="-1" strike="noStrike">
-              <a:solidFill>
-                <a:srgbClr val="000000"/>
-              </a:solidFill>
-              <a:latin typeface="Calibri"/>
+            <a:endParaRPr b="0" lang="en-GB" sz="4390" spc="-1" strike="noStrike">
+              <a:latin typeface="Arial"/>
             </a:endParaRPr>
           </a:p>
         </p:txBody>
@@ -383,8 +368,8 @@
         </p:nvSpPr>
         <p:spPr>
           <a:xfrm>
-            <a:off x="838080" y="1825560"/>
-            <a:ext cx="5131080" cy="2075040"/>
+            <a:off x="607680" y="1602720"/>
+            <a:ext cx="5354280" cy="1896840"/>
           </a:xfrm>
           <a:prstGeom prst="rect">
             <a:avLst/>
@@ -400,19 +385,13 @@
           </a:bodyPr>
           <a:p>
             <a:pPr indent="0">
-              <a:lnSpc>
-                <a:spcPct val="90000"/>
-              </a:lnSpc>
               <a:spcBef>
-                <a:spcPts val="1417"/>
+                <a:spcPts val="1400"/>
               </a:spcBef>
               <a:buNone/>
             </a:pPr>
-            <a:endParaRPr b="0" lang="pt-PT" sz="2800" spc="-1" strike="noStrike">
-              <a:solidFill>
-                <a:srgbClr val="000000"/>
-              </a:solidFill>
-              <a:latin typeface="Calibri"/>
+            <a:endParaRPr b="0" lang="en-GB" sz="3190" spc="-1" strike="noStrike">
+              <a:latin typeface="Arial"/>
             </a:endParaRPr>
           </a:p>
         </p:txBody>
@@ -429,8 +408,8 @@
         </p:nvSpPr>
         <p:spPr>
           <a:xfrm>
-            <a:off x="6226200" y="1825560"/>
-            <a:ext cx="5131080" cy="2075040"/>
+            <a:off x="6230160" y="1602720"/>
+            <a:ext cx="5354280" cy="1896840"/>
           </a:xfrm>
           <a:prstGeom prst="rect">
             <a:avLst/>
@@ -446,19 +425,13 @@
           </a:bodyPr>
           <a:p>
             <a:pPr indent="0">
-              <a:lnSpc>
-                <a:spcPct val="90000"/>
-              </a:lnSpc>
               <a:spcBef>
-                <a:spcPts val="1417"/>
+                <a:spcPts val="1400"/>
               </a:spcBef>
               <a:buNone/>
             </a:pPr>
-            <a:endParaRPr b="0" lang="pt-PT" sz="2800" spc="-1" strike="noStrike">
-              <a:solidFill>
-                <a:srgbClr val="000000"/>
-              </a:solidFill>
-              <a:latin typeface="Calibri"/>
+            <a:endParaRPr b="0" lang="en-GB" sz="3190" spc="-1" strike="noStrike">
+              <a:latin typeface="Arial"/>
             </a:endParaRPr>
           </a:p>
         </p:txBody>
@@ -475,8 +448,8 @@
         </p:nvSpPr>
         <p:spPr>
           <a:xfrm>
-            <a:off x="838080" y="4098240"/>
-            <a:ext cx="5131080" cy="2075040"/>
+            <a:off x="607680" y="3680280"/>
+            <a:ext cx="5354280" cy="1896840"/>
           </a:xfrm>
           <a:prstGeom prst="rect">
             <a:avLst/>
@@ -492,19 +465,13 @@
           </a:bodyPr>
           <a:p>
             <a:pPr indent="0">
-              <a:lnSpc>
-                <a:spcPct val="90000"/>
-              </a:lnSpc>
               <a:spcBef>
-                <a:spcPts val="1417"/>
+                <a:spcPts val="1400"/>
               </a:spcBef>
               <a:buNone/>
             </a:pPr>
-            <a:endParaRPr b="0" lang="pt-PT" sz="2800" spc="-1" strike="noStrike">
-              <a:solidFill>
-                <a:srgbClr val="000000"/>
-              </a:solidFill>
-              <a:latin typeface="Calibri"/>
+            <a:endParaRPr b="0" lang="en-GB" sz="3190" spc="-1" strike="noStrike">
+              <a:latin typeface="Arial"/>
             </a:endParaRPr>
           </a:p>
         </p:txBody>
@@ -521,8 +488,8 @@
         </p:nvSpPr>
         <p:spPr>
           <a:xfrm>
-            <a:off x="6226200" y="4098240"/>
-            <a:ext cx="5131080" cy="2075040"/>
+            <a:off x="6230160" y="3680280"/>
+            <a:ext cx="5354280" cy="1896840"/>
           </a:xfrm>
           <a:prstGeom prst="rect">
             <a:avLst/>
@@ -538,19 +505,13 @@
           </a:bodyPr>
           <a:p>
             <a:pPr indent="0">
-              <a:lnSpc>
-                <a:spcPct val="90000"/>
-              </a:lnSpc>
               <a:spcBef>
-                <a:spcPts val="1417"/>
+                <a:spcPts val="1400"/>
               </a:spcBef>
               <a:buNone/>
             </a:pPr>
-            <a:endParaRPr b="0" lang="pt-PT" sz="2800" spc="-1" strike="noStrike">
-              <a:solidFill>
-                <a:srgbClr val="000000"/>
-              </a:solidFill>
-              <a:latin typeface="Calibri"/>
+            <a:endParaRPr b="0" lang="en-GB" sz="3190" spc="-1" strike="noStrike">
+              <a:latin typeface="Arial"/>
             </a:endParaRPr>
           </a:p>
         </p:txBody>
@@ -562,7 +523,7 @@
             <a:spLocks noGrp="1"/>
           </p:cNvSpPr>
           <p:nvPr>
-            <p:ph type="ftr" idx="2"/>
+            <p:ph type="ftr" idx="1"/>
           </p:nvPr>
         </p:nvSpPr>
         <p:spPr/>
@@ -582,14 +543,14 @@
             <a:spLocks noGrp="1"/>
           </p:cNvSpPr>
           <p:nvPr>
-            <p:ph type="sldNum" idx="3"/>
+            <p:ph type="sldNum" idx="2"/>
           </p:nvPr>
         </p:nvSpPr>
         <p:spPr/>
         <p:txBody>
           <a:bodyPr/>
           <a:p>
-            <a:fld id="{0B6ADA1E-9E71-45B3-B9EC-0C44A5EA6E8A}" type="slidenum">
+            <a:fld id="{C4F0EAE2-33EE-4159-B444-1005B5802B57}" type="slidenum">
               <a:t>&lt;#&gt;</a:t>
             </a:fld>
           </a:p>
@@ -602,7 +563,7 @@
             <a:spLocks noGrp="1"/>
           </p:cNvSpPr>
           <p:nvPr>
-            <p:ph type="dt" idx="1"/>
+            <p:ph type="dt" idx="3"/>
           </p:nvPr>
         </p:nvSpPr>
         <p:spPr/>
@@ -650,8 +611,8 @@
         </p:nvSpPr>
         <p:spPr>
           <a:xfrm>
-            <a:off x="838080" y="365040"/>
-            <a:ext cx="10515240" cy="1325160"/>
+            <a:off x="607680" y="271800"/>
+            <a:ext cx="10972080" cy="1145160"/>
           </a:xfrm>
           <a:prstGeom prst="rect">
             <a:avLst/>
@@ -666,14 +627,11 @@
             <a:noAutofit/>
           </a:bodyPr>
           <a:p>
-            <a:pPr indent="0">
+            <a:pPr indent="0" algn="ctr">
               <a:buNone/>
             </a:pPr>
-            <a:endParaRPr b="0" lang="pt-PT" sz="1800" spc="-1" strike="noStrike">
-              <a:solidFill>
-                <a:srgbClr val="000000"/>
-              </a:solidFill>
-              <a:latin typeface="Calibri"/>
+            <a:endParaRPr b="0" lang="en-GB" sz="4390" spc="-1" strike="noStrike">
+              <a:latin typeface="Arial"/>
             </a:endParaRPr>
           </a:p>
         </p:txBody>
@@ -690,8 +648,8 @@
         </p:nvSpPr>
         <p:spPr>
           <a:xfrm>
-            <a:off x="838080" y="1825560"/>
-            <a:ext cx="3385800" cy="2075040"/>
+            <a:off x="607680" y="1602720"/>
+            <a:ext cx="3532680" cy="1896840"/>
           </a:xfrm>
           <a:prstGeom prst="rect">
             <a:avLst/>
@@ -707,19 +665,13 @@
           </a:bodyPr>
           <a:p>
             <a:pPr indent="0">
-              <a:lnSpc>
-                <a:spcPct val="90000"/>
-              </a:lnSpc>
               <a:spcBef>
-                <a:spcPts val="1417"/>
+                <a:spcPts val="1400"/>
               </a:spcBef>
               <a:buNone/>
             </a:pPr>
-            <a:endParaRPr b="0" lang="pt-PT" sz="2800" spc="-1" strike="noStrike">
-              <a:solidFill>
-                <a:srgbClr val="000000"/>
-              </a:solidFill>
-              <a:latin typeface="Calibri"/>
+            <a:endParaRPr b="0" lang="en-GB" sz="3190" spc="-1" strike="noStrike">
+              <a:latin typeface="Arial"/>
             </a:endParaRPr>
           </a:p>
         </p:txBody>
@@ -736,8 +688,8 @@
         </p:nvSpPr>
         <p:spPr>
           <a:xfrm>
-            <a:off x="4393440" y="1825560"/>
-            <a:ext cx="3385800" cy="2075040"/>
+            <a:off x="4317480" y="1602720"/>
+            <a:ext cx="3532680" cy="1896840"/>
           </a:xfrm>
           <a:prstGeom prst="rect">
             <a:avLst/>
@@ -753,19 +705,13 @@
           </a:bodyPr>
           <a:p>
             <a:pPr indent="0">
-              <a:lnSpc>
-                <a:spcPct val="90000"/>
-              </a:lnSpc>
               <a:spcBef>
-                <a:spcPts val="1417"/>
+                <a:spcPts val="1400"/>
               </a:spcBef>
               <a:buNone/>
             </a:pPr>
-            <a:endParaRPr b="0" lang="pt-PT" sz="2800" spc="-1" strike="noStrike">
-              <a:solidFill>
-                <a:srgbClr val="000000"/>
-              </a:solidFill>
-              <a:latin typeface="Calibri"/>
+            <a:endParaRPr b="0" lang="en-GB" sz="3190" spc="-1" strike="noStrike">
+              <a:latin typeface="Arial"/>
             </a:endParaRPr>
           </a:p>
         </p:txBody>
@@ -782,8 +728,8 @@
         </p:nvSpPr>
         <p:spPr>
           <a:xfrm>
-            <a:off x="7949160" y="1825560"/>
-            <a:ext cx="3385800" cy="2075040"/>
+            <a:off x="8026920" y="1602720"/>
+            <a:ext cx="3532680" cy="1896840"/>
           </a:xfrm>
           <a:prstGeom prst="rect">
             <a:avLst/>
@@ -799,19 +745,13 @@
           </a:bodyPr>
           <a:p>
             <a:pPr indent="0">
-              <a:lnSpc>
-                <a:spcPct val="90000"/>
-              </a:lnSpc>
               <a:spcBef>
-                <a:spcPts val="1417"/>
+                <a:spcPts val="1400"/>
               </a:spcBef>
               <a:buNone/>
             </a:pPr>
-            <a:endParaRPr b="0" lang="pt-PT" sz="2800" spc="-1" strike="noStrike">
-              <a:solidFill>
-                <a:srgbClr val="000000"/>
-              </a:solidFill>
-              <a:latin typeface="Calibri"/>
+            <a:endParaRPr b="0" lang="en-GB" sz="3190" spc="-1" strike="noStrike">
+              <a:latin typeface="Arial"/>
             </a:endParaRPr>
           </a:p>
         </p:txBody>
@@ -828,8 +768,8 @@
         </p:nvSpPr>
         <p:spPr>
           <a:xfrm>
-            <a:off x="838080" y="4098240"/>
-            <a:ext cx="3385800" cy="2075040"/>
+            <a:off x="607680" y="3680280"/>
+            <a:ext cx="3532680" cy="1896840"/>
           </a:xfrm>
           <a:prstGeom prst="rect">
             <a:avLst/>
@@ -845,19 +785,13 @@
           </a:bodyPr>
           <a:p>
             <a:pPr indent="0">
-              <a:lnSpc>
-                <a:spcPct val="90000"/>
-              </a:lnSpc>
               <a:spcBef>
-                <a:spcPts val="1417"/>
+                <a:spcPts val="1400"/>
               </a:spcBef>
               <a:buNone/>
             </a:pPr>
-            <a:endParaRPr b="0" lang="pt-PT" sz="2800" spc="-1" strike="noStrike">
-              <a:solidFill>
-                <a:srgbClr val="000000"/>
-              </a:solidFill>
-              <a:latin typeface="Calibri"/>
+            <a:endParaRPr b="0" lang="en-GB" sz="3190" spc="-1" strike="noStrike">
+              <a:latin typeface="Arial"/>
             </a:endParaRPr>
           </a:p>
         </p:txBody>
@@ -874,8 +808,8 @@
         </p:nvSpPr>
         <p:spPr>
           <a:xfrm>
-            <a:off x="4393440" y="4098240"/>
-            <a:ext cx="3385800" cy="2075040"/>
+            <a:off x="4317480" y="3680280"/>
+            <a:ext cx="3532680" cy="1896840"/>
           </a:xfrm>
           <a:prstGeom prst="rect">
             <a:avLst/>
@@ -891,19 +825,13 @@
           </a:bodyPr>
           <a:p>
             <a:pPr indent="0">
-              <a:lnSpc>
-                <a:spcPct val="90000"/>
-              </a:lnSpc>
               <a:spcBef>
-                <a:spcPts val="1417"/>
+                <a:spcPts val="1400"/>
               </a:spcBef>
               <a:buNone/>
             </a:pPr>
-            <a:endParaRPr b="0" lang="pt-PT" sz="2800" spc="-1" strike="noStrike">
-              <a:solidFill>
-                <a:srgbClr val="000000"/>
-              </a:solidFill>
-              <a:latin typeface="Calibri"/>
+            <a:endParaRPr b="0" lang="en-GB" sz="3190" spc="-1" strike="noStrike">
+              <a:latin typeface="Arial"/>
             </a:endParaRPr>
           </a:p>
         </p:txBody>
@@ -920,8 +848,8 @@
         </p:nvSpPr>
         <p:spPr>
           <a:xfrm>
-            <a:off x="7949160" y="4098240"/>
-            <a:ext cx="3385800" cy="2075040"/>
+            <a:off x="8026920" y="3680280"/>
+            <a:ext cx="3532680" cy="1896840"/>
           </a:xfrm>
           <a:prstGeom prst="rect">
             <a:avLst/>
@@ -937,19 +865,13 @@
           </a:bodyPr>
           <a:p>
             <a:pPr indent="0">
-              <a:lnSpc>
-                <a:spcPct val="90000"/>
-              </a:lnSpc>
               <a:spcBef>
-                <a:spcPts val="1417"/>
+                <a:spcPts val="1400"/>
               </a:spcBef>
               <a:buNone/>
             </a:pPr>
-            <a:endParaRPr b="0" lang="pt-PT" sz="2800" spc="-1" strike="noStrike">
-              <a:solidFill>
-                <a:srgbClr val="000000"/>
-              </a:solidFill>
-              <a:latin typeface="Calibri"/>
+            <a:endParaRPr b="0" lang="en-GB" sz="3190" spc="-1" strike="noStrike">
+              <a:latin typeface="Arial"/>
             </a:endParaRPr>
           </a:p>
         </p:txBody>
@@ -961,7 +883,7 @@
             <a:spLocks noGrp="1"/>
           </p:cNvSpPr>
           <p:nvPr>
-            <p:ph type="ftr" idx="2"/>
+            <p:ph type="ftr" idx="1"/>
           </p:nvPr>
         </p:nvSpPr>
         <p:spPr/>
@@ -981,14 +903,14 @@
             <a:spLocks noGrp="1"/>
           </p:cNvSpPr>
           <p:nvPr>
-            <p:ph type="sldNum" idx="3"/>
+            <p:ph type="sldNum" idx="2"/>
           </p:nvPr>
         </p:nvSpPr>
         <p:spPr/>
         <p:txBody>
           <a:bodyPr/>
           <a:p>
-            <a:fld id="{87B100C6-DB21-482A-99D0-8E5403253813}" type="slidenum">
+            <a:fld id="{74BF47ED-2857-4B4A-8323-FD5206A40118}" type="slidenum">
               <a:t>&lt;#&gt;</a:t>
             </a:fld>
           </a:p>
@@ -1001,7 +923,7 @@
             <a:spLocks noGrp="1"/>
           </p:cNvSpPr>
           <p:nvPr>
-            <p:ph type="dt" idx="1"/>
+            <p:ph type="dt" idx="3"/>
           </p:nvPr>
         </p:nvSpPr>
         <p:spPr/>
@@ -1044,7 +966,7 @@
             <a:spLocks noGrp="1"/>
           </p:cNvSpPr>
           <p:nvPr>
-            <p:ph type="ftr" idx="5"/>
+            <p:ph type="ftr" idx="4"/>
           </p:nvPr>
         </p:nvSpPr>
         <p:spPr/>
@@ -1064,14 +986,14 @@
             <a:spLocks noGrp="1"/>
           </p:cNvSpPr>
           <p:nvPr>
-            <p:ph type="sldNum" idx="6"/>
+            <p:ph type="sldNum" idx="5"/>
           </p:nvPr>
         </p:nvSpPr>
         <p:spPr/>
         <p:txBody>
           <a:bodyPr/>
           <a:p>
-            <a:fld id="{509D025E-F1BF-4309-8AE1-83C628AC0BCC}" type="slidenum">
+            <a:fld id="{EA331564-4714-4768-92D2-BF7A7A899B15}" type="slidenum">
               <a:t>&lt;#&gt;</a:t>
             </a:fld>
           </a:p>
@@ -1084,7 +1006,7 @@
             <a:spLocks noGrp="1"/>
           </p:cNvSpPr>
           <p:nvPr>
-            <p:ph type="dt" idx="4"/>
+            <p:ph type="dt" idx="6"/>
           </p:nvPr>
         </p:nvSpPr>
         <p:spPr/>
@@ -1132,8 +1054,8 @@
         </p:nvSpPr>
         <p:spPr>
           <a:xfrm>
-            <a:off x="838080" y="365040"/>
-            <a:ext cx="10515240" cy="1325160"/>
+            <a:off x="607680" y="271800"/>
+            <a:ext cx="10972080" cy="1145160"/>
           </a:xfrm>
           <a:prstGeom prst="rect">
             <a:avLst/>
@@ -1148,14 +1070,11 @@
             <a:noAutofit/>
           </a:bodyPr>
           <a:p>
-            <a:pPr indent="0">
+            <a:pPr indent="0" algn="ctr">
               <a:buNone/>
             </a:pPr>
-            <a:endParaRPr b="0" lang="pt-PT" sz="1800" spc="-1" strike="noStrike">
-              <a:solidFill>
-                <a:srgbClr val="000000"/>
-              </a:solidFill>
-              <a:latin typeface="Calibri"/>
+            <a:endParaRPr b="0" lang="en-GB" sz="4390" spc="-1" strike="noStrike">
+              <a:latin typeface="Arial"/>
             </a:endParaRPr>
           </a:p>
         </p:txBody>
@@ -1172,8 +1091,8 @@
         </p:nvSpPr>
         <p:spPr>
           <a:xfrm>
-            <a:off x="838080" y="1825560"/>
-            <a:ext cx="10515240" cy="4350960"/>
+            <a:off x="607680" y="1602720"/>
+            <a:ext cx="10972080" cy="3977280"/>
           </a:xfrm>
           <a:prstGeom prst="rect">
             <a:avLst/>
@@ -1204,7 +1123,7 @@
             <a:spLocks noGrp="1"/>
           </p:cNvSpPr>
           <p:nvPr>
-            <p:ph type="ftr" idx="5"/>
+            <p:ph type="ftr" idx="4"/>
           </p:nvPr>
         </p:nvSpPr>
         <p:spPr/>
@@ -1224,14 +1143,14 @@
             <a:spLocks noGrp="1"/>
           </p:cNvSpPr>
           <p:nvPr>
-            <p:ph type="sldNum" idx="6"/>
+            <p:ph type="sldNum" idx="5"/>
           </p:nvPr>
         </p:nvSpPr>
         <p:spPr/>
         <p:txBody>
           <a:bodyPr/>
           <a:p>
-            <a:fld id="{1537A24F-6D6A-4945-9F04-C36FAC552C35}" type="slidenum">
+            <a:fld id="{68A2BC5A-1ACF-4D11-822E-799E96767231}" type="slidenum">
               <a:t>&lt;#&gt;</a:t>
             </a:fld>
           </a:p>
@@ -1244,7 +1163,7 @@
             <a:spLocks noGrp="1"/>
           </p:cNvSpPr>
           <p:nvPr>
-            <p:ph type="dt" idx="4"/>
+            <p:ph type="dt" idx="6"/>
           </p:nvPr>
         </p:nvSpPr>
         <p:spPr/>
@@ -1292,8 +1211,8 @@
         </p:nvSpPr>
         <p:spPr>
           <a:xfrm>
-            <a:off x="838080" y="365040"/>
-            <a:ext cx="10515240" cy="1325160"/>
+            <a:off x="607680" y="271800"/>
+            <a:ext cx="10972080" cy="1145160"/>
           </a:xfrm>
           <a:prstGeom prst="rect">
             <a:avLst/>
@@ -1308,14 +1227,11 @@
             <a:noAutofit/>
           </a:bodyPr>
           <a:p>
-            <a:pPr indent="0">
+            <a:pPr indent="0" algn="ctr">
               <a:buNone/>
             </a:pPr>
-            <a:endParaRPr b="0" lang="pt-PT" sz="1800" spc="-1" strike="noStrike">
-              <a:solidFill>
-                <a:srgbClr val="000000"/>
-              </a:solidFill>
-              <a:latin typeface="Calibri"/>
+            <a:endParaRPr b="0" lang="en-GB" sz="4390" spc="-1" strike="noStrike">
+              <a:latin typeface="Arial"/>
             </a:endParaRPr>
           </a:p>
         </p:txBody>
@@ -1332,8 +1248,8 @@
         </p:nvSpPr>
         <p:spPr>
           <a:xfrm>
-            <a:off x="838080" y="1825560"/>
-            <a:ext cx="10515240" cy="4350960"/>
+            <a:off x="607680" y="1602720"/>
+            <a:ext cx="10972080" cy="3977280"/>
           </a:xfrm>
           <a:prstGeom prst="rect">
             <a:avLst/>
@@ -1349,19 +1265,13 @@
           </a:bodyPr>
           <a:p>
             <a:pPr indent="0">
-              <a:lnSpc>
-                <a:spcPct val="90000"/>
-              </a:lnSpc>
               <a:spcBef>
-                <a:spcPts val="1417"/>
+                <a:spcPts val="1400"/>
               </a:spcBef>
               <a:buNone/>
             </a:pPr>
-            <a:endParaRPr b="0" lang="pt-PT" sz="2800" spc="-1" strike="noStrike">
-              <a:solidFill>
-                <a:srgbClr val="000000"/>
-              </a:solidFill>
-              <a:latin typeface="Calibri"/>
+            <a:endParaRPr b="0" lang="en-GB" sz="3190" spc="-1" strike="noStrike">
+              <a:latin typeface="Arial"/>
             </a:endParaRPr>
           </a:p>
         </p:txBody>
@@ -1373,7 +1283,7 @@
             <a:spLocks noGrp="1"/>
           </p:cNvSpPr>
           <p:nvPr>
-            <p:ph type="ftr" idx="5"/>
+            <p:ph type="ftr" idx="4"/>
           </p:nvPr>
         </p:nvSpPr>
         <p:spPr/>
@@ -1393,14 +1303,14 @@
             <a:spLocks noGrp="1"/>
           </p:cNvSpPr>
           <p:nvPr>
-            <p:ph type="sldNum" idx="6"/>
+            <p:ph type="sldNum" idx="5"/>
           </p:nvPr>
         </p:nvSpPr>
         <p:spPr/>
         <p:txBody>
           <a:bodyPr/>
           <a:p>
-            <a:fld id="{C7D2DD35-AB2D-4204-AF36-2D8494821EBE}" type="slidenum">
+            <a:fld id="{E4E15858-80DA-4542-BBE3-378CB3DB6C67}" type="slidenum">
               <a:t>&lt;#&gt;</a:t>
             </a:fld>
           </a:p>
@@ -1413,7 +1323,7 @@
             <a:spLocks noGrp="1"/>
           </p:cNvSpPr>
           <p:nvPr>
-            <p:ph type="dt" idx="4"/>
+            <p:ph type="dt" idx="6"/>
           </p:nvPr>
         </p:nvSpPr>
         <p:spPr/>
@@ -1461,8 +1371,8 @@
         </p:nvSpPr>
         <p:spPr>
           <a:xfrm>
-            <a:off x="838080" y="365040"/>
-            <a:ext cx="10515240" cy="1325160"/>
+            <a:off x="607680" y="271800"/>
+            <a:ext cx="10972080" cy="1145160"/>
           </a:xfrm>
           <a:prstGeom prst="rect">
             <a:avLst/>
@@ -1477,14 +1387,11 @@
             <a:noAutofit/>
           </a:bodyPr>
           <a:p>
-            <a:pPr indent="0">
+            <a:pPr indent="0" algn="ctr">
               <a:buNone/>
             </a:pPr>
-            <a:endParaRPr b="0" lang="pt-PT" sz="1800" spc="-1" strike="noStrike">
-              <a:solidFill>
-                <a:srgbClr val="000000"/>
-              </a:solidFill>
-              <a:latin typeface="Calibri"/>
+            <a:endParaRPr b="0" lang="en-GB" sz="4390" spc="-1" strike="noStrike">
+              <a:latin typeface="Arial"/>
             </a:endParaRPr>
           </a:p>
         </p:txBody>
@@ -1501,8 +1408,8 @@
         </p:nvSpPr>
         <p:spPr>
           <a:xfrm>
-            <a:off x="838080" y="1825560"/>
-            <a:ext cx="5131080" cy="4350960"/>
+            <a:off x="607680" y="1602720"/>
+            <a:ext cx="5354280" cy="3977280"/>
           </a:xfrm>
           <a:prstGeom prst="rect">
             <a:avLst/>
@@ -1518,19 +1425,13 @@
           </a:bodyPr>
           <a:p>
             <a:pPr indent="0">
-              <a:lnSpc>
-                <a:spcPct val="90000"/>
-              </a:lnSpc>
               <a:spcBef>
-                <a:spcPts val="1417"/>
+                <a:spcPts val="1400"/>
               </a:spcBef>
               <a:buNone/>
             </a:pPr>
-            <a:endParaRPr b="0" lang="pt-PT" sz="2800" spc="-1" strike="noStrike">
-              <a:solidFill>
-                <a:srgbClr val="000000"/>
-              </a:solidFill>
-              <a:latin typeface="Calibri"/>
+            <a:endParaRPr b="0" lang="en-GB" sz="3190" spc="-1" strike="noStrike">
+              <a:latin typeface="Arial"/>
             </a:endParaRPr>
           </a:p>
         </p:txBody>
@@ -1547,8 +1448,8 @@
         </p:nvSpPr>
         <p:spPr>
           <a:xfrm>
-            <a:off x="6226200" y="1825560"/>
-            <a:ext cx="5131080" cy="4350960"/>
+            <a:off x="6230160" y="1602720"/>
+            <a:ext cx="5354280" cy="3977280"/>
           </a:xfrm>
           <a:prstGeom prst="rect">
             <a:avLst/>
@@ -1564,19 +1465,13 @@
           </a:bodyPr>
           <a:p>
             <a:pPr indent="0">
-              <a:lnSpc>
-                <a:spcPct val="90000"/>
-              </a:lnSpc>
               <a:spcBef>
-                <a:spcPts val="1417"/>
+                <a:spcPts val="1400"/>
               </a:spcBef>
               <a:buNone/>
             </a:pPr>
-            <a:endParaRPr b="0" lang="pt-PT" sz="2800" spc="-1" strike="noStrike">
-              <a:solidFill>
-                <a:srgbClr val="000000"/>
-              </a:solidFill>
-              <a:latin typeface="Calibri"/>
+            <a:endParaRPr b="0" lang="en-GB" sz="3190" spc="-1" strike="noStrike">
+              <a:latin typeface="Arial"/>
             </a:endParaRPr>
           </a:p>
         </p:txBody>
@@ -1588,7 +1483,7 @@
             <a:spLocks noGrp="1"/>
           </p:cNvSpPr>
           <p:nvPr>
-            <p:ph type="ftr" idx="5"/>
+            <p:ph type="ftr" idx="4"/>
           </p:nvPr>
         </p:nvSpPr>
         <p:spPr/>
@@ -1608,14 +1503,14 @@
             <a:spLocks noGrp="1"/>
           </p:cNvSpPr>
           <p:nvPr>
-            <p:ph type="sldNum" idx="6"/>
+            <p:ph type="sldNum" idx="5"/>
           </p:nvPr>
         </p:nvSpPr>
         <p:spPr/>
         <p:txBody>
           <a:bodyPr/>
           <a:p>
-            <a:fld id="{D43A0B58-D074-430F-9FBD-B0CCD0B3AD30}" type="slidenum">
+            <a:fld id="{6F45AAC5-DAB4-4974-AEE0-2C773592C215}" type="slidenum">
               <a:t>&lt;#&gt;</a:t>
             </a:fld>
           </a:p>
@@ -1628,7 +1523,7 @@
             <a:spLocks noGrp="1"/>
           </p:cNvSpPr>
           <p:nvPr>
-            <p:ph type="dt" idx="4"/>
+            <p:ph type="dt" idx="6"/>
           </p:nvPr>
         </p:nvSpPr>
         <p:spPr/>
@@ -1676,8 +1571,8 @@
         </p:nvSpPr>
         <p:spPr>
           <a:xfrm>
-            <a:off x="838080" y="365040"/>
-            <a:ext cx="10515240" cy="1325160"/>
+            <a:off x="607680" y="271800"/>
+            <a:ext cx="10972080" cy="1145160"/>
           </a:xfrm>
           <a:prstGeom prst="rect">
             <a:avLst/>
@@ -1692,14 +1587,11 @@
             <a:noAutofit/>
           </a:bodyPr>
           <a:p>
-            <a:pPr indent="0">
+            <a:pPr indent="0" algn="ctr">
               <a:buNone/>
             </a:pPr>
-            <a:endParaRPr b="0" lang="pt-PT" sz="1800" spc="-1" strike="noStrike">
-              <a:solidFill>
-                <a:srgbClr val="000000"/>
-              </a:solidFill>
-              <a:latin typeface="Calibri"/>
+            <a:endParaRPr b="0" lang="en-GB" sz="4390" spc="-1" strike="noStrike">
+              <a:latin typeface="Arial"/>
             </a:endParaRPr>
           </a:p>
         </p:txBody>
@@ -1711,7 +1603,7 @@
             <a:spLocks noGrp="1"/>
           </p:cNvSpPr>
           <p:nvPr>
-            <p:ph type="ftr" idx="5"/>
+            <p:ph type="ftr" idx="4"/>
           </p:nvPr>
         </p:nvSpPr>
         <p:spPr/>
@@ -1731,14 +1623,14 @@
             <a:spLocks noGrp="1"/>
           </p:cNvSpPr>
           <p:nvPr>
-            <p:ph type="sldNum" idx="6"/>
+            <p:ph type="sldNum" idx="5"/>
           </p:nvPr>
         </p:nvSpPr>
         <p:spPr/>
         <p:txBody>
           <a:bodyPr/>
           <a:p>
-            <a:fld id="{96E584DF-4B98-4CE9-A89A-0ED068686B55}" type="slidenum">
+            <a:fld id="{FCEC103F-1050-4AAA-9B88-52EE0010B243}" type="slidenum">
               <a:t>&lt;#&gt;</a:t>
             </a:fld>
           </a:p>
@@ -1751,7 +1643,7 @@
             <a:spLocks noGrp="1"/>
           </p:cNvSpPr>
           <p:nvPr>
-            <p:ph type="dt" idx="4"/>
+            <p:ph type="dt" idx="6"/>
           </p:nvPr>
         </p:nvSpPr>
         <p:spPr/>
@@ -1799,8 +1691,8 @@
         </p:nvSpPr>
         <p:spPr>
           <a:xfrm>
-            <a:off x="838080" y="365040"/>
-            <a:ext cx="10515240" cy="6144120"/>
+            <a:off x="607680" y="271800"/>
+            <a:ext cx="10972080" cy="5309640"/>
           </a:xfrm>
           <a:prstGeom prst="rect">
             <a:avLst/>
@@ -1829,7 +1721,7 @@
             <a:spLocks noGrp="1"/>
           </p:cNvSpPr>
           <p:nvPr>
-            <p:ph type="ftr" idx="5"/>
+            <p:ph type="ftr" idx="4"/>
           </p:nvPr>
         </p:nvSpPr>
         <p:spPr/>
@@ -1849,14 +1741,14 @@
             <a:spLocks noGrp="1"/>
           </p:cNvSpPr>
           <p:nvPr>
-            <p:ph type="sldNum" idx="6"/>
+            <p:ph type="sldNum" idx="5"/>
           </p:nvPr>
         </p:nvSpPr>
         <p:spPr/>
         <p:txBody>
           <a:bodyPr/>
           <a:p>
-            <a:fld id="{121E4948-69DC-4D20-89E9-066E8987CDA2}" type="slidenum">
+            <a:fld id="{B7ABBA3E-1049-4435-8125-2827F4BF64D6}" type="slidenum">
               <a:t>&lt;#&gt;</a:t>
             </a:fld>
           </a:p>
@@ -1869,7 +1761,7 @@
             <a:spLocks noGrp="1"/>
           </p:cNvSpPr>
           <p:nvPr>
-            <p:ph type="dt" idx="4"/>
+            <p:ph type="dt" idx="6"/>
           </p:nvPr>
         </p:nvSpPr>
         <p:spPr/>
@@ -1917,8 +1809,8 @@
         </p:nvSpPr>
         <p:spPr>
           <a:xfrm>
-            <a:off x="838080" y="365040"/>
-            <a:ext cx="10515240" cy="1325160"/>
+            <a:off x="607680" y="271800"/>
+            <a:ext cx="10972080" cy="1145160"/>
           </a:xfrm>
           <a:prstGeom prst="rect">
             <a:avLst/>
@@ -1933,14 +1825,11 @@
             <a:noAutofit/>
           </a:bodyPr>
           <a:p>
-            <a:pPr indent="0">
+            <a:pPr indent="0" algn="ctr">
               <a:buNone/>
             </a:pPr>
-            <a:endParaRPr b="0" lang="pt-PT" sz="1800" spc="-1" strike="noStrike">
-              <a:solidFill>
-                <a:srgbClr val="000000"/>
-              </a:solidFill>
-              <a:latin typeface="Calibri"/>
+            <a:endParaRPr b="0" lang="en-GB" sz="4390" spc="-1" strike="noStrike">
+              <a:latin typeface="Arial"/>
             </a:endParaRPr>
           </a:p>
         </p:txBody>
@@ -1957,8 +1846,8 @@
         </p:nvSpPr>
         <p:spPr>
           <a:xfrm>
-            <a:off x="838080" y="1825560"/>
-            <a:ext cx="5131080" cy="2075040"/>
+            <a:off x="607680" y="1602720"/>
+            <a:ext cx="5354280" cy="1896840"/>
           </a:xfrm>
           <a:prstGeom prst="rect">
             <a:avLst/>
@@ -1974,19 +1863,13 @@
           </a:bodyPr>
           <a:p>
             <a:pPr indent="0">
-              <a:lnSpc>
-                <a:spcPct val="90000"/>
-              </a:lnSpc>
               <a:spcBef>
-                <a:spcPts val="1417"/>
+                <a:spcPts val="1400"/>
               </a:spcBef>
               <a:buNone/>
             </a:pPr>
-            <a:endParaRPr b="0" lang="pt-PT" sz="2800" spc="-1" strike="noStrike">
-              <a:solidFill>
-                <a:srgbClr val="000000"/>
-              </a:solidFill>
-              <a:latin typeface="Calibri"/>
+            <a:endParaRPr b="0" lang="en-GB" sz="3190" spc="-1" strike="noStrike">
+              <a:latin typeface="Arial"/>
             </a:endParaRPr>
           </a:p>
         </p:txBody>
@@ -2003,8 +1886,8 @@
         </p:nvSpPr>
         <p:spPr>
           <a:xfrm>
-            <a:off x="6226200" y="1825560"/>
-            <a:ext cx="5131080" cy="4350960"/>
+            <a:off x="6230160" y="1602720"/>
+            <a:ext cx="5354280" cy="3977280"/>
           </a:xfrm>
           <a:prstGeom prst="rect">
             <a:avLst/>
@@ -2020,19 +1903,13 @@
           </a:bodyPr>
           <a:p>
             <a:pPr indent="0">
-              <a:lnSpc>
-                <a:spcPct val="90000"/>
-              </a:lnSpc>
               <a:spcBef>
-                <a:spcPts val="1417"/>
+                <a:spcPts val="1400"/>
               </a:spcBef>
               <a:buNone/>
             </a:pPr>
-            <a:endParaRPr b="0" lang="pt-PT" sz="2800" spc="-1" strike="noStrike">
-              <a:solidFill>
-                <a:srgbClr val="000000"/>
-              </a:solidFill>
-              <a:latin typeface="Calibri"/>
+            <a:endParaRPr b="0" lang="en-GB" sz="3190" spc="-1" strike="noStrike">
+              <a:latin typeface="Arial"/>
             </a:endParaRPr>
           </a:p>
         </p:txBody>
@@ -2049,8 +1926,8 @@
         </p:nvSpPr>
         <p:spPr>
           <a:xfrm>
-            <a:off x="838080" y="4098240"/>
-            <a:ext cx="5131080" cy="2075040"/>
+            <a:off x="607680" y="3680280"/>
+            <a:ext cx="5354280" cy="1896840"/>
           </a:xfrm>
           <a:prstGeom prst="rect">
             <a:avLst/>
@@ -2066,19 +1943,13 @@
           </a:bodyPr>
           <a:p>
             <a:pPr indent="0">
-              <a:lnSpc>
-                <a:spcPct val="90000"/>
-              </a:lnSpc>
               <a:spcBef>
-                <a:spcPts val="1417"/>
+                <a:spcPts val="1400"/>
               </a:spcBef>
               <a:buNone/>
             </a:pPr>
-            <a:endParaRPr b="0" lang="pt-PT" sz="2800" spc="-1" strike="noStrike">
-              <a:solidFill>
-                <a:srgbClr val="000000"/>
-              </a:solidFill>
-              <a:latin typeface="Calibri"/>
+            <a:endParaRPr b="0" lang="en-GB" sz="3190" spc="-1" strike="noStrike">
+              <a:latin typeface="Arial"/>
             </a:endParaRPr>
           </a:p>
         </p:txBody>
@@ -2090,7 +1961,7 @@
             <a:spLocks noGrp="1"/>
           </p:cNvSpPr>
           <p:nvPr>
-            <p:ph type="ftr" idx="5"/>
+            <p:ph type="ftr" idx="4"/>
           </p:nvPr>
         </p:nvSpPr>
         <p:spPr/>
@@ -2110,14 +1981,14 @@
             <a:spLocks noGrp="1"/>
           </p:cNvSpPr>
           <p:nvPr>
-            <p:ph type="sldNum" idx="6"/>
+            <p:ph type="sldNum" idx="5"/>
           </p:nvPr>
         </p:nvSpPr>
         <p:spPr/>
         <p:txBody>
           <a:bodyPr/>
           <a:p>
-            <a:fld id="{954F3982-E003-415E-9F75-74859EB4E463}" type="slidenum">
+            <a:fld id="{ED87E8F2-8BC3-4329-A483-453F4EB6DAEB}" type="slidenum">
               <a:t>&lt;#&gt;</a:t>
             </a:fld>
           </a:p>
@@ -2130,7 +2001,7 @@
             <a:spLocks noGrp="1"/>
           </p:cNvSpPr>
           <p:nvPr>
-            <p:ph type="dt" idx="4"/>
+            <p:ph type="dt" idx="6"/>
           </p:nvPr>
         </p:nvSpPr>
         <p:spPr/>
@@ -2178,8 +2049,8 @@
         </p:nvSpPr>
         <p:spPr>
           <a:xfrm>
-            <a:off x="838080" y="365040"/>
-            <a:ext cx="10515240" cy="1325160"/>
+            <a:off x="607680" y="271800"/>
+            <a:ext cx="10972080" cy="1145160"/>
           </a:xfrm>
           <a:prstGeom prst="rect">
             <a:avLst/>
@@ -2194,14 +2065,11 @@
             <a:noAutofit/>
           </a:bodyPr>
           <a:p>
-            <a:pPr indent="0">
+            <a:pPr indent="0" algn="ctr">
               <a:buNone/>
             </a:pPr>
-            <a:endParaRPr b="0" lang="pt-PT" sz="1800" spc="-1" strike="noStrike">
-              <a:solidFill>
-                <a:srgbClr val="000000"/>
-              </a:solidFill>
-              <a:latin typeface="Calibri"/>
+            <a:endParaRPr b="0" lang="en-GB" sz="4390" spc="-1" strike="noStrike">
+              <a:latin typeface="Arial"/>
             </a:endParaRPr>
           </a:p>
         </p:txBody>
@@ -2218,8 +2086,8 @@
         </p:nvSpPr>
         <p:spPr>
           <a:xfrm>
-            <a:off x="838080" y="1825560"/>
-            <a:ext cx="10515240" cy="4350960"/>
+            <a:off x="607680" y="1602720"/>
+            <a:ext cx="10972080" cy="3977280"/>
           </a:xfrm>
           <a:prstGeom prst="rect">
             <a:avLst/>
@@ -2250,7 +2118,7 @@
             <a:spLocks noGrp="1"/>
           </p:cNvSpPr>
           <p:nvPr>
-            <p:ph type="ftr" idx="2"/>
+            <p:ph type="ftr" idx="1"/>
           </p:nvPr>
         </p:nvSpPr>
         <p:spPr/>
@@ -2270,14 +2138,14 @@
             <a:spLocks noGrp="1"/>
           </p:cNvSpPr>
           <p:nvPr>
-            <p:ph type="sldNum" idx="3"/>
+            <p:ph type="sldNum" idx="2"/>
           </p:nvPr>
         </p:nvSpPr>
         <p:spPr/>
         <p:txBody>
           <a:bodyPr/>
           <a:p>
-            <a:fld id="{6152E5FB-AAB5-4097-8499-D29EBCC91697}" type="slidenum">
+            <a:fld id="{84389542-BBEA-4B9B-BD89-1CDF29BB8F90}" type="slidenum">
               <a:t>&lt;#&gt;</a:t>
             </a:fld>
           </a:p>
@@ -2290,7 +2158,7 @@
             <a:spLocks noGrp="1"/>
           </p:cNvSpPr>
           <p:nvPr>
-            <p:ph type="dt" idx="1"/>
+            <p:ph type="dt" idx="3"/>
           </p:nvPr>
         </p:nvSpPr>
         <p:spPr/>
@@ -2338,8 +2206,8 @@
         </p:nvSpPr>
         <p:spPr>
           <a:xfrm>
-            <a:off x="838080" y="365040"/>
-            <a:ext cx="10515240" cy="1325160"/>
+            <a:off x="607680" y="271800"/>
+            <a:ext cx="10972080" cy="1145160"/>
           </a:xfrm>
           <a:prstGeom prst="rect">
             <a:avLst/>
@@ -2354,14 +2222,11 @@
             <a:noAutofit/>
           </a:bodyPr>
           <a:p>
-            <a:pPr indent="0">
+            <a:pPr indent="0" algn="ctr">
               <a:buNone/>
             </a:pPr>
-            <a:endParaRPr b="0" lang="pt-PT" sz="1800" spc="-1" strike="noStrike">
-              <a:solidFill>
-                <a:srgbClr val="000000"/>
-              </a:solidFill>
-              <a:latin typeface="Calibri"/>
+            <a:endParaRPr b="0" lang="en-GB" sz="4390" spc="-1" strike="noStrike">
+              <a:latin typeface="Arial"/>
             </a:endParaRPr>
           </a:p>
         </p:txBody>
@@ -2378,8 +2243,8 @@
         </p:nvSpPr>
         <p:spPr>
           <a:xfrm>
-            <a:off x="838080" y="1825560"/>
-            <a:ext cx="5131080" cy="4350960"/>
+            <a:off x="607680" y="1602720"/>
+            <a:ext cx="5354280" cy="3977280"/>
           </a:xfrm>
           <a:prstGeom prst="rect">
             <a:avLst/>
@@ -2395,19 +2260,13 @@
           </a:bodyPr>
           <a:p>
             <a:pPr indent="0">
-              <a:lnSpc>
-                <a:spcPct val="90000"/>
-              </a:lnSpc>
               <a:spcBef>
-                <a:spcPts val="1417"/>
+                <a:spcPts val="1400"/>
               </a:spcBef>
               <a:buNone/>
             </a:pPr>
-            <a:endParaRPr b="0" lang="pt-PT" sz="2800" spc="-1" strike="noStrike">
-              <a:solidFill>
-                <a:srgbClr val="000000"/>
-              </a:solidFill>
-              <a:latin typeface="Calibri"/>
+            <a:endParaRPr b="0" lang="en-GB" sz="3190" spc="-1" strike="noStrike">
+              <a:latin typeface="Arial"/>
             </a:endParaRPr>
           </a:p>
         </p:txBody>
@@ -2424,8 +2283,8 @@
         </p:nvSpPr>
         <p:spPr>
           <a:xfrm>
-            <a:off x="6226200" y="1825560"/>
-            <a:ext cx="5131080" cy="2075040"/>
+            <a:off x="6230160" y="1602720"/>
+            <a:ext cx="5354280" cy="1896840"/>
           </a:xfrm>
           <a:prstGeom prst="rect">
             <a:avLst/>
@@ -2441,19 +2300,13 @@
           </a:bodyPr>
           <a:p>
             <a:pPr indent="0">
-              <a:lnSpc>
-                <a:spcPct val="90000"/>
-              </a:lnSpc>
               <a:spcBef>
-                <a:spcPts val="1417"/>
+                <a:spcPts val="1400"/>
               </a:spcBef>
               <a:buNone/>
             </a:pPr>
-            <a:endParaRPr b="0" lang="pt-PT" sz="2800" spc="-1" strike="noStrike">
-              <a:solidFill>
-                <a:srgbClr val="000000"/>
-              </a:solidFill>
-              <a:latin typeface="Calibri"/>
+            <a:endParaRPr b="0" lang="en-GB" sz="3190" spc="-1" strike="noStrike">
+              <a:latin typeface="Arial"/>
             </a:endParaRPr>
           </a:p>
         </p:txBody>
@@ -2470,8 +2323,8 @@
         </p:nvSpPr>
         <p:spPr>
           <a:xfrm>
-            <a:off x="6226200" y="4098240"/>
-            <a:ext cx="5131080" cy="2075040"/>
+            <a:off x="6230160" y="3680280"/>
+            <a:ext cx="5354280" cy="1896840"/>
           </a:xfrm>
           <a:prstGeom prst="rect">
             <a:avLst/>
@@ -2487,19 +2340,13 @@
           </a:bodyPr>
           <a:p>
             <a:pPr indent="0">
-              <a:lnSpc>
-                <a:spcPct val="90000"/>
-              </a:lnSpc>
               <a:spcBef>
-                <a:spcPts val="1417"/>
+                <a:spcPts val="1400"/>
               </a:spcBef>
               <a:buNone/>
             </a:pPr>
-            <a:endParaRPr b="0" lang="pt-PT" sz="2800" spc="-1" strike="noStrike">
-              <a:solidFill>
-                <a:srgbClr val="000000"/>
-              </a:solidFill>
-              <a:latin typeface="Calibri"/>
+            <a:endParaRPr b="0" lang="en-GB" sz="3190" spc="-1" strike="noStrike">
+              <a:latin typeface="Arial"/>
             </a:endParaRPr>
           </a:p>
         </p:txBody>
@@ -2511,7 +2358,7 @@
             <a:spLocks noGrp="1"/>
           </p:cNvSpPr>
           <p:nvPr>
-            <p:ph type="ftr" idx="5"/>
+            <p:ph type="ftr" idx="4"/>
           </p:nvPr>
         </p:nvSpPr>
         <p:spPr/>
@@ -2531,14 +2378,14 @@
             <a:spLocks noGrp="1"/>
           </p:cNvSpPr>
           <p:nvPr>
-            <p:ph type="sldNum" idx="6"/>
+            <p:ph type="sldNum" idx="5"/>
           </p:nvPr>
         </p:nvSpPr>
         <p:spPr/>
         <p:txBody>
           <a:bodyPr/>
           <a:p>
-            <a:fld id="{856D29D9-3CC2-4F67-910B-AB7DD4F95A67}" type="slidenum">
+            <a:fld id="{AE57F0B3-FF49-4365-94AB-7D8BFB612A03}" type="slidenum">
               <a:t>&lt;#&gt;</a:t>
             </a:fld>
           </a:p>
@@ -2551,7 +2398,7 @@
             <a:spLocks noGrp="1"/>
           </p:cNvSpPr>
           <p:nvPr>
-            <p:ph type="dt" idx="4"/>
+            <p:ph type="dt" idx="6"/>
           </p:nvPr>
         </p:nvSpPr>
         <p:spPr/>
@@ -2599,8 +2446,8 @@
         </p:nvSpPr>
         <p:spPr>
           <a:xfrm>
-            <a:off x="838080" y="365040"/>
-            <a:ext cx="10515240" cy="1325160"/>
+            <a:off x="607680" y="271800"/>
+            <a:ext cx="10972080" cy="1145160"/>
           </a:xfrm>
           <a:prstGeom prst="rect">
             <a:avLst/>
@@ -2615,14 +2462,11 @@
             <a:noAutofit/>
           </a:bodyPr>
           <a:p>
-            <a:pPr indent="0">
+            <a:pPr indent="0" algn="ctr">
               <a:buNone/>
             </a:pPr>
-            <a:endParaRPr b="0" lang="pt-PT" sz="1800" spc="-1" strike="noStrike">
-              <a:solidFill>
-                <a:srgbClr val="000000"/>
-              </a:solidFill>
-              <a:latin typeface="Calibri"/>
+            <a:endParaRPr b="0" lang="en-GB" sz="4390" spc="-1" strike="noStrike">
+              <a:latin typeface="Arial"/>
             </a:endParaRPr>
           </a:p>
         </p:txBody>
@@ -2639,8 +2483,8 @@
         </p:nvSpPr>
         <p:spPr>
           <a:xfrm>
-            <a:off x="838080" y="1825560"/>
-            <a:ext cx="5131080" cy="2075040"/>
+            <a:off x="607680" y="1602720"/>
+            <a:ext cx="5354280" cy="1896840"/>
           </a:xfrm>
           <a:prstGeom prst="rect">
             <a:avLst/>
@@ -2656,19 +2500,13 @@
           </a:bodyPr>
           <a:p>
             <a:pPr indent="0">
-              <a:lnSpc>
-                <a:spcPct val="90000"/>
-              </a:lnSpc>
               <a:spcBef>
-                <a:spcPts val="1417"/>
+                <a:spcPts val="1400"/>
               </a:spcBef>
               <a:buNone/>
             </a:pPr>
-            <a:endParaRPr b="0" lang="pt-PT" sz="2800" spc="-1" strike="noStrike">
-              <a:solidFill>
-                <a:srgbClr val="000000"/>
-              </a:solidFill>
-              <a:latin typeface="Calibri"/>
+            <a:endParaRPr b="0" lang="en-GB" sz="3190" spc="-1" strike="noStrike">
+              <a:latin typeface="Arial"/>
             </a:endParaRPr>
           </a:p>
         </p:txBody>
@@ -2685,8 +2523,8 @@
         </p:nvSpPr>
         <p:spPr>
           <a:xfrm>
-            <a:off x="6226200" y="1825560"/>
-            <a:ext cx="5131080" cy="2075040"/>
+            <a:off x="6230160" y="1602720"/>
+            <a:ext cx="5354280" cy="1896840"/>
           </a:xfrm>
           <a:prstGeom prst="rect">
             <a:avLst/>
@@ -2702,19 +2540,13 @@
           </a:bodyPr>
           <a:p>
             <a:pPr indent="0">
-              <a:lnSpc>
-                <a:spcPct val="90000"/>
-              </a:lnSpc>
               <a:spcBef>
-                <a:spcPts val="1417"/>
+                <a:spcPts val="1400"/>
               </a:spcBef>
               <a:buNone/>
             </a:pPr>
-            <a:endParaRPr b="0" lang="pt-PT" sz="2800" spc="-1" strike="noStrike">
-              <a:solidFill>
-                <a:srgbClr val="000000"/>
-              </a:solidFill>
-              <a:latin typeface="Calibri"/>
+            <a:endParaRPr b="0" lang="en-GB" sz="3190" spc="-1" strike="noStrike">
+              <a:latin typeface="Arial"/>
             </a:endParaRPr>
           </a:p>
         </p:txBody>
@@ -2731,8 +2563,8 @@
         </p:nvSpPr>
         <p:spPr>
           <a:xfrm>
-            <a:off x="838080" y="4098240"/>
-            <a:ext cx="10515240" cy="2075040"/>
+            <a:off x="607680" y="3680280"/>
+            <a:ext cx="10972080" cy="1896840"/>
           </a:xfrm>
           <a:prstGeom prst="rect">
             <a:avLst/>
@@ -2748,19 +2580,13 @@
           </a:bodyPr>
           <a:p>
             <a:pPr indent="0">
-              <a:lnSpc>
-                <a:spcPct val="90000"/>
-              </a:lnSpc>
               <a:spcBef>
-                <a:spcPts val="1417"/>
+                <a:spcPts val="1400"/>
               </a:spcBef>
               <a:buNone/>
             </a:pPr>
-            <a:endParaRPr b="0" lang="pt-PT" sz="2800" spc="-1" strike="noStrike">
-              <a:solidFill>
-                <a:srgbClr val="000000"/>
-              </a:solidFill>
-              <a:latin typeface="Calibri"/>
+            <a:endParaRPr b="0" lang="en-GB" sz="3190" spc="-1" strike="noStrike">
+              <a:latin typeface="Arial"/>
             </a:endParaRPr>
           </a:p>
         </p:txBody>
@@ -2772,7 +2598,7 @@
             <a:spLocks noGrp="1"/>
           </p:cNvSpPr>
           <p:nvPr>
-            <p:ph type="ftr" idx="5"/>
+            <p:ph type="ftr" idx="4"/>
           </p:nvPr>
         </p:nvSpPr>
         <p:spPr/>
@@ -2792,14 +2618,14 @@
             <a:spLocks noGrp="1"/>
           </p:cNvSpPr>
           <p:nvPr>
-            <p:ph type="sldNum" idx="6"/>
+            <p:ph type="sldNum" idx="5"/>
           </p:nvPr>
         </p:nvSpPr>
         <p:spPr/>
         <p:txBody>
           <a:bodyPr/>
           <a:p>
-            <a:fld id="{9EDFD614-04DA-4E4E-B983-4F1D5650571D}" type="slidenum">
+            <a:fld id="{0A9340B8-EA36-4A9A-9C45-EB97BCD87485}" type="slidenum">
               <a:t>&lt;#&gt;</a:t>
             </a:fld>
           </a:p>
@@ -2812,7 +2638,7 @@
             <a:spLocks noGrp="1"/>
           </p:cNvSpPr>
           <p:nvPr>
-            <p:ph type="dt" idx="4"/>
+            <p:ph type="dt" idx="6"/>
           </p:nvPr>
         </p:nvSpPr>
         <p:spPr/>
@@ -2860,8 +2686,8 @@
         </p:nvSpPr>
         <p:spPr>
           <a:xfrm>
-            <a:off x="838080" y="365040"/>
-            <a:ext cx="10515240" cy="1325160"/>
+            <a:off x="607680" y="271800"/>
+            <a:ext cx="10972080" cy="1145160"/>
           </a:xfrm>
           <a:prstGeom prst="rect">
             <a:avLst/>
@@ -2876,14 +2702,11 @@
             <a:noAutofit/>
           </a:bodyPr>
           <a:p>
-            <a:pPr indent="0">
+            <a:pPr indent="0" algn="ctr">
               <a:buNone/>
             </a:pPr>
-            <a:endParaRPr b="0" lang="pt-PT" sz="1800" spc="-1" strike="noStrike">
-              <a:solidFill>
-                <a:srgbClr val="000000"/>
-              </a:solidFill>
-              <a:latin typeface="Calibri"/>
+            <a:endParaRPr b="0" lang="en-GB" sz="4390" spc="-1" strike="noStrike">
+              <a:latin typeface="Arial"/>
             </a:endParaRPr>
           </a:p>
         </p:txBody>
@@ -2900,8 +2723,8 @@
         </p:nvSpPr>
         <p:spPr>
           <a:xfrm>
-            <a:off x="838080" y="1825560"/>
-            <a:ext cx="10515240" cy="2075040"/>
+            <a:off x="607680" y="1602720"/>
+            <a:ext cx="10972080" cy="1896840"/>
           </a:xfrm>
           <a:prstGeom prst="rect">
             <a:avLst/>
@@ -2917,19 +2740,13 @@
           </a:bodyPr>
           <a:p>
             <a:pPr indent="0">
-              <a:lnSpc>
-                <a:spcPct val="90000"/>
-              </a:lnSpc>
               <a:spcBef>
-                <a:spcPts val="1417"/>
+                <a:spcPts val="1400"/>
               </a:spcBef>
               <a:buNone/>
             </a:pPr>
-            <a:endParaRPr b="0" lang="pt-PT" sz="2800" spc="-1" strike="noStrike">
-              <a:solidFill>
-                <a:srgbClr val="000000"/>
-              </a:solidFill>
-              <a:latin typeface="Calibri"/>
+            <a:endParaRPr b="0" lang="en-GB" sz="3190" spc="-1" strike="noStrike">
+              <a:latin typeface="Arial"/>
             </a:endParaRPr>
           </a:p>
         </p:txBody>
@@ -2946,8 +2763,8 @@
         </p:nvSpPr>
         <p:spPr>
           <a:xfrm>
-            <a:off x="838080" y="4098240"/>
-            <a:ext cx="10515240" cy="2075040"/>
+            <a:off x="607680" y="3680280"/>
+            <a:ext cx="10972080" cy="1896840"/>
           </a:xfrm>
           <a:prstGeom prst="rect">
             <a:avLst/>
@@ -2963,19 +2780,13 @@
           </a:bodyPr>
           <a:p>
             <a:pPr indent="0">
-              <a:lnSpc>
-                <a:spcPct val="90000"/>
-              </a:lnSpc>
               <a:spcBef>
-                <a:spcPts val="1417"/>
+                <a:spcPts val="1400"/>
               </a:spcBef>
               <a:buNone/>
             </a:pPr>
-            <a:endParaRPr b="0" lang="pt-PT" sz="2800" spc="-1" strike="noStrike">
-              <a:solidFill>
-                <a:srgbClr val="000000"/>
-              </a:solidFill>
-              <a:latin typeface="Calibri"/>
+            <a:endParaRPr b="0" lang="en-GB" sz="3190" spc="-1" strike="noStrike">
+              <a:latin typeface="Arial"/>
             </a:endParaRPr>
           </a:p>
         </p:txBody>
@@ -2987,7 +2798,7 @@
             <a:spLocks noGrp="1"/>
           </p:cNvSpPr>
           <p:nvPr>
-            <p:ph type="ftr" idx="5"/>
+            <p:ph type="ftr" idx="4"/>
           </p:nvPr>
         </p:nvSpPr>
         <p:spPr/>
@@ -3007,14 +2818,14 @@
             <a:spLocks noGrp="1"/>
           </p:cNvSpPr>
           <p:nvPr>
-            <p:ph type="sldNum" idx="6"/>
+            <p:ph type="sldNum" idx="5"/>
           </p:nvPr>
         </p:nvSpPr>
         <p:spPr/>
         <p:txBody>
           <a:bodyPr/>
           <a:p>
-            <a:fld id="{DD062D33-A75D-4719-9462-968D936FF68C}" type="slidenum">
+            <a:fld id="{DB3C71DD-A93A-425E-9163-79E59AFEDED9}" type="slidenum">
               <a:t>&lt;#&gt;</a:t>
             </a:fld>
           </a:p>
@@ -3027,7 +2838,7 @@
             <a:spLocks noGrp="1"/>
           </p:cNvSpPr>
           <p:nvPr>
-            <p:ph type="dt" idx="4"/>
+            <p:ph type="dt" idx="6"/>
           </p:nvPr>
         </p:nvSpPr>
         <p:spPr/>
@@ -3075,8 +2886,8 @@
         </p:nvSpPr>
         <p:spPr>
           <a:xfrm>
-            <a:off x="838080" y="365040"/>
-            <a:ext cx="10515240" cy="1325160"/>
+            <a:off x="607680" y="271800"/>
+            <a:ext cx="10972080" cy="1145160"/>
           </a:xfrm>
           <a:prstGeom prst="rect">
             <a:avLst/>
@@ -3091,14 +2902,11 @@
             <a:noAutofit/>
           </a:bodyPr>
           <a:p>
-            <a:pPr indent="0">
+            <a:pPr indent="0" algn="ctr">
               <a:buNone/>
             </a:pPr>
-            <a:endParaRPr b="0" lang="pt-PT" sz="1800" spc="-1" strike="noStrike">
-              <a:solidFill>
-                <a:srgbClr val="000000"/>
-              </a:solidFill>
-              <a:latin typeface="Calibri"/>
+            <a:endParaRPr b="0" lang="en-GB" sz="4390" spc="-1" strike="noStrike">
+              <a:latin typeface="Arial"/>
             </a:endParaRPr>
           </a:p>
         </p:txBody>
@@ -3115,8 +2923,8 @@
         </p:nvSpPr>
         <p:spPr>
           <a:xfrm>
-            <a:off x="838080" y="1825560"/>
-            <a:ext cx="5131080" cy="2075040"/>
+            <a:off x="607680" y="1602720"/>
+            <a:ext cx="5354280" cy="1896840"/>
           </a:xfrm>
           <a:prstGeom prst="rect">
             <a:avLst/>
@@ -3132,19 +2940,13 @@
           </a:bodyPr>
           <a:p>
             <a:pPr indent="0">
-              <a:lnSpc>
-                <a:spcPct val="90000"/>
-              </a:lnSpc>
               <a:spcBef>
-                <a:spcPts val="1417"/>
+                <a:spcPts val="1400"/>
               </a:spcBef>
               <a:buNone/>
             </a:pPr>
-            <a:endParaRPr b="0" lang="pt-PT" sz="2800" spc="-1" strike="noStrike">
-              <a:solidFill>
-                <a:srgbClr val="000000"/>
-              </a:solidFill>
-              <a:latin typeface="Calibri"/>
+            <a:endParaRPr b="0" lang="en-GB" sz="3190" spc="-1" strike="noStrike">
+              <a:latin typeface="Arial"/>
             </a:endParaRPr>
           </a:p>
         </p:txBody>
@@ -3161,8 +2963,8 @@
         </p:nvSpPr>
         <p:spPr>
           <a:xfrm>
-            <a:off x="6226200" y="1825560"/>
-            <a:ext cx="5131080" cy="2075040"/>
+            <a:off x="6230160" y="1602720"/>
+            <a:ext cx="5354280" cy="1896840"/>
           </a:xfrm>
           <a:prstGeom prst="rect">
             <a:avLst/>
@@ -3178,19 +2980,13 @@
           </a:bodyPr>
           <a:p>
             <a:pPr indent="0">
-              <a:lnSpc>
-                <a:spcPct val="90000"/>
-              </a:lnSpc>
               <a:spcBef>
-                <a:spcPts val="1417"/>
+                <a:spcPts val="1400"/>
               </a:spcBef>
               <a:buNone/>
             </a:pPr>
-            <a:endParaRPr b="0" lang="pt-PT" sz="2800" spc="-1" strike="noStrike">
-              <a:solidFill>
-                <a:srgbClr val="000000"/>
-              </a:solidFill>
-              <a:latin typeface="Calibri"/>
+            <a:endParaRPr b="0" lang="en-GB" sz="3190" spc="-1" strike="noStrike">
+              <a:latin typeface="Arial"/>
             </a:endParaRPr>
           </a:p>
         </p:txBody>
@@ -3207,8 +3003,8 @@
         </p:nvSpPr>
         <p:spPr>
           <a:xfrm>
-            <a:off x="838080" y="4098240"/>
-            <a:ext cx="5131080" cy="2075040"/>
+            <a:off x="607680" y="3680280"/>
+            <a:ext cx="5354280" cy="1896840"/>
           </a:xfrm>
           <a:prstGeom prst="rect">
             <a:avLst/>
@@ -3224,19 +3020,13 @@
           </a:bodyPr>
           <a:p>
             <a:pPr indent="0">
-              <a:lnSpc>
-                <a:spcPct val="90000"/>
-              </a:lnSpc>
               <a:spcBef>
-                <a:spcPts val="1417"/>
+                <a:spcPts val="1400"/>
               </a:spcBef>
               <a:buNone/>
             </a:pPr>
-            <a:endParaRPr b="0" lang="pt-PT" sz="2800" spc="-1" strike="noStrike">
-              <a:solidFill>
-                <a:srgbClr val="000000"/>
-              </a:solidFill>
-              <a:latin typeface="Calibri"/>
+            <a:endParaRPr b="0" lang="en-GB" sz="3190" spc="-1" strike="noStrike">
+              <a:latin typeface="Arial"/>
             </a:endParaRPr>
           </a:p>
         </p:txBody>
@@ -3253,8 +3043,8 @@
         </p:nvSpPr>
         <p:spPr>
           <a:xfrm>
-            <a:off x="6226200" y="4098240"/>
-            <a:ext cx="5131080" cy="2075040"/>
+            <a:off x="6230160" y="3680280"/>
+            <a:ext cx="5354280" cy="1896840"/>
           </a:xfrm>
           <a:prstGeom prst="rect">
             <a:avLst/>
@@ -3270,19 +3060,13 @@
           </a:bodyPr>
           <a:p>
             <a:pPr indent="0">
-              <a:lnSpc>
-                <a:spcPct val="90000"/>
-              </a:lnSpc>
               <a:spcBef>
-                <a:spcPts val="1417"/>
+                <a:spcPts val="1400"/>
               </a:spcBef>
               <a:buNone/>
             </a:pPr>
-            <a:endParaRPr b="0" lang="pt-PT" sz="2800" spc="-1" strike="noStrike">
-              <a:solidFill>
-                <a:srgbClr val="000000"/>
-              </a:solidFill>
-              <a:latin typeface="Calibri"/>
+            <a:endParaRPr b="0" lang="en-GB" sz="3190" spc="-1" strike="noStrike">
+              <a:latin typeface="Arial"/>
             </a:endParaRPr>
           </a:p>
         </p:txBody>
@@ -3294,7 +3078,7 @@
             <a:spLocks noGrp="1"/>
           </p:cNvSpPr>
           <p:nvPr>
-            <p:ph type="ftr" idx="5"/>
+            <p:ph type="ftr" idx="4"/>
           </p:nvPr>
         </p:nvSpPr>
         <p:spPr/>
@@ -3314,14 +3098,14 @@
             <a:spLocks noGrp="1"/>
           </p:cNvSpPr>
           <p:nvPr>
-            <p:ph type="sldNum" idx="6"/>
+            <p:ph type="sldNum" idx="5"/>
           </p:nvPr>
         </p:nvSpPr>
         <p:spPr/>
         <p:txBody>
           <a:bodyPr/>
           <a:p>
-            <a:fld id="{4AF34545-152B-4F3C-8842-B5C761E6F437}" type="slidenum">
+            <a:fld id="{0886525F-F48D-42B3-9E4F-650EE8A2753C}" type="slidenum">
               <a:t>&lt;#&gt;</a:t>
             </a:fld>
           </a:p>
@@ -3334,7 +3118,7 @@
             <a:spLocks noGrp="1"/>
           </p:cNvSpPr>
           <p:nvPr>
-            <p:ph type="dt" idx="4"/>
+            <p:ph type="dt" idx="6"/>
           </p:nvPr>
         </p:nvSpPr>
         <p:spPr/>
@@ -3382,8 +3166,8 @@
         </p:nvSpPr>
         <p:spPr>
           <a:xfrm>
-            <a:off x="838080" y="365040"/>
-            <a:ext cx="10515240" cy="1325160"/>
+            <a:off x="607680" y="271800"/>
+            <a:ext cx="10972080" cy="1145160"/>
           </a:xfrm>
           <a:prstGeom prst="rect">
             <a:avLst/>
@@ -3398,14 +3182,11 @@
             <a:noAutofit/>
           </a:bodyPr>
           <a:p>
-            <a:pPr indent="0">
+            <a:pPr indent="0" algn="ctr">
               <a:buNone/>
             </a:pPr>
-            <a:endParaRPr b="0" lang="pt-PT" sz="1800" spc="-1" strike="noStrike">
-              <a:solidFill>
-                <a:srgbClr val="000000"/>
-              </a:solidFill>
-              <a:latin typeface="Calibri"/>
+            <a:endParaRPr b="0" lang="en-GB" sz="4390" spc="-1" strike="noStrike">
+              <a:latin typeface="Arial"/>
             </a:endParaRPr>
           </a:p>
         </p:txBody>
@@ -3422,8 +3203,8 @@
         </p:nvSpPr>
         <p:spPr>
           <a:xfrm>
-            <a:off x="838080" y="1825560"/>
-            <a:ext cx="3385800" cy="2075040"/>
+            <a:off x="607680" y="1602720"/>
+            <a:ext cx="3532680" cy="1896840"/>
           </a:xfrm>
           <a:prstGeom prst="rect">
             <a:avLst/>
@@ -3439,19 +3220,13 @@
           </a:bodyPr>
           <a:p>
             <a:pPr indent="0">
-              <a:lnSpc>
-                <a:spcPct val="90000"/>
-              </a:lnSpc>
               <a:spcBef>
-                <a:spcPts val="1417"/>
+                <a:spcPts val="1400"/>
               </a:spcBef>
               <a:buNone/>
             </a:pPr>
-            <a:endParaRPr b="0" lang="pt-PT" sz="2800" spc="-1" strike="noStrike">
-              <a:solidFill>
-                <a:srgbClr val="000000"/>
-              </a:solidFill>
-              <a:latin typeface="Calibri"/>
+            <a:endParaRPr b="0" lang="en-GB" sz="3190" spc="-1" strike="noStrike">
+              <a:latin typeface="Arial"/>
             </a:endParaRPr>
           </a:p>
         </p:txBody>
@@ -3468,8 +3243,8 @@
         </p:nvSpPr>
         <p:spPr>
           <a:xfrm>
-            <a:off x="4393440" y="1825560"/>
-            <a:ext cx="3385800" cy="2075040"/>
+            <a:off x="4317480" y="1602720"/>
+            <a:ext cx="3532680" cy="1896840"/>
           </a:xfrm>
           <a:prstGeom prst="rect">
             <a:avLst/>
@@ -3485,19 +3260,13 @@
           </a:bodyPr>
           <a:p>
             <a:pPr indent="0">
-              <a:lnSpc>
-                <a:spcPct val="90000"/>
-              </a:lnSpc>
               <a:spcBef>
-                <a:spcPts val="1417"/>
+                <a:spcPts val="1400"/>
               </a:spcBef>
               <a:buNone/>
             </a:pPr>
-            <a:endParaRPr b="0" lang="pt-PT" sz="2800" spc="-1" strike="noStrike">
-              <a:solidFill>
-                <a:srgbClr val="000000"/>
-              </a:solidFill>
-              <a:latin typeface="Calibri"/>
+            <a:endParaRPr b="0" lang="en-GB" sz="3190" spc="-1" strike="noStrike">
+              <a:latin typeface="Arial"/>
             </a:endParaRPr>
           </a:p>
         </p:txBody>
@@ -3514,8 +3283,8 @@
         </p:nvSpPr>
         <p:spPr>
           <a:xfrm>
-            <a:off x="7949160" y="1825560"/>
-            <a:ext cx="3385800" cy="2075040"/>
+            <a:off x="8026920" y="1602720"/>
+            <a:ext cx="3532680" cy="1896840"/>
           </a:xfrm>
           <a:prstGeom prst="rect">
             <a:avLst/>
@@ -3531,19 +3300,13 @@
           </a:bodyPr>
           <a:p>
             <a:pPr indent="0">
-              <a:lnSpc>
-                <a:spcPct val="90000"/>
-              </a:lnSpc>
               <a:spcBef>
-                <a:spcPts val="1417"/>
+                <a:spcPts val="1400"/>
               </a:spcBef>
               <a:buNone/>
             </a:pPr>
-            <a:endParaRPr b="0" lang="pt-PT" sz="2800" spc="-1" strike="noStrike">
-              <a:solidFill>
-                <a:srgbClr val="000000"/>
-              </a:solidFill>
-              <a:latin typeface="Calibri"/>
+            <a:endParaRPr b="0" lang="en-GB" sz="3190" spc="-1" strike="noStrike">
+              <a:latin typeface="Arial"/>
             </a:endParaRPr>
           </a:p>
         </p:txBody>
@@ -3560,8 +3323,8 @@
         </p:nvSpPr>
         <p:spPr>
           <a:xfrm>
-            <a:off x="838080" y="4098240"/>
-            <a:ext cx="3385800" cy="2075040"/>
+            <a:off x="607680" y="3680280"/>
+            <a:ext cx="3532680" cy="1896840"/>
           </a:xfrm>
           <a:prstGeom prst="rect">
             <a:avLst/>
@@ -3577,19 +3340,13 @@
           </a:bodyPr>
           <a:p>
             <a:pPr indent="0">
-              <a:lnSpc>
-                <a:spcPct val="90000"/>
-              </a:lnSpc>
               <a:spcBef>
-                <a:spcPts val="1417"/>
+                <a:spcPts val="1400"/>
               </a:spcBef>
               <a:buNone/>
             </a:pPr>
-            <a:endParaRPr b="0" lang="pt-PT" sz="2800" spc="-1" strike="noStrike">
-              <a:solidFill>
-                <a:srgbClr val="000000"/>
-              </a:solidFill>
-              <a:latin typeface="Calibri"/>
+            <a:endParaRPr b="0" lang="en-GB" sz="3190" spc="-1" strike="noStrike">
+              <a:latin typeface="Arial"/>
             </a:endParaRPr>
           </a:p>
         </p:txBody>
@@ -3606,8 +3363,8 @@
         </p:nvSpPr>
         <p:spPr>
           <a:xfrm>
-            <a:off x="4393440" y="4098240"/>
-            <a:ext cx="3385800" cy="2075040"/>
+            <a:off x="4317480" y="3680280"/>
+            <a:ext cx="3532680" cy="1896840"/>
           </a:xfrm>
           <a:prstGeom prst="rect">
             <a:avLst/>
@@ -3623,19 +3380,13 @@
           </a:bodyPr>
           <a:p>
             <a:pPr indent="0">
-              <a:lnSpc>
-                <a:spcPct val="90000"/>
-              </a:lnSpc>
               <a:spcBef>
-                <a:spcPts val="1417"/>
+                <a:spcPts val="1400"/>
               </a:spcBef>
               <a:buNone/>
             </a:pPr>
-            <a:endParaRPr b="0" lang="pt-PT" sz="2800" spc="-1" strike="noStrike">
-              <a:solidFill>
-                <a:srgbClr val="000000"/>
-              </a:solidFill>
-              <a:latin typeface="Calibri"/>
+            <a:endParaRPr b="0" lang="en-GB" sz="3190" spc="-1" strike="noStrike">
+              <a:latin typeface="Arial"/>
             </a:endParaRPr>
           </a:p>
         </p:txBody>
@@ -3652,8 +3403,8 @@
         </p:nvSpPr>
         <p:spPr>
           <a:xfrm>
-            <a:off x="7949160" y="4098240"/>
-            <a:ext cx="3385800" cy="2075040"/>
+            <a:off x="8026920" y="3680280"/>
+            <a:ext cx="3532680" cy="1896840"/>
           </a:xfrm>
           <a:prstGeom prst="rect">
             <a:avLst/>
@@ -3669,19 +3420,13 @@
           </a:bodyPr>
           <a:p>
             <a:pPr indent="0">
-              <a:lnSpc>
-                <a:spcPct val="90000"/>
-              </a:lnSpc>
               <a:spcBef>
-                <a:spcPts val="1417"/>
+                <a:spcPts val="1400"/>
               </a:spcBef>
               <a:buNone/>
             </a:pPr>
-            <a:endParaRPr b="0" lang="pt-PT" sz="2800" spc="-1" strike="noStrike">
-              <a:solidFill>
-                <a:srgbClr val="000000"/>
-              </a:solidFill>
-              <a:latin typeface="Calibri"/>
+            <a:endParaRPr b="0" lang="en-GB" sz="3190" spc="-1" strike="noStrike">
+              <a:latin typeface="Arial"/>
             </a:endParaRPr>
           </a:p>
         </p:txBody>
@@ -3693,7 +3438,7 @@
             <a:spLocks noGrp="1"/>
           </p:cNvSpPr>
           <p:nvPr>
-            <p:ph type="ftr" idx="5"/>
+            <p:ph type="ftr" idx="4"/>
           </p:nvPr>
         </p:nvSpPr>
         <p:spPr/>
@@ -3713,14 +3458,14 @@
             <a:spLocks noGrp="1"/>
           </p:cNvSpPr>
           <p:nvPr>
-            <p:ph type="sldNum" idx="6"/>
+            <p:ph type="sldNum" idx="5"/>
           </p:nvPr>
         </p:nvSpPr>
         <p:spPr/>
         <p:txBody>
           <a:bodyPr/>
           <a:p>
-            <a:fld id="{05B64A63-92E5-4A6B-95BE-4F27D15AC762}" type="slidenum">
+            <a:fld id="{E68C25AE-A42F-46C9-AE9D-E56DDDD5360E}" type="slidenum">
               <a:t>&lt;#&gt;</a:t>
             </a:fld>
           </a:p>
@@ -3733,7 +3478,7 @@
             <a:spLocks noGrp="1"/>
           </p:cNvSpPr>
           <p:nvPr>
-            <p:ph type="dt" idx="4"/>
+            <p:ph type="dt" idx="6"/>
           </p:nvPr>
         </p:nvSpPr>
         <p:spPr/>
@@ -3781,8 +3526,8 @@
         </p:nvSpPr>
         <p:spPr>
           <a:xfrm>
-            <a:off x="838080" y="365040"/>
-            <a:ext cx="10515240" cy="1325160"/>
+            <a:off x="607680" y="271800"/>
+            <a:ext cx="10972080" cy="1145160"/>
           </a:xfrm>
           <a:prstGeom prst="rect">
             <a:avLst/>
@@ -3797,14 +3542,11 @@
             <a:noAutofit/>
           </a:bodyPr>
           <a:p>
-            <a:pPr indent="0">
+            <a:pPr indent="0" algn="ctr">
               <a:buNone/>
             </a:pPr>
-            <a:endParaRPr b="0" lang="pt-PT" sz="1800" spc="-1" strike="noStrike">
-              <a:solidFill>
-                <a:srgbClr val="000000"/>
-              </a:solidFill>
-              <a:latin typeface="Calibri"/>
+            <a:endParaRPr b="0" lang="en-GB" sz="4390" spc="-1" strike="noStrike">
+              <a:latin typeface="Arial"/>
             </a:endParaRPr>
           </a:p>
         </p:txBody>
@@ -3821,8 +3563,8 @@
         </p:nvSpPr>
         <p:spPr>
           <a:xfrm>
-            <a:off x="838080" y="1825560"/>
-            <a:ext cx="10515240" cy="4350960"/>
+            <a:off x="607680" y="1602720"/>
+            <a:ext cx="10972080" cy="3977280"/>
           </a:xfrm>
           <a:prstGeom prst="rect">
             <a:avLst/>
@@ -3838,19 +3580,13 @@
           </a:bodyPr>
           <a:p>
             <a:pPr indent="0">
-              <a:lnSpc>
-                <a:spcPct val="90000"/>
-              </a:lnSpc>
               <a:spcBef>
-                <a:spcPts val="1417"/>
+                <a:spcPts val="1400"/>
               </a:spcBef>
               <a:buNone/>
             </a:pPr>
-            <a:endParaRPr b="0" lang="pt-PT" sz="2800" spc="-1" strike="noStrike">
-              <a:solidFill>
-                <a:srgbClr val="000000"/>
-              </a:solidFill>
-              <a:latin typeface="Calibri"/>
+            <a:endParaRPr b="0" lang="en-GB" sz="3190" spc="-1" strike="noStrike">
+              <a:latin typeface="Arial"/>
             </a:endParaRPr>
           </a:p>
         </p:txBody>
@@ -3862,7 +3598,7 @@
             <a:spLocks noGrp="1"/>
           </p:cNvSpPr>
           <p:nvPr>
-            <p:ph type="ftr" idx="2"/>
+            <p:ph type="ftr" idx="1"/>
           </p:nvPr>
         </p:nvSpPr>
         <p:spPr/>
@@ -3882,14 +3618,14 @@
             <a:spLocks noGrp="1"/>
           </p:cNvSpPr>
           <p:nvPr>
-            <p:ph type="sldNum" idx="3"/>
+            <p:ph type="sldNum" idx="2"/>
           </p:nvPr>
         </p:nvSpPr>
         <p:spPr/>
         <p:txBody>
           <a:bodyPr/>
           <a:p>
-            <a:fld id="{F4A9E565-3570-4DE1-AA0B-E75DE64AADC2}" type="slidenum">
+            <a:fld id="{F8FCE719-E111-4450-BAA3-1D5A413D2788}" type="slidenum">
               <a:t>&lt;#&gt;</a:t>
             </a:fld>
           </a:p>
@@ -3902,7 +3638,7 @@
             <a:spLocks noGrp="1"/>
           </p:cNvSpPr>
           <p:nvPr>
-            <p:ph type="dt" idx="1"/>
+            <p:ph type="dt" idx="3"/>
           </p:nvPr>
         </p:nvSpPr>
         <p:spPr/>
@@ -3950,8 +3686,8 @@
         </p:nvSpPr>
         <p:spPr>
           <a:xfrm>
-            <a:off x="838080" y="365040"/>
-            <a:ext cx="10515240" cy="1325160"/>
+            <a:off x="607680" y="271800"/>
+            <a:ext cx="10972080" cy="1145160"/>
           </a:xfrm>
           <a:prstGeom prst="rect">
             <a:avLst/>
@@ -3966,14 +3702,11 @@
             <a:noAutofit/>
           </a:bodyPr>
           <a:p>
-            <a:pPr indent="0">
+            <a:pPr indent="0" algn="ctr">
               <a:buNone/>
             </a:pPr>
-            <a:endParaRPr b="0" lang="pt-PT" sz="1800" spc="-1" strike="noStrike">
-              <a:solidFill>
-                <a:srgbClr val="000000"/>
-              </a:solidFill>
-              <a:latin typeface="Calibri"/>
+            <a:endParaRPr b="0" lang="en-GB" sz="4390" spc="-1" strike="noStrike">
+              <a:latin typeface="Arial"/>
             </a:endParaRPr>
           </a:p>
         </p:txBody>
@@ -3990,8 +3723,8 @@
         </p:nvSpPr>
         <p:spPr>
           <a:xfrm>
-            <a:off x="838080" y="1825560"/>
-            <a:ext cx="5131080" cy="4350960"/>
+            <a:off x="607680" y="1602720"/>
+            <a:ext cx="5354280" cy="3977280"/>
           </a:xfrm>
           <a:prstGeom prst="rect">
             <a:avLst/>
@@ -4007,19 +3740,13 @@
           </a:bodyPr>
           <a:p>
             <a:pPr indent="0">
-              <a:lnSpc>
-                <a:spcPct val="90000"/>
-              </a:lnSpc>
               <a:spcBef>
-                <a:spcPts val="1417"/>
+                <a:spcPts val="1400"/>
               </a:spcBef>
               <a:buNone/>
             </a:pPr>
-            <a:endParaRPr b="0" lang="pt-PT" sz="2800" spc="-1" strike="noStrike">
-              <a:solidFill>
-                <a:srgbClr val="000000"/>
-              </a:solidFill>
-              <a:latin typeface="Calibri"/>
+            <a:endParaRPr b="0" lang="en-GB" sz="3190" spc="-1" strike="noStrike">
+              <a:latin typeface="Arial"/>
             </a:endParaRPr>
           </a:p>
         </p:txBody>
@@ -4036,8 +3763,8 @@
         </p:nvSpPr>
         <p:spPr>
           <a:xfrm>
-            <a:off x="6226200" y="1825560"/>
-            <a:ext cx="5131080" cy="4350960"/>
+            <a:off x="6230160" y="1602720"/>
+            <a:ext cx="5354280" cy="3977280"/>
           </a:xfrm>
           <a:prstGeom prst="rect">
             <a:avLst/>
@@ -4053,19 +3780,13 @@
           </a:bodyPr>
           <a:p>
             <a:pPr indent="0">
-              <a:lnSpc>
-                <a:spcPct val="90000"/>
-              </a:lnSpc>
               <a:spcBef>
-                <a:spcPts val="1417"/>
+                <a:spcPts val="1400"/>
               </a:spcBef>
               <a:buNone/>
             </a:pPr>
-            <a:endParaRPr b="0" lang="pt-PT" sz="2800" spc="-1" strike="noStrike">
-              <a:solidFill>
-                <a:srgbClr val="000000"/>
-              </a:solidFill>
-              <a:latin typeface="Calibri"/>
+            <a:endParaRPr b="0" lang="en-GB" sz="3190" spc="-1" strike="noStrike">
+              <a:latin typeface="Arial"/>
             </a:endParaRPr>
           </a:p>
         </p:txBody>
@@ -4077,7 +3798,7 @@
             <a:spLocks noGrp="1"/>
           </p:cNvSpPr>
           <p:nvPr>
-            <p:ph type="ftr" idx="2"/>
+            <p:ph type="ftr" idx="1"/>
           </p:nvPr>
         </p:nvSpPr>
         <p:spPr/>
@@ -4097,14 +3818,14 @@
             <a:spLocks noGrp="1"/>
           </p:cNvSpPr>
           <p:nvPr>
-            <p:ph type="sldNum" idx="3"/>
+            <p:ph type="sldNum" idx="2"/>
           </p:nvPr>
         </p:nvSpPr>
         <p:spPr/>
         <p:txBody>
           <a:bodyPr/>
           <a:p>
-            <a:fld id="{305BAFD9-950B-4CA5-9DF7-FF644CCED33B}" type="slidenum">
+            <a:fld id="{23789E83-6DF9-4280-85B9-633AEFB9BD4F}" type="slidenum">
               <a:t>&lt;#&gt;</a:t>
             </a:fld>
           </a:p>
@@ -4117,7 +3838,7 @@
             <a:spLocks noGrp="1"/>
           </p:cNvSpPr>
           <p:nvPr>
-            <p:ph type="dt" idx="1"/>
+            <p:ph type="dt" idx="3"/>
           </p:nvPr>
         </p:nvSpPr>
         <p:spPr/>
@@ -4165,8 +3886,8 @@
         </p:nvSpPr>
         <p:spPr>
           <a:xfrm>
-            <a:off x="838080" y="365040"/>
-            <a:ext cx="10515240" cy="1325160"/>
+            <a:off x="607680" y="271800"/>
+            <a:ext cx="10972080" cy="1145160"/>
           </a:xfrm>
           <a:prstGeom prst="rect">
             <a:avLst/>
@@ -4181,14 +3902,11 @@
             <a:noAutofit/>
           </a:bodyPr>
           <a:p>
-            <a:pPr indent="0">
+            <a:pPr indent="0" algn="ctr">
               <a:buNone/>
             </a:pPr>
-            <a:endParaRPr b="0" lang="pt-PT" sz="1800" spc="-1" strike="noStrike">
-              <a:solidFill>
-                <a:srgbClr val="000000"/>
-              </a:solidFill>
-              <a:latin typeface="Calibri"/>
+            <a:endParaRPr b="0" lang="en-GB" sz="4390" spc="-1" strike="noStrike">
+              <a:latin typeface="Arial"/>
             </a:endParaRPr>
           </a:p>
         </p:txBody>
@@ -4200,7 +3918,7 @@
             <a:spLocks noGrp="1"/>
           </p:cNvSpPr>
           <p:nvPr>
-            <p:ph type="ftr" idx="2"/>
+            <p:ph type="ftr" idx="1"/>
           </p:nvPr>
         </p:nvSpPr>
         <p:spPr/>
@@ -4220,14 +3938,14 @@
             <a:spLocks noGrp="1"/>
           </p:cNvSpPr>
           <p:nvPr>
-            <p:ph type="sldNum" idx="3"/>
+            <p:ph type="sldNum" idx="2"/>
           </p:nvPr>
         </p:nvSpPr>
         <p:spPr/>
         <p:txBody>
           <a:bodyPr/>
           <a:p>
-            <a:fld id="{47DD741B-01A5-47E7-A275-986E822B2070}" type="slidenum">
+            <a:fld id="{B4258688-412C-47DE-B305-1E09AF61D32B}" type="slidenum">
               <a:t>&lt;#&gt;</a:t>
             </a:fld>
           </a:p>
@@ -4240,7 +3958,7 @@
             <a:spLocks noGrp="1"/>
           </p:cNvSpPr>
           <p:nvPr>
-            <p:ph type="dt" idx="1"/>
+            <p:ph type="dt" idx="3"/>
           </p:nvPr>
         </p:nvSpPr>
         <p:spPr/>
@@ -4288,8 +4006,8 @@
         </p:nvSpPr>
         <p:spPr>
           <a:xfrm>
-            <a:off x="838080" y="365040"/>
-            <a:ext cx="10515240" cy="6144120"/>
+            <a:off x="607680" y="271800"/>
+            <a:ext cx="10972080" cy="5309640"/>
           </a:xfrm>
           <a:prstGeom prst="rect">
             <a:avLst/>
@@ -4318,7 +4036,7 @@
             <a:spLocks noGrp="1"/>
           </p:cNvSpPr>
           <p:nvPr>
-            <p:ph type="ftr" idx="2"/>
+            <p:ph type="ftr" idx="1"/>
           </p:nvPr>
         </p:nvSpPr>
         <p:spPr/>
@@ -4338,14 +4056,14 @@
             <a:spLocks noGrp="1"/>
           </p:cNvSpPr>
           <p:nvPr>
-            <p:ph type="sldNum" idx="3"/>
+            <p:ph type="sldNum" idx="2"/>
           </p:nvPr>
         </p:nvSpPr>
         <p:spPr/>
         <p:txBody>
           <a:bodyPr/>
           <a:p>
-            <a:fld id="{A849A4F5-2E46-4012-9089-A36ACDC84205}" type="slidenum">
+            <a:fld id="{B0881C11-42F3-46FA-BC6C-6748D710A7B3}" type="slidenum">
               <a:t>&lt;#&gt;</a:t>
             </a:fld>
           </a:p>
@@ -4358,7 +4076,7 @@
             <a:spLocks noGrp="1"/>
           </p:cNvSpPr>
           <p:nvPr>
-            <p:ph type="dt" idx="1"/>
+            <p:ph type="dt" idx="3"/>
           </p:nvPr>
         </p:nvSpPr>
         <p:spPr/>
@@ -4406,8 +4124,8 @@
         </p:nvSpPr>
         <p:spPr>
           <a:xfrm>
-            <a:off x="838080" y="365040"/>
-            <a:ext cx="10515240" cy="1325160"/>
+            <a:off x="607680" y="271800"/>
+            <a:ext cx="10972080" cy="1145160"/>
           </a:xfrm>
           <a:prstGeom prst="rect">
             <a:avLst/>
@@ -4422,14 +4140,11 @@
             <a:noAutofit/>
           </a:bodyPr>
           <a:p>
-            <a:pPr indent="0">
+            <a:pPr indent="0" algn="ctr">
               <a:buNone/>
             </a:pPr>
-            <a:endParaRPr b="0" lang="pt-PT" sz="1800" spc="-1" strike="noStrike">
-              <a:solidFill>
-                <a:srgbClr val="000000"/>
-              </a:solidFill>
-              <a:latin typeface="Calibri"/>
+            <a:endParaRPr b="0" lang="en-GB" sz="4390" spc="-1" strike="noStrike">
+              <a:latin typeface="Arial"/>
             </a:endParaRPr>
           </a:p>
         </p:txBody>
@@ -4446,8 +4161,8 @@
         </p:nvSpPr>
         <p:spPr>
           <a:xfrm>
-            <a:off x="838080" y="1825560"/>
-            <a:ext cx="5131080" cy="2075040"/>
+            <a:off x="607680" y="1602720"/>
+            <a:ext cx="5354280" cy="1896840"/>
           </a:xfrm>
           <a:prstGeom prst="rect">
             <a:avLst/>
@@ -4463,19 +4178,13 @@
           </a:bodyPr>
           <a:p>
             <a:pPr indent="0">
-              <a:lnSpc>
-                <a:spcPct val="90000"/>
-              </a:lnSpc>
               <a:spcBef>
-                <a:spcPts val="1417"/>
+                <a:spcPts val="1400"/>
               </a:spcBef>
               <a:buNone/>
             </a:pPr>
-            <a:endParaRPr b="0" lang="pt-PT" sz="2800" spc="-1" strike="noStrike">
-              <a:solidFill>
-                <a:srgbClr val="000000"/>
-              </a:solidFill>
-              <a:latin typeface="Calibri"/>
+            <a:endParaRPr b="0" lang="en-GB" sz="3190" spc="-1" strike="noStrike">
+              <a:latin typeface="Arial"/>
             </a:endParaRPr>
           </a:p>
         </p:txBody>
@@ -4492,8 +4201,8 @@
         </p:nvSpPr>
         <p:spPr>
           <a:xfrm>
-            <a:off x="6226200" y="1825560"/>
-            <a:ext cx="5131080" cy="4350960"/>
+            <a:off x="6230160" y="1602720"/>
+            <a:ext cx="5354280" cy="3977280"/>
           </a:xfrm>
           <a:prstGeom prst="rect">
             <a:avLst/>
@@ -4509,19 +4218,13 @@
           </a:bodyPr>
           <a:p>
             <a:pPr indent="0">
-              <a:lnSpc>
-                <a:spcPct val="90000"/>
-              </a:lnSpc>
               <a:spcBef>
-                <a:spcPts val="1417"/>
+                <a:spcPts val="1400"/>
               </a:spcBef>
               <a:buNone/>
             </a:pPr>
-            <a:endParaRPr b="0" lang="pt-PT" sz="2800" spc="-1" strike="noStrike">
-              <a:solidFill>
-                <a:srgbClr val="000000"/>
-              </a:solidFill>
-              <a:latin typeface="Calibri"/>
+            <a:endParaRPr b="0" lang="en-GB" sz="3190" spc="-1" strike="noStrike">
+              <a:latin typeface="Arial"/>
             </a:endParaRPr>
           </a:p>
         </p:txBody>
@@ -4538,8 +4241,8 @@
         </p:nvSpPr>
         <p:spPr>
           <a:xfrm>
-            <a:off x="838080" y="4098240"/>
-            <a:ext cx="5131080" cy="2075040"/>
+            <a:off x="607680" y="3680280"/>
+            <a:ext cx="5354280" cy="1896840"/>
           </a:xfrm>
           <a:prstGeom prst="rect">
             <a:avLst/>
@@ -4555,19 +4258,13 @@
           </a:bodyPr>
           <a:p>
             <a:pPr indent="0">
-              <a:lnSpc>
-                <a:spcPct val="90000"/>
-              </a:lnSpc>
               <a:spcBef>
-                <a:spcPts val="1417"/>
+                <a:spcPts val="1400"/>
               </a:spcBef>
               <a:buNone/>
             </a:pPr>
-            <a:endParaRPr b="0" lang="pt-PT" sz="2800" spc="-1" strike="noStrike">
-              <a:solidFill>
-                <a:srgbClr val="000000"/>
-              </a:solidFill>
-              <a:latin typeface="Calibri"/>
+            <a:endParaRPr b="0" lang="en-GB" sz="3190" spc="-1" strike="noStrike">
+              <a:latin typeface="Arial"/>
             </a:endParaRPr>
           </a:p>
         </p:txBody>
@@ -4579,7 +4276,7 @@
             <a:spLocks noGrp="1"/>
           </p:cNvSpPr>
           <p:nvPr>
-            <p:ph type="ftr" idx="2"/>
+            <p:ph type="ftr" idx="1"/>
           </p:nvPr>
         </p:nvSpPr>
         <p:spPr/>
@@ -4599,14 +4296,14 @@
             <a:spLocks noGrp="1"/>
           </p:cNvSpPr>
           <p:nvPr>
-            <p:ph type="sldNum" idx="3"/>
+            <p:ph type="sldNum" idx="2"/>
           </p:nvPr>
         </p:nvSpPr>
         <p:spPr/>
         <p:txBody>
           <a:bodyPr/>
           <a:p>
-            <a:fld id="{FF599C95-4EBD-4A98-A2ED-5F23C31644CC}" type="slidenum">
+            <a:fld id="{DD656A4A-F203-49D7-857E-63B9FA6A4A41}" type="slidenum">
               <a:t>&lt;#&gt;</a:t>
             </a:fld>
           </a:p>
@@ -4619,7 +4316,7 @@
             <a:spLocks noGrp="1"/>
           </p:cNvSpPr>
           <p:nvPr>
-            <p:ph type="dt" idx="1"/>
+            <p:ph type="dt" idx="3"/>
           </p:nvPr>
         </p:nvSpPr>
         <p:spPr/>
@@ -4667,8 +4364,8 @@
         </p:nvSpPr>
         <p:spPr>
           <a:xfrm>
-            <a:off x="838080" y="365040"/>
-            <a:ext cx="10515240" cy="1325160"/>
+            <a:off x="607680" y="271800"/>
+            <a:ext cx="10972080" cy="1145160"/>
           </a:xfrm>
           <a:prstGeom prst="rect">
             <a:avLst/>
@@ -4683,14 +4380,11 @@
             <a:noAutofit/>
           </a:bodyPr>
           <a:p>
-            <a:pPr indent="0">
+            <a:pPr indent="0" algn="ctr">
               <a:buNone/>
             </a:pPr>
-            <a:endParaRPr b="0" lang="pt-PT" sz="1800" spc="-1" strike="noStrike">
-              <a:solidFill>
-                <a:srgbClr val="000000"/>
-              </a:solidFill>
-              <a:latin typeface="Calibri"/>
+            <a:endParaRPr b="0" lang="en-GB" sz="4390" spc="-1" strike="noStrike">
+              <a:latin typeface="Arial"/>
             </a:endParaRPr>
           </a:p>
         </p:txBody>
@@ -4707,8 +4401,8 @@
         </p:nvSpPr>
         <p:spPr>
           <a:xfrm>
-            <a:off x="838080" y="1825560"/>
-            <a:ext cx="5131080" cy="4350960"/>
+            <a:off x="607680" y="1602720"/>
+            <a:ext cx="5354280" cy="3977280"/>
           </a:xfrm>
           <a:prstGeom prst="rect">
             <a:avLst/>
@@ -4724,19 +4418,13 @@
           </a:bodyPr>
           <a:p>
             <a:pPr indent="0">
-              <a:lnSpc>
-                <a:spcPct val="90000"/>
-              </a:lnSpc>
               <a:spcBef>
-                <a:spcPts val="1417"/>
+                <a:spcPts val="1400"/>
               </a:spcBef>
               <a:buNone/>
             </a:pPr>
-            <a:endParaRPr b="0" lang="pt-PT" sz="2800" spc="-1" strike="noStrike">
-              <a:solidFill>
-                <a:srgbClr val="000000"/>
-              </a:solidFill>
-              <a:latin typeface="Calibri"/>
+            <a:endParaRPr b="0" lang="en-GB" sz="3190" spc="-1" strike="noStrike">
+              <a:latin typeface="Arial"/>
             </a:endParaRPr>
           </a:p>
         </p:txBody>
@@ -4753,8 +4441,8 @@
         </p:nvSpPr>
         <p:spPr>
           <a:xfrm>
-            <a:off x="6226200" y="1825560"/>
-            <a:ext cx="5131080" cy="2075040"/>
+            <a:off x="6230160" y="1602720"/>
+            <a:ext cx="5354280" cy="1896840"/>
           </a:xfrm>
           <a:prstGeom prst="rect">
             <a:avLst/>
@@ -4770,19 +4458,13 @@
           </a:bodyPr>
           <a:p>
             <a:pPr indent="0">
-              <a:lnSpc>
-                <a:spcPct val="90000"/>
-              </a:lnSpc>
               <a:spcBef>
-                <a:spcPts val="1417"/>
+                <a:spcPts val="1400"/>
               </a:spcBef>
               <a:buNone/>
             </a:pPr>
-            <a:endParaRPr b="0" lang="pt-PT" sz="2800" spc="-1" strike="noStrike">
-              <a:solidFill>
-                <a:srgbClr val="000000"/>
-              </a:solidFill>
-              <a:latin typeface="Calibri"/>
+            <a:endParaRPr b="0" lang="en-GB" sz="3190" spc="-1" strike="noStrike">
+              <a:latin typeface="Arial"/>
             </a:endParaRPr>
           </a:p>
         </p:txBody>
@@ -4799,8 +4481,8 @@
         </p:nvSpPr>
         <p:spPr>
           <a:xfrm>
-            <a:off x="6226200" y="4098240"/>
-            <a:ext cx="5131080" cy="2075040"/>
+            <a:off x="6230160" y="3680280"/>
+            <a:ext cx="5354280" cy="1896840"/>
           </a:xfrm>
           <a:prstGeom prst="rect">
             <a:avLst/>
@@ -4816,19 +4498,13 @@
           </a:bodyPr>
           <a:p>
             <a:pPr indent="0">
-              <a:lnSpc>
-                <a:spcPct val="90000"/>
-              </a:lnSpc>
               <a:spcBef>
-                <a:spcPts val="1417"/>
+                <a:spcPts val="1400"/>
               </a:spcBef>
               <a:buNone/>
             </a:pPr>
-            <a:endParaRPr b="0" lang="pt-PT" sz="2800" spc="-1" strike="noStrike">
-              <a:solidFill>
-                <a:srgbClr val="000000"/>
-              </a:solidFill>
-              <a:latin typeface="Calibri"/>
+            <a:endParaRPr b="0" lang="en-GB" sz="3190" spc="-1" strike="noStrike">
+              <a:latin typeface="Arial"/>
             </a:endParaRPr>
           </a:p>
         </p:txBody>
@@ -4840,7 +4516,7 @@
             <a:spLocks noGrp="1"/>
           </p:cNvSpPr>
           <p:nvPr>
-            <p:ph type="ftr" idx="2"/>
+            <p:ph type="ftr" idx="1"/>
           </p:nvPr>
         </p:nvSpPr>
         <p:spPr/>
@@ -4860,14 +4536,14 @@
             <a:spLocks noGrp="1"/>
           </p:cNvSpPr>
           <p:nvPr>
-            <p:ph type="sldNum" idx="3"/>
+            <p:ph type="sldNum" idx="2"/>
           </p:nvPr>
         </p:nvSpPr>
         <p:spPr/>
         <p:txBody>
           <a:bodyPr/>
           <a:p>
-            <a:fld id="{5C10A427-FDA0-41DA-84D0-29B2DEA576C4}" type="slidenum">
+            <a:fld id="{6CC5768C-37E3-4701-A418-9B91B8E5A33A}" type="slidenum">
               <a:t>&lt;#&gt;</a:t>
             </a:fld>
           </a:p>
@@ -4880,7 +4556,7 @@
             <a:spLocks noGrp="1"/>
           </p:cNvSpPr>
           <p:nvPr>
-            <p:ph type="dt" idx="1"/>
+            <p:ph type="dt" idx="3"/>
           </p:nvPr>
         </p:nvSpPr>
         <p:spPr/>
@@ -4928,8 +4604,8 @@
         </p:nvSpPr>
         <p:spPr>
           <a:xfrm>
-            <a:off x="838080" y="365040"/>
-            <a:ext cx="10515240" cy="1325160"/>
+            <a:off x="607680" y="271800"/>
+            <a:ext cx="10972080" cy="1145160"/>
           </a:xfrm>
           <a:prstGeom prst="rect">
             <a:avLst/>
@@ -4944,14 +4620,11 @@
             <a:noAutofit/>
           </a:bodyPr>
           <a:p>
-            <a:pPr indent="0">
+            <a:pPr indent="0" algn="ctr">
               <a:buNone/>
             </a:pPr>
-            <a:endParaRPr b="0" lang="pt-PT" sz="1800" spc="-1" strike="noStrike">
-              <a:solidFill>
-                <a:srgbClr val="000000"/>
-              </a:solidFill>
-              <a:latin typeface="Calibri"/>
+            <a:endParaRPr b="0" lang="en-GB" sz="4390" spc="-1" strike="noStrike">
+              <a:latin typeface="Arial"/>
             </a:endParaRPr>
           </a:p>
         </p:txBody>
@@ -4968,8 +4641,8 @@
         </p:nvSpPr>
         <p:spPr>
           <a:xfrm>
-            <a:off x="838080" y="1825560"/>
-            <a:ext cx="5131080" cy="2075040"/>
+            <a:off x="607680" y="1602720"/>
+            <a:ext cx="5354280" cy="1896840"/>
           </a:xfrm>
           <a:prstGeom prst="rect">
             <a:avLst/>
@@ -4985,19 +4658,13 @@
           </a:bodyPr>
           <a:p>
             <a:pPr indent="0">
-              <a:lnSpc>
-                <a:spcPct val="90000"/>
-              </a:lnSpc>
               <a:spcBef>
-                <a:spcPts val="1417"/>
+                <a:spcPts val="1400"/>
               </a:spcBef>
               <a:buNone/>
             </a:pPr>
-            <a:endParaRPr b="0" lang="pt-PT" sz="2800" spc="-1" strike="noStrike">
-              <a:solidFill>
-                <a:srgbClr val="000000"/>
-              </a:solidFill>
-              <a:latin typeface="Calibri"/>
+            <a:endParaRPr b="0" lang="en-GB" sz="3190" spc="-1" strike="noStrike">
+              <a:latin typeface="Arial"/>
             </a:endParaRPr>
           </a:p>
         </p:txBody>
@@ -5014,8 +4681,8 @@
         </p:nvSpPr>
         <p:spPr>
           <a:xfrm>
-            <a:off x="6226200" y="1825560"/>
-            <a:ext cx="5131080" cy="2075040"/>
+            <a:off x="6230160" y="1602720"/>
+            <a:ext cx="5354280" cy="1896840"/>
           </a:xfrm>
           <a:prstGeom prst="rect">
             <a:avLst/>
@@ -5031,19 +4698,13 @@
           </a:bodyPr>
           <a:p>
             <a:pPr indent="0">
-              <a:lnSpc>
-                <a:spcPct val="90000"/>
-              </a:lnSpc>
               <a:spcBef>
-                <a:spcPts val="1417"/>
+                <a:spcPts val="1400"/>
               </a:spcBef>
               <a:buNone/>
             </a:pPr>
-            <a:endParaRPr b="0" lang="pt-PT" sz="2800" spc="-1" strike="noStrike">
-              <a:solidFill>
-                <a:srgbClr val="000000"/>
-              </a:solidFill>
-              <a:latin typeface="Calibri"/>
+            <a:endParaRPr b="0" lang="en-GB" sz="3190" spc="-1" strike="noStrike">
+              <a:latin typeface="Arial"/>
             </a:endParaRPr>
           </a:p>
         </p:txBody>
@@ -5060,8 +4721,8 @@
         </p:nvSpPr>
         <p:spPr>
           <a:xfrm>
-            <a:off x="838080" y="4098240"/>
-            <a:ext cx="10515240" cy="2075040"/>
+            <a:off x="607680" y="3680280"/>
+            <a:ext cx="10972080" cy="1896840"/>
           </a:xfrm>
           <a:prstGeom prst="rect">
             <a:avLst/>
@@ -5077,19 +4738,13 @@
           </a:bodyPr>
           <a:p>
             <a:pPr indent="0">
-              <a:lnSpc>
-                <a:spcPct val="90000"/>
-              </a:lnSpc>
               <a:spcBef>
-                <a:spcPts val="1417"/>
+                <a:spcPts val="1400"/>
               </a:spcBef>
               <a:buNone/>
             </a:pPr>
-            <a:endParaRPr b="0" lang="pt-PT" sz="2800" spc="-1" strike="noStrike">
-              <a:solidFill>
-                <a:srgbClr val="000000"/>
-              </a:solidFill>
-              <a:latin typeface="Calibri"/>
+            <a:endParaRPr b="0" lang="en-GB" sz="3190" spc="-1" strike="noStrike">
+              <a:latin typeface="Arial"/>
             </a:endParaRPr>
           </a:p>
         </p:txBody>
@@ -5101,7 +4756,7 @@
             <a:spLocks noGrp="1"/>
           </p:cNvSpPr>
           <p:nvPr>
-            <p:ph type="ftr" idx="2"/>
+            <p:ph type="ftr" idx="1"/>
           </p:nvPr>
         </p:nvSpPr>
         <p:spPr/>
@@ -5121,14 +4776,14 @@
             <a:spLocks noGrp="1"/>
           </p:cNvSpPr>
           <p:nvPr>
-            <p:ph type="sldNum" idx="3"/>
+            <p:ph type="sldNum" idx="2"/>
           </p:nvPr>
         </p:nvSpPr>
         <p:spPr/>
         <p:txBody>
           <a:bodyPr/>
           <a:p>
-            <a:fld id="{79EB8986-C336-443F-9834-E79A5C8870E1}" type="slidenum">
+            <a:fld id="{F5599030-8E86-4D6D-A0CB-BB271EF20C41}" type="slidenum">
               <a:t>&lt;#&gt;</a:t>
             </a:fld>
           </a:p>
@@ -5141,7 +4796,7 @@
             <a:spLocks noGrp="1"/>
           </p:cNvSpPr>
           <p:nvPr>
-            <p:ph type="dt" idx="1"/>
+            <p:ph type="dt" idx="3"/>
           </p:nvPr>
         </p:nvSpPr>
         <p:spPr/>
@@ -5196,8 +4851,8 @@
         </p:nvSpPr>
         <p:spPr>
           <a:xfrm>
-            <a:off x="1523880" y="1122480"/>
-            <a:ext cx="9143640" cy="2387160"/>
+            <a:off x="836280" y="363240"/>
+            <a:ext cx="10514520" cy="1325160"/>
           </a:xfrm>
           <a:prstGeom prst="rect">
             <a:avLst/>
@@ -5208,30 +4863,21 @@
           </a:ln>
         </p:spPr>
         <p:txBody>
-          <a:bodyPr anchor="b">
+          <a:bodyPr lIns="0" rIns="0" tIns="0" bIns="0" anchor="ctr">
             <a:noAutofit/>
           </a:bodyPr>
           <a:p>
-            <a:pPr indent="0" algn="ctr">
-              <a:lnSpc>
-                <a:spcPct val="90000"/>
-              </a:lnSpc>
+            <a:pPr indent="0">
               <a:buNone/>
             </a:pPr>
             <a:r>
-              <a:rPr b="0" lang="pt-PT" sz="6000" spc="-1" strike="noStrike">
-                <a:solidFill>
-                  <a:srgbClr val="000000"/>
-                </a:solidFill>
-                <a:latin typeface="Calibri Light"/>
-              </a:rPr>
-              <a:t>Clique para editar o estilo</a:t>
-            </a:r>
-            <a:endParaRPr b="0" lang="pt-PT" sz="6000" spc="-1" strike="noStrike">
-              <a:solidFill>
-                <a:srgbClr val="000000"/>
-              </a:solidFill>
-              <a:latin typeface="Calibri"/>
+              <a:rPr b="0" lang="en-GB" sz="1800" spc="-1" strike="noStrike">
+                <a:latin typeface="Arial"/>
+              </a:rPr>
+              <a:t>Click to edit the title text format</a:t>
+            </a:r>
+            <a:endParaRPr b="0" lang="en-GB" sz="1800" spc="-1" strike="noStrike">
+              <a:latin typeface="Arial"/>
             </a:endParaRPr>
           </a:p>
         </p:txBody>
@@ -5243,13 +4889,13 @@
             <a:spLocks noGrp="1"/>
           </p:cNvSpPr>
           <p:nvPr>
-            <p:ph type="dt" idx="1"/>
+            <p:ph type="ftr" idx="1"/>
           </p:nvPr>
         </p:nvSpPr>
         <p:spPr>
           <a:xfrm>
-            <a:off x="838080" y="6356520"/>
-            <a:ext cx="2742840" cy="364680"/>
+            <a:off x="4036680" y="6355080"/>
+            <a:ext cx="4113720" cy="364320"/>
           </a:xfrm>
           <a:prstGeom prst="rect">
             <a:avLst/>
@@ -5260,40 +4906,40 @@
           </a:ln>
         </p:spPr>
         <p:txBody>
-          <a:bodyPr anchor="ctr">
+          <a:bodyPr lIns="90000" rIns="90000" tIns="45000" bIns="45000" anchor="ctr">
             <a:noAutofit/>
           </a:bodyPr>
           <a:lstStyle>
-            <a:lvl1pPr indent="0">
+            <a:lvl1pPr indent="0" algn="ctr">
               <a:lnSpc>
                 <a:spcPct val="100000"/>
               </a:lnSpc>
               <a:buNone/>
-              <a:defRPr b="0" lang="pt-PT" sz="1200" spc="-1" strike="noStrike">
-                <a:solidFill>
-                  <a:srgbClr val="8b8b8b"/>
-                </a:solidFill>
-                <a:latin typeface="Calibri"/>
+              <a:tabLst>
+                <a:tab algn="l" pos="0"/>
+              </a:tabLst>
+              <a:defRPr b="0" lang="en-GB" sz="1400" spc="-1" strike="noStrike">
+                <a:latin typeface="Times New Roman"/>
               </a:defRPr>
             </a:lvl1pPr>
           </a:lstStyle>
           <a:p>
-            <a:pPr indent="0">
+            <a:pPr indent="0" algn="ctr">
               <a:lnSpc>
                 <a:spcPct val="100000"/>
               </a:lnSpc>
               <a:buNone/>
-            </a:pPr>
-            <a:r>
-              <a:rPr b="0" lang="pt-PT" sz="1200" spc="-1" strike="noStrike">
-                <a:solidFill>
-                  <a:srgbClr val="8b8b8b"/>
-                </a:solidFill>
-                <a:latin typeface="Calibri"/>
+              <a:tabLst>
+                <a:tab algn="l" pos="0"/>
+              </a:tabLst>
+            </a:pPr>
+            <a:r>
+              <a:rPr b="0" lang="en-GB" sz="1400" spc="-1" strike="noStrike">
+                <a:latin typeface="Times New Roman"/>
               </a:rPr>
               <a:t> </a:t>
             </a:r>
-            <a:endParaRPr b="0" lang="en-GB" sz="1200" spc="-1" strike="noStrike">
+            <a:endParaRPr b="0" lang="en-GB" sz="1400" spc="-1" strike="noStrike">
               <a:latin typeface="Times New Roman"/>
             </a:endParaRPr>
           </a:p>
@@ -5306,13 +4952,13 @@
             <a:spLocks noGrp="1"/>
           </p:cNvSpPr>
           <p:nvPr>
-            <p:ph type="ftr" idx="2"/>
+            <p:ph type="sldNum" idx="2"/>
           </p:nvPr>
         </p:nvSpPr>
         <p:spPr>
           <a:xfrm>
-            <a:off x="4038480" y="6356520"/>
-            <a:ext cx="4114440" cy="364680"/>
+            <a:off x="8608680" y="6355080"/>
+            <a:ext cx="2742120" cy="364320"/>
           </a:xfrm>
           <a:prstGeom prst="rect">
             <a:avLst/>
@@ -5323,28 +4969,46 @@
           </a:ln>
         </p:spPr>
         <p:txBody>
-          <a:bodyPr anchor="ctr">
+          <a:bodyPr lIns="90000" rIns="90000" tIns="45000" bIns="45000" anchor="ctr">
             <a:noAutofit/>
           </a:bodyPr>
           <a:lstStyle>
-            <a:lvl1pPr indent="0" algn="ctr">
+            <a:lvl1pPr indent="0" algn="r">
+              <a:lnSpc>
+                <a:spcPct val="100000"/>
+              </a:lnSpc>
               <a:buNone/>
-              <a:defRPr b="0" lang="en-GB" sz="1400" spc="-1" strike="noStrike">
-                <a:latin typeface="Times New Roman"/>
+              <a:tabLst>
+                <a:tab algn="l" pos="0"/>
+              </a:tabLst>
+              <a:defRPr b="0" lang="pt-PT" sz="1200" spc="-1" strike="noStrike">
+                <a:solidFill>
+                  <a:srgbClr val="8b8b8b"/>
+                </a:solidFill>
+                <a:latin typeface="Calibri"/>
               </a:defRPr>
             </a:lvl1pPr>
           </a:lstStyle>
           <a:p>
-            <a:pPr indent="0" algn="ctr">
+            <a:pPr indent="0" algn="r">
+              <a:lnSpc>
+                <a:spcPct val="100000"/>
+              </a:lnSpc>
               <a:buNone/>
-            </a:pPr>
-            <a:r>
-              <a:rPr b="0" lang="en-GB" sz="1400" spc="-1" strike="noStrike">
-                <a:latin typeface="Times New Roman"/>
-              </a:rPr>
-              <a:t> </a:t>
-            </a:r>
-            <a:endParaRPr b="0" lang="en-GB" sz="1400" spc="-1" strike="noStrike">
+              <a:tabLst>
+                <a:tab algn="l" pos="0"/>
+              </a:tabLst>
+            </a:pPr>
+            <a:fld id="{13E95AE4-FC34-4D42-AB3C-284859535523}" type="slidenum">
+              <a:rPr b="0" lang="pt-PT" sz="1200" spc="-1" strike="noStrike">
+                <a:solidFill>
+                  <a:srgbClr val="8b8b8b"/>
+                </a:solidFill>
+                <a:latin typeface="Calibri"/>
+              </a:rPr>
+              <a:t>3</a:t>
+            </a:fld>
+            <a:endParaRPr b="0" lang="en-GB" sz="1200" spc="-1" strike="noStrike">
               <a:latin typeface="Times New Roman"/>
             </a:endParaRPr>
           </a:p>
@@ -5357,13 +5021,13 @@
             <a:spLocks noGrp="1"/>
           </p:cNvSpPr>
           <p:nvPr>
-            <p:ph type="sldNum" idx="3"/>
+            <p:ph type="dt" idx="3"/>
           </p:nvPr>
         </p:nvSpPr>
         <p:spPr>
           <a:xfrm>
-            <a:off x="8610480" y="6356520"/>
-            <a:ext cx="2742840" cy="364680"/>
+            <a:off x="836280" y="6355080"/>
+            <a:ext cx="2742120" cy="364320"/>
           </a:xfrm>
           <a:prstGeom prst="rect">
             <a:avLst/>
@@ -5374,40 +5038,28 @@
           </a:ln>
         </p:spPr>
         <p:txBody>
-          <a:bodyPr anchor="ctr">
+          <a:bodyPr lIns="90000" rIns="90000" tIns="45000" bIns="45000" anchor="ctr">
             <a:noAutofit/>
           </a:bodyPr>
           <a:lstStyle>
-            <a:lvl1pPr indent="0" algn="r">
-              <a:lnSpc>
-                <a:spcPct val="100000"/>
-              </a:lnSpc>
+            <a:lvl1pPr indent="0">
               <a:buNone/>
-              <a:defRPr b="0" lang="pt-PT" sz="1200" spc="-1" strike="noStrike">
-                <a:solidFill>
-                  <a:srgbClr val="8b8b8b"/>
-                </a:solidFill>
-                <a:latin typeface="Calibri"/>
+              <a:defRPr b="0" lang="en-GB" sz="1400" spc="-1" strike="noStrike">
+                <a:latin typeface="Times New Roman"/>
               </a:defRPr>
             </a:lvl1pPr>
           </a:lstStyle>
           <a:p>
-            <a:pPr indent="0" algn="r">
-              <a:lnSpc>
-                <a:spcPct val="100000"/>
-              </a:lnSpc>
+            <a:pPr indent="0">
               <a:buNone/>
             </a:pPr>
-            <a:fld id="{DC0AD347-658A-48B1-BB4C-649876C9C529}" type="slidenum">
-              <a:rPr b="0" lang="pt-PT" sz="1200" spc="-1" strike="noStrike">
-                <a:solidFill>
-                  <a:srgbClr val="8b8b8b"/>
-                </a:solidFill>
-                <a:latin typeface="Calibri"/>
-              </a:rPr>
-              <a:t>4</a:t>
-            </a:fld>
-            <a:endParaRPr b="0" lang="en-GB" sz="1200" spc="-1" strike="noStrike">
+            <a:r>
+              <a:rPr b="0" lang="en-GB" sz="1400" spc="-1" strike="noStrike">
+                <a:latin typeface="Times New Roman"/>
+              </a:rPr>
+              <a:t> </a:t>
+            </a:r>
+            <a:endParaRPr b="0" lang="en-GB" sz="1400" spc="-1" strike="noStrike">
               <a:latin typeface="Times New Roman"/>
             </a:endParaRPr>
           </a:p>
@@ -5425,8 +5077,8 @@
         </p:nvSpPr>
         <p:spPr>
           <a:xfrm>
-            <a:off x="609480" y="1604520"/>
-            <a:ext cx="10972440" cy="3977280"/>
+            <a:off x="607680" y="1602720"/>
+            <a:ext cx="10972080" cy="3977280"/>
           </a:xfrm>
           <a:prstGeom prst="rect">
             <a:avLst/>
@@ -5442,11 +5094,8 @@
           </a:bodyPr>
           <a:p>
             <a:pPr marL="432000" indent="-324000">
-              <a:lnSpc>
-                <a:spcPct val="90000"/>
-              </a:lnSpc>
               <a:spcBef>
-                <a:spcPts val="1417"/>
+                <a:spcPts val="1400"/>
               </a:spcBef>
               <a:buClr>
                 <a:srgbClr val="000000"/>
@@ -5456,28 +5105,19 @@
               <a:buChar char=""/>
             </a:pPr>
             <a:r>
-              <a:rPr b="0" lang="pt-PT" sz="2800" spc="-1" strike="noStrike">
-                <a:solidFill>
-                  <a:srgbClr val="000000"/>
-                </a:solidFill>
-                <a:latin typeface="Calibri"/>
+              <a:rPr b="0" lang="en-GB" sz="3190" spc="-1" strike="noStrike">
+                <a:latin typeface="Arial"/>
               </a:rPr>
               <a:t>Click to edit the outline text format</a:t>
             </a:r>
-            <a:endParaRPr b="0" lang="pt-PT" sz="2800" spc="-1" strike="noStrike">
-              <a:solidFill>
-                <a:srgbClr val="000000"/>
-              </a:solidFill>
-              <a:latin typeface="Calibri"/>
+            <a:endParaRPr b="0" lang="en-GB" sz="3190" spc="-1" strike="noStrike">
+              <a:latin typeface="Arial"/>
             </a:endParaRPr>
           </a:p>
           <a:p>
             <a:pPr lvl="1" marL="864000" indent="-324000">
-              <a:lnSpc>
-                <a:spcPct val="90000"/>
-              </a:lnSpc>
               <a:spcBef>
-                <a:spcPts val="1134"/>
+                <a:spcPts val="1117"/>
               </a:spcBef>
               <a:buClr>
                 <a:srgbClr val="000000"/>
@@ -5487,28 +5127,19 @@
               <a:buChar char=""/>
             </a:pPr>
             <a:r>
-              <a:rPr b="0" lang="pt-PT" sz="2000" spc="-1" strike="noStrike">
-                <a:solidFill>
-                  <a:srgbClr val="000000"/>
-                </a:solidFill>
-                <a:latin typeface="Calibri"/>
+              <a:rPr b="0" lang="en-GB" sz="2790" spc="-1" strike="noStrike">
+                <a:latin typeface="Arial"/>
               </a:rPr>
               <a:t>Second Outline Level</a:t>
             </a:r>
-            <a:endParaRPr b="0" lang="pt-PT" sz="2000" spc="-1" strike="noStrike">
-              <a:solidFill>
-                <a:srgbClr val="000000"/>
-              </a:solidFill>
-              <a:latin typeface="Calibri"/>
+            <a:endParaRPr b="0" lang="en-GB" sz="2790" spc="-1" strike="noStrike">
+              <a:latin typeface="Arial"/>
             </a:endParaRPr>
           </a:p>
           <a:p>
             <a:pPr lvl="2" marL="1296000" indent="-288000">
-              <a:lnSpc>
-                <a:spcPct val="90000"/>
-              </a:lnSpc>
               <a:spcBef>
-                <a:spcPts val="850"/>
+                <a:spcPts val="836"/>
               </a:spcBef>
               <a:buClr>
                 <a:srgbClr val="000000"/>
@@ -5518,28 +5149,19 @@
               <a:buChar char=""/>
             </a:pPr>
             <a:r>
-              <a:rPr b="0" lang="pt-PT" sz="1800" spc="-1" strike="noStrike">
-                <a:solidFill>
-                  <a:srgbClr val="000000"/>
-                </a:solidFill>
-                <a:latin typeface="Calibri"/>
+              <a:rPr b="0" lang="en-GB" sz="2390" spc="-1" strike="noStrike">
+                <a:latin typeface="Arial"/>
               </a:rPr>
               <a:t>Third Outline Level</a:t>
             </a:r>
-            <a:endParaRPr b="0" lang="pt-PT" sz="1800" spc="-1" strike="noStrike">
-              <a:solidFill>
-                <a:srgbClr val="000000"/>
-              </a:solidFill>
-              <a:latin typeface="Calibri"/>
+            <a:endParaRPr b="0" lang="en-GB" sz="2390" spc="-1" strike="noStrike">
+              <a:latin typeface="Arial"/>
             </a:endParaRPr>
           </a:p>
           <a:p>
             <a:pPr lvl="3" marL="1728000" indent="-216000">
-              <a:lnSpc>
-                <a:spcPct val="90000"/>
-              </a:lnSpc>
               <a:spcBef>
-                <a:spcPts val="567"/>
+                <a:spcPts val="553"/>
               </a:spcBef>
               <a:buClr>
                 <a:srgbClr val="000000"/>
@@ -5549,28 +5171,19 @@
               <a:buChar char=""/>
             </a:pPr>
             <a:r>
-              <a:rPr b="0" lang="pt-PT" sz="1800" spc="-1" strike="noStrike">
-                <a:solidFill>
-                  <a:srgbClr val="000000"/>
-                </a:solidFill>
-                <a:latin typeface="Calibri"/>
+              <a:rPr b="0" lang="en-GB" sz="1990" spc="-1" strike="noStrike">
+                <a:latin typeface="Arial"/>
               </a:rPr>
               <a:t>Fourth Outline Level</a:t>
             </a:r>
-            <a:endParaRPr b="0" lang="pt-PT" sz="1800" spc="-1" strike="noStrike">
-              <a:solidFill>
-                <a:srgbClr val="000000"/>
-              </a:solidFill>
-              <a:latin typeface="Calibri"/>
+            <a:endParaRPr b="0" lang="en-GB" sz="1990" spc="-1" strike="noStrike">
+              <a:latin typeface="Arial"/>
             </a:endParaRPr>
           </a:p>
           <a:p>
             <a:pPr lvl="4" marL="2160000" indent="-216000">
-              <a:lnSpc>
-                <a:spcPct val="90000"/>
-              </a:lnSpc>
               <a:spcBef>
-                <a:spcPts val="283"/>
+                <a:spcPts val="272"/>
               </a:spcBef>
               <a:buClr>
                 <a:srgbClr val="000000"/>
@@ -5580,28 +5193,19 @@
               <a:buChar char=""/>
             </a:pPr>
             <a:r>
-              <a:rPr b="0" lang="pt-PT" sz="2000" spc="-1" strike="noStrike">
-                <a:solidFill>
-                  <a:srgbClr val="000000"/>
-                </a:solidFill>
-                <a:latin typeface="Calibri"/>
+              <a:rPr b="0" lang="en-GB" sz="1990" spc="-1" strike="noStrike">
+                <a:latin typeface="Arial"/>
               </a:rPr>
               <a:t>Fifth Outline Level</a:t>
             </a:r>
-            <a:endParaRPr b="0" lang="pt-PT" sz="2000" spc="-1" strike="noStrike">
-              <a:solidFill>
-                <a:srgbClr val="000000"/>
-              </a:solidFill>
-              <a:latin typeface="Calibri"/>
+            <a:endParaRPr b="0" lang="en-GB" sz="1990" spc="-1" strike="noStrike">
+              <a:latin typeface="Arial"/>
             </a:endParaRPr>
           </a:p>
           <a:p>
             <a:pPr lvl="5" marL="2592000" indent="-216000">
-              <a:lnSpc>
-                <a:spcPct val="90000"/>
-              </a:lnSpc>
               <a:spcBef>
-                <a:spcPts val="283"/>
+                <a:spcPts val="272"/>
               </a:spcBef>
               <a:buClr>
                 <a:srgbClr val="000000"/>
@@ -5611,28 +5215,19 @@
               <a:buChar char=""/>
             </a:pPr>
             <a:r>
-              <a:rPr b="0" lang="pt-PT" sz="2000" spc="-1" strike="noStrike">
-                <a:solidFill>
-                  <a:srgbClr val="000000"/>
-                </a:solidFill>
-                <a:latin typeface="Calibri"/>
+              <a:rPr b="0" lang="en-GB" sz="1990" spc="-1" strike="noStrike">
+                <a:latin typeface="Arial"/>
               </a:rPr>
               <a:t>Sixth Outline Level</a:t>
             </a:r>
-            <a:endParaRPr b="0" lang="pt-PT" sz="2000" spc="-1" strike="noStrike">
-              <a:solidFill>
-                <a:srgbClr val="000000"/>
-              </a:solidFill>
-              <a:latin typeface="Calibri"/>
+            <a:endParaRPr b="0" lang="en-GB" sz="1990" spc="-1" strike="noStrike">
+              <a:latin typeface="Arial"/>
             </a:endParaRPr>
           </a:p>
           <a:p>
             <a:pPr lvl="6" marL="3024000" indent="-216000">
-              <a:lnSpc>
-                <a:spcPct val="90000"/>
-              </a:lnSpc>
               <a:spcBef>
-                <a:spcPts val="283"/>
+                <a:spcPts val="272"/>
               </a:spcBef>
               <a:buClr>
                 <a:srgbClr val="000000"/>
@@ -5642,19 +5237,13 @@
               <a:buChar char=""/>
             </a:pPr>
             <a:r>
-              <a:rPr b="0" lang="pt-PT" sz="2000" spc="-1" strike="noStrike">
-                <a:solidFill>
-                  <a:srgbClr val="000000"/>
-                </a:solidFill>
-                <a:latin typeface="Calibri"/>
+              <a:rPr b="0" lang="en-GB" sz="1990" spc="-1" strike="noStrike">
+                <a:latin typeface="Arial"/>
               </a:rPr>
               <a:t>Seventh Outline Level</a:t>
             </a:r>
-            <a:endParaRPr b="0" lang="pt-PT" sz="2000" spc="-1" strike="noStrike">
-              <a:solidFill>
-                <a:srgbClr val="000000"/>
-              </a:solidFill>
-              <a:latin typeface="Calibri"/>
+            <a:endParaRPr b="0" lang="en-GB" sz="1990" spc="-1" strike="noStrike">
+              <a:latin typeface="Arial"/>
             </a:endParaRPr>
           </a:p>
         </p:txBody>
@@ -5710,13 +5299,13 @@
             <a:spLocks noGrp="1"/>
           </p:cNvSpPr>
           <p:nvPr>
-            <p:ph type="title"/>
+            <p:ph type="ftr" idx="4"/>
           </p:nvPr>
         </p:nvSpPr>
         <p:spPr>
           <a:xfrm>
-            <a:off x="838080" y="365040"/>
-            <a:ext cx="10515240" cy="1325160"/>
+            <a:off x="4036680" y="6355080"/>
+            <a:ext cx="4113720" cy="364320"/>
           </a:xfrm>
           <a:prstGeom prst="rect">
             <a:avLst/>
@@ -5727,30 +5316,41 @@
           </a:ln>
         </p:spPr>
         <p:txBody>
-          <a:bodyPr anchor="ctr">
+          <a:bodyPr lIns="90000" rIns="90000" tIns="45000" bIns="45000" anchor="ctr">
             <a:noAutofit/>
           </a:bodyPr>
-          <a:p>
-            <a:pPr indent="0">
+          <a:lstStyle>
+            <a:lvl1pPr indent="0" algn="ctr">
               <a:lnSpc>
-                <a:spcPct val="90000"/>
+                <a:spcPct val="100000"/>
               </a:lnSpc>
               <a:buNone/>
-            </a:pPr>
-            <a:r>
-              <a:rPr b="0" lang="pt-PT" sz="4400" spc="-1" strike="noStrike">
-                <a:solidFill>
-                  <a:srgbClr val="000000"/>
-                </a:solidFill>
-                <a:latin typeface="Calibri Light"/>
-              </a:rPr>
-              <a:t>Clique para editar o estilo</a:t>
-            </a:r>
-            <a:endParaRPr b="0" lang="pt-PT" sz="4400" spc="-1" strike="noStrike">
-              <a:solidFill>
-                <a:srgbClr val="000000"/>
-              </a:solidFill>
-              <a:latin typeface="Calibri"/>
+              <a:tabLst>
+                <a:tab algn="l" pos="0"/>
+              </a:tabLst>
+              <a:defRPr b="0" lang="en-GB" sz="1400" spc="-1" strike="noStrike">
+                <a:latin typeface="Times New Roman"/>
+              </a:defRPr>
+            </a:lvl1pPr>
+          </a:lstStyle>
+          <a:p>
+            <a:pPr indent="0" algn="ctr">
+              <a:lnSpc>
+                <a:spcPct val="100000"/>
+              </a:lnSpc>
+              <a:buNone/>
+              <a:tabLst>
+                <a:tab algn="l" pos="0"/>
+              </a:tabLst>
+            </a:pPr>
+            <a:r>
+              <a:rPr b="0" lang="en-GB" sz="1400" spc="-1" strike="noStrike">
+                <a:latin typeface="Times New Roman"/>
+              </a:rPr>
+              <a:t>&lt;footer&gt;</a:t>
+            </a:r>
+            <a:endParaRPr b="0" lang="en-GB" sz="1400" spc="-1" strike="noStrike">
+              <a:latin typeface="Times New Roman"/>
             </a:endParaRPr>
           </a:p>
         </p:txBody>
@@ -5762,13 +5362,13 @@
             <a:spLocks noGrp="1"/>
           </p:cNvSpPr>
           <p:nvPr>
-            <p:ph type="body"/>
+            <p:ph type="sldNum" idx="5"/>
           </p:nvPr>
         </p:nvSpPr>
         <p:spPr>
           <a:xfrm>
-            <a:off x="838080" y="1825560"/>
-            <a:ext cx="10515240" cy="4350960"/>
+            <a:off x="8608680" y="6355080"/>
+            <a:ext cx="2742120" cy="364320"/>
           </a:xfrm>
           <a:prstGeom prst="rect">
             <a:avLst/>
@@ -5779,157 +5379,47 @@
           </a:ln>
         </p:spPr>
         <p:txBody>
-          <a:bodyPr anchor="t">
+          <a:bodyPr lIns="90000" rIns="90000" tIns="45000" bIns="45000" anchor="ctr">
             <a:noAutofit/>
           </a:bodyPr>
-          <a:p>
-            <a:pPr marL="228600" indent="-228600">
+          <a:lstStyle>
+            <a:lvl1pPr indent="0" algn="r">
               <a:lnSpc>
-                <a:spcPct val="90000"/>
+                <a:spcPct val="100000"/>
               </a:lnSpc>
-              <a:spcBef>
-                <a:spcPts val="1001"/>
-              </a:spcBef>
-              <a:buClr>
-                <a:srgbClr val="000000"/>
-              </a:buClr>
-              <a:buFont typeface="Arial"/>
-              <a:buChar char="•"/>
-            </a:pPr>
-            <a:r>
-              <a:rPr b="0" lang="pt-PT" sz="2800" spc="-1" strike="noStrike">
-                <a:solidFill>
-                  <a:srgbClr val="000000"/>
+              <a:buNone/>
+              <a:tabLst>
+                <a:tab algn="l" pos="0"/>
+              </a:tabLst>
+              <a:defRPr b="0" lang="pt-PT" sz="1200" spc="-1" strike="noStrike">
+                <a:solidFill>
+                  <a:srgbClr val="8b8b8b"/>
                 </a:solidFill>
                 <a:latin typeface="Calibri"/>
-              </a:rPr>
-              <a:t>Editar os estilos de texto do Modelo Global</a:t>
-            </a:r>
-            <a:endParaRPr b="0" lang="pt-PT" sz="2800" spc="-1" strike="noStrike">
-              <a:solidFill>
-                <a:srgbClr val="000000"/>
-              </a:solidFill>
-              <a:latin typeface="Calibri"/>
-            </a:endParaRPr>
-          </a:p>
-          <a:p>
-            <a:pPr lvl="1" marL="685800" indent="-228600">
+              </a:defRPr>
+            </a:lvl1pPr>
+          </a:lstStyle>
+          <a:p>
+            <a:pPr indent="0" algn="r">
               <a:lnSpc>
-                <a:spcPct val="90000"/>
+                <a:spcPct val="100000"/>
               </a:lnSpc>
-              <a:spcBef>
-                <a:spcPts val="499"/>
-              </a:spcBef>
-              <a:buClr>
-                <a:srgbClr val="000000"/>
-              </a:buClr>
-              <a:buFont typeface="Arial"/>
-              <a:buChar char="•"/>
-            </a:pPr>
-            <a:r>
-              <a:rPr b="0" lang="pt-PT" sz="2400" spc="-1" strike="noStrike">
-                <a:solidFill>
-                  <a:srgbClr val="000000"/>
+              <a:buNone/>
+              <a:tabLst>
+                <a:tab algn="l" pos="0"/>
+              </a:tabLst>
+            </a:pPr>
+            <a:fld id="{0BBAD8C1-725A-4565-98AA-99C5B99D3A6B}" type="slidenum">
+              <a:rPr b="0" lang="pt-PT" sz="1200" spc="-1" strike="noStrike">
+                <a:solidFill>
+                  <a:srgbClr val="8b8b8b"/>
                 </a:solidFill>
                 <a:latin typeface="Calibri"/>
               </a:rPr>
-              <a:t>Segundo nível</a:t>
-            </a:r>
-            <a:endParaRPr b="0" lang="pt-PT" sz="2400" spc="-1" strike="noStrike">
-              <a:solidFill>
-                <a:srgbClr val="000000"/>
-              </a:solidFill>
-              <a:latin typeface="Calibri"/>
-            </a:endParaRPr>
-          </a:p>
-          <a:p>
-            <a:pPr lvl="2" marL="1143000" indent="-228600">
-              <a:lnSpc>
-                <a:spcPct val="90000"/>
-              </a:lnSpc>
-              <a:spcBef>
-                <a:spcPts val="499"/>
-              </a:spcBef>
-              <a:buClr>
-                <a:srgbClr val="000000"/>
-              </a:buClr>
-              <a:buFont typeface="Arial"/>
-              <a:buChar char="•"/>
-            </a:pPr>
-            <a:r>
-              <a:rPr b="0" lang="pt-PT" sz="2000" spc="-1" strike="noStrike">
-                <a:solidFill>
-                  <a:srgbClr val="000000"/>
-                </a:solidFill>
-                <a:latin typeface="Calibri"/>
-              </a:rPr>
-              <a:t>Terceiro nível</a:t>
-            </a:r>
-            <a:endParaRPr b="0" lang="pt-PT" sz="2000" spc="-1" strike="noStrike">
-              <a:solidFill>
-                <a:srgbClr val="000000"/>
-              </a:solidFill>
-              <a:latin typeface="Calibri"/>
-            </a:endParaRPr>
-          </a:p>
-          <a:p>
-            <a:pPr lvl="3" marL="1600200" indent="-228600">
-              <a:lnSpc>
-                <a:spcPct val="90000"/>
-              </a:lnSpc>
-              <a:spcBef>
-                <a:spcPts val="499"/>
-              </a:spcBef>
-              <a:buClr>
-                <a:srgbClr val="000000"/>
-              </a:buClr>
-              <a:buFont typeface="Arial"/>
-              <a:buChar char="•"/>
-            </a:pPr>
-            <a:r>
-              <a:rPr b="0" lang="pt-PT" sz="1800" spc="-1" strike="noStrike">
-                <a:solidFill>
-                  <a:srgbClr val="000000"/>
-                </a:solidFill>
-                <a:latin typeface="Calibri"/>
-              </a:rPr>
-              <a:t>Quarto nível</a:t>
-            </a:r>
-            <a:endParaRPr b="0" lang="pt-PT" sz="1800" spc="-1" strike="noStrike">
-              <a:solidFill>
-                <a:srgbClr val="000000"/>
-              </a:solidFill>
-              <a:latin typeface="Calibri"/>
-            </a:endParaRPr>
-          </a:p>
-          <a:p>
-            <a:pPr lvl="4" marL="2057400" indent="-228600">
-              <a:lnSpc>
-                <a:spcPct val="90000"/>
-              </a:lnSpc>
-              <a:spcBef>
-                <a:spcPts val="499"/>
-              </a:spcBef>
-              <a:buClr>
-                <a:srgbClr val="000000"/>
-              </a:buClr>
-              <a:buFont typeface="Arial"/>
-              <a:buChar char="•"/>
-            </a:pPr>
-            <a:r>
-              <a:rPr b="0" lang="pt-PT" sz="1800" spc="-1" strike="noStrike">
-                <a:solidFill>
-                  <a:srgbClr val="000000"/>
-                </a:solidFill>
-                <a:latin typeface="Calibri"/>
-              </a:rPr>
-              <a:t>Quinto nível</a:t>
-            </a:r>
-            <a:endParaRPr b="0" lang="pt-PT" sz="1800" spc="-1" strike="noStrike">
-              <a:solidFill>
-                <a:srgbClr val="000000"/>
-              </a:solidFill>
-              <a:latin typeface="Calibri"/>
+              <a:t>&lt;number&gt;</a:t>
+            </a:fld>
+            <a:endParaRPr b="0" lang="en-GB" sz="1200" spc="-1" strike="noStrike">
+              <a:latin typeface="Times New Roman"/>
             </a:endParaRPr>
           </a:p>
         </p:txBody>
@@ -5941,13 +5431,13 @@
             <a:spLocks noGrp="1"/>
           </p:cNvSpPr>
           <p:nvPr>
-            <p:ph type="dt" idx="4"/>
+            <p:ph type="dt" idx="6"/>
           </p:nvPr>
         </p:nvSpPr>
         <p:spPr>
           <a:xfrm>
-            <a:off x="838080" y="6356520"/>
-            <a:ext cx="2742840" cy="364680"/>
+            <a:off x="836280" y="6355080"/>
+            <a:ext cx="2742120" cy="364320"/>
           </a:xfrm>
           <a:prstGeom prst="rect">
             <a:avLst/>
@@ -5958,40 +5448,28 @@
           </a:ln>
         </p:spPr>
         <p:txBody>
-          <a:bodyPr anchor="ctr">
+          <a:bodyPr lIns="90000" rIns="90000" tIns="45000" bIns="45000" anchor="ctr">
             <a:noAutofit/>
           </a:bodyPr>
           <a:lstStyle>
             <a:lvl1pPr indent="0">
-              <a:lnSpc>
-                <a:spcPct val="100000"/>
-              </a:lnSpc>
               <a:buNone/>
-              <a:defRPr b="0" lang="pt-PT" sz="1200" spc="-1" strike="noStrike">
-                <a:solidFill>
-                  <a:srgbClr val="8b8b8b"/>
-                </a:solidFill>
-                <a:latin typeface="Calibri"/>
+              <a:defRPr b="0" lang="en-GB" sz="1400" spc="-1" strike="noStrike">
+                <a:latin typeface="Times New Roman"/>
               </a:defRPr>
             </a:lvl1pPr>
           </a:lstStyle>
           <a:p>
             <a:pPr indent="0">
-              <a:lnSpc>
-                <a:spcPct val="100000"/>
-              </a:lnSpc>
               <a:buNone/>
             </a:pPr>
             <a:r>
-              <a:rPr b="0" lang="pt-PT" sz="1200" spc="-1" strike="noStrike">
-                <a:solidFill>
-                  <a:srgbClr val="8b8b8b"/>
-                </a:solidFill>
-                <a:latin typeface="Calibri"/>
+              <a:rPr b="0" lang="en-GB" sz="1400" spc="-1" strike="noStrike">
+                <a:latin typeface="Times New Roman"/>
               </a:rPr>
               <a:t>&lt;date/time&gt;</a:t>
             </a:r>
-            <a:endParaRPr b="0" lang="en-GB" sz="1200" spc="-1" strike="noStrike">
+            <a:endParaRPr b="0" lang="en-GB" sz="1400" spc="-1" strike="noStrike">
               <a:latin typeface="Times New Roman"/>
             </a:endParaRPr>
           </a:p>
@@ -6004,13 +5482,13 @@
             <a:spLocks noGrp="1"/>
           </p:cNvSpPr>
           <p:nvPr>
-            <p:ph type="ftr" idx="5"/>
+            <p:ph type="title"/>
           </p:nvPr>
         </p:nvSpPr>
         <p:spPr>
           <a:xfrm>
-            <a:off x="4038480" y="6356520"/>
-            <a:ext cx="4114440" cy="364680"/>
+            <a:off x="607680" y="271800"/>
+            <a:ext cx="10972080" cy="1145160"/>
           </a:xfrm>
           <a:prstGeom prst="rect">
             <a:avLst/>
@@ -6021,29 +5499,21 @@
           </a:ln>
         </p:spPr>
         <p:txBody>
-          <a:bodyPr anchor="ctr">
+          <a:bodyPr lIns="0" rIns="0" tIns="0" bIns="0" anchor="ctr">
             <a:noAutofit/>
           </a:bodyPr>
-          <a:lstStyle>
-            <a:lvl1pPr indent="0" algn="ctr">
-              <a:buNone/>
-              <a:defRPr b="0" lang="en-GB" sz="1400" spc="-1" strike="noStrike">
-                <a:latin typeface="Times New Roman"/>
-              </a:defRPr>
-            </a:lvl1pPr>
-          </a:lstStyle>
           <a:p>
             <a:pPr indent="0" algn="ctr">
               <a:buNone/>
             </a:pPr>
             <a:r>
-              <a:rPr b="0" lang="en-GB" sz="1400" spc="-1" strike="noStrike">
-                <a:latin typeface="Times New Roman"/>
-              </a:rPr>
-              <a:t>&lt;footer&gt;</a:t>
-            </a:r>
-            <a:endParaRPr b="0" lang="en-GB" sz="1400" spc="-1" strike="noStrike">
-              <a:latin typeface="Times New Roman"/>
+              <a:rPr b="0" lang="en-GB" sz="4390" spc="-1" strike="noStrike">
+                <a:latin typeface="Arial"/>
+              </a:rPr>
+              <a:t>Click to edit the title text format</a:t>
+            </a:r>
+            <a:endParaRPr b="0" lang="en-GB" sz="4390" spc="-1" strike="noStrike">
+              <a:latin typeface="Arial"/>
             </a:endParaRPr>
           </a:p>
         </p:txBody>
@@ -6055,13 +5525,13 @@
             <a:spLocks noGrp="1"/>
           </p:cNvSpPr>
           <p:nvPr>
-            <p:ph type="sldNum" idx="6"/>
+            <p:ph type="body"/>
           </p:nvPr>
         </p:nvSpPr>
         <p:spPr>
           <a:xfrm>
-            <a:off x="8610480" y="6356520"/>
-            <a:ext cx="2742840" cy="364680"/>
+            <a:off x="607680" y="1602720"/>
+            <a:ext cx="10972080" cy="3977280"/>
           </a:xfrm>
           <a:prstGeom prst="rect">
             <a:avLst/>
@@ -6072,41 +5542,161 @@
           </a:ln>
         </p:spPr>
         <p:txBody>
-          <a:bodyPr anchor="ctr">
-            <a:noAutofit/>
+          <a:bodyPr lIns="0" rIns="0" tIns="0" bIns="0" anchor="t">
+            <a:normAutofit/>
           </a:bodyPr>
-          <a:lstStyle>
-            <a:lvl1pPr indent="0" algn="r">
-              <a:lnSpc>
-                <a:spcPct val="100000"/>
-              </a:lnSpc>
-              <a:buNone/>
-              <a:defRPr b="0" lang="pt-PT" sz="1200" spc="-1" strike="noStrike">
-                <a:solidFill>
-                  <a:srgbClr val="8b8b8b"/>
-                </a:solidFill>
-                <a:latin typeface="Calibri"/>
-              </a:defRPr>
-            </a:lvl1pPr>
-          </a:lstStyle>
-          <a:p>
-            <a:pPr indent="0" algn="r">
-              <a:lnSpc>
-                <a:spcPct val="100000"/>
-              </a:lnSpc>
-              <a:buNone/>
-            </a:pPr>
-            <a:fld id="{1AF7FDC1-ECB9-488F-B9BE-D8332AAC5CFE}" type="slidenum">
-              <a:rPr b="0" lang="pt-PT" sz="1200" spc="-1" strike="noStrike">
-                <a:solidFill>
-                  <a:srgbClr val="8b8b8b"/>
-                </a:solidFill>
-                <a:latin typeface="Calibri"/>
-              </a:rPr>
-              <a:t>&lt;number&gt;</a:t>
-            </a:fld>
-            <a:endParaRPr b="0" lang="en-GB" sz="1200" spc="-1" strike="noStrike">
-              <a:latin typeface="Times New Roman"/>
+          <a:p>
+            <a:pPr marL="432000" indent="-324000">
+              <a:spcBef>
+                <a:spcPts val="1400"/>
+              </a:spcBef>
+              <a:buClr>
+                <a:srgbClr val="000000"/>
+              </a:buClr>
+              <a:buSzPct val="45000"/>
+              <a:buFont typeface="Wingdings" charset="2"/>
+              <a:buChar char=""/>
+            </a:pPr>
+            <a:r>
+              <a:rPr b="0" lang="en-GB" sz="3190" spc="-1" strike="noStrike">
+                <a:latin typeface="Arial"/>
+              </a:rPr>
+              <a:t>Click to edit the outline text format</a:t>
+            </a:r>
+            <a:endParaRPr b="0" lang="en-GB" sz="3190" spc="-1" strike="noStrike">
+              <a:latin typeface="Arial"/>
+            </a:endParaRPr>
+          </a:p>
+          <a:p>
+            <a:pPr lvl="1" marL="864000" indent="-324000">
+              <a:spcBef>
+                <a:spcPts val="1117"/>
+              </a:spcBef>
+              <a:buClr>
+                <a:srgbClr val="000000"/>
+              </a:buClr>
+              <a:buSzPct val="75000"/>
+              <a:buFont typeface="Symbol" charset="2"/>
+              <a:buChar char=""/>
+            </a:pPr>
+            <a:r>
+              <a:rPr b="0" lang="en-GB" sz="2790" spc="-1" strike="noStrike">
+                <a:latin typeface="Arial"/>
+              </a:rPr>
+              <a:t>Second Outline Level</a:t>
+            </a:r>
+            <a:endParaRPr b="0" lang="en-GB" sz="2790" spc="-1" strike="noStrike">
+              <a:latin typeface="Arial"/>
+            </a:endParaRPr>
+          </a:p>
+          <a:p>
+            <a:pPr lvl="2" marL="1296000" indent="-288000">
+              <a:spcBef>
+                <a:spcPts val="836"/>
+              </a:spcBef>
+              <a:buClr>
+                <a:srgbClr val="000000"/>
+              </a:buClr>
+              <a:buSzPct val="45000"/>
+              <a:buFont typeface="Wingdings" charset="2"/>
+              <a:buChar char=""/>
+            </a:pPr>
+            <a:r>
+              <a:rPr b="0" lang="en-GB" sz="2390" spc="-1" strike="noStrike">
+                <a:latin typeface="Arial"/>
+              </a:rPr>
+              <a:t>Third Outline Level</a:t>
+            </a:r>
+            <a:endParaRPr b="0" lang="en-GB" sz="2390" spc="-1" strike="noStrike">
+              <a:latin typeface="Arial"/>
+            </a:endParaRPr>
+          </a:p>
+          <a:p>
+            <a:pPr lvl="3" marL="1728000" indent="-216000">
+              <a:spcBef>
+                <a:spcPts val="553"/>
+              </a:spcBef>
+              <a:buClr>
+                <a:srgbClr val="000000"/>
+              </a:buClr>
+              <a:buSzPct val="75000"/>
+              <a:buFont typeface="Symbol" charset="2"/>
+              <a:buChar char=""/>
+            </a:pPr>
+            <a:r>
+              <a:rPr b="0" lang="en-GB" sz="1990" spc="-1" strike="noStrike">
+                <a:latin typeface="Arial"/>
+              </a:rPr>
+              <a:t>Fourth Outline Level</a:t>
+            </a:r>
+            <a:endParaRPr b="0" lang="en-GB" sz="1990" spc="-1" strike="noStrike">
+              <a:latin typeface="Arial"/>
+            </a:endParaRPr>
+          </a:p>
+          <a:p>
+            <a:pPr lvl="4" marL="2160000" indent="-216000">
+              <a:spcBef>
+                <a:spcPts val="272"/>
+              </a:spcBef>
+              <a:buClr>
+                <a:srgbClr val="000000"/>
+              </a:buClr>
+              <a:buSzPct val="45000"/>
+              <a:buFont typeface="Wingdings" charset="2"/>
+              <a:buChar char=""/>
+            </a:pPr>
+            <a:r>
+              <a:rPr b="0" lang="en-GB" sz="1990" spc="-1" strike="noStrike">
+                <a:latin typeface="Arial"/>
+              </a:rPr>
+              <a:t>Fifth Outline Level</a:t>
+            </a:r>
+            <a:endParaRPr b="0" lang="en-GB" sz="1990" spc="-1" strike="noStrike">
+              <a:latin typeface="Arial"/>
+            </a:endParaRPr>
+          </a:p>
+          <a:p>
+            <a:pPr lvl="5" marL="2592000" indent="-216000">
+              <a:spcBef>
+                <a:spcPts val="272"/>
+              </a:spcBef>
+              <a:buClr>
+                <a:srgbClr val="000000"/>
+              </a:buClr>
+              <a:buSzPct val="45000"/>
+              <a:buFont typeface="Wingdings" charset="2"/>
+              <a:buChar char=""/>
+            </a:pPr>
+            <a:r>
+              <a:rPr b="0" lang="en-GB" sz="1990" spc="-1" strike="noStrike">
+                <a:latin typeface="Arial"/>
+              </a:rPr>
+              <a:t>Sixth Outline Level</a:t>
+            </a:r>
+            <a:endParaRPr b="0" lang="en-GB" sz="1990" spc="-1" strike="noStrike">
+              <a:latin typeface="Arial"/>
+            </a:endParaRPr>
+          </a:p>
+          <a:p>
+            <a:pPr lvl="6" marL="3024000" indent="-216000">
+              <a:spcBef>
+                <a:spcPts val="272"/>
+              </a:spcBef>
+              <a:buClr>
+                <a:srgbClr val="000000"/>
+              </a:buClr>
+              <a:buSzPct val="45000"/>
+              <a:buFont typeface="Wingdings" charset="2"/>
+              <a:buChar char=""/>
+            </a:pPr>
+            <a:r>
+              <a:rPr b="0" lang="en-GB" sz="1990" spc="-1" strike="noStrike">
+                <a:latin typeface="Arial"/>
+              </a:rPr>
+              <a:t>Seventh Outline Level</a:t>
+            </a:r>
+            <a:endParaRPr b="0" lang="en-GB" sz="1990" spc="-1" strike="noStrike">
+              <a:latin typeface="Arial"/>
             </a:endParaRPr>
           </a:p>
         </p:txBody>
@@ -6148,16 +5738,388 @@
           <a:chExt cx="0" cy="0"/>
         </a:xfrm>
       </p:grpSpPr>
-      <p:sp>
-        <p:nvSpPr>
-          <p:cNvPr id="82" name="Retângulo 7"/>
+      <p:grpSp>
+        <p:nvGrpSpPr>
+          <p:cNvPr id="82" name=""/>
+          <p:cNvGrpSpPr/>
+          <p:nvPr/>
+        </p:nvGrpSpPr>
+        <p:grpSpPr>
+          <a:xfrm>
+            <a:off x="8055000" y="6478200"/>
+            <a:ext cx="4002840" cy="441000"/>
+            <a:chOff x="8055000" y="6478200"/>
+            <a:chExt cx="4002840" cy="441000"/>
+          </a:xfrm>
+        </p:grpSpPr>
+        <p:sp>
+          <p:nvSpPr>
+            <p:cNvPr id="83" name=""/>
+            <p:cNvSpPr txBox="1"/>
+            <p:nvPr/>
+          </p:nvSpPr>
+          <p:spPr>
+            <a:xfrm>
+              <a:off x="8055000" y="6532920"/>
+              <a:ext cx="3600000" cy="386280"/>
+            </a:xfrm>
+            <a:prstGeom prst="rect">
+              <a:avLst/>
+            </a:prstGeom>
+            <a:noFill/>
+            <a:ln w="0">
+              <a:noFill/>
+            </a:ln>
+          </p:spPr>
+          <p:txBody>
+            <a:bodyPr lIns="90000" rIns="90000" tIns="45000" bIns="45000" anchor="t">
+              <a:noAutofit/>
+            </a:bodyPr>
+            <a:p>
+              <a:pPr>
+                <a:lnSpc>
+                  <a:spcPct val="100000"/>
+                </a:lnSpc>
+                <a:tabLst>
+                  <a:tab algn="ctr" pos="2743200"/>
+                  <a:tab algn="r" pos="5486400"/>
+                  <a:tab algn="r" pos="6229440"/>
+                </a:tabLst>
+              </a:pPr>
+              <a:r>
+                <a:rPr b="0" lang="en-GB" sz="800" spc="-1" strike="noStrike" cap="small">
+                  <a:solidFill>
+                    <a:srgbClr val="000000"/>
+                  </a:solidFill>
+                  <a:latin typeface="Arial"/>
+                  <a:ea typeface="Bitstream Vera Sans"/>
+                </a:rPr>
+                <a:t>DETI, Arquitecturas de Alto Desempenho, Janeiro 2022</a:t>
+              </a:r>
+              <a:endParaRPr b="0" lang="en-GB" sz="800" spc="-1" strike="noStrike" cap="small">
+                <a:solidFill>
+                  <a:srgbClr val="000000"/>
+                </a:solidFill>
+                <a:latin typeface="Arial"/>
+              </a:endParaRPr>
+            </a:p>
+          </p:txBody>
+        </p:sp>
+        <p:sp>
+          <p:nvSpPr>
+            <p:cNvPr id="84" name=""/>
+            <p:cNvSpPr txBox="1"/>
+            <p:nvPr/>
+          </p:nvSpPr>
+          <p:spPr>
+            <a:xfrm>
+              <a:off x="11522520" y="6478200"/>
+              <a:ext cx="535320" cy="313920"/>
+            </a:xfrm>
+            <a:prstGeom prst="rect">
+              <a:avLst/>
+            </a:prstGeom>
+            <a:noFill/>
+            <a:ln w="0">
+              <a:noFill/>
+            </a:ln>
+          </p:spPr>
+          <p:txBody>
+            <a:bodyPr lIns="90000" rIns="90000" tIns="45000" bIns="45000" anchor="t">
+              <a:noAutofit/>
+            </a:bodyPr>
+            <a:p>
+              <a:fld id="{1F6FA530-8587-4ACF-B083-2180ADB72FC2}" type="slidenum">
+                <a:rPr b="0" lang="en-GB" sz="1200" spc="-1" strike="noStrike">
+                  <a:latin typeface="Times New Roman"/>
+                </a:rPr>
+                <a:t>&lt;number&gt;</a:t>
+              </a:fld>
+              <a:r>
+                <a:rPr b="0" lang="en-GB" sz="1200" spc="-1" strike="noStrike">
+                  <a:latin typeface="Times New Roman"/>
+                </a:rPr>
+                <a:t>/</a:t>
+              </a:r>
+              <a:fld id="{710CB744-8A3B-423C-A2A6-EBBEDEE2FA6F}" type="slidecount">
+                <a:rPr b="0" lang="en-GB" sz="1200" spc="-1" strike="noStrike">
+                  <a:latin typeface="Times New Roman"/>
+                </a:rPr>
+                <a:t>7</a:t>
+              </a:fld>
+              <a:endParaRPr b="0" lang="en-GB" sz="1200" spc="-1" strike="noStrike">
+                <a:latin typeface="Times New Roman"/>
+              </a:endParaRPr>
+            </a:p>
+          </p:txBody>
+        </p:sp>
+      </p:grpSp>
+      <p:sp>
+        <p:nvSpPr>
+          <p:cNvPr id="85" name=""/>
+          <p:cNvSpPr txBox="1"/>
+          <p:nvPr/>
+        </p:nvSpPr>
+        <p:spPr>
+          <a:xfrm>
+            <a:off x="605880" y="4498560"/>
+            <a:ext cx="1372320" cy="592560"/>
+          </a:xfrm>
+          <a:prstGeom prst="rect">
+            <a:avLst/>
+          </a:prstGeom>
+          <a:noFill/>
+          <a:ln w="0">
+            <a:noFill/>
+          </a:ln>
+        </p:spPr>
+        <p:txBody>
+          <a:bodyPr lIns="90000" rIns="90000" tIns="45000" bIns="45000" anchor="t">
+            <a:noAutofit/>
+          </a:bodyPr>
+          <a:p>
+            <a:r>
+              <a:rPr b="0" lang="en-GB" sz="1400" spc="-1" strike="noStrike">
+                <a:solidFill>
+                  <a:srgbClr val="000000"/>
+                </a:solidFill>
+                <a:latin typeface="Arial"/>
+                <a:ea typeface="Bitstream Vera Sans"/>
+              </a:rPr>
+              <a:t>Grupo 1, Lab 3</a:t>
+            </a:r>
+            <a:endParaRPr b="0" lang="en-GB" sz="1400" spc="-1" strike="noStrike">
+              <a:solidFill>
+                <a:srgbClr val="000000"/>
+              </a:solidFill>
+              <a:latin typeface="Arial"/>
+            </a:endParaRPr>
+          </a:p>
+        </p:txBody>
+      </p:sp>
+      <p:sp>
+        <p:nvSpPr>
+          <p:cNvPr id="86" name=""/>
+          <p:cNvSpPr txBox="1"/>
+          <p:nvPr/>
+        </p:nvSpPr>
+        <p:spPr>
+          <a:xfrm>
+            <a:off x="838800" y="5268240"/>
+            <a:ext cx="1139400" cy="898200"/>
+          </a:xfrm>
+          <a:prstGeom prst="rect">
+            <a:avLst/>
+          </a:prstGeom>
+          <a:noFill/>
+          <a:ln w="0">
+            <a:noFill/>
+          </a:ln>
+        </p:spPr>
+        <p:txBody>
+          <a:bodyPr lIns="90000" rIns="90000" tIns="45000" bIns="45000" anchor="t">
+            <a:noAutofit/>
+          </a:bodyPr>
+          <a:p>
+            <a:pPr>
+              <a:lnSpc>
+                <a:spcPct val="100000"/>
+              </a:lnSpc>
+            </a:pPr>
+            <a:r>
+              <a:rPr b="0" lang="en-GB" sz="1390" spc="-1" strike="noStrike">
+                <a:solidFill>
+                  <a:srgbClr val="000000"/>
+                </a:solidFill>
+                <a:latin typeface="Arial"/>
+              </a:rPr>
+              <a:t>Lucas Pinto</a:t>
+            </a:r>
+            <a:endParaRPr b="0" lang="en-GB" sz="1390" spc="-1" strike="noStrike">
+              <a:solidFill>
+                <a:srgbClr val="000000"/>
+              </a:solidFill>
+              <a:latin typeface="Arial"/>
+            </a:endParaRPr>
+          </a:p>
+          <a:p>
+            <a:pPr>
+              <a:lnSpc>
+                <a:spcPct val="100000"/>
+              </a:lnSpc>
+            </a:pPr>
+            <a:r>
+              <a:rPr b="0" lang="en-GB" sz="1390" spc="-1" strike="noStrike">
+                <a:solidFill>
+                  <a:srgbClr val="000000"/>
+                </a:solidFill>
+                <a:latin typeface="Arial"/>
+              </a:rPr>
+              <a:t>Carlos Vidal</a:t>
+            </a:r>
+            <a:endParaRPr b="0" lang="en-GB" sz="1390" spc="-1" strike="noStrike">
+              <a:solidFill>
+                <a:srgbClr val="000000"/>
+              </a:solidFill>
+              <a:latin typeface="Arial"/>
+            </a:endParaRPr>
+          </a:p>
+        </p:txBody>
+      </p:sp>
+      <p:pic>
+        <p:nvPicPr>
+          <p:cNvPr id="87" name="" descr=""/>
+          <p:cNvPicPr/>
+          <p:nvPr/>
+        </p:nvPicPr>
+        <p:blipFill>
+          <a:blip r:embed="rId1"/>
+          <a:stretch/>
+        </p:blipFill>
+        <p:spPr>
+          <a:xfrm>
+            <a:off x="720000" y="878400"/>
+            <a:ext cx="3419640" cy="1281600"/>
+          </a:xfrm>
+          <a:prstGeom prst="rect">
+            <a:avLst/>
+          </a:prstGeom>
+          <a:ln w="0">
+            <a:noFill/>
+          </a:ln>
+        </p:spPr>
+      </p:pic>
+      <p:sp>
+        <p:nvSpPr>
+          <p:cNvPr id="88" name=""/>
+          <p:cNvSpPr txBox="1"/>
+          <p:nvPr/>
+        </p:nvSpPr>
+        <p:spPr>
+          <a:xfrm>
+            <a:off x="3958200" y="2340000"/>
+            <a:ext cx="4321800" cy="465480"/>
+          </a:xfrm>
+          <a:prstGeom prst="rect">
+            <a:avLst/>
+          </a:prstGeom>
+          <a:noFill/>
+          <a:ln w="0">
+            <a:noFill/>
+          </a:ln>
+        </p:spPr>
+        <p:txBody>
+          <a:bodyPr lIns="90000" rIns="90000" tIns="45000" bIns="45000" anchor="t">
+            <a:noAutofit/>
+          </a:bodyPr>
+          <a:p>
+            <a:r>
+              <a:rPr b="0" lang="en-GB" sz="2000" spc="-1" strike="noStrike">
+                <a:latin typeface="Arial"/>
+              </a:rPr>
+              <a:t>Arquitecturas de Alto Desempenho</a:t>
+            </a:r>
+            <a:endParaRPr b="0" lang="en-GB" sz="2000" spc="-1" strike="noStrike">
+              <a:latin typeface="Arial"/>
+            </a:endParaRPr>
+          </a:p>
+        </p:txBody>
+      </p:sp>
+      <p:sp>
+        <p:nvSpPr>
+          <p:cNvPr id="89" name=""/>
+          <p:cNvSpPr txBox="1"/>
+          <p:nvPr/>
+        </p:nvSpPr>
+        <p:spPr>
+          <a:xfrm>
+            <a:off x="3240000" y="3240000"/>
+            <a:ext cx="6120000" cy="602280"/>
+          </a:xfrm>
+          <a:prstGeom prst="rect">
+            <a:avLst/>
+          </a:prstGeom>
+          <a:noFill/>
+          <a:ln w="0">
+            <a:noFill/>
+          </a:ln>
+        </p:spPr>
+        <p:txBody>
+          <a:bodyPr lIns="90000" rIns="90000" tIns="45000" bIns="45000" anchor="t">
+            <a:noAutofit/>
+          </a:bodyPr>
+          <a:p>
+            <a:pPr marL="1620000" indent="-1620000" algn="just"/>
+            <a:r>
+              <a:rPr b="0" lang="en-GB" sz="1800" spc="-1" strike="noStrike">
+                <a:latin typeface="Arial"/>
+              </a:rPr>
+              <a:t>Assignment 2 – Sorting Sequences of Values</a:t>
+            </a:r>
+            <a:endParaRPr b="0" lang="en-GB" sz="1800" spc="-1" strike="noStrike">
+              <a:latin typeface="Arial"/>
+            </a:endParaRPr>
+          </a:p>
+          <a:p>
+            <a:pPr marL="1620000" indent="-1620000" algn="just"/>
+            <a:r>
+              <a:rPr b="0" lang="en-GB" sz="1800" spc="-1" strike="noStrike">
+                <a:latin typeface="Arial"/>
+              </a:rPr>
+              <a:t>	</a:t>
+            </a:r>
+            <a:r>
+              <a:rPr b="0" lang="en-GB" sz="1800" spc="-1" strike="noStrike">
+                <a:latin typeface="Arial"/>
+              </a:rPr>
+              <a:t>GPU Threading and Memory Mapping</a:t>
+            </a:r>
+            <a:endParaRPr b="0" lang="en-GB" sz="1800" spc="-1" strike="noStrike">
+              <a:latin typeface="Arial"/>
+            </a:endParaRPr>
+          </a:p>
+        </p:txBody>
+      </p:sp>
+    </p:spTree>
+  </p:cSld>
+  <mc:AlternateContent>
+    <mc:Choice Requires="p14">
+      <p:transition spd="slow" p14:dur="2000"/>
+    </mc:Choice>
+    <mc:Fallback>
+      <p:transition spd="slow"/>
+    </mc:Fallback>
+  </mc:AlternateContent>
+</p:sld>
+</file>
+
+<file path=ppt/slides/slide2.xml><?xml version="1.0" encoding="utf-8"?>
+<p:sld xmlns:a="http://schemas.openxmlformats.org/drawingml/2006/main" xmlns:p="http://schemas.openxmlformats.org/presentationml/2006/main" xmlns:r="http://schemas.openxmlformats.org/officeDocument/2006/relationships" xmlns:p14="http://schemas.microsoft.com/office/powerpoint/2010/main" xmlns:p15="http://schemas.microsoft.com/office/powerpoint/2012/main" xmlns:mc="http://schemas.openxmlformats.org/markup-compatibility/2006">
+  <p:cSld>
+    <p:spTree>
+      <p:nvGrpSpPr>
+        <p:cNvPr id="1" name=""/>
+        <p:cNvGrpSpPr/>
+        <p:nvPr/>
+      </p:nvGrpSpPr>
+      <p:grpSpPr>
+        <a:xfrm>
+          <a:off x="0" y="0"/>
+          <a:ext cx="0" cy="0"/>
+          <a:chOff x="0" y="0"/>
+          <a:chExt cx="0" cy="0"/>
+        </a:xfrm>
+      </p:grpSpPr>
+      <p:sp>
+        <p:nvSpPr>
+          <p:cNvPr id="90" name="Retângulo 7"/>
           <p:cNvSpPr/>
           <p:nvPr/>
         </p:nvSpPr>
         <p:spPr>
           <a:xfrm>
-            <a:off x="518760" y="773280"/>
-            <a:ext cx="5106600" cy="363960"/>
+            <a:off x="1036800" y="898200"/>
+            <a:ext cx="3984840" cy="302040"/>
           </a:xfrm>
           <a:prstGeom prst="rect">
             <a:avLst/>
@@ -6184,15 +6146,16 @@
               </a:lnSpc>
             </a:pPr>
             <a:r>
-              <a:rPr b="1" lang="pt-PT" sz="1800" spc="-1" strike="noStrike">
+              <a:rPr b="1" lang="pt-PT" sz="1390" spc="-1" strike="noStrike">
                 <a:solidFill>
                   <a:srgbClr val="000000"/>
                 </a:solidFill>
                 <a:latin typeface="Calibri"/>
+                <a:ea typeface="DejaVu Sans"/>
               </a:rPr>
               <a:t>STREAMING MULTIPROCESSOR (SM) ARCHITECTURE</a:t>
             </a:r>
-            <a:endParaRPr b="0" lang="en-GB" sz="1800" spc="-1" strike="noStrike">
+            <a:endParaRPr b="0" lang="en-GB" sz="1390" spc="-1" strike="noStrike">
               <a:latin typeface="Arial"/>
             </a:endParaRPr>
           </a:p>
@@ -6200,7 +6163,7 @@
       </p:sp>
       <p:pic>
         <p:nvPicPr>
-          <p:cNvPr id="83" name="Imagem 8" descr=""/>
+          <p:cNvPr id="91" name="Imagem 8" descr=""/>
           <p:cNvPicPr/>
           <p:nvPr/>
         </p:nvPicPr>
@@ -6210,8 +6173,8 @@
         </p:blipFill>
         <p:spPr>
           <a:xfrm>
-            <a:off x="492840" y="1402200"/>
-            <a:ext cx="3039480" cy="5061600"/>
+            <a:off x="491040" y="1400400"/>
+            <a:ext cx="2926800" cy="4874760"/>
           </a:xfrm>
           <a:prstGeom prst="rect">
             <a:avLst/>
@@ -6223,21 +6186,21 @@
       </p:pic>
       <p:grpSp>
         <p:nvGrpSpPr>
-          <p:cNvPr id="84" name="Grupo 10"/>
+          <p:cNvPr id="92" name="Grupo 10"/>
           <p:cNvGrpSpPr/>
           <p:nvPr/>
         </p:nvGrpSpPr>
         <p:grpSpPr>
           <a:xfrm>
-            <a:off x="4051800" y="1402200"/>
-            <a:ext cx="2226240" cy="2394720"/>
-            <a:chOff x="4051800" y="1402200"/>
-            <a:chExt cx="2226240" cy="2394720"/>
+            <a:off x="3958200" y="1383840"/>
+            <a:ext cx="2225880" cy="2394360"/>
+            <a:chOff x="3958200" y="1383840"/>
+            <a:chExt cx="2225880" cy="2394360"/>
           </a:xfrm>
         </p:grpSpPr>
         <p:pic>
           <p:nvPicPr>
-            <p:cNvPr id="85" name="Imagem 5" descr=""/>
+            <p:cNvPr id="93" name="Imagem 5" descr=""/>
             <p:cNvPicPr/>
             <p:nvPr/>
           </p:nvPicPr>
@@ -6247,8 +6210,8 @@
           </p:blipFill>
           <p:spPr>
             <a:xfrm>
-              <a:off x="4051800" y="1402200"/>
-              <a:ext cx="2226240" cy="2394720"/>
+              <a:off x="3958200" y="1383840"/>
+              <a:ext cx="2225880" cy="2394360"/>
             </a:xfrm>
             <a:prstGeom prst="rect">
               <a:avLst/>
@@ -6260,14 +6223,14 @@
         </p:pic>
         <p:sp>
           <p:nvSpPr>
-            <p:cNvPr id="86" name="Retângulo 9"/>
+            <p:cNvPr id="94" name="Retângulo 9"/>
             <p:cNvSpPr/>
             <p:nvPr/>
           </p:nvSpPr>
           <p:spPr>
             <a:xfrm>
-              <a:off x="4916160" y="3530520"/>
-              <a:ext cx="498240" cy="152640"/>
+              <a:off x="4822560" y="3512160"/>
+              <a:ext cx="497520" cy="152640"/>
             </a:xfrm>
             <a:prstGeom prst="rect">
               <a:avLst/>
@@ -6303,6 +6266,7 @@
                     <a:srgbClr val="ffffff"/>
                   </a:solidFill>
                   <a:latin typeface="Arial"/>
+                  <a:ea typeface="DejaVu Sans"/>
                 </a:rPr>
                 <a:t>1.5MB</a:t>
               </a:r>
@@ -6315,7 +6279,7 @@
       </p:grpSp>
       <p:pic>
         <p:nvPicPr>
-          <p:cNvPr id="87" name="Imagem 16" descr=""/>
+          <p:cNvPr id="95" name="Imagem 16" descr=""/>
           <p:cNvPicPr/>
           <p:nvPr/>
         </p:nvPicPr>
@@ -6325,8 +6289,8 @@
         </p:blipFill>
         <p:spPr>
           <a:xfrm>
-            <a:off x="3702240" y="3924360"/>
-            <a:ext cx="3088800" cy="2517840"/>
+            <a:off x="3607200" y="3887640"/>
+            <a:ext cx="3088440" cy="2517480"/>
           </a:xfrm>
           <a:prstGeom prst="rect">
             <a:avLst/>
@@ -6338,14 +6302,14 @@
       </p:pic>
       <p:sp>
         <p:nvSpPr>
-          <p:cNvPr id="88" name="Retângulo 21"/>
+          <p:cNvPr id="96" name="Retângulo 21"/>
           <p:cNvSpPr/>
           <p:nvPr/>
         </p:nvSpPr>
         <p:spPr>
           <a:xfrm>
-            <a:off x="7007400" y="1402200"/>
-            <a:ext cx="4519440" cy="257040"/>
+            <a:off x="7540560" y="311040"/>
+            <a:ext cx="3439080" cy="225360"/>
           </a:xfrm>
           <a:prstGeom prst="rect">
             <a:avLst/>
@@ -6374,15 +6338,16 @@
               </a:lnSpc>
             </a:pPr>
             <a:r>
-              <a:rPr b="0" lang="pt-PT" sz="1100" spc="-1" strike="noStrike">
+              <a:rPr b="0" lang="pt-PT" sz="889" spc="-1" strike="noStrike">
                 <a:solidFill>
                   <a:srgbClr val="ffffff"/>
                 </a:solidFill>
                 <a:latin typeface="Calibri"/>
+                <a:ea typeface="DejaVu Sans"/>
               </a:rPr>
               <a:t>/usr/local/cuda-12.0/samples/1_Utilities/deviceQuery$ ./deviceQuery </a:t>
             </a:r>
-            <a:endParaRPr b="0" lang="en-GB" sz="1100" spc="-1" strike="noStrike">
+            <a:endParaRPr b="0" lang="en-GB" sz="889" spc="-1" strike="noStrike">
               <a:latin typeface="Arial"/>
             </a:endParaRPr>
           </a:p>
@@ -6390,27 +6355,27 @@
       </p:sp>
       <p:graphicFrame>
         <p:nvGraphicFramePr>
-          <p:cNvPr id="89" name="Tabela 26"/>
+          <p:cNvPr id="97" name="Tabela 26"/>
           <p:cNvGraphicFramePr/>
           <p:nvPr/>
         </p:nvGraphicFramePr>
         <p:xfrm>
-          <a:off x="7007400" y="1842480"/>
-          <a:ext cx="4519440" cy="4047840"/>
+          <a:off x="6972120" y="648360"/>
+          <a:ext cx="4017240" cy="5568480"/>
         </p:xfrm>
         <a:graphic>
           <a:graphicData uri="http://schemas.openxmlformats.org/drawingml/2006/table">
             <a:tbl>
               <a:tblPr/>
               <a:tblGrid>
-                <a:gridCol w="1015920"/>
-                <a:gridCol w="2127240"/>
-                <a:gridCol w="1376280"/>
+                <a:gridCol w="818280"/>
+                <a:gridCol w="2223360"/>
+                <a:gridCol w="1882440"/>
               </a:tblGrid>
-              <a:tr h="162000">
+              <a:tr h="244080">
                 <a:tc gridSpan="3">
                   <a:txBody>
-                    <a:bodyPr lIns="9360" rIns="9360" tIns="9360" bIns="0" anchor="b">
+                    <a:bodyPr lIns="9360" rIns="9360" anchor="b">
                       <a:noAutofit/>
                     </a:bodyPr>
                     <a:p>
@@ -6426,7 +6391,7 @@
                           </a:solidFill>
                           <a:latin typeface="Arial Narrow"/>
                         </a:rPr>
-                        <a:t>GeForce GTX 1660 Ti</a:t>
+                        <a:t>GeForce GTX 1660 Ti Main Specification</a:t>
                       </a:r>
                       <a:endParaRPr b="0" lang="en-GB" sz="1000" spc="-1" strike="noStrike">
                         <a:latin typeface="Arial"/>
@@ -6498,10 +6463,10 @@
                   </a:tcPr>
                 </a:tc>
               </a:tr>
-              <a:tr h="162000">
+              <a:tr h="216000">
                 <a:tc rowSpan="8">
                   <a:txBody>
-                    <a:bodyPr lIns="9360" rIns="9360" tIns="9360" bIns="0" anchor="ctr">
+                    <a:bodyPr lIns="9360" rIns="9360" anchor="ctr">
                       <a:noAutofit/>
                     </a:bodyPr>
                     <a:p>
@@ -6552,7 +6517,7 @@
                 </a:tc>
                 <a:tc>
                   <a:txBody>
-                    <a:bodyPr lIns="9360" rIns="9360" tIns="9360" bIns="0" anchor="b">
+                    <a:bodyPr lIns="9360" rIns="9360" anchor="b">
                       <a:noAutofit/>
                     </a:bodyPr>
                     <a:p>
@@ -6601,7 +6566,7 @@
                 </a:tc>
                 <a:tc>
                   <a:txBody>
-                    <a:bodyPr lIns="9360" rIns="9360" tIns="9360" bIns="0" anchor="b">
+                    <a:bodyPr lIns="9360" rIns="9360" anchor="b">
                       <a:noAutofit/>
                     </a:bodyPr>
                     <a:p>
@@ -6649,7 +6614,7 @@
                   </a:tcPr>
                 </a:tc>
               </a:tr>
-              <a:tr h="162000">
+              <a:tr h="244080">
                 <a:tc vMerge="1">
                   <a:tcPr anchor="t" marL="90000" marR="90000">
                     <a:lnL>
@@ -6671,7 +6636,7 @@
                 </a:tc>
                 <a:tc>
                   <a:txBody>
-                    <a:bodyPr lIns="9360" rIns="9360" tIns="9360" bIns="0" anchor="b">
+                    <a:bodyPr lIns="9360" rIns="9360" anchor="b">
                       <a:noAutofit/>
                     </a:bodyPr>
                     <a:p>
@@ -6720,7 +6685,7 @@
                 </a:tc>
                 <a:tc>
                   <a:txBody>
-                    <a:bodyPr lIns="9360" rIns="9360" tIns="9360" bIns="0" anchor="b">
+                    <a:bodyPr lIns="9360" rIns="9360" anchor="b">
                       <a:noAutofit/>
                     </a:bodyPr>
                     <a:p>
@@ -6768,7 +6733,7 @@
                   </a:tcPr>
                 </a:tc>
               </a:tr>
-              <a:tr h="162000">
+              <a:tr h="244080">
                 <a:tc vMerge="1">
                   <a:tcPr anchor="t" marL="90000" marR="90000">
                     <a:lnL>
@@ -6790,7 +6755,7 @@
                 </a:tc>
                 <a:tc>
                   <a:txBody>
-                    <a:bodyPr lIns="9360" rIns="9360" tIns="9360" bIns="0" anchor="b">
+                    <a:bodyPr lIns="9360" rIns="9360" anchor="b">
                       <a:noAutofit/>
                     </a:bodyPr>
                     <a:p>
@@ -6839,7 +6804,7 @@
                 </a:tc>
                 <a:tc>
                   <a:txBody>
-                    <a:bodyPr lIns="9360" rIns="9360" tIns="9360" bIns="0" anchor="b">
+                    <a:bodyPr lIns="9360" rIns="9360" anchor="b">
                       <a:noAutofit/>
                     </a:bodyPr>
                     <a:p>
@@ -6887,7 +6852,7 @@
                   </a:tcPr>
                 </a:tc>
               </a:tr>
-              <a:tr h="162000">
+              <a:tr h="244080">
                 <a:tc vMerge="1">
                   <a:tcPr anchor="t" marL="90000" marR="90000">
                     <a:lnL>
@@ -6909,7 +6874,7 @@
                 </a:tc>
                 <a:tc>
                   <a:txBody>
-                    <a:bodyPr lIns="9360" rIns="9360" tIns="9360" bIns="0" anchor="b">
+                    <a:bodyPr lIns="9360" rIns="9360" anchor="b">
                       <a:noAutofit/>
                     </a:bodyPr>
                     <a:p>
@@ -6958,7 +6923,7 @@
                 </a:tc>
                 <a:tc>
                   <a:txBody>
-                    <a:bodyPr lIns="9360" rIns="9360" tIns="9360" bIns="0" anchor="b">
+                    <a:bodyPr lIns="9360" rIns="9360" anchor="b">
                       <a:noAutofit/>
                     </a:bodyPr>
                     <a:p>
@@ -7006,7 +6971,7 @@
                   </a:tcPr>
                 </a:tc>
               </a:tr>
-              <a:tr h="162000">
+              <a:tr h="244080">
                 <a:tc vMerge="1">
                   <a:tcPr anchor="t" marL="90000" marR="90000">
                     <a:lnL>
@@ -7028,7 +6993,7 @@
                 </a:tc>
                 <a:tc rowSpan="2">
                   <a:txBody>
-                    <a:bodyPr lIns="9360" rIns="9360" tIns="9360" bIns="0" anchor="b">
+                    <a:bodyPr lIns="9360" rIns="9360" anchor="b">
                       <a:noAutofit/>
                     </a:bodyPr>
                     <a:p>
@@ -7077,7 +7042,7 @@
                 </a:tc>
                 <a:tc>
                   <a:txBody>
-                    <a:bodyPr lIns="9360" rIns="9360" tIns="9360" bIns="0" anchor="b">
+                    <a:bodyPr lIns="9360" rIns="9360" anchor="b">
                       <a:noAutofit/>
                     </a:bodyPr>
                     <a:p>
@@ -7123,7 +7088,7 @@
                   </a:tcPr>
                 </a:tc>
               </a:tr>
-              <a:tr h="323640">
+              <a:tr h="216000">
                 <a:tc vMerge="1">
                   <a:tcPr anchor="t" marL="90000" marR="90000">
                     <a:lnL>
@@ -7164,7 +7129,7 @@
                 </a:tc>
                 <a:tc>
                   <a:txBody>
-                    <a:bodyPr lIns="9360" rIns="9360" tIns="9360" bIns="0" anchor="ctr">
+                    <a:bodyPr lIns="9360" rIns="9360" anchor="ctr">
                       <a:noAutofit/>
                     </a:bodyPr>
                     <a:p>
@@ -7210,7 +7175,7 @@
                   </a:tcPr>
                 </a:tc>
               </a:tr>
-              <a:tr h="162000">
+              <a:tr h="216000">
                 <a:tc vMerge="1">
                   <a:tcPr anchor="t" marL="90000" marR="90000">
                     <a:lnL>
@@ -7232,7 +7197,7 @@
                 </a:tc>
                 <a:tc>
                   <a:txBody>
-                    <a:bodyPr lIns="9360" rIns="9360" tIns="9360" bIns="0" anchor="b">
+                    <a:bodyPr lIns="9360" rIns="9360" anchor="b">
                       <a:noAutofit/>
                     </a:bodyPr>
                     <a:p>
@@ -7281,7 +7246,7 @@
                 </a:tc>
                 <a:tc>
                   <a:txBody>
-                    <a:bodyPr lIns="9360" rIns="9360" tIns="9360" bIns="0" anchor="b">
+                    <a:bodyPr lIns="9360" rIns="9360" anchor="b">
                       <a:noAutofit/>
                     </a:bodyPr>
                     <a:p>
@@ -7329,7 +7294,7 @@
                   </a:tcPr>
                 </a:tc>
               </a:tr>
-              <a:tr h="162000">
+              <a:tr h="244080">
                 <a:tc vMerge="1">
                   <a:tcPr anchor="t" marL="90000" marR="90000">
                     <a:lnL>
@@ -7351,7 +7316,7 @@
                 </a:tc>
                 <a:tc>
                   <a:txBody>
-                    <a:bodyPr lIns="9360" rIns="9360" tIns="9360" bIns="0" anchor="b">
+                    <a:bodyPr lIns="9360" rIns="9360" anchor="b">
                       <a:noAutofit/>
                     </a:bodyPr>
                     <a:p>
@@ -7400,7 +7365,7 @@
                 </a:tc>
                 <a:tc>
                   <a:txBody>
-                    <a:bodyPr lIns="9360" rIns="9360" tIns="9360" bIns="0" anchor="b">
+                    <a:bodyPr lIns="9360" rIns="9360" anchor="b">
                       <a:noAutofit/>
                     </a:bodyPr>
                     <a:p>
@@ -7448,10 +7413,10 @@
                   </a:tcPr>
                 </a:tc>
               </a:tr>
-              <a:tr h="162000">
+              <a:tr h="244080">
                 <a:tc rowSpan="14">
                   <a:txBody>
-                    <a:bodyPr lIns="9360" rIns="9360" tIns="9360" bIns="0" anchor="ctr">
+                    <a:bodyPr lIns="9360" rIns="9360" anchor="ctr">
                       <a:noAutofit/>
                     </a:bodyPr>
                     <a:p>
@@ -7502,7 +7467,7 @@
                 </a:tc>
                 <a:tc>
                   <a:txBody>
-                    <a:bodyPr lIns="9360" rIns="9360" tIns="9360" bIns="0" anchor="b">
+                    <a:bodyPr lIns="9360" rIns="9360" anchor="b">
                       <a:noAutofit/>
                     </a:bodyPr>
                     <a:p>
@@ -7551,7 +7516,7 @@
                 </a:tc>
                 <a:tc>
                   <a:txBody>
-                    <a:bodyPr lIns="9360" rIns="9360" tIns="9360" bIns="0" anchor="b">
+                    <a:bodyPr lIns="9360" rIns="9360" anchor="b">
                       <a:noAutofit/>
                     </a:bodyPr>
                     <a:p>
@@ -7599,7 +7564,7 @@
                   </a:tcPr>
                 </a:tc>
               </a:tr>
-              <a:tr h="162000">
+              <a:tr h="244080">
                 <a:tc vMerge="1">
                   <a:tcPr anchor="t" marL="90000" marR="90000">
                     <a:lnL>
@@ -7621,7 +7586,7 @@
                 </a:tc>
                 <a:tc>
                   <a:txBody>
-                    <a:bodyPr lIns="9360" rIns="9360" tIns="9360" bIns="0" anchor="b">
+                    <a:bodyPr lIns="9360" rIns="9360" anchor="b">
                       <a:noAutofit/>
                     </a:bodyPr>
                     <a:p>
@@ -7670,7 +7635,7 @@
                 </a:tc>
                 <a:tc>
                   <a:txBody>
-                    <a:bodyPr lIns="9360" rIns="9360" tIns="9360" bIns="0" anchor="b">
+                    <a:bodyPr lIns="9360" rIns="9360" anchor="b">
                       <a:noAutofit/>
                     </a:bodyPr>
                     <a:p>
@@ -7718,7 +7683,7 @@
                   </a:tcPr>
                 </a:tc>
               </a:tr>
-              <a:tr h="162000">
+              <a:tr h="244080">
                 <a:tc vMerge="1">
                   <a:tcPr anchor="t" marL="90000" marR="90000">
                     <a:lnL>
@@ -7740,7 +7705,7 @@
                 </a:tc>
                 <a:tc>
                   <a:txBody>
-                    <a:bodyPr lIns="9360" rIns="9360" tIns="9360" bIns="0" anchor="b">
+                    <a:bodyPr lIns="9360" rIns="9360" anchor="b">
                       <a:noAutofit/>
                     </a:bodyPr>
                     <a:p>
@@ -7789,7 +7754,7 @@
                 </a:tc>
                 <a:tc>
                   <a:txBody>
-                    <a:bodyPr lIns="9360" rIns="9360" tIns="9360" bIns="0" anchor="b">
+                    <a:bodyPr lIns="9360" rIns="9360" anchor="b">
                       <a:noAutofit/>
                     </a:bodyPr>
                     <a:p>
@@ -7837,7 +7802,7 @@
                   </a:tcPr>
                 </a:tc>
               </a:tr>
-              <a:tr h="323640">
+              <a:tr h="216000">
                 <a:tc vMerge="1">
                   <a:tcPr anchor="t" marL="90000" marR="90000">
                     <a:lnL>
@@ -7859,7 +7824,7 @@
                 </a:tc>
                 <a:tc>
                   <a:txBody>
-                    <a:bodyPr lIns="9360" rIns="9360" tIns="9360" bIns="0" anchor="b">
+                    <a:bodyPr lIns="9360" rIns="9360" anchor="b">
                       <a:noAutofit/>
                     </a:bodyPr>
                     <a:p>
@@ -7908,7 +7873,7 @@
                 </a:tc>
                 <a:tc>
                   <a:txBody>
-                    <a:bodyPr lIns="9360" rIns="9360" tIns="9360" bIns="0" anchor="b">
+                    <a:bodyPr lIns="9360" rIns="9360" anchor="b">
                       <a:noAutofit/>
                     </a:bodyPr>
                     <a:p>
@@ -7956,7 +7921,7 @@
                   </a:tcPr>
                 </a:tc>
               </a:tr>
-              <a:tr h="162000">
+              <a:tr h="216000">
                 <a:tc vMerge="1">
                   <a:tcPr anchor="t" marL="90000" marR="90000">
                     <a:lnL>
@@ -7978,7 +7943,7 @@
                 </a:tc>
                 <a:tc>
                   <a:txBody>
-                    <a:bodyPr lIns="9360" rIns="9360" tIns="9360" bIns="0" anchor="b">
+                    <a:bodyPr lIns="9360" rIns="9360" anchor="b">
                       <a:noAutofit/>
                     </a:bodyPr>
                     <a:p>
@@ -8027,7 +7992,7 @@
                 </a:tc>
                 <a:tc>
                   <a:txBody>
-                    <a:bodyPr lIns="9360" rIns="9360" tIns="9360" bIns="0" anchor="b">
+                    <a:bodyPr lIns="9360" rIns="9360" anchor="b">
                       <a:noAutofit/>
                     </a:bodyPr>
                     <a:p>
@@ -8075,7 +8040,7 @@
                   </a:tcPr>
                 </a:tc>
               </a:tr>
-              <a:tr h="162000">
+              <a:tr h="216000">
                 <a:tc vMerge="1">
                   <a:tcPr anchor="t" marL="90000" marR="90000">
                     <a:lnL>
@@ -8097,7 +8062,7 @@
                 </a:tc>
                 <a:tc>
                   <a:txBody>
-                    <a:bodyPr lIns="9360" rIns="9360" tIns="9360" bIns="0" anchor="b">
+                    <a:bodyPr lIns="9360" rIns="9360" anchor="b">
                       <a:noAutofit/>
                     </a:bodyPr>
                     <a:p>
@@ -8146,7 +8111,7 @@
                 </a:tc>
                 <a:tc>
                   <a:txBody>
-                    <a:bodyPr lIns="9360" rIns="9360" tIns="9360" bIns="0" anchor="b">
+                    <a:bodyPr lIns="9360" rIns="9360" anchor="b">
                       <a:noAutofit/>
                     </a:bodyPr>
                     <a:p>
@@ -8194,7 +8159,7 @@
                   </a:tcPr>
                 </a:tc>
               </a:tr>
-              <a:tr h="162000">
+              <a:tr h="216000">
                 <a:tc vMerge="1">
                   <a:tcPr anchor="t" marL="90000" marR="90000">
                     <a:lnL>
@@ -8216,7 +8181,7 @@
                 </a:tc>
                 <a:tc>
                   <a:txBody>
-                    <a:bodyPr lIns="9360" rIns="9360" tIns="9360" bIns="0" anchor="b">
+                    <a:bodyPr lIns="9360" rIns="9360" anchor="b">
                       <a:noAutofit/>
                     </a:bodyPr>
                     <a:p>
@@ -8265,7 +8230,7 @@
                 </a:tc>
                 <a:tc>
                   <a:txBody>
-                    <a:bodyPr lIns="9360" rIns="9360" tIns="9360" bIns="0" anchor="b">
+                    <a:bodyPr lIns="9360" rIns="9360" anchor="b">
                       <a:noAutofit/>
                     </a:bodyPr>
                     <a:p>
@@ -8313,7 +8278,7 @@
                   </a:tcPr>
                 </a:tc>
               </a:tr>
-              <a:tr h="162000">
+              <a:tr h="216000">
                 <a:tc vMerge="1">
                   <a:tcPr anchor="t" marL="90000" marR="90000">
                     <a:lnL>
@@ -8335,7 +8300,7 @@
                 </a:tc>
                 <a:tc>
                   <a:txBody>
-                    <a:bodyPr lIns="9360" rIns="9360" tIns="9360" bIns="0" anchor="b">
+                    <a:bodyPr lIns="9360" rIns="9360" anchor="b">
                       <a:noAutofit/>
                     </a:bodyPr>
                     <a:p>
@@ -8384,7 +8349,7 @@
                 </a:tc>
                 <a:tc>
                   <a:txBody>
-                    <a:bodyPr lIns="9360" rIns="9360" tIns="9360" bIns="0" anchor="b">
+                    <a:bodyPr lIns="9360" rIns="9360" anchor="b">
                       <a:noAutofit/>
                     </a:bodyPr>
                     <a:p>
@@ -8432,7 +8397,7 @@
                   </a:tcPr>
                 </a:tc>
               </a:tr>
-              <a:tr h="162000">
+              <a:tr h="216000">
                 <a:tc vMerge="1">
                   <a:tcPr anchor="t" marL="90000" marR="90000">
                     <a:lnL>
@@ -8454,7 +8419,7 @@
                 </a:tc>
                 <a:tc>
                   <a:txBody>
-                    <a:bodyPr lIns="9360" rIns="9360" tIns="9360" bIns="0" anchor="b">
+                    <a:bodyPr lIns="9360" rIns="9360" anchor="b">
                       <a:noAutofit/>
                     </a:bodyPr>
                     <a:p>
@@ -8503,7 +8468,7 @@
                 </a:tc>
                 <a:tc>
                   <a:txBody>
-                    <a:bodyPr lIns="9360" rIns="9360" tIns="9360" bIns="0" anchor="b">
+                    <a:bodyPr lIns="9360" rIns="9360" anchor="b">
                       <a:noAutofit/>
                     </a:bodyPr>
                     <a:p>
@@ -8551,7 +8516,7 @@
                   </a:tcPr>
                 </a:tc>
               </a:tr>
-              <a:tr h="162000">
+              <a:tr h="216000">
                 <a:tc vMerge="1">
                   <a:tcPr anchor="t" marL="90000" marR="90000">
                     <a:lnL>
@@ -8573,7 +8538,7 @@
                 </a:tc>
                 <a:tc>
                   <a:txBody>
-                    <a:bodyPr lIns="9360" rIns="9360" tIns="9360" bIns="0" anchor="b">
+                    <a:bodyPr lIns="9360" rIns="9360" anchor="b">
                       <a:noAutofit/>
                     </a:bodyPr>
                     <a:p>
@@ -8622,7 +8587,7 @@
                 </a:tc>
                 <a:tc>
                   <a:txBody>
-                    <a:bodyPr lIns="9360" rIns="9360" tIns="9360" bIns="0" anchor="b">
+                    <a:bodyPr lIns="9360" rIns="9360" anchor="b">
                       <a:noAutofit/>
                     </a:bodyPr>
                     <a:p>
@@ -8670,7 +8635,7 @@
                   </a:tcPr>
                 </a:tc>
               </a:tr>
-              <a:tr h="162000">
+              <a:tr h="216000">
                 <a:tc vMerge="1">
                   <a:tcPr anchor="t" marL="90000" marR="90000">
                     <a:lnL>
@@ -8692,7 +8657,7 @@
                 </a:tc>
                 <a:tc>
                   <a:txBody>
-                    <a:bodyPr lIns="9360" rIns="9360" tIns="9360" bIns="0" anchor="b">
+                    <a:bodyPr lIns="9360" rIns="9360" anchor="b">
                       <a:noAutofit/>
                     </a:bodyPr>
                     <a:p>
@@ -8741,7 +8706,7 @@
                 </a:tc>
                 <a:tc>
                   <a:txBody>
-                    <a:bodyPr lIns="9360" rIns="9360" tIns="9360" bIns="0" anchor="b">
+                    <a:bodyPr lIns="9360" rIns="9360" anchor="b">
                       <a:noAutofit/>
                     </a:bodyPr>
                     <a:p>
@@ -8789,7 +8754,7 @@
                   </a:tcPr>
                 </a:tc>
               </a:tr>
-              <a:tr h="162000">
+              <a:tr h="216000">
                 <a:tc vMerge="1">
                   <a:tcPr anchor="t" marL="90000" marR="90000">
                     <a:lnL>
@@ -8811,7 +8776,7 @@
                 </a:tc>
                 <a:tc>
                   <a:txBody>
-                    <a:bodyPr lIns="9360" rIns="9360" tIns="9360" bIns="0" anchor="b">
+                    <a:bodyPr lIns="9360" rIns="9360" anchor="b">
                       <a:noAutofit/>
                     </a:bodyPr>
                     <a:p>
@@ -8860,7 +8825,7 @@
                 </a:tc>
                 <a:tc>
                   <a:txBody>
-                    <a:bodyPr lIns="9360" rIns="9360" tIns="9360" bIns="0" anchor="b">
+                    <a:bodyPr lIns="9360" rIns="9360" anchor="b">
                       <a:noAutofit/>
                     </a:bodyPr>
                     <a:p>
@@ -8908,7 +8873,7 @@
                   </a:tcPr>
                 </a:tc>
               </a:tr>
-              <a:tr h="162000">
+              <a:tr h="216000">
                 <a:tc vMerge="1">
                   <a:tcPr anchor="t" marL="90000" marR="90000">
                     <a:lnL>
@@ -8930,7 +8895,7 @@
                 </a:tc>
                 <a:tc>
                   <a:txBody>
-                    <a:bodyPr lIns="9360" rIns="9360" tIns="9360" bIns="0" anchor="b">
+                    <a:bodyPr lIns="9360" rIns="9360" anchor="b">
                       <a:noAutofit/>
                     </a:bodyPr>
                     <a:p>
@@ -8979,7 +8944,7 @@
                 </a:tc>
                 <a:tc>
                   <a:txBody>
-                    <a:bodyPr lIns="9360" rIns="9360" tIns="9360" bIns="0" anchor="b">
+                    <a:bodyPr lIns="9360" rIns="9360" anchor="b">
                       <a:noAutofit/>
                     </a:bodyPr>
                     <a:p>
@@ -9027,7 +8992,7 @@
                   </a:tcPr>
                 </a:tc>
               </a:tr>
-              <a:tr h="162000">
+              <a:tr h="216000">
                 <a:tc vMerge="1">
                   <a:tcPr anchor="t" marL="90000" marR="90000">
                     <a:lnL>
@@ -9049,7 +9014,7 @@
                 </a:tc>
                 <a:tc>
                   <a:txBody>
-                    <a:bodyPr lIns="9360" rIns="9360" tIns="9360" bIns="0" anchor="b">
+                    <a:bodyPr lIns="9360" rIns="9360" anchor="b">
                       <a:noAutofit/>
                     </a:bodyPr>
                     <a:p>
@@ -9098,7 +9063,7 @@
                 </a:tc>
                 <a:tc>
                   <a:txBody>
-                    <a:bodyPr lIns="9360" rIns="9360" tIns="9360" bIns="0" anchor="b">
+                    <a:bodyPr lIns="9360" rIns="9360" anchor="b">
                       <a:noAutofit/>
                     </a:bodyPr>
                     <a:p>
@@ -9150,298 +9115,132 @@
           </a:graphicData>
         </a:graphic>
       </p:graphicFrame>
-    </p:spTree>
-  </p:cSld>
-  <mc:AlternateContent>
-    <mc:Choice Requires="p14">
-      <p:transition spd="slow" p14:dur="2000"/>
-    </mc:Choice>
-    <mc:Fallback>
-      <p:transition spd="slow"/>
-    </mc:Fallback>
-  </mc:AlternateContent>
-</p:sld>
-</file>
-
-<file path=ppt/slides/slide2.xml><?xml version="1.0" encoding="utf-8"?>
-<p:sld xmlns:a="http://schemas.openxmlformats.org/drawingml/2006/main" xmlns:p="http://schemas.openxmlformats.org/presentationml/2006/main" xmlns:r="http://schemas.openxmlformats.org/officeDocument/2006/relationships" xmlns:p14="http://schemas.microsoft.com/office/powerpoint/2010/main" xmlns:p15="http://schemas.microsoft.com/office/powerpoint/2012/main" xmlns:mc="http://schemas.openxmlformats.org/markup-compatibility/2006">
-  <p:cSld>
-    <p:spTree>
-      <p:nvGrpSpPr>
-        <p:cNvPr id="1" name=""/>
-        <p:cNvGrpSpPr/>
-        <p:nvPr/>
-      </p:nvGrpSpPr>
-      <p:grpSpPr>
-        <a:xfrm>
-          <a:off x="0" y="0"/>
-          <a:ext cx="0" cy="0"/>
-          <a:chOff x="0" y="0"/>
-          <a:chExt cx="0" cy="0"/>
-        </a:xfrm>
-      </p:grpSpPr>
-      <p:sp>
-        <p:nvSpPr>
-          <p:cNvPr id="90" name="Retângulo 1"/>
-          <p:cNvSpPr/>
+      <p:grpSp>
+        <p:nvGrpSpPr>
+          <p:cNvPr id="98" name=""/>
+          <p:cNvGrpSpPr/>
+          <p:nvPr/>
+        </p:nvGrpSpPr>
+        <p:grpSpPr>
+          <a:xfrm>
+            <a:off x="8055360" y="6478920"/>
+            <a:ext cx="4002840" cy="441000"/>
+            <a:chOff x="8055360" y="6478920"/>
+            <a:chExt cx="4002840" cy="441000"/>
+          </a:xfrm>
+        </p:grpSpPr>
+        <p:sp>
+          <p:nvSpPr>
+            <p:cNvPr id="99" name=""/>
+            <p:cNvSpPr txBox="1"/>
+            <p:nvPr/>
+          </p:nvSpPr>
+          <p:spPr>
+            <a:xfrm>
+              <a:off x="8055360" y="6533640"/>
+              <a:ext cx="3600000" cy="386280"/>
+            </a:xfrm>
+            <a:prstGeom prst="rect">
+              <a:avLst/>
+            </a:prstGeom>
+            <a:noFill/>
+            <a:ln w="0">
+              <a:noFill/>
+            </a:ln>
+          </p:spPr>
+          <p:txBody>
+            <a:bodyPr lIns="90000" rIns="90000" tIns="45000" bIns="45000" anchor="t">
+              <a:noAutofit/>
+            </a:bodyPr>
+            <a:p>
+              <a:pPr>
+                <a:lnSpc>
+                  <a:spcPct val="100000"/>
+                </a:lnSpc>
+                <a:tabLst>
+                  <a:tab algn="ctr" pos="2743200"/>
+                  <a:tab algn="r" pos="5486400"/>
+                  <a:tab algn="r" pos="6229440"/>
+                </a:tabLst>
+              </a:pPr>
+              <a:r>
+                <a:rPr b="0" lang="en-GB" sz="800" spc="-1" strike="noStrike" cap="small">
+                  <a:solidFill>
+                    <a:srgbClr val="000000"/>
+                  </a:solidFill>
+                  <a:latin typeface="Arial"/>
+                  <a:ea typeface="Bitstream Vera Sans"/>
+                </a:rPr>
+                <a:t>DETI, Arquitecturas de Alto Desempenho, Janeiro 2022</a:t>
+              </a:r>
+              <a:endParaRPr b="0" lang="en-GB" sz="800" spc="-1" strike="noStrike" cap="small">
+                <a:solidFill>
+                  <a:srgbClr val="000000"/>
+                </a:solidFill>
+                <a:latin typeface="Arial"/>
+              </a:endParaRPr>
+            </a:p>
+          </p:txBody>
+        </p:sp>
+        <p:sp>
+          <p:nvSpPr>
+            <p:cNvPr id="100" name=""/>
+            <p:cNvSpPr txBox="1"/>
+            <p:nvPr/>
+          </p:nvSpPr>
+          <p:spPr>
+            <a:xfrm>
+              <a:off x="11522880" y="6478920"/>
+              <a:ext cx="535320" cy="313920"/>
+            </a:xfrm>
+            <a:prstGeom prst="rect">
+              <a:avLst/>
+            </a:prstGeom>
+            <a:noFill/>
+            <a:ln w="0">
+              <a:noFill/>
+            </a:ln>
+          </p:spPr>
+          <p:txBody>
+            <a:bodyPr lIns="90000" rIns="90000" tIns="45000" bIns="45000" anchor="t">
+              <a:noAutofit/>
+            </a:bodyPr>
+            <a:p>
+              <a:fld id="{9498E69B-06B3-40F5-BBE1-85FE82550024}" type="slidenum">
+                <a:rPr b="0" lang="en-GB" sz="1200" spc="-1" strike="noStrike">
+                  <a:latin typeface="Times New Roman"/>
+                </a:rPr>
+                <a:t>&lt;number&gt;</a:t>
+              </a:fld>
+              <a:r>
+                <a:rPr b="0" lang="en-GB" sz="1200" spc="-1" strike="noStrike">
+                  <a:latin typeface="Times New Roman"/>
+                </a:rPr>
+                <a:t>/</a:t>
+              </a:r>
+              <a:fld id="{DB2008B4-B119-4101-8815-FABDBD04CB37}" type="slidecount">
+                <a:rPr b="0" lang="en-GB" sz="1200" spc="-1" strike="noStrike">
+                  <a:latin typeface="Times New Roman"/>
+                </a:rPr>
+                <a:t>7</a:t>
+              </a:fld>
+              <a:endParaRPr b="0" lang="en-GB" sz="1200" spc="-1" strike="noStrike">
+                <a:latin typeface="Times New Roman"/>
+              </a:endParaRPr>
+            </a:p>
+          </p:txBody>
+        </p:sp>
+      </p:grpSp>
+      <p:sp>
+        <p:nvSpPr>
+          <p:cNvPr id="101" name=""/>
+          <p:cNvSpPr txBox="1"/>
           <p:nvPr/>
         </p:nvSpPr>
         <p:spPr>
           <a:xfrm>
-            <a:off x="330120" y="557640"/>
-            <a:ext cx="5574960" cy="1763640"/>
-          </a:xfrm>
-          <a:prstGeom prst="rect">
-            <a:avLst/>
-          </a:prstGeom>
-          <a:noFill/>
-          <a:ln w="0">
-            <a:solidFill>
-              <a:srgbClr val="ffffff">
-                <a:lumMod val="50000"/>
-              </a:srgbClr>
-            </a:solidFill>
-          </a:ln>
-        </p:spPr>
-        <p:style>
-          <a:lnRef idx="0"/>
-          <a:fillRef idx="0"/>
-          <a:effectRef idx="0"/>
-          <a:fontRef idx="minor"/>
-        </p:style>
-        <p:txBody>
-          <a:bodyPr lIns="90000" rIns="90000" tIns="45000" bIns="45000" anchor="t">
-            <a:spAutoFit/>
-          </a:bodyPr>
-          <a:p>
-            <a:pPr>
-              <a:lnSpc>
-                <a:spcPct val="100000"/>
-              </a:lnSpc>
-            </a:pPr>
-            <a:r>
-              <a:rPr b="0" lang="pt-PT" sz="1100" spc="-1" strike="noStrike">
-                <a:solidFill>
-                  <a:srgbClr val="000000"/>
-                </a:solidFill>
-                <a:latin typeface="Times New Roman"/>
-              </a:rPr>
-              <a:t>blockDimX = 1 &lt;&lt; 0;</a:t>
-            </a:r>
-            <a:endParaRPr b="0" lang="en-GB" sz="1100" spc="-1" strike="noStrike">
-              <a:latin typeface="Arial"/>
-            </a:endParaRPr>
-          </a:p>
-          <a:p>
-            <a:pPr>
-              <a:lnSpc>
-                <a:spcPct val="100000"/>
-              </a:lnSpc>
-            </a:pPr>
-            <a:r>
-              <a:rPr b="0" lang="pt-PT" sz="1100" spc="-1" strike="noStrike">
-                <a:solidFill>
-                  <a:srgbClr val="000000"/>
-                </a:solidFill>
-                <a:latin typeface="Times New Roman"/>
-              </a:rPr>
-              <a:t>blockDimY = 1 &lt;&lt; 0;</a:t>
-            </a:r>
-            <a:endParaRPr b="0" lang="en-GB" sz="1100" spc="-1" strike="noStrike">
-              <a:latin typeface="Arial"/>
-            </a:endParaRPr>
-          </a:p>
-          <a:p>
-            <a:pPr>
-              <a:lnSpc>
-                <a:spcPct val="100000"/>
-              </a:lnSpc>
-            </a:pPr>
-            <a:r>
-              <a:rPr b="0" lang="pt-PT" sz="1100" spc="-1" strike="noStrike">
-                <a:solidFill>
-                  <a:srgbClr val="000000"/>
-                </a:solidFill>
-                <a:latin typeface="Times New Roman"/>
-              </a:rPr>
-              <a:t>blockDimZ = 1 &lt;&lt; 0;</a:t>
-            </a:r>
-            <a:endParaRPr b="0" lang="en-GB" sz="1100" spc="-1" strike="noStrike">
-              <a:latin typeface="Arial"/>
-            </a:endParaRPr>
-          </a:p>
-          <a:p>
-            <a:pPr>
-              <a:lnSpc>
-                <a:spcPct val="100000"/>
-              </a:lnSpc>
-            </a:pPr>
-            <a:r>
-              <a:rPr b="0" lang="pt-PT" sz="1100" spc="-1" strike="noStrike">
-                <a:solidFill>
-                  <a:srgbClr val="000000"/>
-                </a:solidFill>
-                <a:latin typeface="Times New Roman"/>
-              </a:rPr>
-              <a:t>gridDimX = 1 &lt;&lt; 10; </a:t>
-            </a:r>
-            <a:r>
-              <a:rPr b="0" lang="pt-PT" sz="1100" spc="-1" strike="noStrike">
-                <a:solidFill>
-                  <a:srgbClr val="000000"/>
-                </a:solidFill>
-                <a:latin typeface="Times New Roman"/>
-              </a:rPr>
-              <a:t>	</a:t>
-            </a:r>
-            <a:r>
-              <a:rPr b="0" lang="pt-PT" sz="1100" spc="-1" strike="noStrike">
-                <a:solidFill>
-                  <a:srgbClr val="000000"/>
-                </a:solidFill>
-                <a:latin typeface="Times New Roman"/>
-              </a:rPr>
-              <a:t>	</a:t>
-            </a:r>
-            <a:r>
-              <a:rPr b="0" lang="pt-PT" sz="1100" spc="-1" strike="noStrike">
-                <a:solidFill>
-                  <a:srgbClr val="000000"/>
-                </a:solidFill>
-                <a:latin typeface="Times New Roman"/>
-              </a:rPr>
-              <a:t>	</a:t>
-            </a:r>
-            <a:r>
-              <a:rPr b="0" lang="pt-PT" sz="1100" spc="-1" strike="noStrike">
-                <a:solidFill>
-                  <a:srgbClr val="000000"/>
-                </a:solidFill>
-                <a:latin typeface="Times New Roman"/>
-              </a:rPr>
-              <a:t>//(2^10=1024)</a:t>
-            </a:r>
-            <a:endParaRPr b="0" lang="en-GB" sz="1100" spc="-1" strike="noStrike">
-              <a:latin typeface="Arial"/>
-            </a:endParaRPr>
-          </a:p>
-          <a:p>
-            <a:pPr>
-              <a:lnSpc>
-                <a:spcPct val="100000"/>
-              </a:lnSpc>
-            </a:pPr>
-            <a:r>
-              <a:rPr b="0" lang="pt-PT" sz="1100" spc="-1" strike="noStrike">
-                <a:solidFill>
-                  <a:srgbClr val="000000"/>
-                </a:solidFill>
-                <a:latin typeface="Times New Roman"/>
-              </a:rPr>
-              <a:t>gridDimY = 1 &lt;&lt; 0;</a:t>
-            </a:r>
-            <a:endParaRPr b="0" lang="en-GB" sz="1100" spc="-1" strike="noStrike">
-              <a:latin typeface="Arial"/>
-            </a:endParaRPr>
-          </a:p>
-          <a:p>
-            <a:pPr>
-              <a:lnSpc>
-                <a:spcPct val="100000"/>
-              </a:lnSpc>
-            </a:pPr>
-            <a:r>
-              <a:rPr b="0" lang="pt-PT" sz="1100" spc="-1" strike="noStrike">
-                <a:solidFill>
-                  <a:srgbClr val="000000"/>
-                </a:solidFill>
-                <a:latin typeface="Times New Roman"/>
-              </a:rPr>
-              <a:t>gridDimZ = 1 &lt;&lt; 0;</a:t>
-            </a:r>
-            <a:endParaRPr b="0" lang="en-GB" sz="1100" spc="-1" strike="noStrike">
-              <a:latin typeface="Arial"/>
-            </a:endParaRPr>
-          </a:p>
-          <a:p>
-            <a:pPr>
-              <a:lnSpc>
-                <a:spcPct val="100000"/>
-              </a:lnSpc>
-            </a:pPr>
-            <a:endParaRPr b="0" lang="en-GB" sz="1100" spc="-1" strike="noStrike">
-              <a:latin typeface="Arial"/>
-            </a:endParaRPr>
-          </a:p>
-          <a:p>
-            <a:pPr>
-              <a:lnSpc>
-                <a:spcPct val="100000"/>
-              </a:lnSpc>
-            </a:pPr>
-            <a:r>
-              <a:rPr b="0" lang="pt-PT" sz="1100" spc="-1" strike="noStrike">
-                <a:solidFill>
-                  <a:srgbClr val="000000"/>
-                </a:solidFill>
-                <a:latin typeface="Times New Roman"/>
-              </a:rPr>
-              <a:t>x = (unsigned int) threadIdx.x + (unsigned int) blockDim.x * (unsigned int) blockIdx.x;</a:t>
-            </a:r>
-            <a:endParaRPr b="0" lang="en-GB" sz="1100" spc="-1" strike="noStrike">
-              <a:latin typeface="Arial"/>
-            </a:endParaRPr>
-          </a:p>
-          <a:p>
-            <a:pPr>
-              <a:lnSpc>
-                <a:spcPct val="100000"/>
-              </a:lnSpc>
-            </a:pPr>
-            <a:r>
-              <a:rPr b="0" lang="pt-PT" sz="1100" spc="-1" strike="noStrike">
-                <a:solidFill>
-                  <a:srgbClr val="000000"/>
-                </a:solidFill>
-                <a:latin typeface="Times New Roman"/>
-              </a:rPr>
-              <a:t>y = (unsigned int) threadIdx.y + (unsigned int) blockDim.y * (unsigned int) blockIdx.y;</a:t>
-            </a:r>
-            <a:endParaRPr b="0" lang="en-GB" sz="1100" spc="-1" strike="noStrike">
-              <a:latin typeface="Arial"/>
-            </a:endParaRPr>
-          </a:p>
-          <a:p>
-            <a:pPr>
-              <a:lnSpc>
-                <a:spcPct val="100000"/>
-              </a:lnSpc>
-            </a:pPr>
-            <a:r>
-              <a:rPr b="0" lang="pt-PT" sz="1100" spc="-1" strike="noStrike">
-                <a:solidFill>
-                  <a:srgbClr val="000000"/>
-                </a:solidFill>
-                <a:latin typeface="Times New Roman"/>
-              </a:rPr>
-              <a:t>idx = (unsigned int) blockDim.x * (unsigned int) gridDim.x * y + x;</a:t>
-            </a:r>
-            <a:endParaRPr b="0" lang="en-GB" sz="1100" spc="-1" strike="noStrike">
-              <a:latin typeface="Arial"/>
-            </a:endParaRPr>
-          </a:p>
-        </p:txBody>
-      </p:sp>
-      <p:sp>
-        <p:nvSpPr>
-          <p:cNvPr id="91" name="CaixaDeTexto 2"/>
-          <p:cNvSpPr/>
-          <p:nvPr/>
-        </p:nvSpPr>
-        <p:spPr>
-          <a:xfrm>
-            <a:off x="330120" y="249840"/>
-            <a:ext cx="952200" cy="302760"/>
+            <a:off x="1618200" y="358560"/>
+            <a:ext cx="3454200" cy="541440"/>
           </a:xfrm>
           <a:prstGeom prst="rect">
             <a:avLst/>
@@ -9451,534 +9250,26 @@
             <a:noFill/>
           </a:ln>
         </p:spPr>
-        <p:style>
-          <a:lnRef idx="0"/>
-          <a:fillRef idx="0"/>
-          <a:effectRef idx="0"/>
-          <a:fontRef idx="minor"/>
-        </p:style>
         <p:txBody>
           <a:bodyPr lIns="90000" rIns="90000" tIns="45000" bIns="45000" anchor="t">
-            <a:spAutoFit/>
+            <a:noAutofit/>
           </a:bodyPr>
           <a:p>
-            <a:pPr>
+            <a:pPr algn="ctr">
               <a:lnSpc>
                 <a:spcPct val="100000"/>
               </a:lnSpc>
             </a:pPr>
             <a:r>
-              <a:rPr b="0" lang="pt-PT" sz="1400" spc="-1" strike="noStrike">
-                <a:solidFill>
-                  <a:srgbClr val="000000"/>
-                </a:solidFill>
-                <a:latin typeface="Calibri"/>
-              </a:rPr>
-              <a:t>TreadID</a:t>
-            </a:r>
-            <a:endParaRPr b="0" lang="en-GB" sz="1400" spc="-1" strike="noStrike">
-              <a:latin typeface="Arial"/>
-            </a:endParaRPr>
-          </a:p>
-        </p:txBody>
-      </p:sp>
-      <p:sp>
-        <p:nvSpPr>
-          <p:cNvPr id="92" name="Retângulo 4"/>
-          <p:cNvSpPr/>
-          <p:nvPr/>
-        </p:nvSpPr>
-        <p:spPr>
-          <a:xfrm>
-            <a:off x="330120" y="2852640"/>
-            <a:ext cx="5574960" cy="2098440"/>
-          </a:xfrm>
-          <a:prstGeom prst="rect">
-            <a:avLst/>
-          </a:prstGeom>
-          <a:noFill/>
-          <a:ln w="0">
-            <a:solidFill>
-              <a:srgbClr val="ffffff">
-                <a:lumMod val="50000"/>
-              </a:srgbClr>
-            </a:solidFill>
-          </a:ln>
-        </p:spPr>
-        <p:style>
-          <a:lnRef idx="0"/>
-          <a:fillRef idx="0"/>
-          <a:effectRef idx="0"/>
-          <a:fontRef idx="minor"/>
-        </p:style>
-        <p:txBody>
-          <a:bodyPr lIns="90000" rIns="90000" tIns="45000" bIns="45000" anchor="t">
-            <a:spAutoFit/>
-          </a:bodyPr>
-          <a:p>
-            <a:pPr>
-              <a:lnSpc>
-                <a:spcPct val="100000"/>
-              </a:lnSpc>
-            </a:pPr>
-            <a:r>
-              <a:rPr b="0" lang="pt-PT" sz="1100" spc="-1" strike="noStrike">
-                <a:solidFill>
-                  <a:srgbClr val="000000"/>
-                </a:solidFill>
-                <a:latin typeface="Times New Roman"/>
-              </a:rPr>
-              <a:t>data += length * idx; // adjust pointer to the array to be ordered</a:t>
-            </a:r>
-            <a:endParaRPr b="0" lang="en-GB" sz="1100" spc="-1" strike="noStrike">
-              <a:latin typeface="Arial"/>
-            </a:endParaRPr>
-          </a:p>
-          <a:p>
-            <a:pPr>
-              <a:lnSpc>
-                <a:spcPct val="100000"/>
-              </a:lnSpc>
-            </a:pPr>
-            <a:endParaRPr b="0" lang="en-GB" sz="1100" spc="-1" strike="noStrike">
-              <a:latin typeface="Arial"/>
-            </a:endParaRPr>
-          </a:p>
-          <a:p>
-            <a:pPr>
-              <a:lnSpc>
-                <a:spcPct val="100000"/>
-              </a:lnSpc>
-            </a:pPr>
-            <a:r>
-              <a:rPr b="0" lang="pt-PT" sz="1100" spc="-1" strike="noStrike">
-                <a:solidFill>
-                  <a:srgbClr val="000000"/>
-                </a:solidFill>
-                <a:latin typeface="Times New Roman"/>
-              </a:rPr>
-              <a:t>for (i = 0; i &lt; length - 1; i++)</a:t>
-            </a:r>
-            <a:endParaRPr b="0" lang="en-GB" sz="1100" spc="-1" strike="noStrike">
-              <a:latin typeface="Arial"/>
-            </a:endParaRPr>
-          </a:p>
-          <a:p>
-            <a:pPr>
-              <a:lnSpc>
-                <a:spcPct val="100000"/>
-              </a:lnSpc>
-            </a:pPr>
-            <a:r>
-              <a:rPr b="0" lang="pt-PT" sz="1100" spc="-1" strike="noStrike">
-                <a:solidFill>
-                  <a:srgbClr val="000000"/>
-                </a:solidFill>
-                <a:latin typeface="Times New Roman"/>
-              </a:rPr>
-              <a:t>	</a:t>
-            </a:r>
-            <a:r>
-              <a:rPr b="0" lang="pt-PT" sz="1100" spc="-1" strike="noStrike">
-                <a:solidFill>
-                  <a:srgbClr val="000000"/>
-                </a:solidFill>
-                <a:latin typeface="Times New Roman"/>
-              </a:rPr>
-              <a:t>{ noSwap = true;</a:t>
-            </a:r>
-            <a:endParaRPr b="0" lang="en-GB" sz="1100" spc="-1" strike="noStrike">
-              <a:latin typeface="Arial"/>
-            </a:endParaRPr>
-          </a:p>
-          <a:p>
-            <a:pPr>
-              <a:lnSpc>
-                <a:spcPct val="100000"/>
-              </a:lnSpc>
-            </a:pPr>
-            <a:r>
-              <a:rPr b="0" lang="pt-PT" sz="1100" spc="-1" strike="noStrike">
-                <a:solidFill>
-                  <a:srgbClr val="000000"/>
-                </a:solidFill>
-                <a:latin typeface="Times New Roman"/>
-              </a:rPr>
-              <a:t>	</a:t>
-            </a:r>
-            <a:r>
-              <a:rPr b="0" lang="pt-PT" sz="1100" spc="-1" strike="noStrike">
-                <a:solidFill>
-                  <a:srgbClr val="000000"/>
-                </a:solidFill>
-                <a:latin typeface="Times New Roman"/>
-              </a:rPr>
-              <a:t>	</a:t>
-            </a:r>
-            <a:r>
-              <a:rPr b="0" lang="pt-PT" sz="1100" spc="-1" strike="noStrike">
-                <a:solidFill>
-                  <a:srgbClr val="000000"/>
-                </a:solidFill>
-                <a:latin typeface="Times New Roman"/>
-              </a:rPr>
-              <a:t>for (j = length - 1; j &gt; i; j--)</a:t>
-            </a:r>
-            <a:endParaRPr b="0" lang="en-GB" sz="1100" spc="-1" strike="noStrike">
-              <a:latin typeface="Arial"/>
-            </a:endParaRPr>
-          </a:p>
-          <a:p>
-            <a:pPr>
-              <a:lnSpc>
-                <a:spcPct val="100000"/>
-              </a:lnSpc>
-            </a:pPr>
-            <a:r>
-              <a:rPr b="0" lang="pt-PT" sz="1100" spc="-1" strike="noStrike">
-                <a:solidFill>
-                  <a:srgbClr val="000000"/>
-                </a:solidFill>
-                <a:latin typeface="Times New Roman"/>
-              </a:rPr>
-              <a:t>	</a:t>
-            </a:r>
-            <a:r>
-              <a:rPr b="0" lang="pt-PT" sz="1100" spc="-1" strike="noStrike">
-                <a:solidFill>
-                  <a:srgbClr val="000000"/>
-                </a:solidFill>
-                <a:latin typeface="Times New Roman"/>
-              </a:rPr>
-              <a:t>	</a:t>
-            </a:r>
-            <a:r>
-              <a:rPr b="0" lang="pt-PT" sz="1100" spc="-1" strike="noStrike">
-                <a:solidFill>
-                  <a:srgbClr val="000000"/>
-                </a:solidFill>
-                <a:latin typeface="Times New Roman"/>
-              </a:rPr>
-              <a:t>if (data[j] &lt; data[j-1])</a:t>
-            </a:r>
-            <a:endParaRPr b="0" lang="en-GB" sz="1100" spc="-1" strike="noStrike">
-              <a:latin typeface="Arial"/>
-            </a:endParaRPr>
-          </a:p>
-          <a:p>
-            <a:pPr>
-              <a:lnSpc>
-                <a:spcPct val="100000"/>
-              </a:lnSpc>
-            </a:pPr>
-            <a:r>
-              <a:rPr b="0" lang="pt-PT" sz="1100" spc="-1" strike="noStrike">
-                <a:solidFill>
-                  <a:srgbClr val="000000"/>
-                </a:solidFill>
-                <a:latin typeface="Times New Roman"/>
-              </a:rPr>
-              <a:t>	</a:t>
-            </a:r>
-            <a:r>
-              <a:rPr b="0" lang="pt-PT" sz="1100" spc="-1" strike="noStrike">
-                <a:solidFill>
-                  <a:srgbClr val="000000"/>
-                </a:solidFill>
-                <a:latin typeface="Times New Roman"/>
-              </a:rPr>
-              <a:t>	</a:t>
-            </a:r>
-            <a:r>
-              <a:rPr b="0" lang="pt-PT" sz="1100" spc="-1" strike="noStrike">
-                <a:solidFill>
-                  <a:srgbClr val="000000"/>
-                </a:solidFill>
-                <a:latin typeface="Times New Roman"/>
-              </a:rPr>
-              <a:t>	</a:t>
-            </a:r>
-            <a:r>
-              <a:rPr b="0" lang="pt-PT" sz="1100" spc="-1" strike="noStrike">
-                <a:solidFill>
-                  <a:srgbClr val="000000"/>
-                </a:solidFill>
-                <a:latin typeface="Times New Roman"/>
-              </a:rPr>
-              <a:t>{ tmp = data[j];</a:t>
-            </a:r>
-            <a:endParaRPr b="0" lang="en-GB" sz="1100" spc="-1" strike="noStrike">
-              <a:latin typeface="Arial"/>
-            </a:endParaRPr>
-          </a:p>
-          <a:p>
-            <a:pPr>
-              <a:lnSpc>
-                <a:spcPct val="100000"/>
-              </a:lnSpc>
-            </a:pPr>
-            <a:r>
-              <a:rPr b="0" lang="pt-PT" sz="1100" spc="-1" strike="noStrike">
-                <a:solidFill>
-                  <a:srgbClr val="000000"/>
-                </a:solidFill>
-                <a:latin typeface="Times New Roman"/>
-              </a:rPr>
-              <a:t>	</a:t>
-            </a:r>
-            <a:r>
-              <a:rPr b="0" lang="pt-PT" sz="1100" spc="-1" strike="noStrike">
-                <a:solidFill>
-                  <a:srgbClr val="000000"/>
-                </a:solidFill>
-                <a:latin typeface="Times New Roman"/>
-              </a:rPr>
-              <a:t>	</a:t>
-            </a:r>
-            <a:r>
-              <a:rPr b="0" lang="pt-PT" sz="1100" spc="-1" strike="noStrike">
-                <a:solidFill>
-                  <a:srgbClr val="000000"/>
-                </a:solidFill>
-                <a:latin typeface="Times New Roman"/>
-              </a:rPr>
-              <a:t>	</a:t>
-            </a:r>
-            <a:r>
-              <a:rPr b="0" lang="pt-PT" sz="1100" spc="-1" strike="noStrike">
-                <a:solidFill>
-                  <a:srgbClr val="000000"/>
-                </a:solidFill>
-                <a:latin typeface="Times New Roman"/>
-              </a:rPr>
-              <a:t>data[j] = data[j-1];</a:t>
-            </a:r>
-            <a:endParaRPr b="0" lang="en-GB" sz="1100" spc="-1" strike="noStrike">
-              <a:latin typeface="Arial"/>
-            </a:endParaRPr>
-          </a:p>
-          <a:p>
-            <a:pPr>
-              <a:lnSpc>
-                <a:spcPct val="100000"/>
-              </a:lnSpc>
-            </a:pPr>
-            <a:r>
-              <a:rPr b="0" lang="pt-PT" sz="1100" spc="-1" strike="noStrike">
-                <a:solidFill>
-                  <a:srgbClr val="000000"/>
-                </a:solidFill>
-                <a:latin typeface="Times New Roman"/>
-              </a:rPr>
-              <a:t>	</a:t>
-            </a:r>
-            <a:r>
-              <a:rPr b="0" lang="pt-PT" sz="1100" spc="-1" strike="noStrike">
-                <a:solidFill>
-                  <a:srgbClr val="000000"/>
-                </a:solidFill>
-                <a:latin typeface="Times New Roman"/>
-              </a:rPr>
-              <a:t>	</a:t>
-            </a:r>
-            <a:r>
-              <a:rPr b="0" lang="pt-PT" sz="1100" spc="-1" strike="noStrike">
-                <a:solidFill>
-                  <a:srgbClr val="000000"/>
-                </a:solidFill>
-                <a:latin typeface="Times New Roman"/>
-              </a:rPr>
-              <a:t>	</a:t>
-            </a:r>
-            <a:r>
-              <a:rPr b="0" lang="pt-PT" sz="1100" spc="-1" strike="noStrike">
-                <a:solidFill>
-                  <a:srgbClr val="000000"/>
-                </a:solidFill>
-                <a:latin typeface="Times New Roman"/>
-              </a:rPr>
-              <a:t>data[j-1] = tmp;</a:t>
-            </a:r>
-            <a:endParaRPr b="0" lang="en-GB" sz="1100" spc="-1" strike="noStrike">
-              <a:latin typeface="Arial"/>
-            </a:endParaRPr>
-          </a:p>
-          <a:p>
-            <a:pPr>
-              <a:lnSpc>
-                <a:spcPct val="100000"/>
-              </a:lnSpc>
-            </a:pPr>
-            <a:r>
-              <a:rPr b="0" lang="pt-PT" sz="1100" spc="-1" strike="noStrike">
-                <a:solidFill>
-                  <a:srgbClr val="000000"/>
-                </a:solidFill>
-                <a:latin typeface="Times New Roman"/>
-              </a:rPr>
-              <a:t>	</a:t>
-            </a:r>
-            <a:r>
-              <a:rPr b="0" lang="pt-PT" sz="1100" spc="-1" strike="noStrike">
-                <a:solidFill>
-                  <a:srgbClr val="000000"/>
-                </a:solidFill>
-                <a:latin typeface="Times New Roman"/>
-              </a:rPr>
-              <a:t>	</a:t>
-            </a:r>
-            <a:r>
-              <a:rPr b="0" lang="pt-PT" sz="1100" spc="-1" strike="noStrike">
-                <a:solidFill>
-                  <a:srgbClr val="000000"/>
-                </a:solidFill>
-                <a:latin typeface="Times New Roman"/>
-              </a:rPr>
-              <a:t>	</a:t>
-            </a:r>
-            <a:r>
-              <a:rPr b="0" lang="pt-PT" sz="1100" spc="-1" strike="noStrike">
-                <a:solidFill>
-                  <a:srgbClr val="000000"/>
-                </a:solidFill>
-                <a:latin typeface="Times New Roman"/>
-              </a:rPr>
-              <a:t>noSwap = false;</a:t>
-            </a:r>
-            <a:endParaRPr b="0" lang="en-GB" sz="1100" spc="-1" strike="noStrike">
-              <a:latin typeface="Arial"/>
-            </a:endParaRPr>
-          </a:p>
-          <a:p>
-            <a:pPr>
-              <a:lnSpc>
-                <a:spcPct val="100000"/>
-              </a:lnSpc>
-            </a:pPr>
-            <a:r>
-              <a:rPr b="0" lang="pt-PT" sz="1100" spc="-1" strike="noStrike">
-                <a:solidFill>
-                  <a:srgbClr val="000000"/>
-                </a:solidFill>
-                <a:latin typeface="Times New Roman"/>
-              </a:rPr>
-              <a:t>	</a:t>
-            </a:r>
-            <a:r>
-              <a:rPr b="0" lang="pt-PT" sz="1100" spc="-1" strike="noStrike">
-                <a:solidFill>
-                  <a:srgbClr val="000000"/>
-                </a:solidFill>
-                <a:latin typeface="Times New Roman"/>
-              </a:rPr>
-              <a:t>	</a:t>
-            </a:r>
-            <a:r>
-              <a:rPr b="0" lang="pt-PT" sz="1100" spc="-1" strike="noStrike">
-                <a:solidFill>
-                  <a:srgbClr val="000000"/>
-                </a:solidFill>
-                <a:latin typeface="Times New Roman"/>
-              </a:rPr>
-              <a:t>	</a:t>
-            </a:r>
-            <a:r>
-              <a:rPr b="0" lang="pt-PT" sz="1100" spc="-1" strike="noStrike">
-                <a:solidFill>
-                  <a:srgbClr val="000000"/>
-                </a:solidFill>
-                <a:latin typeface="Times New Roman"/>
-              </a:rPr>
-              <a:t>}</a:t>
-            </a:r>
-            <a:endParaRPr b="0" lang="en-GB" sz="1100" spc="-1" strike="noStrike">
-              <a:latin typeface="Arial"/>
-            </a:endParaRPr>
-          </a:p>
-          <a:p>
-            <a:pPr>
-              <a:lnSpc>
-                <a:spcPct val="100000"/>
-              </a:lnSpc>
-            </a:pPr>
-            <a:r>
-              <a:rPr b="0" lang="pt-PT" sz="1100" spc="-1" strike="noStrike">
-                <a:solidFill>
-                  <a:srgbClr val="000000"/>
-                </a:solidFill>
-                <a:latin typeface="Times New Roman"/>
-              </a:rPr>
-              <a:t>	</a:t>
-            </a:r>
-            <a:r>
-              <a:rPr b="0" lang="pt-PT" sz="1100" spc="-1" strike="noStrike">
-                <a:solidFill>
-                  <a:srgbClr val="000000"/>
-                </a:solidFill>
-                <a:latin typeface="Times New Roman"/>
-              </a:rPr>
-              <a:t>	</a:t>
-            </a:r>
-            <a:r>
-              <a:rPr b="0" lang="pt-PT" sz="1100" spc="-1" strike="noStrike">
-                <a:solidFill>
-                  <a:srgbClr val="000000"/>
-                </a:solidFill>
-                <a:latin typeface="Times New Roman"/>
-              </a:rPr>
-              <a:t>if (noSwap) break;  }</a:t>
-            </a:r>
-            <a:endParaRPr b="0" lang="en-GB" sz="1100" spc="-1" strike="noStrike">
-              <a:latin typeface="Arial"/>
-            </a:endParaRPr>
-          </a:p>
-        </p:txBody>
-      </p:sp>
-      <p:sp>
-        <p:nvSpPr>
-          <p:cNvPr id="93" name="CaixaDeTexto 5"/>
-          <p:cNvSpPr/>
-          <p:nvPr/>
-        </p:nvSpPr>
-        <p:spPr>
-          <a:xfrm>
-            <a:off x="330120" y="2539800"/>
-            <a:ext cx="1858680" cy="302760"/>
-          </a:xfrm>
-          <a:prstGeom prst="rect">
-            <a:avLst/>
-          </a:prstGeom>
-          <a:noFill/>
-          <a:ln w="0">
-            <a:noFill/>
-          </a:ln>
-        </p:spPr>
-        <p:style>
-          <a:lnRef idx="0"/>
-          <a:fillRef idx="0"/>
-          <a:effectRef idx="0"/>
-          <a:fontRef idx="minor"/>
-        </p:style>
-        <p:txBody>
-          <a:bodyPr lIns="90000" rIns="90000" tIns="45000" bIns="45000" anchor="t">
-            <a:spAutoFit/>
-          </a:bodyPr>
-          <a:p>
-            <a:pPr>
-              <a:lnSpc>
-                <a:spcPct val="100000"/>
-              </a:lnSpc>
-            </a:pPr>
-            <a:r>
-              <a:rPr b="0" lang="pt-PT" sz="1400" spc="-1" strike="noStrike">
-                <a:solidFill>
-                  <a:srgbClr val="000000"/>
-                </a:solidFill>
-                <a:latin typeface="Calibri"/>
-              </a:rPr>
-              <a:t>Row Sorting algorithm</a:t>
-            </a:r>
-            <a:endParaRPr b="0" lang="en-GB" sz="1400" spc="-1" strike="noStrike">
+              <a:rPr b="1" lang="pt-PT" sz="1800" spc="-1" strike="noStrike">
+                <a:solidFill>
+                  <a:srgbClr val="000000"/>
+                </a:solidFill>
+                <a:latin typeface="Arial Narrow"/>
+              </a:rPr>
+              <a:t>NVIDIA Device: GeForce GTX 1660 Ti</a:t>
+            </a:r>
+            <a:endParaRPr b="0" lang="en-GB" sz="1800" spc="-1" strike="noStrike">
               <a:latin typeface="Arial"/>
             </a:endParaRPr>
           </a:p>
@@ -10016,18 +9307,259 @@
       </p:grpSpPr>
       <p:sp>
         <p:nvSpPr>
-          <p:cNvPr id="94" name="PlaceHolder 1"/>
-          <p:cNvSpPr>
-            <a:spLocks noGrp="1"/>
-          </p:cNvSpPr>
-          <p:nvPr>
-            <p:ph type="title"/>
-          </p:nvPr>
+          <p:cNvPr id="102" name="Retângulo 1"/>
+          <p:cNvSpPr/>
+          <p:nvPr/>
         </p:nvSpPr>
         <p:spPr>
           <a:xfrm>
-            <a:off x="838080" y="365040"/>
-            <a:ext cx="10515240" cy="1325160"/>
+            <a:off x="6480000" y="482760"/>
+            <a:ext cx="5249520" cy="1613160"/>
+          </a:xfrm>
+          <a:prstGeom prst="rect">
+            <a:avLst/>
+          </a:prstGeom>
+          <a:solidFill>
+            <a:srgbClr val="eeeeee"/>
+          </a:solidFill>
+          <a:ln w="0">
+            <a:solidFill>
+              <a:srgbClr val="808080"/>
+            </a:solidFill>
+          </a:ln>
+        </p:spPr>
+        <p:style>
+          <a:lnRef idx="0"/>
+          <a:fillRef idx="0"/>
+          <a:effectRef idx="0"/>
+          <a:fontRef idx="minor"/>
+        </p:style>
+        <p:txBody>
+          <a:bodyPr lIns="90000" rIns="90000" tIns="45000" bIns="45000" anchor="t">
+            <a:spAutoFit/>
+          </a:bodyPr>
+          <a:p>
+            <a:pPr>
+              <a:lnSpc>
+                <a:spcPct val="100000"/>
+              </a:lnSpc>
+            </a:pPr>
+            <a:r>
+              <a:rPr b="0" lang="pt-PT" sz="1000" spc="-1" strike="noStrike">
+                <a:solidFill>
+                  <a:srgbClr val="000000"/>
+                </a:solidFill>
+                <a:latin typeface="Times New Roman"/>
+                <a:ea typeface="DejaVu Sans"/>
+              </a:rPr>
+              <a:t>blockDimX = 1 &lt;&lt; 0;</a:t>
+            </a:r>
+            <a:endParaRPr b="0" lang="en-GB" sz="1000" spc="-1" strike="noStrike">
+              <a:latin typeface="Arial"/>
+            </a:endParaRPr>
+          </a:p>
+          <a:p>
+            <a:pPr>
+              <a:lnSpc>
+                <a:spcPct val="100000"/>
+              </a:lnSpc>
+            </a:pPr>
+            <a:r>
+              <a:rPr b="0" lang="pt-PT" sz="1000" spc="-1" strike="noStrike">
+                <a:solidFill>
+                  <a:srgbClr val="000000"/>
+                </a:solidFill>
+                <a:latin typeface="Times New Roman"/>
+                <a:ea typeface="DejaVu Sans"/>
+              </a:rPr>
+              <a:t>blockDimY = 1 &lt;&lt; 0;</a:t>
+            </a:r>
+            <a:endParaRPr b="0" lang="en-GB" sz="1000" spc="-1" strike="noStrike">
+              <a:latin typeface="Arial"/>
+            </a:endParaRPr>
+          </a:p>
+          <a:p>
+            <a:pPr>
+              <a:lnSpc>
+                <a:spcPct val="100000"/>
+              </a:lnSpc>
+            </a:pPr>
+            <a:r>
+              <a:rPr b="0" lang="pt-PT" sz="1000" spc="-1" strike="noStrike">
+                <a:solidFill>
+                  <a:srgbClr val="000000"/>
+                </a:solidFill>
+                <a:latin typeface="Times New Roman"/>
+                <a:ea typeface="DejaVu Sans"/>
+              </a:rPr>
+              <a:t>blockDimZ = 1 &lt;&lt; 0;</a:t>
+            </a:r>
+            <a:endParaRPr b="0" lang="en-GB" sz="1000" spc="-1" strike="noStrike">
+              <a:latin typeface="Arial"/>
+            </a:endParaRPr>
+          </a:p>
+          <a:p>
+            <a:pPr>
+              <a:lnSpc>
+                <a:spcPct val="100000"/>
+              </a:lnSpc>
+            </a:pPr>
+            <a:r>
+              <a:rPr b="0" lang="pt-PT" sz="1000" spc="-1" strike="noStrike">
+                <a:solidFill>
+                  <a:srgbClr val="000000"/>
+                </a:solidFill>
+                <a:latin typeface="Times New Roman"/>
+                <a:ea typeface="DejaVu Sans"/>
+              </a:rPr>
+              <a:t>gridDimX = 1 &lt;&lt; 10; </a:t>
+            </a:r>
+            <a:r>
+              <a:rPr b="0" lang="pt-PT" sz="1000" spc="-1" strike="noStrike">
+                <a:solidFill>
+                  <a:srgbClr val="000000"/>
+                </a:solidFill>
+                <a:latin typeface="Times New Roman"/>
+                <a:ea typeface="DejaVu Sans"/>
+              </a:rPr>
+              <a:t>	</a:t>
+            </a:r>
+            <a:r>
+              <a:rPr b="0" lang="pt-PT" sz="1000" spc="-1" strike="noStrike">
+                <a:solidFill>
+                  <a:srgbClr val="000000"/>
+                </a:solidFill>
+                <a:latin typeface="Times New Roman"/>
+                <a:ea typeface="DejaVu Sans"/>
+              </a:rPr>
+              <a:t>//(2^10=1024)</a:t>
+            </a:r>
+            <a:endParaRPr b="0" lang="en-GB" sz="1000" spc="-1" strike="noStrike">
+              <a:latin typeface="Arial"/>
+            </a:endParaRPr>
+          </a:p>
+          <a:p>
+            <a:pPr>
+              <a:lnSpc>
+                <a:spcPct val="100000"/>
+              </a:lnSpc>
+            </a:pPr>
+            <a:r>
+              <a:rPr b="0" lang="pt-PT" sz="1000" spc="-1" strike="noStrike">
+                <a:solidFill>
+                  <a:srgbClr val="000000"/>
+                </a:solidFill>
+                <a:latin typeface="Times New Roman"/>
+                <a:ea typeface="DejaVu Sans"/>
+              </a:rPr>
+              <a:t>gridDimY = 1 &lt;&lt; 0;</a:t>
+            </a:r>
+            <a:endParaRPr b="0" lang="en-GB" sz="1000" spc="-1" strike="noStrike">
+              <a:latin typeface="Arial"/>
+            </a:endParaRPr>
+          </a:p>
+          <a:p>
+            <a:pPr>
+              <a:lnSpc>
+                <a:spcPct val="100000"/>
+              </a:lnSpc>
+            </a:pPr>
+            <a:r>
+              <a:rPr b="0" lang="pt-PT" sz="1000" spc="-1" strike="noStrike">
+                <a:solidFill>
+                  <a:srgbClr val="000000"/>
+                </a:solidFill>
+                <a:latin typeface="Times New Roman"/>
+                <a:ea typeface="DejaVu Sans"/>
+              </a:rPr>
+              <a:t>gridDimZ = 1 &lt;&lt; 0;</a:t>
+            </a:r>
+            <a:endParaRPr b="0" lang="en-GB" sz="1000" spc="-1" strike="noStrike">
+              <a:latin typeface="Arial"/>
+            </a:endParaRPr>
+          </a:p>
+          <a:p>
+            <a:pPr>
+              <a:lnSpc>
+                <a:spcPct val="100000"/>
+              </a:lnSpc>
+            </a:pPr>
+            <a:endParaRPr b="0" lang="en-GB" sz="1000" spc="-1" strike="noStrike">
+              <a:latin typeface="Arial"/>
+            </a:endParaRPr>
+          </a:p>
+          <a:p>
+            <a:pPr>
+              <a:lnSpc>
+                <a:spcPct val="100000"/>
+              </a:lnSpc>
+            </a:pPr>
+            <a:r>
+              <a:rPr b="0" lang="pt-PT" sz="1000" spc="-1" strike="noStrike">
+                <a:solidFill>
+                  <a:srgbClr val="000000"/>
+                </a:solidFill>
+                <a:latin typeface="Times New Roman"/>
+                <a:ea typeface="DejaVu Sans"/>
+              </a:rPr>
+              <a:t>x = (unsigned int) threadIdx.x + (unsigned int) blockDim.x * (unsigned int) blockIdx.x;</a:t>
+            </a:r>
+            <a:endParaRPr b="0" lang="en-GB" sz="1000" spc="-1" strike="noStrike">
+              <a:latin typeface="Arial"/>
+            </a:endParaRPr>
+          </a:p>
+          <a:p>
+            <a:pPr>
+              <a:lnSpc>
+                <a:spcPct val="100000"/>
+              </a:lnSpc>
+            </a:pPr>
+            <a:r>
+              <a:rPr b="0" lang="pt-PT" sz="1000" spc="-1" strike="noStrike">
+                <a:solidFill>
+                  <a:srgbClr val="000000"/>
+                </a:solidFill>
+                <a:latin typeface="Times New Roman"/>
+                <a:ea typeface="DejaVu Sans"/>
+              </a:rPr>
+              <a:t>y = (unsigned int) threadIdx.y + (unsigned int) blockDim.y * (unsigned int) blockIdx.y;</a:t>
+            </a:r>
+            <a:endParaRPr b="0" lang="en-GB" sz="1000" spc="-1" strike="noStrike">
+              <a:latin typeface="Arial"/>
+            </a:endParaRPr>
+          </a:p>
+          <a:p>
+            <a:pPr>
+              <a:lnSpc>
+                <a:spcPct val="100000"/>
+              </a:lnSpc>
+            </a:pPr>
+            <a:r>
+              <a:rPr b="0" lang="pt-PT" sz="1000" spc="-1" strike="noStrike">
+                <a:solidFill>
+                  <a:srgbClr val="000000"/>
+                </a:solidFill>
+                <a:latin typeface="Times New Roman"/>
+                <a:ea typeface="DejaVu Sans"/>
+              </a:rPr>
+              <a:t>idx = (unsigned int) blockDim.x * (unsigned int) gridDim.x * y + x;</a:t>
+            </a:r>
+            <a:endParaRPr b="0" lang="en-GB" sz="1000" spc="-1" strike="noStrike">
+              <a:latin typeface="Arial"/>
+            </a:endParaRPr>
+          </a:p>
+        </p:txBody>
+      </p:sp>
+      <p:sp>
+        <p:nvSpPr>
+          <p:cNvPr id="103" name="CaixaDeTexto 2"/>
+          <p:cNvSpPr/>
+          <p:nvPr/>
+        </p:nvSpPr>
+        <p:spPr>
+          <a:xfrm>
+            <a:off x="6480000" y="180000"/>
+            <a:ext cx="951840" cy="302760"/>
           </a:xfrm>
           <a:prstGeom prst="rect">
             <a:avLst/>
@@ -10037,37 +9569,615 @@
             <a:noFill/>
           </a:ln>
         </p:spPr>
-        <p:txBody>
-          <a:bodyPr anchor="ctr">
-            <a:noAutofit/>
+        <p:style>
+          <a:lnRef idx="0"/>
+          <a:fillRef idx="0"/>
+          <a:effectRef idx="0"/>
+          <a:fontRef idx="minor"/>
+        </p:style>
+        <p:txBody>
+          <a:bodyPr lIns="90000" rIns="90000" tIns="45000" bIns="45000" anchor="t">
+            <a:spAutoFit/>
           </a:bodyPr>
           <a:p>
-            <a:pPr indent="0">
-              <a:buNone/>
-            </a:pPr>
-            <a:endParaRPr b="0" lang="pt-PT" sz="1800" spc="-1" strike="noStrike">
-              <a:solidFill>
-                <a:srgbClr val="000000"/>
-              </a:solidFill>
-              <a:latin typeface="Calibri"/>
-            </a:endParaRPr>
-          </a:p>
-        </p:txBody>
-      </p:sp>
-      <p:sp>
-        <p:nvSpPr>
-          <p:cNvPr id="95" name="PlaceHolder 2"/>
-          <p:cNvSpPr>
-            <a:spLocks noGrp="1"/>
-          </p:cNvSpPr>
-          <p:nvPr>
-            <p:ph/>
-          </p:nvPr>
+            <a:pPr>
+              <a:lnSpc>
+                <a:spcPct val="100000"/>
+              </a:lnSpc>
+            </a:pPr>
+            <a:r>
+              <a:rPr b="0" lang="pt-PT" sz="1400" spc="-1" strike="noStrike">
+                <a:solidFill>
+                  <a:srgbClr val="000000"/>
+                </a:solidFill>
+                <a:latin typeface="Calibri"/>
+                <a:ea typeface="DejaVu Sans"/>
+              </a:rPr>
+              <a:t>TreadID</a:t>
+            </a:r>
+            <a:endParaRPr b="0" lang="en-GB" sz="1400" spc="-1" strike="noStrike">
+              <a:latin typeface="Arial"/>
+            </a:endParaRPr>
+          </a:p>
+        </p:txBody>
+      </p:sp>
+      <p:sp>
+        <p:nvSpPr>
+          <p:cNvPr id="104" name="Retângulo 4"/>
+          <p:cNvSpPr/>
+          <p:nvPr/>
         </p:nvSpPr>
         <p:spPr>
           <a:xfrm>
-            <a:off x="838080" y="1825560"/>
-            <a:ext cx="10515240" cy="4350960"/>
+            <a:off x="326880" y="2615400"/>
+            <a:ext cx="3633120" cy="2069280"/>
+          </a:xfrm>
+          <a:prstGeom prst="rect">
+            <a:avLst/>
+          </a:prstGeom>
+          <a:solidFill>
+            <a:srgbClr val="eeeeee"/>
+          </a:solidFill>
+          <a:ln w="0">
+            <a:solidFill>
+              <a:srgbClr val="808080"/>
+            </a:solidFill>
+          </a:ln>
+        </p:spPr>
+        <p:style>
+          <a:lnRef idx="0"/>
+          <a:fillRef idx="0"/>
+          <a:effectRef idx="0"/>
+          <a:fontRef idx="minor"/>
+        </p:style>
+        <p:txBody>
+          <a:bodyPr lIns="90000" rIns="90000" tIns="45000" bIns="45000" anchor="t">
+            <a:spAutoFit/>
+          </a:bodyPr>
+          <a:p>
+            <a:pPr>
+              <a:lnSpc>
+                <a:spcPct val="100000"/>
+              </a:lnSpc>
+              <a:tabLst>
+                <a:tab algn="l" pos="380880"/>
+                <a:tab algn="l" pos="640080"/>
+              </a:tabLst>
+            </a:pPr>
+            <a:r>
+              <a:rPr b="0" lang="pt-PT" sz="1000" spc="-1" strike="noStrike">
+                <a:solidFill>
+                  <a:srgbClr val="000000"/>
+                </a:solidFill>
+                <a:latin typeface="Times New Roman"/>
+                <a:ea typeface="DejaVu Sans"/>
+              </a:rPr>
+              <a:t>data += length * idx; // adjust pointer to the array to be ordered</a:t>
+            </a:r>
+            <a:endParaRPr b="0" lang="en-GB" sz="1000" spc="-1" strike="noStrike">
+              <a:latin typeface="Arial"/>
+            </a:endParaRPr>
+          </a:p>
+          <a:p>
+            <a:pPr>
+              <a:lnSpc>
+                <a:spcPct val="100000"/>
+              </a:lnSpc>
+              <a:tabLst>
+                <a:tab algn="l" pos="380880"/>
+                <a:tab algn="l" pos="640080"/>
+              </a:tabLst>
+            </a:pPr>
+            <a:endParaRPr b="0" lang="en-GB" sz="1000" spc="-1" strike="noStrike">
+              <a:latin typeface="Arial"/>
+            </a:endParaRPr>
+          </a:p>
+          <a:p>
+            <a:pPr>
+              <a:lnSpc>
+                <a:spcPct val="100000"/>
+              </a:lnSpc>
+              <a:tabLst>
+                <a:tab algn="l" pos="380880"/>
+                <a:tab algn="l" pos="640080"/>
+              </a:tabLst>
+            </a:pPr>
+            <a:r>
+              <a:rPr b="0" lang="pt-PT" sz="1000" spc="-1" strike="noStrike">
+                <a:solidFill>
+                  <a:srgbClr val="000000"/>
+                </a:solidFill>
+                <a:latin typeface="Times New Roman"/>
+                <a:ea typeface="DejaVu Sans"/>
+              </a:rPr>
+              <a:t>for (i = 0; i &lt; length - 1; i++)</a:t>
+            </a:r>
+            <a:endParaRPr b="0" lang="en-GB" sz="1000" spc="-1" strike="noStrike">
+              <a:latin typeface="Arial"/>
+            </a:endParaRPr>
+          </a:p>
+          <a:p>
+            <a:pPr>
+              <a:lnSpc>
+                <a:spcPct val="100000"/>
+              </a:lnSpc>
+              <a:tabLst>
+                <a:tab algn="l" pos="380880"/>
+                <a:tab algn="l" pos="640080"/>
+              </a:tabLst>
+            </a:pPr>
+            <a:r>
+              <a:rPr b="0" lang="pt-PT" sz="1000" spc="-1" strike="noStrike">
+                <a:solidFill>
+                  <a:srgbClr val="000000"/>
+                </a:solidFill>
+                <a:latin typeface="Times New Roman"/>
+                <a:ea typeface="DejaVu Sans"/>
+              </a:rPr>
+              <a:t>	</a:t>
+            </a:r>
+            <a:r>
+              <a:rPr b="0" lang="pt-PT" sz="1000" spc="-1" strike="noStrike">
+                <a:solidFill>
+                  <a:srgbClr val="000000"/>
+                </a:solidFill>
+                <a:latin typeface="Times New Roman"/>
+                <a:ea typeface="DejaVu Sans"/>
+              </a:rPr>
+              <a:t>{ noSwap = true;</a:t>
+            </a:r>
+            <a:endParaRPr b="0" lang="en-GB" sz="1000" spc="-1" strike="noStrike">
+              <a:latin typeface="Arial"/>
+            </a:endParaRPr>
+          </a:p>
+          <a:p>
+            <a:pPr>
+              <a:lnSpc>
+                <a:spcPct val="100000"/>
+              </a:lnSpc>
+              <a:tabLst>
+                <a:tab algn="l" pos="380880"/>
+                <a:tab algn="l" pos="640080"/>
+              </a:tabLst>
+            </a:pPr>
+            <a:r>
+              <a:rPr b="0" lang="pt-PT" sz="1000" spc="-1" strike="noStrike">
+                <a:solidFill>
+                  <a:srgbClr val="000000"/>
+                </a:solidFill>
+                <a:latin typeface="Times New Roman"/>
+                <a:ea typeface="DejaVu Sans"/>
+              </a:rPr>
+              <a:t>	</a:t>
+            </a:r>
+            <a:r>
+              <a:rPr b="0" lang="pt-PT" sz="1000" spc="-1" strike="noStrike">
+                <a:solidFill>
+                  <a:srgbClr val="000000"/>
+                </a:solidFill>
+                <a:latin typeface="Times New Roman"/>
+                <a:ea typeface="DejaVu Sans"/>
+              </a:rPr>
+              <a:t>	</a:t>
+            </a:r>
+            <a:r>
+              <a:rPr b="0" lang="pt-PT" sz="1000" spc="-1" strike="noStrike">
+                <a:solidFill>
+                  <a:srgbClr val="000000"/>
+                </a:solidFill>
+                <a:latin typeface="Times New Roman"/>
+                <a:ea typeface="DejaVu Sans"/>
+              </a:rPr>
+              <a:t>for (j = length - 1; j &gt; i; j--)</a:t>
+            </a:r>
+            <a:endParaRPr b="0" lang="en-GB" sz="1000" spc="-1" strike="noStrike">
+              <a:latin typeface="Arial"/>
+            </a:endParaRPr>
+          </a:p>
+          <a:p>
+            <a:pPr>
+              <a:lnSpc>
+                <a:spcPct val="100000"/>
+              </a:lnSpc>
+              <a:tabLst>
+                <a:tab algn="l" pos="380880"/>
+                <a:tab algn="l" pos="640080"/>
+              </a:tabLst>
+            </a:pPr>
+            <a:r>
+              <a:rPr b="0" lang="pt-PT" sz="1000" spc="-1" strike="noStrike">
+                <a:solidFill>
+                  <a:srgbClr val="000000"/>
+                </a:solidFill>
+                <a:latin typeface="Times New Roman"/>
+                <a:ea typeface="DejaVu Sans"/>
+              </a:rPr>
+              <a:t>	</a:t>
+            </a:r>
+            <a:r>
+              <a:rPr b="0" lang="pt-PT" sz="1000" spc="-1" strike="noStrike">
+                <a:solidFill>
+                  <a:srgbClr val="000000"/>
+                </a:solidFill>
+                <a:latin typeface="Times New Roman"/>
+                <a:ea typeface="DejaVu Sans"/>
+              </a:rPr>
+              <a:t>	</a:t>
+            </a:r>
+            <a:r>
+              <a:rPr b="0" lang="pt-PT" sz="1000" spc="-1" strike="noStrike">
+                <a:solidFill>
+                  <a:srgbClr val="000000"/>
+                </a:solidFill>
+                <a:latin typeface="Times New Roman"/>
+                <a:ea typeface="DejaVu Sans"/>
+              </a:rPr>
+              <a:t>if (data[j] &lt; data[j-1])</a:t>
+            </a:r>
+            <a:endParaRPr b="0" lang="en-GB" sz="1000" spc="-1" strike="noStrike">
+              <a:latin typeface="Arial"/>
+            </a:endParaRPr>
+          </a:p>
+          <a:p>
+            <a:pPr>
+              <a:lnSpc>
+                <a:spcPct val="100000"/>
+              </a:lnSpc>
+              <a:tabLst>
+                <a:tab algn="l" pos="380880"/>
+                <a:tab algn="l" pos="640080"/>
+              </a:tabLst>
+            </a:pPr>
+            <a:r>
+              <a:rPr b="0" lang="pt-PT" sz="1000" spc="-1" strike="noStrike">
+                <a:solidFill>
+                  <a:srgbClr val="000000"/>
+                </a:solidFill>
+                <a:latin typeface="Times New Roman"/>
+                <a:ea typeface="DejaVu Sans"/>
+              </a:rPr>
+              <a:t>	</a:t>
+            </a:r>
+            <a:r>
+              <a:rPr b="0" lang="pt-PT" sz="1000" spc="-1" strike="noStrike">
+                <a:solidFill>
+                  <a:srgbClr val="000000"/>
+                </a:solidFill>
+                <a:latin typeface="Times New Roman"/>
+                <a:ea typeface="DejaVu Sans"/>
+              </a:rPr>
+              <a:t>	</a:t>
+            </a:r>
+            <a:r>
+              <a:rPr b="0" lang="pt-PT" sz="1000" spc="-1" strike="noStrike">
+                <a:solidFill>
+                  <a:srgbClr val="000000"/>
+                </a:solidFill>
+                <a:latin typeface="Times New Roman"/>
+                <a:ea typeface="DejaVu Sans"/>
+              </a:rPr>
+              <a:t>	</a:t>
+            </a:r>
+            <a:r>
+              <a:rPr b="0" lang="pt-PT" sz="1000" spc="-1" strike="noStrike">
+                <a:solidFill>
+                  <a:srgbClr val="000000"/>
+                </a:solidFill>
+                <a:latin typeface="Times New Roman"/>
+                <a:ea typeface="DejaVu Sans"/>
+              </a:rPr>
+              <a:t>{ tmp = data[j];</a:t>
+            </a:r>
+            <a:endParaRPr b="0" lang="en-GB" sz="1000" spc="-1" strike="noStrike">
+              <a:latin typeface="Arial"/>
+            </a:endParaRPr>
+          </a:p>
+          <a:p>
+            <a:pPr>
+              <a:lnSpc>
+                <a:spcPct val="100000"/>
+              </a:lnSpc>
+              <a:tabLst>
+                <a:tab algn="l" pos="380880"/>
+                <a:tab algn="l" pos="640080"/>
+              </a:tabLst>
+            </a:pPr>
+            <a:r>
+              <a:rPr b="0" lang="pt-PT" sz="1000" spc="-1" strike="noStrike">
+                <a:solidFill>
+                  <a:srgbClr val="000000"/>
+                </a:solidFill>
+                <a:latin typeface="Times New Roman"/>
+                <a:ea typeface="DejaVu Sans"/>
+              </a:rPr>
+              <a:t>	</a:t>
+            </a:r>
+            <a:r>
+              <a:rPr b="0" lang="pt-PT" sz="1000" spc="-1" strike="noStrike">
+                <a:solidFill>
+                  <a:srgbClr val="000000"/>
+                </a:solidFill>
+                <a:latin typeface="Times New Roman"/>
+                <a:ea typeface="DejaVu Sans"/>
+              </a:rPr>
+              <a:t>	</a:t>
+            </a:r>
+            <a:r>
+              <a:rPr b="0" lang="pt-PT" sz="1000" spc="-1" strike="noStrike">
+                <a:solidFill>
+                  <a:srgbClr val="000000"/>
+                </a:solidFill>
+                <a:latin typeface="Times New Roman"/>
+                <a:ea typeface="DejaVu Sans"/>
+              </a:rPr>
+              <a:t>	</a:t>
+            </a:r>
+            <a:r>
+              <a:rPr b="0" lang="pt-PT" sz="1000" spc="-1" strike="noStrike">
+                <a:solidFill>
+                  <a:srgbClr val="000000"/>
+                </a:solidFill>
+                <a:latin typeface="Times New Roman"/>
+                <a:ea typeface="DejaVu Sans"/>
+              </a:rPr>
+              <a:t>data[j] = data[j-1];</a:t>
+            </a:r>
+            <a:endParaRPr b="0" lang="en-GB" sz="1000" spc="-1" strike="noStrike">
+              <a:latin typeface="Arial"/>
+            </a:endParaRPr>
+          </a:p>
+          <a:p>
+            <a:pPr>
+              <a:lnSpc>
+                <a:spcPct val="100000"/>
+              </a:lnSpc>
+              <a:tabLst>
+                <a:tab algn="l" pos="380880"/>
+                <a:tab algn="l" pos="640080"/>
+              </a:tabLst>
+            </a:pPr>
+            <a:r>
+              <a:rPr b="0" lang="pt-PT" sz="1000" spc="-1" strike="noStrike">
+                <a:solidFill>
+                  <a:srgbClr val="000000"/>
+                </a:solidFill>
+                <a:latin typeface="Times New Roman"/>
+                <a:ea typeface="DejaVu Sans"/>
+              </a:rPr>
+              <a:t>	</a:t>
+            </a:r>
+            <a:r>
+              <a:rPr b="0" lang="pt-PT" sz="1000" spc="-1" strike="noStrike">
+                <a:solidFill>
+                  <a:srgbClr val="000000"/>
+                </a:solidFill>
+                <a:latin typeface="Times New Roman"/>
+                <a:ea typeface="DejaVu Sans"/>
+              </a:rPr>
+              <a:t>	</a:t>
+            </a:r>
+            <a:r>
+              <a:rPr b="0" lang="pt-PT" sz="1000" spc="-1" strike="noStrike">
+                <a:solidFill>
+                  <a:srgbClr val="000000"/>
+                </a:solidFill>
+                <a:latin typeface="Times New Roman"/>
+                <a:ea typeface="DejaVu Sans"/>
+              </a:rPr>
+              <a:t>	</a:t>
+            </a:r>
+            <a:r>
+              <a:rPr b="0" lang="pt-PT" sz="1000" spc="-1" strike="noStrike">
+                <a:solidFill>
+                  <a:srgbClr val="000000"/>
+                </a:solidFill>
+                <a:latin typeface="Times New Roman"/>
+                <a:ea typeface="DejaVu Sans"/>
+              </a:rPr>
+              <a:t>data[j-1] = tmp;</a:t>
+            </a:r>
+            <a:endParaRPr b="0" lang="en-GB" sz="1000" spc="-1" strike="noStrike">
+              <a:latin typeface="Arial"/>
+            </a:endParaRPr>
+          </a:p>
+          <a:p>
+            <a:pPr>
+              <a:lnSpc>
+                <a:spcPct val="100000"/>
+              </a:lnSpc>
+              <a:tabLst>
+                <a:tab algn="l" pos="380880"/>
+                <a:tab algn="l" pos="640080"/>
+              </a:tabLst>
+            </a:pPr>
+            <a:r>
+              <a:rPr b="0" lang="pt-PT" sz="1000" spc="-1" strike="noStrike">
+                <a:solidFill>
+                  <a:srgbClr val="000000"/>
+                </a:solidFill>
+                <a:latin typeface="Times New Roman"/>
+                <a:ea typeface="DejaVu Sans"/>
+              </a:rPr>
+              <a:t>	</a:t>
+            </a:r>
+            <a:r>
+              <a:rPr b="0" lang="pt-PT" sz="1000" spc="-1" strike="noStrike">
+                <a:solidFill>
+                  <a:srgbClr val="000000"/>
+                </a:solidFill>
+                <a:latin typeface="Times New Roman"/>
+                <a:ea typeface="DejaVu Sans"/>
+              </a:rPr>
+              <a:t>	</a:t>
+            </a:r>
+            <a:r>
+              <a:rPr b="0" lang="pt-PT" sz="1000" spc="-1" strike="noStrike">
+                <a:solidFill>
+                  <a:srgbClr val="000000"/>
+                </a:solidFill>
+                <a:latin typeface="Times New Roman"/>
+                <a:ea typeface="DejaVu Sans"/>
+              </a:rPr>
+              <a:t>	</a:t>
+            </a:r>
+            <a:r>
+              <a:rPr b="0" lang="pt-PT" sz="1000" spc="-1" strike="noStrike">
+                <a:solidFill>
+                  <a:srgbClr val="000000"/>
+                </a:solidFill>
+                <a:latin typeface="Times New Roman"/>
+                <a:ea typeface="DejaVu Sans"/>
+              </a:rPr>
+              <a:t>noSwap = false;</a:t>
+            </a:r>
+            <a:endParaRPr b="0" lang="en-GB" sz="1000" spc="-1" strike="noStrike">
+              <a:latin typeface="Arial"/>
+            </a:endParaRPr>
+          </a:p>
+          <a:p>
+            <a:pPr>
+              <a:lnSpc>
+                <a:spcPct val="100000"/>
+              </a:lnSpc>
+              <a:tabLst>
+                <a:tab algn="l" pos="380880"/>
+                <a:tab algn="l" pos="640080"/>
+              </a:tabLst>
+            </a:pPr>
+            <a:r>
+              <a:rPr b="0" lang="pt-PT" sz="1000" spc="-1" strike="noStrike">
+                <a:solidFill>
+                  <a:srgbClr val="000000"/>
+                </a:solidFill>
+                <a:latin typeface="Times New Roman"/>
+                <a:ea typeface="DejaVu Sans"/>
+              </a:rPr>
+              <a:t>	</a:t>
+            </a:r>
+            <a:r>
+              <a:rPr b="0" lang="pt-PT" sz="1000" spc="-1" strike="noStrike">
+                <a:solidFill>
+                  <a:srgbClr val="000000"/>
+                </a:solidFill>
+                <a:latin typeface="Times New Roman"/>
+                <a:ea typeface="DejaVu Sans"/>
+              </a:rPr>
+              <a:t>	</a:t>
+            </a:r>
+            <a:r>
+              <a:rPr b="0" lang="pt-PT" sz="1000" spc="-1" strike="noStrike">
+                <a:solidFill>
+                  <a:srgbClr val="000000"/>
+                </a:solidFill>
+                <a:latin typeface="Times New Roman"/>
+                <a:ea typeface="DejaVu Sans"/>
+              </a:rPr>
+              <a:t>	</a:t>
+            </a:r>
+            <a:r>
+              <a:rPr b="0" lang="pt-PT" sz="1000" spc="-1" strike="noStrike">
+                <a:solidFill>
+                  <a:srgbClr val="000000"/>
+                </a:solidFill>
+                <a:latin typeface="Times New Roman"/>
+                <a:ea typeface="DejaVu Sans"/>
+              </a:rPr>
+              <a:t>}</a:t>
+            </a:r>
+            <a:endParaRPr b="0" lang="en-GB" sz="1000" spc="-1" strike="noStrike">
+              <a:latin typeface="Arial"/>
+            </a:endParaRPr>
+          </a:p>
+          <a:p>
+            <a:pPr>
+              <a:lnSpc>
+                <a:spcPct val="100000"/>
+              </a:lnSpc>
+              <a:tabLst>
+                <a:tab algn="l" pos="380880"/>
+                <a:tab algn="l" pos="640080"/>
+              </a:tabLst>
+            </a:pPr>
+            <a:r>
+              <a:rPr b="0" lang="pt-PT" sz="1000" spc="-1" strike="noStrike">
+                <a:solidFill>
+                  <a:srgbClr val="000000"/>
+                </a:solidFill>
+                <a:latin typeface="Times New Roman"/>
+                <a:ea typeface="DejaVu Sans"/>
+              </a:rPr>
+              <a:t>	</a:t>
+            </a:r>
+            <a:r>
+              <a:rPr b="0" lang="pt-PT" sz="1000" spc="-1" strike="noStrike">
+                <a:solidFill>
+                  <a:srgbClr val="000000"/>
+                </a:solidFill>
+                <a:latin typeface="Times New Roman"/>
+                <a:ea typeface="DejaVu Sans"/>
+              </a:rPr>
+              <a:t>	</a:t>
+            </a:r>
+            <a:r>
+              <a:rPr b="0" lang="pt-PT" sz="1000" spc="-1" strike="noStrike">
+                <a:solidFill>
+                  <a:srgbClr val="000000"/>
+                </a:solidFill>
+                <a:latin typeface="Times New Roman"/>
+                <a:ea typeface="DejaVu Sans"/>
+              </a:rPr>
+              <a:t>if (noSwap) break;</a:t>
+            </a:r>
+            <a:endParaRPr b="0" lang="en-GB" sz="1000" spc="-1" strike="noStrike">
+              <a:latin typeface="Arial"/>
+            </a:endParaRPr>
+          </a:p>
+          <a:p>
+            <a:pPr>
+              <a:lnSpc>
+                <a:spcPct val="100000"/>
+              </a:lnSpc>
+              <a:tabLst>
+                <a:tab algn="l" pos="380880"/>
+                <a:tab algn="l" pos="640080"/>
+              </a:tabLst>
+            </a:pPr>
+            <a:r>
+              <a:rPr b="0" lang="pt-PT" sz="1000" spc="-1" strike="noStrike">
+                <a:solidFill>
+                  <a:srgbClr val="000000"/>
+                </a:solidFill>
+                <a:latin typeface="Times New Roman"/>
+                <a:ea typeface="DejaVu Sans"/>
+              </a:rPr>
+              <a:t>	</a:t>
+            </a:r>
+            <a:r>
+              <a:rPr b="0" lang="pt-PT" sz="1000" spc="-1" strike="noStrike">
+                <a:solidFill>
+                  <a:srgbClr val="000000"/>
+                </a:solidFill>
+                <a:latin typeface="Times New Roman"/>
+                <a:ea typeface="DejaVu Sans"/>
+              </a:rPr>
+              <a:t>}</a:t>
+            </a:r>
+            <a:endParaRPr b="0" lang="en-GB" sz="1000" spc="-1" strike="noStrike">
+              <a:latin typeface="Arial"/>
+            </a:endParaRPr>
+          </a:p>
+        </p:txBody>
+      </p:sp>
+      <p:sp>
+        <p:nvSpPr>
+          <p:cNvPr id="105" name="CaixaDeTexto 5"/>
+          <p:cNvSpPr/>
+          <p:nvPr/>
+        </p:nvSpPr>
+        <p:spPr>
+          <a:xfrm>
+            <a:off x="299880" y="2312640"/>
+            <a:ext cx="2040120" cy="303480"/>
           </a:xfrm>
           <a:prstGeom prst="rect">
             <a:avLst/>
@@ -10077,25 +10187,989 @@
             <a:noFill/>
           </a:ln>
         </p:spPr>
-        <p:txBody>
-          <a:bodyPr anchor="t">
+        <p:style>
+          <a:lnRef idx="0"/>
+          <a:fillRef idx="0"/>
+          <a:effectRef idx="0"/>
+          <a:fontRef idx="minor"/>
+        </p:style>
+        <p:txBody>
+          <a:bodyPr lIns="90000" rIns="90000" tIns="45000" bIns="45000" anchor="t">
+            <a:spAutoFit/>
+          </a:bodyPr>
+          <a:p>
+            <a:pPr>
+              <a:lnSpc>
+                <a:spcPct val="100000"/>
+              </a:lnSpc>
+            </a:pPr>
+            <a:r>
+              <a:rPr b="0" lang="pt-PT" sz="1400" spc="-1" strike="noStrike">
+                <a:solidFill>
+                  <a:srgbClr val="000000"/>
+                </a:solidFill>
+                <a:latin typeface="Calibri"/>
+                <a:ea typeface="DejaVu Sans"/>
+              </a:rPr>
+              <a:t>Row Sorting algorithm</a:t>
+            </a:r>
+            <a:endParaRPr b="0" lang="en-GB" sz="1400" spc="-1" strike="noStrike">
+              <a:latin typeface="Arial"/>
+            </a:endParaRPr>
+          </a:p>
+        </p:txBody>
+      </p:sp>
+      <p:grpSp>
+        <p:nvGrpSpPr>
+          <p:cNvPr id="106" name=""/>
+          <p:cNvGrpSpPr/>
+          <p:nvPr/>
+        </p:nvGrpSpPr>
+        <p:grpSpPr>
+          <a:xfrm>
+            <a:off x="8055360" y="6478920"/>
+            <a:ext cx="4002840" cy="441000"/>
+            <a:chOff x="8055360" y="6478920"/>
+            <a:chExt cx="4002840" cy="441000"/>
+          </a:xfrm>
+        </p:grpSpPr>
+        <p:sp>
+          <p:nvSpPr>
+            <p:cNvPr id="107" name=""/>
+            <p:cNvSpPr txBox="1"/>
+            <p:nvPr/>
+          </p:nvSpPr>
+          <p:spPr>
+            <a:xfrm>
+              <a:off x="8055360" y="6533640"/>
+              <a:ext cx="3600000" cy="386280"/>
+            </a:xfrm>
+            <a:prstGeom prst="rect">
+              <a:avLst/>
+            </a:prstGeom>
+            <a:noFill/>
+            <a:ln w="0">
+              <a:noFill/>
+            </a:ln>
+          </p:spPr>
+          <p:txBody>
+            <a:bodyPr lIns="90000" rIns="90000" tIns="45000" bIns="45000" anchor="t">
+              <a:noAutofit/>
+            </a:bodyPr>
+            <a:p>
+              <a:pPr>
+                <a:lnSpc>
+                  <a:spcPct val="100000"/>
+                </a:lnSpc>
+                <a:tabLst>
+                  <a:tab algn="ctr" pos="2743200"/>
+                  <a:tab algn="r" pos="5486400"/>
+                  <a:tab algn="r" pos="6229440"/>
+                </a:tabLst>
+              </a:pPr>
+              <a:r>
+                <a:rPr b="0" lang="en-GB" sz="800" spc="-1" strike="noStrike" cap="small">
+                  <a:solidFill>
+                    <a:srgbClr val="000000"/>
+                  </a:solidFill>
+                  <a:latin typeface="Arial"/>
+                  <a:ea typeface="Bitstream Vera Sans"/>
+                </a:rPr>
+                <a:t>DETI, Arquitecturas de Alto Desempenho, Janeiro 2022</a:t>
+              </a:r>
+              <a:endParaRPr b="0" lang="en-GB" sz="800" spc="-1" strike="noStrike" cap="small">
+                <a:solidFill>
+                  <a:srgbClr val="000000"/>
+                </a:solidFill>
+                <a:latin typeface="Arial"/>
+              </a:endParaRPr>
+            </a:p>
+          </p:txBody>
+        </p:sp>
+        <p:sp>
+          <p:nvSpPr>
+            <p:cNvPr id="108" name=""/>
+            <p:cNvSpPr txBox="1"/>
+            <p:nvPr/>
+          </p:nvSpPr>
+          <p:spPr>
+            <a:xfrm>
+              <a:off x="11522880" y="6478920"/>
+              <a:ext cx="535320" cy="313920"/>
+            </a:xfrm>
+            <a:prstGeom prst="rect">
+              <a:avLst/>
+            </a:prstGeom>
+            <a:noFill/>
+            <a:ln w="0">
+              <a:noFill/>
+            </a:ln>
+          </p:spPr>
+          <p:txBody>
+            <a:bodyPr lIns="90000" rIns="90000" tIns="45000" bIns="45000" anchor="t">
+              <a:noAutofit/>
+            </a:bodyPr>
+            <a:p>
+              <a:fld id="{1F8F36F6-ED0A-4D7A-AA40-B54A279D81F0}" type="slidenum">
+                <a:rPr b="0" lang="en-GB" sz="1200" spc="-1" strike="noStrike">
+                  <a:latin typeface="Times New Roman"/>
+                </a:rPr>
+                <a:t>&lt;number&gt;</a:t>
+              </a:fld>
+              <a:r>
+                <a:rPr b="0" lang="en-GB" sz="1200" spc="-1" strike="noStrike">
+                  <a:latin typeface="Times New Roman"/>
+                </a:rPr>
+                <a:t>/</a:t>
+              </a:r>
+              <a:fld id="{D0DC537B-8C6C-4507-9F54-1296899A408B}" type="slidecount">
+                <a:rPr b="0" lang="en-GB" sz="1200" spc="-1" strike="noStrike">
+                  <a:latin typeface="Times New Roman"/>
+                </a:rPr>
+                <a:t>7</a:t>
+              </a:fld>
+              <a:endParaRPr b="0" lang="en-GB" sz="1200" spc="-1" strike="noStrike">
+                <a:latin typeface="Times New Roman"/>
+              </a:endParaRPr>
+            </a:p>
+          </p:txBody>
+        </p:sp>
+      </p:grpSp>
+      <p:sp>
+        <p:nvSpPr>
+          <p:cNvPr id="109" name="Retângulo 2"/>
+          <p:cNvSpPr/>
+          <p:nvPr/>
+        </p:nvSpPr>
+        <p:spPr>
+          <a:xfrm>
+            <a:off x="4286880" y="2642760"/>
+            <a:ext cx="3633120" cy="2070000"/>
+          </a:xfrm>
+          <a:prstGeom prst="rect">
+            <a:avLst/>
+          </a:prstGeom>
+          <a:solidFill>
+            <a:srgbClr val="eeeeee"/>
+          </a:solidFill>
+          <a:ln w="0">
+            <a:solidFill>
+              <a:srgbClr val="808080"/>
+            </a:solidFill>
+          </a:ln>
+        </p:spPr>
+        <p:style>
+          <a:lnRef idx="0"/>
+          <a:fillRef idx="0"/>
+          <a:effectRef idx="0"/>
+          <a:fontRef idx="minor"/>
+        </p:style>
+        <p:txBody>
+          <a:bodyPr lIns="90000" rIns="90000" tIns="45000" bIns="45000" anchor="t">
+            <a:spAutoFit/>
+          </a:bodyPr>
+          <a:p>
+            <a:pPr>
+              <a:lnSpc>
+                <a:spcPct val="100000"/>
+              </a:lnSpc>
+              <a:tabLst>
+                <a:tab algn="l" pos="403560"/>
+                <a:tab algn="l" pos="699120"/>
+              </a:tabLst>
+            </a:pPr>
+            <a:r>
+              <a:rPr b="0" lang="pt-PT" sz="1000" spc="-1" strike="noStrike">
+                <a:solidFill>
+                  <a:srgbClr val="000000"/>
+                </a:solidFill>
+                <a:latin typeface="Times New Roman"/>
+                <a:ea typeface="DejaVu Sans"/>
+              </a:rPr>
+              <a:t>data += idx; // adjust pointer to the array to be ordered</a:t>
+            </a:r>
+            <a:endParaRPr b="0" lang="en-GB" sz="1000" spc="-1" strike="noStrike">
+              <a:latin typeface="Arial"/>
+            </a:endParaRPr>
+          </a:p>
+          <a:p>
+            <a:pPr>
+              <a:lnSpc>
+                <a:spcPct val="100000"/>
+              </a:lnSpc>
+              <a:tabLst>
+                <a:tab algn="l" pos="403560"/>
+                <a:tab algn="l" pos="699120"/>
+              </a:tabLst>
+            </a:pPr>
+            <a:endParaRPr b="0" lang="en-GB" sz="1000" spc="-1" strike="noStrike">
+              <a:latin typeface="Arial"/>
+            </a:endParaRPr>
+          </a:p>
+          <a:p>
+            <a:pPr>
+              <a:lnSpc>
+                <a:spcPct val="100000"/>
+              </a:lnSpc>
+              <a:tabLst>
+                <a:tab algn="l" pos="403560"/>
+                <a:tab algn="l" pos="699120"/>
+              </a:tabLst>
+            </a:pPr>
+            <a:r>
+              <a:rPr b="0" lang="pt-PT" sz="1000" spc="-1" strike="noStrike">
+                <a:solidFill>
+                  <a:srgbClr val="000000"/>
+                </a:solidFill>
+                <a:latin typeface="Times New Roman"/>
+                <a:ea typeface="DejaVu Sans"/>
+              </a:rPr>
+              <a:t>for (i = 0; i &lt; length - 1; i++)</a:t>
+            </a:r>
+            <a:endParaRPr b="0" lang="en-GB" sz="1000" spc="-1" strike="noStrike">
+              <a:latin typeface="Arial"/>
+            </a:endParaRPr>
+          </a:p>
+          <a:p>
+            <a:pPr>
+              <a:lnSpc>
+                <a:spcPct val="100000"/>
+              </a:lnSpc>
+              <a:tabLst>
+                <a:tab algn="l" pos="403560"/>
+                <a:tab algn="l" pos="699120"/>
+              </a:tabLst>
+            </a:pPr>
+            <a:r>
+              <a:rPr b="0" lang="pt-PT" sz="1000" spc="-1" strike="noStrike">
+                <a:solidFill>
+                  <a:srgbClr val="000000"/>
+                </a:solidFill>
+                <a:latin typeface="Times New Roman"/>
+                <a:ea typeface="DejaVu Sans"/>
+              </a:rPr>
+              <a:t>	</a:t>
+            </a:r>
+            <a:r>
+              <a:rPr b="0" lang="pt-PT" sz="1000" spc="-1" strike="noStrike">
+                <a:solidFill>
+                  <a:srgbClr val="000000"/>
+                </a:solidFill>
+                <a:latin typeface="Times New Roman"/>
+                <a:ea typeface="DejaVu Sans"/>
+              </a:rPr>
+              <a:t>{ noSwap = true;</a:t>
+            </a:r>
+            <a:endParaRPr b="0" lang="en-GB" sz="1000" spc="-1" strike="noStrike">
+              <a:latin typeface="Arial"/>
+            </a:endParaRPr>
+          </a:p>
+          <a:p>
+            <a:pPr>
+              <a:lnSpc>
+                <a:spcPct val="100000"/>
+              </a:lnSpc>
+              <a:tabLst>
+                <a:tab algn="l" pos="403560"/>
+                <a:tab algn="l" pos="699120"/>
+              </a:tabLst>
+            </a:pPr>
+            <a:r>
+              <a:rPr b="0" lang="pt-PT" sz="1000" spc="-1" strike="noStrike">
+                <a:solidFill>
+                  <a:srgbClr val="000000"/>
+                </a:solidFill>
+                <a:latin typeface="Times New Roman"/>
+                <a:ea typeface="DejaVu Sans"/>
+              </a:rPr>
+              <a:t>	</a:t>
+            </a:r>
+            <a:r>
+              <a:rPr b="0" lang="pt-PT" sz="1000" spc="-1" strike="noStrike">
+                <a:solidFill>
+                  <a:srgbClr val="000000"/>
+                </a:solidFill>
+                <a:latin typeface="Times New Roman"/>
+                <a:ea typeface="DejaVu Sans"/>
+              </a:rPr>
+              <a:t>	</a:t>
+            </a:r>
+            <a:r>
+              <a:rPr b="0" lang="pt-PT" sz="1000" spc="-1" strike="noStrike">
+                <a:solidFill>
+                  <a:srgbClr val="000000"/>
+                </a:solidFill>
+                <a:latin typeface="Times New Roman"/>
+                <a:ea typeface="DejaVu Sans"/>
+              </a:rPr>
+              <a:t>for (j = length - 1; j &gt; i; j--)</a:t>
+            </a:r>
+            <a:endParaRPr b="0" lang="en-GB" sz="1000" spc="-1" strike="noStrike">
+              <a:latin typeface="Arial"/>
+            </a:endParaRPr>
+          </a:p>
+          <a:p>
+            <a:pPr>
+              <a:lnSpc>
+                <a:spcPct val="100000"/>
+              </a:lnSpc>
+              <a:tabLst>
+                <a:tab algn="l" pos="403560"/>
+                <a:tab algn="l" pos="699120"/>
+              </a:tabLst>
+            </a:pPr>
+            <a:r>
+              <a:rPr b="0" lang="pt-PT" sz="1000" spc="-1" strike="noStrike">
+                <a:solidFill>
+                  <a:srgbClr val="000000"/>
+                </a:solidFill>
+                <a:latin typeface="Times New Roman"/>
+                <a:ea typeface="DejaVu Sans"/>
+              </a:rPr>
+              <a:t>	</a:t>
+            </a:r>
+            <a:r>
+              <a:rPr b="0" lang="pt-PT" sz="1000" spc="-1" strike="noStrike">
+                <a:solidFill>
+                  <a:srgbClr val="000000"/>
+                </a:solidFill>
+                <a:latin typeface="Times New Roman"/>
+                <a:ea typeface="DejaVu Sans"/>
+              </a:rPr>
+              <a:t>	</a:t>
+            </a:r>
+            <a:r>
+              <a:rPr b="0" lang="pt-PT" sz="1000" spc="-1" strike="noStrike">
+                <a:solidFill>
+                  <a:srgbClr val="000000"/>
+                </a:solidFill>
+                <a:latin typeface="Times New Roman"/>
+                <a:ea typeface="DejaVu Sans"/>
+              </a:rPr>
+              <a:t>if (data[j*N_ARRAYS] &lt; data[(j-1)*N_ARRAYS])</a:t>
+            </a:r>
+            <a:endParaRPr b="0" lang="en-GB" sz="1000" spc="-1" strike="noStrike">
+              <a:latin typeface="Arial"/>
+            </a:endParaRPr>
+          </a:p>
+          <a:p>
+            <a:pPr>
+              <a:lnSpc>
+                <a:spcPct val="100000"/>
+              </a:lnSpc>
+              <a:tabLst>
+                <a:tab algn="l" pos="403560"/>
+                <a:tab algn="l" pos="699120"/>
+              </a:tabLst>
+            </a:pPr>
+            <a:r>
+              <a:rPr b="0" lang="pt-PT" sz="1000" spc="-1" strike="noStrike">
+                <a:solidFill>
+                  <a:srgbClr val="000000"/>
+                </a:solidFill>
+                <a:latin typeface="Times New Roman"/>
+                <a:ea typeface="DejaVu Sans"/>
+              </a:rPr>
+              <a:t>	</a:t>
+            </a:r>
+            <a:r>
+              <a:rPr b="0" lang="pt-PT" sz="1000" spc="-1" strike="noStrike">
+                <a:solidFill>
+                  <a:srgbClr val="000000"/>
+                </a:solidFill>
+                <a:latin typeface="Times New Roman"/>
+                <a:ea typeface="DejaVu Sans"/>
+              </a:rPr>
+              <a:t>	</a:t>
+            </a:r>
+            <a:r>
+              <a:rPr b="0" lang="pt-PT" sz="1000" spc="-1" strike="noStrike">
+                <a:solidFill>
+                  <a:srgbClr val="000000"/>
+                </a:solidFill>
+                <a:latin typeface="Times New Roman"/>
+                <a:ea typeface="DejaVu Sans"/>
+              </a:rPr>
+              <a:t>	</a:t>
+            </a:r>
+            <a:r>
+              <a:rPr b="0" lang="pt-PT" sz="1000" spc="-1" strike="noStrike">
+                <a:solidFill>
+                  <a:srgbClr val="000000"/>
+                </a:solidFill>
+                <a:latin typeface="Times New Roman"/>
+                <a:ea typeface="DejaVu Sans"/>
+              </a:rPr>
+              <a:t>{ tmp = data[j*N_ARRAYS];</a:t>
+            </a:r>
+            <a:endParaRPr b="0" lang="en-GB" sz="1000" spc="-1" strike="noStrike">
+              <a:latin typeface="Arial"/>
+            </a:endParaRPr>
+          </a:p>
+          <a:p>
+            <a:pPr>
+              <a:lnSpc>
+                <a:spcPct val="100000"/>
+              </a:lnSpc>
+              <a:tabLst>
+                <a:tab algn="l" pos="403560"/>
+                <a:tab algn="l" pos="699120"/>
+              </a:tabLst>
+            </a:pPr>
+            <a:r>
+              <a:rPr b="0" lang="pt-PT" sz="1000" spc="-1" strike="noStrike">
+                <a:solidFill>
+                  <a:srgbClr val="000000"/>
+                </a:solidFill>
+                <a:latin typeface="Times New Roman"/>
+                <a:ea typeface="DejaVu Sans"/>
+              </a:rPr>
+              <a:t>	</a:t>
+            </a:r>
+            <a:r>
+              <a:rPr b="0" lang="pt-PT" sz="1000" spc="-1" strike="noStrike">
+                <a:solidFill>
+                  <a:srgbClr val="000000"/>
+                </a:solidFill>
+                <a:latin typeface="Times New Roman"/>
+                <a:ea typeface="DejaVu Sans"/>
+              </a:rPr>
+              <a:t>	</a:t>
+            </a:r>
+            <a:r>
+              <a:rPr b="0" lang="pt-PT" sz="1000" spc="-1" strike="noStrike">
+                <a:solidFill>
+                  <a:srgbClr val="000000"/>
+                </a:solidFill>
+                <a:latin typeface="Times New Roman"/>
+                <a:ea typeface="DejaVu Sans"/>
+              </a:rPr>
+              <a:t>	</a:t>
+            </a:r>
+            <a:r>
+              <a:rPr b="0" lang="pt-PT" sz="1000" spc="-1" strike="noStrike">
+                <a:solidFill>
+                  <a:srgbClr val="000000"/>
+                </a:solidFill>
+                <a:latin typeface="Times New Roman"/>
+                <a:ea typeface="DejaVu Sans"/>
+              </a:rPr>
+              <a:t>data[j*N_ARRAYS] = data[(j-1)*N_ARRAYS];</a:t>
+            </a:r>
+            <a:endParaRPr b="0" lang="en-GB" sz="1000" spc="-1" strike="noStrike">
+              <a:latin typeface="Arial"/>
+            </a:endParaRPr>
+          </a:p>
+          <a:p>
+            <a:pPr>
+              <a:lnSpc>
+                <a:spcPct val="100000"/>
+              </a:lnSpc>
+              <a:tabLst>
+                <a:tab algn="l" pos="403560"/>
+                <a:tab algn="l" pos="699120"/>
+              </a:tabLst>
+            </a:pPr>
+            <a:r>
+              <a:rPr b="0" lang="pt-PT" sz="1000" spc="-1" strike="noStrike">
+                <a:solidFill>
+                  <a:srgbClr val="000000"/>
+                </a:solidFill>
+                <a:latin typeface="Times New Roman"/>
+                <a:ea typeface="DejaVu Sans"/>
+              </a:rPr>
+              <a:t>	</a:t>
+            </a:r>
+            <a:r>
+              <a:rPr b="0" lang="pt-PT" sz="1000" spc="-1" strike="noStrike">
+                <a:solidFill>
+                  <a:srgbClr val="000000"/>
+                </a:solidFill>
+                <a:latin typeface="Times New Roman"/>
+                <a:ea typeface="DejaVu Sans"/>
+              </a:rPr>
+              <a:t>	</a:t>
+            </a:r>
+            <a:r>
+              <a:rPr b="0" lang="pt-PT" sz="1000" spc="-1" strike="noStrike">
+                <a:solidFill>
+                  <a:srgbClr val="000000"/>
+                </a:solidFill>
+                <a:latin typeface="Times New Roman"/>
+                <a:ea typeface="DejaVu Sans"/>
+              </a:rPr>
+              <a:t>	</a:t>
+            </a:r>
+            <a:r>
+              <a:rPr b="0" lang="pt-PT" sz="1000" spc="-1" strike="noStrike">
+                <a:solidFill>
+                  <a:srgbClr val="000000"/>
+                </a:solidFill>
+                <a:latin typeface="Times New Roman"/>
+                <a:ea typeface="DejaVu Sans"/>
+              </a:rPr>
+              <a:t>data[(j-1)*N_ARRAYS] = tmp;</a:t>
+            </a:r>
+            <a:endParaRPr b="0" lang="en-GB" sz="1000" spc="-1" strike="noStrike">
+              <a:latin typeface="Arial"/>
+            </a:endParaRPr>
+          </a:p>
+          <a:p>
+            <a:pPr>
+              <a:lnSpc>
+                <a:spcPct val="100000"/>
+              </a:lnSpc>
+              <a:tabLst>
+                <a:tab algn="l" pos="403560"/>
+                <a:tab algn="l" pos="699120"/>
+              </a:tabLst>
+            </a:pPr>
+            <a:r>
+              <a:rPr b="0" lang="pt-PT" sz="1000" spc="-1" strike="noStrike">
+                <a:solidFill>
+                  <a:srgbClr val="000000"/>
+                </a:solidFill>
+                <a:latin typeface="Times New Roman"/>
+                <a:ea typeface="DejaVu Sans"/>
+              </a:rPr>
+              <a:t>	</a:t>
+            </a:r>
+            <a:r>
+              <a:rPr b="0" lang="pt-PT" sz="1000" spc="-1" strike="noStrike">
+                <a:solidFill>
+                  <a:srgbClr val="000000"/>
+                </a:solidFill>
+                <a:latin typeface="Times New Roman"/>
+                <a:ea typeface="DejaVu Sans"/>
+              </a:rPr>
+              <a:t>	</a:t>
+            </a:r>
+            <a:r>
+              <a:rPr b="0" lang="pt-PT" sz="1000" spc="-1" strike="noStrike">
+                <a:solidFill>
+                  <a:srgbClr val="000000"/>
+                </a:solidFill>
+                <a:latin typeface="Times New Roman"/>
+                <a:ea typeface="DejaVu Sans"/>
+              </a:rPr>
+              <a:t>	</a:t>
+            </a:r>
+            <a:r>
+              <a:rPr b="0" lang="pt-PT" sz="1000" spc="-1" strike="noStrike">
+                <a:solidFill>
+                  <a:srgbClr val="000000"/>
+                </a:solidFill>
+                <a:latin typeface="Times New Roman"/>
+                <a:ea typeface="DejaVu Sans"/>
+              </a:rPr>
+              <a:t>noSwap = false;</a:t>
+            </a:r>
+            <a:endParaRPr b="0" lang="en-GB" sz="1000" spc="-1" strike="noStrike">
+              <a:latin typeface="Arial"/>
+            </a:endParaRPr>
+          </a:p>
+          <a:p>
+            <a:pPr>
+              <a:lnSpc>
+                <a:spcPct val="100000"/>
+              </a:lnSpc>
+              <a:tabLst>
+                <a:tab algn="l" pos="403560"/>
+                <a:tab algn="l" pos="699120"/>
+              </a:tabLst>
+            </a:pPr>
+            <a:r>
+              <a:rPr b="0" lang="pt-PT" sz="1000" spc="-1" strike="noStrike">
+                <a:solidFill>
+                  <a:srgbClr val="000000"/>
+                </a:solidFill>
+                <a:latin typeface="Times New Roman"/>
+                <a:ea typeface="DejaVu Sans"/>
+              </a:rPr>
+              <a:t>	</a:t>
+            </a:r>
+            <a:r>
+              <a:rPr b="0" lang="pt-PT" sz="1000" spc="-1" strike="noStrike">
+                <a:solidFill>
+                  <a:srgbClr val="000000"/>
+                </a:solidFill>
+                <a:latin typeface="Times New Roman"/>
+                <a:ea typeface="DejaVu Sans"/>
+              </a:rPr>
+              <a:t>	</a:t>
+            </a:r>
+            <a:r>
+              <a:rPr b="0" lang="pt-PT" sz="1000" spc="-1" strike="noStrike">
+                <a:solidFill>
+                  <a:srgbClr val="000000"/>
+                </a:solidFill>
+                <a:latin typeface="Times New Roman"/>
+                <a:ea typeface="DejaVu Sans"/>
+              </a:rPr>
+              <a:t>	</a:t>
+            </a:r>
+            <a:r>
+              <a:rPr b="0" lang="pt-PT" sz="1000" spc="-1" strike="noStrike">
+                <a:solidFill>
+                  <a:srgbClr val="000000"/>
+                </a:solidFill>
+                <a:latin typeface="Times New Roman"/>
+                <a:ea typeface="DejaVu Sans"/>
+              </a:rPr>
+              <a:t>}</a:t>
+            </a:r>
+            <a:endParaRPr b="0" lang="en-GB" sz="1000" spc="-1" strike="noStrike">
+              <a:latin typeface="Arial"/>
+            </a:endParaRPr>
+          </a:p>
+          <a:p>
+            <a:pPr>
+              <a:lnSpc>
+                <a:spcPct val="100000"/>
+              </a:lnSpc>
+              <a:tabLst>
+                <a:tab algn="l" pos="403560"/>
+                <a:tab algn="l" pos="699120"/>
+              </a:tabLst>
+            </a:pPr>
+            <a:r>
+              <a:rPr b="0" lang="pt-PT" sz="1000" spc="-1" strike="noStrike">
+                <a:solidFill>
+                  <a:srgbClr val="000000"/>
+                </a:solidFill>
+                <a:latin typeface="Times New Roman"/>
+                <a:ea typeface="DejaVu Sans"/>
+              </a:rPr>
+              <a:t>	</a:t>
+            </a:r>
+            <a:r>
+              <a:rPr b="0" lang="pt-PT" sz="1000" spc="-1" strike="noStrike">
+                <a:solidFill>
+                  <a:srgbClr val="000000"/>
+                </a:solidFill>
+                <a:latin typeface="Times New Roman"/>
+                <a:ea typeface="DejaVu Sans"/>
+              </a:rPr>
+              <a:t>	</a:t>
+            </a:r>
+            <a:r>
+              <a:rPr b="0" lang="pt-PT" sz="1000" spc="-1" strike="noStrike">
+                <a:solidFill>
+                  <a:srgbClr val="000000"/>
+                </a:solidFill>
+                <a:latin typeface="Times New Roman"/>
+                <a:ea typeface="DejaVu Sans"/>
+              </a:rPr>
+              <a:t>if (noSwap) break;</a:t>
+            </a:r>
+            <a:endParaRPr b="0" lang="en-GB" sz="1000" spc="-1" strike="noStrike">
+              <a:latin typeface="Arial"/>
+            </a:endParaRPr>
+          </a:p>
+          <a:p>
+            <a:pPr>
+              <a:lnSpc>
+                <a:spcPct val="100000"/>
+              </a:lnSpc>
+              <a:tabLst>
+                <a:tab algn="l" pos="403560"/>
+                <a:tab algn="l" pos="699120"/>
+              </a:tabLst>
+            </a:pPr>
+            <a:r>
+              <a:rPr b="0" lang="pt-PT" sz="1000" spc="-1" strike="noStrike">
+                <a:solidFill>
+                  <a:srgbClr val="000000"/>
+                </a:solidFill>
+                <a:latin typeface="Times New Roman"/>
+                <a:ea typeface="DejaVu Sans"/>
+              </a:rPr>
+              <a:t>	</a:t>
+            </a:r>
+            <a:r>
+              <a:rPr b="0" lang="pt-PT" sz="1000" spc="-1" strike="noStrike">
+                <a:solidFill>
+                  <a:srgbClr val="000000"/>
+                </a:solidFill>
+                <a:latin typeface="Times New Roman"/>
+                <a:ea typeface="DejaVu Sans"/>
+              </a:rPr>
+              <a:t>}</a:t>
+            </a:r>
+            <a:endParaRPr b="0" lang="en-GB" sz="1000" spc="-1" strike="noStrike">
+              <a:latin typeface="Arial"/>
+            </a:endParaRPr>
+          </a:p>
+        </p:txBody>
+      </p:sp>
+      <p:sp>
+        <p:nvSpPr>
+          <p:cNvPr id="110" name="CaixaDeTexto 1"/>
+          <p:cNvSpPr/>
+          <p:nvPr/>
+        </p:nvSpPr>
+        <p:spPr>
+          <a:xfrm>
+            <a:off x="4259880" y="2340000"/>
+            <a:ext cx="2040120" cy="303480"/>
+          </a:xfrm>
+          <a:prstGeom prst="rect">
+            <a:avLst/>
+          </a:prstGeom>
+          <a:noFill/>
+          <a:ln w="0">
+            <a:noFill/>
+          </a:ln>
+        </p:spPr>
+        <p:style>
+          <a:lnRef idx="0"/>
+          <a:fillRef idx="0"/>
+          <a:effectRef idx="0"/>
+          <a:fontRef idx="minor"/>
+        </p:style>
+        <p:txBody>
+          <a:bodyPr lIns="90000" rIns="90000" tIns="45000" bIns="45000" anchor="t">
+            <a:spAutoFit/>
+          </a:bodyPr>
+          <a:p>
+            <a:pPr>
+              <a:lnSpc>
+                <a:spcPct val="100000"/>
+              </a:lnSpc>
+            </a:pPr>
+            <a:r>
+              <a:rPr b="0" lang="pt-PT" sz="1400" spc="-1" strike="noStrike">
+                <a:solidFill>
+                  <a:srgbClr val="000000"/>
+                </a:solidFill>
+                <a:latin typeface="Calibri"/>
+                <a:ea typeface="DejaVu Sans"/>
+              </a:rPr>
+              <a:t>Column Sorting algorithm</a:t>
+            </a:r>
+            <a:endParaRPr b="0" lang="en-GB" sz="1400" spc="-1" strike="noStrike">
+              <a:latin typeface="Arial"/>
+            </a:endParaRPr>
+          </a:p>
+        </p:txBody>
+      </p:sp>
+      <p:sp>
+        <p:nvSpPr>
+          <p:cNvPr id="111" name=""/>
+          <p:cNvSpPr txBox="1"/>
+          <p:nvPr/>
+        </p:nvSpPr>
+        <p:spPr>
+          <a:xfrm>
+            <a:off x="360000" y="540000"/>
+            <a:ext cx="5040000" cy="1266480"/>
+          </a:xfrm>
+          <a:prstGeom prst="rect">
+            <a:avLst/>
+          </a:prstGeom>
+          <a:solidFill>
+            <a:srgbClr val="eeeeee"/>
+          </a:solidFill>
+          <a:ln w="6480">
+            <a:solidFill>
+              <a:srgbClr val="808080"/>
+            </a:solidFill>
+            <a:round/>
+          </a:ln>
+        </p:spPr>
+        <p:txBody>
+          <a:bodyPr lIns="93240" rIns="93240" tIns="48240" bIns="48240" anchor="t">
             <a:noAutofit/>
           </a:bodyPr>
           <a:p>
-            <a:pPr indent="0">
+            <a:r>
+              <a:rPr b="0" lang="en-GB" sz="1000" spc="-1" strike="noStrike">
+                <a:latin typeface="Times New Roman"/>
+              </a:rPr>
+              <a:t>#ifndef ARRAY_LENGTH</a:t>
+            </a:r>
+            <a:endParaRPr b="0" lang="en-GB" sz="1000" spc="-1" strike="noStrike">
+              <a:latin typeface="Times New Roman"/>
+            </a:endParaRPr>
+          </a:p>
+          <a:p>
+            <a:pPr>
               <a:lnSpc>
-                <a:spcPct val="90000"/>
+                <a:spcPct val="100000"/>
               </a:lnSpc>
-              <a:spcBef>
-                <a:spcPts val="1417"/>
-              </a:spcBef>
-              <a:buNone/>
-            </a:pPr>
-            <a:endParaRPr b="0" lang="pt-PT" sz="2800" spc="-1" strike="noStrike">
-              <a:solidFill>
-                <a:srgbClr val="000000"/>
-              </a:solidFill>
-              <a:latin typeface="Calibri"/>
+              <a:tabLst>
+                <a:tab algn="l" pos="2411640"/>
+              </a:tabLst>
+            </a:pPr>
+            <a:r>
+              <a:rPr b="0" lang="en-GB" sz="1000" spc="-1" strike="noStrike">
+                <a:latin typeface="Times New Roman"/>
+                <a:ea typeface="Bitstream Vera Sans"/>
+              </a:rPr>
+              <a:t># define ARRAY_LENGTH  (1 &lt;&lt; 10)</a:t>
+            </a:r>
+            <a:r>
+              <a:rPr b="0" lang="en-GB" sz="1000" spc="-1" strike="noStrike">
+                <a:latin typeface="Times New Roman"/>
+                <a:ea typeface="Bitstream Vera Sans"/>
+              </a:rPr>
+              <a:t>	</a:t>
+            </a:r>
+            <a:r>
+              <a:rPr b="0" lang="pt-PT" sz="1000" spc="-1" strike="noStrike">
+                <a:solidFill>
+                  <a:srgbClr val="000000"/>
+                </a:solidFill>
+                <a:latin typeface="Times New Roman"/>
+                <a:ea typeface="DejaVu Sans"/>
+              </a:rPr>
+              <a:t>//(2^10=1024)</a:t>
+            </a:r>
+            <a:endParaRPr b="0" lang="en-GB" sz="1000" spc="-1" strike="noStrike">
+              <a:latin typeface="Times New Roman"/>
+            </a:endParaRPr>
+          </a:p>
+          <a:p>
+            <a:r>
+              <a:rPr b="0" lang="en-GB" sz="1000" spc="-1" strike="noStrike">
+                <a:latin typeface="Times New Roman"/>
+              </a:rPr>
+              <a:t>#endif</a:t>
+            </a:r>
+            <a:endParaRPr b="0" lang="en-GB" sz="1000" spc="-1" strike="noStrike">
+              <a:latin typeface="Times New Roman"/>
+            </a:endParaRPr>
+          </a:p>
+          <a:p>
+            <a:r>
+              <a:rPr b="0" lang="en-GB" sz="1000" spc="-1" strike="noStrike">
+                <a:latin typeface="Times New Roman"/>
+              </a:rPr>
+              <a:t>#ifndef N_ARRAYS</a:t>
+            </a:r>
+            <a:endParaRPr b="0" lang="en-GB" sz="1000" spc="-1" strike="noStrike">
+              <a:latin typeface="Times New Roman"/>
+            </a:endParaRPr>
+          </a:p>
+          <a:p>
+            <a:pPr>
+              <a:lnSpc>
+                <a:spcPct val="100000"/>
+              </a:lnSpc>
+              <a:tabLst>
+                <a:tab algn="l" pos="2411640"/>
+              </a:tabLst>
+            </a:pPr>
+            <a:r>
+              <a:rPr b="0" lang="en-GB" sz="1000" spc="-1" strike="noStrike">
+                <a:latin typeface="Times New Roman"/>
+                <a:ea typeface="Bitstream Vera Sans"/>
+              </a:rPr>
+              <a:t># define N_ARRAYS  (1 &lt;&lt; 10)</a:t>
+            </a:r>
+            <a:r>
+              <a:rPr b="0" lang="en-GB" sz="1000" spc="-1" strike="noStrike">
+                <a:latin typeface="Times New Roman"/>
+                <a:ea typeface="Bitstream Vera Sans"/>
+              </a:rPr>
+              <a:t>	</a:t>
+            </a:r>
+            <a:r>
+              <a:rPr b="0" lang="pt-PT" sz="1000" spc="-1" strike="noStrike">
+                <a:solidFill>
+                  <a:srgbClr val="000000"/>
+                </a:solidFill>
+                <a:latin typeface="Times New Roman"/>
+                <a:ea typeface="DejaVu Sans"/>
+              </a:rPr>
+              <a:t>//(2^10=1024)</a:t>
+            </a:r>
+            <a:endParaRPr b="0" lang="en-GB" sz="1000" spc="-1" strike="noStrike">
+              <a:latin typeface="Times New Roman"/>
+            </a:endParaRPr>
+          </a:p>
+          <a:p>
+            <a:r>
+              <a:rPr b="0" lang="en-GB" sz="1000" spc="-1" strike="noStrike">
+                <a:latin typeface="Times New Roman"/>
+              </a:rPr>
+              <a:t>#endif</a:t>
+            </a:r>
+            <a:endParaRPr b="0" lang="en-GB" sz="1000" spc="-1" strike="noStrike">
+              <a:latin typeface="Times New Roman"/>
+            </a:endParaRPr>
+          </a:p>
+          <a:p>
+            <a:endParaRPr b="0" lang="en-GB" sz="1000" spc="-1" strike="noStrike">
+              <a:latin typeface="Times New Roman"/>
+            </a:endParaRPr>
+          </a:p>
+          <a:p>
+            <a:r>
+              <a:rPr b="0" lang="en-GB" sz="1000" spc="-1" strike="noStrike">
+                <a:latin typeface="Times New Roman"/>
+              </a:rPr>
+              <a:t>data_size = (size_t) N_ARRAYS * (size_t) ARRAY_LENGTH * sizeof (unsigned int);</a:t>
+            </a:r>
+            <a:endParaRPr b="0" lang="en-GB" sz="1000" spc="-1" strike="noStrike">
+              <a:latin typeface="Times New Roman"/>
+            </a:endParaRPr>
+          </a:p>
+        </p:txBody>
+      </p:sp>
+      <p:sp>
+        <p:nvSpPr>
+          <p:cNvPr id="112" name=""/>
+          <p:cNvSpPr txBox="1"/>
+          <p:nvPr/>
+        </p:nvSpPr>
+        <p:spPr>
+          <a:xfrm>
+            <a:off x="360000" y="1881000"/>
+            <a:ext cx="5401800" cy="431640"/>
+          </a:xfrm>
+          <a:prstGeom prst="rect">
+            <a:avLst/>
+          </a:prstGeom>
+          <a:solidFill>
+            <a:srgbClr val="ffffff"/>
+          </a:solidFill>
+          <a:ln w="0">
+            <a:solidFill>
+              <a:srgbClr val="000000"/>
+            </a:solidFill>
+          </a:ln>
+        </p:spPr>
+        <p:txBody>
+          <a:bodyPr lIns="90000" rIns="90000" tIns="45000" bIns="45000" anchor="t">
+            <a:noAutofit/>
+          </a:bodyPr>
+          <a:p>
+            <a:r>
+              <a:rPr b="0" lang="en-GB" sz="1200" spc="-1" strike="noStrike">
+                <a:latin typeface="Arial"/>
+              </a:rPr>
+              <a:t>Data_size = 2¹⁰ * 2¹⁰ * 2² bytes = 2²² bytes = 4 194 304 bytes &lt;=&gt;</a:t>
+            </a:r>
+            <a:endParaRPr b="0" lang="en-GB" sz="1200" spc="-1" strike="noStrike">
+              <a:latin typeface="Arial"/>
+            </a:endParaRPr>
+          </a:p>
+          <a:p>
+            <a:r>
+              <a:rPr b="0" lang="en-GB" sz="1200" spc="-1" strike="noStrike">
+                <a:latin typeface="Arial"/>
+              </a:rPr>
+              <a:t>	</a:t>
+            </a:r>
+            <a:r>
+              <a:rPr b="0" lang="en-GB" sz="1200" spc="-1" strike="noStrike">
+                <a:latin typeface="Arial"/>
+              </a:rPr>
+              <a:t>2²² * 2³ bits = 2²⁵ bits = 33 554 432 bits</a:t>
+            </a:r>
+            <a:endParaRPr b="0" lang="en-GB" sz="1200" spc="-1" strike="noStrike">
+              <a:latin typeface="Arial"/>
             </a:endParaRPr>
           </a:p>
         </p:txBody>
@@ -10130,16 +11204,277 @@
           <a:chExt cx="0" cy="0"/>
         </a:xfrm>
       </p:grpSpPr>
-      <p:sp>
-        <p:nvSpPr>
-          <p:cNvPr id="96" name="Retângulo 3"/>
+      <p:pic>
+        <p:nvPicPr>
+          <p:cNvPr id="113" name="" descr=""/>
+          <p:cNvPicPr/>
+          <p:nvPr/>
+        </p:nvPicPr>
+        <p:blipFill>
+          <a:blip r:embed="rId1"/>
+          <a:stretch/>
+        </p:blipFill>
+        <p:spPr>
+          <a:xfrm>
+            <a:off x="5218200" y="3778200"/>
+            <a:ext cx="4177800" cy="2651040"/>
+          </a:xfrm>
+          <a:prstGeom prst="rect">
+            <a:avLst/>
+          </a:prstGeom>
+          <a:ln w="0">
+            <a:noFill/>
+          </a:ln>
+        </p:spPr>
+      </p:pic>
+      <p:pic>
+        <p:nvPicPr>
+          <p:cNvPr id="114" name="" descr=""/>
+          <p:cNvPicPr/>
+          <p:nvPr/>
+        </p:nvPicPr>
+        <p:blipFill>
+          <a:blip r:embed="rId2"/>
+          <a:stretch/>
+        </p:blipFill>
+        <p:spPr>
+          <a:xfrm>
+            <a:off x="9118080" y="4138200"/>
+            <a:ext cx="2998800" cy="2031840"/>
+          </a:xfrm>
+          <a:prstGeom prst="rect">
+            <a:avLst/>
+          </a:prstGeom>
+          <a:ln w="0">
+            <a:noFill/>
+          </a:ln>
+        </p:spPr>
+      </p:pic>
+      <p:pic>
+        <p:nvPicPr>
+          <p:cNvPr id="115" name="" descr=""/>
+          <p:cNvPicPr/>
+          <p:nvPr/>
+        </p:nvPicPr>
+        <p:blipFill>
+          <a:blip r:embed="rId3"/>
+          <a:stretch/>
+        </p:blipFill>
+        <p:spPr>
+          <a:xfrm>
+            <a:off x="9118080" y="1978200"/>
+            <a:ext cx="2878920" cy="2159640"/>
+          </a:xfrm>
+          <a:prstGeom prst="rect">
+            <a:avLst/>
+          </a:prstGeom>
+          <a:ln w="0">
+            <a:noFill/>
+          </a:ln>
+        </p:spPr>
+      </p:pic>
+      <p:pic>
+        <p:nvPicPr>
+          <p:cNvPr id="116" name="" descr=""/>
+          <p:cNvPicPr/>
+          <p:nvPr/>
+        </p:nvPicPr>
+        <p:blipFill>
+          <a:blip r:embed="rId4"/>
+          <a:stretch/>
+        </p:blipFill>
+        <p:spPr>
+          <a:xfrm>
+            <a:off x="322560" y="3234240"/>
+            <a:ext cx="5075640" cy="3424680"/>
+          </a:xfrm>
+          <a:prstGeom prst="rect">
+            <a:avLst/>
+          </a:prstGeom>
+          <a:ln w="0">
+            <a:noFill/>
+          </a:ln>
+        </p:spPr>
+      </p:pic>
+      <p:grpSp>
+        <p:nvGrpSpPr>
+          <p:cNvPr id="117" name=""/>
+          <p:cNvGrpSpPr/>
+          <p:nvPr/>
+        </p:nvGrpSpPr>
+        <p:grpSpPr>
+          <a:xfrm>
+            <a:off x="8055360" y="6478920"/>
+            <a:ext cx="4002840" cy="441000"/>
+            <a:chOff x="8055360" y="6478920"/>
+            <a:chExt cx="4002840" cy="441000"/>
+          </a:xfrm>
+        </p:grpSpPr>
+        <p:sp>
+          <p:nvSpPr>
+            <p:cNvPr id="118" name=""/>
+            <p:cNvSpPr txBox="1"/>
+            <p:nvPr/>
+          </p:nvSpPr>
+          <p:spPr>
+            <a:xfrm>
+              <a:off x="8055360" y="6533640"/>
+              <a:ext cx="3600000" cy="386280"/>
+            </a:xfrm>
+            <a:prstGeom prst="rect">
+              <a:avLst/>
+            </a:prstGeom>
+            <a:noFill/>
+            <a:ln w="0">
+              <a:noFill/>
+            </a:ln>
+          </p:spPr>
+          <p:txBody>
+            <a:bodyPr lIns="90000" rIns="90000" tIns="45000" bIns="45000" anchor="t">
+              <a:noAutofit/>
+            </a:bodyPr>
+            <a:p>
+              <a:pPr>
+                <a:lnSpc>
+                  <a:spcPct val="100000"/>
+                </a:lnSpc>
+                <a:tabLst>
+                  <a:tab algn="ctr" pos="2743200"/>
+                  <a:tab algn="r" pos="5486400"/>
+                  <a:tab algn="r" pos="6229440"/>
+                </a:tabLst>
+              </a:pPr>
+              <a:r>
+                <a:rPr b="0" lang="en-GB" sz="800" spc="-1" strike="noStrike" cap="small">
+                  <a:solidFill>
+                    <a:srgbClr val="000000"/>
+                  </a:solidFill>
+                  <a:latin typeface="Arial"/>
+                  <a:ea typeface="Bitstream Vera Sans"/>
+                </a:rPr>
+                <a:t>DETI, Arquitecturas de Alto Desempenho, Janeiro 2022</a:t>
+              </a:r>
+              <a:endParaRPr b="0" lang="en-GB" sz="800" spc="-1" strike="noStrike" cap="small">
+                <a:solidFill>
+                  <a:srgbClr val="000000"/>
+                </a:solidFill>
+                <a:latin typeface="Arial"/>
+              </a:endParaRPr>
+            </a:p>
+          </p:txBody>
+        </p:sp>
+        <p:sp>
+          <p:nvSpPr>
+            <p:cNvPr id="119" name=""/>
+            <p:cNvSpPr txBox="1"/>
+            <p:nvPr/>
+          </p:nvSpPr>
+          <p:spPr>
+            <a:xfrm>
+              <a:off x="11522880" y="6478920"/>
+              <a:ext cx="535320" cy="313920"/>
+            </a:xfrm>
+            <a:prstGeom prst="rect">
+              <a:avLst/>
+            </a:prstGeom>
+            <a:noFill/>
+            <a:ln w="0">
+              <a:noFill/>
+            </a:ln>
+          </p:spPr>
+          <p:txBody>
+            <a:bodyPr lIns="90000" rIns="90000" tIns="45000" bIns="45000" anchor="t">
+              <a:noAutofit/>
+            </a:bodyPr>
+            <a:p>
+              <a:fld id="{49B20383-2D06-45D9-8745-79234EB4BD7B}" type="slidenum">
+                <a:rPr b="0" lang="en-GB" sz="1200" spc="-1" strike="noStrike">
+                  <a:latin typeface="Times New Roman"/>
+                </a:rPr>
+                <a:t>&lt;number&gt;</a:t>
+              </a:fld>
+              <a:r>
+                <a:rPr b="0" lang="en-GB" sz="1200" spc="-1" strike="noStrike">
+                  <a:latin typeface="Times New Roman"/>
+                </a:rPr>
+                <a:t>/</a:t>
+              </a:r>
+              <a:fld id="{94BF23BC-D832-4084-92AE-7DD6B7DE495F}" type="slidecount">
+                <a:rPr b="0" lang="en-GB" sz="1200" spc="-1" strike="noStrike">
+                  <a:latin typeface="Times New Roman"/>
+                </a:rPr>
+                <a:t>7</a:t>
+              </a:fld>
+              <a:endParaRPr b="0" lang="en-GB" sz="1200" spc="-1" strike="noStrike">
+                <a:latin typeface="Times New Roman"/>
+              </a:endParaRPr>
+            </a:p>
+          </p:txBody>
+        </p:sp>
+      </p:grpSp>
+      <p:pic>
+        <p:nvPicPr>
+          <p:cNvPr id="120" name="" descr=""/>
+          <p:cNvPicPr/>
+          <p:nvPr/>
+        </p:nvPicPr>
+        <p:blipFill>
+          <a:blip r:embed="rId5"/>
+          <a:stretch/>
+        </p:blipFill>
+        <p:spPr>
+          <a:xfrm>
+            <a:off x="538560" y="629640"/>
+            <a:ext cx="7670880" cy="2604600"/>
+          </a:xfrm>
+          <a:prstGeom prst="rect">
+            <a:avLst/>
+          </a:prstGeom>
+          <a:ln w="0">
+            <a:noFill/>
+          </a:ln>
+        </p:spPr>
+      </p:pic>
+    </p:spTree>
+  </p:cSld>
+  <mc:AlternateContent>
+    <mc:Choice Requires="p14">
+      <p:transition spd="slow" p14:dur="2000"/>
+    </mc:Choice>
+    <mc:Fallback>
+      <p:transition spd="slow"/>
+    </mc:Fallback>
+  </mc:AlternateContent>
+</p:sld>
+</file>
+
+<file path=ppt/slides/slide5.xml><?xml version="1.0" encoding="utf-8"?>
+<p:sld xmlns:a="http://schemas.openxmlformats.org/drawingml/2006/main" xmlns:p="http://schemas.openxmlformats.org/presentationml/2006/main" xmlns:r="http://schemas.openxmlformats.org/officeDocument/2006/relationships" xmlns:p14="http://schemas.microsoft.com/office/powerpoint/2010/main" xmlns:p15="http://schemas.microsoft.com/office/powerpoint/2012/main" xmlns:mc="http://schemas.openxmlformats.org/markup-compatibility/2006">
+  <p:cSld>
+    <p:spTree>
+      <p:nvGrpSpPr>
+        <p:cNvPr id="1" name=""/>
+        <p:cNvGrpSpPr/>
+        <p:nvPr/>
+      </p:nvGrpSpPr>
+      <p:grpSpPr>
+        <a:xfrm>
+          <a:off x="0" y="0"/>
+          <a:ext cx="0" cy="0"/>
+          <a:chOff x="0" y="0"/>
+          <a:chExt cx="0" cy="0"/>
+        </a:xfrm>
+      </p:grpSpPr>
+      <p:sp>
+        <p:nvSpPr>
+          <p:cNvPr id="121" name="Retângulo 3"/>
           <p:cNvSpPr/>
           <p:nvPr/>
         </p:nvSpPr>
         <p:spPr>
           <a:xfrm>
-            <a:off x="5580000" y="4118760"/>
-            <a:ext cx="6095520" cy="1461240"/>
+            <a:off x="5578560" y="4117320"/>
+            <a:ext cx="6095160" cy="1461960"/>
           </a:xfrm>
           <a:prstGeom prst="rect">
             <a:avLst/>
@@ -10171,6 +11506,7 @@
                   <a:srgbClr val="000000"/>
                 </a:solidFill>
                 <a:latin typeface="Calibri"/>
+                <a:ea typeface="DejaVu Sans"/>
               </a:rPr>
               <a:t>for (i = 0; i &lt; length - 1; i++)  { noSwap = true;    for (j = length - 1; j &gt; i; j--)      if (data[j*N_ARRAYS] &lt; data[(j-1)*N_ARRAYS])         { tmp = data[j*N_ARRAYS];           data[j*N_ARRAYS] = data[(j-1)*N_ARRAYS];           data[(j-1)*N_ARRAYS] = tmp;           noSwap = false;         }    if (noSwap) break;  }</a:t>
             </a:r>
@@ -10182,14 +11518,14 @@
       </p:sp>
       <p:sp>
         <p:nvSpPr>
-          <p:cNvPr id="97" name="Retângulo 4"/>
+          <p:cNvPr id="122" name="Retângulo 4"/>
           <p:cNvSpPr/>
           <p:nvPr/>
         </p:nvSpPr>
         <p:spPr>
           <a:xfrm>
-            <a:off x="162000" y="950040"/>
-            <a:ext cx="6095520" cy="2433240"/>
+            <a:off x="160560" y="948600"/>
+            <a:ext cx="6095160" cy="2433240"/>
           </a:xfrm>
           <a:prstGeom prst="rect">
             <a:avLst/>
@@ -10221,6 +11557,7 @@
                   <a:srgbClr val="000000"/>
                 </a:solidFill>
                 <a:latin typeface="Times New Roman"/>
+                <a:ea typeface="DejaVu Sans"/>
               </a:rPr>
               <a:t>unsigned int thid=treadIdx.x;</a:t>
             </a:r>
@@ -10240,6 +11577,7 @@
                   <a:srgbClr val="000000"/>
                 </a:solidFill>
                 <a:latin typeface="Times New Roman"/>
+                <a:ea typeface="DejaVu Sans"/>
               </a:rPr>
               <a:t>unsigned int i, tmp;</a:t>
             </a:r>
@@ -10259,6 +11597,7 @@
                   <a:srgbClr val="000000"/>
                 </a:solidFill>
                 <a:latin typeface="Times New Roman"/>
+                <a:ea typeface="DejaVu Sans"/>
               </a:rPr>
               <a:t>bool noSwap;</a:t>
             </a:r>
@@ -10288,6 +11627,7 @@
                   <a:srgbClr val="000000"/>
                 </a:solidFill>
                 <a:latin typeface="Times New Roman"/>
+                <a:ea typeface="DejaVu Sans"/>
               </a:rPr>
               <a:t>for (i = 0; i &lt; length - 1; i++)</a:t>
             </a:r>
@@ -10307,6 +11647,7 @@
                   <a:srgbClr val="000000"/>
                 </a:solidFill>
                 <a:latin typeface="Times New Roman"/>
+                <a:ea typeface="DejaVu Sans"/>
               </a:rPr>
               <a:t>	</a:t>
             </a:r>
@@ -10316,6 +11657,7 @@
                   <a:srgbClr val="000000"/>
                 </a:solidFill>
                 <a:latin typeface="Times New Roman"/>
+                <a:ea typeface="DejaVu Sans"/>
               </a:rPr>
               <a:t>{ noSwap = true;</a:t>
             </a:r>
@@ -10335,6 +11677,7 @@
                   <a:srgbClr val="000000"/>
                 </a:solidFill>
                 <a:latin typeface="Times New Roman"/>
+                <a:ea typeface="DejaVu Sans"/>
               </a:rPr>
               <a:t>	</a:t>
             </a:r>
@@ -10344,6 +11687,7 @@
                   <a:srgbClr val="000000"/>
                 </a:solidFill>
                 <a:latin typeface="Times New Roman"/>
+                <a:ea typeface="DejaVu Sans"/>
               </a:rPr>
               <a:t>	</a:t>
             </a:r>
@@ -10353,6 +11697,7 @@
                   <a:srgbClr val="000000"/>
                 </a:solidFill>
                 <a:latin typeface="Times New Roman"/>
+                <a:ea typeface="DejaVu Sans"/>
               </a:rPr>
               <a:t>for (j = length - 1; j &gt; i; j--)</a:t>
             </a:r>
@@ -10372,6 +11717,7 @@
                   <a:srgbClr val="000000"/>
                 </a:solidFill>
                 <a:latin typeface="Times New Roman"/>
+                <a:ea typeface="DejaVu Sans"/>
               </a:rPr>
               <a:t>	</a:t>
             </a:r>
@@ -10381,6 +11727,7 @@
                   <a:srgbClr val="000000"/>
                 </a:solidFill>
                 <a:latin typeface="Times New Roman"/>
+                <a:ea typeface="DejaVu Sans"/>
               </a:rPr>
               <a:t>	</a:t>
             </a:r>
@@ -10390,6 +11737,7 @@
                   <a:srgbClr val="000000"/>
                 </a:solidFill>
                 <a:latin typeface="Times New Roman"/>
+                <a:ea typeface="DejaVu Sans"/>
               </a:rPr>
               <a:t>if (data[j] &lt; data[j-1])</a:t>
             </a:r>
@@ -10409,6 +11757,7 @@
                   <a:srgbClr val="000000"/>
                 </a:solidFill>
                 <a:latin typeface="Times New Roman"/>
+                <a:ea typeface="DejaVu Sans"/>
               </a:rPr>
               <a:t>	</a:t>
             </a:r>
@@ -10418,6 +11767,7 @@
                   <a:srgbClr val="000000"/>
                 </a:solidFill>
                 <a:latin typeface="Times New Roman"/>
+                <a:ea typeface="DejaVu Sans"/>
               </a:rPr>
               <a:t>	</a:t>
             </a:r>
@@ -10427,6 +11777,7 @@
                   <a:srgbClr val="000000"/>
                 </a:solidFill>
                 <a:latin typeface="Times New Roman"/>
+                <a:ea typeface="DejaVu Sans"/>
               </a:rPr>
               <a:t>	</a:t>
             </a:r>
@@ -10436,6 +11787,7 @@
                   <a:srgbClr val="000000"/>
                 </a:solidFill>
                 <a:latin typeface="Times New Roman"/>
+                <a:ea typeface="DejaVu Sans"/>
               </a:rPr>
               <a:t>{ tmp = data[j];</a:t>
             </a:r>
@@ -10455,6 +11807,7 @@
                   <a:srgbClr val="000000"/>
                 </a:solidFill>
                 <a:latin typeface="Times New Roman"/>
+                <a:ea typeface="DejaVu Sans"/>
               </a:rPr>
               <a:t>	</a:t>
             </a:r>
@@ -10464,6 +11817,7 @@
                   <a:srgbClr val="000000"/>
                 </a:solidFill>
                 <a:latin typeface="Times New Roman"/>
+                <a:ea typeface="DejaVu Sans"/>
               </a:rPr>
               <a:t>	</a:t>
             </a:r>
@@ -10473,6 +11827,7 @@
                   <a:srgbClr val="000000"/>
                 </a:solidFill>
                 <a:latin typeface="Times New Roman"/>
+                <a:ea typeface="DejaVu Sans"/>
               </a:rPr>
               <a:t>	</a:t>
             </a:r>
@@ -10482,6 +11837,7 @@
                   <a:srgbClr val="000000"/>
                 </a:solidFill>
                 <a:latin typeface="Times New Roman"/>
+                <a:ea typeface="DejaVu Sans"/>
               </a:rPr>
               <a:t>data[j] = data[j-1];</a:t>
             </a:r>
@@ -10501,6 +11857,7 @@
                   <a:srgbClr val="000000"/>
                 </a:solidFill>
                 <a:latin typeface="Times New Roman"/>
+                <a:ea typeface="DejaVu Sans"/>
               </a:rPr>
               <a:t>	</a:t>
             </a:r>
@@ -10510,6 +11867,7 @@
                   <a:srgbClr val="000000"/>
                 </a:solidFill>
                 <a:latin typeface="Times New Roman"/>
+                <a:ea typeface="DejaVu Sans"/>
               </a:rPr>
               <a:t>	</a:t>
             </a:r>
@@ -10519,6 +11877,7 @@
                   <a:srgbClr val="000000"/>
                 </a:solidFill>
                 <a:latin typeface="Times New Roman"/>
+                <a:ea typeface="DejaVu Sans"/>
               </a:rPr>
               <a:t>	</a:t>
             </a:r>
@@ -10528,6 +11887,7 @@
                   <a:srgbClr val="000000"/>
                 </a:solidFill>
                 <a:latin typeface="Times New Roman"/>
+                <a:ea typeface="DejaVu Sans"/>
               </a:rPr>
               <a:t>data[j-1] = tmp;</a:t>
             </a:r>
@@ -10547,6 +11907,7 @@
                   <a:srgbClr val="000000"/>
                 </a:solidFill>
                 <a:latin typeface="Times New Roman"/>
+                <a:ea typeface="DejaVu Sans"/>
               </a:rPr>
               <a:t>	</a:t>
             </a:r>
@@ -10556,6 +11917,7 @@
                   <a:srgbClr val="000000"/>
                 </a:solidFill>
                 <a:latin typeface="Times New Roman"/>
+                <a:ea typeface="DejaVu Sans"/>
               </a:rPr>
               <a:t>	</a:t>
             </a:r>
@@ -10565,6 +11927,7 @@
                   <a:srgbClr val="000000"/>
                 </a:solidFill>
                 <a:latin typeface="Times New Roman"/>
+                <a:ea typeface="DejaVu Sans"/>
               </a:rPr>
               <a:t>	</a:t>
             </a:r>
@@ -10574,6 +11937,7 @@
                   <a:srgbClr val="000000"/>
                 </a:solidFill>
                 <a:latin typeface="Times New Roman"/>
+                <a:ea typeface="DejaVu Sans"/>
               </a:rPr>
               <a:t>noSwap = false;</a:t>
             </a:r>
@@ -10593,6 +11957,7 @@
                   <a:srgbClr val="000000"/>
                 </a:solidFill>
                 <a:latin typeface="Times New Roman"/>
+                <a:ea typeface="DejaVu Sans"/>
               </a:rPr>
               <a:t>	</a:t>
             </a:r>
@@ -10602,6 +11967,7 @@
                   <a:srgbClr val="000000"/>
                 </a:solidFill>
                 <a:latin typeface="Times New Roman"/>
+                <a:ea typeface="DejaVu Sans"/>
               </a:rPr>
               <a:t>	</a:t>
             </a:r>
@@ -10611,6 +11977,7 @@
                   <a:srgbClr val="000000"/>
                 </a:solidFill>
                 <a:latin typeface="Times New Roman"/>
+                <a:ea typeface="DejaVu Sans"/>
               </a:rPr>
               <a:t>	</a:t>
             </a:r>
@@ -10620,6 +11987,7 @@
                   <a:srgbClr val="000000"/>
                 </a:solidFill>
                 <a:latin typeface="Times New Roman"/>
+                <a:ea typeface="DejaVu Sans"/>
               </a:rPr>
               <a:t>}</a:t>
             </a:r>
@@ -10639,6 +12007,7 @@
                   <a:srgbClr val="000000"/>
                 </a:solidFill>
                 <a:latin typeface="Times New Roman"/>
+                <a:ea typeface="DejaVu Sans"/>
               </a:rPr>
               <a:t>	</a:t>
             </a:r>
@@ -10648,6 +12017,7 @@
                   <a:srgbClr val="000000"/>
                 </a:solidFill>
                 <a:latin typeface="Times New Roman"/>
+                <a:ea typeface="DejaVu Sans"/>
               </a:rPr>
               <a:t>	</a:t>
             </a:r>
@@ -10657,6 +12027,7 @@
                   <a:srgbClr val="000000"/>
                 </a:solidFill>
                 <a:latin typeface="Times New Roman"/>
+                <a:ea typeface="DejaVu Sans"/>
               </a:rPr>
               <a:t>if (noSwap) break;  }</a:t>
             </a:r>
@@ -10666,6 +12037,414 @@
           </a:p>
         </p:txBody>
       </p:sp>
+      <p:grpSp>
+        <p:nvGrpSpPr>
+          <p:cNvPr id="123" name=""/>
+          <p:cNvGrpSpPr/>
+          <p:nvPr/>
+        </p:nvGrpSpPr>
+        <p:grpSpPr>
+          <a:xfrm>
+            <a:off x="8055360" y="6478920"/>
+            <a:ext cx="4002840" cy="441000"/>
+            <a:chOff x="8055360" y="6478920"/>
+            <a:chExt cx="4002840" cy="441000"/>
+          </a:xfrm>
+        </p:grpSpPr>
+        <p:sp>
+          <p:nvSpPr>
+            <p:cNvPr id="124" name=""/>
+            <p:cNvSpPr txBox="1"/>
+            <p:nvPr/>
+          </p:nvSpPr>
+          <p:spPr>
+            <a:xfrm>
+              <a:off x="8055360" y="6533640"/>
+              <a:ext cx="3600000" cy="386280"/>
+            </a:xfrm>
+            <a:prstGeom prst="rect">
+              <a:avLst/>
+            </a:prstGeom>
+            <a:noFill/>
+            <a:ln w="0">
+              <a:noFill/>
+            </a:ln>
+          </p:spPr>
+          <p:txBody>
+            <a:bodyPr lIns="90000" rIns="90000" tIns="45000" bIns="45000" anchor="t">
+              <a:noAutofit/>
+            </a:bodyPr>
+            <a:p>
+              <a:pPr>
+                <a:lnSpc>
+                  <a:spcPct val="100000"/>
+                </a:lnSpc>
+                <a:tabLst>
+                  <a:tab algn="ctr" pos="2743200"/>
+                  <a:tab algn="r" pos="5486400"/>
+                  <a:tab algn="r" pos="6229440"/>
+                </a:tabLst>
+              </a:pPr>
+              <a:r>
+                <a:rPr b="0" lang="en-GB" sz="800" spc="-1" strike="noStrike" cap="small">
+                  <a:solidFill>
+                    <a:srgbClr val="000000"/>
+                  </a:solidFill>
+                  <a:latin typeface="Arial"/>
+                  <a:ea typeface="Bitstream Vera Sans"/>
+                </a:rPr>
+                <a:t>DETI, Arquitecturas de Alto Desempenho, Janeiro 2022</a:t>
+              </a:r>
+              <a:endParaRPr b="0" lang="en-GB" sz="800" spc="-1" strike="noStrike" cap="small">
+                <a:solidFill>
+                  <a:srgbClr val="000000"/>
+                </a:solidFill>
+                <a:latin typeface="Arial"/>
+              </a:endParaRPr>
+            </a:p>
+          </p:txBody>
+        </p:sp>
+        <p:sp>
+          <p:nvSpPr>
+            <p:cNvPr id="125" name=""/>
+            <p:cNvSpPr txBox="1"/>
+            <p:nvPr/>
+          </p:nvSpPr>
+          <p:spPr>
+            <a:xfrm>
+              <a:off x="11522880" y="6478920"/>
+              <a:ext cx="535320" cy="313920"/>
+            </a:xfrm>
+            <a:prstGeom prst="rect">
+              <a:avLst/>
+            </a:prstGeom>
+            <a:noFill/>
+            <a:ln w="0">
+              <a:noFill/>
+            </a:ln>
+          </p:spPr>
+          <p:txBody>
+            <a:bodyPr lIns="90000" rIns="90000" tIns="45000" bIns="45000" anchor="t">
+              <a:noAutofit/>
+            </a:bodyPr>
+            <a:p>
+              <a:fld id="{B13C7FB5-B82E-4B89-B6FD-25B2E0C983D0}" type="slidenum">
+                <a:rPr b="0" lang="en-GB" sz="1200" spc="-1" strike="noStrike">
+                  <a:latin typeface="Times New Roman"/>
+                </a:rPr>
+                <a:t>&lt;number&gt;</a:t>
+              </a:fld>
+              <a:r>
+                <a:rPr b="0" lang="en-GB" sz="1200" spc="-1" strike="noStrike">
+                  <a:latin typeface="Times New Roman"/>
+                </a:rPr>
+                <a:t>/</a:t>
+              </a:r>
+              <a:fld id="{9E361C03-45D1-431B-BE2F-43A81EF52E60}" type="slidecount">
+                <a:rPr b="0" lang="en-GB" sz="1200" spc="-1" strike="noStrike">
+                  <a:latin typeface="Times New Roman"/>
+                </a:rPr>
+                <a:t>7</a:t>
+              </a:fld>
+              <a:endParaRPr b="0" lang="en-GB" sz="1200" spc="-1" strike="noStrike">
+                <a:latin typeface="Times New Roman"/>
+              </a:endParaRPr>
+            </a:p>
+          </p:txBody>
+        </p:sp>
+      </p:grpSp>
+    </p:spTree>
+  </p:cSld>
+  <mc:AlternateContent>
+    <mc:Choice Requires="p14">
+      <p:transition spd="slow" p14:dur="2000"/>
+    </mc:Choice>
+    <mc:Fallback>
+      <p:transition spd="slow"/>
+    </mc:Fallback>
+  </mc:AlternateContent>
+</p:sld>
+</file>
+
+<file path=ppt/slides/slide6.xml><?xml version="1.0" encoding="utf-8"?>
+<p:sld xmlns:a="http://schemas.openxmlformats.org/drawingml/2006/main" xmlns:p="http://schemas.openxmlformats.org/presentationml/2006/main" xmlns:r="http://schemas.openxmlformats.org/officeDocument/2006/relationships" xmlns:p14="http://schemas.microsoft.com/office/powerpoint/2010/main" xmlns:p15="http://schemas.microsoft.com/office/powerpoint/2012/main" xmlns:mc="http://schemas.openxmlformats.org/markup-compatibility/2006">
+  <p:cSld>
+    <p:spTree>
+      <p:nvGrpSpPr>
+        <p:cNvPr id="1" name=""/>
+        <p:cNvGrpSpPr/>
+        <p:nvPr/>
+      </p:nvGrpSpPr>
+      <p:grpSpPr>
+        <a:xfrm>
+          <a:off x="0" y="0"/>
+          <a:ext cx="0" cy="0"/>
+          <a:chOff x="0" y="0"/>
+          <a:chExt cx="0" cy="0"/>
+        </a:xfrm>
+      </p:grpSpPr>
+      <p:grpSp>
+        <p:nvGrpSpPr>
+          <p:cNvPr id="126" name=""/>
+          <p:cNvGrpSpPr/>
+          <p:nvPr/>
+        </p:nvGrpSpPr>
+        <p:grpSpPr>
+          <a:xfrm>
+            <a:off x="8055360" y="6478920"/>
+            <a:ext cx="4002840" cy="441000"/>
+            <a:chOff x="8055360" y="6478920"/>
+            <a:chExt cx="4002840" cy="441000"/>
+          </a:xfrm>
+        </p:grpSpPr>
+        <p:sp>
+          <p:nvSpPr>
+            <p:cNvPr id="127" name=""/>
+            <p:cNvSpPr txBox="1"/>
+            <p:nvPr/>
+          </p:nvSpPr>
+          <p:spPr>
+            <a:xfrm>
+              <a:off x="8055360" y="6533640"/>
+              <a:ext cx="3600000" cy="386280"/>
+            </a:xfrm>
+            <a:prstGeom prst="rect">
+              <a:avLst/>
+            </a:prstGeom>
+            <a:noFill/>
+            <a:ln w="0">
+              <a:noFill/>
+            </a:ln>
+          </p:spPr>
+          <p:txBody>
+            <a:bodyPr lIns="90000" rIns="90000" tIns="45000" bIns="45000" anchor="t">
+              <a:noAutofit/>
+            </a:bodyPr>
+            <a:p>
+              <a:pPr>
+                <a:lnSpc>
+                  <a:spcPct val="100000"/>
+                </a:lnSpc>
+                <a:tabLst>
+                  <a:tab algn="ctr" pos="2743200"/>
+                  <a:tab algn="r" pos="5486400"/>
+                  <a:tab algn="r" pos="6229440"/>
+                </a:tabLst>
+              </a:pPr>
+              <a:r>
+                <a:rPr b="0" lang="en-GB" sz="800" spc="-1" strike="noStrike" cap="small">
+                  <a:solidFill>
+                    <a:srgbClr val="000000"/>
+                  </a:solidFill>
+                  <a:latin typeface="Arial"/>
+                  <a:ea typeface="Bitstream Vera Sans"/>
+                </a:rPr>
+                <a:t>DETI, Arquitecturas de Alto Desempenho, Janeiro 2022</a:t>
+              </a:r>
+              <a:endParaRPr b="0" lang="en-GB" sz="800" spc="-1" strike="noStrike" cap="small">
+                <a:solidFill>
+                  <a:srgbClr val="000000"/>
+                </a:solidFill>
+                <a:latin typeface="Arial"/>
+              </a:endParaRPr>
+            </a:p>
+          </p:txBody>
+        </p:sp>
+        <p:sp>
+          <p:nvSpPr>
+            <p:cNvPr id="128" name=""/>
+            <p:cNvSpPr txBox="1"/>
+            <p:nvPr/>
+          </p:nvSpPr>
+          <p:spPr>
+            <a:xfrm>
+              <a:off x="11522880" y="6478920"/>
+              <a:ext cx="535320" cy="313920"/>
+            </a:xfrm>
+            <a:prstGeom prst="rect">
+              <a:avLst/>
+            </a:prstGeom>
+            <a:noFill/>
+            <a:ln w="0">
+              <a:noFill/>
+            </a:ln>
+          </p:spPr>
+          <p:txBody>
+            <a:bodyPr lIns="90000" rIns="90000" tIns="45000" bIns="45000" anchor="t">
+              <a:noAutofit/>
+            </a:bodyPr>
+            <a:p>
+              <a:fld id="{3DEC562B-7F79-46AE-9DC9-1F2FFB7A48BD}" type="slidenum">
+                <a:rPr b="0" lang="en-GB" sz="1200" spc="-1" strike="noStrike">
+                  <a:latin typeface="Times New Roman"/>
+                </a:rPr>
+                <a:t>&lt;number&gt;</a:t>
+              </a:fld>
+              <a:r>
+                <a:rPr b="0" lang="en-GB" sz="1200" spc="-1" strike="noStrike">
+                  <a:latin typeface="Times New Roman"/>
+                </a:rPr>
+                <a:t>/</a:t>
+              </a:r>
+              <a:fld id="{5A5DC6CA-5724-4EF4-85CB-30A7CFC57698}" type="slidecount">
+                <a:rPr b="0" lang="en-GB" sz="1200" spc="-1" strike="noStrike">
+                  <a:latin typeface="Times New Roman"/>
+                </a:rPr>
+                <a:t>7</a:t>
+              </a:fld>
+              <a:endParaRPr b="0" lang="en-GB" sz="1200" spc="-1" strike="noStrike">
+                <a:latin typeface="Times New Roman"/>
+              </a:endParaRPr>
+            </a:p>
+          </p:txBody>
+        </p:sp>
+      </p:grpSp>
+    </p:spTree>
+  </p:cSld>
+  <mc:AlternateContent>
+    <mc:Choice Requires="p14">
+      <p:transition spd="slow" p14:dur="2000"/>
+    </mc:Choice>
+    <mc:Fallback>
+      <p:transition spd="slow"/>
+    </mc:Fallback>
+  </mc:AlternateContent>
+</p:sld>
+</file>
+
+<file path=ppt/slides/slide7.xml><?xml version="1.0" encoding="utf-8"?>
+<p:sld xmlns:a="http://schemas.openxmlformats.org/drawingml/2006/main" xmlns:p="http://schemas.openxmlformats.org/presentationml/2006/main" xmlns:r="http://schemas.openxmlformats.org/officeDocument/2006/relationships" xmlns:p14="http://schemas.microsoft.com/office/powerpoint/2010/main" xmlns:p15="http://schemas.microsoft.com/office/powerpoint/2012/main" xmlns:mc="http://schemas.openxmlformats.org/markup-compatibility/2006">
+  <p:cSld>
+    <p:spTree>
+      <p:nvGrpSpPr>
+        <p:cNvPr id="1" name=""/>
+        <p:cNvGrpSpPr/>
+        <p:nvPr/>
+      </p:nvGrpSpPr>
+      <p:grpSpPr>
+        <a:xfrm>
+          <a:off x="0" y="0"/>
+          <a:ext cx="0" cy="0"/>
+          <a:chOff x="0" y="0"/>
+          <a:chExt cx="0" cy="0"/>
+        </a:xfrm>
+      </p:grpSpPr>
+      <p:grpSp>
+        <p:nvGrpSpPr>
+          <p:cNvPr id="129" name=""/>
+          <p:cNvGrpSpPr/>
+          <p:nvPr/>
+        </p:nvGrpSpPr>
+        <p:grpSpPr>
+          <a:xfrm>
+            <a:off x="8055360" y="6478920"/>
+            <a:ext cx="4002840" cy="441000"/>
+            <a:chOff x="8055360" y="6478920"/>
+            <a:chExt cx="4002840" cy="441000"/>
+          </a:xfrm>
+        </p:grpSpPr>
+        <p:sp>
+          <p:nvSpPr>
+            <p:cNvPr id="130" name=""/>
+            <p:cNvSpPr txBox="1"/>
+            <p:nvPr/>
+          </p:nvSpPr>
+          <p:spPr>
+            <a:xfrm>
+              <a:off x="8055360" y="6533640"/>
+              <a:ext cx="3600000" cy="386280"/>
+            </a:xfrm>
+            <a:prstGeom prst="rect">
+              <a:avLst/>
+            </a:prstGeom>
+            <a:noFill/>
+            <a:ln w="0">
+              <a:noFill/>
+            </a:ln>
+          </p:spPr>
+          <p:txBody>
+            <a:bodyPr lIns="90000" rIns="90000" tIns="45000" bIns="45000" anchor="t">
+              <a:noAutofit/>
+            </a:bodyPr>
+            <a:p>
+              <a:pPr>
+                <a:lnSpc>
+                  <a:spcPct val="100000"/>
+                </a:lnSpc>
+                <a:tabLst>
+                  <a:tab algn="ctr" pos="2743200"/>
+                  <a:tab algn="r" pos="5486400"/>
+                  <a:tab algn="r" pos="6229440"/>
+                </a:tabLst>
+              </a:pPr>
+              <a:r>
+                <a:rPr b="0" lang="en-GB" sz="800" spc="-1" strike="noStrike" cap="small">
+                  <a:solidFill>
+                    <a:srgbClr val="000000"/>
+                  </a:solidFill>
+                  <a:latin typeface="Arial"/>
+                  <a:ea typeface="Bitstream Vera Sans"/>
+                </a:rPr>
+                <a:t>DETI, Arquitecturas de Alto Desempenho, Janeiro 2022</a:t>
+              </a:r>
+              <a:endParaRPr b="0" lang="en-GB" sz="800" spc="-1" strike="noStrike" cap="small">
+                <a:solidFill>
+                  <a:srgbClr val="000000"/>
+                </a:solidFill>
+                <a:latin typeface="Arial"/>
+              </a:endParaRPr>
+            </a:p>
+          </p:txBody>
+        </p:sp>
+        <p:sp>
+          <p:nvSpPr>
+            <p:cNvPr id="131" name=""/>
+            <p:cNvSpPr txBox="1"/>
+            <p:nvPr/>
+          </p:nvSpPr>
+          <p:spPr>
+            <a:xfrm>
+              <a:off x="11522880" y="6478920"/>
+              <a:ext cx="535320" cy="313920"/>
+            </a:xfrm>
+            <a:prstGeom prst="rect">
+              <a:avLst/>
+            </a:prstGeom>
+            <a:noFill/>
+            <a:ln w="0">
+              <a:noFill/>
+            </a:ln>
+          </p:spPr>
+          <p:txBody>
+            <a:bodyPr lIns="90000" rIns="90000" tIns="45000" bIns="45000" anchor="t">
+              <a:noAutofit/>
+            </a:bodyPr>
+            <a:p>
+              <a:fld id="{923535BA-2824-4226-89E9-C57E568F6F70}" type="slidenum">
+                <a:rPr b="0" lang="en-GB" sz="1200" spc="-1" strike="noStrike">
+                  <a:latin typeface="Times New Roman"/>
+                </a:rPr>
+                <a:t>&lt;number&gt;</a:t>
+              </a:fld>
+              <a:r>
+                <a:rPr b="0" lang="en-GB" sz="1200" spc="-1" strike="noStrike">
+                  <a:latin typeface="Times New Roman"/>
+                </a:rPr>
+                <a:t>/</a:t>
+              </a:r>
+              <a:fld id="{E8E659DC-07C7-41E3-A3F7-12645BD677A0}" type="slidecount">
+                <a:rPr b="0" lang="en-GB" sz="1200" spc="-1" strike="noStrike">
+                  <a:latin typeface="Times New Roman"/>
+                </a:rPr>
+                <a:t>7</a:t>
+              </a:fld>
+              <a:endParaRPr b="0" lang="en-GB" sz="1200" spc="-1" strike="noStrike">
+                <a:latin typeface="Times New Roman"/>
+              </a:endParaRPr>
+            </a:p>
+          </p:txBody>
+        </p:sp>
+      </p:grpSp>
     </p:spTree>
   </p:cSld>
   <mc:AlternateContent>

--- a/Assignment2/Apresentação1.pptx
+++ b/Assignment2/Apresentação1.pptx
@@ -114,6 +114,11 @@
       </a:defRPr>
     </a:lvl9pPr>
   </p:defaultTextStyle>
+  <p:extLst>
+    <p:ext uri="{EFAFB233-063F-42B5-8137-9DF3F51BA10A}">
+      <p15:sldGuideLst xmlns:p15="http://schemas.microsoft.com/office/powerpoint/2012/main"/>
+    </p:ext>
+  </p:extLst>
 </p:presentation>
 </file>
 
@@ -199,7 +204,7 @@
           <a:p>
             <a:fld id="{1EDEE178-F580-46EF-96D2-7E8DC6E16773}" type="datetimeFigureOut">
               <a:rPr lang="pt-PT" smtClean="0"/>
-              <a:t>29/12/2022</a:t>
+              <a:t>30/12/2022</a:t>
             </a:fld>
             <a:endParaRPr lang="pt-PT"/>
           </a:p>
@@ -7180,147 +7185,232 @@
           </a:p>
         </p:txBody>
       </p:sp>
-      <p:sp>
-        <p:nvSpPr>
-          <p:cNvPr id="89" name="CaixaDeTexto 88"/>
-          <p:cNvSpPr txBox="1"/>
-          <p:nvPr/>
-        </p:nvSpPr>
-        <p:spPr>
-          <a:xfrm>
-            <a:off x="3240000" y="3240000"/>
-            <a:ext cx="6120000" cy="602280"/>
-          </a:xfrm>
-          <a:prstGeom prst="rect">
-            <a:avLst/>
-          </a:prstGeom>
-          <a:noFill/>
-          <a:ln w="0">
-            <a:noFill/>
-          </a:ln>
-        </p:spPr>
-        <p:txBody>
-          <a:bodyPr lIns="90000" tIns="45000" rIns="90000" bIns="45000" anchor="t">
-            <a:noAutofit/>
-          </a:bodyPr>
-          <a:lstStyle/>
-          <a:p>
-            <a:pPr marL="1620000" indent="-1620000" algn="just"/>
-            <a:r>
-              <a:rPr lang="en-GB" sz="1800" b="0" strike="noStrike" spc="-1" dirty="0">
-                <a:latin typeface="Arial"/>
-              </a:rPr>
-              <a:t>Assignment 2 – Sorting Sequences of Values</a:t>
-            </a:r>
-          </a:p>
-          <a:p>
-            <a:pPr marL="1620000" indent="-1620000" algn="just"/>
-            <a:r>
-              <a:rPr lang="en-GB" sz="1800" b="0" strike="noStrike" spc="-1" dirty="0">
-                <a:latin typeface="Arial"/>
-              </a:rPr>
-              <a:t>	GPU Threading and Memory Mapping</a:t>
-            </a:r>
-          </a:p>
-        </p:txBody>
-      </p:sp>
-      <p:sp>
-        <p:nvSpPr>
-          <p:cNvPr id="3" name="CaixaDeTexto 2">
+      <p:graphicFrame>
+        <p:nvGraphicFramePr>
+          <p:cNvPr id="2" name="Tabela 3">
             <a:extLst>
               <a:ext uri="{FF2B5EF4-FFF2-40B4-BE49-F238E27FC236}">
-                <a16:creationId xmlns:a16="http://schemas.microsoft.com/office/drawing/2014/main" id="{09BFDA0E-F4EA-10A4-A52E-4CB7E739A029}"/>
+                <a16:creationId xmlns:a16="http://schemas.microsoft.com/office/drawing/2014/main" id="{0BB60462-507C-934C-13F5-E97DA33CDEB8}"/>
               </a:ext>
             </a:extLst>
           </p:cNvPr>
-          <p:cNvSpPr txBox="1"/>
-          <p:nvPr/>
-        </p:nvSpPr>
-        <p:spPr>
-          <a:xfrm>
-            <a:off x="4429760" y="4945074"/>
-            <a:ext cx="6096000" cy="646331"/>
-          </a:xfrm>
-          <a:prstGeom prst="rect">
-            <a:avLst/>
-          </a:prstGeom>
-          <a:noFill/>
-        </p:spPr>
-        <p:txBody>
-          <a:bodyPr wrap="square">
-            <a:spAutoFit/>
-          </a:bodyPr>
-          <a:lstStyle/>
-          <a:p>
-            <a:pPr marL="1619250" marR="0" lvl="0" indent="-1619250" defTabSz="914400" rtl="0" eaLnBrk="1" fontAlgn="auto" latinLnBrk="0" hangingPunct="1">
-              <a:lnSpc>
-                <a:spcPct val="100000"/>
-              </a:lnSpc>
-              <a:spcBef>
-                <a:spcPts val="0"/>
-              </a:spcBef>
-              <a:spcAft>
-                <a:spcPts val="0"/>
-              </a:spcAft>
-              <a:buClrTx/>
-              <a:buSzTx/>
-              <a:buFontTx/>
-              <a:buNone/>
-              <a:tabLst/>
-              <a:defRPr/>
-            </a:pPr>
-            <a:r>
-              <a:rPr kumimoji="0" lang="en-GB" sz="1800" b="0" i="0" u="none" strike="noStrike" kern="1200" cap="none" spc="-1" normalizeH="0" baseline="0" noProof="0" dirty="0">
-                <a:ln>
-                  <a:noFill/>
-                </a:ln>
-                <a:solidFill>
-                  <a:srgbClr val="000000"/>
-                </a:solidFill>
-                <a:effectLst/>
-                <a:uLnTx/>
-                <a:uFillTx/>
-                <a:latin typeface="Arial"/>
-              </a:rPr>
-              <a:t>Sorting Sequences of Values</a:t>
-            </a:r>
-          </a:p>
-          <a:p>
-            <a:pPr marL="1619250" marR="0" lvl="0" indent="-1619250" defTabSz="914400" rtl="0" eaLnBrk="1" fontAlgn="auto" latinLnBrk="0" hangingPunct="1">
-              <a:lnSpc>
-                <a:spcPct val="100000"/>
-              </a:lnSpc>
-              <a:spcBef>
-                <a:spcPts val="0"/>
-              </a:spcBef>
-              <a:spcAft>
-                <a:spcPts val="0"/>
-              </a:spcAft>
-              <a:buClrTx/>
-              <a:buSzTx/>
-              <a:buFontTx/>
-              <a:buNone/>
-              <a:tabLst/>
-              <a:defRPr/>
-            </a:pPr>
-            <a:r>
-              <a:rPr kumimoji="0" lang="en-GB" sz="1800" b="0" i="0" u="none" strike="noStrike" kern="1200" cap="none" spc="-1" normalizeH="0" baseline="0" noProof="0" dirty="0">
-                <a:ln>
-                  <a:noFill/>
-                </a:ln>
-                <a:solidFill>
-                  <a:srgbClr val="000000"/>
-                </a:solidFill>
-                <a:effectLst/>
-                <a:uLnTx/>
-                <a:uFillTx/>
-                <a:latin typeface="Arial"/>
-              </a:rPr>
-              <a:t>GPU Threading and Memory Mapping</a:t>
-            </a:r>
-          </a:p>
-        </p:txBody>
-      </p:sp>
+          <p:cNvGraphicFramePr>
+            <a:graphicFrameLocks noGrp="1"/>
+          </p:cNvGraphicFramePr>
+          <p:nvPr>
+            <p:extLst>
+              <p:ext uri="{D42A27DB-BD31-4B8C-83A1-F6EECF244321}">
+                <p14:modId xmlns:p14="http://schemas.microsoft.com/office/powerpoint/2010/main" val="3416542422"/>
+              </p:ext>
+            </p:extLst>
+          </p:nvPr>
+        </p:nvGraphicFramePr>
+        <p:xfrm>
+          <a:off x="3430829" y="3282040"/>
+          <a:ext cx="5883402" cy="741680"/>
+        </p:xfrm>
+        <a:graphic>
+          <a:graphicData uri="http://schemas.openxmlformats.org/drawingml/2006/table">
+            <a:tbl>
+              <a:tblPr firstRow="1" bandRow="1">
+                <a:tableStyleId>{5C22544A-7EE6-4342-B048-85BDC9FD1C3A}</a:tableStyleId>
+              </a:tblPr>
+              <a:tblGrid>
+                <a:gridCol w="1819402">
+                  <a:extLst>
+                    <a:ext uri="{9D8B030D-6E8A-4147-A177-3AD203B41FA5}">
+                      <a16:colId xmlns:a16="http://schemas.microsoft.com/office/drawing/2014/main" val="1289588358"/>
+                    </a:ext>
+                  </a:extLst>
+                </a:gridCol>
+                <a:gridCol w="4064000">
+                  <a:extLst>
+                    <a:ext uri="{9D8B030D-6E8A-4147-A177-3AD203B41FA5}">
+                      <a16:colId xmlns:a16="http://schemas.microsoft.com/office/drawing/2014/main" val="4065222858"/>
+                    </a:ext>
+                  </a:extLst>
+                </a:gridCol>
+              </a:tblGrid>
+              <a:tr h="370840">
+                <a:tc rowSpan="2">
+                  <a:txBody>
+                    <a:bodyPr/>
+                    <a:lstStyle/>
+                    <a:p>
+                      <a:r>
+                        <a:rPr kumimoji="0" lang="en-GB" sz="1800" b="0" i="0" u="none" strike="noStrike" kern="1200" cap="none" spc="-1" normalizeH="0" baseline="0" noProof="0" dirty="0">
+                          <a:ln>
+                            <a:noFill/>
+                          </a:ln>
+                          <a:solidFill>
+                            <a:srgbClr val="000000"/>
+                          </a:solidFill>
+                          <a:effectLst/>
+                          <a:uLnTx/>
+                          <a:uFillTx/>
+                          <a:latin typeface="+mn-lt"/>
+                        </a:rPr>
+                        <a:t>Assignment 2 –</a:t>
+                      </a:r>
+                      <a:endParaRPr lang="pt-PT" dirty="0"/>
+                    </a:p>
+                  </a:txBody>
+                  <a:tcPr anchor="ctr">
+                    <a:lnR w="12700" cap="flat" cmpd="sng" algn="ctr">
+                      <a:solidFill>
+                        <a:schemeClr val="tx1"/>
+                      </a:solidFill>
+                      <a:prstDash val="solid"/>
+                      <a:round/>
+                      <a:headEnd type="none" w="med" len="med"/>
+                      <a:tailEnd type="none" w="med" len="med"/>
+                    </a:lnR>
+                    <a:noFill/>
+                  </a:tcPr>
+                </a:tc>
+                <a:tc>
+                  <a:txBody>
+                    <a:bodyPr/>
+                    <a:lstStyle/>
+                    <a:p>
+                      <a:pPr marL="1620000" marR="0" lvl="0" indent="-1620000" algn="l" defTabSz="914400" rtl="0" eaLnBrk="1" fontAlgn="auto" latinLnBrk="0" hangingPunct="1">
+                        <a:lnSpc>
+                          <a:spcPct val="100000"/>
+                        </a:lnSpc>
+                        <a:spcBef>
+                          <a:spcPts val="0"/>
+                        </a:spcBef>
+                        <a:spcAft>
+                          <a:spcPts val="0"/>
+                        </a:spcAft>
+                        <a:buClrTx/>
+                        <a:buSzTx/>
+                        <a:buFontTx/>
+                        <a:buNone/>
+                        <a:tabLst/>
+                        <a:defRPr/>
+                      </a:pPr>
+                      <a:r>
+                        <a:rPr kumimoji="0" lang="en-GB" sz="1800" b="0" i="0" u="none" strike="noStrike" kern="1200" cap="none" spc="-1" normalizeH="0" baseline="0" noProof="0" dirty="0">
+                          <a:ln>
+                            <a:noFill/>
+                          </a:ln>
+                          <a:solidFill>
+                            <a:srgbClr val="000000"/>
+                          </a:solidFill>
+                          <a:effectLst/>
+                          <a:uLnTx/>
+                          <a:uFillTx/>
+                          <a:latin typeface="+mn-lt"/>
+                        </a:rPr>
+                        <a:t>Sorting Sequences of Values</a:t>
+                      </a:r>
+                    </a:p>
+                  </a:txBody>
+                  <a:tcPr anchor="ctr">
+                    <a:lnL w="12700" cap="flat" cmpd="sng" algn="ctr">
+                      <a:solidFill>
+                        <a:schemeClr val="tx1"/>
+                      </a:solidFill>
+                      <a:prstDash val="solid"/>
+                      <a:round/>
+                      <a:headEnd type="none" w="med" len="med"/>
+                      <a:tailEnd type="none" w="med" len="med"/>
+                    </a:lnL>
+                    <a:lnR w="12700" cap="flat" cmpd="sng" algn="ctr">
+                      <a:noFill/>
+                      <a:prstDash val="solid"/>
+                      <a:round/>
+                      <a:headEnd type="none" w="med" len="med"/>
+                      <a:tailEnd type="none" w="med" len="med"/>
+                    </a:lnR>
+                    <a:noFill/>
+                  </a:tcPr>
+                </a:tc>
+                <a:extLst>
+                  <a:ext uri="{0D108BD9-81ED-4DB2-BD59-A6C34878D82A}">
+                    <a16:rowId xmlns:a16="http://schemas.microsoft.com/office/drawing/2014/main" val="3595599844"/>
+                  </a:ext>
+                </a:extLst>
+              </a:tr>
+              <a:tr h="370840">
+                <a:tc vMerge="1">
+                  <a:txBody>
+                    <a:bodyPr/>
+                    <a:lstStyle/>
+                    <a:p>
+                      <a:endParaRPr lang="pt-PT" dirty="0"/>
+                    </a:p>
+                  </a:txBody>
+                  <a:tcPr>
+                    <a:lnR w="12700" cap="flat" cmpd="sng" algn="ctr">
+                      <a:solidFill>
+                        <a:schemeClr val="tx1"/>
+                      </a:solidFill>
+                      <a:prstDash val="solid"/>
+                      <a:round/>
+                      <a:headEnd type="none" w="med" len="med"/>
+                      <a:tailEnd type="none" w="med" len="med"/>
+                    </a:lnR>
+                    <a:lnT w="12700" cap="flat" cmpd="sng" algn="ctr">
+                      <a:solidFill>
+                        <a:schemeClr val="tx1"/>
+                      </a:solidFill>
+                      <a:prstDash val="solid"/>
+                      <a:round/>
+                      <a:headEnd type="none" w="med" len="med"/>
+                      <a:tailEnd type="none" w="med" len="med"/>
+                    </a:lnT>
+                    <a:solidFill>
+                      <a:schemeClr val="bg1"/>
+                    </a:solidFill>
+                  </a:tcPr>
+                </a:tc>
+                <a:tc>
+                  <a:txBody>
+                    <a:bodyPr/>
+                    <a:lstStyle/>
+                    <a:p>
+                      <a:pPr algn="l"/>
+                      <a:r>
+                        <a:rPr lang="en-GB" sz="1800" b="0" strike="noStrike" spc="-1" dirty="0">
+                          <a:latin typeface="+mn-lt"/>
+                        </a:rPr>
+                        <a:t>GPU Threading and Memory Mapping</a:t>
+                      </a:r>
+                      <a:endParaRPr lang="pt-PT" dirty="0"/>
+                    </a:p>
+                  </a:txBody>
+                  <a:tcPr anchor="ctr">
+                    <a:lnL w="12700" cap="flat" cmpd="sng" algn="ctr">
+                      <a:solidFill>
+                        <a:schemeClr val="tx1"/>
+                      </a:solidFill>
+                      <a:prstDash val="solid"/>
+                      <a:round/>
+                      <a:headEnd type="none" w="med" len="med"/>
+                      <a:tailEnd type="none" w="med" len="med"/>
+                    </a:lnL>
+                    <a:lnR w="12700" cap="flat" cmpd="sng" algn="ctr">
+                      <a:noFill/>
+                      <a:prstDash val="solid"/>
+                      <a:round/>
+                      <a:headEnd type="none" w="med" len="med"/>
+                      <a:tailEnd type="none" w="med" len="med"/>
+                    </a:lnR>
+                    <a:noFill/>
+                  </a:tcPr>
+                </a:tc>
+                <a:extLst>
+                  <a:ext uri="{0D108BD9-81ED-4DB2-BD59-A6C34878D82A}">
+                    <a16:rowId xmlns:a16="http://schemas.microsoft.com/office/drawing/2014/main" val="2308410139"/>
+                  </a:ext>
+                </a:extLst>
+              </a:tr>
+            </a:tbl>
+          </a:graphicData>
+        </a:graphic>
+      </p:graphicFrame>
     </p:spTree>
   </p:cSld>
   <p:clrMapOvr>
@@ -12692,7 +12782,7 @@
         <p:spPr>
           <a:xfrm>
             <a:off x="6627578" y="247362"/>
-            <a:ext cx="5335822" cy="6015578"/>
+            <a:ext cx="5335822" cy="5677024"/>
           </a:xfrm>
           <a:prstGeom prst="rect">
             <a:avLst/>
@@ -12980,43 +13070,6 @@
             <a:endParaRPr lang="en-GB" sz="1100" b="0" strike="noStrike" spc="-1" dirty="0">
               <a:latin typeface="Arial"/>
             </a:endParaRPr>
-          </a:p>
-          <a:p>
-            <a:pPr>
-              <a:lnSpc>
-                <a:spcPct val="100000"/>
-              </a:lnSpc>
-            </a:pPr>
-            <a:r>
-              <a:rPr lang="en-US" sz="1100" b="0" strike="noStrike" spc="-1" dirty="0">
-                <a:solidFill>
-                  <a:srgbClr val="000000"/>
-                </a:solidFill>
-                <a:latin typeface="Times New Roman"/>
-                <a:ea typeface="DejaVu Sans"/>
-              </a:rPr>
-              <a:t>bool </a:t>
-            </a:r>
-            <a:r>
-              <a:rPr lang="en-US" sz="1100" b="0" strike="noStrike" spc="-1" dirty="0" err="1">
-                <a:solidFill>
-                  <a:srgbClr val="000000"/>
-                </a:solidFill>
-                <a:latin typeface="Times New Roman"/>
-                <a:ea typeface="DejaVu Sans"/>
-              </a:rPr>
-              <a:t>noSwap</a:t>
-            </a:r>
-            <a:r>
-              <a:rPr lang="en-US" sz="1100" b="0" strike="noStrike" spc="-1" dirty="0">
-                <a:solidFill>
-                  <a:srgbClr val="000000"/>
-                </a:solidFill>
-                <a:latin typeface="Times New Roman"/>
-                <a:ea typeface="DejaVu Sans"/>
-              </a:rPr>
-              <a:t>;</a:t>
-            </a:r>
           </a:p>
           <a:p>
             <a:pPr>
@@ -14208,6 +14261,36 @@
           </p:txBody>
         </p:sp>
       </p:grpSp>
+      <p:pic>
+        <p:nvPicPr>
+          <p:cNvPr id="122" name="Imagem 121">
+            <a:extLst>
+              <a:ext uri="{FF2B5EF4-FFF2-40B4-BE49-F238E27FC236}">
+                <a16:creationId xmlns:a16="http://schemas.microsoft.com/office/drawing/2014/main" id="{34EA2D13-DB3B-494D-29E8-92284CC4A0AC}"/>
+              </a:ext>
+            </a:extLst>
+          </p:cNvPr>
+          <p:cNvPicPr>
+            <a:picLocks noChangeAspect="1"/>
+          </p:cNvPicPr>
+          <p:nvPr/>
+        </p:nvPicPr>
+        <p:blipFill>
+          <a:blip r:embed="rId2"/>
+          <a:stretch>
+            <a:fillRect/>
+          </a:stretch>
+        </p:blipFill>
+        <p:spPr>
+          <a:xfrm>
+            <a:off x="1138146" y="597820"/>
+            <a:ext cx="2077181" cy="5108218"/>
+          </a:xfrm>
+          <a:prstGeom prst="rect">
+            <a:avLst/>
+          </a:prstGeom>
+        </p:spPr>
+      </p:pic>
     </p:spTree>
   </p:cSld>
   <p:clrMapOvr>
@@ -14354,6 +14437,7961 @@
             </a:p>
           </p:txBody>
         </p:sp>
+      </p:grpSp>
+      <p:graphicFrame>
+        <p:nvGraphicFramePr>
+          <p:cNvPr id="2" name="Tabela 2">
+            <a:extLst>
+              <a:ext uri="{FF2B5EF4-FFF2-40B4-BE49-F238E27FC236}">
+                <a16:creationId xmlns:a16="http://schemas.microsoft.com/office/drawing/2014/main" id="{0EB6A8CE-CB28-8188-C9C3-FE5F5F2DFD2F}"/>
+              </a:ext>
+            </a:extLst>
+          </p:cNvPr>
+          <p:cNvGraphicFramePr>
+            <a:graphicFrameLocks noGrp="1"/>
+          </p:cNvGraphicFramePr>
+          <p:nvPr>
+            <p:extLst>
+              <p:ext uri="{D42A27DB-BD31-4B8C-83A1-F6EECF244321}">
+                <p14:modId xmlns:p14="http://schemas.microsoft.com/office/powerpoint/2010/main" val="1986098677"/>
+              </p:ext>
+            </p:extLst>
+          </p:nvPr>
+        </p:nvGraphicFramePr>
+        <p:xfrm>
+          <a:off x="2042795" y="313205"/>
+          <a:ext cx="2592000" cy="6408000"/>
+        </p:xfrm>
+        <a:graphic>
+          <a:graphicData uri="http://schemas.openxmlformats.org/drawingml/2006/table">
+            <a:tbl>
+              <a:tblPr firstRow="1" bandRow="1">
+                <a:tableStyleId>{5C22544A-7EE6-4342-B048-85BDC9FD1C3A}</a:tableStyleId>
+              </a:tblPr>
+              <a:tblGrid>
+                <a:gridCol w="324000">
+                  <a:extLst>
+                    <a:ext uri="{9D8B030D-6E8A-4147-A177-3AD203B41FA5}">
+                      <a16:colId xmlns:a16="http://schemas.microsoft.com/office/drawing/2014/main" val="2567900763"/>
+                    </a:ext>
+                  </a:extLst>
+                </a:gridCol>
+                <a:gridCol w="324000">
+                  <a:extLst>
+                    <a:ext uri="{9D8B030D-6E8A-4147-A177-3AD203B41FA5}">
+                      <a16:colId xmlns:a16="http://schemas.microsoft.com/office/drawing/2014/main" val="2001995947"/>
+                    </a:ext>
+                  </a:extLst>
+                </a:gridCol>
+                <a:gridCol w="324000">
+                  <a:extLst>
+                    <a:ext uri="{9D8B030D-6E8A-4147-A177-3AD203B41FA5}">
+                      <a16:colId xmlns:a16="http://schemas.microsoft.com/office/drawing/2014/main" val="2104386052"/>
+                    </a:ext>
+                  </a:extLst>
+                </a:gridCol>
+                <a:gridCol w="324000">
+                  <a:extLst>
+                    <a:ext uri="{9D8B030D-6E8A-4147-A177-3AD203B41FA5}">
+                      <a16:colId xmlns:a16="http://schemas.microsoft.com/office/drawing/2014/main" val="428806078"/>
+                    </a:ext>
+                  </a:extLst>
+                </a:gridCol>
+                <a:gridCol w="324000">
+                  <a:extLst>
+                    <a:ext uri="{9D8B030D-6E8A-4147-A177-3AD203B41FA5}">
+                      <a16:colId xmlns:a16="http://schemas.microsoft.com/office/drawing/2014/main" val="585633874"/>
+                    </a:ext>
+                  </a:extLst>
+                </a:gridCol>
+                <a:gridCol w="324000">
+                  <a:extLst>
+                    <a:ext uri="{9D8B030D-6E8A-4147-A177-3AD203B41FA5}">
+                      <a16:colId xmlns:a16="http://schemas.microsoft.com/office/drawing/2014/main" val="1514873104"/>
+                    </a:ext>
+                  </a:extLst>
+                </a:gridCol>
+                <a:gridCol w="324000">
+                  <a:extLst>
+                    <a:ext uri="{9D8B030D-6E8A-4147-A177-3AD203B41FA5}">
+                      <a16:colId xmlns:a16="http://schemas.microsoft.com/office/drawing/2014/main" val="1360786118"/>
+                    </a:ext>
+                  </a:extLst>
+                </a:gridCol>
+                <a:gridCol w="324000">
+                  <a:extLst>
+                    <a:ext uri="{9D8B030D-6E8A-4147-A177-3AD203B41FA5}">
+                      <a16:colId xmlns:a16="http://schemas.microsoft.com/office/drawing/2014/main" val="4010945250"/>
+                    </a:ext>
+                  </a:extLst>
+                </a:gridCol>
+              </a:tblGrid>
+              <a:tr h="288000">
+                <a:tc>
+                  <a:txBody>
+                    <a:bodyPr/>
+                    <a:lstStyle/>
+                    <a:p>
+                      <a:pPr algn="ctr"/>
+                      <a:r>
+                        <a:rPr lang="pt-PT" sz="1000" b="0" dirty="0">
+                          <a:solidFill>
+                            <a:schemeClr val="tx1"/>
+                          </a:solidFill>
+                          <a:latin typeface="Arial Narrow" panose="020B0606020202030204" pitchFamily="34" charset="0"/>
+                        </a:rPr>
+                        <a:t>d[i]</a:t>
+                      </a:r>
+                    </a:p>
+                  </a:txBody>
+                  <a:tcPr marL="0" marR="0" marT="0" marB="0" anchor="ctr">
+                    <a:lnL w="12700" cap="flat" cmpd="sng" algn="ctr">
+                      <a:solidFill>
+                        <a:schemeClr val="tx1"/>
+                      </a:solidFill>
+                      <a:prstDash val="solid"/>
+                      <a:round/>
+                      <a:headEnd type="none" w="med" len="med"/>
+                      <a:tailEnd type="none" w="med" len="med"/>
+                    </a:lnL>
+                    <a:lnR w="12700" cap="flat" cmpd="sng" algn="ctr">
+                      <a:solidFill>
+                        <a:schemeClr val="tx1"/>
+                      </a:solidFill>
+                      <a:prstDash val="solid"/>
+                      <a:round/>
+                      <a:headEnd type="none" w="med" len="med"/>
+                      <a:tailEnd type="none" w="med" len="med"/>
+                    </a:lnR>
+                    <a:lnT w="12700" cap="flat" cmpd="sng" algn="ctr">
+                      <a:solidFill>
+                        <a:schemeClr val="tx1"/>
+                      </a:solidFill>
+                      <a:prstDash val="solid"/>
+                      <a:round/>
+                      <a:headEnd type="none" w="med" len="med"/>
+                      <a:tailEnd type="none" w="med" len="med"/>
+                    </a:lnT>
+                    <a:lnB w="12700" cap="flat" cmpd="sng" algn="ctr">
+                      <a:solidFill>
+                        <a:schemeClr val="tx1"/>
+                      </a:solidFill>
+                      <a:prstDash val="solid"/>
+                      <a:round/>
+                      <a:headEnd type="none" w="med" len="med"/>
+                      <a:tailEnd type="none" w="med" len="med"/>
+                    </a:lnB>
+                    <a:noFill/>
+                  </a:tcPr>
+                </a:tc>
+                <a:tc>
+                  <a:txBody>
+                    <a:bodyPr/>
+                    <a:lstStyle/>
+                    <a:p>
+                      <a:pPr algn="ctr"/>
+                      <a:r>
+                        <a:rPr lang="pt-PT" sz="1000" b="0" dirty="0">
+                          <a:solidFill>
+                            <a:schemeClr val="tx1"/>
+                          </a:solidFill>
+                          <a:latin typeface="Arial Narrow" panose="020B0606020202030204" pitchFamily="34" charset="0"/>
+                        </a:rPr>
+                        <a:t>d[i+1]</a:t>
+                      </a:r>
+                    </a:p>
+                  </a:txBody>
+                  <a:tcPr marL="0" marR="0" marT="0" marB="0" anchor="ctr">
+                    <a:lnL w="12700" cap="flat" cmpd="sng" algn="ctr">
+                      <a:solidFill>
+                        <a:schemeClr val="tx1"/>
+                      </a:solidFill>
+                      <a:prstDash val="solid"/>
+                      <a:round/>
+                      <a:headEnd type="none" w="med" len="med"/>
+                      <a:tailEnd type="none" w="med" len="med"/>
+                    </a:lnL>
+                    <a:lnR w="12700" cap="flat" cmpd="sng" algn="ctr">
+                      <a:solidFill>
+                        <a:schemeClr val="tx1"/>
+                      </a:solidFill>
+                      <a:prstDash val="solid"/>
+                      <a:round/>
+                      <a:headEnd type="none" w="med" len="med"/>
+                      <a:tailEnd type="none" w="med" len="med"/>
+                    </a:lnR>
+                    <a:lnT w="12700" cap="flat" cmpd="sng" algn="ctr">
+                      <a:solidFill>
+                        <a:schemeClr val="tx1"/>
+                      </a:solidFill>
+                      <a:prstDash val="solid"/>
+                      <a:round/>
+                      <a:headEnd type="none" w="med" len="med"/>
+                      <a:tailEnd type="none" w="med" len="med"/>
+                    </a:lnT>
+                    <a:lnB w="12700" cap="flat" cmpd="sng" algn="ctr">
+                      <a:solidFill>
+                        <a:schemeClr val="tx1"/>
+                      </a:solidFill>
+                      <a:prstDash val="solid"/>
+                      <a:round/>
+                      <a:headEnd type="none" w="med" len="med"/>
+                      <a:tailEnd type="none" w="med" len="med"/>
+                    </a:lnB>
+                    <a:noFill/>
+                  </a:tcPr>
+                </a:tc>
+                <a:tc>
+                  <a:txBody>
+                    <a:bodyPr/>
+                    <a:lstStyle/>
+                    <a:p>
+                      <a:pPr algn="ctr"/>
+                      <a:r>
+                        <a:rPr lang="pt-PT" sz="1000" b="0" dirty="0">
+                          <a:solidFill>
+                            <a:schemeClr val="tx1"/>
+                          </a:solidFill>
+                          <a:latin typeface="Arial Narrow" panose="020B0606020202030204" pitchFamily="34" charset="0"/>
+                        </a:rPr>
+                        <a:t>d[i+2]</a:t>
+                      </a:r>
+                    </a:p>
+                  </a:txBody>
+                  <a:tcPr marL="0" marR="0" marT="0" marB="0" anchor="ctr">
+                    <a:lnL w="12700" cap="flat" cmpd="sng" algn="ctr">
+                      <a:solidFill>
+                        <a:schemeClr val="tx1"/>
+                      </a:solidFill>
+                      <a:prstDash val="solid"/>
+                      <a:round/>
+                      <a:headEnd type="none" w="med" len="med"/>
+                      <a:tailEnd type="none" w="med" len="med"/>
+                    </a:lnL>
+                    <a:lnR w="12700" cap="flat" cmpd="sng" algn="ctr">
+                      <a:solidFill>
+                        <a:schemeClr val="tx1"/>
+                      </a:solidFill>
+                      <a:prstDash val="solid"/>
+                      <a:round/>
+                      <a:headEnd type="none" w="med" len="med"/>
+                      <a:tailEnd type="none" w="med" len="med"/>
+                    </a:lnR>
+                    <a:lnT w="12700" cap="flat" cmpd="sng" algn="ctr">
+                      <a:solidFill>
+                        <a:schemeClr val="tx1"/>
+                      </a:solidFill>
+                      <a:prstDash val="solid"/>
+                      <a:round/>
+                      <a:headEnd type="none" w="med" len="med"/>
+                      <a:tailEnd type="none" w="med" len="med"/>
+                    </a:lnT>
+                    <a:lnB w="12700" cap="flat" cmpd="sng" algn="ctr">
+                      <a:solidFill>
+                        <a:schemeClr val="tx1"/>
+                      </a:solidFill>
+                      <a:prstDash val="solid"/>
+                      <a:round/>
+                      <a:headEnd type="none" w="med" len="med"/>
+                      <a:tailEnd type="none" w="med" len="med"/>
+                    </a:lnB>
+                    <a:noFill/>
+                  </a:tcPr>
+                </a:tc>
+                <a:tc>
+                  <a:txBody>
+                    <a:bodyPr/>
+                    <a:lstStyle/>
+                    <a:p>
+                      <a:pPr algn="ctr"/>
+                      <a:r>
+                        <a:rPr lang="pt-PT" sz="1000" b="0" dirty="0">
+                          <a:solidFill>
+                            <a:schemeClr val="tx1"/>
+                          </a:solidFill>
+                          <a:latin typeface="Arial Narrow" panose="020B0606020202030204" pitchFamily="34" charset="0"/>
+                        </a:rPr>
+                        <a:t>d[i+3]</a:t>
+                      </a:r>
+                    </a:p>
+                  </a:txBody>
+                  <a:tcPr marL="0" marR="0" marT="0" marB="0" anchor="ctr">
+                    <a:lnL w="12700" cap="flat" cmpd="sng" algn="ctr">
+                      <a:solidFill>
+                        <a:schemeClr val="tx1"/>
+                      </a:solidFill>
+                      <a:prstDash val="solid"/>
+                      <a:round/>
+                      <a:headEnd type="none" w="med" len="med"/>
+                      <a:tailEnd type="none" w="med" len="med"/>
+                    </a:lnL>
+                    <a:lnR w="12700" cap="flat" cmpd="sng" algn="ctr">
+                      <a:solidFill>
+                        <a:schemeClr val="tx1"/>
+                      </a:solidFill>
+                      <a:prstDash val="solid"/>
+                      <a:round/>
+                      <a:headEnd type="none" w="med" len="med"/>
+                      <a:tailEnd type="none" w="med" len="med"/>
+                    </a:lnR>
+                    <a:lnT w="12700" cap="flat" cmpd="sng" algn="ctr">
+                      <a:solidFill>
+                        <a:schemeClr val="tx1"/>
+                      </a:solidFill>
+                      <a:prstDash val="solid"/>
+                      <a:round/>
+                      <a:headEnd type="none" w="med" len="med"/>
+                      <a:tailEnd type="none" w="med" len="med"/>
+                    </a:lnT>
+                    <a:lnB w="12700" cap="flat" cmpd="sng" algn="ctr">
+                      <a:solidFill>
+                        <a:schemeClr val="tx1"/>
+                      </a:solidFill>
+                      <a:prstDash val="solid"/>
+                      <a:round/>
+                      <a:headEnd type="none" w="med" len="med"/>
+                      <a:tailEnd type="none" w="med" len="med"/>
+                    </a:lnB>
+                    <a:noFill/>
+                  </a:tcPr>
+                </a:tc>
+                <a:tc>
+                  <a:txBody>
+                    <a:bodyPr/>
+                    <a:lstStyle/>
+                    <a:p>
+                      <a:pPr algn="ctr"/>
+                      <a:r>
+                        <a:rPr lang="pt-PT" sz="1000" b="0" dirty="0">
+                          <a:solidFill>
+                            <a:schemeClr val="tx1"/>
+                          </a:solidFill>
+                          <a:latin typeface="Arial Narrow" panose="020B0606020202030204" pitchFamily="34" charset="0"/>
+                        </a:rPr>
+                        <a:t>…</a:t>
+                      </a:r>
+                    </a:p>
+                  </a:txBody>
+                  <a:tcPr marL="0" marR="0" marT="0" marB="0" anchor="ctr">
+                    <a:lnL w="12700" cap="flat" cmpd="sng" algn="ctr">
+                      <a:solidFill>
+                        <a:schemeClr val="tx1"/>
+                      </a:solidFill>
+                      <a:prstDash val="solid"/>
+                      <a:round/>
+                      <a:headEnd type="none" w="med" len="med"/>
+                      <a:tailEnd type="none" w="med" len="med"/>
+                    </a:lnL>
+                    <a:lnR w="12700" cap="flat" cmpd="sng" algn="ctr">
+                      <a:solidFill>
+                        <a:schemeClr val="tx1"/>
+                      </a:solidFill>
+                      <a:prstDash val="solid"/>
+                      <a:round/>
+                      <a:headEnd type="none" w="med" len="med"/>
+                      <a:tailEnd type="none" w="med" len="med"/>
+                    </a:lnR>
+                    <a:lnT w="12700" cap="flat" cmpd="sng" algn="ctr">
+                      <a:solidFill>
+                        <a:schemeClr val="tx1"/>
+                      </a:solidFill>
+                      <a:prstDash val="solid"/>
+                      <a:round/>
+                      <a:headEnd type="none" w="med" len="med"/>
+                      <a:tailEnd type="none" w="med" len="med"/>
+                    </a:lnT>
+                    <a:lnB w="12700" cap="flat" cmpd="sng" algn="ctr">
+                      <a:solidFill>
+                        <a:schemeClr val="tx1"/>
+                      </a:solidFill>
+                      <a:prstDash val="solid"/>
+                      <a:round/>
+                      <a:headEnd type="none" w="med" len="med"/>
+                      <a:tailEnd type="none" w="med" len="med"/>
+                    </a:lnB>
+                    <a:noFill/>
+                  </a:tcPr>
+                </a:tc>
+                <a:tc>
+                  <a:txBody>
+                    <a:bodyPr/>
+                    <a:lstStyle/>
+                    <a:p>
+                      <a:pPr algn="ctr"/>
+                      <a:r>
+                        <a:rPr lang="pt-PT" sz="1000" b="0" dirty="0">
+                          <a:solidFill>
+                            <a:schemeClr val="tx1"/>
+                          </a:solidFill>
+                          <a:latin typeface="Arial Narrow" panose="020B0606020202030204" pitchFamily="34" charset="0"/>
+                        </a:rPr>
+                        <a:t>…</a:t>
+                      </a:r>
+                    </a:p>
+                  </a:txBody>
+                  <a:tcPr marL="0" marR="0" marT="0" marB="0" anchor="ctr">
+                    <a:lnL w="12700" cap="flat" cmpd="sng" algn="ctr">
+                      <a:solidFill>
+                        <a:schemeClr val="tx1"/>
+                      </a:solidFill>
+                      <a:prstDash val="solid"/>
+                      <a:round/>
+                      <a:headEnd type="none" w="med" len="med"/>
+                      <a:tailEnd type="none" w="med" len="med"/>
+                    </a:lnL>
+                    <a:lnR w="12700" cap="flat" cmpd="sng" algn="ctr">
+                      <a:solidFill>
+                        <a:schemeClr val="tx1"/>
+                      </a:solidFill>
+                      <a:prstDash val="solid"/>
+                      <a:round/>
+                      <a:headEnd type="none" w="med" len="med"/>
+                      <a:tailEnd type="none" w="med" len="med"/>
+                    </a:lnR>
+                    <a:lnT w="12700" cap="flat" cmpd="sng" algn="ctr">
+                      <a:solidFill>
+                        <a:schemeClr val="tx1"/>
+                      </a:solidFill>
+                      <a:prstDash val="solid"/>
+                      <a:round/>
+                      <a:headEnd type="none" w="med" len="med"/>
+                      <a:tailEnd type="none" w="med" len="med"/>
+                    </a:lnT>
+                    <a:lnB w="12700" cap="flat" cmpd="sng" algn="ctr">
+                      <a:solidFill>
+                        <a:schemeClr val="tx1"/>
+                      </a:solidFill>
+                      <a:prstDash val="solid"/>
+                      <a:round/>
+                      <a:headEnd type="none" w="med" len="med"/>
+                      <a:tailEnd type="none" w="med" len="med"/>
+                    </a:lnB>
+                    <a:noFill/>
+                  </a:tcPr>
+                </a:tc>
+                <a:tc>
+                  <a:txBody>
+                    <a:bodyPr/>
+                    <a:lstStyle/>
+                    <a:p>
+                      <a:pPr algn="ctr"/>
+                      <a:r>
+                        <a:rPr lang="pt-PT" sz="1000" b="0" dirty="0">
+                          <a:solidFill>
+                            <a:schemeClr val="tx1"/>
+                          </a:solidFill>
+                          <a:latin typeface="Arial Narrow" panose="020B0606020202030204" pitchFamily="34" charset="0"/>
+                        </a:rPr>
+                        <a:t>…</a:t>
+                      </a:r>
+                    </a:p>
+                  </a:txBody>
+                  <a:tcPr marL="0" marR="0" marT="0" marB="0" anchor="ctr">
+                    <a:lnL w="12700" cap="flat" cmpd="sng" algn="ctr">
+                      <a:solidFill>
+                        <a:schemeClr val="tx1"/>
+                      </a:solidFill>
+                      <a:prstDash val="solid"/>
+                      <a:round/>
+                      <a:headEnd type="none" w="med" len="med"/>
+                      <a:tailEnd type="none" w="med" len="med"/>
+                    </a:lnL>
+                    <a:lnR w="12700" cap="flat" cmpd="sng" algn="ctr">
+                      <a:solidFill>
+                        <a:schemeClr val="tx1"/>
+                      </a:solidFill>
+                      <a:prstDash val="solid"/>
+                      <a:round/>
+                      <a:headEnd type="none" w="med" len="med"/>
+                      <a:tailEnd type="none" w="med" len="med"/>
+                    </a:lnR>
+                    <a:lnT w="12700" cap="flat" cmpd="sng" algn="ctr">
+                      <a:solidFill>
+                        <a:schemeClr val="tx1"/>
+                      </a:solidFill>
+                      <a:prstDash val="solid"/>
+                      <a:round/>
+                      <a:headEnd type="none" w="med" len="med"/>
+                      <a:tailEnd type="none" w="med" len="med"/>
+                    </a:lnT>
+                    <a:lnB w="12700" cap="flat" cmpd="sng" algn="ctr">
+                      <a:solidFill>
+                        <a:schemeClr val="tx1"/>
+                      </a:solidFill>
+                      <a:prstDash val="solid"/>
+                      <a:round/>
+                      <a:headEnd type="none" w="med" len="med"/>
+                      <a:tailEnd type="none" w="med" len="med"/>
+                    </a:lnB>
+                    <a:noFill/>
+                  </a:tcPr>
+                </a:tc>
+                <a:tc>
+                  <a:txBody>
+                    <a:bodyPr/>
+                    <a:lstStyle/>
+                    <a:p>
+                      <a:pPr algn="ctr"/>
+                      <a:r>
+                        <a:rPr lang="pt-PT" sz="1000" b="0" dirty="0">
+                          <a:solidFill>
+                            <a:schemeClr val="tx1"/>
+                          </a:solidFill>
+                          <a:latin typeface="Arial Narrow" panose="020B0606020202030204" pitchFamily="34" charset="0"/>
+                        </a:rPr>
+                        <a:t>d[</a:t>
+                      </a:r>
+                      <a:r>
+                        <a:rPr lang="pt-PT" sz="1000" b="0" dirty="0" err="1">
+                          <a:solidFill>
+                            <a:schemeClr val="tx1"/>
+                          </a:solidFill>
+                          <a:latin typeface="Arial Narrow" panose="020B0606020202030204" pitchFamily="34" charset="0"/>
+                        </a:rPr>
+                        <a:t>i+n</a:t>
+                      </a:r>
+                      <a:r>
+                        <a:rPr lang="pt-PT" sz="1000" b="0" dirty="0">
+                          <a:solidFill>
+                            <a:schemeClr val="tx1"/>
+                          </a:solidFill>
+                          <a:latin typeface="Arial Narrow" panose="020B0606020202030204" pitchFamily="34" charset="0"/>
+                        </a:rPr>
+                        <a:t>]</a:t>
+                      </a:r>
+                    </a:p>
+                  </a:txBody>
+                  <a:tcPr marL="0" marR="0" marT="0" marB="0" anchor="ctr">
+                    <a:lnL w="12700" cap="flat" cmpd="sng" algn="ctr">
+                      <a:solidFill>
+                        <a:schemeClr val="tx1"/>
+                      </a:solidFill>
+                      <a:prstDash val="solid"/>
+                      <a:round/>
+                      <a:headEnd type="none" w="med" len="med"/>
+                      <a:tailEnd type="none" w="med" len="med"/>
+                    </a:lnL>
+                    <a:lnR w="12700" cap="flat" cmpd="sng" algn="ctr">
+                      <a:solidFill>
+                        <a:schemeClr val="tx1"/>
+                      </a:solidFill>
+                      <a:prstDash val="solid"/>
+                      <a:round/>
+                      <a:headEnd type="none" w="med" len="med"/>
+                      <a:tailEnd type="none" w="med" len="med"/>
+                    </a:lnR>
+                    <a:lnT w="12700" cap="flat" cmpd="sng" algn="ctr">
+                      <a:solidFill>
+                        <a:schemeClr val="tx1"/>
+                      </a:solidFill>
+                      <a:prstDash val="solid"/>
+                      <a:round/>
+                      <a:headEnd type="none" w="med" len="med"/>
+                      <a:tailEnd type="none" w="med" len="med"/>
+                    </a:lnT>
+                    <a:lnB w="12700" cap="flat" cmpd="sng" algn="ctr">
+                      <a:solidFill>
+                        <a:schemeClr val="tx1"/>
+                      </a:solidFill>
+                      <a:prstDash val="solid"/>
+                      <a:round/>
+                      <a:headEnd type="none" w="med" len="med"/>
+                      <a:tailEnd type="none" w="med" len="med"/>
+                    </a:lnB>
+                    <a:noFill/>
+                  </a:tcPr>
+                </a:tc>
+                <a:extLst>
+                  <a:ext uri="{0D108BD9-81ED-4DB2-BD59-A6C34878D82A}">
+                    <a16:rowId xmlns:a16="http://schemas.microsoft.com/office/drawing/2014/main" val="3076575093"/>
+                  </a:ext>
+                </a:extLst>
+              </a:tr>
+              <a:tr h="720000">
+                <a:tc>
+                  <a:txBody>
+                    <a:bodyPr/>
+                    <a:lstStyle/>
+                    <a:p>
+                      <a:pPr algn="ctr"/>
+                      <a:endParaRPr lang="pt-PT" sz="1000">
+                        <a:solidFill>
+                          <a:schemeClr val="tx1"/>
+                        </a:solidFill>
+                        <a:latin typeface="Arial Narrow" panose="020B0606020202030204" pitchFamily="34" charset="0"/>
+                      </a:endParaRPr>
+                    </a:p>
+                  </a:txBody>
+                  <a:tcPr marL="0" marR="0" marT="0" marB="0" anchor="ctr">
+                    <a:lnT w="12700" cap="flat" cmpd="sng" algn="ctr">
+                      <a:solidFill>
+                        <a:schemeClr val="tx1"/>
+                      </a:solidFill>
+                      <a:prstDash val="solid"/>
+                      <a:round/>
+                      <a:headEnd type="none" w="med" len="med"/>
+                      <a:tailEnd type="none" w="med" len="med"/>
+                    </a:lnT>
+                    <a:lnB w="12700" cap="flat" cmpd="sng" algn="ctr">
+                      <a:solidFill>
+                        <a:schemeClr val="tx1"/>
+                      </a:solidFill>
+                      <a:prstDash val="solid"/>
+                      <a:round/>
+                      <a:headEnd type="none" w="med" len="med"/>
+                      <a:tailEnd type="none" w="med" len="med"/>
+                    </a:lnB>
+                    <a:noFill/>
+                  </a:tcPr>
+                </a:tc>
+                <a:tc>
+                  <a:txBody>
+                    <a:bodyPr/>
+                    <a:lstStyle/>
+                    <a:p>
+                      <a:pPr algn="ctr"/>
+                      <a:endParaRPr lang="pt-PT" sz="1000" dirty="0">
+                        <a:solidFill>
+                          <a:schemeClr val="tx1"/>
+                        </a:solidFill>
+                        <a:latin typeface="Arial Narrow" panose="020B0606020202030204" pitchFamily="34" charset="0"/>
+                      </a:endParaRPr>
+                    </a:p>
+                  </a:txBody>
+                  <a:tcPr marL="0" marR="0" marT="0" marB="0" anchor="ctr">
+                    <a:lnT w="12700" cap="flat" cmpd="sng" algn="ctr">
+                      <a:solidFill>
+                        <a:schemeClr val="tx1"/>
+                      </a:solidFill>
+                      <a:prstDash val="solid"/>
+                      <a:round/>
+                      <a:headEnd type="none" w="med" len="med"/>
+                      <a:tailEnd type="none" w="med" len="med"/>
+                    </a:lnT>
+                    <a:lnB w="12700" cap="flat" cmpd="sng" algn="ctr">
+                      <a:solidFill>
+                        <a:schemeClr val="tx1"/>
+                      </a:solidFill>
+                      <a:prstDash val="solid"/>
+                      <a:round/>
+                      <a:headEnd type="none" w="med" len="med"/>
+                      <a:tailEnd type="none" w="med" len="med"/>
+                    </a:lnB>
+                    <a:noFill/>
+                  </a:tcPr>
+                </a:tc>
+                <a:tc>
+                  <a:txBody>
+                    <a:bodyPr/>
+                    <a:lstStyle/>
+                    <a:p>
+                      <a:pPr algn="ctr"/>
+                      <a:endParaRPr lang="pt-PT" sz="1000" dirty="0">
+                        <a:solidFill>
+                          <a:schemeClr val="tx1"/>
+                        </a:solidFill>
+                        <a:latin typeface="Arial Narrow" panose="020B0606020202030204" pitchFamily="34" charset="0"/>
+                      </a:endParaRPr>
+                    </a:p>
+                  </a:txBody>
+                  <a:tcPr marL="0" marR="0" marT="0" marB="0" anchor="ctr">
+                    <a:lnT w="12700" cap="flat" cmpd="sng" algn="ctr">
+                      <a:solidFill>
+                        <a:schemeClr val="tx1"/>
+                      </a:solidFill>
+                      <a:prstDash val="solid"/>
+                      <a:round/>
+                      <a:headEnd type="none" w="med" len="med"/>
+                      <a:tailEnd type="none" w="med" len="med"/>
+                    </a:lnT>
+                    <a:lnB w="12700" cap="flat" cmpd="sng" algn="ctr">
+                      <a:solidFill>
+                        <a:schemeClr val="tx1"/>
+                      </a:solidFill>
+                      <a:prstDash val="solid"/>
+                      <a:round/>
+                      <a:headEnd type="none" w="med" len="med"/>
+                      <a:tailEnd type="none" w="med" len="med"/>
+                    </a:lnB>
+                    <a:noFill/>
+                  </a:tcPr>
+                </a:tc>
+                <a:tc>
+                  <a:txBody>
+                    <a:bodyPr/>
+                    <a:lstStyle/>
+                    <a:p>
+                      <a:pPr algn="ctr"/>
+                      <a:endParaRPr lang="pt-PT" sz="1000" dirty="0">
+                        <a:solidFill>
+                          <a:schemeClr val="tx1"/>
+                        </a:solidFill>
+                        <a:latin typeface="Arial Narrow" panose="020B0606020202030204" pitchFamily="34" charset="0"/>
+                      </a:endParaRPr>
+                    </a:p>
+                  </a:txBody>
+                  <a:tcPr marL="0" marR="0" marT="0" marB="0" anchor="ctr">
+                    <a:lnT w="12700" cap="flat" cmpd="sng" algn="ctr">
+                      <a:solidFill>
+                        <a:schemeClr val="tx1"/>
+                      </a:solidFill>
+                      <a:prstDash val="solid"/>
+                      <a:round/>
+                      <a:headEnd type="none" w="med" len="med"/>
+                      <a:tailEnd type="none" w="med" len="med"/>
+                    </a:lnT>
+                    <a:lnB w="12700" cap="flat" cmpd="sng" algn="ctr">
+                      <a:solidFill>
+                        <a:schemeClr val="tx1"/>
+                      </a:solidFill>
+                      <a:prstDash val="solid"/>
+                      <a:round/>
+                      <a:headEnd type="none" w="med" len="med"/>
+                      <a:tailEnd type="none" w="med" len="med"/>
+                    </a:lnB>
+                    <a:noFill/>
+                  </a:tcPr>
+                </a:tc>
+                <a:tc>
+                  <a:txBody>
+                    <a:bodyPr/>
+                    <a:lstStyle/>
+                    <a:p>
+                      <a:pPr algn="ctr"/>
+                      <a:endParaRPr lang="pt-PT" sz="1000" dirty="0">
+                        <a:solidFill>
+                          <a:schemeClr val="tx1"/>
+                        </a:solidFill>
+                        <a:latin typeface="Arial Narrow" panose="020B0606020202030204" pitchFamily="34" charset="0"/>
+                      </a:endParaRPr>
+                    </a:p>
+                  </a:txBody>
+                  <a:tcPr marL="0" marR="0" marT="0" marB="0" anchor="ctr">
+                    <a:lnT w="12700" cap="flat" cmpd="sng" algn="ctr">
+                      <a:solidFill>
+                        <a:schemeClr val="tx1"/>
+                      </a:solidFill>
+                      <a:prstDash val="solid"/>
+                      <a:round/>
+                      <a:headEnd type="none" w="med" len="med"/>
+                      <a:tailEnd type="none" w="med" len="med"/>
+                    </a:lnT>
+                    <a:lnB w="12700" cap="flat" cmpd="sng" algn="ctr">
+                      <a:solidFill>
+                        <a:schemeClr val="tx1"/>
+                      </a:solidFill>
+                      <a:prstDash val="solid"/>
+                      <a:round/>
+                      <a:headEnd type="none" w="med" len="med"/>
+                      <a:tailEnd type="none" w="med" len="med"/>
+                    </a:lnB>
+                    <a:noFill/>
+                  </a:tcPr>
+                </a:tc>
+                <a:tc>
+                  <a:txBody>
+                    <a:bodyPr/>
+                    <a:lstStyle/>
+                    <a:p>
+                      <a:pPr algn="ctr"/>
+                      <a:endParaRPr lang="pt-PT" sz="1000" dirty="0">
+                        <a:solidFill>
+                          <a:schemeClr val="tx1"/>
+                        </a:solidFill>
+                        <a:latin typeface="Arial Narrow" panose="020B0606020202030204" pitchFamily="34" charset="0"/>
+                      </a:endParaRPr>
+                    </a:p>
+                  </a:txBody>
+                  <a:tcPr marL="0" marR="0" marT="0" marB="0" anchor="ctr">
+                    <a:lnT w="12700" cap="flat" cmpd="sng" algn="ctr">
+                      <a:solidFill>
+                        <a:schemeClr val="tx1"/>
+                      </a:solidFill>
+                      <a:prstDash val="solid"/>
+                      <a:round/>
+                      <a:headEnd type="none" w="med" len="med"/>
+                      <a:tailEnd type="none" w="med" len="med"/>
+                    </a:lnT>
+                    <a:lnB w="12700" cap="flat" cmpd="sng" algn="ctr">
+                      <a:solidFill>
+                        <a:schemeClr val="tx1"/>
+                      </a:solidFill>
+                      <a:prstDash val="solid"/>
+                      <a:round/>
+                      <a:headEnd type="none" w="med" len="med"/>
+                      <a:tailEnd type="none" w="med" len="med"/>
+                    </a:lnB>
+                    <a:noFill/>
+                  </a:tcPr>
+                </a:tc>
+                <a:tc>
+                  <a:txBody>
+                    <a:bodyPr/>
+                    <a:lstStyle/>
+                    <a:p>
+                      <a:pPr algn="ctr"/>
+                      <a:endParaRPr lang="pt-PT" sz="1000" dirty="0">
+                        <a:solidFill>
+                          <a:schemeClr val="tx1"/>
+                        </a:solidFill>
+                        <a:latin typeface="Arial Narrow" panose="020B0606020202030204" pitchFamily="34" charset="0"/>
+                      </a:endParaRPr>
+                    </a:p>
+                  </a:txBody>
+                  <a:tcPr marL="0" marR="0" marT="0" marB="0" anchor="ctr">
+                    <a:lnT w="12700" cap="flat" cmpd="sng" algn="ctr">
+                      <a:solidFill>
+                        <a:schemeClr val="tx1"/>
+                      </a:solidFill>
+                      <a:prstDash val="solid"/>
+                      <a:round/>
+                      <a:headEnd type="none" w="med" len="med"/>
+                      <a:tailEnd type="none" w="med" len="med"/>
+                    </a:lnT>
+                    <a:lnB w="12700" cap="flat" cmpd="sng" algn="ctr">
+                      <a:solidFill>
+                        <a:schemeClr val="tx1"/>
+                      </a:solidFill>
+                      <a:prstDash val="solid"/>
+                      <a:round/>
+                      <a:headEnd type="none" w="med" len="med"/>
+                      <a:tailEnd type="none" w="med" len="med"/>
+                    </a:lnB>
+                    <a:noFill/>
+                  </a:tcPr>
+                </a:tc>
+                <a:tc>
+                  <a:txBody>
+                    <a:bodyPr/>
+                    <a:lstStyle/>
+                    <a:p>
+                      <a:pPr algn="ctr"/>
+                      <a:endParaRPr lang="pt-PT" sz="1000" dirty="0">
+                        <a:solidFill>
+                          <a:schemeClr val="tx1"/>
+                        </a:solidFill>
+                        <a:latin typeface="Arial Narrow" panose="020B0606020202030204" pitchFamily="34" charset="0"/>
+                      </a:endParaRPr>
+                    </a:p>
+                  </a:txBody>
+                  <a:tcPr marL="0" marR="0" marT="0" marB="0" anchor="ctr">
+                    <a:lnT w="12700" cap="flat" cmpd="sng" algn="ctr">
+                      <a:solidFill>
+                        <a:schemeClr val="tx1"/>
+                      </a:solidFill>
+                      <a:prstDash val="solid"/>
+                      <a:round/>
+                      <a:headEnd type="none" w="med" len="med"/>
+                      <a:tailEnd type="none" w="med" len="med"/>
+                    </a:lnT>
+                    <a:lnB w="12700" cap="flat" cmpd="sng" algn="ctr">
+                      <a:solidFill>
+                        <a:schemeClr val="tx1"/>
+                      </a:solidFill>
+                      <a:prstDash val="solid"/>
+                      <a:round/>
+                      <a:headEnd type="none" w="med" len="med"/>
+                      <a:tailEnd type="none" w="med" len="med"/>
+                    </a:lnB>
+                    <a:noFill/>
+                  </a:tcPr>
+                </a:tc>
+                <a:extLst>
+                  <a:ext uri="{0D108BD9-81ED-4DB2-BD59-A6C34878D82A}">
+                    <a16:rowId xmlns:a16="http://schemas.microsoft.com/office/drawing/2014/main" val="3207891239"/>
+                  </a:ext>
+                </a:extLst>
+              </a:tr>
+              <a:tr h="288000">
+                <a:tc>
+                  <a:txBody>
+                    <a:bodyPr/>
+                    <a:lstStyle/>
+                    <a:p>
+                      <a:pPr algn="ctr"/>
+                      <a:r>
+                        <a:rPr lang="pt-PT" sz="1000" dirty="0">
+                          <a:solidFill>
+                            <a:schemeClr val="tx1"/>
+                          </a:solidFill>
+                          <a:latin typeface="Arial Narrow" panose="020B0606020202030204" pitchFamily="34" charset="0"/>
+                        </a:rPr>
+                        <a:t>d[i]</a:t>
+                      </a:r>
+                    </a:p>
+                  </a:txBody>
+                  <a:tcPr marL="0" marR="0" marT="0" marB="0" anchor="ctr">
+                    <a:lnL w="12700" cap="flat" cmpd="sng" algn="ctr">
+                      <a:solidFill>
+                        <a:schemeClr val="tx1"/>
+                      </a:solidFill>
+                      <a:prstDash val="solid"/>
+                      <a:round/>
+                      <a:headEnd type="none" w="med" len="med"/>
+                      <a:tailEnd type="none" w="med" len="med"/>
+                    </a:lnL>
+                    <a:lnR w="12700" cap="flat" cmpd="sng" algn="ctr">
+                      <a:solidFill>
+                        <a:schemeClr val="tx1"/>
+                      </a:solidFill>
+                      <a:prstDash val="solid"/>
+                      <a:round/>
+                      <a:headEnd type="none" w="med" len="med"/>
+                      <a:tailEnd type="none" w="med" len="med"/>
+                    </a:lnR>
+                    <a:lnT w="12700" cap="flat" cmpd="sng" algn="ctr">
+                      <a:solidFill>
+                        <a:schemeClr val="tx1"/>
+                      </a:solidFill>
+                      <a:prstDash val="solid"/>
+                      <a:round/>
+                      <a:headEnd type="none" w="med" len="med"/>
+                      <a:tailEnd type="none" w="med" len="med"/>
+                    </a:lnT>
+                    <a:lnB w="12700" cap="flat" cmpd="sng" algn="ctr">
+                      <a:solidFill>
+                        <a:schemeClr val="tx1"/>
+                      </a:solidFill>
+                      <a:prstDash val="solid"/>
+                      <a:round/>
+                      <a:headEnd type="none" w="med" len="med"/>
+                      <a:tailEnd type="none" w="med" len="med"/>
+                    </a:lnB>
+                    <a:noFill/>
+                  </a:tcPr>
+                </a:tc>
+                <a:tc>
+                  <a:txBody>
+                    <a:bodyPr/>
+                    <a:lstStyle/>
+                    <a:p>
+                      <a:pPr algn="ctr"/>
+                      <a:r>
+                        <a:rPr lang="pt-PT" sz="1000" dirty="0">
+                          <a:solidFill>
+                            <a:schemeClr val="tx1"/>
+                          </a:solidFill>
+                          <a:latin typeface="Arial Narrow" panose="020B0606020202030204" pitchFamily="34" charset="0"/>
+                        </a:rPr>
+                        <a:t>d[i+1]</a:t>
+                      </a:r>
+                    </a:p>
+                  </a:txBody>
+                  <a:tcPr marL="0" marR="0" marT="0" marB="0" anchor="ctr">
+                    <a:lnL w="12700" cap="flat" cmpd="sng" algn="ctr">
+                      <a:solidFill>
+                        <a:schemeClr val="tx1"/>
+                      </a:solidFill>
+                      <a:prstDash val="solid"/>
+                      <a:round/>
+                      <a:headEnd type="none" w="med" len="med"/>
+                      <a:tailEnd type="none" w="med" len="med"/>
+                    </a:lnL>
+                    <a:lnR w="12700" cap="flat" cmpd="sng" algn="ctr">
+                      <a:solidFill>
+                        <a:schemeClr val="tx1"/>
+                      </a:solidFill>
+                      <a:prstDash val="solid"/>
+                      <a:round/>
+                      <a:headEnd type="none" w="med" len="med"/>
+                      <a:tailEnd type="none" w="med" len="med"/>
+                    </a:lnR>
+                    <a:lnT w="12700" cap="flat" cmpd="sng" algn="ctr">
+                      <a:solidFill>
+                        <a:schemeClr val="tx1"/>
+                      </a:solidFill>
+                      <a:prstDash val="solid"/>
+                      <a:round/>
+                      <a:headEnd type="none" w="med" len="med"/>
+                      <a:tailEnd type="none" w="med" len="med"/>
+                    </a:lnT>
+                    <a:lnB w="12700" cap="flat" cmpd="sng" algn="ctr">
+                      <a:solidFill>
+                        <a:schemeClr val="tx1"/>
+                      </a:solidFill>
+                      <a:prstDash val="solid"/>
+                      <a:round/>
+                      <a:headEnd type="none" w="med" len="med"/>
+                      <a:tailEnd type="none" w="med" len="med"/>
+                    </a:lnB>
+                    <a:noFill/>
+                  </a:tcPr>
+                </a:tc>
+                <a:tc>
+                  <a:txBody>
+                    <a:bodyPr/>
+                    <a:lstStyle/>
+                    <a:p>
+                      <a:pPr algn="ctr"/>
+                      <a:r>
+                        <a:rPr lang="pt-PT" sz="1000" dirty="0">
+                          <a:solidFill>
+                            <a:schemeClr val="tx1"/>
+                          </a:solidFill>
+                          <a:latin typeface="Arial Narrow" panose="020B0606020202030204" pitchFamily="34" charset="0"/>
+                        </a:rPr>
+                        <a:t>d[i+2]</a:t>
+                      </a:r>
+                    </a:p>
+                  </a:txBody>
+                  <a:tcPr marL="0" marR="0" marT="0" marB="0" anchor="ctr">
+                    <a:lnL w="12700" cap="flat" cmpd="sng" algn="ctr">
+                      <a:solidFill>
+                        <a:schemeClr val="tx1"/>
+                      </a:solidFill>
+                      <a:prstDash val="solid"/>
+                      <a:round/>
+                      <a:headEnd type="none" w="med" len="med"/>
+                      <a:tailEnd type="none" w="med" len="med"/>
+                    </a:lnL>
+                    <a:lnR w="12700" cap="flat" cmpd="sng" algn="ctr">
+                      <a:solidFill>
+                        <a:schemeClr val="tx1"/>
+                      </a:solidFill>
+                      <a:prstDash val="solid"/>
+                      <a:round/>
+                      <a:headEnd type="none" w="med" len="med"/>
+                      <a:tailEnd type="none" w="med" len="med"/>
+                    </a:lnR>
+                    <a:lnT w="12700" cap="flat" cmpd="sng" algn="ctr">
+                      <a:solidFill>
+                        <a:schemeClr val="tx1"/>
+                      </a:solidFill>
+                      <a:prstDash val="solid"/>
+                      <a:round/>
+                      <a:headEnd type="none" w="med" len="med"/>
+                      <a:tailEnd type="none" w="med" len="med"/>
+                    </a:lnT>
+                    <a:lnB w="12700" cap="flat" cmpd="sng" algn="ctr">
+                      <a:solidFill>
+                        <a:schemeClr val="tx1"/>
+                      </a:solidFill>
+                      <a:prstDash val="solid"/>
+                      <a:round/>
+                      <a:headEnd type="none" w="med" len="med"/>
+                      <a:tailEnd type="none" w="med" len="med"/>
+                    </a:lnB>
+                    <a:noFill/>
+                  </a:tcPr>
+                </a:tc>
+                <a:tc>
+                  <a:txBody>
+                    <a:bodyPr/>
+                    <a:lstStyle/>
+                    <a:p>
+                      <a:pPr algn="ctr"/>
+                      <a:r>
+                        <a:rPr lang="pt-PT" sz="1000" dirty="0">
+                          <a:solidFill>
+                            <a:schemeClr val="tx1"/>
+                          </a:solidFill>
+                          <a:latin typeface="Arial Narrow" panose="020B0606020202030204" pitchFamily="34" charset="0"/>
+                        </a:rPr>
+                        <a:t>d[i+3]</a:t>
+                      </a:r>
+                    </a:p>
+                  </a:txBody>
+                  <a:tcPr marL="0" marR="0" marT="0" marB="0" anchor="ctr">
+                    <a:lnL w="12700" cap="flat" cmpd="sng" algn="ctr">
+                      <a:solidFill>
+                        <a:schemeClr val="tx1"/>
+                      </a:solidFill>
+                      <a:prstDash val="solid"/>
+                      <a:round/>
+                      <a:headEnd type="none" w="med" len="med"/>
+                      <a:tailEnd type="none" w="med" len="med"/>
+                    </a:lnL>
+                    <a:lnR w="12700" cap="flat" cmpd="sng" algn="ctr">
+                      <a:solidFill>
+                        <a:schemeClr val="tx1"/>
+                      </a:solidFill>
+                      <a:prstDash val="solid"/>
+                      <a:round/>
+                      <a:headEnd type="none" w="med" len="med"/>
+                      <a:tailEnd type="none" w="med" len="med"/>
+                    </a:lnR>
+                    <a:lnT w="12700" cap="flat" cmpd="sng" algn="ctr">
+                      <a:solidFill>
+                        <a:schemeClr val="tx1"/>
+                      </a:solidFill>
+                      <a:prstDash val="solid"/>
+                      <a:round/>
+                      <a:headEnd type="none" w="med" len="med"/>
+                      <a:tailEnd type="none" w="med" len="med"/>
+                    </a:lnT>
+                    <a:lnB w="12700" cap="flat" cmpd="sng" algn="ctr">
+                      <a:solidFill>
+                        <a:schemeClr val="tx1"/>
+                      </a:solidFill>
+                      <a:prstDash val="solid"/>
+                      <a:round/>
+                      <a:headEnd type="none" w="med" len="med"/>
+                      <a:tailEnd type="none" w="med" len="med"/>
+                    </a:lnB>
+                    <a:noFill/>
+                  </a:tcPr>
+                </a:tc>
+                <a:tc>
+                  <a:txBody>
+                    <a:bodyPr/>
+                    <a:lstStyle/>
+                    <a:p>
+                      <a:pPr algn="ctr"/>
+                      <a:r>
+                        <a:rPr lang="pt-PT" sz="1000" dirty="0">
+                          <a:solidFill>
+                            <a:schemeClr val="tx1"/>
+                          </a:solidFill>
+                          <a:latin typeface="Arial Narrow" panose="020B0606020202030204" pitchFamily="34" charset="0"/>
+                        </a:rPr>
+                        <a:t>…</a:t>
+                      </a:r>
+                    </a:p>
+                  </a:txBody>
+                  <a:tcPr marL="0" marR="0" marT="0" marB="0" anchor="ctr">
+                    <a:lnL w="12700" cap="flat" cmpd="sng" algn="ctr">
+                      <a:solidFill>
+                        <a:schemeClr val="tx1"/>
+                      </a:solidFill>
+                      <a:prstDash val="solid"/>
+                      <a:round/>
+                      <a:headEnd type="none" w="med" len="med"/>
+                      <a:tailEnd type="none" w="med" len="med"/>
+                    </a:lnL>
+                    <a:lnR w="12700" cap="flat" cmpd="sng" algn="ctr">
+                      <a:solidFill>
+                        <a:schemeClr val="tx1"/>
+                      </a:solidFill>
+                      <a:prstDash val="solid"/>
+                      <a:round/>
+                      <a:headEnd type="none" w="med" len="med"/>
+                      <a:tailEnd type="none" w="med" len="med"/>
+                    </a:lnR>
+                    <a:lnT w="12700" cap="flat" cmpd="sng" algn="ctr">
+                      <a:solidFill>
+                        <a:schemeClr val="tx1"/>
+                      </a:solidFill>
+                      <a:prstDash val="solid"/>
+                      <a:round/>
+                      <a:headEnd type="none" w="med" len="med"/>
+                      <a:tailEnd type="none" w="med" len="med"/>
+                    </a:lnT>
+                    <a:lnB w="12700" cap="flat" cmpd="sng" algn="ctr">
+                      <a:solidFill>
+                        <a:schemeClr val="tx1"/>
+                      </a:solidFill>
+                      <a:prstDash val="solid"/>
+                      <a:round/>
+                      <a:headEnd type="none" w="med" len="med"/>
+                      <a:tailEnd type="none" w="med" len="med"/>
+                    </a:lnB>
+                    <a:noFill/>
+                  </a:tcPr>
+                </a:tc>
+                <a:tc>
+                  <a:txBody>
+                    <a:bodyPr/>
+                    <a:lstStyle/>
+                    <a:p>
+                      <a:pPr algn="ctr"/>
+                      <a:r>
+                        <a:rPr lang="pt-PT" sz="1000" dirty="0">
+                          <a:solidFill>
+                            <a:schemeClr val="tx1"/>
+                          </a:solidFill>
+                          <a:latin typeface="Arial Narrow" panose="020B0606020202030204" pitchFamily="34" charset="0"/>
+                        </a:rPr>
+                        <a:t>…</a:t>
+                      </a:r>
+                    </a:p>
+                  </a:txBody>
+                  <a:tcPr marL="0" marR="0" marT="0" marB="0" anchor="ctr">
+                    <a:lnL w="12700" cap="flat" cmpd="sng" algn="ctr">
+                      <a:solidFill>
+                        <a:schemeClr val="tx1"/>
+                      </a:solidFill>
+                      <a:prstDash val="solid"/>
+                      <a:round/>
+                      <a:headEnd type="none" w="med" len="med"/>
+                      <a:tailEnd type="none" w="med" len="med"/>
+                    </a:lnL>
+                    <a:lnR w="12700" cap="flat" cmpd="sng" algn="ctr">
+                      <a:solidFill>
+                        <a:schemeClr val="tx1"/>
+                      </a:solidFill>
+                      <a:prstDash val="solid"/>
+                      <a:round/>
+                      <a:headEnd type="none" w="med" len="med"/>
+                      <a:tailEnd type="none" w="med" len="med"/>
+                    </a:lnR>
+                    <a:lnT w="12700" cap="flat" cmpd="sng" algn="ctr">
+                      <a:solidFill>
+                        <a:schemeClr val="tx1"/>
+                      </a:solidFill>
+                      <a:prstDash val="solid"/>
+                      <a:round/>
+                      <a:headEnd type="none" w="med" len="med"/>
+                      <a:tailEnd type="none" w="med" len="med"/>
+                    </a:lnT>
+                    <a:lnB w="12700" cap="flat" cmpd="sng" algn="ctr">
+                      <a:solidFill>
+                        <a:schemeClr val="tx1"/>
+                      </a:solidFill>
+                      <a:prstDash val="solid"/>
+                      <a:round/>
+                      <a:headEnd type="none" w="med" len="med"/>
+                      <a:tailEnd type="none" w="med" len="med"/>
+                    </a:lnB>
+                    <a:noFill/>
+                  </a:tcPr>
+                </a:tc>
+                <a:tc>
+                  <a:txBody>
+                    <a:bodyPr/>
+                    <a:lstStyle/>
+                    <a:p>
+                      <a:pPr algn="ctr"/>
+                      <a:r>
+                        <a:rPr lang="pt-PT" sz="1000" dirty="0">
+                          <a:solidFill>
+                            <a:schemeClr val="tx1"/>
+                          </a:solidFill>
+                          <a:latin typeface="Arial Narrow" panose="020B0606020202030204" pitchFamily="34" charset="0"/>
+                        </a:rPr>
+                        <a:t>…</a:t>
+                      </a:r>
+                    </a:p>
+                  </a:txBody>
+                  <a:tcPr marL="0" marR="0" marT="0" marB="0" anchor="ctr">
+                    <a:lnL w="12700" cap="flat" cmpd="sng" algn="ctr">
+                      <a:solidFill>
+                        <a:schemeClr val="tx1"/>
+                      </a:solidFill>
+                      <a:prstDash val="solid"/>
+                      <a:round/>
+                      <a:headEnd type="none" w="med" len="med"/>
+                      <a:tailEnd type="none" w="med" len="med"/>
+                    </a:lnL>
+                    <a:lnR w="12700" cap="flat" cmpd="sng" algn="ctr">
+                      <a:solidFill>
+                        <a:schemeClr val="tx1"/>
+                      </a:solidFill>
+                      <a:prstDash val="solid"/>
+                      <a:round/>
+                      <a:headEnd type="none" w="med" len="med"/>
+                      <a:tailEnd type="none" w="med" len="med"/>
+                    </a:lnR>
+                    <a:lnT w="12700" cap="flat" cmpd="sng" algn="ctr">
+                      <a:solidFill>
+                        <a:schemeClr val="tx1"/>
+                      </a:solidFill>
+                      <a:prstDash val="solid"/>
+                      <a:round/>
+                      <a:headEnd type="none" w="med" len="med"/>
+                      <a:tailEnd type="none" w="med" len="med"/>
+                    </a:lnT>
+                    <a:lnB w="12700" cap="flat" cmpd="sng" algn="ctr">
+                      <a:solidFill>
+                        <a:schemeClr val="tx1"/>
+                      </a:solidFill>
+                      <a:prstDash val="solid"/>
+                      <a:round/>
+                      <a:headEnd type="none" w="med" len="med"/>
+                      <a:tailEnd type="none" w="med" len="med"/>
+                    </a:lnB>
+                    <a:noFill/>
+                  </a:tcPr>
+                </a:tc>
+                <a:tc>
+                  <a:txBody>
+                    <a:bodyPr/>
+                    <a:lstStyle/>
+                    <a:p>
+                      <a:pPr algn="ctr"/>
+                      <a:r>
+                        <a:rPr lang="pt-PT" sz="1000" dirty="0">
+                          <a:solidFill>
+                            <a:schemeClr val="tx1"/>
+                          </a:solidFill>
+                          <a:latin typeface="Arial Narrow" panose="020B0606020202030204" pitchFamily="34" charset="0"/>
+                        </a:rPr>
+                        <a:t>d[</a:t>
+                      </a:r>
+                      <a:r>
+                        <a:rPr lang="pt-PT" sz="1000" dirty="0" err="1">
+                          <a:solidFill>
+                            <a:schemeClr val="tx1"/>
+                          </a:solidFill>
+                          <a:latin typeface="Arial Narrow" panose="020B0606020202030204" pitchFamily="34" charset="0"/>
+                        </a:rPr>
+                        <a:t>i+n</a:t>
+                      </a:r>
+                      <a:r>
+                        <a:rPr lang="pt-PT" sz="1000" dirty="0">
+                          <a:solidFill>
+                            <a:schemeClr val="tx1"/>
+                          </a:solidFill>
+                          <a:latin typeface="Arial Narrow" panose="020B0606020202030204" pitchFamily="34" charset="0"/>
+                        </a:rPr>
+                        <a:t>]</a:t>
+                      </a:r>
+                    </a:p>
+                  </a:txBody>
+                  <a:tcPr marL="0" marR="0" marT="0" marB="0" anchor="ctr">
+                    <a:lnL w="12700" cap="flat" cmpd="sng" algn="ctr">
+                      <a:solidFill>
+                        <a:schemeClr val="tx1"/>
+                      </a:solidFill>
+                      <a:prstDash val="solid"/>
+                      <a:round/>
+                      <a:headEnd type="none" w="med" len="med"/>
+                      <a:tailEnd type="none" w="med" len="med"/>
+                    </a:lnL>
+                    <a:lnR w="12700" cap="flat" cmpd="sng" algn="ctr">
+                      <a:solidFill>
+                        <a:schemeClr val="tx1"/>
+                      </a:solidFill>
+                      <a:prstDash val="solid"/>
+                      <a:round/>
+                      <a:headEnd type="none" w="med" len="med"/>
+                      <a:tailEnd type="none" w="med" len="med"/>
+                    </a:lnR>
+                    <a:lnT w="12700" cap="flat" cmpd="sng" algn="ctr">
+                      <a:solidFill>
+                        <a:schemeClr val="tx1"/>
+                      </a:solidFill>
+                      <a:prstDash val="solid"/>
+                      <a:round/>
+                      <a:headEnd type="none" w="med" len="med"/>
+                      <a:tailEnd type="none" w="med" len="med"/>
+                    </a:lnT>
+                    <a:lnB w="12700" cap="flat" cmpd="sng" algn="ctr">
+                      <a:solidFill>
+                        <a:schemeClr val="tx1"/>
+                      </a:solidFill>
+                      <a:prstDash val="solid"/>
+                      <a:round/>
+                      <a:headEnd type="none" w="med" len="med"/>
+                      <a:tailEnd type="none" w="med" len="med"/>
+                    </a:lnB>
+                    <a:noFill/>
+                  </a:tcPr>
+                </a:tc>
+                <a:extLst>
+                  <a:ext uri="{0D108BD9-81ED-4DB2-BD59-A6C34878D82A}">
+                    <a16:rowId xmlns:a16="http://schemas.microsoft.com/office/drawing/2014/main" val="2636471998"/>
+                  </a:ext>
+                </a:extLst>
+              </a:tr>
+              <a:tr h="756000">
+                <a:tc>
+                  <a:txBody>
+                    <a:bodyPr/>
+                    <a:lstStyle/>
+                    <a:p>
+                      <a:pPr algn="ctr"/>
+                      <a:endParaRPr lang="pt-PT" sz="1000">
+                        <a:solidFill>
+                          <a:schemeClr val="tx1"/>
+                        </a:solidFill>
+                        <a:latin typeface="Arial Narrow" panose="020B0606020202030204" pitchFamily="34" charset="0"/>
+                      </a:endParaRPr>
+                    </a:p>
+                  </a:txBody>
+                  <a:tcPr marL="0" marR="0" marT="0" marB="0" anchor="ctr">
+                    <a:lnT w="12700" cap="flat" cmpd="sng" algn="ctr">
+                      <a:solidFill>
+                        <a:schemeClr val="tx1"/>
+                      </a:solidFill>
+                      <a:prstDash val="solid"/>
+                      <a:round/>
+                      <a:headEnd type="none" w="med" len="med"/>
+                      <a:tailEnd type="none" w="med" len="med"/>
+                    </a:lnT>
+                    <a:lnB w="12700" cap="flat" cmpd="sng" algn="ctr">
+                      <a:solidFill>
+                        <a:schemeClr val="tx1"/>
+                      </a:solidFill>
+                      <a:prstDash val="solid"/>
+                      <a:round/>
+                      <a:headEnd type="none" w="med" len="med"/>
+                      <a:tailEnd type="none" w="med" len="med"/>
+                    </a:lnB>
+                    <a:noFill/>
+                  </a:tcPr>
+                </a:tc>
+                <a:tc>
+                  <a:txBody>
+                    <a:bodyPr/>
+                    <a:lstStyle/>
+                    <a:p>
+                      <a:pPr algn="ctr"/>
+                      <a:endParaRPr lang="pt-PT" sz="1000" dirty="0">
+                        <a:solidFill>
+                          <a:schemeClr val="tx1"/>
+                        </a:solidFill>
+                        <a:latin typeface="Arial Narrow" panose="020B0606020202030204" pitchFamily="34" charset="0"/>
+                      </a:endParaRPr>
+                    </a:p>
+                  </a:txBody>
+                  <a:tcPr marL="0" marR="0" marT="0" marB="0" anchor="ctr">
+                    <a:lnT w="12700" cap="flat" cmpd="sng" algn="ctr">
+                      <a:solidFill>
+                        <a:schemeClr val="tx1"/>
+                      </a:solidFill>
+                      <a:prstDash val="solid"/>
+                      <a:round/>
+                      <a:headEnd type="none" w="med" len="med"/>
+                      <a:tailEnd type="none" w="med" len="med"/>
+                    </a:lnT>
+                    <a:lnB w="12700" cap="flat" cmpd="sng" algn="ctr">
+                      <a:solidFill>
+                        <a:schemeClr val="tx1"/>
+                      </a:solidFill>
+                      <a:prstDash val="solid"/>
+                      <a:round/>
+                      <a:headEnd type="none" w="med" len="med"/>
+                      <a:tailEnd type="none" w="med" len="med"/>
+                    </a:lnB>
+                    <a:noFill/>
+                  </a:tcPr>
+                </a:tc>
+                <a:tc>
+                  <a:txBody>
+                    <a:bodyPr/>
+                    <a:lstStyle/>
+                    <a:p>
+                      <a:pPr algn="ctr"/>
+                      <a:endParaRPr lang="pt-PT" sz="1000" dirty="0">
+                        <a:solidFill>
+                          <a:schemeClr val="tx1"/>
+                        </a:solidFill>
+                        <a:latin typeface="Arial Narrow" panose="020B0606020202030204" pitchFamily="34" charset="0"/>
+                      </a:endParaRPr>
+                    </a:p>
+                  </a:txBody>
+                  <a:tcPr marL="0" marR="0" marT="0" marB="0" anchor="ctr">
+                    <a:lnT w="12700" cap="flat" cmpd="sng" algn="ctr">
+                      <a:solidFill>
+                        <a:schemeClr val="tx1"/>
+                      </a:solidFill>
+                      <a:prstDash val="solid"/>
+                      <a:round/>
+                      <a:headEnd type="none" w="med" len="med"/>
+                      <a:tailEnd type="none" w="med" len="med"/>
+                    </a:lnT>
+                    <a:lnB w="12700" cap="flat" cmpd="sng" algn="ctr">
+                      <a:solidFill>
+                        <a:schemeClr val="tx1"/>
+                      </a:solidFill>
+                      <a:prstDash val="solid"/>
+                      <a:round/>
+                      <a:headEnd type="none" w="med" len="med"/>
+                      <a:tailEnd type="none" w="med" len="med"/>
+                    </a:lnB>
+                    <a:noFill/>
+                  </a:tcPr>
+                </a:tc>
+                <a:tc>
+                  <a:txBody>
+                    <a:bodyPr/>
+                    <a:lstStyle/>
+                    <a:p>
+                      <a:pPr algn="ctr"/>
+                      <a:endParaRPr lang="pt-PT" sz="1000" dirty="0">
+                        <a:solidFill>
+                          <a:schemeClr val="tx1"/>
+                        </a:solidFill>
+                        <a:latin typeface="Arial Narrow" panose="020B0606020202030204" pitchFamily="34" charset="0"/>
+                      </a:endParaRPr>
+                    </a:p>
+                  </a:txBody>
+                  <a:tcPr marL="0" marR="0" marT="0" marB="0" anchor="ctr">
+                    <a:lnT w="12700" cap="flat" cmpd="sng" algn="ctr">
+                      <a:solidFill>
+                        <a:schemeClr val="tx1"/>
+                      </a:solidFill>
+                      <a:prstDash val="solid"/>
+                      <a:round/>
+                      <a:headEnd type="none" w="med" len="med"/>
+                      <a:tailEnd type="none" w="med" len="med"/>
+                    </a:lnT>
+                    <a:lnB w="12700" cap="flat" cmpd="sng" algn="ctr">
+                      <a:solidFill>
+                        <a:schemeClr val="tx1"/>
+                      </a:solidFill>
+                      <a:prstDash val="solid"/>
+                      <a:round/>
+                      <a:headEnd type="none" w="med" len="med"/>
+                      <a:tailEnd type="none" w="med" len="med"/>
+                    </a:lnB>
+                    <a:noFill/>
+                  </a:tcPr>
+                </a:tc>
+                <a:tc>
+                  <a:txBody>
+                    <a:bodyPr/>
+                    <a:lstStyle/>
+                    <a:p>
+                      <a:pPr algn="ctr"/>
+                      <a:endParaRPr lang="pt-PT" sz="1000" dirty="0">
+                        <a:solidFill>
+                          <a:schemeClr val="tx1"/>
+                        </a:solidFill>
+                        <a:latin typeface="Arial Narrow" panose="020B0606020202030204" pitchFamily="34" charset="0"/>
+                      </a:endParaRPr>
+                    </a:p>
+                  </a:txBody>
+                  <a:tcPr marL="0" marR="0" marT="0" marB="0" anchor="ctr">
+                    <a:lnT w="12700" cap="flat" cmpd="sng" algn="ctr">
+                      <a:solidFill>
+                        <a:schemeClr val="tx1"/>
+                      </a:solidFill>
+                      <a:prstDash val="solid"/>
+                      <a:round/>
+                      <a:headEnd type="none" w="med" len="med"/>
+                      <a:tailEnd type="none" w="med" len="med"/>
+                    </a:lnT>
+                    <a:lnB w="12700" cap="flat" cmpd="sng" algn="ctr">
+                      <a:solidFill>
+                        <a:schemeClr val="tx1"/>
+                      </a:solidFill>
+                      <a:prstDash val="solid"/>
+                      <a:round/>
+                      <a:headEnd type="none" w="med" len="med"/>
+                      <a:tailEnd type="none" w="med" len="med"/>
+                    </a:lnB>
+                    <a:noFill/>
+                  </a:tcPr>
+                </a:tc>
+                <a:tc>
+                  <a:txBody>
+                    <a:bodyPr/>
+                    <a:lstStyle/>
+                    <a:p>
+                      <a:pPr algn="ctr"/>
+                      <a:endParaRPr lang="pt-PT" sz="1000" dirty="0">
+                        <a:solidFill>
+                          <a:schemeClr val="tx1"/>
+                        </a:solidFill>
+                        <a:latin typeface="Arial Narrow" panose="020B0606020202030204" pitchFamily="34" charset="0"/>
+                      </a:endParaRPr>
+                    </a:p>
+                  </a:txBody>
+                  <a:tcPr marL="0" marR="0" marT="0" marB="0" anchor="ctr">
+                    <a:lnT w="12700" cap="flat" cmpd="sng" algn="ctr">
+                      <a:solidFill>
+                        <a:schemeClr val="tx1"/>
+                      </a:solidFill>
+                      <a:prstDash val="solid"/>
+                      <a:round/>
+                      <a:headEnd type="none" w="med" len="med"/>
+                      <a:tailEnd type="none" w="med" len="med"/>
+                    </a:lnT>
+                    <a:lnB w="12700" cap="flat" cmpd="sng" algn="ctr">
+                      <a:solidFill>
+                        <a:schemeClr val="tx1"/>
+                      </a:solidFill>
+                      <a:prstDash val="solid"/>
+                      <a:round/>
+                      <a:headEnd type="none" w="med" len="med"/>
+                      <a:tailEnd type="none" w="med" len="med"/>
+                    </a:lnB>
+                    <a:noFill/>
+                  </a:tcPr>
+                </a:tc>
+                <a:tc>
+                  <a:txBody>
+                    <a:bodyPr/>
+                    <a:lstStyle/>
+                    <a:p>
+                      <a:pPr algn="ctr"/>
+                      <a:endParaRPr lang="pt-PT" sz="1000">
+                        <a:solidFill>
+                          <a:schemeClr val="tx1"/>
+                        </a:solidFill>
+                        <a:latin typeface="Arial Narrow" panose="020B0606020202030204" pitchFamily="34" charset="0"/>
+                      </a:endParaRPr>
+                    </a:p>
+                  </a:txBody>
+                  <a:tcPr marL="0" marR="0" marT="0" marB="0" anchor="ctr">
+                    <a:lnT w="12700" cap="flat" cmpd="sng" algn="ctr">
+                      <a:solidFill>
+                        <a:schemeClr val="tx1"/>
+                      </a:solidFill>
+                      <a:prstDash val="solid"/>
+                      <a:round/>
+                      <a:headEnd type="none" w="med" len="med"/>
+                      <a:tailEnd type="none" w="med" len="med"/>
+                    </a:lnT>
+                    <a:lnB w="12700" cap="flat" cmpd="sng" algn="ctr">
+                      <a:solidFill>
+                        <a:schemeClr val="tx1"/>
+                      </a:solidFill>
+                      <a:prstDash val="solid"/>
+                      <a:round/>
+                      <a:headEnd type="none" w="med" len="med"/>
+                      <a:tailEnd type="none" w="med" len="med"/>
+                    </a:lnB>
+                    <a:noFill/>
+                  </a:tcPr>
+                </a:tc>
+                <a:tc>
+                  <a:txBody>
+                    <a:bodyPr/>
+                    <a:lstStyle/>
+                    <a:p>
+                      <a:pPr algn="ctr"/>
+                      <a:endParaRPr lang="pt-PT" sz="1000" dirty="0">
+                        <a:solidFill>
+                          <a:schemeClr val="tx1"/>
+                        </a:solidFill>
+                        <a:latin typeface="Arial Narrow" panose="020B0606020202030204" pitchFamily="34" charset="0"/>
+                      </a:endParaRPr>
+                    </a:p>
+                  </a:txBody>
+                  <a:tcPr marL="0" marR="0" marT="0" marB="0" anchor="ctr">
+                    <a:lnT w="12700" cap="flat" cmpd="sng" algn="ctr">
+                      <a:solidFill>
+                        <a:schemeClr val="tx1"/>
+                      </a:solidFill>
+                      <a:prstDash val="solid"/>
+                      <a:round/>
+                      <a:headEnd type="none" w="med" len="med"/>
+                      <a:tailEnd type="none" w="med" len="med"/>
+                    </a:lnT>
+                    <a:lnB w="12700" cap="flat" cmpd="sng" algn="ctr">
+                      <a:solidFill>
+                        <a:schemeClr val="tx1"/>
+                      </a:solidFill>
+                      <a:prstDash val="solid"/>
+                      <a:round/>
+                      <a:headEnd type="none" w="med" len="med"/>
+                      <a:tailEnd type="none" w="med" len="med"/>
+                    </a:lnB>
+                    <a:noFill/>
+                  </a:tcPr>
+                </a:tc>
+                <a:extLst>
+                  <a:ext uri="{0D108BD9-81ED-4DB2-BD59-A6C34878D82A}">
+                    <a16:rowId xmlns:a16="http://schemas.microsoft.com/office/drawing/2014/main" val="3802529132"/>
+                  </a:ext>
+                </a:extLst>
+              </a:tr>
+              <a:tr h="288000">
+                <a:tc>
+                  <a:txBody>
+                    <a:bodyPr/>
+                    <a:lstStyle/>
+                    <a:p>
+                      <a:pPr algn="ctr"/>
+                      <a:r>
+                        <a:rPr lang="pt-PT" sz="1000" dirty="0">
+                          <a:solidFill>
+                            <a:schemeClr val="tx1"/>
+                          </a:solidFill>
+                          <a:latin typeface="Arial Narrow" panose="020B0606020202030204" pitchFamily="34" charset="0"/>
+                        </a:rPr>
+                        <a:t>d[i]</a:t>
+                      </a:r>
+                    </a:p>
+                  </a:txBody>
+                  <a:tcPr marL="0" marR="0" marT="0" marB="0" anchor="ctr">
+                    <a:lnL w="12700" cap="flat" cmpd="sng" algn="ctr">
+                      <a:solidFill>
+                        <a:schemeClr val="tx1"/>
+                      </a:solidFill>
+                      <a:prstDash val="solid"/>
+                      <a:round/>
+                      <a:headEnd type="none" w="med" len="med"/>
+                      <a:tailEnd type="none" w="med" len="med"/>
+                    </a:lnL>
+                    <a:lnR w="12700" cap="flat" cmpd="sng" algn="ctr">
+                      <a:solidFill>
+                        <a:schemeClr val="tx1"/>
+                      </a:solidFill>
+                      <a:prstDash val="solid"/>
+                      <a:round/>
+                      <a:headEnd type="none" w="med" len="med"/>
+                      <a:tailEnd type="none" w="med" len="med"/>
+                    </a:lnR>
+                    <a:lnT w="12700" cap="flat" cmpd="sng" algn="ctr">
+                      <a:solidFill>
+                        <a:schemeClr val="tx1"/>
+                      </a:solidFill>
+                      <a:prstDash val="solid"/>
+                      <a:round/>
+                      <a:headEnd type="none" w="med" len="med"/>
+                      <a:tailEnd type="none" w="med" len="med"/>
+                    </a:lnT>
+                    <a:lnB w="12700" cap="flat" cmpd="sng" algn="ctr">
+                      <a:solidFill>
+                        <a:schemeClr val="tx1"/>
+                      </a:solidFill>
+                      <a:prstDash val="solid"/>
+                      <a:round/>
+                      <a:headEnd type="none" w="med" len="med"/>
+                      <a:tailEnd type="none" w="med" len="med"/>
+                    </a:lnB>
+                    <a:noFill/>
+                  </a:tcPr>
+                </a:tc>
+                <a:tc>
+                  <a:txBody>
+                    <a:bodyPr/>
+                    <a:lstStyle/>
+                    <a:p>
+                      <a:pPr algn="ctr"/>
+                      <a:r>
+                        <a:rPr lang="pt-PT" sz="1000" dirty="0">
+                          <a:solidFill>
+                            <a:schemeClr val="tx1"/>
+                          </a:solidFill>
+                          <a:latin typeface="Arial Narrow" panose="020B0606020202030204" pitchFamily="34" charset="0"/>
+                        </a:rPr>
+                        <a:t>d[i+1]</a:t>
+                      </a:r>
+                    </a:p>
+                  </a:txBody>
+                  <a:tcPr marL="0" marR="0" marT="0" marB="0" anchor="ctr">
+                    <a:lnL w="12700" cap="flat" cmpd="sng" algn="ctr">
+                      <a:solidFill>
+                        <a:schemeClr val="tx1"/>
+                      </a:solidFill>
+                      <a:prstDash val="solid"/>
+                      <a:round/>
+                      <a:headEnd type="none" w="med" len="med"/>
+                      <a:tailEnd type="none" w="med" len="med"/>
+                    </a:lnL>
+                    <a:lnR w="12700" cap="flat" cmpd="sng" algn="ctr">
+                      <a:solidFill>
+                        <a:schemeClr val="tx1"/>
+                      </a:solidFill>
+                      <a:prstDash val="solid"/>
+                      <a:round/>
+                      <a:headEnd type="none" w="med" len="med"/>
+                      <a:tailEnd type="none" w="med" len="med"/>
+                    </a:lnR>
+                    <a:lnT w="12700" cap="flat" cmpd="sng" algn="ctr">
+                      <a:solidFill>
+                        <a:schemeClr val="tx1"/>
+                      </a:solidFill>
+                      <a:prstDash val="solid"/>
+                      <a:round/>
+                      <a:headEnd type="none" w="med" len="med"/>
+                      <a:tailEnd type="none" w="med" len="med"/>
+                    </a:lnT>
+                    <a:lnB w="12700" cap="flat" cmpd="sng" algn="ctr">
+                      <a:solidFill>
+                        <a:schemeClr val="tx1"/>
+                      </a:solidFill>
+                      <a:prstDash val="solid"/>
+                      <a:round/>
+                      <a:headEnd type="none" w="med" len="med"/>
+                      <a:tailEnd type="none" w="med" len="med"/>
+                    </a:lnB>
+                    <a:noFill/>
+                  </a:tcPr>
+                </a:tc>
+                <a:tc>
+                  <a:txBody>
+                    <a:bodyPr/>
+                    <a:lstStyle/>
+                    <a:p>
+                      <a:pPr algn="ctr"/>
+                      <a:r>
+                        <a:rPr lang="pt-PT" sz="1000" dirty="0">
+                          <a:solidFill>
+                            <a:schemeClr val="tx1"/>
+                          </a:solidFill>
+                          <a:latin typeface="Arial Narrow" panose="020B0606020202030204" pitchFamily="34" charset="0"/>
+                        </a:rPr>
+                        <a:t>d[i+2]</a:t>
+                      </a:r>
+                    </a:p>
+                  </a:txBody>
+                  <a:tcPr marL="0" marR="0" marT="0" marB="0" anchor="ctr">
+                    <a:lnL w="12700" cap="flat" cmpd="sng" algn="ctr">
+                      <a:solidFill>
+                        <a:schemeClr val="tx1"/>
+                      </a:solidFill>
+                      <a:prstDash val="solid"/>
+                      <a:round/>
+                      <a:headEnd type="none" w="med" len="med"/>
+                      <a:tailEnd type="none" w="med" len="med"/>
+                    </a:lnL>
+                    <a:lnR w="12700" cap="flat" cmpd="sng" algn="ctr">
+                      <a:solidFill>
+                        <a:schemeClr val="tx1"/>
+                      </a:solidFill>
+                      <a:prstDash val="solid"/>
+                      <a:round/>
+                      <a:headEnd type="none" w="med" len="med"/>
+                      <a:tailEnd type="none" w="med" len="med"/>
+                    </a:lnR>
+                    <a:lnT w="12700" cap="flat" cmpd="sng" algn="ctr">
+                      <a:solidFill>
+                        <a:schemeClr val="tx1"/>
+                      </a:solidFill>
+                      <a:prstDash val="solid"/>
+                      <a:round/>
+                      <a:headEnd type="none" w="med" len="med"/>
+                      <a:tailEnd type="none" w="med" len="med"/>
+                    </a:lnT>
+                    <a:lnB w="12700" cap="flat" cmpd="sng" algn="ctr">
+                      <a:solidFill>
+                        <a:schemeClr val="tx1"/>
+                      </a:solidFill>
+                      <a:prstDash val="solid"/>
+                      <a:round/>
+                      <a:headEnd type="none" w="med" len="med"/>
+                      <a:tailEnd type="none" w="med" len="med"/>
+                    </a:lnB>
+                    <a:noFill/>
+                  </a:tcPr>
+                </a:tc>
+                <a:tc>
+                  <a:txBody>
+                    <a:bodyPr/>
+                    <a:lstStyle/>
+                    <a:p>
+                      <a:pPr algn="ctr"/>
+                      <a:r>
+                        <a:rPr lang="pt-PT" sz="1000" dirty="0">
+                          <a:solidFill>
+                            <a:schemeClr val="tx1"/>
+                          </a:solidFill>
+                          <a:latin typeface="Arial Narrow" panose="020B0606020202030204" pitchFamily="34" charset="0"/>
+                        </a:rPr>
+                        <a:t>d[i+3]</a:t>
+                      </a:r>
+                    </a:p>
+                  </a:txBody>
+                  <a:tcPr marL="0" marR="0" marT="0" marB="0" anchor="ctr">
+                    <a:lnL w="12700" cap="flat" cmpd="sng" algn="ctr">
+                      <a:solidFill>
+                        <a:schemeClr val="tx1"/>
+                      </a:solidFill>
+                      <a:prstDash val="solid"/>
+                      <a:round/>
+                      <a:headEnd type="none" w="med" len="med"/>
+                      <a:tailEnd type="none" w="med" len="med"/>
+                    </a:lnL>
+                    <a:lnR w="12700" cap="flat" cmpd="sng" algn="ctr">
+                      <a:solidFill>
+                        <a:schemeClr val="tx1"/>
+                      </a:solidFill>
+                      <a:prstDash val="solid"/>
+                      <a:round/>
+                      <a:headEnd type="none" w="med" len="med"/>
+                      <a:tailEnd type="none" w="med" len="med"/>
+                    </a:lnR>
+                    <a:lnT w="12700" cap="flat" cmpd="sng" algn="ctr">
+                      <a:solidFill>
+                        <a:schemeClr val="tx1"/>
+                      </a:solidFill>
+                      <a:prstDash val="solid"/>
+                      <a:round/>
+                      <a:headEnd type="none" w="med" len="med"/>
+                      <a:tailEnd type="none" w="med" len="med"/>
+                    </a:lnT>
+                    <a:lnB w="12700" cap="flat" cmpd="sng" algn="ctr">
+                      <a:solidFill>
+                        <a:schemeClr val="tx1"/>
+                      </a:solidFill>
+                      <a:prstDash val="solid"/>
+                      <a:round/>
+                      <a:headEnd type="none" w="med" len="med"/>
+                      <a:tailEnd type="none" w="med" len="med"/>
+                    </a:lnB>
+                    <a:noFill/>
+                  </a:tcPr>
+                </a:tc>
+                <a:tc>
+                  <a:txBody>
+                    <a:bodyPr/>
+                    <a:lstStyle/>
+                    <a:p>
+                      <a:pPr algn="ctr"/>
+                      <a:r>
+                        <a:rPr lang="pt-PT" sz="1000" dirty="0">
+                          <a:solidFill>
+                            <a:schemeClr val="tx1"/>
+                          </a:solidFill>
+                          <a:latin typeface="Arial Narrow" panose="020B0606020202030204" pitchFamily="34" charset="0"/>
+                        </a:rPr>
+                        <a:t>…</a:t>
+                      </a:r>
+                    </a:p>
+                  </a:txBody>
+                  <a:tcPr marL="0" marR="0" marT="0" marB="0" anchor="ctr">
+                    <a:lnL w="12700" cap="flat" cmpd="sng" algn="ctr">
+                      <a:solidFill>
+                        <a:schemeClr val="tx1"/>
+                      </a:solidFill>
+                      <a:prstDash val="solid"/>
+                      <a:round/>
+                      <a:headEnd type="none" w="med" len="med"/>
+                      <a:tailEnd type="none" w="med" len="med"/>
+                    </a:lnL>
+                    <a:lnR w="12700" cap="flat" cmpd="sng" algn="ctr">
+                      <a:solidFill>
+                        <a:schemeClr val="tx1"/>
+                      </a:solidFill>
+                      <a:prstDash val="solid"/>
+                      <a:round/>
+                      <a:headEnd type="none" w="med" len="med"/>
+                      <a:tailEnd type="none" w="med" len="med"/>
+                    </a:lnR>
+                    <a:lnT w="12700" cap="flat" cmpd="sng" algn="ctr">
+                      <a:solidFill>
+                        <a:schemeClr val="tx1"/>
+                      </a:solidFill>
+                      <a:prstDash val="solid"/>
+                      <a:round/>
+                      <a:headEnd type="none" w="med" len="med"/>
+                      <a:tailEnd type="none" w="med" len="med"/>
+                    </a:lnT>
+                    <a:lnB w="12700" cap="flat" cmpd="sng" algn="ctr">
+                      <a:solidFill>
+                        <a:schemeClr val="tx1"/>
+                      </a:solidFill>
+                      <a:prstDash val="solid"/>
+                      <a:round/>
+                      <a:headEnd type="none" w="med" len="med"/>
+                      <a:tailEnd type="none" w="med" len="med"/>
+                    </a:lnB>
+                    <a:noFill/>
+                  </a:tcPr>
+                </a:tc>
+                <a:tc>
+                  <a:txBody>
+                    <a:bodyPr/>
+                    <a:lstStyle/>
+                    <a:p>
+                      <a:pPr algn="ctr"/>
+                      <a:r>
+                        <a:rPr lang="pt-PT" sz="1000" dirty="0">
+                          <a:solidFill>
+                            <a:schemeClr val="tx1"/>
+                          </a:solidFill>
+                          <a:latin typeface="Arial Narrow" panose="020B0606020202030204" pitchFamily="34" charset="0"/>
+                        </a:rPr>
+                        <a:t>…</a:t>
+                      </a:r>
+                    </a:p>
+                  </a:txBody>
+                  <a:tcPr marL="0" marR="0" marT="0" marB="0" anchor="ctr">
+                    <a:lnL w="12700" cap="flat" cmpd="sng" algn="ctr">
+                      <a:solidFill>
+                        <a:schemeClr val="tx1"/>
+                      </a:solidFill>
+                      <a:prstDash val="solid"/>
+                      <a:round/>
+                      <a:headEnd type="none" w="med" len="med"/>
+                      <a:tailEnd type="none" w="med" len="med"/>
+                    </a:lnL>
+                    <a:lnR w="12700" cap="flat" cmpd="sng" algn="ctr">
+                      <a:solidFill>
+                        <a:schemeClr val="tx1"/>
+                      </a:solidFill>
+                      <a:prstDash val="solid"/>
+                      <a:round/>
+                      <a:headEnd type="none" w="med" len="med"/>
+                      <a:tailEnd type="none" w="med" len="med"/>
+                    </a:lnR>
+                    <a:lnT w="12700" cap="flat" cmpd="sng" algn="ctr">
+                      <a:solidFill>
+                        <a:schemeClr val="tx1"/>
+                      </a:solidFill>
+                      <a:prstDash val="solid"/>
+                      <a:round/>
+                      <a:headEnd type="none" w="med" len="med"/>
+                      <a:tailEnd type="none" w="med" len="med"/>
+                    </a:lnT>
+                    <a:lnB w="12700" cap="flat" cmpd="sng" algn="ctr">
+                      <a:solidFill>
+                        <a:schemeClr val="tx1"/>
+                      </a:solidFill>
+                      <a:prstDash val="solid"/>
+                      <a:round/>
+                      <a:headEnd type="none" w="med" len="med"/>
+                      <a:tailEnd type="none" w="med" len="med"/>
+                    </a:lnB>
+                    <a:noFill/>
+                  </a:tcPr>
+                </a:tc>
+                <a:tc>
+                  <a:txBody>
+                    <a:bodyPr/>
+                    <a:lstStyle/>
+                    <a:p>
+                      <a:pPr algn="ctr"/>
+                      <a:r>
+                        <a:rPr lang="pt-PT" sz="1000" dirty="0">
+                          <a:solidFill>
+                            <a:schemeClr val="tx1"/>
+                          </a:solidFill>
+                          <a:latin typeface="Arial Narrow" panose="020B0606020202030204" pitchFamily="34" charset="0"/>
+                        </a:rPr>
+                        <a:t>…</a:t>
+                      </a:r>
+                    </a:p>
+                  </a:txBody>
+                  <a:tcPr marL="0" marR="0" marT="0" marB="0" anchor="ctr">
+                    <a:lnL w="12700" cap="flat" cmpd="sng" algn="ctr">
+                      <a:solidFill>
+                        <a:schemeClr val="tx1"/>
+                      </a:solidFill>
+                      <a:prstDash val="solid"/>
+                      <a:round/>
+                      <a:headEnd type="none" w="med" len="med"/>
+                      <a:tailEnd type="none" w="med" len="med"/>
+                    </a:lnL>
+                    <a:lnR w="12700" cap="flat" cmpd="sng" algn="ctr">
+                      <a:solidFill>
+                        <a:schemeClr val="tx1"/>
+                      </a:solidFill>
+                      <a:prstDash val="solid"/>
+                      <a:round/>
+                      <a:headEnd type="none" w="med" len="med"/>
+                      <a:tailEnd type="none" w="med" len="med"/>
+                    </a:lnR>
+                    <a:lnT w="12700" cap="flat" cmpd="sng" algn="ctr">
+                      <a:solidFill>
+                        <a:schemeClr val="tx1"/>
+                      </a:solidFill>
+                      <a:prstDash val="solid"/>
+                      <a:round/>
+                      <a:headEnd type="none" w="med" len="med"/>
+                      <a:tailEnd type="none" w="med" len="med"/>
+                    </a:lnT>
+                    <a:lnB w="12700" cap="flat" cmpd="sng" algn="ctr">
+                      <a:solidFill>
+                        <a:schemeClr val="tx1"/>
+                      </a:solidFill>
+                      <a:prstDash val="solid"/>
+                      <a:round/>
+                      <a:headEnd type="none" w="med" len="med"/>
+                      <a:tailEnd type="none" w="med" len="med"/>
+                    </a:lnB>
+                    <a:noFill/>
+                  </a:tcPr>
+                </a:tc>
+                <a:tc>
+                  <a:txBody>
+                    <a:bodyPr/>
+                    <a:lstStyle/>
+                    <a:p>
+                      <a:pPr algn="ctr"/>
+                      <a:r>
+                        <a:rPr lang="pt-PT" sz="1000" dirty="0">
+                          <a:solidFill>
+                            <a:schemeClr val="tx1"/>
+                          </a:solidFill>
+                          <a:latin typeface="Arial Narrow" panose="020B0606020202030204" pitchFamily="34" charset="0"/>
+                        </a:rPr>
+                        <a:t>d[</a:t>
+                      </a:r>
+                      <a:r>
+                        <a:rPr lang="pt-PT" sz="1000" dirty="0" err="1">
+                          <a:solidFill>
+                            <a:schemeClr val="tx1"/>
+                          </a:solidFill>
+                          <a:latin typeface="Arial Narrow" panose="020B0606020202030204" pitchFamily="34" charset="0"/>
+                        </a:rPr>
+                        <a:t>i+n</a:t>
+                      </a:r>
+                      <a:r>
+                        <a:rPr lang="pt-PT" sz="1000" dirty="0">
+                          <a:solidFill>
+                            <a:schemeClr val="tx1"/>
+                          </a:solidFill>
+                          <a:latin typeface="Arial Narrow" panose="020B0606020202030204" pitchFamily="34" charset="0"/>
+                        </a:rPr>
+                        <a:t>]</a:t>
+                      </a:r>
+                    </a:p>
+                  </a:txBody>
+                  <a:tcPr marL="0" marR="0" marT="0" marB="0" anchor="ctr">
+                    <a:lnL w="12700" cap="flat" cmpd="sng" algn="ctr">
+                      <a:solidFill>
+                        <a:schemeClr val="tx1"/>
+                      </a:solidFill>
+                      <a:prstDash val="solid"/>
+                      <a:round/>
+                      <a:headEnd type="none" w="med" len="med"/>
+                      <a:tailEnd type="none" w="med" len="med"/>
+                    </a:lnL>
+                    <a:lnR w="12700" cap="flat" cmpd="sng" algn="ctr">
+                      <a:solidFill>
+                        <a:schemeClr val="tx1"/>
+                      </a:solidFill>
+                      <a:prstDash val="solid"/>
+                      <a:round/>
+                      <a:headEnd type="none" w="med" len="med"/>
+                      <a:tailEnd type="none" w="med" len="med"/>
+                    </a:lnR>
+                    <a:lnT w="12700" cap="flat" cmpd="sng" algn="ctr">
+                      <a:solidFill>
+                        <a:schemeClr val="tx1"/>
+                      </a:solidFill>
+                      <a:prstDash val="solid"/>
+                      <a:round/>
+                      <a:headEnd type="none" w="med" len="med"/>
+                      <a:tailEnd type="none" w="med" len="med"/>
+                    </a:lnT>
+                    <a:lnB w="12700" cap="flat" cmpd="sng" algn="ctr">
+                      <a:solidFill>
+                        <a:schemeClr val="tx1"/>
+                      </a:solidFill>
+                      <a:prstDash val="solid"/>
+                      <a:round/>
+                      <a:headEnd type="none" w="med" len="med"/>
+                      <a:tailEnd type="none" w="med" len="med"/>
+                    </a:lnB>
+                    <a:noFill/>
+                  </a:tcPr>
+                </a:tc>
+                <a:extLst>
+                  <a:ext uri="{0D108BD9-81ED-4DB2-BD59-A6C34878D82A}">
+                    <a16:rowId xmlns:a16="http://schemas.microsoft.com/office/drawing/2014/main" val="1872189254"/>
+                  </a:ext>
+                </a:extLst>
+              </a:tr>
+              <a:tr h="684000">
+                <a:tc>
+                  <a:txBody>
+                    <a:bodyPr/>
+                    <a:lstStyle/>
+                    <a:p>
+                      <a:pPr algn="ctr"/>
+                      <a:endParaRPr lang="pt-PT" sz="1000">
+                        <a:solidFill>
+                          <a:schemeClr val="tx1"/>
+                        </a:solidFill>
+                        <a:latin typeface="Arial Narrow" panose="020B0606020202030204" pitchFamily="34" charset="0"/>
+                      </a:endParaRPr>
+                    </a:p>
+                  </a:txBody>
+                  <a:tcPr marL="0" marR="0" marT="0" marB="0" anchor="ctr">
+                    <a:lnT w="12700" cap="flat" cmpd="sng" algn="ctr">
+                      <a:solidFill>
+                        <a:schemeClr val="tx1"/>
+                      </a:solidFill>
+                      <a:prstDash val="solid"/>
+                      <a:round/>
+                      <a:headEnd type="none" w="med" len="med"/>
+                      <a:tailEnd type="none" w="med" len="med"/>
+                    </a:lnT>
+                    <a:lnB w="12700" cap="flat" cmpd="sng" algn="ctr">
+                      <a:solidFill>
+                        <a:schemeClr val="tx1"/>
+                      </a:solidFill>
+                      <a:prstDash val="solid"/>
+                      <a:round/>
+                      <a:headEnd type="none" w="med" len="med"/>
+                      <a:tailEnd type="none" w="med" len="med"/>
+                    </a:lnB>
+                    <a:noFill/>
+                  </a:tcPr>
+                </a:tc>
+                <a:tc>
+                  <a:txBody>
+                    <a:bodyPr/>
+                    <a:lstStyle/>
+                    <a:p>
+                      <a:pPr algn="ctr"/>
+                      <a:endParaRPr lang="pt-PT" sz="1000">
+                        <a:solidFill>
+                          <a:schemeClr val="tx1"/>
+                        </a:solidFill>
+                        <a:latin typeface="Arial Narrow" panose="020B0606020202030204" pitchFamily="34" charset="0"/>
+                      </a:endParaRPr>
+                    </a:p>
+                  </a:txBody>
+                  <a:tcPr marL="0" marR="0" marT="0" marB="0" anchor="ctr">
+                    <a:lnT w="12700" cap="flat" cmpd="sng" algn="ctr">
+                      <a:solidFill>
+                        <a:schemeClr val="tx1"/>
+                      </a:solidFill>
+                      <a:prstDash val="solid"/>
+                      <a:round/>
+                      <a:headEnd type="none" w="med" len="med"/>
+                      <a:tailEnd type="none" w="med" len="med"/>
+                    </a:lnT>
+                    <a:lnB w="12700" cap="flat" cmpd="sng" algn="ctr">
+                      <a:solidFill>
+                        <a:schemeClr val="tx1"/>
+                      </a:solidFill>
+                      <a:prstDash val="solid"/>
+                      <a:round/>
+                      <a:headEnd type="none" w="med" len="med"/>
+                      <a:tailEnd type="none" w="med" len="med"/>
+                    </a:lnB>
+                    <a:noFill/>
+                  </a:tcPr>
+                </a:tc>
+                <a:tc>
+                  <a:txBody>
+                    <a:bodyPr/>
+                    <a:lstStyle/>
+                    <a:p>
+                      <a:pPr algn="ctr"/>
+                      <a:endParaRPr lang="pt-PT" sz="1000" dirty="0">
+                        <a:solidFill>
+                          <a:schemeClr val="tx1"/>
+                        </a:solidFill>
+                        <a:latin typeface="Arial Narrow" panose="020B0606020202030204" pitchFamily="34" charset="0"/>
+                      </a:endParaRPr>
+                    </a:p>
+                  </a:txBody>
+                  <a:tcPr marL="0" marR="0" marT="0" marB="0" anchor="ctr">
+                    <a:lnT w="12700" cap="flat" cmpd="sng" algn="ctr">
+                      <a:solidFill>
+                        <a:schemeClr val="tx1"/>
+                      </a:solidFill>
+                      <a:prstDash val="solid"/>
+                      <a:round/>
+                      <a:headEnd type="none" w="med" len="med"/>
+                      <a:tailEnd type="none" w="med" len="med"/>
+                    </a:lnT>
+                    <a:lnB w="12700" cap="flat" cmpd="sng" algn="ctr">
+                      <a:solidFill>
+                        <a:schemeClr val="tx1"/>
+                      </a:solidFill>
+                      <a:prstDash val="solid"/>
+                      <a:round/>
+                      <a:headEnd type="none" w="med" len="med"/>
+                      <a:tailEnd type="none" w="med" len="med"/>
+                    </a:lnB>
+                    <a:noFill/>
+                  </a:tcPr>
+                </a:tc>
+                <a:tc>
+                  <a:txBody>
+                    <a:bodyPr/>
+                    <a:lstStyle/>
+                    <a:p>
+                      <a:pPr algn="ctr"/>
+                      <a:endParaRPr lang="pt-PT" sz="1000" dirty="0">
+                        <a:solidFill>
+                          <a:schemeClr val="tx1"/>
+                        </a:solidFill>
+                        <a:latin typeface="Arial Narrow" panose="020B0606020202030204" pitchFamily="34" charset="0"/>
+                      </a:endParaRPr>
+                    </a:p>
+                  </a:txBody>
+                  <a:tcPr marL="0" marR="0" marT="0" marB="0" anchor="ctr">
+                    <a:lnT w="12700" cap="flat" cmpd="sng" algn="ctr">
+                      <a:solidFill>
+                        <a:schemeClr val="tx1"/>
+                      </a:solidFill>
+                      <a:prstDash val="solid"/>
+                      <a:round/>
+                      <a:headEnd type="none" w="med" len="med"/>
+                      <a:tailEnd type="none" w="med" len="med"/>
+                    </a:lnT>
+                    <a:lnB w="12700" cap="flat" cmpd="sng" algn="ctr">
+                      <a:solidFill>
+                        <a:schemeClr val="tx1"/>
+                      </a:solidFill>
+                      <a:prstDash val="solid"/>
+                      <a:round/>
+                      <a:headEnd type="none" w="med" len="med"/>
+                      <a:tailEnd type="none" w="med" len="med"/>
+                    </a:lnB>
+                    <a:noFill/>
+                  </a:tcPr>
+                </a:tc>
+                <a:tc>
+                  <a:txBody>
+                    <a:bodyPr/>
+                    <a:lstStyle/>
+                    <a:p>
+                      <a:pPr algn="ctr"/>
+                      <a:endParaRPr lang="pt-PT" sz="1000" dirty="0">
+                        <a:solidFill>
+                          <a:schemeClr val="tx1"/>
+                        </a:solidFill>
+                        <a:latin typeface="Arial Narrow" panose="020B0606020202030204" pitchFamily="34" charset="0"/>
+                      </a:endParaRPr>
+                    </a:p>
+                  </a:txBody>
+                  <a:tcPr marL="0" marR="0" marT="0" marB="0" anchor="ctr">
+                    <a:lnT w="12700" cap="flat" cmpd="sng" algn="ctr">
+                      <a:solidFill>
+                        <a:schemeClr val="tx1"/>
+                      </a:solidFill>
+                      <a:prstDash val="solid"/>
+                      <a:round/>
+                      <a:headEnd type="none" w="med" len="med"/>
+                      <a:tailEnd type="none" w="med" len="med"/>
+                    </a:lnT>
+                    <a:lnB w="12700" cap="flat" cmpd="sng" algn="ctr">
+                      <a:solidFill>
+                        <a:schemeClr val="tx1"/>
+                      </a:solidFill>
+                      <a:prstDash val="solid"/>
+                      <a:round/>
+                      <a:headEnd type="none" w="med" len="med"/>
+                      <a:tailEnd type="none" w="med" len="med"/>
+                    </a:lnB>
+                    <a:noFill/>
+                  </a:tcPr>
+                </a:tc>
+                <a:tc>
+                  <a:txBody>
+                    <a:bodyPr/>
+                    <a:lstStyle/>
+                    <a:p>
+                      <a:pPr algn="ctr"/>
+                      <a:endParaRPr lang="pt-PT" sz="1000" dirty="0">
+                        <a:solidFill>
+                          <a:schemeClr val="tx1"/>
+                        </a:solidFill>
+                        <a:latin typeface="Arial Narrow" panose="020B0606020202030204" pitchFamily="34" charset="0"/>
+                      </a:endParaRPr>
+                    </a:p>
+                  </a:txBody>
+                  <a:tcPr marL="0" marR="0" marT="0" marB="0" anchor="ctr">
+                    <a:lnT w="12700" cap="flat" cmpd="sng" algn="ctr">
+                      <a:solidFill>
+                        <a:schemeClr val="tx1"/>
+                      </a:solidFill>
+                      <a:prstDash val="solid"/>
+                      <a:round/>
+                      <a:headEnd type="none" w="med" len="med"/>
+                      <a:tailEnd type="none" w="med" len="med"/>
+                    </a:lnT>
+                    <a:lnB w="12700" cap="flat" cmpd="sng" algn="ctr">
+                      <a:solidFill>
+                        <a:schemeClr val="tx1"/>
+                      </a:solidFill>
+                      <a:prstDash val="solid"/>
+                      <a:round/>
+                      <a:headEnd type="none" w="med" len="med"/>
+                      <a:tailEnd type="none" w="med" len="med"/>
+                    </a:lnB>
+                    <a:noFill/>
+                  </a:tcPr>
+                </a:tc>
+                <a:tc>
+                  <a:txBody>
+                    <a:bodyPr/>
+                    <a:lstStyle/>
+                    <a:p>
+                      <a:pPr algn="ctr"/>
+                      <a:endParaRPr lang="pt-PT" sz="1000" dirty="0">
+                        <a:solidFill>
+                          <a:schemeClr val="tx1"/>
+                        </a:solidFill>
+                        <a:latin typeface="Arial Narrow" panose="020B0606020202030204" pitchFamily="34" charset="0"/>
+                      </a:endParaRPr>
+                    </a:p>
+                  </a:txBody>
+                  <a:tcPr marL="0" marR="0" marT="0" marB="0" anchor="ctr">
+                    <a:lnT w="12700" cap="flat" cmpd="sng" algn="ctr">
+                      <a:solidFill>
+                        <a:schemeClr val="tx1"/>
+                      </a:solidFill>
+                      <a:prstDash val="solid"/>
+                      <a:round/>
+                      <a:headEnd type="none" w="med" len="med"/>
+                      <a:tailEnd type="none" w="med" len="med"/>
+                    </a:lnT>
+                    <a:lnB w="12700" cap="flat" cmpd="sng" algn="ctr">
+                      <a:solidFill>
+                        <a:schemeClr val="tx1"/>
+                      </a:solidFill>
+                      <a:prstDash val="solid"/>
+                      <a:round/>
+                      <a:headEnd type="none" w="med" len="med"/>
+                      <a:tailEnd type="none" w="med" len="med"/>
+                    </a:lnB>
+                    <a:noFill/>
+                  </a:tcPr>
+                </a:tc>
+                <a:tc>
+                  <a:txBody>
+                    <a:bodyPr/>
+                    <a:lstStyle/>
+                    <a:p>
+                      <a:pPr algn="ctr"/>
+                      <a:endParaRPr lang="pt-PT" sz="1000" dirty="0">
+                        <a:solidFill>
+                          <a:schemeClr val="tx1"/>
+                        </a:solidFill>
+                        <a:latin typeface="Arial Narrow" panose="020B0606020202030204" pitchFamily="34" charset="0"/>
+                      </a:endParaRPr>
+                    </a:p>
+                  </a:txBody>
+                  <a:tcPr marL="0" marR="0" marT="0" marB="0" anchor="ctr">
+                    <a:lnT w="12700" cap="flat" cmpd="sng" algn="ctr">
+                      <a:solidFill>
+                        <a:schemeClr val="tx1"/>
+                      </a:solidFill>
+                      <a:prstDash val="solid"/>
+                      <a:round/>
+                      <a:headEnd type="none" w="med" len="med"/>
+                      <a:tailEnd type="none" w="med" len="med"/>
+                    </a:lnT>
+                    <a:lnB w="12700" cap="flat" cmpd="sng" algn="ctr">
+                      <a:solidFill>
+                        <a:schemeClr val="tx1"/>
+                      </a:solidFill>
+                      <a:prstDash val="solid"/>
+                      <a:round/>
+                      <a:headEnd type="none" w="med" len="med"/>
+                      <a:tailEnd type="none" w="med" len="med"/>
+                    </a:lnB>
+                    <a:noFill/>
+                  </a:tcPr>
+                </a:tc>
+                <a:extLst>
+                  <a:ext uri="{0D108BD9-81ED-4DB2-BD59-A6C34878D82A}">
+                    <a16:rowId xmlns:a16="http://schemas.microsoft.com/office/drawing/2014/main" val="1047155722"/>
+                  </a:ext>
+                </a:extLst>
+              </a:tr>
+              <a:tr h="288000">
+                <a:tc>
+                  <a:txBody>
+                    <a:bodyPr/>
+                    <a:lstStyle/>
+                    <a:p>
+                      <a:pPr algn="ctr"/>
+                      <a:r>
+                        <a:rPr lang="pt-PT" sz="1000" dirty="0">
+                          <a:solidFill>
+                            <a:schemeClr val="tx1"/>
+                          </a:solidFill>
+                          <a:latin typeface="Arial Narrow" panose="020B0606020202030204" pitchFamily="34" charset="0"/>
+                        </a:rPr>
+                        <a:t>d[i]</a:t>
+                      </a:r>
+                    </a:p>
+                  </a:txBody>
+                  <a:tcPr marL="0" marR="0" marT="0" marB="0" anchor="ctr">
+                    <a:lnL w="12700" cap="flat" cmpd="sng" algn="ctr">
+                      <a:solidFill>
+                        <a:schemeClr val="tx1"/>
+                      </a:solidFill>
+                      <a:prstDash val="solid"/>
+                      <a:round/>
+                      <a:headEnd type="none" w="med" len="med"/>
+                      <a:tailEnd type="none" w="med" len="med"/>
+                    </a:lnL>
+                    <a:lnR w="12700" cap="flat" cmpd="sng" algn="ctr">
+                      <a:solidFill>
+                        <a:schemeClr val="tx1"/>
+                      </a:solidFill>
+                      <a:prstDash val="solid"/>
+                      <a:round/>
+                      <a:headEnd type="none" w="med" len="med"/>
+                      <a:tailEnd type="none" w="med" len="med"/>
+                    </a:lnR>
+                    <a:lnT w="12700" cap="flat" cmpd="sng" algn="ctr">
+                      <a:solidFill>
+                        <a:schemeClr val="tx1"/>
+                      </a:solidFill>
+                      <a:prstDash val="solid"/>
+                      <a:round/>
+                      <a:headEnd type="none" w="med" len="med"/>
+                      <a:tailEnd type="none" w="med" len="med"/>
+                    </a:lnT>
+                    <a:lnB w="12700" cap="flat" cmpd="sng" algn="ctr">
+                      <a:solidFill>
+                        <a:schemeClr val="tx1"/>
+                      </a:solidFill>
+                      <a:prstDash val="solid"/>
+                      <a:round/>
+                      <a:headEnd type="none" w="med" len="med"/>
+                      <a:tailEnd type="none" w="med" len="med"/>
+                    </a:lnB>
+                    <a:noFill/>
+                  </a:tcPr>
+                </a:tc>
+                <a:tc>
+                  <a:txBody>
+                    <a:bodyPr/>
+                    <a:lstStyle/>
+                    <a:p>
+                      <a:pPr algn="ctr"/>
+                      <a:r>
+                        <a:rPr lang="pt-PT" sz="1000" dirty="0">
+                          <a:solidFill>
+                            <a:schemeClr val="tx1"/>
+                          </a:solidFill>
+                          <a:latin typeface="Arial Narrow" panose="020B0606020202030204" pitchFamily="34" charset="0"/>
+                        </a:rPr>
+                        <a:t>d[i+1]</a:t>
+                      </a:r>
+                    </a:p>
+                  </a:txBody>
+                  <a:tcPr marL="0" marR="0" marT="0" marB="0" anchor="ctr">
+                    <a:lnL w="12700" cap="flat" cmpd="sng" algn="ctr">
+                      <a:solidFill>
+                        <a:schemeClr val="tx1"/>
+                      </a:solidFill>
+                      <a:prstDash val="solid"/>
+                      <a:round/>
+                      <a:headEnd type="none" w="med" len="med"/>
+                      <a:tailEnd type="none" w="med" len="med"/>
+                    </a:lnL>
+                    <a:lnR w="12700" cap="flat" cmpd="sng" algn="ctr">
+                      <a:solidFill>
+                        <a:schemeClr val="tx1"/>
+                      </a:solidFill>
+                      <a:prstDash val="solid"/>
+                      <a:round/>
+                      <a:headEnd type="none" w="med" len="med"/>
+                      <a:tailEnd type="none" w="med" len="med"/>
+                    </a:lnR>
+                    <a:lnT w="12700" cap="flat" cmpd="sng" algn="ctr">
+                      <a:solidFill>
+                        <a:schemeClr val="tx1"/>
+                      </a:solidFill>
+                      <a:prstDash val="solid"/>
+                      <a:round/>
+                      <a:headEnd type="none" w="med" len="med"/>
+                      <a:tailEnd type="none" w="med" len="med"/>
+                    </a:lnT>
+                    <a:lnB w="12700" cap="flat" cmpd="sng" algn="ctr">
+                      <a:solidFill>
+                        <a:schemeClr val="tx1"/>
+                      </a:solidFill>
+                      <a:prstDash val="solid"/>
+                      <a:round/>
+                      <a:headEnd type="none" w="med" len="med"/>
+                      <a:tailEnd type="none" w="med" len="med"/>
+                    </a:lnB>
+                    <a:noFill/>
+                  </a:tcPr>
+                </a:tc>
+                <a:tc>
+                  <a:txBody>
+                    <a:bodyPr/>
+                    <a:lstStyle/>
+                    <a:p>
+                      <a:pPr algn="ctr"/>
+                      <a:r>
+                        <a:rPr lang="pt-PT" sz="1000" dirty="0">
+                          <a:solidFill>
+                            <a:schemeClr val="tx1"/>
+                          </a:solidFill>
+                          <a:latin typeface="Arial Narrow" panose="020B0606020202030204" pitchFamily="34" charset="0"/>
+                        </a:rPr>
+                        <a:t>d[i+2]</a:t>
+                      </a:r>
+                    </a:p>
+                  </a:txBody>
+                  <a:tcPr marL="0" marR="0" marT="0" marB="0" anchor="ctr">
+                    <a:lnL w="12700" cap="flat" cmpd="sng" algn="ctr">
+                      <a:solidFill>
+                        <a:schemeClr val="tx1"/>
+                      </a:solidFill>
+                      <a:prstDash val="solid"/>
+                      <a:round/>
+                      <a:headEnd type="none" w="med" len="med"/>
+                      <a:tailEnd type="none" w="med" len="med"/>
+                    </a:lnL>
+                    <a:lnR w="12700" cap="flat" cmpd="sng" algn="ctr">
+                      <a:solidFill>
+                        <a:schemeClr val="tx1"/>
+                      </a:solidFill>
+                      <a:prstDash val="solid"/>
+                      <a:round/>
+                      <a:headEnd type="none" w="med" len="med"/>
+                      <a:tailEnd type="none" w="med" len="med"/>
+                    </a:lnR>
+                    <a:lnT w="12700" cap="flat" cmpd="sng" algn="ctr">
+                      <a:solidFill>
+                        <a:schemeClr val="tx1"/>
+                      </a:solidFill>
+                      <a:prstDash val="solid"/>
+                      <a:round/>
+                      <a:headEnd type="none" w="med" len="med"/>
+                      <a:tailEnd type="none" w="med" len="med"/>
+                    </a:lnT>
+                    <a:lnB w="12700" cap="flat" cmpd="sng" algn="ctr">
+                      <a:solidFill>
+                        <a:schemeClr val="tx1"/>
+                      </a:solidFill>
+                      <a:prstDash val="solid"/>
+                      <a:round/>
+                      <a:headEnd type="none" w="med" len="med"/>
+                      <a:tailEnd type="none" w="med" len="med"/>
+                    </a:lnB>
+                    <a:noFill/>
+                  </a:tcPr>
+                </a:tc>
+                <a:tc>
+                  <a:txBody>
+                    <a:bodyPr/>
+                    <a:lstStyle/>
+                    <a:p>
+                      <a:pPr algn="ctr"/>
+                      <a:r>
+                        <a:rPr lang="pt-PT" sz="1000" dirty="0">
+                          <a:solidFill>
+                            <a:schemeClr val="tx1"/>
+                          </a:solidFill>
+                          <a:latin typeface="Arial Narrow" panose="020B0606020202030204" pitchFamily="34" charset="0"/>
+                        </a:rPr>
+                        <a:t>d[i+3]</a:t>
+                      </a:r>
+                    </a:p>
+                  </a:txBody>
+                  <a:tcPr marL="0" marR="0" marT="0" marB="0" anchor="ctr">
+                    <a:lnL w="12700" cap="flat" cmpd="sng" algn="ctr">
+                      <a:solidFill>
+                        <a:schemeClr val="tx1"/>
+                      </a:solidFill>
+                      <a:prstDash val="solid"/>
+                      <a:round/>
+                      <a:headEnd type="none" w="med" len="med"/>
+                      <a:tailEnd type="none" w="med" len="med"/>
+                    </a:lnL>
+                    <a:lnR w="12700" cap="flat" cmpd="sng" algn="ctr">
+                      <a:solidFill>
+                        <a:schemeClr val="tx1"/>
+                      </a:solidFill>
+                      <a:prstDash val="solid"/>
+                      <a:round/>
+                      <a:headEnd type="none" w="med" len="med"/>
+                      <a:tailEnd type="none" w="med" len="med"/>
+                    </a:lnR>
+                    <a:lnT w="12700" cap="flat" cmpd="sng" algn="ctr">
+                      <a:solidFill>
+                        <a:schemeClr val="tx1"/>
+                      </a:solidFill>
+                      <a:prstDash val="solid"/>
+                      <a:round/>
+                      <a:headEnd type="none" w="med" len="med"/>
+                      <a:tailEnd type="none" w="med" len="med"/>
+                    </a:lnT>
+                    <a:lnB w="12700" cap="flat" cmpd="sng" algn="ctr">
+                      <a:solidFill>
+                        <a:schemeClr val="tx1"/>
+                      </a:solidFill>
+                      <a:prstDash val="solid"/>
+                      <a:round/>
+                      <a:headEnd type="none" w="med" len="med"/>
+                      <a:tailEnd type="none" w="med" len="med"/>
+                    </a:lnB>
+                    <a:noFill/>
+                  </a:tcPr>
+                </a:tc>
+                <a:tc>
+                  <a:txBody>
+                    <a:bodyPr/>
+                    <a:lstStyle/>
+                    <a:p>
+                      <a:pPr algn="ctr"/>
+                      <a:r>
+                        <a:rPr lang="pt-PT" sz="1000" dirty="0">
+                          <a:solidFill>
+                            <a:schemeClr val="tx1"/>
+                          </a:solidFill>
+                          <a:latin typeface="Arial Narrow" panose="020B0606020202030204" pitchFamily="34" charset="0"/>
+                        </a:rPr>
+                        <a:t>…</a:t>
+                      </a:r>
+                    </a:p>
+                  </a:txBody>
+                  <a:tcPr marL="0" marR="0" marT="0" marB="0" anchor="ctr">
+                    <a:lnL w="12700" cap="flat" cmpd="sng" algn="ctr">
+                      <a:solidFill>
+                        <a:schemeClr val="tx1"/>
+                      </a:solidFill>
+                      <a:prstDash val="solid"/>
+                      <a:round/>
+                      <a:headEnd type="none" w="med" len="med"/>
+                      <a:tailEnd type="none" w="med" len="med"/>
+                    </a:lnL>
+                    <a:lnR w="12700" cap="flat" cmpd="sng" algn="ctr">
+                      <a:solidFill>
+                        <a:schemeClr val="tx1"/>
+                      </a:solidFill>
+                      <a:prstDash val="solid"/>
+                      <a:round/>
+                      <a:headEnd type="none" w="med" len="med"/>
+                      <a:tailEnd type="none" w="med" len="med"/>
+                    </a:lnR>
+                    <a:lnT w="12700" cap="flat" cmpd="sng" algn="ctr">
+                      <a:solidFill>
+                        <a:schemeClr val="tx1"/>
+                      </a:solidFill>
+                      <a:prstDash val="solid"/>
+                      <a:round/>
+                      <a:headEnd type="none" w="med" len="med"/>
+                      <a:tailEnd type="none" w="med" len="med"/>
+                    </a:lnT>
+                    <a:lnB w="12700" cap="flat" cmpd="sng" algn="ctr">
+                      <a:solidFill>
+                        <a:schemeClr val="tx1"/>
+                      </a:solidFill>
+                      <a:prstDash val="solid"/>
+                      <a:round/>
+                      <a:headEnd type="none" w="med" len="med"/>
+                      <a:tailEnd type="none" w="med" len="med"/>
+                    </a:lnB>
+                    <a:noFill/>
+                  </a:tcPr>
+                </a:tc>
+                <a:tc>
+                  <a:txBody>
+                    <a:bodyPr/>
+                    <a:lstStyle/>
+                    <a:p>
+                      <a:pPr algn="ctr"/>
+                      <a:r>
+                        <a:rPr lang="pt-PT" sz="1000" dirty="0">
+                          <a:solidFill>
+                            <a:schemeClr val="tx1"/>
+                          </a:solidFill>
+                          <a:latin typeface="Arial Narrow" panose="020B0606020202030204" pitchFamily="34" charset="0"/>
+                        </a:rPr>
+                        <a:t>…</a:t>
+                      </a:r>
+                    </a:p>
+                  </a:txBody>
+                  <a:tcPr marL="0" marR="0" marT="0" marB="0" anchor="ctr">
+                    <a:lnL w="12700" cap="flat" cmpd="sng" algn="ctr">
+                      <a:solidFill>
+                        <a:schemeClr val="tx1"/>
+                      </a:solidFill>
+                      <a:prstDash val="solid"/>
+                      <a:round/>
+                      <a:headEnd type="none" w="med" len="med"/>
+                      <a:tailEnd type="none" w="med" len="med"/>
+                    </a:lnL>
+                    <a:lnR w="12700" cap="flat" cmpd="sng" algn="ctr">
+                      <a:solidFill>
+                        <a:schemeClr val="tx1"/>
+                      </a:solidFill>
+                      <a:prstDash val="solid"/>
+                      <a:round/>
+                      <a:headEnd type="none" w="med" len="med"/>
+                      <a:tailEnd type="none" w="med" len="med"/>
+                    </a:lnR>
+                    <a:lnT w="12700" cap="flat" cmpd="sng" algn="ctr">
+                      <a:solidFill>
+                        <a:schemeClr val="tx1"/>
+                      </a:solidFill>
+                      <a:prstDash val="solid"/>
+                      <a:round/>
+                      <a:headEnd type="none" w="med" len="med"/>
+                      <a:tailEnd type="none" w="med" len="med"/>
+                    </a:lnT>
+                    <a:lnB w="12700" cap="flat" cmpd="sng" algn="ctr">
+                      <a:solidFill>
+                        <a:schemeClr val="tx1"/>
+                      </a:solidFill>
+                      <a:prstDash val="solid"/>
+                      <a:round/>
+                      <a:headEnd type="none" w="med" len="med"/>
+                      <a:tailEnd type="none" w="med" len="med"/>
+                    </a:lnB>
+                    <a:noFill/>
+                  </a:tcPr>
+                </a:tc>
+                <a:tc>
+                  <a:txBody>
+                    <a:bodyPr/>
+                    <a:lstStyle/>
+                    <a:p>
+                      <a:pPr algn="ctr"/>
+                      <a:r>
+                        <a:rPr lang="pt-PT" sz="1000" dirty="0">
+                          <a:solidFill>
+                            <a:schemeClr val="tx1"/>
+                          </a:solidFill>
+                          <a:latin typeface="Arial Narrow" panose="020B0606020202030204" pitchFamily="34" charset="0"/>
+                        </a:rPr>
+                        <a:t>…</a:t>
+                      </a:r>
+                    </a:p>
+                  </a:txBody>
+                  <a:tcPr marL="0" marR="0" marT="0" marB="0" anchor="ctr">
+                    <a:lnL w="12700" cap="flat" cmpd="sng" algn="ctr">
+                      <a:solidFill>
+                        <a:schemeClr val="tx1"/>
+                      </a:solidFill>
+                      <a:prstDash val="solid"/>
+                      <a:round/>
+                      <a:headEnd type="none" w="med" len="med"/>
+                      <a:tailEnd type="none" w="med" len="med"/>
+                    </a:lnL>
+                    <a:lnR w="12700" cap="flat" cmpd="sng" algn="ctr">
+                      <a:solidFill>
+                        <a:schemeClr val="tx1"/>
+                      </a:solidFill>
+                      <a:prstDash val="solid"/>
+                      <a:round/>
+                      <a:headEnd type="none" w="med" len="med"/>
+                      <a:tailEnd type="none" w="med" len="med"/>
+                    </a:lnR>
+                    <a:lnT w="12700" cap="flat" cmpd="sng" algn="ctr">
+                      <a:solidFill>
+                        <a:schemeClr val="tx1"/>
+                      </a:solidFill>
+                      <a:prstDash val="solid"/>
+                      <a:round/>
+                      <a:headEnd type="none" w="med" len="med"/>
+                      <a:tailEnd type="none" w="med" len="med"/>
+                    </a:lnT>
+                    <a:lnB w="12700" cap="flat" cmpd="sng" algn="ctr">
+                      <a:solidFill>
+                        <a:schemeClr val="tx1"/>
+                      </a:solidFill>
+                      <a:prstDash val="solid"/>
+                      <a:round/>
+                      <a:headEnd type="none" w="med" len="med"/>
+                      <a:tailEnd type="none" w="med" len="med"/>
+                    </a:lnB>
+                    <a:noFill/>
+                  </a:tcPr>
+                </a:tc>
+                <a:tc>
+                  <a:txBody>
+                    <a:bodyPr/>
+                    <a:lstStyle/>
+                    <a:p>
+                      <a:pPr algn="ctr"/>
+                      <a:r>
+                        <a:rPr lang="pt-PT" sz="1000" dirty="0">
+                          <a:solidFill>
+                            <a:schemeClr val="tx1"/>
+                          </a:solidFill>
+                          <a:latin typeface="Arial Narrow" panose="020B0606020202030204" pitchFamily="34" charset="0"/>
+                        </a:rPr>
+                        <a:t>d[</a:t>
+                      </a:r>
+                      <a:r>
+                        <a:rPr lang="pt-PT" sz="1000" dirty="0" err="1">
+                          <a:solidFill>
+                            <a:schemeClr val="tx1"/>
+                          </a:solidFill>
+                          <a:latin typeface="Arial Narrow" panose="020B0606020202030204" pitchFamily="34" charset="0"/>
+                        </a:rPr>
+                        <a:t>i+n</a:t>
+                      </a:r>
+                      <a:r>
+                        <a:rPr lang="pt-PT" sz="1000" dirty="0">
+                          <a:solidFill>
+                            <a:schemeClr val="tx1"/>
+                          </a:solidFill>
+                          <a:latin typeface="Arial Narrow" panose="020B0606020202030204" pitchFamily="34" charset="0"/>
+                        </a:rPr>
+                        <a:t>]</a:t>
+                      </a:r>
+                    </a:p>
+                  </a:txBody>
+                  <a:tcPr marL="0" marR="0" marT="0" marB="0" anchor="ctr">
+                    <a:lnL w="12700" cap="flat" cmpd="sng" algn="ctr">
+                      <a:solidFill>
+                        <a:schemeClr val="tx1"/>
+                      </a:solidFill>
+                      <a:prstDash val="solid"/>
+                      <a:round/>
+                      <a:headEnd type="none" w="med" len="med"/>
+                      <a:tailEnd type="none" w="med" len="med"/>
+                    </a:lnL>
+                    <a:lnR w="12700" cap="flat" cmpd="sng" algn="ctr">
+                      <a:solidFill>
+                        <a:schemeClr val="tx1"/>
+                      </a:solidFill>
+                      <a:prstDash val="solid"/>
+                      <a:round/>
+                      <a:headEnd type="none" w="med" len="med"/>
+                      <a:tailEnd type="none" w="med" len="med"/>
+                    </a:lnR>
+                    <a:lnT w="12700" cap="flat" cmpd="sng" algn="ctr">
+                      <a:solidFill>
+                        <a:schemeClr val="tx1"/>
+                      </a:solidFill>
+                      <a:prstDash val="solid"/>
+                      <a:round/>
+                      <a:headEnd type="none" w="med" len="med"/>
+                      <a:tailEnd type="none" w="med" len="med"/>
+                    </a:lnT>
+                    <a:lnB w="12700" cap="flat" cmpd="sng" algn="ctr">
+                      <a:solidFill>
+                        <a:schemeClr val="tx1"/>
+                      </a:solidFill>
+                      <a:prstDash val="solid"/>
+                      <a:round/>
+                      <a:headEnd type="none" w="med" len="med"/>
+                      <a:tailEnd type="none" w="med" len="med"/>
+                    </a:lnB>
+                    <a:noFill/>
+                  </a:tcPr>
+                </a:tc>
+                <a:extLst>
+                  <a:ext uri="{0D108BD9-81ED-4DB2-BD59-A6C34878D82A}">
+                    <a16:rowId xmlns:a16="http://schemas.microsoft.com/office/drawing/2014/main" val="3387301414"/>
+                  </a:ext>
+                </a:extLst>
+              </a:tr>
+              <a:tr h="828000">
+                <a:tc>
+                  <a:txBody>
+                    <a:bodyPr/>
+                    <a:lstStyle/>
+                    <a:p>
+                      <a:pPr algn="ctr"/>
+                      <a:endParaRPr lang="pt-PT" sz="1000">
+                        <a:solidFill>
+                          <a:schemeClr val="tx1"/>
+                        </a:solidFill>
+                        <a:latin typeface="Arial Narrow" panose="020B0606020202030204" pitchFamily="34" charset="0"/>
+                      </a:endParaRPr>
+                    </a:p>
+                  </a:txBody>
+                  <a:tcPr marL="0" marR="0" marT="0" marB="0" anchor="ctr">
+                    <a:lnT w="12700" cap="flat" cmpd="sng" algn="ctr">
+                      <a:solidFill>
+                        <a:schemeClr val="tx1"/>
+                      </a:solidFill>
+                      <a:prstDash val="solid"/>
+                      <a:round/>
+                      <a:headEnd type="none" w="med" len="med"/>
+                      <a:tailEnd type="none" w="med" len="med"/>
+                    </a:lnT>
+                    <a:lnB w="12700" cap="flat" cmpd="sng" algn="ctr">
+                      <a:solidFill>
+                        <a:schemeClr val="tx1"/>
+                      </a:solidFill>
+                      <a:prstDash val="solid"/>
+                      <a:round/>
+                      <a:headEnd type="none" w="med" len="med"/>
+                      <a:tailEnd type="none" w="med" len="med"/>
+                    </a:lnB>
+                    <a:noFill/>
+                  </a:tcPr>
+                </a:tc>
+                <a:tc>
+                  <a:txBody>
+                    <a:bodyPr/>
+                    <a:lstStyle/>
+                    <a:p>
+                      <a:pPr algn="ctr"/>
+                      <a:endParaRPr lang="pt-PT" sz="1000">
+                        <a:solidFill>
+                          <a:schemeClr val="tx1"/>
+                        </a:solidFill>
+                        <a:latin typeface="Arial Narrow" panose="020B0606020202030204" pitchFamily="34" charset="0"/>
+                      </a:endParaRPr>
+                    </a:p>
+                  </a:txBody>
+                  <a:tcPr marL="0" marR="0" marT="0" marB="0" anchor="ctr">
+                    <a:lnT w="12700" cap="flat" cmpd="sng" algn="ctr">
+                      <a:solidFill>
+                        <a:schemeClr val="tx1"/>
+                      </a:solidFill>
+                      <a:prstDash val="solid"/>
+                      <a:round/>
+                      <a:headEnd type="none" w="med" len="med"/>
+                      <a:tailEnd type="none" w="med" len="med"/>
+                    </a:lnT>
+                    <a:lnB w="12700" cap="flat" cmpd="sng" algn="ctr">
+                      <a:solidFill>
+                        <a:schemeClr val="tx1"/>
+                      </a:solidFill>
+                      <a:prstDash val="solid"/>
+                      <a:round/>
+                      <a:headEnd type="none" w="med" len="med"/>
+                      <a:tailEnd type="none" w="med" len="med"/>
+                    </a:lnB>
+                    <a:noFill/>
+                  </a:tcPr>
+                </a:tc>
+                <a:tc>
+                  <a:txBody>
+                    <a:bodyPr/>
+                    <a:lstStyle/>
+                    <a:p>
+                      <a:pPr algn="ctr"/>
+                      <a:endParaRPr lang="pt-PT" sz="1000" dirty="0">
+                        <a:solidFill>
+                          <a:schemeClr val="tx1"/>
+                        </a:solidFill>
+                        <a:latin typeface="Arial Narrow" panose="020B0606020202030204" pitchFamily="34" charset="0"/>
+                      </a:endParaRPr>
+                    </a:p>
+                  </a:txBody>
+                  <a:tcPr marL="0" marR="0" marT="0" marB="0" anchor="ctr">
+                    <a:lnT w="12700" cap="flat" cmpd="sng" algn="ctr">
+                      <a:solidFill>
+                        <a:schemeClr val="tx1"/>
+                      </a:solidFill>
+                      <a:prstDash val="solid"/>
+                      <a:round/>
+                      <a:headEnd type="none" w="med" len="med"/>
+                      <a:tailEnd type="none" w="med" len="med"/>
+                    </a:lnT>
+                    <a:lnB w="12700" cap="flat" cmpd="sng" algn="ctr">
+                      <a:solidFill>
+                        <a:schemeClr val="tx1"/>
+                      </a:solidFill>
+                      <a:prstDash val="solid"/>
+                      <a:round/>
+                      <a:headEnd type="none" w="med" len="med"/>
+                      <a:tailEnd type="none" w="med" len="med"/>
+                    </a:lnB>
+                    <a:noFill/>
+                  </a:tcPr>
+                </a:tc>
+                <a:tc>
+                  <a:txBody>
+                    <a:bodyPr/>
+                    <a:lstStyle/>
+                    <a:p>
+                      <a:pPr algn="ctr"/>
+                      <a:endParaRPr lang="pt-PT" sz="1000" dirty="0">
+                        <a:solidFill>
+                          <a:schemeClr val="tx1"/>
+                        </a:solidFill>
+                        <a:latin typeface="Arial Narrow" panose="020B0606020202030204" pitchFamily="34" charset="0"/>
+                      </a:endParaRPr>
+                    </a:p>
+                  </a:txBody>
+                  <a:tcPr marL="0" marR="0" marT="0" marB="0" anchor="ctr">
+                    <a:lnT w="12700" cap="flat" cmpd="sng" algn="ctr">
+                      <a:solidFill>
+                        <a:schemeClr val="tx1"/>
+                      </a:solidFill>
+                      <a:prstDash val="solid"/>
+                      <a:round/>
+                      <a:headEnd type="none" w="med" len="med"/>
+                      <a:tailEnd type="none" w="med" len="med"/>
+                    </a:lnT>
+                    <a:lnB w="12700" cap="flat" cmpd="sng" algn="ctr">
+                      <a:solidFill>
+                        <a:schemeClr val="tx1"/>
+                      </a:solidFill>
+                      <a:prstDash val="solid"/>
+                      <a:round/>
+                      <a:headEnd type="none" w="med" len="med"/>
+                      <a:tailEnd type="none" w="med" len="med"/>
+                    </a:lnB>
+                    <a:noFill/>
+                  </a:tcPr>
+                </a:tc>
+                <a:tc>
+                  <a:txBody>
+                    <a:bodyPr/>
+                    <a:lstStyle/>
+                    <a:p>
+                      <a:pPr algn="ctr"/>
+                      <a:endParaRPr lang="pt-PT" sz="1000">
+                        <a:solidFill>
+                          <a:schemeClr val="tx1"/>
+                        </a:solidFill>
+                        <a:latin typeface="Arial Narrow" panose="020B0606020202030204" pitchFamily="34" charset="0"/>
+                      </a:endParaRPr>
+                    </a:p>
+                  </a:txBody>
+                  <a:tcPr marL="0" marR="0" marT="0" marB="0" anchor="ctr">
+                    <a:lnT w="12700" cap="flat" cmpd="sng" algn="ctr">
+                      <a:solidFill>
+                        <a:schemeClr val="tx1"/>
+                      </a:solidFill>
+                      <a:prstDash val="solid"/>
+                      <a:round/>
+                      <a:headEnd type="none" w="med" len="med"/>
+                      <a:tailEnd type="none" w="med" len="med"/>
+                    </a:lnT>
+                    <a:lnB w="12700" cap="flat" cmpd="sng" algn="ctr">
+                      <a:solidFill>
+                        <a:schemeClr val="tx1"/>
+                      </a:solidFill>
+                      <a:prstDash val="solid"/>
+                      <a:round/>
+                      <a:headEnd type="none" w="med" len="med"/>
+                      <a:tailEnd type="none" w="med" len="med"/>
+                    </a:lnB>
+                    <a:noFill/>
+                  </a:tcPr>
+                </a:tc>
+                <a:tc>
+                  <a:txBody>
+                    <a:bodyPr/>
+                    <a:lstStyle/>
+                    <a:p>
+                      <a:pPr algn="ctr"/>
+                      <a:endParaRPr lang="pt-PT" sz="1000">
+                        <a:solidFill>
+                          <a:schemeClr val="tx1"/>
+                        </a:solidFill>
+                        <a:latin typeface="Arial Narrow" panose="020B0606020202030204" pitchFamily="34" charset="0"/>
+                      </a:endParaRPr>
+                    </a:p>
+                  </a:txBody>
+                  <a:tcPr marL="0" marR="0" marT="0" marB="0" anchor="ctr">
+                    <a:lnT w="12700" cap="flat" cmpd="sng" algn="ctr">
+                      <a:solidFill>
+                        <a:schemeClr val="tx1"/>
+                      </a:solidFill>
+                      <a:prstDash val="solid"/>
+                      <a:round/>
+                      <a:headEnd type="none" w="med" len="med"/>
+                      <a:tailEnd type="none" w="med" len="med"/>
+                    </a:lnT>
+                    <a:lnB w="12700" cap="flat" cmpd="sng" algn="ctr">
+                      <a:solidFill>
+                        <a:schemeClr val="tx1"/>
+                      </a:solidFill>
+                      <a:prstDash val="solid"/>
+                      <a:round/>
+                      <a:headEnd type="none" w="med" len="med"/>
+                      <a:tailEnd type="none" w="med" len="med"/>
+                    </a:lnB>
+                    <a:noFill/>
+                  </a:tcPr>
+                </a:tc>
+                <a:tc>
+                  <a:txBody>
+                    <a:bodyPr/>
+                    <a:lstStyle/>
+                    <a:p>
+                      <a:pPr algn="ctr"/>
+                      <a:endParaRPr lang="pt-PT" sz="1000" dirty="0">
+                        <a:solidFill>
+                          <a:schemeClr val="tx1"/>
+                        </a:solidFill>
+                        <a:latin typeface="Arial Narrow" panose="020B0606020202030204" pitchFamily="34" charset="0"/>
+                      </a:endParaRPr>
+                    </a:p>
+                  </a:txBody>
+                  <a:tcPr marL="0" marR="0" marT="0" marB="0" anchor="ctr">
+                    <a:lnT w="12700" cap="flat" cmpd="sng" algn="ctr">
+                      <a:solidFill>
+                        <a:schemeClr val="tx1"/>
+                      </a:solidFill>
+                      <a:prstDash val="solid"/>
+                      <a:round/>
+                      <a:headEnd type="none" w="med" len="med"/>
+                      <a:tailEnd type="none" w="med" len="med"/>
+                    </a:lnT>
+                    <a:lnB w="12700" cap="flat" cmpd="sng" algn="ctr">
+                      <a:solidFill>
+                        <a:schemeClr val="tx1"/>
+                      </a:solidFill>
+                      <a:prstDash val="solid"/>
+                      <a:round/>
+                      <a:headEnd type="none" w="med" len="med"/>
+                      <a:tailEnd type="none" w="med" len="med"/>
+                    </a:lnB>
+                    <a:noFill/>
+                  </a:tcPr>
+                </a:tc>
+                <a:tc>
+                  <a:txBody>
+                    <a:bodyPr/>
+                    <a:lstStyle/>
+                    <a:p>
+                      <a:pPr algn="ctr"/>
+                      <a:endParaRPr lang="pt-PT" sz="1000" dirty="0">
+                        <a:solidFill>
+                          <a:schemeClr val="tx1"/>
+                        </a:solidFill>
+                        <a:latin typeface="Arial Narrow" panose="020B0606020202030204" pitchFamily="34" charset="0"/>
+                      </a:endParaRPr>
+                    </a:p>
+                  </a:txBody>
+                  <a:tcPr marL="0" marR="0" marT="0" marB="0" anchor="ctr">
+                    <a:lnT w="12700" cap="flat" cmpd="sng" algn="ctr">
+                      <a:solidFill>
+                        <a:schemeClr val="tx1"/>
+                      </a:solidFill>
+                      <a:prstDash val="solid"/>
+                      <a:round/>
+                      <a:headEnd type="none" w="med" len="med"/>
+                      <a:tailEnd type="none" w="med" len="med"/>
+                    </a:lnT>
+                    <a:lnB w="12700" cap="flat" cmpd="sng" algn="ctr">
+                      <a:solidFill>
+                        <a:schemeClr val="tx1"/>
+                      </a:solidFill>
+                      <a:prstDash val="solid"/>
+                      <a:round/>
+                      <a:headEnd type="none" w="med" len="med"/>
+                      <a:tailEnd type="none" w="med" len="med"/>
+                    </a:lnB>
+                    <a:noFill/>
+                  </a:tcPr>
+                </a:tc>
+                <a:extLst>
+                  <a:ext uri="{0D108BD9-81ED-4DB2-BD59-A6C34878D82A}">
+                    <a16:rowId xmlns:a16="http://schemas.microsoft.com/office/drawing/2014/main" val="2562078378"/>
+                  </a:ext>
+                </a:extLst>
+              </a:tr>
+              <a:tr h="288000">
+                <a:tc>
+                  <a:txBody>
+                    <a:bodyPr/>
+                    <a:lstStyle/>
+                    <a:p>
+                      <a:pPr algn="ctr"/>
+                      <a:r>
+                        <a:rPr lang="pt-PT" sz="1000" dirty="0">
+                          <a:solidFill>
+                            <a:schemeClr val="tx1"/>
+                          </a:solidFill>
+                          <a:latin typeface="Arial Narrow" panose="020B0606020202030204" pitchFamily="34" charset="0"/>
+                        </a:rPr>
+                        <a:t>d[i]</a:t>
+                      </a:r>
+                    </a:p>
+                  </a:txBody>
+                  <a:tcPr marL="0" marR="0" marT="0" marB="0" anchor="ctr">
+                    <a:lnL w="12700" cap="flat" cmpd="sng" algn="ctr">
+                      <a:solidFill>
+                        <a:schemeClr val="tx1"/>
+                      </a:solidFill>
+                      <a:prstDash val="solid"/>
+                      <a:round/>
+                      <a:headEnd type="none" w="med" len="med"/>
+                      <a:tailEnd type="none" w="med" len="med"/>
+                    </a:lnL>
+                    <a:lnR w="12700" cap="flat" cmpd="sng" algn="ctr">
+                      <a:solidFill>
+                        <a:schemeClr val="tx1"/>
+                      </a:solidFill>
+                      <a:prstDash val="solid"/>
+                      <a:round/>
+                      <a:headEnd type="none" w="med" len="med"/>
+                      <a:tailEnd type="none" w="med" len="med"/>
+                    </a:lnR>
+                    <a:lnT w="12700" cap="flat" cmpd="sng" algn="ctr">
+                      <a:solidFill>
+                        <a:schemeClr val="tx1"/>
+                      </a:solidFill>
+                      <a:prstDash val="solid"/>
+                      <a:round/>
+                      <a:headEnd type="none" w="med" len="med"/>
+                      <a:tailEnd type="none" w="med" len="med"/>
+                    </a:lnT>
+                    <a:lnB w="12700" cap="flat" cmpd="sng" algn="ctr">
+                      <a:solidFill>
+                        <a:schemeClr val="tx1"/>
+                      </a:solidFill>
+                      <a:prstDash val="solid"/>
+                      <a:round/>
+                      <a:headEnd type="none" w="med" len="med"/>
+                      <a:tailEnd type="none" w="med" len="med"/>
+                    </a:lnB>
+                    <a:noFill/>
+                  </a:tcPr>
+                </a:tc>
+                <a:tc>
+                  <a:txBody>
+                    <a:bodyPr/>
+                    <a:lstStyle/>
+                    <a:p>
+                      <a:pPr algn="ctr"/>
+                      <a:r>
+                        <a:rPr lang="pt-PT" sz="1000" dirty="0">
+                          <a:solidFill>
+                            <a:schemeClr val="tx1"/>
+                          </a:solidFill>
+                          <a:latin typeface="Arial Narrow" panose="020B0606020202030204" pitchFamily="34" charset="0"/>
+                        </a:rPr>
+                        <a:t>d[i+1]</a:t>
+                      </a:r>
+                    </a:p>
+                  </a:txBody>
+                  <a:tcPr marL="0" marR="0" marT="0" marB="0" anchor="ctr">
+                    <a:lnL w="12700" cap="flat" cmpd="sng" algn="ctr">
+                      <a:solidFill>
+                        <a:schemeClr val="tx1"/>
+                      </a:solidFill>
+                      <a:prstDash val="solid"/>
+                      <a:round/>
+                      <a:headEnd type="none" w="med" len="med"/>
+                      <a:tailEnd type="none" w="med" len="med"/>
+                    </a:lnL>
+                    <a:lnR w="12700" cap="flat" cmpd="sng" algn="ctr">
+                      <a:solidFill>
+                        <a:schemeClr val="tx1"/>
+                      </a:solidFill>
+                      <a:prstDash val="solid"/>
+                      <a:round/>
+                      <a:headEnd type="none" w="med" len="med"/>
+                      <a:tailEnd type="none" w="med" len="med"/>
+                    </a:lnR>
+                    <a:lnT w="12700" cap="flat" cmpd="sng" algn="ctr">
+                      <a:solidFill>
+                        <a:schemeClr val="tx1"/>
+                      </a:solidFill>
+                      <a:prstDash val="solid"/>
+                      <a:round/>
+                      <a:headEnd type="none" w="med" len="med"/>
+                      <a:tailEnd type="none" w="med" len="med"/>
+                    </a:lnT>
+                    <a:lnB w="12700" cap="flat" cmpd="sng" algn="ctr">
+                      <a:solidFill>
+                        <a:schemeClr val="tx1"/>
+                      </a:solidFill>
+                      <a:prstDash val="solid"/>
+                      <a:round/>
+                      <a:headEnd type="none" w="med" len="med"/>
+                      <a:tailEnd type="none" w="med" len="med"/>
+                    </a:lnB>
+                    <a:noFill/>
+                  </a:tcPr>
+                </a:tc>
+                <a:tc>
+                  <a:txBody>
+                    <a:bodyPr/>
+                    <a:lstStyle/>
+                    <a:p>
+                      <a:pPr algn="ctr"/>
+                      <a:r>
+                        <a:rPr lang="pt-PT" sz="1000" dirty="0">
+                          <a:solidFill>
+                            <a:schemeClr val="tx1"/>
+                          </a:solidFill>
+                          <a:latin typeface="Arial Narrow" panose="020B0606020202030204" pitchFamily="34" charset="0"/>
+                        </a:rPr>
+                        <a:t>d[i+2]</a:t>
+                      </a:r>
+                    </a:p>
+                  </a:txBody>
+                  <a:tcPr marL="0" marR="0" marT="0" marB="0" anchor="ctr">
+                    <a:lnL w="12700" cap="flat" cmpd="sng" algn="ctr">
+                      <a:solidFill>
+                        <a:schemeClr val="tx1"/>
+                      </a:solidFill>
+                      <a:prstDash val="solid"/>
+                      <a:round/>
+                      <a:headEnd type="none" w="med" len="med"/>
+                      <a:tailEnd type="none" w="med" len="med"/>
+                    </a:lnL>
+                    <a:lnR w="12700" cap="flat" cmpd="sng" algn="ctr">
+                      <a:solidFill>
+                        <a:schemeClr val="tx1"/>
+                      </a:solidFill>
+                      <a:prstDash val="solid"/>
+                      <a:round/>
+                      <a:headEnd type="none" w="med" len="med"/>
+                      <a:tailEnd type="none" w="med" len="med"/>
+                    </a:lnR>
+                    <a:lnT w="12700" cap="flat" cmpd="sng" algn="ctr">
+                      <a:solidFill>
+                        <a:schemeClr val="tx1"/>
+                      </a:solidFill>
+                      <a:prstDash val="solid"/>
+                      <a:round/>
+                      <a:headEnd type="none" w="med" len="med"/>
+                      <a:tailEnd type="none" w="med" len="med"/>
+                    </a:lnT>
+                    <a:lnB w="12700" cap="flat" cmpd="sng" algn="ctr">
+                      <a:solidFill>
+                        <a:schemeClr val="tx1"/>
+                      </a:solidFill>
+                      <a:prstDash val="solid"/>
+                      <a:round/>
+                      <a:headEnd type="none" w="med" len="med"/>
+                      <a:tailEnd type="none" w="med" len="med"/>
+                    </a:lnB>
+                    <a:noFill/>
+                  </a:tcPr>
+                </a:tc>
+                <a:tc>
+                  <a:txBody>
+                    <a:bodyPr/>
+                    <a:lstStyle/>
+                    <a:p>
+                      <a:pPr algn="ctr"/>
+                      <a:r>
+                        <a:rPr lang="pt-PT" sz="1000" dirty="0">
+                          <a:solidFill>
+                            <a:schemeClr val="tx1"/>
+                          </a:solidFill>
+                          <a:latin typeface="Arial Narrow" panose="020B0606020202030204" pitchFamily="34" charset="0"/>
+                        </a:rPr>
+                        <a:t>d[i+3]</a:t>
+                      </a:r>
+                    </a:p>
+                  </a:txBody>
+                  <a:tcPr marL="0" marR="0" marT="0" marB="0" anchor="ctr">
+                    <a:lnL w="12700" cap="flat" cmpd="sng" algn="ctr">
+                      <a:solidFill>
+                        <a:schemeClr val="tx1"/>
+                      </a:solidFill>
+                      <a:prstDash val="solid"/>
+                      <a:round/>
+                      <a:headEnd type="none" w="med" len="med"/>
+                      <a:tailEnd type="none" w="med" len="med"/>
+                    </a:lnL>
+                    <a:lnR w="12700" cap="flat" cmpd="sng" algn="ctr">
+                      <a:solidFill>
+                        <a:schemeClr val="tx1"/>
+                      </a:solidFill>
+                      <a:prstDash val="solid"/>
+                      <a:round/>
+                      <a:headEnd type="none" w="med" len="med"/>
+                      <a:tailEnd type="none" w="med" len="med"/>
+                    </a:lnR>
+                    <a:lnT w="12700" cap="flat" cmpd="sng" algn="ctr">
+                      <a:solidFill>
+                        <a:schemeClr val="tx1"/>
+                      </a:solidFill>
+                      <a:prstDash val="solid"/>
+                      <a:round/>
+                      <a:headEnd type="none" w="med" len="med"/>
+                      <a:tailEnd type="none" w="med" len="med"/>
+                    </a:lnT>
+                    <a:lnB w="12700" cap="flat" cmpd="sng" algn="ctr">
+                      <a:solidFill>
+                        <a:schemeClr val="tx1"/>
+                      </a:solidFill>
+                      <a:prstDash val="solid"/>
+                      <a:round/>
+                      <a:headEnd type="none" w="med" len="med"/>
+                      <a:tailEnd type="none" w="med" len="med"/>
+                    </a:lnB>
+                    <a:noFill/>
+                  </a:tcPr>
+                </a:tc>
+                <a:tc>
+                  <a:txBody>
+                    <a:bodyPr/>
+                    <a:lstStyle/>
+                    <a:p>
+                      <a:pPr algn="ctr"/>
+                      <a:r>
+                        <a:rPr lang="pt-PT" sz="1000" dirty="0">
+                          <a:solidFill>
+                            <a:schemeClr val="tx1"/>
+                          </a:solidFill>
+                          <a:latin typeface="Arial Narrow" panose="020B0606020202030204" pitchFamily="34" charset="0"/>
+                        </a:rPr>
+                        <a:t>…</a:t>
+                      </a:r>
+                    </a:p>
+                  </a:txBody>
+                  <a:tcPr marL="0" marR="0" marT="0" marB="0" anchor="ctr">
+                    <a:lnL w="12700" cap="flat" cmpd="sng" algn="ctr">
+                      <a:solidFill>
+                        <a:schemeClr val="tx1"/>
+                      </a:solidFill>
+                      <a:prstDash val="solid"/>
+                      <a:round/>
+                      <a:headEnd type="none" w="med" len="med"/>
+                      <a:tailEnd type="none" w="med" len="med"/>
+                    </a:lnL>
+                    <a:lnR w="12700" cap="flat" cmpd="sng" algn="ctr">
+                      <a:solidFill>
+                        <a:schemeClr val="tx1"/>
+                      </a:solidFill>
+                      <a:prstDash val="solid"/>
+                      <a:round/>
+                      <a:headEnd type="none" w="med" len="med"/>
+                      <a:tailEnd type="none" w="med" len="med"/>
+                    </a:lnR>
+                    <a:lnT w="12700" cap="flat" cmpd="sng" algn="ctr">
+                      <a:solidFill>
+                        <a:schemeClr val="tx1"/>
+                      </a:solidFill>
+                      <a:prstDash val="solid"/>
+                      <a:round/>
+                      <a:headEnd type="none" w="med" len="med"/>
+                      <a:tailEnd type="none" w="med" len="med"/>
+                    </a:lnT>
+                    <a:lnB w="12700" cap="flat" cmpd="sng" algn="ctr">
+                      <a:solidFill>
+                        <a:schemeClr val="tx1"/>
+                      </a:solidFill>
+                      <a:prstDash val="solid"/>
+                      <a:round/>
+                      <a:headEnd type="none" w="med" len="med"/>
+                      <a:tailEnd type="none" w="med" len="med"/>
+                    </a:lnB>
+                    <a:noFill/>
+                  </a:tcPr>
+                </a:tc>
+                <a:tc>
+                  <a:txBody>
+                    <a:bodyPr/>
+                    <a:lstStyle/>
+                    <a:p>
+                      <a:pPr algn="ctr"/>
+                      <a:r>
+                        <a:rPr lang="pt-PT" sz="1000" dirty="0">
+                          <a:solidFill>
+                            <a:schemeClr val="tx1"/>
+                          </a:solidFill>
+                          <a:latin typeface="Arial Narrow" panose="020B0606020202030204" pitchFamily="34" charset="0"/>
+                        </a:rPr>
+                        <a:t>…</a:t>
+                      </a:r>
+                    </a:p>
+                  </a:txBody>
+                  <a:tcPr marL="0" marR="0" marT="0" marB="0" anchor="ctr">
+                    <a:lnL w="12700" cap="flat" cmpd="sng" algn="ctr">
+                      <a:solidFill>
+                        <a:schemeClr val="tx1"/>
+                      </a:solidFill>
+                      <a:prstDash val="solid"/>
+                      <a:round/>
+                      <a:headEnd type="none" w="med" len="med"/>
+                      <a:tailEnd type="none" w="med" len="med"/>
+                    </a:lnL>
+                    <a:lnR w="12700" cap="flat" cmpd="sng" algn="ctr">
+                      <a:solidFill>
+                        <a:schemeClr val="tx1"/>
+                      </a:solidFill>
+                      <a:prstDash val="solid"/>
+                      <a:round/>
+                      <a:headEnd type="none" w="med" len="med"/>
+                      <a:tailEnd type="none" w="med" len="med"/>
+                    </a:lnR>
+                    <a:lnT w="12700" cap="flat" cmpd="sng" algn="ctr">
+                      <a:solidFill>
+                        <a:schemeClr val="tx1"/>
+                      </a:solidFill>
+                      <a:prstDash val="solid"/>
+                      <a:round/>
+                      <a:headEnd type="none" w="med" len="med"/>
+                      <a:tailEnd type="none" w="med" len="med"/>
+                    </a:lnT>
+                    <a:lnB w="12700" cap="flat" cmpd="sng" algn="ctr">
+                      <a:solidFill>
+                        <a:schemeClr val="tx1"/>
+                      </a:solidFill>
+                      <a:prstDash val="solid"/>
+                      <a:round/>
+                      <a:headEnd type="none" w="med" len="med"/>
+                      <a:tailEnd type="none" w="med" len="med"/>
+                    </a:lnB>
+                    <a:noFill/>
+                  </a:tcPr>
+                </a:tc>
+                <a:tc>
+                  <a:txBody>
+                    <a:bodyPr/>
+                    <a:lstStyle/>
+                    <a:p>
+                      <a:pPr algn="ctr"/>
+                      <a:r>
+                        <a:rPr lang="pt-PT" sz="1000" dirty="0">
+                          <a:solidFill>
+                            <a:schemeClr val="tx1"/>
+                          </a:solidFill>
+                          <a:latin typeface="Arial Narrow" panose="020B0606020202030204" pitchFamily="34" charset="0"/>
+                        </a:rPr>
+                        <a:t>…</a:t>
+                      </a:r>
+                    </a:p>
+                  </a:txBody>
+                  <a:tcPr marL="0" marR="0" marT="0" marB="0" anchor="ctr">
+                    <a:lnL w="12700" cap="flat" cmpd="sng" algn="ctr">
+                      <a:solidFill>
+                        <a:schemeClr val="tx1"/>
+                      </a:solidFill>
+                      <a:prstDash val="solid"/>
+                      <a:round/>
+                      <a:headEnd type="none" w="med" len="med"/>
+                      <a:tailEnd type="none" w="med" len="med"/>
+                    </a:lnL>
+                    <a:lnR w="12700" cap="flat" cmpd="sng" algn="ctr">
+                      <a:solidFill>
+                        <a:schemeClr val="tx1"/>
+                      </a:solidFill>
+                      <a:prstDash val="solid"/>
+                      <a:round/>
+                      <a:headEnd type="none" w="med" len="med"/>
+                      <a:tailEnd type="none" w="med" len="med"/>
+                    </a:lnR>
+                    <a:lnT w="12700" cap="flat" cmpd="sng" algn="ctr">
+                      <a:solidFill>
+                        <a:schemeClr val="tx1"/>
+                      </a:solidFill>
+                      <a:prstDash val="solid"/>
+                      <a:round/>
+                      <a:headEnd type="none" w="med" len="med"/>
+                      <a:tailEnd type="none" w="med" len="med"/>
+                    </a:lnT>
+                    <a:lnB w="12700" cap="flat" cmpd="sng" algn="ctr">
+                      <a:solidFill>
+                        <a:schemeClr val="tx1"/>
+                      </a:solidFill>
+                      <a:prstDash val="solid"/>
+                      <a:round/>
+                      <a:headEnd type="none" w="med" len="med"/>
+                      <a:tailEnd type="none" w="med" len="med"/>
+                    </a:lnB>
+                    <a:noFill/>
+                  </a:tcPr>
+                </a:tc>
+                <a:tc>
+                  <a:txBody>
+                    <a:bodyPr/>
+                    <a:lstStyle/>
+                    <a:p>
+                      <a:pPr algn="ctr"/>
+                      <a:r>
+                        <a:rPr lang="pt-PT" sz="1000" dirty="0">
+                          <a:solidFill>
+                            <a:schemeClr val="tx1"/>
+                          </a:solidFill>
+                          <a:latin typeface="Arial Narrow" panose="020B0606020202030204" pitchFamily="34" charset="0"/>
+                        </a:rPr>
+                        <a:t>d[</a:t>
+                      </a:r>
+                      <a:r>
+                        <a:rPr lang="pt-PT" sz="1000" dirty="0" err="1">
+                          <a:solidFill>
+                            <a:schemeClr val="tx1"/>
+                          </a:solidFill>
+                          <a:latin typeface="Arial Narrow" panose="020B0606020202030204" pitchFamily="34" charset="0"/>
+                        </a:rPr>
+                        <a:t>i+n</a:t>
+                      </a:r>
+                      <a:r>
+                        <a:rPr lang="pt-PT" sz="1000" dirty="0">
+                          <a:solidFill>
+                            <a:schemeClr val="tx1"/>
+                          </a:solidFill>
+                          <a:latin typeface="Arial Narrow" panose="020B0606020202030204" pitchFamily="34" charset="0"/>
+                        </a:rPr>
+                        <a:t>]</a:t>
+                      </a:r>
+                    </a:p>
+                  </a:txBody>
+                  <a:tcPr marL="0" marR="0" marT="0" marB="0" anchor="ctr">
+                    <a:lnL w="12700" cap="flat" cmpd="sng" algn="ctr">
+                      <a:solidFill>
+                        <a:schemeClr val="tx1"/>
+                      </a:solidFill>
+                      <a:prstDash val="solid"/>
+                      <a:round/>
+                      <a:headEnd type="none" w="med" len="med"/>
+                      <a:tailEnd type="none" w="med" len="med"/>
+                    </a:lnL>
+                    <a:lnR w="12700" cap="flat" cmpd="sng" algn="ctr">
+                      <a:solidFill>
+                        <a:schemeClr val="tx1"/>
+                      </a:solidFill>
+                      <a:prstDash val="solid"/>
+                      <a:round/>
+                      <a:headEnd type="none" w="med" len="med"/>
+                      <a:tailEnd type="none" w="med" len="med"/>
+                    </a:lnR>
+                    <a:lnT w="12700" cap="flat" cmpd="sng" algn="ctr">
+                      <a:solidFill>
+                        <a:schemeClr val="tx1"/>
+                      </a:solidFill>
+                      <a:prstDash val="solid"/>
+                      <a:round/>
+                      <a:headEnd type="none" w="med" len="med"/>
+                      <a:tailEnd type="none" w="med" len="med"/>
+                    </a:lnT>
+                    <a:lnB w="12700" cap="flat" cmpd="sng" algn="ctr">
+                      <a:solidFill>
+                        <a:schemeClr val="tx1"/>
+                      </a:solidFill>
+                      <a:prstDash val="solid"/>
+                      <a:round/>
+                      <a:headEnd type="none" w="med" len="med"/>
+                      <a:tailEnd type="none" w="med" len="med"/>
+                    </a:lnB>
+                    <a:noFill/>
+                  </a:tcPr>
+                </a:tc>
+                <a:extLst>
+                  <a:ext uri="{0D108BD9-81ED-4DB2-BD59-A6C34878D82A}">
+                    <a16:rowId xmlns:a16="http://schemas.microsoft.com/office/drawing/2014/main" val="2804935505"/>
+                  </a:ext>
+                </a:extLst>
+              </a:tr>
+              <a:tr h="756000">
+                <a:tc>
+                  <a:txBody>
+                    <a:bodyPr/>
+                    <a:lstStyle/>
+                    <a:p>
+                      <a:pPr algn="ctr"/>
+                      <a:endParaRPr lang="pt-PT" sz="1000" dirty="0">
+                        <a:solidFill>
+                          <a:schemeClr val="tx1"/>
+                        </a:solidFill>
+                        <a:latin typeface="Arial Narrow" panose="020B0606020202030204" pitchFamily="34" charset="0"/>
+                      </a:endParaRPr>
+                    </a:p>
+                  </a:txBody>
+                  <a:tcPr marL="0" marR="0" marT="0" marB="0" anchor="ctr">
+                    <a:lnL w="12700" cap="flat" cmpd="sng" algn="ctr">
+                      <a:noFill/>
+                      <a:prstDash val="solid"/>
+                      <a:round/>
+                      <a:headEnd type="none" w="med" len="med"/>
+                      <a:tailEnd type="none" w="med" len="med"/>
+                    </a:lnL>
+                    <a:lnR w="12700" cap="flat" cmpd="sng" algn="ctr">
+                      <a:noFill/>
+                      <a:prstDash val="solid"/>
+                      <a:round/>
+                      <a:headEnd type="none" w="med" len="med"/>
+                      <a:tailEnd type="none" w="med" len="med"/>
+                    </a:lnR>
+                    <a:lnT w="12700" cap="flat" cmpd="sng" algn="ctr">
+                      <a:solidFill>
+                        <a:schemeClr val="tx1"/>
+                      </a:solidFill>
+                      <a:prstDash val="solid"/>
+                      <a:round/>
+                      <a:headEnd type="none" w="med" len="med"/>
+                      <a:tailEnd type="none" w="med" len="med"/>
+                    </a:lnT>
+                    <a:lnB w="12700" cap="flat" cmpd="sng" algn="ctr">
+                      <a:solidFill>
+                        <a:schemeClr val="tx1"/>
+                      </a:solidFill>
+                      <a:prstDash val="solid"/>
+                      <a:round/>
+                      <a:headEnd type="none" w="med" len="med"/>
+                      <a:tailEnd type="none" w="med" len="med"/>
+                    </a:lnB>
+                    <a:noFill/>
+                  </a:tcPr>
+                </a:tc>
+                <a:tc>
+                  <a:txBody>
+                    <a:bodyPr/>
+                    <a:lstStyle/>
+                    <a:p>
+                      <a:pPr algn="ctr"/>
+                      <a:endParaRPr lang="pt-PT" sz="1000" dirty="0">
+                        <a:solidFill>
+                          <a:schemeClr val="tx1"/>
+                        </a:solidFill>
+                        <a:latin typeface="Arial Narrow" panose="020B0606020202030204" pitchFamily="34" charset="0"/>
+                      </a:endParaRPr>
+                    </a:p>
+                  </a:txBody>
+                  <a:tcPr marL="0" marR="0" marT="0" marB="0" anchor="ctr">
+                    <a:lnL w="12700" cap="flat" cmpd="sng" algn="ctr">
+                      <a:noFill/>
+                      <a:prstDash val="solid"/>
+                      <a:round/>
+                      <a:headEnd type="none" w="med" len="med"/>
+                      <a:tailEnd type="none" w="med" len="med"/>
+                    </a:lnL>
+                    <a:lnR w="12700" cap="flat" cmpd="sng" algn="ctr">
+                      <a:noFill/>
+                      <a:prstDash val="solid"/>
+                      <a:round/>
+                      <a:headEnd type="none" w="med" len="med"/>
+                      <a:tailEnd type="none" w="med" len="med"/>
+                    </a:lnR>
+                    <a:lnT w="12700" cap="flat" cmpd="sng" algn="ctr">
+                      <a:solidFill>
+                        <a:schemeClr val="tx1"/>
+                      </a:solidFill>
+                      <a:prstDash val="solid"/>
+                      <a:round/>
+                      <a:headEnd type="none" w="med" len="med"/>
+                      <a:tailEnd type="none" w="med" len="med"/>
+                    </a:lnT>
+                    <a:lnB w="12700" cap="flat" cmpd="sng" algn="ctr">
+                      <a:solidFill>
+                        <a:schemeClr val="tx1"/>
+                      </a:solidFill>
+                      <a:prstDash val="solid"/>
+                      <a:round/>
+                      <a:headEnd type="none" w="med" len="med"/>
+                      <a:tailEnd type="none" w="med" len="med"/>
+                    </a:lnB>
+                    <a:noFill/>
+                  </a:tcPr>
+                </a:tc>
+                <a:tc>
+                  <a:txBody>
+                    <a:bodyPr/>
+                    <a:lstStyle/>
+                    <a:p>
+                      <a:pPr algn="ctr"/>
+                      <a:endParaRPr lang="pt-PT" sz="1000" dirty="0">
+                        <a:solidFill>
+                          <a:schemeClr val="tx1"/>
+                        </a:solidFill>
+                        <a:latin typeface="Arial Narrow" panose="020B0606020202030204" pitchFamily="34" charset="0"/>
+                      </a:endParaRPr>
+                    </a:p>
+                  </a:txBody>
+                  <a:tcPr marL="0" marR="0" marT="0" marB="0" anchor="ctr">
+                    <a:lnL w="12700" cap="flat" cmpd="sng" algn="ctr">
+                      <a:noFill/>
+                      <a:prstDash val="solid"/>
+                      <a:round/>
+                      <a:headEnd type="none" w="med" len="med"/>
+                      <a:tailEnd type="none" w="med" len="med"/>
+                    </a:lnL>
+                    <a:lnR w="12700" cap="flat" cmpd="sng" algn="ctr">
+                      <a:noFill/>
+                      <a:prstDash val="solid"/>
+                      <a:round/>
+                      <a:headEnd type="none" w="med" len="med"/>
+                      <a:tailEnd type="none" w="med" len="med"/>
+                    </a:lnR>
+                    <a:lnT w="12700" cap="flat" cmpd="sng" algn="ctr">
+                      <a:solidFill>
+                        <a:schemeClr val="tx1"/>
+                      </a:solidFill>
+                      <a:prstDash val="solid"/>
+                      <a:round/>
+                      <a:headEnd type="none" w="med" len="med"/>
+                      <a:tailEnd type="none" w="med" len="med"/>
+                    </a:lnT>
+                    <a:lnB w="12700" cap="flat" cmpd="sng" algn="ctr">
+                      <a:solidFill>
+                        <a:schemeClr val="tx1"/>
+                      </a:solidFill>
+                      <a:prstDash val="solid"/>
+                      <a:round/>
+                      <a:headEnd type="none" w="med" len="med"/>
+                      <a:tailEnd type="none" w="med" len="med"/>
+                    </a:lnB>
+                    <a:noFill/>
+                  </a:tcPr>
+                </a:tc>
+                <a:tc>
+                  <a:txBody>
+                    <a:bodyPr/>
+                    <a:lstStyle/>
+                    <a:p>
+                      <a:pPr algn="ctr"/>
+                      <a:endParaRPr lang="pt-PT" sz="1000" dirty="0">
+                        <a:solidFill>
+                          <a:schemeClr val="tx1"/>
+                        </a:solidFill>
+                        <a:latin typeface="Arial Narrow" panose="020B0606020202030204" pitchFamily="34" charset="0"/>
+                      </a:endParaRPr>
+                    </a:p>
+                  </a:txBody>
+                  <a:tcPr marL="0" marR="0" marT="0" marB="0" anchor="ctr">
+                    <a:lnL w="12700" cap="flat" cmpd="sng" algn="ctr">
+                      <a:noFill/>
+                      <a:prstDash val="solid"/>
+                      <a:round/>
+                      <a:headEnd type="none" w="med" len="med"/>
+                      <a:tailEnd type="none" w="med" len="med"/>
+                    </a:lnL>
+                    <a:lnR w="12700" cap="flat" cmpd="sng" algn="ctr">
+                      <a:noFill/>
+                      <a:prstDash val="solid"/>
+                      <a:round/>
+                      <a:headEnd type="none" w="med" len="med"/>
+                      <a:tailEnd type="none" w="med" len="med"/>
+                    </a:lnR>
+                    <a:lnT w="12700" cap="flat" cmpd="sng" algn="ctr">
+                      <a:solidFill>
+                        <a:schemeClr val="tx1"/>
+                      </a:solidFill>
+                      <a:prstDash val="solid"/>
+                      <a:round/>
+                      <a:headEnd type="none" w="med" len="med"/>
+                      <a:tailEnd type="none" w="med" len="med"/>
+                    </a:lnT>
+                    <a:lnB w="12700" cap="flat" cmpd="sng" algn="ctr">
+                      <a:solidFill>
+                        <a:schemeClr val="tx1"/>
+                      </a:solidFill>
+                      <a:prstDash val="solid"/>
+                      <a:round/>
+                      <a:headEnd type="none" w="med" len="med"/>
+                      <a:tailEnd type="none" w="med" len="med"/>
+                    </a:lnB>
+                    <a:noFill/>
+                  </a:tcPr>
+                </a:tc>
+                <a:tc>
+                  <a:txBody>
+                    <a:bodyPr/>
+                    <a:lstStyle/>
+                    <a:p>
+                      <a:pPr algn="ctr"/>
+                      <a:endParaRPr lang="pt-PT" sz="1000" dirty="0">
+                        <a:solidFill>
+                          <a:schemeClr val="tx1"/>
+                        </a:solidFill>
+                        <a:latin typeface="Arial Narrow" panose="020B0606020202030204" pitchFamily="34" charset="0"/>
+                      </a:endParaRPr>
+                    </a:p>
+                  </a:txBody>
+                  <a:tcPr marL="0" marR="0" marT="0" marB="0" anchor="ctr">
+                    <a:lnL w="12700" cap="flat" cmpd="sng" algn="ctr">
+                      <a:noFill/>
+                      <a:prstDash val="solid"/>
+                      <a:round/>
+                      <a:headEnd type="none" w="med" len="med"/>
+                      <a:tailEnd type="none" w="med" len="med"/>
+                    </a:lnL>
+                    <a:lnR w="12700" cap="flat" cmpd="sng" algn="ctr">
+                      <a:noFill/>
+                      <a:prstDash val="solid"/>
+                      <a:round/>
+                      <a:headEnd type="none" w="med" len="med"/>
+                      <a:tailEnd type="none" w="med" len="med"/>
+                    </a:lnR>
+                    <a:lnT w="12700" cap="flat" cmpd="sng" algn="ctr">
+                      <a:solidFill>
+                        <a:schemeClr val="tx1"/>
+                      </a:solidFill>
+                      <a:prstDash val="solid"/>
+                      <a:round/>
+                      <a:headEnd type="none" w="med" len="med"/>
+                      <a:tailEnd type="none" w="med" len="med"/>
+                    </a:lnT>
+                    <a:lnB w="12700" cap="flat" cmpd="sng" algn="ctr">
+                      <a:solidFill>
+                        <a:schemeClr val="tx1"/>
+                      </a:solidFill>
+                      <a:prstDash val="solid"/>
+                      <a:round/>
+                      <a:headEnd type="none" w="med" len="med"/>
+                      <a:tailEnd type="none" w="med" len="med"/>
+                    </a:lnB>
+                    <a:noFill/>
+                  </a:tcPr>
+                </a:tc>
+                <a:tc>
+                  <a:txBody>
+                    <a:bodyPr/>
+                    <a:lstStyle/>
+                    <a:p>
+                      <a:pPr algn="ctr"/>
+                      <a:endParaRPr lang="pt-PT" sz="1000" dirty="0">
+                        <a:solidFill>
+                          <a:schemeClr val="tx1"/>
+                        </a:solidFill>
+                        <a:latin typeface="Arial Narrow" panose="020B0606020202030204" pitchFamily="34" charset="0"/>
+                      </a:endParaRPr>
+                    </a:p>
+                  </a:txBody>
+                  <a:tcPr marL="0" marR="0" marT="0" marB="0" anchor="ctr">
+                    <a:lnL w="12700" cap="flat" cmpd="sng" algn="ctr">
+                      <a:noFill/>
+                      <a:prstDash val="solid"/>
+                      <a:round/>
+                      <a:headEnd type="none" w="med" len="med"/>
+                      <a:tailEnd type="none" w="med" len="med"/>
+                    </a:lnL>
+                    <a:lnR w="12700" cap="flat" cmpd="sng" algn="ctr">
+                      <a:noFill/>
+                      <a:prstDash val="solid"/>
+                      <a:round/>
+                      <a:headEnd type="none" w="med" len="med"/>
+                      <a:tailEnd type="none" w="med" len="med"/>
+                    </a:lnR>
+                    <a:lnT w="12700" cap="flat" cmpd="sng" algn="ctr">
+                      <a:solidFill>
+                        <a:schemeClr val="tx1"/>
+                      </a:solidFill>
+                      <a:prstDash val="solid"/>
+                      <a:round/>
+                      <a:headEnd type="none" w="med" len="med"/>
+                      <a:tailEnd type="none" w="med" len="med"/>
+                    </a:lnT>
+                    <a:lnB w="12700" cap="flat" cmpd="sng" algn="ctr">
+                      <a:solidFill>
+                        <a:schemeClr val="tx1"/>
+                      </a:solidFill>
+                      <a:prstDash val="solid"/>
+                      <a:round/>
+                      <a:headEnd type="none" w="med" len="med"/>
+                      <a:tailEnd type="none" w="med" len="med"/>
+                    </a:lnB>
+                    <a:noFill/>
+                  </a:tcPr>
+                </a:tc>
+                <a:tc>
+                  <a:txBody>
+                    <a:bodyPr/>
+                    <a:lstStyle/>
+                    <a:p>
+                      <a:pPr algn="ctr"/>
+                      <a:endParaRPr lang="pt-PT" sz="1000" dirty="0">
+                        <a:solidFill>
+                          <a:schemeClr val="tx1"/>
+                        </a:solidFill>
+                        <a:latin typeface="Arial Narrow" panose="020B0606020202030204" pitchFamily="34" charset="0"/>
+                      </a:endParaRPr>
+                    </a:p>
+                  </a:txBody>
+                  <a:tcPr marL="0" marR="0" marT="0" marB="0" anchor="ctr">
+                    <a:lnL w="12700" cap="flat" cmpd="sng" algn="ctr">
+                      <a:noFill/>
+                      <a:prstDash val="solid"/>
+                      <a:round/>
+                      <a:headEnd type="none" w="med" len="med"/>
+                      <a:tailEnd type="none" w="med" len="med"/>
+                    </a:lnL>
+                    <a:lnR w="12700" cap="flat" cmpd="sng" algn="ctr">
+                      <a:noFill/>
+                      <a:prstDash val="solid"/>
+                      <a:round/>
+                      <a:headEnd type="none" w="med" len="med"/>
+                      <a:tailEnd type="none" w="med" len="med"/>
+                    </a:lnR>
+                    <a:lnT w="12700" cap="flat" cmpd="sng" algn="ctr">
+                      <a:solidFill>
+                        <a:schemeClr val="tx1"/>
+                      </a:solidFill>
+                      <a:prstDash val="solid"/>
+                      <a:round/>
+                      <a:headEnd type="none" w="med" len="med"/>
+                      <a:tailEnd type="none" w="med" len="med"/>
+                    </a:lnT>
+                    <a:lnB w="12700" cap="flat" cmpd="sng" algn="ctr">
+                      <a:solidFill>
+                        <a:schemeClr val="tx1"/>
+                      </a:solidFill>
+                      <a:prstDash val="solid"/>
+                      <a:round/>
+                      <a:headEnd type="none" w="med" len="med"/>
+                      <a:tailEnd type="none" w="med" len="med"/>
+                    </a:lnB>
+                    <a:noFill/>
+                  </a:tcPr>
+                </a:tc>
+                <a:tc>
+                  <a:txBody>
+                    <a:bodyPr/>
+                    <a:lstStyle/>
+                    <a:p>
+                      <a:pPr algn="ctr"/>
+                      <a:endParaRPr lang="pt-PT" sz="1000" dirty="0">
+                        <a:solidFill>
+                          <a:schemeClr val="tx1"/>
+                        </a:solidFill>
+                        <a:latin typeface="Arial Narrow" panose="020B0606020202030204" pitchFamily="34" charset="0"/>
+                      </a:endParaRPr>
+                    </a:p>
+                  </a:txBody>
+                  <a:tcPr marL="0" marR="0" marT="0" marB="0" anchor="ctr">
+                    <a:lnL w="12700" cap="flat" cmpd="sng" algn="ctr">
+                      <a:noFill/>
+                      <a:prstDash val="solid"/>
+                      <a:round/>
+                      <a:headEnd type="none" w="med" len="med"/>
+                      <a:tailEnd type="none" w="med" len="med"/>
+                    </a:lnL>
+                    <a:lnR w="12700" cap="flat" cmpd="sng" algn="ctr">
+                      <a:noFill/>
+                      <a:prstDash val="solid"/>
+                      <a:round/>
+                      <a:headEnd type="none" w="med" len="med"/>
+                      <a:tailEnd type="none" w="med" len="med"/>
+                    </a:lnR>
+                    <a:lnT w="12700" cap="flat" cmpd="sng" algn="ctr">
+                      <a:solidFill>
+                        <a:schemeClr val="tx1"/>
+                      </a:solidFill>
+                      <a:prstDash val="solid"/>
+                      <a:round/>
+                      <a:headEnd type="none" w="med" len="med"/>
+                      <a:tailEnd type="none" w="med" len="med"/>
+                    </a:lnT>
+                    <a:lnB w="12700" cap="flat" cmpd="sng" algn="ctr">
+                      <a:solidFill>
+                        <a:schemeClr val="tx1"/>
+                      </a:solidFill>
+                      <a:prstDash val="solid"/>
+                      <a:round/>
+                      <a:headEnd type="none" w="med" len="med"/>
+                      <a:tailEnd type="none" w="med" len="med"/>
+                    </a:lnB>
+                    <a:noFill/>
+                  </a:tcPr>
+                </a:tc>
+                <a:extLst>
+                  <a:ext uri="{0D108BD9-81ED-4DB2-BD59-A6C34878D82A}">
+                    <a16:rowId xmlns:a16="http://schemas.microsoft.com/office/drawing/2014/main" val="3592225429"/>
+                  </a:ext>
+                </a:extLst>
+              </a:tr>
+              <a:tr h="288000">
+                <a:tc>
+                  <a:txBody>
+                    <a:bodyPr/>
+                    <a:lstStyle/>
+                    <a:p>
+                      <a:pPr algn="ctr"/>
+                      <a:r>
+                        <a:rPr lang="pt-PT" sz="1000" dirty="0">
+                          <a:solidFill>
+                            <a:schemeClr val="tx1"/>
+                          </a:solidFill>
+                          <a:latin typeface="Arial Narrow" panose="020B0606020202030204" pitchFamily="34" charset="0"/>
+                        </a:rPr>
+                        <a:t>d[i]</a:t>
+                      </a:r>
+                    </a:p>
+                  </a:txBody>
+                  <a:tcPr marL="0" marR="0" marT="0" marB="0" anchor="ctr">
+                    <a:lnL w="12700" cap="flat" cmpd="sng" algn="ctr">
+                      <a:solidFill>
+                        <a:schemeClr val="tx1"/>
+                      </a:solidFill>
+                      <a:prstDash val="solid"/>
+                      <a:round/>
+                      <a:headEnd type="none" w="med" len="med"/>
+                      <a:tailEnd type="none" w="med" len="med"/>
+                    </a:lnL>
+                    <a:lnR w="12700" cap="flat" cmpd="sng" algn="ctr">
+                      <a:solidFill>
+                        <a:schemeClr val="tx1"/>
+                      </a:solidFill>
+                      <a:prstDash val="solid"/>
+                      <a:round/>
+                      <a:headEnd type="none" w="med" len="med"/>
+                      <a:tailEnd type="none" w="med" len="med"/>
+                    </a:lnR>
+                    <a:lnT w="12700" cap="flat" cmpd="sng" algn="ctr">
+                      <a:solidFill>
+                        <a:schemeClr val="tx1"/>
+                      </a:solidFill>
+                      <a:prstDash val="solid"/>
+                      <a:round/>
+                      <a:headEnd type="none" w="med" len="med"/>
+                      <a:tailEnd type="none" w="med" len="med"/>
+                    </a:lnT>
+                    <a:lnB w="12700" cap="flat" cmpd="sng" algn="ctr">
+                      <a:solidFill>
+                        <a:schemeClr val="tx1"/>
+                      </a:solidFill>
+                      <a:prstDash val="solid"/>
+                      <a:round/>
+                      <a:headEnd type="none" w="med" len="med"/>
+                      <a:tailEnd type="none" w="med" len="med"/>
+                    </a:lnB>
+                    <a:noFill/>
+                  </a:tcPr>
+                </a:tc>
+                <a:tc>
+                  <a:txBody>
+                    <a:bodyPr/>
+                    <a:lstStyle/>
+                    <a:p>
+                      <a:pPr algn="ctr"/>
+                      <a:r>
+                        <a:rPr lang="pt-PT" sz="1000" dirty="0">
+                          <a:solidFill>
+                            <a:schemeClr val="tx1"/>
+                          </a:solidFill>
+                          <a:latin typeface="Arial Narrow" panose="020B0606020202030204" pitchFamily="34" charset="0"/>
+                        </a:rPr>
+                        <a:t>d[i+1]</a:t>
+                      </a:r>
+                    </a:p>
+                  </a:txBody>
+                  <a:tcPr marL="0" marR="0" marT="0" marB="0" anchor="ctr">
+                    <a:lnL w="12700" cap="flat" cmpd="sng" algn="ctr">
+                      <a:solidFill>
+                        <a:schemeClr val="tx1"/>
+                      </a:solidFill>
+                      <a:prstDash val="solid"/>
+                      <a:round/>
+                      <a:headEnd type="none" w="med" len="med"/>
+                      <a:tailEnd type="none" w="med" len="med"/>
+                    </a:lnL>
+                    <a:lnR w="12700" cap="flat" cmpd="sng" algn="ctr">
+                      <a:solidFill>
+                        <a:schemeClr val="tx1"/>
+                      </a:solidFill>
+                      <a:prstDash val="solid"/>
+                      <a:round/>
+                      <a:headEnd type="none" w="med" len="med"/>
+                      <a:tailEnd type="none" w="med" len="med"/>
+                    </a:lnR>
+                    <a:lnT w="12700" cap="flat" cmpd="sng" algn="ctr">
+                      <a:solidFill>
+                        <a:schemeClr val="tx1"/>
+                      </a:solidFill>
+                      <a:prstDash val="solid"/>
+                      <a:round/>
+                      <a:headEnd type="none" w="med" len="med"/>
+                      <a:tailEnd type="none" w="med" len="med"/>
+                    </a:lnT>
+                    <a:lnB w="12700" cap="flat" cmpd="sng" algn="ctr">
+                      <a:solidFill>
+                        <a:schemeClr val="tx1"/>
+                      </a:solidFill>
+                      <a:prstDash val="solid"/>
+                      <a:round/>
+                      <a:headEnd type="none" w="med" len="med"/>
+                      <a:tailEnd type="none" w="med" len="med"/>
+                    </a:lnB>
+                    <a:noFill/>
+                  </a:tcPr>
+                </a:tc>
+                <a:tc>
+                  <a:txBody>
+                    <a:bodyPr/>
+                    <a:lstStyle/>
+                    <a:p>
+                      <a:pPr algn="ctr"/>
+                      <a:r>
+                        <a:rPr lang="pt-PT" sz="1000" dirty="0">
+                          <a:solidFill>
+                            <a:schemeClr val="tx1"/>
+                          </a:solidFill>
+                          <a:latin typeface="Arial Narrow" panose="020B0606020202030204" pitchFamily="34" charset="0"/>
+                        </a:rPr>
+                        <a:t>d[i+2]</a:t>
+                      </a:r>
+                    </a:p>
+                  </a:txBody>
+                  <a:tcPr marL="0" marR="0" marT="0" marB="0" anchor="ctr">
+                    <a:lnL w="12700" cap="flat" cmpd="sng" algn="ctr">
+                      <a:solidFill>
+                        <a:schemeClr val="tx1"/>
+                      </a:solidFill>
+                      <a:prstDash val="solid"/>
+                      <a:round/>
+                      <a:headEnd type="none" w="med" len="med"/>
+                      <a:tailEnd type="none" w="med" len="med"/>
+                    </a:lnL>
+                    <a:lnR w="12700" cap="flat" cmpd="sng" algn="ctr">
+                      <a:solidFill>
+                        <a:schemeClr val="tx1"/>
+                      </a:solidFill>
+                      <a:prstDash val="solid"/>
+                      <a:round/>
+                      <a:headEnd type="none" w="med" len="med"/>
+                      <a:tailEnd type="none" w="med" len="med"/>
+                    </a:lnR>
+                    <a:lnT w="12700" cap="flat" cmpd="sng" algn="ctr">
+                      <a:solidFill>
+                        <a:schemeClr val="tx1"/>
+                      </a:solidFill>
+                      <a:prstDash val="solid"/>
+                      <a:round/>
+                      <a:headEnd type="none" w="med" len="med"/>
+                      <a:tailEnd type="none" w="med" len="med"/>
+                    </a:lnT>
+                    <a:lnB w="12700" cap="flat" cmpd="sng" algn="ctr">
+                      <a:solidFill>
+                        <a:schemeClr val="tx1"/>
+                      </a:solidFill>
+                      <a:prstDash val="solid"/>
+                      <a:round/>
+                      <a:headEnd type="none" w="med" len="med"/>
+                      <a:tailEnd type="none" w="med" len="med"/>
+                    </a:lnB>
+                    <a:noFill/>
+                  </a:tcPr>
+                </a:tc>
+                <a:tc>
+                  <a:txBody>
+                    <a:bodyPr/>
+                    <a:lstStyle/>
+                    <a:p>
+                      <a:pPr algn="ctr"/>
+                      <a:r>
+                        <a:rPr lang="pt-PT" sz="1000" dirty="0">
+                          <a:solidFill>
+                            <a:schemeClr val="tx1"/>
+                          </a:solidFill>
+                          <a:latin typeface="Arial Narrow" panose="020B0606020202030204" pitchFamily="34" charset="0"/>
+                        </a:rPr>
+                        <a:t>d[i+3]</a:t>
+                      </a:r>
+                    </a:p>
+                  </a:txBody>
+                  <a:tcPr marL="0" marR="0" marT="0" marB="0" anchor="ctr">
+                    <a:lnL w="12700" cap="flat" cmpd="sng" algn="ctr">
+                      <a:solidFill>
+                        <a:schemeClr val="tx1"/>
+                      </a:solidFill>
+                      <a:prstDash val="solid"/>
+                      <a:round/>
+                      <a:headEnd type="none" w="med" len="med"/>
+                      <a:tailEnd type="none" w="med" len="med"/>
+                    </a:lnL>
+                    <a:lnR w="12700" cap="flat" cmpd="sng" algn="ctr">
+                      <a:solidFill>
+                        <a:schemeClr val="tx1"/>
+                      </a:solidFill>
+                      <a:prstDash val="solid"/>
+                      <a:round/>
+                      <a:headEnd type="none" w="med" len="med"/>
+                      <a:tailEnd type="none" w="med" len="med"/>
+                    </a:lnR>
+                    <a:lnT w="12700" cap="flat" cmpd="sng" algn="ctr">
+                      <a:solidFill>
+                        <a:schemeClr val="tx1"/>
+                      </a:solidFill>
+                      <a:prstDash val="solid"/>
+                      <a:round/>
+                      <a:headEnd type="none" w="med" len="med"/>
+                      <a:tailEnd type="none" w="med" len="med"/>
+                    </a:lnT>
+                    <a:lnB w="12700" cap="flat" cmpd="sng" algn="ctr">
+                      <a:solidFill>
+                        <a:schemeClr val="tx1"/>
+                      </a:solidFill>
+                      <a:prstDash val="solid"/>
+                      <a:round/>
+                      <a:headEnd type="none" w="med" len="med"/>
+                      <a:tailEnd type="none" w="med" len="med"/>
+                    </a:lnB>
+                    <a:noFill/>
+                  </a:tcPr>
+                </a:tc>
+                <a:tc>
+                  <a:txBody>
+                    <a:bodyPr/>
+                    <a:lstStyle/>
+                    <a:p>
+                      <a:pPr algn="ctr"/>
+                      <a:r>
+                        <a:rPr lang="pt-PT" sz="1000" dirty="0">
+                          <a:solidFill>
+                            <a:schemeClr val="tx1"/>
+                          </a:solidFill>
+                          <a:latin typeface="Arial Narrow" panose="020B0606020202030204" pitchFamily="34" charset="0"/>
+                        </a:rPr>
+                        <a:t>…</a:t>
+                      </a:r>
+                    </a:p>
+                  </a:txBody>
+                  <a:tcPr marL="0" marR="0" marT="0" marB="0" anchor="ctr">
+                    <a:lnL w="12700" cap="flat" cmpd="sng" algn="ctr">
+                      <a:solidFill>
+                        <a:schemeClr val="tx1"/>
+                      </a:solidFill>
+                      <a:prstDash val="solid"/>
+                      <a:round/>
+                      <a:headEnd type="none" w="med" len="med"/>
+                      <a:tailEnd type="none" w="med" len="med"/>
+                    </a:lnL>
+                    <a:lnR w="12700" cap="flat" cmpd="sng" algn="ctr">
+                      <a:solidFill>
+                        <a:schemeClr val="tx1"/>
+                      </a:solidFill>
+                      <a:prstDash val="solid"/>
+                      <a:round/>
+                      <a:headEnd type="none" w="med" len="med"/>
+                      <a:tailEnd type="none" w="med" len="med"/>
+                    </a:lnR>
+                    <a:lnT w="12700" cap="flat" cmpd="sng" algn="ctr">
+                      <a:solidFill>
+                        <a:schemeClr val="tx1"/>
+                      </a:solidFill>
+                      <a:prstDash val="solid"/>
+                      <a:round/>
+                      <a:headEnd type="none" w="med" len="med"/>
+                      <a:tailEnd type="none" w="med" len="med"/>
+                    </a:lnT>
+                    <a:lnB w="12700" cap="flat" cmpd="sng" algn="ctr">
+                      <a:solidFill>
+                        <a:schemeClr val="tx1"/>
+                      </a:solidFill>
+                      <a:prstDash val="solid"/>
+                      <a:round/>
+                      <a:headEnd type="none" w="med" len="med"/>
+                      <a:tailEnd type="none" w="med" len="med"/>
+                    </a:lnB>
+                    <a:noFill/>
+                  </a:tcPr>
+                </a:tc>
+                <a:tc>
+                  <a:txBody>
+                    <a:bodyPr/>
+                    <a:lstStyle/>
+                    <a:p>
+                      <a:pPr algn="ctr"/>
+                      <a:r>
+                        <a:rPr lang="pt-PT" sz="1000" dirty="0">
+                          <a:solidFill>
+                            <a:schemeClr val="tx1"/>
+                          </a:solidFill>
+                          <a:latin typeface="Arial Narrow" panose="020B0606020202030204" pitchFamily="34" charset="0"/>
+                        </a:rPr>
+                        <a:t>…</a:t>
+                      </a:r>
+                    </a:p>
+                  </a:txBody>
+                  <a:tcPr marL="0" marR="0" marT="0" marB="0" anchor="ctr">
+                    <a:lnL w="12700" cap="flat" cmpd="sng" algn="ctr">
+                      <a:solidFill>
+                        <a:schemeClr val="tx1"/>
+                      </a:solidFill>
+                      <a:prstDash val="solid"/>
+                      <a:round/>
+                      <a:headEnd type="none" w="med" len="med"/>
+                      <a:tailEnd type="none" w="med" len="med"/>
+                    </a:lnL>
+                    <a:lnR w="12700" cap="flat" cmpd="sng" algn="ctr">
+                      <a:solidFill>
+                        <a:schemeClr val="tx1"/>
+                      </a:solidFill>
+                      <a:prstDash val="solid"/>
+                      <a:round/>
+                      <a:headEnd type="none" w="med" len="med"/>
+                      <a:tailEnd type="none" w="med" len="med"/>
+                    </a:lnR>
+                    <a:lnT w="12700" cap="flat" cmpd="sng" algn="ctr">
+                      <a:solidFill>
+                        <a:schemeClr val="tx1"/>
+                      </a:solidFill>
+                      <a:prstDash val="solid"/>
+                      <a:round/>
+                      <a:headEnd type="none" w="med" len="med"/>
+                      <a:tailEnd type="none" w="med" len="med"/>
+                    </a:lnT>
+                    <a:lnB w="12700" cap="flat" cmpd="sng" algn="ctr">
+                      <a:solidFill>
+                        <a:schemeClr val="tx1"/>
+                      </a:solidFill>
+                      <a:prstDash val="solid"/>
+                      <a:round/>
+                      <a:headEnd type="none" w="med" len="med"/>
+                      <a:tailEnd type="none" w="med" len="med"/>
+                    </a:lnB>
+                    <a:noFill/>
+                  </a:tcPr>
+                </a:tc>
+                <a:tc>
+                  <a:txBody>
+                    <a:bodyPr/>
+                    <a:lstStyle/>
+                    <a:p>
+                      <a:pPr algn="ctr"/>
+                      <a:r>
+                        <a:rPr lang="pt-PT" sz="1000" dirty="0">
+                          <a:solidFill>
+                            <a:schemeClr val="tx1"/>
+                          </a:solidFill>
+                          <a:latin typeface="Arial Narrow" panose="020B0606020202030204" pitchFamily="34" charset="0"/>
+                        </a:rPr>
+                        <a:t>…</a:t>
+                      </a:r>
+                    </a:p>
+                  </a:txBody>
+                  <a:tcPr marL="0" marR="0" marT="0" marB="0" anchor="ctr">
+                    <a:lnL w="12700" cap="flat" cmpd="sng" algn="ctr">
+                      <a:solidFill>
+                        <a:schemeClr val="tx1"/>
+                      </a:solidFill>
+                      <a:prstDash val="solid"/>
+                      <a:round/>
+                      <a:headEnd type="none" w="med" len="med"/>
+                      <a:tailEnd type="none" w="med" len="med"/>
+                    </a:lnL>
+                    <a:lnR w="12700" cap="flat" cmpd="sng" algn="ctr">
+                      <a:solidFill>
+                        <a:schemeClr val="tx1"/>
+                      </a:solidFill>
+                      <a:prstDash val="solid"/>
+                      <a:round/>
+                      <a:headEnd type="none" w="med" len="med"/>
+                      <a:tailEnd type="none" w="med" len="med"/>
+                    </a:lnR>
+                    <a:lnT w="12700" cap="flat" cmpd="sng" algn="ctr">
+                      <a:solidFill>
+                        <a:schemeClr val="tx1"/>
+                      </a:solidFill>
+                      <a:prstDash val="solid"/>
+                      <a:round/>
+                      <a:headEnd type="none" w="med" len="med"/>
+                      <a:tailEnd type="none" w="med" len="med"/>
+                    </a:lnT>
+                    <a:lnB w="12700" cap="flat" cmpd="sng" algn="ctr">
+                      <a:solidFill>
+                        <a:schemeClr val="tx1"/>
+                      </a:solidFill>
+                      <a:prstDash val="solid"/>
+                      <a:round/>
+                      <a:headEnd type="none" w="med" len="med"/>
+                      <a:tailEnd type="none" w="med" len="med"/>
+                    </a:lnB>
+                    <a:noFill/>
+                  </a:tcPr>
+                </a:tc>
+                <a:tc>
+                  <a:txBody>
+                    <a:bodyPr/>
+                    <a:lstStyle/>
+                    <a:p>
+                      <a:pPr algn="ctr"/>
+                      <a:r>
+                        <a:rPr lang="pt-PT" sz="1000" dirty="0">
+                          <a:solidFill>
+                            <a:schemeClr val="tx1"/>
+                          </a:solidFill>
+                          <a:latin typeface="Arial Narrow" panose="020B0606020202030204" pitchFamily="34" charset="0"/>
+                        </a:rPr>
+                        <a:t>d[</a:t>
+                      </a:r>
+                      <a:r>
+                        <a:rPr lang="pt-PT" sz="1000" dirty="0" err="1">
+                          <a:solidFill>
+                            <a:schemeClr val="tx1"/>
+                          </a:solidFill>
+                          <a:latin typeface="Arial Narrow" panose="020B0606020202030204" pitchFamily="34" charset="0"/>
+                        </a:rPr>
+                        <a:t>i+n</a:t>
+                      </a:r>
+                      <a:r>
+                        <a:rPr lang="pt-PT" sz="1000" dirty="0">
+                          <a:solidFill>
+                            <a:schemeClr val="tx1"/>
+                          </a:solidFill>
+                          <a:latin typeface="Arial Narrow" panose="020B0606020202030204" pitchFamily="34" charset="0"/>
+                        </a:rPr>
+                        <a:t>]</a:t>
+                      </a:r>
+                    </a:p>
+                  </a:txBody>
+                  <a:tcPr marL="0" marR="0" marT="0" marB="0" anchor="ctr">
+                    <a:lnL w="12700" cap="flat" cmpd="sng" algn="ctr">
+                      <a:solidFill>
+                        <a:schemeClr val="tx1"/>
+                      </a:solidFill>
+                      <a:prstDash val="solid"/>
+                      <a:round/>
+                      <a:headEnd type="none" w="med" len="med"/>
+                      <a:tailEnd type="none" w="med" len="med"/>
+                    </a:lnL>
+                    <a:lnR w="12700" cap="flat" cmpd="sng" algn="ctr">
+                      <a:solidFill>
+                        <a:schemeClr val="tx1"/>
+                      </a:solidFill>
+                      <a:prstDash val="solid"/>
+                      <a:round/>
+                      <a:headEnd type="none" w="med" len="med"/>
+                      <a:tailEnd type="none" w="med" len="med"/>
+                    </a:lnR>
+                    <a:lnT w="12700" cap="flat" cmpd="sng" algn="ctr">
+                      <a:solidFill>
+                        <a:schemeClr val="tx1"/>
+                      </a:solidFill>
+                      <a:prstDash val="solid"/>
+                      <a:round/>
+                      <a:headEnd type="none" w="med" len="med"/>
+                      <a:tailEnd type="none" w="med" len="med"/>
+                    </a:lnT>
+                    <a:lnB w="12700" cap="flat" cmpd="sng" algn="ctr">
+                      <a:solidFill>
+                        <a:schemeClr val="tx1"/>
+                      </a:solidFill>
+                      <a:prstDash val="solid"/>
+                      <a:round/>
+                      <a:headEnd type="none" w="med" len="med"/>
+                      <a:tailEnd type="none" w="med" len="med"/>
+                    </a:lnB>
+                    <a:noFill/>
+                  </a:tcPr>
+                </a:tc>
+                <a:extLst>
+                  <a:ext uri="{0D108BD9-81ED-4DB2-BD59-A6C34878D82A}">
+                    <a16:rowId xmlns:a16="http://schemas.microsoft.com/office/drawing/2014/main" val="1259862816"/>
+                  </a:ext>
+                </a:extLst>
+              </a:tr>
+              <a:tr h="648000">
+                <a:tc>
+                  <a:txBody>
+                    <a:bodyPr/>
+                    <a:lstStyle/>
+                    <a:p>
+                      <a:pPr algn="ctr"/>
+                      <a:endParaRPr lang="pt-PT" sz="1000" dirty="0">
+                        <a:solidFill>
+                          <a:schemeClr val="tx1"/>
+                        </a:solidFill>
+                        <a:latin typeface="Arial Narrow" panose="020B0606020202030204" pitchFamily="34" charset="0"/>
+                      </a:endParaRPr>
+                    </a:p>
+                  </a:txBody>
+                  <a:tcPr marL="0" marR="0" marT="0" marB="0" anchor="ctr">
+                    <a:lnL w="12700" cap="flat" cmpd="sng" algn="ctr">
+                      <a:noFill/>
+                      <a:prstDash val="solid"/>
+                      <a:round/>
+                      <a:headEnd type="none" w="med" len="med"/>
+                      <a:tailEnd type="none" w="med" len="med"/>
+                    </a:lnL>
+                    <a:lnR w="12700" cap="flat" cmpd="sng" algn="ctr">
+                      <a:noFill/>
+                      <a:prstDash val="solid"/>
+                      <a:round/>
+                      <a:headEnd type="none" w="med" len="med"/>
+                      <a:tailEnd type="none" w="med" len="med"/>
+                    </a:lnR>
+                    <a:lnT w="12700" cap="flat" cmpd="sng" algn="ctr">
+                      <a:solidFill>
+                        <a:schemeClr val="tx1"/>
+                      </a:solidFill>
+                      <a:prstDash val="solid"/>
+                      <a:round/>
+                      <a:headEnd type="none" w="med" len="med"/>
+                      <a:tailEnd type="none" w="med" len="med"/>
+                    </a:lnT>
+                    <a:lnB w="12700" cap="flat" cmpd="sng" algn="ctr">
+                      <a:solidFill>
+                        <a:schemeClr val="tx1"/>
+                      </a:solidFill>
+                      <a:prstDash val="solid"/>
+                      <a:round/>
+                      <a:headEnd type="none" w="med" len="med"/>
+                      <a:tailEnd type="none" w="med" len="med"/>
+                    </a:lnB>
+                    <a:noFill/>
+                  </a:tcPr>
+                </a:tc>
+                <a:tc>
+                  <a:txBody>
+                    <a:bodyPr/>
+                    <a:lstStyle/>
+                    <a:p>
+                      <a:pPr algn="ctr"/>
+                      <a:endParaRPr lang="pt-PT" sz="1000" dirty="0">
+                        <a:solidFill>
+                          <a:schemeClr val="tx1"/>
+                        </a:solidFill>
+                        <a:latin typeface="Arial Narrow" panose="020B0606020202030204" pitchFamily="34" charset="0"/>
+                      </a:endParaRPr>
+                    </a:p>
+                  </a:txBody>
+                  <a:tcPr marL="0" marR="0" marT="0" marB="0" anchor="ctr">
+                    <a:lnL w="12700" cap="flat" cmpd="sng" algn="ctr">
+                      <a:noFill/>
+                      <a:prstDash val="solid"/>
+                      <a:round/>
+                      <a:headEnd type="none" w="med" len="med"/>
+                      <a:tailEnd type="none" w="med" len="med"/>
+                    </a:lnL>
+                    <a:lnR w="12700" cap="flat" cmpd="sng" algn="ctr">
+                      <a:noFill/>
+                      <a:prstDash val="solid"/>
+                      <a:round/>
+                      <a:headEnd type="none" w="med" len="med"/>
+                      <a:tailEnd type="none" w="med" len="med"/>
+                    </a:lnR>
+                    <a:lnT w="12700" cap="flat" cmpd="sng" algn="ctr">
+                      <a:solidFill>
+                        <a:schemeClr val="tx1"/>
+                      </a:solidFill>
+                      <a:prstDash val="solid"/>
+                      <a:round/>
+                      <a:headEnd type="none" w="med" len="med"/>
+                      <a:tailEnd type="none" w="med" len="med"/>
+                    </a:lnT>
+                    <a:lnB w="12700" cap="flat" cmpd="sng" algn="ctr">
+                      <a:solidFill>
+                        <a:schemeClr val="tx1"/>
+                      </a:solidFill>
+                      <a:prstDash val="solid"/>
+                      <a:round/>
+                      <a:headEnd type="none" w="med" len="med"/>
+                      <a:tailEnd type="none" w="med" len="med"/>
+                    </a:lnB>
+                    <a:noFill/>
+                  </a:tcPr>
+                </a:tc>
+                <a:tc>
+                  <a:txBody>
+                    <a:bodyPr/>
+                    <a:lstStyle/>
+                    <a:p>
+                      <a:pPr algn="ctr"/>
+                      <a:endParaRPr lang="pt-PT" sz="1000" dirty="0">
+                        <a:solidFill>
+                          <a:schemeClr val="tx1"/>
+                        </a:solidFill>
+                        <a:latin typeface="Arial Narrow" panose="020B0606020202030204" pitchFamily="34" charset="0"/>
+                      </a:endParaRPr>
+                    </a:p>
+                  </a:txBody>
+                  <a:tcPr marL="0" marR="0" marT="0" marB="0" anchor="ctr">
+                    <a:lnL w="12700" cap="flat" cmpd="sng" algn="ctr">
+                      <a:noFill/>
+                      <a:prstDash val="solid"/>
+                      <a:round/>
+                      <a:headEnd type="none" w="med" len="med"/>
+                      <a:tailEnd type="none" w="med" len="med"/>
+                    </a:lnL>
+                    <a:lnR w="12700" cap="flat" cmpd="sng" algn="ctr">
+                      <a:noFill/>
+                      <a:prstDash val="solid"/>
+                      <a:round/>
+                      <a:headEnd type="none" w="med" len="med"/>
+                      <a:tailEnd type="none" w="med" len="med"/>
+                    </a:lnR>
+                    <a:lnT w="12700" cap="flat" cmpd="sng" algn="ctr">
+                      <a:solidFill>
+                        <a:schemeClr val="tx1"/>
+                      </a:solidFill>
+                      <a:prstDash val="solid"/>
+                      <a:round/>
+                      <a:headEnd type="none" w="med" len="med"/>
+                      <a:tailEnd type="none" w="med" len="med"/>
+                    </a:lnT>
+                    <a:lnB w="12700" cap="flat" cmpd="sng" algn="ctr">
+                      <a:solidFill>
+                        <a:schemeClr val="tx1"/>
+                      </a:solidFill>
+                      <a:prstDash val="solid"/>
+                      <a:round/>
+                      <a:headEnd type="none" w="med" len="med"/>
+                      <a:tailEnd type="none" w="med" len="med"/>
+                    </a:lnB>
+                    <a:noFill/>
+                  </a:tcPr>
+                </a:tc>
+                <a:tc>
+                  <a:txBody>
+                    <a:bodyPr/>
+                    <a:lstStyle/>
+                    <a:p>
+                      <a:pPr algn="ctr"/>
+                      <a:endParaRPr lang="pt-PT" sz="1000" dirty="0">
+                        <a:solidFill>
+                          <a:schemeClr val="tx1"/>
+                        </a:solidFill>
+                        <a:latin typeface="Arial Narrow" panose="020B0606020202030204" pitchFamily="34" charset="0"/>
+                      </a:endParaRPr>
+                    </a:p>
+                  </a:txBody>
+                  <a:tcPr marL="0" marR="0" marT="0" marB="0" anchor="ctr">
+                    <a:lnL w="12700" cap="flat" cmpd="sng" algn="ctr">
+                      <a:noFill/>
+                      <a:prstDash val="solid"/>
+                      <a:round/>
+                      <a:headEnd type="none" w="med" len="med"/>
+                      <a:tailEnd type="none" w="med" len="med"/>
+                    </a:lnL>
+                    <a:lnR w="12700" cap="flat" cmpd="sng" algn="ctr">
+                      <a:noFill/>
+                      <a:prstDash val="solid"/>
+                      <a:round/>
+                      <a:headEnd type="none" w="med" len="med"/>
+                      <a:tailEnd type="none" w="med" len="med"/>
+                    </a:lnR>
+                    <a:lnT w="12700" cap="flat" cmpd="sng" algn="ctr">
+                      <a:solidFill>
+                        <a:schemeClr val="tx1"/>
+                      </a:solidFill>
+                      <a:prstDash val="solid"/>
+                      <a:round/>
+                      <a:headEnd type="none" w="med" len="med"/>
+                      <a:tailEnd type="none" w="med" len="med"/>
+                    </a:lnT>
+                    <a:lnB w="12700" cap="flat" cmpd="sng" algn="ctr">
+                      <a:solidFill>
+                        <a:schemeClr val="tx1"/>
+                      </a:solidFill>
+                      <a:prstDash val="solid"/>
+                      <a:round/>
+                      <a:headEnd type="none" w="med" len="med"/>
+                      <a:tailEnd type="none" w="med" len="med"/>
+                    </a:lnB>
+                    <a:noFill/>
+                  </a:tcPr>
+                </a:tc>
+                <a:tc>
+                  <a:txBody>
+                    <a:bodyPr/>
+                    <a:lstStyle/>
+                    <a:p>
+                      <a:pPr algn="ctr"/>
+                      <a:endParaRPr lang="pt-PT" sz="1000" dirty="0">
+                        <a:solidFill>
+                          <a:schemeClr val="tx1"/>
+                        </a:solidFill>
+                        <a:latin typeface="Arial Narrow" panose="020B0606020202030204" pitchFamily="34" charset="0"/>
+                      </a:endParaRPr>
+                    </a:p>
+                  </a:txBody>
+                  <a:tcPr marL="0" marR="0" marT="0" marB="0" anchor="ctr">
+                    <a:lnL w="12700" cap="flat" cmpd="sng" algn="ctr">
+                      <a:noFill/>
+                      <a:prstDash val="solid"/>
+                      <a:round/>
+                      <a:headEnd type="none" w="med" len="med"/>
+                      <a:tailEnd type="none" w="med" len="med"/>
+                    </a:lnL>
+                    <a:lnR w="12700" cap="flat" cmpd="sng" algn="ctr">
+                      <a:noFill/>
+                      <a:prstDash val="solid"/>
+                      <a:round/>
+                      <a:headEnd type="none" w="med" len="med"/>
+                      <a:tailEnd type="none" w="med" len="med"/>
+                    </a:lnR>
+                    <a:lnT w="12700" cap="flat" cmpd="sng" algn="ctr">
+                      <a:solidFill>
+                        <a:schemeClr val="tx1"/>
+                      </a:solidFill>
+                      <a:prstDash val="solid"/>
+                      <a:round/>
+                      <a:headEnd type="none" w="med" len="med"/>
+                      <a:tailEnd type="none" w="med" len="med"/>
+                    </a:lnT>
+                    <a:lnB w="12700" cap="flat" cmpd="sng" algn="ctr">
+                      <a:solidFill>
+                        <a:schemeClr val="tx1"/>
+                      </a:solidFill>
+                      <a:prstDash val="solid"/>
+                      <a:round/>
+                      <a:headEnd type="none" w="med" len="med"/>
+                      <a:tailEnd type="none" w="med" len="med"/>
+                    </a:lnB>
+                    <a:noFill/>
+                  </a:tcPr>
+                </a:tc>
+                <a:tc>
+                  <a:txBody>
+                    <a:bodyPr/>
+                    <a:lstStyle/>
+                    <a:p>
+                      <a:pPr algn="ctr"/>
+                      <a:endParaRPr lang="pt-PT" sz="1000" dirty="0">
+                        <a:solidFill>
+                          <a:schemeClr val="tx1"/>
+                        </a:solidFill>
+                        <a:latin typeface="Arial Narrow" panose="020B0606020202030204" pitchFamily="34" charset="0"/>
+                      </a:endParaRPr>
+                    </a:p>
+                  </a:txBody>
+                  <a:tcPr marL="0" marR="0" marT="0" marB="0" anchor="ctr">
+                    <a:lnL w="12700" cap="flat" cmpd="sng" algn="ctr">
+                      <a:noFill/>
+                      <a:prstDash val="solid"/>
+                      <a:round/>
+                      <a:headEnd type="none" w="med" len="med"/>
+                      <a:tailEnd type="none" w="med" len="med"/>
+                    </a:lnL>
+                    <a:lnR w="12700" cap="flat" cmpd="sng" algn="ctr">
+                      <a:noFill/>
+                      <a:prstDash val="solid"/>
+                      <a:round/>
+                      <a:headEnd type="none" w="med" len="med"/>
+                      <a:tailEnd type="none" w="med" len="med"/>
+                    </a:lnR>
+                    <a:lnT w="12700" cap="flat" cmpd="sng" algn="ctr">
+                      <a:solidFill>
+                        <a:schemeClr val="tx1"/>
+                      </a:solidFill>
+                      <a:prstDash val="solid"/>
+                      <a:round/>
+                      <a:headEnd type="none" w="med" len="med"/>
+                      <a:tailEnd type="none" w="med" len="med"/>
+                    </a:lnT>
+                    <a:lnB w="12700" cap="flat" cmpd="sng" algn="ctr">
+                      <a:solidFill>
+                        <a:schemeClr val="tx1"/>
+                      </a:solidFill>
+                      <a:prstDash val="solid"/>
+                      <a:round/>
+                      <a:headEnd type="none" w="med" len="med"/>
+                      <a:tailEnd type="none" w="med" len="med"/>
+                    </a:lnB>
+                    <a:noFill/>
+                  </a:tcPr>
+                </a:tc>
+                <a:tc>
+                  <a:txBody>
+                    <a:bodyPr/>
+                    <a:lstStyle/>
+                    <a:p>
+                      <a:pPr algn="ctr"/>
+                      <a:endParaRPr lang="pt-PT" sz="1000" dirty="0">
+                        <a:solidFill>
+                          <a:schemeClr val="tx1"/>
+                        </a:solidFill>
+                        <a:latin typeface="Arial Narrow" panose="020B0606020202030204" pitchFamily="34" charset="0"/>
+                      </a:endParaRPr>
+                    </a:p>
+                  </a:txBody>
+                  <a:tcPr marL="0" marR="0" marT="0" marB="0" anchor="ctr">
+                    <a:lnL w="12700" cap="flat" cmpd="sng" algn="ctr">
+                      <a:noFill/>
+                      <a:prstDash val="solid"/>
+                      <a:round/>
+                      <a:headEnd type="none" w="med" len="med"/>
+                      <a:tailEnd type="none" w="med" len="med"/>
+                    </a:lnL>
+                    <a:lnR w="12700" cap="flat" cmpd="sng" algn="ctr">
+                      <a:noFill/>
+                      <a:prstDash val="solid"/>
+                      <a:round/>
+                      <a:headEnd type="none" w="med" len="med"/>
+                      <a:tailEnd type="none" w="med" len="med"/>
+                    </a:lnR>
+                    <a:lnT w="12700" cap="flat" cmpd="sng" algn="ctr">
+                      <a:solidFill>
+                        <a:schemeClr val="tx1"/>
+                      </a:solidFill>
+                      <a:prstDash val="solid"/>
+                      <a:round/>
+                      <a:headEnd type="none" w="med" len="med"/>
+                      <a:tailEnd type="none" w="med" len="med"/>
+                    </a:lnT>
+                    <a:lnB w="12700" cap="flat" cmpd="sng" algn="ctr">
+                      <a:solidFill>
+                        <a:schemeClr val="tx1"/>
+                      </a:solidFill>
+                      <a:prstDash val="solid"/>
+                      <a:round/>
+                      <a:headEnd type="none" w="med" len="med"/>
+                      <a:tailEnd type="none" w="med" len="med"/>
+                    </a:lnB>
+                    <a:noFill/>
+                  </a:tcPr>
+                </a:tc>
+                <a:tc>
+                  <a:txBody>
+                    <a:bodyPr/>
+                    <a:lstStyle/>
+                    <a:p>
+                      <a:pPr algn="ctr"/>
+                      <a:endParaRPr lang="pt-PT" sz="1000" dirty="0">
+                        <a:solidFill>
+                          <a:schemeClr val="tx1"/>
+                        </a:solidFill>
+                        <a:latin typeface="Arial Narrow" panose="020B0606020202030204" pitchFamily="34" charset="0"/>
+                      </a:endParaRPr>
+                    </a:p>
+                  </a:txBody>
+                  <a:tcPr marL="0" marR="0" marT="0" marB="0" anchor="ctr">
+                    <a:lnL w="12700" cap="flat" cmpd="sng" algn="ctr">
+                      <a:noFill/>
+                      <a:prstDash val="solid"/>
+                      <a:round/>
+                      <a:headEnd type="none" w="med" len="med"/>
+                      <a:tailEnd type="none" w="med" len="med"/>
+                    </a:lnL>
+                    <a:lnR w="12700" cap="flat" cmpd="sng" algn="ctr">
+                      <a:noFill/>
+                      <a:prstDash val="solid"/>
+                      <a:round/>
+                      <a:headEnd type="none" w="med" len="med"/>
+                      <a:tailEnd type="none" w="med" len="med"/>
+                    </a:lnR>
+                    <a:lnT w="12700" cap="flat" cmpd="sng" algn="ctr">
+                      <a:solidFill>
+                        <a:schemeClr val="tx1"/>
+                      </a:solidFill>
+                      <a:prstDash val="solid"/>
+                      <a:round/>
+                      <a:headEnd type="none" w="med" len="med"/>
+                      <a:tailEnd type="none" w="med" len="med"/>
+                    </a:lnT>
+                    <a:lnB w="12700" cap="flat" cmpd="sng" algn="ctr">
+                      <a:solidFill>
+                        <a:schemeClr val="tx1"/>
+                      </a:solidFill>
+                      <a:prstDash val="solid"/>
+                      <a:round/>
+                      <a:headEnd type="none" w="med" len="med"/>
+                      <a:tailEnd type="none" w="med" len="med"/>
+                    </a:lnB>
+                    <a:noFill/>
+                  </a:tcPr>
+                </a:tc>
+                <a:extLst>
+                  <a:ext uri="{0D108BD9-81ED-4DB2-BD59-A6C34878D82A}">
+                    <a16:rowId xmlns:a16="http://schemas.microsoft.com/office/drawing/2014/main" val="3654308614"/>
+                  </a:ext>
+                </a:extLst>
+              </a:tr>
+              <a:tr h="288000">
+                <a:tc>
+                  <a:txBody>
+                    <a:bodyPr/>
+                    <a:lstStyle/>
+                    <a:p>
+                      <a:pPr algn="ctr"/>
+                      <a:r>
+                        <a:rPr lang="pt-PT" sz="1000" dirty="0">
+                          <a:solidFill>
+                            <a:schemeClr val="tx1"/>
+                          </a:solidFill>
+                          <a:latin typeface="Arial Narrow" panose="020B0606020202030204" pitchFamily="34" charset="0"/>
+                        </a:rPr>
+                        <a:t>d[i]</a:t>
+                      </a:r>
+                    </a:p>
+                  </a:txBody>
+                  <a:tcPr marL="0" marR="0" marT="0" marB="0" anchor="ctr">
+                    <a:lnL w="12700" cap="flat" cmpd="sng" algn="ctr">
+                      <a:solidFill>
+                        <a:schemeClr val="tx1"/>
+                      </a:solidFill>
+                      <a:prstDash val="solid"/>
+                      <a:round/>
+                      <a:headEnd type="none" w="med" len="med"/>
+                      <a:tailEnd type="none" w="med" len="med"/>
+                    </a:lnL>
+                    <a:lnR w="12700" cap="flat" cmpd="sng" algn="ctr">
+                      <a:solidFill>
+                        <a:schemeClr val="tx1"/>
+                      </a:solidFill>
+                      <a:prstDash val="solid"/>
+                      <a:round/>
+                      <a:headEnd type="none" w="med" len="med"/>
+                      <a:tailEnd type="none" w="med" len="med"/>
+                    </a:lnR>
+                    <a:lnT w="12700" cap="flat" cmpd="sng" algn="ctr">
+                      <a:solidFill>
+                        <a:schemeClr val="tx1"/>
+                      </a:solidFill>
+                      <a:prstDash val="solid"/>
+                      <a:round/>
+                      <a:headEnd type="none" w="med" len="med"/>
+                      <a:tailEnd type="none" w="med" len="med"/>
+                    </a:lnT>
+                    <a:lnB w="12700" cap="flat" cmpd="sng" algn="ctr">
+                      <a:solidFill>
+                        <a:schemeClr val="tx1"/>
+                      </a:solidFill>
+                      <a:prstDash val="solid"/>
+                      <a:round/>
+                      <a:headEnd type="none" w="med" len="med"/>
+                      <a:tailEnd type="none" w="med" len="med"/>
+                    </a:lnB>
+                    <a:noFill/>
+                  </a:tcPr>
+                </a:tc>
+                <a:tc>
+                  <a:txBody>
+                    <a:bodyPr/>
+                    <a:lstStyle/>
+                    <a:p>
+                      <a:pPr algn="ctr"/>
+                      <a:r>
+                        <a:rPr lang="pt-PT" sz="1000" dirty="0">
+                          <a:solidFill>
+                            <a:schemeClr val="tx1"/>
+                          </a:solidFill>
+                          <a:latin typeface="Arial Narrow" panose="020B0606020202030204" pitchFamily="34" charset="0"/>
+                        </a:rPr>
+                        <a:t>d[i+1]</a:t>
+                      </a:r>
+                    </a:p>
+                  </a:txBody>
+                  <a:tcPr marL="0" marR="0" marT="0" marB="0" anchor="ctr">
+                    <a:lnL w="12700" cap="flat" cmpd="sng" algn="ctr">
+                      <a:solidFill>
+                        <a:schemeClr val="tx1"/>
+                      </a:solidFill>
+                      <a:prstDash val="solid"/>
+                      <a:round/>
+                      <a:headEnd type="none" w="med" len="med"/>
+                      <a:tailEnd type="none" w="med" len="med"/>
+                    </a:lnL>
+                    <a:lnR w="12700" cap="flat" cmpd="sng" algn="ctr">
+                      <a:solidFill>
+                        <a:schemeClr val="tx1"/>
+                      </a:solidFill>
+                      <a:prstDash val="solid"/>
+                      <a:round/>
+                      <a:headEnd type="none" w="med" len="med"/>
+                      <a:tailEnd type="none" w="med" len="med"/>
+                    </a:lnR>
+                    <a:lnT w="12700" cap="flat" cmpd="sng" algn="ctr">
+                      <a:solidFill>
+                        <a:schemeClr val="tx1"/>
+                      </a:solidFill>
+                      <a:prstDash val="solid"/>
+                      <a:round/>
+                      <a:headEnd type="none" w="med" len="med"/>
+                      <a:tailEnd type="none" w="med" len="med"/>
+                    </a:lnT>
+                    <a:lnB w="12700" cap="flat" cmpd="sng" algn="ctr">
+                      <a:solidFill>
+                        <a:schemeClr val="tx1"/>
+                      </a:solidFill>
+                      <a:prstDash val="solid"/>
+                      <a:round/>
+                      <a:headEnd type="none" w="med" len="med"/>
+                      <a:tailEnd type="none" w="med" len="med"/>
+                    </a:lnB>
+                    <a:noFill/>
+                  </a:tcPr>
+                </a:tc>
+                <a:tc>
+                  <a:txBody>
+                    <a:bodyPr/>
+                    <a:lstStyle/>
+                    <a:p>
+                      <a:pPr algn="ctr"/>
+                      <a:r>
+                        <a:rPr lang="pt-PT" sz="1000" dirty="0">
+                          <a:solidFill>
+                            <a:schemeClr val="tx1"/>
+                          </a:solidFill>
+                          <a:latin typeface="Arial Narrow" panose="020B0606020202030204" pitchFamily="34" charset="0"/>
+                        </a:rPr>
+                        <a:t>d[i+2]</a:t>
+                      </a:r>
+                    </a:p>
+                  </a:txBody>
+                  <a:tcPr marL="0" marR="0" marT="0" marB="0" anchor="ctr">
+                    <a:lnL w="12700" cap="flat" cmpd="sng" algn="ctr">
+                      <a:solidFill>
+                        <a:schemeClr val="tx1"/>
+                      </a:solidFill>
+                      <a:prstDash val="solid"/>
+                      <a:round/>
+                      <a:headEnd type="none" w="med" len="med"/>
+                      <a:tailEnd type="none" w="med" len="med"/>
+                    </a:lnL>
+                    <a:lnR w="12700" cap="flat" cmpd="sng" algn="ctr">
+                      <a:solidFill>
+                        <a:schemeClr val="tx1"/>
+                      </a:solidFill>
+                      <a:prstDash val="solid"/>
+                      <a:round/>
+                      <a:headEnd type="none" w="med" len="med"/>
+                      <a:tailEnd type="none" w="med" len="med"/>
+                    </a:lnR>
+                    <a:lnT w="12700" cap="flat" cmpd="sng" algn="ctr">
+                      <a:solidFill>
+                        <a:schemeClr val="tx1"/>
+                      </a:solidFill>
+                      <a:prstDash val="solid"/>
+                      <a:round/>
+                      <a:headEnd type="none" w="med" len="med"/>
+                      <a:tailEnd type="none" w="med" len="med"/>
+                    </a:lnT>
+                    <a:lnB w="12700" cap="flat" cmpd="sng" algn="ctr">
+                      <a:solidFill>
+                        <a:schemeClr val="tx1"/>
+                      </a:solidFill>
+                      <a:prstDash val="solid"/>
+                      <a:round/>
+                      <a:headEnd type="none" w="med" len="med"/>
+                      <a:tailEnd type="none" w="med" len="med"/>
+                    </a:lnB>
+                    <a:noFill/>
+                  </a:tcPr>
+                </a:tc>
+                <a:tc>
+                  <a:txBody>
+                    <a:bodyPr/>
+                    <a:lstStyle/>
+                    <a:p>
+                      <a:pPr algn="ctr"/>
+                      <a:r>
+                        <a:rPr lang="pt-PT" sz="1000" dirty="0">
+                          <a:solidFill>
+                            <a:schemeClr val="tx1"/>
+                          </a:solidFill>
+                          <a:latin typeface="Arial Narrow" panose="020B0606020202030204" pitchFamily="34" charset="0"/>
+                        </a:rPr>
+                        <a:t>d[i+3]</a:t>
+                      </a:r>
+                    </a:p>
+                  </a:txBody>
+                  <a:tcPr marL="0" marR="0" marT="0" marB="0" anchor="ctr">
+                    <a:lnL w="12700" cap="flat" cmpd="sng" algn="ctr">
+                      <a:solidFill>
+                        <a:schemeClr val="tx1"/>
+                      </a:solidFill>
+                      <a:prstDash val="solid"/>
+                      <a:round/>
+                      <a:headEnd type="none" w="med" len="med"/>
+                      <a:tailEnd type="none" w="med" len="med"/>
+                    </a:lnL>
+                    <a:lnR w="12700" cap="flat" cmpd="sng" algn="ctr">
+                      <a:solidFill>
+                        <a:schemeClr val="tx1"/>
+                      </a:solidFill>
+                      <a:prstDash val="solid"/>
+                      <a:round/>
+                      <a:headEnd type="none" w="med" len="med"/>
+                      <a:tailEnd type="none" w="med" len="med"/>
+                    </a:lnR>
+                    <a:lnT w="12700" cap="flat" cmpd="sng" algn="ctr">
+                      <a:solidFill>
+                        <a:schemeClr val="tx1"/>
+                      </a:solidFill>
+                      <a:prstDash val="solid"/>
+                      <a:round/>
+                      <a:headEnd type="none" w="med" len="med"/>
+                      <a:tailEnd type="none" w="med" len="med"/>
+                    </a:lnT>
+                    <a:lnB w="12700" cap="flat" cmpd="sng" algn="ctr">
+                      <a:solidFill>
+                        <a:schemeClr val="tx1"/>
+                      </a:solidFill>
+                      <a:prstDash val="solid"/>
+                      <a:round/>
+                      <a:headEnd type="none" w="med" len="med"/>
+                      <a:tailEnd type="none" w="med" len="med"/>
+                    </a:lnB>
+                    <a:noFill/>
+                  </a:tcPr>
+                </a:tc>
+                <a:tc>
+                  <a:txBody>
+                    <a:bodyPr/>
+                    <a:lstStyle/>
+                    <a:p>
+                      <a:pPr algn="ctr"/>
+                      <a:r>
+                        <a:rPr lang="pt-PT" sz="1000" dirty="0">
+                          <a:solidFill>
+                            <a:schemeClr val="tx1"/>
+                          </a:solidFill>
+                          <a:latin typeface="Arial Narrow" panose="020B0606020202030204" pitchFamily="34" charset="0"/>
+                        </a:rPr>
+                        <a:t>…</a:t>
+                      </a:r>
+                    </a:p>
+                  </a:txBody>
+                  <a:tcPr marL="0" marR="0" marT="0" marB="0" anchor="ctr">
+                    <a:lnL w="12700" cap="flat" cmpd="sng" algn="ctr">
+                      <a:solidFill>
+                        <a:schemeClr val="tx1"/>
+                      </a:solidFill>
+                      <a:prstDash val="solid"/>
+                      <a:round/>
+                      <a:headEnd type="none" w="med" len="med"/>
+                      <a:tailEnd type="none" w="med" len="med"/>
+                    </a:lnL>
+                    <a:lnR w="12700" cap="flat" cmpd="sng" algn="ctr">
+                      <a:solidFill>
+                        <a:schemeClr val="tx1"/>
+                      </a:solidFill>
+                      <a:prstDash val="solid"/>
+                      <a:round/>
+                      <a:headEnd type="none" w="med" len="med"/>
+                      <a:tailEnd type="none" w="med" len="med"/>
+                    </a:lnR>
+                    <a:lnT w="12700" cap="flat" cmpd="sng" algn="ctr">
+                      <a:solidFill>
+                        <a:schemeClr val="tx1"/>
+                      </a:solidFill>
+                      <a:prstDash val="solid"/>
+                      <a:round/>
+                      <a:headEnd type="none" w="med" len="med"/>
+                      <a:tailEnd type="none" w="med" len="med"/>
+                    </a:lnT>
+                    <a:lnB w="12700" cap="flat" cmpd="sng" algn="ctr">
+                      <a:solidFill>
+                        <a:schemeClr val="tx1"/>
+                      </a:solidFill>
+                      <a:prstDash val="solid"/>
+                      <a:round/>
+                      <a:headEnd type="none" w="med" len="med"/>
+                      <a:tailEnd type="none" w="med" len="med"/>
+                    </a:lnB>
+                    <a:noFill/>
+                  </a:tcPr>
+                </a:tc>
+                <a:tc>
+                  <a:txBody>
+                    <a:bodyPr/>
+                    <a:lstStyle/>
+                    <a:p>
+                      <a:pPr algn="ctr"/>
+                      <a:r>
+                        <a:rPr lang="pt-PT" sz="1000" dirty="0">
+                          <a:solidFill>
+                            <a:schemeClr val="tx1"/>
+                          </a:solidFill>
+                          <a:latin typeface="Arial Narrow" panose="020B0606020202030204" pitchFamily="34" charset="0"/>
+                        </a:rPr>
+                        <a:t>…</a:t>
+                      </a:r>
+                    </a:p>
+                  </a:txBody>
+                  <a:tcPr marL="0" marR="0" marT="0" marB="0" anchor="ctr">
+                    <a:lnL w="12700" cap="flat" cmpd="sng" algn="ctr">
+                      <a:solidFill>
+                        <a:schemeClr val="tx1"/>
+                      </a:solidFill>
+                      <a:prstDash val="solid"/>
+                      <a:round/>
+                      <a:headEnd type="none" w="med" len="med"/>
+                      <a:tailEnd type="none" w="med" len="med"/>
+                    </a:lnL>
+                    <a:lnR w="12700" cap="flat" cmpd="sng" algn="ctr">
+                      <a:solidFill>
+                        <a:schemeClr val="tx1"/>
+                      </a:solidFill>
+                      <a:prstDash val="solid"/>
+                      <a:round/>
+                      <a:headEnd type="none" w="med" len="med"/>
+                      <a:tailEnd type="none" w="med" len="med"/>
+                    </a:lnR>
+                    <a:lnT w="12700" cap="flat" cmpd="sng" algn="ctr">
+                      <a:solidFill>
+                        <a:schemeClr val="tx1"/>
+                      </a:solidFill>
+                      <a:prstDash val="solid"/>
+                      <a:round/>
+                      <a:headEnd type="none" w="med" len="med"/>
+                      <a:tailEnd type="none" w="med" len="med"/>
+                    </a:lnT>
+                    <a:lnB w="12700" cap="flat" cmpd="sng" algn="ctr">
+                      <a:solidFill>
+                        <a:schemeClr val="tx1"/>
+                      </a:solidFill>
+                      <a:prstDash val="solid"/>
+                      <a:round/>
+                      <a:headEnd type="none" w="med" len="med"/>
+                      <a:tailEnd type="none" w="med" len="med"/>
+                    </a:lnB>
+                    <a:noFill/>
+                  </a:tcPr>
+                </a:tc>
+                <a:tc>
+                  <a:txBody>
+                    <a:bodyPr/>
+                    <a:lstStyle/>
+                    <a:p>
+                      <a:pPr algn="ctr"/>
+                      <a:r>
+                        <a:rPr lang="pt-PT" sz="1000" dirty="0">
+                          <a:solidFill>
+                            <a:schemeClr val="tx1"/>
+                          </a:solidFill>
+                          <a:latin typeface="Arial Narrow" panose="020B0606020202030204" pitchFamily="34" charset="0"/>
+                        </a:rPr>
+                        <a:t>…</a:t>
+                      </a:r>
+                    </a:p>
+                  </a:txBody>
+                  <a:tcPr marL="0" marR="0" marT="0" marB="0" anchor="ctr">
+                    <a:lnL w="12700" cap="flat" cmpd="sng" algn="ctr">
+                      <a:solidFill>
+                        <a:schemeClr val="tx1"/>
+                      </a:solidFill>
+                      <a:prstDash val="solid"/>
+                      <a:round/>
+                      <a:headEnd type="none" w="med" len="med"/>
+                      <a:tailEnd type="none" w="med" len="med"/>
+                    </a:lnL>
+                    <a:lnR w="12700" cap="flat" cmpd="sng" algn="ctr">
+                      <a:solidFill>
+                        <a:schemeClr val="tx1"/>
+                      </a:solidFill>
+                      <a:prstDash val="solid"/>
+                      <a:round/>
+                      <a:headEnd type="none" w="med" len="med"/>
+                      <a:tailEnd type="none" w="med" len="med"/>
+                    </a:lnR>
+                    <a:lnT w="12700" cap="flat" cmpd="sng" algn="ctr">
+                      <a:solidFill>
+                        <a:schemeClr val="tx1"/>
+                      </a:solidFill>
+                      <a:prstDash val="solid"/>
+                      <a:round/>
+                      <a:headEnd type="none" w="med" len="med"/>
+                      <a:tailEnd type="none" w="med" len="med"/>
+                    </a:lnT>
+                    <a:lnB w="12700" cap="flat" cmpd="sng" algn="ctr">
+                      <a:solidFill>
+                        <a:schemeClr val="tx1"/>
+                      </a:solidFill>
+                      <a:prstDash val="solid"/>
+                      <a:round/>
+                      <a:headEnd type="none" w="med" len="med"/>
+                      <a:tailEnd type="none" w="med" len="med"/>
+                    </a:lnB>
+                    <a:noFill/>
+                  </a:tcPr>
+                </a:tc>
+                <a:tc>
+                  <a:txBody>
+                    <a:bodyPr/>
+                    <a:lstStyle/>
+                    <a:p>
+                      <a:pPr algn="ctr"/>
+                      <a:r>
+                        <a:rPr lang="pt-PT" sz="1000" dirty="0">
+                          <a:solidFill>
+                            <a:schemeClr val="tx1"/>
+                          </a:solidFill>
+                          <a:latin typeface="Arial Narrow" panose="020B0606020202030204" pitchFamily="34" charset="0"/>
+                        </a:rPr>
+                        <a:t>d[</a:t>
+                      </a:r>
+                      <a:r>
+                        <a:rPr lang="pt-PT" sz="1000" dirty="0" err="1">
+                          <a:solidFill>
+                            <a:schemeClr val="tx1"/>
+                          </a:solidFill>
+                          <a:latin typeface="Arial Narrow" panose="020B0606020202030204" pitchFamily="34" charset="0"/>
+                        </a:rPr>
+                        <a:t>i+n</a:t>
+                      </a:r>
+                      <a:r>
+                        <a:rPr lang="pt-PT" sz="1000" dirty="0">
+                          <a:solidFill>
+                            <a:schemeClr val="tx1"/>
+                          </a:solidFill>
+                          <a:latin typeface="Arial Narrow" panose="020B0606020202030204" pitchFamily="34" charset="0"/>
+                        </a:rPr>
+                        <a:t>]</a:t>
+                      </a:r>
+                    </a:p>
+                  </a:txBody>
+                  <a:tcPr marL="0" marR="0" marT="0" marB="0" anchor="ctr">
+                    <a:lnL w="12700" cap="flat" cmpd="sng" algn="ctr">
+                      <a:solidFill>
+                        <a:schemeClr val="tx1"/>
+                      </a:solidFill>
+                      <a:prstDash val="solid"/>
+                      <a:round/>
+                      <a:headEnd type="none" w="med" len="med"/>
+                      <a:tailEnd type="none" w="med" len="med"/>
+                    </a:lnL>
+                    <a:lnR w="12700" cap="flat" cmpd="sng" algn="ctr">
+                      <a:solidFill>
+                        <a:schemeClr val="tx1"/>
+                      </a:solidFill>
+                      <a:prstDash val="solid"/>
+                      <a:round/>
+                      <a:headEnd type="none" w="med" len="med"/>
+                      <a:tailEnd type="none" w="med" len="med"/>
+                    </a:lnR>
+                    <a:lnT w="12700" cap="flat" cmpd="sng" algn="ctr">
+                      <a:solidFill>
+                        <a:schemeClr val="tx1"/>
+                      </a:solidFill>
+                      <a:prstDash val="solid"/>
+                      <a:round/>
+                      <a:headEnd type="none" w="med" len="med"/>
+                      <a:tailEnd type="none" w="med" len="med"/>
+                    </a:lnT>
+                    <a:lnB w="12700" cap="flat" cmpd="sng" algn="ctr">
+                      <a:solidFill>
+                        <a:schemeClr val="tx1"/>
+                      </a:solidFill>
+                      <a:prstDash val="solid"/>
+                      <a:round/>
+                      <a:headEnd type="none" w="med" len="med"/>
+                      <a:tailEnd type="none" w="med" len="med"/>
+                    </a:lnB>
+                    <a:noFill/>
+                  </a:tcPr>
+                </a:tc>
+                <a:extLst>
+                  <a:ext uri="{0D108BD9-81ED-4DB2-BD59-A6C34878D82A}">
+                    <a16:rowId xmlns:a16="http://schemas.microsoft.com/office/drawing/2014/main" val="254479155"/>
+                  </a:ext>
+                </a:extLst>
+              </a:tr>
+            </a:tbl>
+          </a:graphicData>
+        </a:graphic>
+      </p:graphicFrame>
+      <p:grpSp>
+        <p:nvGrpSpPr>
+          <p:cNvPr id="3" name="Agrupar 2">
+            <a:extLst>
+              <a:ext uri="{FF2B5EF4-FFF2-40B4-BE49-F238E27FC236}">
+                <a16:creationId xmlns:a16="http://schemas.microsoft.com/office/drawing/2014/main" id="{AA498A4D-EA9F-DEBC-A6BF-823D28A0BE4D}"/>
+              </a:ext>
+            </a:extLst>
+          </p:cNvPr>
+          <p:cNvGrpSpPr/>
+          <p:nvPr/>
+        </p:nvGrpSpPr>
+        <p:grpSpPr>
+          <a:xfrm>
+            <a:off x="2105294" y="626525"/>
+            <a:ext cx="2518793" cy="5752258"/>
+            <a:chOff x="2105294" y="626525"/>
+            <a:chExt cx="2518793" cy="5752258"/>
+          </a:xfrm>
+        </p:grpSpPr>
+        <p:grpSp>
+          <p:nvGrpSpPr>
+            <p:cNvPr id="4" name="Agrupar 3">
+              <a:extLst>
+                <a:ext uri="{FF2B5EF4-FFF2-40B4-BE49-F238E27FC236}">
+                  <a16:creationId xmlns:a16="http://schemas.microsoft.com/office/drawing/2014/main" id="{C9AF8B12-7B24-71A9-53E9-17A26DEA43E6}"/>
+                </a:ext>
+              </a:extLst>
+            </p:cNvPr>
+            <p:cNvGrpSpPr/>
+            <p:nvPr/>
+          </p:nvGrpSpPr>
+          <p:grpSpPr>
+            <a:xfrm>
+              <a:off x="2105294" y="626525"/>
+              <a:ext cx="2473322" cy="568690"/>
+              <a:chOff x="2105294" y="626525"/>
+              <a:chExt cx="2473322" cy="568690"/>
+            </a:xfrm>
+          </p:grpSpPr>
+          <p:grpSp>
+            <p:nvGrpSpPr>
+              <p:cNvPr id="54" name="Agrupar 53">
+                <a:extLst>
+                  <a:ext uri="{FF2B5EF4-FFF2-40B4-BE49-F238E27FC236}">
+                    <a16:creationId xmlns:a16="http://schemas.microsoft.com/office/drawing/2014/main" id="{9AD0C74A-257E-1823-9D9B-86FBA3F19058}"/>
+                  </a:ext>
+                </a:extLst>
+              </p:cNvPr>
+              <p:cNvGrpSpPr/>
+              <p:nvPr/>
+            </p:nvGrpSpPr>
+            <p:grpSpPr>
+              <a:xfrm>
+                <a:off x="4074804" y="626525"/>
+                <a:ext cx="503812" cy="568690"/>
+                <a:chOff x="4253864" y="627380"/>
+                <a:chExt cx="503812" cy="568690"/>
+              </a:xfrm>
+            </p:grpSpPr>
+            <p:sp>
+              <p:nvSpPr>
+                <p:cNvPr id="128" name="Seta: Curvada Para Cima 127">
+                  <a:extLst>
+                    <a:ext uri="{FF2B5EF4-FFF2-40B4-BE49-F238E27FC236}">
+                      <a16:creationId xmlns:a16="http://schemas.microsoft.com/office/drawing/2014/main" id="{06661E73-B9AA-D94F-B444-DD2AC07127FA}"/>
+                    </a:ext>
+                  </a:extLst>
+                </p:cNvPr>
+                <p:cNvSpPr/>
+                <p:nvPr/>
+              </p:nvSpPr>
+              <p:spPr>
+                <a:xfrm flipH="1">
+                  <a:off x="4330510" y="627380"/>
+                  <a:ext cx="350520" cy="152400"/>
+                </a:xfrm>
+                <a:prstGeom prst="curvedUpArrow">
+                  <a:avLst/>
+                </a:prstGeom>
+              </p:spPr>
+              <p:style>
+                <a:lnRef idx="2">
+                  <a:schemeClr val="accent1">
+                    <a:shade val="50000"/>
+                  </a:schemeClr>
+                </a:lnRef>
+                <a:fillRef idx="1">
+                  <a:schemeClr val="accent1"/>
+                </a:fillRef>
+                <a:effectRef idx="0">
+                  <a:schemeClr val="accent1"/>
+                </a:effectRef>
+                <a:fontRef idx="minor">
+                  <a:schemeClr val="lt1"/>
+                </a:fontRef>
+              </p:style>
+              <p:txBody>
+                <a:bodyPr rtlCol="0" anchor="ctr"/>
+                <a:lstStyle/>
+                <a:p>
+                  <a:pPr algn="ctr"/>
+                  <a:endParaRPr lang="pt-PT">
+                    <a:solidFill>
+                      <a:schemeClr val="tx1"/>
+                    </a:solidFill>
+                  </a:endParaRPr>
+                </a:p>
+              </p:txBody>
+            </p:sp>
+            <p:sp>
+              <p:nvSpPr>
+                <p:cNvPr id="132" name="CaixaDeTexto 131">
+                  <a:extLst>
+                    <a:ext uri="{FF2B5EF4-FFF2-40B4-BE49-F238E27FC236}">
+                      <a16:creationId xmlns:a16="http://schemas.microsoft.com/office/drawing/2014/main" id="{BA0D4AEF-9C33-D767-9739-B1BDE060D6AE}"/>
+                    </a:ext>
+                  </a:extLst>
+                </p:cNvPr>
+                <p:cNvSpPr txBox="1"/>
+                <p:nvPr/>
+              </p:nvSpPr>
+              <p:spPr>
+                <a:xfrm>
+                  <a:off x="4253864" y="744220"/>
+                  <a:ext cx="503812" cy="451850"/>
+                </a:xfrm>
+                <a:prstGeom prst="rect">
+                  <a:avLst/>
+                </a:prstGeom>
+                <a:noFill/>
+              </p:spPr>
+              <p:txBody>
+                <a:bodyPr wrap="square" lIns="36000" tIns="36000" rIns="36000" bIns="36000" rtlCol="0">
+                  <a:spAutoFit/>
+                </a:bodyPr>
+                <a:lstStyle/>
+                <a:p>
+                  <a:pPr algn="ctr"/>
+                  <a:r>
+                    <a:rPr lang="pt-PT" sz="1400" dirty="0"/>
+                    <a:t>&gt;?</a:t>
+                  </a:r>
+                </a:p>
+                <a:p>
+                  <a:pPr algn="ctr"/>
+                  <a:r>
+                    <a:rPr lang="pt-PT" sz="1000" dirty="0" err="1"/>
+                    <a:t>swap</a:t>
+                  </a:r>
+                  <a:endParaRPr lang="pt-PT" sz="1000" dirty="0"/>
+                </a:p>
+              </p:txBody>
+            </p:sp>
+          </p:grpSp>
+          <p:grpSp>
+            <p:nvGrpSpPr>
+              <p:cNvPr id="55" name="Agrupar 54">
+                <a:extLst>
+                  <a:ext uri="{FF2B5EF4-FFF2-40B4-BE49-F238E27FC236}">
+                    <a16:creationId xmlns:a16="http://schemas.microsoft.com/office/drawing/2014/main" id="{F36322AF-21AD-B43B-2B64-5976D0171BD4}"/>
+                  </a:ext>
+                </a:extLst>
+              </p:cNvPr>
+              <p:cNvGrpSpPr/>
+              <p:nvPr/>
+            </p:nvGrpSpPr>
+            <p:grpSpPr>
+              <a:xfrm>
+                <a:off x="2105294" y="632460"/>
+                <a:ext cx="503812" cy="553794"/>
+                <a:chOff x="2135694" y="1127760"/>
+                <a:chExt cx="503812" cy="553794"/>
+              </a:xfrm>
+            </p:grpSpPr>
+            <p:sp>
+              <p:nvSpPr>
+                <p:cNvPr id="62" name="Seta: Curvada Para Cima 61">
+                  <a:extLst>
+                    <a:ext uri="{FF2B5EF4-FFF2-40B4-BE49-F238E27FC236}">
+                      <a16:creationId xmlns:a16="http://schemas.microsoft.com/office/drawing/2014/main" id="{9140217F-BA33-8210-C53F-87F24F815274}"/>
+                    </a:ext>
+                  </a:extLst>
+                </p:cNvPr>
+                <p:cNvSpPr/>
+                <p:nvPr/>
+              </p:nvSpPr>
+              <p:spPr>
+                <a:xfrm>
+                  <a:off x="2199640" y="1127760"/>
+                  <a:ext cx="375920" cy="157480"/>
+                </a:xfrm>
+                <a:prstGeom prst="curvedUpArrow">
+                  <a:avLst/>
+                </a:prstGeom>
+              </p:spPr>
+              <p:style>
+                <a:lnRef idx="2">
+                  <a:schemeClr val="accent1">
+                    <a:shade val="50000"/>
+                  </a:schemeClr>
+                </a:lnRef>
+                <a:fillRef idx="1">
+                  <a:schemeClr val="accent1"/>
+                </a:fillRef>
+                <a:effectRef idx="0">
+                  <a:schemeClr val="accent1"/>
+                </a:effectRef>
+                <a:fontRef idx="minor">
+                  <a:schemeClr val="lt1"/>
+                </a:fontRef>
+              </p:style>
+              <p:txBody>
+                <a:bodyPr rtlCol="0" anchor="ctr"/>
+                <a:lstStyle/>
+                <a:p>
+                  <a:pPr algn="ctr"/>
+                  <a:endParaRPr lang="pt-PT">
+                    <a:solidFill>
+                      <a:schemeClr val="tx1"/>
+                    </a:solidFill>
+                  </a:endParaRPr>
+                </a:p>
+              </p:txBody>
+            </p:sp>
+            <p:sp>
+              <p:nvSpPr>
+                <p:cNvPr id="63" name="CaixaDeTexto 62">
+                  <a:extLst>
+                    <a:ext uri="{FF2B5EF4-FFF2-40B4-BE49-F238E27FC236}">
+                      <a16:creationId xmlns:a16="http://schemas.microsoft.com/office/drawing/2014/main" id="{01E4845B-6C97-BA6B-A7D3-DDD4C3579676}"/>
+                    </a:ext>
+                  </a:extLst>
+                </p:cNvPr>
+                <p:cNvSpPr txBox="1"/>
+                <p:nvPr/>
+              </p:nvSpPr>
+              <p:spPr>
+                <a:xfrm>
+                  <a:off x="2135694" y="1239519"/>
+                  <a:ext cx="503812" cy="442035"/>
+                </a:xfrm>
+                <a:prstGeom prst="rect">
+                  <a:avLst/>
+                </a:prstGeom>
+                <a:noFill/>
+              </p:spPr>
+              <p:txBody>
+                <a:bodyPr wrap="square" lIns="36000" tIns="36000" rIns="36000" bIns="36000" rtlCol="0">
+                  <a:spAutoFit/>
+                </a:bodyPr>
+                <a:lstStyle/>
+                <a:p>
+                  <a:pPr algn="ctr"/>
+                  <a:r>
+                    <a:rPr lang="pt-PT" sz="1400" dirty="0"/>
+                    <a:t>&gt;?</a:t>
+                  </a:r>
+                </a:p>
+                <a:p>
+                  <a:pPr algn="ctr"/>
+                  <a:r>
+                    <a:rPr lang="pt-PT" sz="1000" dirty="0" err="1"/>
+                    <a:t>swap</a:t>
+                  </a:r>
+                  <a:endParaRPr lang="pt-PT" sz="1000" dirty="0"/>
+                </a:p>
+              </p:txBody>
+            </p:sp>
+          </p:grpSp>
+          <p:grpSp>
+            <p:nvGrpSpPr>
+              <p:cNvPr id="56" name="Agrupar 55">
+                <a:extLst>
+                  <a:ext uri="{FF2B5EF4-FFF2-40B4-BE49-F238E27FC236}">
+                    <a16:creationId xmlns:a16="http://schemas.microsoft.com/office/drawing/2014/main" id="{308DF621-4F7A-D951-E3C8-B58D429C368E}"/>
+                  </a:ext>
+                </a:extLst>
+              </p:cNvPr>
+              <p:cNvGrpSpPr/>
+              <p:nvPr/>
+            </p:nvGrpSpPr>
+            <p:grpSpPr>
+              <a:xfrm>
+                <a:off x="2764272" y="641012"/>
+                <a:ext cx="503812" cy="553795"/>
+                <a:chOff x="2834983" y="632460"/>
+                <a:chExt cx="503812" cy="553795"/>
+              </a:xfrm>
+            </p:grpSpPr>
+            <p:sp>
+              <p:nvSpPr>
+                <p:cNvPr id="60" name="Seta: Curvada Para Cima 59">
+                  <a:extLst>
+                    <a:ext uri="{FF2B5EF4-FFF2-40B4-BE49-F238E27FC236}">
+                      <a16:creationId xmlns:a16="http://schemas.microsoft.com/office/drawing/2014/main" id="{FCE2ABD3-90A1-0DCD-9BBF-4EE290A78730}"/>
+                    </a:ext>
+                  </a:extLst>
+                </p:cNvPr>
+                <p:cNvSpPr/>
+                <p:nvPr/>
+              </p:nvSpPr>
+              <p:spPr>
+                <a:xfrm flipH="1">
+                  <a:off x="2898130" y="632460"/>
+                  <a:ext cx="350520" cy="152400"/>
+                </a:xfrm>
+                <a:prstGeom prst="curvedUpArrow">
+                  <a:avLst/>
+                </a:prstGeom>
+              </p:spPr>
+              <p:style>
+                <a:lnRef idx="2">
+                  <a:schemeClr val="accent1">
+                    <a:shade val="50000"/>
+                  </a:schemeClr>
+                </a:lnRef>
+                <a:fillRef idx="1">
+                  <a:schemeClr val="accent1"/>
+                </a:fillRef>
+                <a:effectRef idx="0">
+                  <a:schemeClr val="accent1"/>
+                </a:effectRef>
+                <a:fontRef idx="minor">
+                  <a:schemeClr val="lt1"/>
+                </a:fontRef>
+              </p:style>
+              <p:txBody>
+                <a:bodyPr rtlCol="0" anchor="ctr"/>
+                <a:lstStyle/>
+                <a:p>
+                  <a:pPr algn="ctr"/>
+                  <a:endParaRPr lang="pt-PT">
+                    <a:solidFill>
+                      <a:schemeClr val="tx1"/>
+                    </a:solidFill>
+                  </a:endParaRPr>
+                </a:p>
+              </p:txBody>
+            </p:sp>
+            <p:sp>
+              <p:nvSpPr>
+                <p:cNvPr id="61" name="CaixaDeTexto 60">
+                  <a:extLst>
+                    <a:ext uri="{FF2B5EF4-FFF2-40B4-BE49-F238E27FC236}">
+                      <a16:creationId xmlns:a16="http://schemas.microsoft.com/office/drawing/2014/main" id="{EC4CF92A-793D-27D3-9A87-8808C5FCB282}"/>
+                    </a:ext>
+                  </a:extLst>
+                </p:cNvPr>
+                <p:cNvSpPr txBox="1"/>
+                <p:nvPr/>
+              </p:nvSpPr>
+              <p:spPr>
+                <a:xfrm>
+                  <a:off x="2834983" y="744220"/>
+                  <a:ext cx="503812" cy="442035"/>
+                </a:xfrm>
+                <a:prstGeom prst="rect">
+                  <a:avLst/>
+                </a:prstGeom>
+                <a:noFill/>
+              </p:spPr>
+              <p:txBody>
+                <a:bodyPr wrap="square" lIns="36000" tIns="36000" rIns="36000" bIns="36000" rtlCol="0">
+                  <a:spAutoFit/>
+                </a:bodyPr>
+                <a:lstStyle/>
+                <a:p>
+                  <a:pPr algn="ctr"/>
+                  <a:r>
+                    <a:rPr lang="pt-PT" sz="1400" dirty="0"/>
+                    <a:t>&gt;?</a:t>
+                  </a:r>
+                </a:p>
+                <a:p>
+                  <a:pPr algn="ctr"/>
+                  <a:r>
+                    <a:rPr lang="pt-PT" sz="1000" dirty="0" err="1"/>
+                    <a:t>swap</a:t>
+                  </a:r>
+                  <a:endParaRPr lang="pt-PT" sz="1000" dirty="0"/>
+                </a:p>
+              </p:txBody>
+            </p:sp>
+          </p:grpSp>
+          <p:grpSp>
+            <p:nvGrpSpPr>
+              <p:cNvPr id="57" name="Agrupar 56">
+                <a:extLst>
+                  <a:ext uri="{FF2B5EF4-FFF2-40B4-BE49-F238E27FC236}">
+                    <a16:creationId xmlns:a16="http://schemas.microsoft.com/office/drawing/2014/main" id="{28AE0736-9D38-6C25-7B7D-A8893EB2D081}"/>
+                  </a:ext>
+                </a:extLst>
+              </p:cNvPr>
+              <p:cNvGrpSpPr/>
+              <p:nvPr/>
+            </p:nvGrpSpPr>
+            <p:grpSpPr>
+              <a:xfrm>
+                <a:off x="3439060" y="635932"/>
+                <a:ext cx="503812" cy="558875"/>
+                <a:chOff x="3549482" y="627380"/>
+                <a:chExt cx="503812" cy="558875"/>
+              </a:xfrm>
+            </p:grpSpPr>
+            <p:sp>
+              <p:nvSpPr>
+                <p:cNvPr id="58" name="Seta: Curvada Para Cima 57">
+                  <a:extLst>
+                    <a:ext uri="{FF2B5EF4-FFF2-40B4-BE49-F238E27FC236}">
+                      <a16:creationId xmlns:a16="http://schemas.microsoft.com/office/drawing/2014/main" id="{3583DB62-C586-6A13-D7BE-B294DAD37938}"/>
+                    </a:ext>
+                  </a:extLst>
+                </p:cNvPr>
+                <p:cNvSpPr/>
+                <p:nvPr/>
+              </p:nvSpPr>
+              <p:spPr>
+                <a:xfrm>
+                  <a:off x="3601620" y="627380"/>
+                  <a:ext cx="375920" cy="157480"/>
+                </a:xfrm>
+                <a:prstGeom prst="curvedUpArrow">
+                  <a:avLst/>
+                </a:prstGeom>
+              </p:spPr>
+              <p:style>
+                <a:lnRef idx="2">
+                  <a:schemeClr val="accent1">
+                    <a:shade val="50000"/>
+                  </a:schemeClr>
+                </a:lnRef>
+                <a:fillRef idx="1">
+                  <a:schemeClr val="accent1"/>
+                </a:fillRef>
+                <a:effectRef idx="0">
+                  <a:schemeClr val="accent1"/>
+                </a:effectRef>
+                <a:fontRef idx="minor">
+                  <a:schemeClr val="lt1"/>
+                </a:fontRef>
+              </p:style>
+              <p:txBody>
+                <a:bodyPr rtlCol="0" anchor="ctr"/>
+                <a:lstStyle/>
+                <a:p>
+                  <a:pPr algn="ctr"/>
+                  <a:endParaRPr lang="pt-PT">
+                    <a:solidFill>
+                      <a:schemeClr val="tx1"/>
+                    </a:solidFill>
+                  </a:endParaRPr>
+                </a:p>
+              </p:txBody>
+            </p:sp>
+            <p:sp>
+              <p:nvSpPr>
+                <p:cNvPr id="59" name="CaixaDeTexto 58">
+                  <a:extLst>
+                    <a:ext uri="{FF2B5EF4-FFF2-40B4-BE49-F238E27FC236}">
+                      <a16:creationId xmlns:a16="http://schemas.microsoft.com/office/drawing/2014/main" id="{36C19C6C-DAAC-EF38-B5A3-DC249594ADBC}"/>
+                    </a:ext>
+                  </a:extLst>
+                </p:cNvPr>
+                <p:cNvSpPr txBox="1"/>
+                <p:nvPr/>
+              </p:nvSpPr>
+              <p:spPr>
+                <a:xfrm>
+                  <a:off x="3549482" y="744220"/>
+                  <a:ext cx="503812" cy="442035"/>
+                </a:xfrm>
+                <a:prstGeom prst="rect">
+                  <a:avLst/>
+                </a:prstGeom>
+                <a:noFill/>
+              </p:spPr>
+              <p:txBody>
+                <a:bodyPr wrap="square" lIns="36000" tIns="36000" rIns="36000" bIns="36000" rtlCol="0">
+                  <a:spAutoFit/>
+                </a:bodyPr>
+                <a:lstStyle/>
+                <a:p>
+                  <a:pPr algn="ctr"/>
+                  <a:r>
+                    <a:rPr lang="pt-PT" sz="1400" dirty="0"/>
+                    <a:t>&gt;?</a:t>
+                  </a:r>
+                </a:p>
+                <a:p>
+                  <a:pPr algn="ctr"/>
+                  <a:r>
+                    <a:rPr lang="pt-PT" sz="1000" dirty="0" err="1"/>
+                    <a:t>swap</a:t>
+                  </a:r>
+                  <a:endParaRPr lang="pt-PT" sz="1000" dirty="0"/>
+                </a:p>
+              </p:txBody>
+            </p:sp>
+          </p:grpSp>
+        </p:grpSp>
+        <p:grpSp>
+          <p:nvGrpSpPr>
+            <p:cNvPr id="5" name="Agrupar 4">
+              <a:extLst>
+                <a:ext uri="{FF2B5EF4-FFF2-40B4-BE49-F238E27FC236}">
+                  <a16:creationId xmlns:a16="http://schemas.microsoft.com/office/drawing/2014/main" id="{C03EB835-4F7F-D5CE-B890-704D3E5E8DC8}"/>
+                </a:ext>
+              </a:extLst>
+            </p:cNvPr>
+            <p:cNvGrpSpPr/>
+            <p:nvPr/>
+          </p:nvGrpSpPr>
+          <p:grpSpPr>
+            <a:xfrm>
+              <a:off x="2183488" y="3660479"/>
+              <a:ext cx="2369500" cy="677055"/>
+              <a:chOff x="2199640" y="4533900"/>
+              <a:chExt cx="2597722" cy="709148"/>
+            </a:xfrm>
+          </p:grpSpPr>
+          <p:sp>
+            <p:nvSpPr>
+              <p:cNvPr id="49" name="Seta: Curvada Para Cima 48">
+                <a:extLst>
+                  <a:ext uri="{FF2B5EF4-FFF2-40B4-BE49-F238E27FC236}">
+                    <a16:creationId xmlns:a16="http://schemas.microsoft.com/office/drawing/2014/main" id="{606B5972-96F0-B22E-87A5-BA7A82DA7E85}"/>
+                  </a:ext>
+                </a:extLst>
+              </p:cNvPr>
+              <p:cNvSpPr/>
+              <p:nvPr/>
+            </p:nvSpPr>
+            <p:spPr>
+              <a:xfrm>
+                <a:off x="2199640" y="4533900"/>
+                <a:ext cx="1540510" cy="295359"/>
+              </a:xfrm>
+              <a:prstGeom prst="curvedUpArrow">
+                <a:avLst/>
+              </a:prstGeom>
+            </p:spPr>
+            <p:style>
+              <a:lnRef idx="2">
+                <a:schemeClr val="accent1">
+                  <a:shade val="50000"/>
+                </a:schemeClr>
+              </a:lnRef>
+              <a:fillRef idx="1">
+                <a:schemeClr val="accent1"/>
+              </a:fillRef>
+              <a:effectRef idx="0">
+                <a:schemeClr val="accent1"/>
+              </a:effectRef>
+              <a:fontRef idx="minor">
+                <a:schemeClr val="lt1"/>
+              </a:fontRef>
+            </p:style>
+            <p:txBody>
+              <a:bodyPr rtlCol="0" anchor="ctr"/>
+              <a:lstStyle/>
+              <a:p>
+                <a:pPr algn="ctr"/>
+                <a:endParaRPr lang="pt-PT">
+                  <a:solidFill>
+                    <a:schemeClr val="tx1"/>
+                  </a:solidFill>
+                </a:endParaRPr>
+              </a:p>
+            </p:txBody>
+          </p:sp>
+          <p:sp>
+            <p:nvSpPr>
+              <p:cNvPr id="50" name="Seta: Curvada Para Cima 49">
+                <a:extLst>
+                  <a:ext uri="{FF2B5EF4-FFF2-40B4-BE49-F238E27FC236}">
+                    <a16:creationId xmlns:a16="http://schemas.microsoft.com/office/drawing/2014/main" id="{4A80721B-A71F-F4C0-24AE-9C6CD75FAEB7}"/>
+                  </a:ext>
+                </a:extLst>
+              </p:cNvPr>
+              <p:cNvSpPr/>
+              <p:nvPr/>
+            </p:nvSpPr>
+            <p:spPr>
+              <a:xfrm>
+                <a:off x="2543184" y="4538620"/>
+                <a:ext cx="1540510" cy="295359"/>
+              </a:xfrm>
+              <a:prstGeom prst="curvedUpArrow">
+                <a:avLst/>
+              </a:prstGeom>
+            </p:spPr>
+            <p:style>
+              <a:lnRef idx="2">
+                <a:schemeClr val="accent1">
+                  <a:shade val="50000"/>
+                </a:schemeClr>
+              </a:lnRef>
+              <a:fillRef idx="1">
+                <a:schemeClr val="accent1"/>
+              </a:fillRef>
+              <a:effectRef idx="0">
+                <a:schemeClr val="accent1"/>
+              </a:effectRef>
+              <a:fontRef idx="minor">
+                <a:schemeClr val="lt1"/>
+              </a:fontRef>
+            </p:style>
+            <p:txBody>
+              <a:bodyPr rtlCol="0" anchor="ctr"/>
+              <a:lstStyle/>
+              <a:p>
+                <a:pPr algn="ctr"/>
+                <a:endParaRPr lang="pt-PT">
+                  <a:solidFill>
+                    <a:schemeClr val="tx1"/>
+                  </a:solidFill>
+                </a:endParaRPr>
+              </a:p>
+            </p:txBody>
+          </p:sp>
+          <p:sp>
+            <p:nvSpPr>
+              <p:cNvPr id="51" name="Seta: Curvada Para Cima 50">
+                <a:extLst>
+                  <a:ext uri="{FF2B5EF4-FFF2-40B4-BE49-F238E27FC236}">
+                    <a16:creationId xmlns:a16="http://schemas.microsoft.com/office/drawing/2014/main" id="{0E88AB80-938A-E6B3-67FD-49D4159B5B35}"/>
+                  </a:ext>
+                </a:extLst>
+              </p:cNvPr>
+              <p:cNvSpPr/>
+              <p:nvPr/>
+            </p:nvSpPr>
+            <p:spPr>
+              <a:xfrm>
+                <a:off x="2907753" y="4539583"/>
+                <a:ext cx="1540510" cy="295359"/>
+              </a:xfrm>
+              <a:prstGeom prst="curvedUpArrow">
+                <a:avLst/>
+              </a:prstGeom>
+            </p:spPr>
+            <p:style>
+              <a:lnRef idx="2">
+                <a:schemeClr val="accent1">
+                  <a:shade val="50000"/>
+                </a:schemeClr>
+              </a:lnRef>
+              <a:fillRef idx="1">
+                <a:schemeClr val="accent1"/>
+              </a:fillRef>
+              <a:effectRef idx="0">
+                <a:schemeClr val="accent1"/>
+              </a:effectRef>
+              <a:fontRef idx="minor">
+                <a:schemeClr val="lt1"/>
+              </a:fontRef>
+            </p:style>
+            <p:txBody>
+              <a:bodyPr rtlCol="0" anchor="ctr"/>
+              <a:lstStyle/>
+              <a:p>
+                <a:pPr algn="ctr"/>
+                <a:endParaRPr lang="pt-PT">
+                  <a:solidFill>
+                    <a:schemeClr val="tx1"/>
+                  </a:solidFill>
+                </a:endParaRPr>
+              </a:p>
+            </p:txBody>
+          </p:sp>
+          <p:sp>
+            <p:nvSpPr>
+              <p:cNvPr id="52" name="Seta: Curvada Para Cima 51">
+                <a:extLst>
+                  <a:ext uri="{FF2B5EF4-FFF2-40B4-BE49-F238E27FC236}">
+                    <a16:creationId xmlns:a16="http://schemas.microsoft.com/office/drawing/2014/main" id="{2402298C-23D0-6848-CFEF-0ED8E1B7EE47}"/>
+                  </a:ext>
+                </a:extLst>
+              </p:cNvPr>
+              <p:cNvSpPr/>
+              <p:nvPr/>
+            </p:nvSpPr>
+            <p:spPr>
+              <a:xfrm>
+                <a:off x="3256852" y="4542971"/>
+                <a:ext cx="1540510" cy="295359"/>
+              </a:xfrm>
+              <a:prstGeom prst="curvedUpArrow">
+                <a:avLst/>
+              </a:prstGeom>
+            </p:spPr>
+            <p:style>
+              <a:lnRef idx="2">
+                <a:schemeClr val="accent1">
+                  <a:shade val="50000"/>
+                </a:schemeClr>
+              </a:lnRef>
+              <a:fillRef idx="1">
+                <a:schemeClr val="accent1"/>
+              </a:fillRef>
+              <a:effectRef idx="0">
+                <a:schemeClr val="accent1"/>
+              </a:effectRef>
+              <a:fontRef idx="minor">
+                <a:schemeClr val="lt1"/>
+              </a:fontRef>
+            </p:style>
+            <p:txBody>
+              <a:bodyPr rtlCol="0" anchor="ctr"/>
+              <a:lstStyle/>
+              <a:p>
+                <a:pPr algn="ctr"/>
+                <a:endParaRPr lang="pt-PT">
+                  <a:solidFill>
+                    <a:schemeClr val="tx1"/>
+                  </a:solidFill>
+                </a:endParaRPr>
+              </a:p>
+            </p:txBody>
+          </p:sp>
+          <p:sp>
+            <p:nvSpPr>
+              <p:cNvPr id="53" name="CaixaDeTexto 52">
+                <a:extLst>
+                  <a:ext uri="{FF2B5EF4-FFF2-40B4-BE49-F238E27FC236}">
+                    <a16:creationId xmlns:a16="http://schemas.microsoft.com/office/drawing/2014/main" id="{0029DD5E-CE33-4F0F-80D1-087F687F1AD0}"/>
+                  </a:ext>
+                </a:extLst>
+              </p:cNvPr>
+              <p:cNvSpPr txBox="1"/>
+              <p:nvPr/>
+            </p:nvSpPr>
+            <p:spPr>
+              <a:xfrm>
+                <a:off x="3256852" y="4805026"/>
+                <a:ext cx="503812" cy="438022"/>
+              </a:xfrm>
+              <a:prstGeom prst="rect">
+                <a:avLst/>
+              </a:prstGeom>
+              <a:noFill/>
+            </p:spPr>
+            <p:txBody>
+              <a:bodyPr wrap="square" lIns="36000" tIns="36000" rIns="36000" bIns="36000" rtlCol="0">
+                <a:spAutoFit/>
+              </a:bodyPr>
+              <a:lstStyle/>
+              <a:p>
+                <a:pPr algn="ctr"/>
+                <a:r>
+                  <a:rPr lang="pt-PT" sz="1400" dirty="0"/>
+                  <a:t>&gt;?</a:t>
+                </a:r>
+              </a:p>
+              <a:p>
+                <a:pPr algn="ctr"/>
+                <a:r>
+                  <a:rPr lang="pt-PT" sz="1000" dirty="0" err="1"/>
+                  <a:t>swap</a:t>
+                </a:r>
+                <a:endParaRPr lang="pt-PT" sz="1000" dirty="0"/>
+              </a:p>
+            </p:txBody>
+          </p:sp>
+        </p:grpSp>
+        <p:grpSp>
+          <p:nvGrpSpPr>
+            <p:cNvPr id="6" name="Agrupar 5">
+              <a:extLst>
+                <a:ext uri="{FF2B5EF4-FFF2-40B4-BE49-F238E27FC236}">
+                  <a16:creationId xmlns:a16="http://schemas.microsoft.com/office/drawing/2014/main" id="{CA093C79-397D-E105-2B0F-E76A80A84261}"/>
+                </a:ext>
+              </a:extLst>
+            </p:cNvPr>
+            <p:cNvGrpSpPr/>
+            <p:nvPr/>
+          </p:nvGrpSpPr>
+          <p:grpSpPr>
+            <a:xfrm>
+              <a:off x="2167736" y="1651771"/>
+              <a:ext cx="2332730" cy="612469"/>
+              <a:chOff x="2200190" y="2298329"/>
+              <a:chExt cx="2556478" cy="612469"/>
+            </a:xfrm>
+          </p:grpSpPr>
+          <p:grpSp>
+            <p:nvGrpSpPr>
+              <p:cNvPr id="40" name="Agrupar 39">
+                <a:extLst>
+                  <a:ext uri="{FF2B5EF4-FFF2-40B4-BE49-F238E27FC236}">
+                    <a16:creationId xmlns:a16="http://schemas.microsoft.com/office/drawing/2014/main" id="{1DBF8A7A-C12C-03FA-8F5F-C76A7DBBAFDA}"/>
+                  </a:ext>
+                </a:extLst>
+              </p:cNvPr>
+              <p:cNvGrpSpPr/>
+              <p:nvPr/>
+            </p:nvGrpSpPr>
+            <p:grpSpPr>
+              <a:xfrm>
+                <a:off x="2200190" y="2303092"/>
+                <a:ext cx="1135169" cy="198120"/>
+                <a:chOff x="2199640" y="2326640"/>
+                <a:chExt cx="1093335" cy="198120"/>
+              </a:xfrm>
+            </p:grpSpPr>
+            <p:sp>
+              <p:nvSpPr>
+                <p:cNvPr id="47" name="Seta: Curvada Para Cima 46">
+                  <a:extLst>
+                    <a:ext uri="{FF2B5EF4-FFF2-40B4-BE49-F238E27FC236}">
+                      <a16:creationId xmlns:a16="http://schemas.microsoft.com/office/drawing/2014/main" id="{793EFE10-9C99-53AE-E14B-F63B16F96409}"/>
+                    </a:ext>
+                  </a:extLst>
+                </p:cNvPr>
+                <p:cNvSpPr/>
+                <p:nvPr/>
+              </p:nvSpPr>
+              <p:spPr>
+                <a:xfrm>
+                  <a:off x="2199640" y="2326640"/>
+                  <a:ext cx="728890" cy="198120"/>
+                </a:xfrm>
+                <a:prstGeom prst="curvedUpArrow">
+                  <a:avLst/>
+                </a:prstGeom>
+              </p:spPr>
+              <p:style>
+                <a:lnRef idx="2">
+                  <a:schemeClr val="accent1">
+                    <a:shade val="50000"/>
+                  </a:schemeClr>
+                </a:lnRef>
+                <a:fillRef idx="1">
+                  <a:schemeClr val="accent1"/>
+                </a:fillRef>
+                <a:effectRef idx="0">
+                  <a:schemeClr val="accent1"/>
+                </a:effectRef>
+                <a:fontRef idx="minor">
+                  <a:schemeClr val="lt1"/>
+                </a:fontRef>
+              </p:style>
+              <p:txBody>
+                <a:bodyPr rtlCol="0" anchor="ctr"/>
+                <a:lstStyle/>
+                <a:p>
+                  <a:pPr algn="ctr"/>
+                  <a:endParaRPr lang="pt-PT">
+                    <a:solidFill>
+                      <a:schemeClr val="tx1"/>
+                    </a:solidFill>
+                  </a:endParaRPr>
+                </a:p>
+              </p:txBody>
+            </p:sp>
+            <p:sp>
+              <p:nvSpPr>
+                <p:cNvPr id="48" name="Seta: Curvada Para Cima 47">
+                  <a:extLst>
+                    <a:ext uri="{FF2B5EF4-FFF2-40B4-BE49-F238E27FC236}">
+                      <a16:creationId xmlns:a16="http://schemas.microsoft.com/office/drawing/2014/main" id="{C2D2044B-361B-A4F3-C02B-A9F4444592B0}"/>
+                    </a:ext>
+                  </a:extLst>
+                </p:cNvPr>
+                <p:cNvSpPr/>
+                <p:nvPr/>
+              </p:nvSpPr>
+              <p:spPr>
+                <a:xfrm>
+                  <a:off x="2564085" y="2326640"/>
+                  <a:ext cx="728890" cy="198120"/>
+                </a:xfrm>
+                <a:prstGeom prst="curvedUpArrow">
+                  <a:avLst/>
+                </a:prstGeom>
+              </p:spPr>
+              <p:style>
+                <a:lnRef idx="2">
+                  <a:schemeClr val="accent1">
+                    <a:shade val="50000"/>
+                  </a:schemeClr>
+                </a:lnRef>
+                <a:fillRef idx="1">
+                  <a:schemeClr val="accent1"/>
+                </a:fillRef>
+                <a:effectRef idx="0">
+                  <a:schemeClr val="accent1"/>
+                </a:effectRef>
+                <a:fontRef idx="minor">
+                  <a:schemeClr val="lt1"/>
+                </a:fontRef>
+              </p:style>
+              <p:txBody>
+                <a:bodyPr rtlCol="0" anchor="ctr"/>
+                <a:lstStyle/>
+                <a:p>
+                  <a:pPr algn="ctr"/>
+                  <a:endParaRPr lang="pt-PT">
+                    <a:solidFill>
+                      <a:schemeClr val="tx1"/>
+                    </a:solidFill>
+                  </a:endParaRPr>
+                </a:p>
+              </p:txBody>
+            </p:sp>
+          </p:grpSp>
+          <p:sp>
+            <p:nvSpPr>
+              <p:cNvPr id="41" name="CaixaDeTexto 40">
+                <a:extLst>
+                  <a:ext uri="{FF2B5EF4-FFF2-40B4-BE49-F238E27FC236}">
+                    <a16:creationId xmlns:a16="http://schemas.microsoft.com/office/drawing/2014/main" id="{40D24C7E-0B49-C19D-3C7D-D2194AFE52AF}"/>
+                  </a:ext>
+                </a:extLst>
+              </p:cNvPr>
+              <p:cNvSpPr txBox="1"/>
+              <p:nvPr/>
+            </p:nvSpPr>
+            <p:spPr>
+              <a:xfrm>
+                <a:off x="2284302" y="2465377"/>
+                <a:ext cx="503812" cy="442035"/>
+              </a:xfrm>
+              <a:prstGeom prst="rect">
+                <a:avLst/>
+              </a:prstGeom>
+              <a:noFill/>
+            </p:spPr>
+            <p:txBody>
+              <a:bodyPr wrap="square" lIns="36000" tIns="36000" rIns="36000" bIns="36000" rtlCol="0">
+                <a:spAutoFit/>
+              </a:bodyPr>
+              <a:lstStyle/>
+              <a:p>
+                <a:pPr algn="ctr"/>
+                <a:r>
+                  <a:rPr lang="pt-PT" sz="1400" dirty="0"/>
+                  <a:t>&gt;?</a:t>
+                </a:r>
+              </a:p>
+              <a:p>
+                <a:pPr algn="ctr"/>
+                <a:r>
+                  <a:rPr lang="pt-PT" sz="1000" dirty="0" err="1"/>
+                  <a:t>swap</a:t>
+                </a:r>
+                <a:endParaRPr lang="pt-PT" sz="1000" dirty="0"/>
+              </a:p>
+            </p:txBody>
+          </p:sp>
+          <p:sp>
+            <p:nvSpPr>
+              <p:cNvPr id="42" name="CaixaDeTexto 41">
+                <a:extLst>
+                  <a:ext uri="{FF2B5EF4-FFF2-40B4-BE49-F238E27FC236}">
+                    <a16:creationId xmlns:a16="http://schemas.microsoft.com/office/drawing/2014/main" id="{CB4AAA25-EFE5-647B-0744-678A19D6A11C}"/>
+                  </a:ext>
+                </a:extLst>
+              </p:cNvPr>
+              <p:cNvSpPr txBox="1"/>
+              <p:nvPr/>
+            </p:nvSpPr>
+            <p:spPr>
+              <a:xfrm>
+                <a:off x="2731131" y="2465376"/>
+                <a:ext cx="503812" cy="442035"/>
+              </a:xfrm>
+              <a:prstGeom prst="rect">
+                <a:avLst/>
+              </a:prstGeom>
+              <a:noFill/>
+            </p:spPr>
+            <p:txBody>
+              <a:bodyPr wrap="square" lIns="36000" tIns="36000" rIns="36000" bIns="36000" rtlCol="0">
+                <a:spAutoFit/>
+              </a:bodyPr>
+              <a:lstStyle/>
+              <a:p>
+                <a:pPr algn="ctr"/>
+                <a:r>
+                  <a:rPr lang="pt-PT" sz="1400" dirty="0"/>
+                  <a:t>&gt;?</a:t>
+                </a:r>
+              </a:p>
+              <a:p>
+                <a:pPr algn="ctr"/>
+                <a:r>
+                  <a:rPr lang="pt-PT" sz="1000" dirty="0" err="1"/>
+                  <a:t>swap</a:t>
+                </a:r>
+                <a:endParaRPr lang="pt-PT" sz="1000" dirty="0"/>
+              </a:p>
+            </p:txBody>
+          </p:sp>
+          <p:sp>
+            <p:nvSpPr>
+              <p:cNvPr id="43" name="CaixaDeTexto 42">
+                <a:extLst>
+                  <a:ext uri="{FF2B5EF4-FFF2-40B4-BE49-F238E27FC236}">
+                    <a16:creationId xmlns:a16="http://schemas.microsoft.com/office/drawing/2014/main" id="{6CFCD512-9AE5-1C4D-B7F9-8A6075FD1904}"/>
+                  </a:ext>
+                </a:extLst>
+              </p:cNvPr>
+              <p:cNvSpPr txBox="1"/>
+              <p:nvPr/>
+            </p:nvSpPr>
+            <p:spPr>
+              <a:xfrm>
+                <a:off x="3718256" y="2467259"/>
+                <a:ext cx="503812" cy="442035"/>
+              </a:xfrm>
+              <a:prstGeom prst="rect">
+                <a:avLst/>
+              </a:prstGeom>
+              <a:noFill/>
+            </p:spPr>
+            <p:txBody>
+              <a:bodyPr wrap="square" lIns="36000" tIns="36000" rIns="36000" bIns="36000" rtlCol="0">
+                <a:spAutoFit/>
+              </a:bodyPr>
+              <a:lstStyle/>
+              <a:p>
+                <a:pPr algn="ctr"/>
+                <a:r>
+                  <a:rPr lang="pt-PT" sz="1400" dirty="0"/>
+                  <a:t>&gt;?</a:t>
+                </a:r>
+              </a:p>
+              <a:p>
+                <a:pPr algn="ctr"/>
+                <a:r>
+                  <a:rPr lang="pt-PT" sz="1000" dirty="0" err="1"/>
+                  <a:t>swap</a:t>
+                </a:r>
+                <a:endParaRPr lang="pt-PT" sz="1000" dirty="0"/>
+              </a:p>
+            </p:txBody>
+          </p:sp>
+          <p:sp>
+            <p:nvSpPr>
+              <p:cNvPr id="44" name="CaixaDeTexto 43">
+                <a:extLst>
+                  <a:ext uri="{FF2B5EF4-FFF2-40B4-BE49-F238E27FC236}">
+                    <a16:creationId xmlns:a16="http://schemas.microsoft.com/office/drawing/2014/main" id="{ADC9A3FE-B3BA-34F3-A386-9F17197E059A}"/>
+                  </a:ext>
+                </a:extLst>
+              </p:cNvPr>
+              <p:cNvSpPr txBox="1"/>
+              <p:nvPr/>
+            </p:nvSpPr>
+            <p:spPr>
+              <a:xfrm>
+                <a:off x="4131366" y="2468763"/>
+                <a:ext cx="503812" cy="442035"/>
+              </a:xfrm>
+              <a:prstGeom prst="rect">
+                <a:avLst/>
+              </a:prstGeom>
+              <a:noFill/>
+            </p:spPr>
+            <p:txBody>
+              <a:bodyPr wrap="square" lIns="36000" tIns="36000" rIns="36000" bIns="36000" rtlCol="0">
+                <a:spAutoFit/>
+              </a:bodyPr>
+              <a:lstStyle/>
+              <a:p>
+                <a:pPr algn="ctr"/>
+                <a:r>
+                  <a:rPr lang="pt-PT" sz="1400" dirty="0"/>
+                  <a:t>&gt;?</a:t>
+                </a:r>
+              </a:p>
+              <a:p>
+                <a:pPr algn="ctr"/>
+                <a:r>
+                  <a:rPr lang="pt-PT" sz="1000" dirty="0" err="1"/>
+                  <a:t>swap</a:t>
+                </a:r>
+                <a:endParaRPr lang="pt-PT" sz="1000" dirty="0"/>
+              </a:p>
+            </p:txBody>
+          </p:sp>
+          <p:sp>
+            <p:nvSpPr>
+              <p:cNvPr id="45" name="Seta: Curvada para Baixo 44">
+                <a:extLst>
+                  <a:ext uri="{FF2B5EF4-FFF2-40B4-BE49-F238E27FC236}">
+                    <a16:creationId xmlns:a16="http://schemas.microsoft.com/office/drawing/2014/main" id="{EA8239FB-9313-3D13-1D2C-21AE887C073E}"/>
+                  </a:ext>
+                </a:extLst>
+              </p:cNvPr>
+              <p:cNvSpPr/>
+              <p:nvPr/>
+            </p:nvSpPr>
+            <p:spPr>
+              <a:xfrm rot="10800000">
+                <a:off x="3965151" y="2303092"/>
+                <a:ext cx="791517" cy="198120"/>
+              </a:xfrm>
+              <a:prstGeom prst="curvedDownArrow">
+                <a:avLst/>
+              </a:prstGeom>
+            </p:spPr>
+            <p:style>
+              <a:lnRef idx="2">
+                <a:schemeClr val="accent1">
+                  <a:shade val="50000"/>
+                </a:schemeClr>
+              </a:lnRef>
+              <a:fillRef idx="1">
+                <a:schemeClr val="accent1"/>
+              </a:fillRef>
+              <a:effectRef idx="0">
+                <a:schemeClr val="accent1"/>
+              </a:effectRef>
+              <a:fontRef idx="minor">
+                <a:schemeClr val="lt1"/>
+              </a:fontRef>
+            </p:style>
+            <p:txBody>
+              <a:bodyPr rtlCol="0" anchor="ctr"/>
+              <a:lstStyle/>
+              <a:p>
+                <a:pPr algn="ctr"/>
+                <a:endParaRPr lang="pt-PT">
+                  <a:solidFill>
+                    <a:schemeClr val="tx1"/>
+                  </a:solidFill>
+                </a:endParaRPr>
+              </a:p>
+            </p:txBody>
+          </p:sp>
+          <p:sp>
+            <p:nvSpPr>
+              <p:cNvPr id="46" name="Seta: Curvada para Baixo 45">
+                <a:extLst>
+                  <a:ext uri="{FF2B5EF4-FFF2-40B4-BE49-F238E27FC236}">
+                    <a16:creationId xmlns:a16="http://schemas.microsoft.com/office/drawing/2014/main" id="{2BE73B4B-53DC-9054-805F-A46E9241D10F}"/>
+                  </a:ext>
+                </a:extLst>
+              </p:cNvPr>
+              <p:cNvSpPr/>
+              <p:nvPr/>
+            </p:nvSpPr>
+            <p:spPr>
+              <a:xfrm rot="10800000">
+                <a:off x="3612181" y="2298329"/>
+                <a:ext cx="791517" cy="198120"/>
+              </a:xfrm>
+              <a:prstGeom prst="curvedDownArrow">
+                <a:avLst/>
+              </a:prstGeom>
+            </p:spPr>
+            <p:style>
+              <a:lnRef idx="2">
+                <a:schemeClr val="accent1">
+                  <a:shade val="50000"/>
+                </a:schemeClr>
+              </a:lnRef>
+              <a:fillRef idx="1">
+                <a:schemeClr val="accent1"/>
+              </a:fillRef>
+              <a:effectRef idx="0">
+                <a:schemeClr val="accent1"/>
+              </a:effectRef>
+              <a:fontRef idx="minor">
+                <a:schemeClr val="lt1"/>
+              </a:fontRef>
+            </p:style>
+            <p:txBody>
+              <a:bodyPr rtlCol="0" anchor="ctr"/>
+              <a:lstStyle/>
+              <a:p>
+                <a:pPr algn="ctr"/>
+                <a:endParaRPr lang="pt-PT">
+                  <a:solidFill>
+                    <a:schemeClr val="tx1"/>
+                  </a:solidFill>
+                </a:endParaRPr>
+              </a:p>
+            </p:txBody>
+          </p:sp>
+        </p:grpSp>
+        <p:grpSp>
+          <p:nvGrpSpPr>
+            <p:cNvPr id="7" name="Agrupar 6">
+              <a:extLst>
+                <a:ext uri="{FF2B5EF4-FFF2-40B4-BE49-F238E27FC236}">
+                  <a16:creationId xmlns:a16="http://schemas.microsoft.com/office/drawing/2014/main" id="{E8227910-0AEE-1CDC-4D66-01E748C43CE9}"/>
+                </a:ext>
+              </a:extLst>
+            </p:cNvPr>
+            <p:cNvGrpSpPr/>
+            <p:nvPr/>
+          </p:nvGrpSpPr>
+          <p:grpSpPr>
+            <a:xfrm>
+              <a:off x="2127441" y="2688804"/>
+              <a:ext cx="2496646" cy="563894"/>
+              <a:chOff x="2132103" y="3403099"/>
+              <a:chExt cx="2655972" cy="563894"/>
+            </a:xfrm>
+          </p:grpSpPr>
+          <p:grpSp>
+            <p:nvGrpSpPr>
+              <p:cNvPr id="29" name="Agrupar 28">
+                <a:extLst>
+                  <a:ext uri="{FF2B5EF4-FFF2-40B4-BE49-F238E27FC236}">
+                    <a16:creationId xmlns:a16="http://schemas.microsoft.com/office/drawing/2014/main" id="{948E7EBC-5092-EBEA-0251-77C4DA4F0DCF}"/>
+                  </a:ext>
+                </a:extLst>
+              </p:cNvPr>
+              <p:cNvGrpSpPr/>
+              <p:nvPr/>
+            </p:nvGrpSpPr>
+            <p:grpSpPr>
+              <a:xfrm>
+                <a:off x="2132103" y="3403383"/>
+                <a:ext cx="2655972" cy="563610"/>
+                <a:chOff x="2132103" y="3403383"/>
+                <a:chExt cx="2655972" cy="563610"/>
+              </a:xfrm>
+            </p:grpSpPr>
+            <p:grpSp>
+              <p:nvGrpSpPr>
+                <p:cNvPr id="32" name="Agrupar 31">
+                  <a:extLst>
+                    <a:ext uri="{FF2B5EF4-FFF2-40B4-BE49-F238E27FC236}">
+                      <a16:creationId xmlns:a16="http://schemas.microsoft.com/office/drawing/2014/main" id="{6FBF586A-1825-6A1F-0158-E13B502A7FCE}"/>
+                    </a:ext>
+                  </a:extLst>
+                </p:cNvPr>
+                <p:cNvGrpSpPr/>
+                <p:nvPr/>
+              </p:nvGrpSpPr>
+              <p:grpSpPr>
+                <a:xfrm>
+                  <a:off x="2132103" y="3403383"/>
+                  <a:ext cx="503812" cy="553794"/>
+                  <a:chOff x="2135694" y="1127760"/>
+                  <a:chExt cx="503812" cy="553794"/>
+                </a:xfrm>
+              </p:grpSpPr>
+              <p:sp>
+                <p:nvSpPr>
+                  <p:cNvPr id="38" name="Seta: Curvada Para Cima 37">
+                    <a:extLst>
+                      <a:ext uri="{FF2B5EF4-FFF2-40B4-BE49-F238E27FC236}">
+                        <a16:creationId xmlns:a16="http://schemas.microsoft.com/office/drawing/2014/main" id="{A7886A8B-6D08-FE31-4671-1F6064DE84EB}"/>
+                      </a:ext>
+                    </a:extLst>
+                  </p:cNvPr>
+                  <p:cNvSpPr/>
+                  <p:nvPr/>
+                </p:nvSpPr>
+                <p:spPr>
+                  <a:xfrm>
+                    <a:off x="2199640" y="1127760"/>
+                    <a:ext cx="375920" cy="157480"/>
+                  </a:xfrm>
+                  <a:prstGeom prst="curvedUpArrow">
+                    <a:avLst/>
+                  </a:prstGeom>
+                </p:spPr>
+                <p:style>
+                  <a:lnRef idx="2">
+                    <a:schemeClr val="accent1">
+                      <a:shade val="50000"/>
+                    </a:schemeClr>
+                  </a:lnRef>
+                  <a:fillRef idx="1">
+                    <a:schemeClr val="accent1"/>
+                  </a:fillRef>
+                  <a:effectRef idx="0">
+                    <a:schemeClr val="accent1"/>
+                  </a:effectRef>
+                  <a:fontRef idx="minor">
+                    <a:schemeClr val="lt1"/>
+                  </a:fontRef>
+                </p:style>
+                <p:txBody>
+                  <a:bodyPr rtlCol="0" anchor="ctr"/>
+                  <a:lstStyle/>
+                  <a:p>
+                    <a:pPr algn="ctr"/>
+                    <a:endParaRPr lang="pt-PT">
+                      <a:solidFill>
+                        <a:schemeClr val="tx1"/>
+                      </a:solidFill>
+                    </a:endParaRPr>
+                  </a:p>
+                </p:txBody>
+              </p:sp>
+              <p:sp>
+                <p:nvSpPr>
+                  <p:cNvPr id="39" name="CaixaDeTexto 38">
+                    <a:extLst>
+                      <a:ext uri="{FF2B5EF4-FFF2-40B4-BE49-F238E27FC236}">
+                        <a16:creationId xmlns:a16="http://schemas.microsoft.com/office/drawing/2014/main" id="{41311648-2AA6-8A90-C7BD-A2C459CC0970}"/>
+                      </a:ext>
+                    </a:extLst>
+                  </p:cNvPr>
+                  <p:cNvSpPr txBox="1"/>
+                  <p:nvPr/>
+                </p:nvSpPr>
+                <p:spPr>
+                  <a:xfrm>
+                    <a:off x="2135694" y="1239519"/>
+                    <a:ext cx="503812" cy="442035"/>
+                  </a:xfrm>
+                  <a:prstGeom prst="rect">
+                    <a:avLst/>
+                  </a:prstGeom>
+                  <a:noFill/>
+                </p:spPr>
+                <p:txBody>
+                  <a:bodyPr wrap="square" lIns="36000" tIns="36000" rIns="36000" bIns="36000" rtlCol="0">
+                    <a:spAutoFit/>
+                  </a:bodyPr>
+                  <a:lstStyle/>
+                  <a:p>
+                    <a:pPr algn="ctr"/>
+                    <a:r>
+                      <a:rPr lang="pt-PT" sz="1400" dirty="0"/>
+                      <a:t>&gt;?</a:t>
+                    </a:r>
+                  </a:p>
+                  <a:p>
+                    <a:pPr algn="ctr"/>
+                    <a:r>
+                      <a:rPr lang="pt-PT" sz="1000" dirty="0" err="1"/>
+                      <a:t>swap</a:t>
+                    </a:r>
+                    <a:endParaRPr lang="pt-PT" sz="1000" dirty="0"/>
+                  </a:p>
+                </p:txBody>
+              </p:sp>
+            </p:grpSp>
+            <p:grpSp>
+              <p:nvGrpSpPr>
+                <p:cNvPr id="33" name="Agrupar 32">
+                  <a:extLst>
+                    <a:ext uri="{FF2B5EF4-FFF2-40B4-BE49-F238E27FC236}">
+                      <a16:creationId xmlns:a16="http://schemas.microsoft.com/office/drawing/2014/main" id="{4BABF256-CD2C-60E7-A9F3-97169B133867}"/>
+                    </a:ext>
+                  </a:extLst>
+                </p:cNvPr>
+                <p:cNvGrpSpPr/>
+                <p:nvPr/>
+              </p:nvGrpSpPr>
+              <p:grpSpPr>
+                <a:xfrm>
+                  <a:off x="2851884" y="3403384"/>
+                  <a:ext cx="503812" cy="563609"/>
+                  <a:chOff x="2135694" y="1127760"/>
+                  <a:chExt cx="503812" cy="563609"/>
+                </a:xfrm>
+              </p:grpSpPr>
+              <p:sp>
+                <p:nvSpPr>
+                  <p:cNvPr id="36" name="Seta: Curvada Para Cima 35">
+                    <a:extLst>
+                      <a:ext uri="{FF2B5EF4-FFF2-40B4-BE49-F238E27FC236}">
+                        <a16:creationId xmlns:a16="http://schemas.microsoft.com/office/drawing/2014/main" id="{5C1C4D9F-8EBE-38C1-7BAF-4BF3AB95503C}"/>
+                      </a:ext>
+                    </a:extLst>
+                  </p:cNvPr>
+                  <p:cNvSpPr/>
+                  <p:nvPr/>
+                </p:nvSpPr>
+                <p:spPr>
+                  <a:xfrm>
+                    <a:off x="2199640" y="1127760"/>
+                    <a:ext cx="375920" cy="157480"/>
+                  </a:xfrm>
+                  <a:prstGeom prst="curvedUpArrow">
+                    <a:avLst/>
+                  </a:prstGeom>
+                </p:spPr>
+                <p:style>
+                  <a:lnRef idx="2">
+                    <a:schemeClr val="accent1">
+                      <a:shade val="50000"/>
+                    </a:schemeClr>
+                  </a:lnRef>
+                  <a:fillRef idx="1">
+                    <a:schemeClr val="accent1"/>
+                  </a:fillRef>
+                  <a:effectRef idx="0">
+                    <a:schemeClr val="accent1"/>
+                  </a:effectRef>
+                  <a:fontRef idx="minor">
+                    <a:schemeClr val="lt1"/>
+                  </a:fontRef>
+                </p:style>
+                <p:txBody>
+                  <a:bodyPr rtlCol="0" anchor="ctr"/>
+                  <a:lstStyle/>
+                  <a:p>
+                    <a:pPr algn="ctr"/>
+                    <a:endParaRPr lang="pt-PT">
+                      <a:solidFill>
+                        <a:schemeClr val="tx1"/>
+                      </a:solidFill>
+                    </a:endParaRPr>
+                  </a:p>
+                </p:txBody>
+              </p:sp>
+              <p:sp>
+                <p:nvSpPr>
+                  <p:cNvPr id="37" name="CaixaDeTexto 36">
+                    <a:extLst>
+                      <a:ext uri="{FF2B5EF4-FFF2-40B4-BE49-F238E27FC236}">
+                        <a16:creationId xmlns:a16="http://schemas.microsoft.com/office/drawing/2014/main" id="{10D116E6-530D-3CA6-5C1C-F0E5888D365A}"/>
+                      </a:ext>
+                    </a:extLst>
+                  </p:cNvPr>
+                  <p:cNvSpPr txBox="1"/>
+                  <p:nvPr/>
+                </p:nvSpPr>
+                <p:spPr>
+                  <a:xfrm>
+                    <a:off x="2135694" y="1239519"/>
+                    <a:ext cx="503812" cy="451850"/>
+                  </a:xfrm>
+                  <a:prstGeom prst="rect">
+                    <a:avLst/>
+                  </a:prstGeom>
+                  <a:noFill/>
+                </p:spPr>
+                <p:txBody>
+                  <a:bodyPr wrap="square" lIns="36000" tIns="36000" rIns="36000" bIns="36000" rtlCol="0">
+                    <a:spAutoFit/>
+                  </a:bodyPr>
+                  <a:lstStyle/>
+                  <a:p>
+                    <a:pPr algn="ctr"/>
+                    <a:r>
+                      <a:rPr lang="pt-PT" sz="1400" dirty="0"/>
+                      <a:t>&gt;?</a:t>
+                    </a:r>
+                  </a:p>
+                  <a:p>
+                    <a:pPr algn="ctr"/>
+                    <a:r>
+                      <a:rPr lang="pt-PT" sz="1000" dirty="0" err="1"/>
+                      <a:t>swap</a:t>
+                    </a:r>
+                    <a:endParaRPr lang="pt-PT" sz="1000" dirty="0"/>
+                  </a:p>
+                </p:txBody>
+              </p:sp>
+            </p:grpSp>
+            <p:sp>
+              <p:nvSpPr>
+                <p:cNvPr id="34" name="CaixaDeTexto 33">
+                  <a:extLst>
+                    <a:ext uri="{FF2B5EF4-FFF2-40B4-BE49-F238E27FC236}">
+                      <a16:creationId xmlns:a16="http://schemas.microsoft.com/office/drawing/2014/main" id="{892040BE-1D0F-3C1B-6669-4AC7FB0BBC27}"/>
+                    </a:ext>
+                  </a:extLst>
+                </p:cNvPr>
+                <p:cNvSpPr txBox="1"/>
+                <p:nvPr/>
+              </p:nvSpPr>
+              <p:spPr>
+                <a:xfrm>
+                  <a:off x="3578387" y="3513260"/>
+                  <a:ext cx="503812" cy="442035"/>
+                </a:xfrm>
+                <a:prstGeom prst="rect">
+                  <a:avLst/>
+                </a:prstGeom>
+                <a:noFill/>
+              </p:spPr>
+              <p:txBody>
+                <a:bodyPr wrap="square" lIns="36000" tIns="36000" rIns="36000" bIns="36000" rtlCol="0">
+                  <a:spAutoFit/>
+                </a:bodyPr>
+                <a:lstStyle/>
+                <a:p>
+                  <a:pPr algn="ctr"/>
+                  <a:r>
+                    <a:rPr lang="pt-PT" sz="1400" dirty="0"/>
+                    <a:t>&gt;?</a:t>
+                  </a:r>
+                </a:p>
+                <a:p>
+                  <a:pPr algn="ctr"/>
+                  <a:r>
+                    <a:rPr lang="pt-PT" sz="1000" dirty="0" err="1"/>
+                    <a:t>swap</a:t>
+                  </a:r>
+                  <a:endParaRPr lang="pt-PT" sz="1000" dirty="0"/>
+                </a:p>
+              </p:txBody>
+            </p:sp>
+            <p:sp>
+              <p:nvSpPr>
+                <p:cNvPr id="35" name="CaixaDeTexto 34">
+                  <a:extLst>
+                    <a:ext uri="{FF2B5EF4-FFF2-40B4-BE49-F238E27FC236}">
+                      <a16:creationId xmlns:a16="http://schemas.microsoft.com/office/drawing/2014/main" id="{273A4A36-C149-AFC9-6B41-1FDAD358DE16}"/>
+                    </a:ext>
+                  </a:extLst>
+                </p:cNvPr>
+                <p:cNvSpPr txBox="1"/>
+                <p:nvPr/>
+              </p:nvSpPr>
+              <p:spPr>
+                <a:xfrm>
+                  <a:off x="4284263" y="3517923"/>
+                  <a:ext cx="503812" cy="442035"/>
+                </a:xfrm>
+                <a:prstGeom prst="rect">
+                  <a:avLst/>
+                </a:prstGeom>
+                <a:noFill/>
+              </p:spPr>
+              <p:txBody>
+                <a:bodyPr wrap="square" lIns="36000" tIns="36000" rIns="36000" bIns="36000" rtlCol="0">
+                  <a:spAutoFit/>
+                </a:bodyPr>
+                <a:lstStyle/>
+                <a:p>
+                  <a:pPr algn="ctr"/>
+                  <a:r>
+                    <a:rPr lang="pt-PT" sz="1400" dirty="0"/>
+                    <a:t>&gt;?</a:t>
+                  </a:r>
+                </a:p>
+                <a:p>
+                  <a:pPr algn="ctr"/>
+                  <a:r>
+                    <a:rPr lang="pt-PT" sz="1000" dirty="0" err="1"/>
+                    <a:t>swap</a:t>
+                  </a:r>
+                  <a:endParaRPr lang="pt-PT" sz="1000" dirty="0"/>
+                </a:p>
+              </p:txBody>
+            </p:sp>
+          </p:grpSp>
+          <p:sp>
+            <p:nvSpPr>
+              <p:cNvPr id="30" name="Seta: Curvada para Baixo 29">
+                <a:extLst>
+                  <a:ext uri="{FF2B5EF4-FFF2-40B4-BE49-F238E27FC236}">
+                    <a16:creationId xmlns:a16="http://schemas.microsoft.com/office/drawing/2014/main" id="{00C30084-AFB0-425D-5CFC-2D1A6F553469}"/>
+                  </a:ext>
+                </a:extLst>
+              </p:cNvPr>
+              <p:cNvSpPr/>
+              <p:nvPr/>
+            </p:nvSpPr>
+            <p:spPr>
+              <a:xfrm rot="10800000">
+                <a:off x="4338566" y="3403383"/>
+                <a:ext cx="395208" cy="157478"/>
+              </a:xfrm>
+              <a:prstGeom prst="curvedDownArrow">
+                <a:avLst/>
+              </a:prstGeom>
+            </p:spPr>
+            <p:style>
+              <a:lnRef idx="2">
+                <a:schemeClr val="accent1">
+                  <a:shade val="50000"/>
+                </a:schemeClr>
+              </a:lnRef>
+              <a:fillRef idx="1">
+                <a:schemeClr val="accent1"/>
+              </a:fillRef>
+              <a:effectRef idx="0">
+                <a:schemeClr val="accent1"/>
+              </a:effectRef>
+              <a:fontRef idx="minor">
+                <a:schemeClr val="lt1"/>
+              </a:fontRef>
+            </p:style>
+            <p:txBody>
+              <a:bodyPr rtlCol="0" anchor="ctr"/>
+              <a:lstStyle/>
+              <a:p>
+                <a:pPr algn="ctr"/>
+                <a:endParaRPr lang="pt-PT">
+                  <a:solidFill>
+                    <a:schemeClr val="tx1"/>
+                  </a:solidFill>
+                </a:endParaRPr>
+              </a:p>
+            </p:txBody>
+          </p:sp>
+          <p:sp>
+            <p:nvSpPr>
+              <p:cNvPr id="31" name="Seta: Curvada para Baixo 30">
+                <a:extLst>
+                  <a:ext uri="{FF2B5EF4-FFF2-40B4-BE49-F238E27FC236}">
+                    <a16:creationId xmlns:a16="http://schemas.microsoft.com/office/drawing/2014/main" id="{046FEF61-9AE3-273A-32F4-C83E2D21928C}"/>
+                  </a:ext>
+                </a:extLst>
+              </p:cNvPr>
+              <p:cNvSpPr/>
+              <p:nvPr/>
+            </p:nvSpPr>
+            <p:spPr>
+              <a:xfrm rot="10800000">
+                <a:off x="3622376" y="3403099"/>
+                <a:ext cx="395208" cy="157478"/>
+              </a:xfrm>
+              <a:prstGeom prst="curvedDownArrow">
+                <a:avLst/>
+              </a:prstGeom>
+            </p:spPr>
+            <p:style>
+              <a:lnRef idx="2">
+                <a:schemeClr val="accent1">
+                  <a:shade val="50000"/>
+                </a:schemeClr>
+              </a:lnRef>
+              <a:fillRef idx="1">
+                <a:schemeClr val="accent1"/>
+              </a:fillRef>
+              <a:effectRef idx="0">
+                <a:schemeClr val="accent1"/>
+              </a:effectRef>
+              <a:fontRef idx="minor">
+                <a:schemeClr val="lt1"/>
+              </a:fontRef>
+            </p:style>
+            <p:txBody>
+              <a:bodyPr rtlCol="0" anchor="ctr"/>
+              <a:lstStyle/>
+              <a:p>
+                <a:pPr algn="ctr"/>
+                <a:endParaRPr lang="pt-PT">
+                  <a:solidFill>
+                    <a:schemeClr val="tx1"/>
+                  </a:solidFill>
+                </a:endParaRPr>
+              </a:p>
+            </p:txBody>
+          </p:sp>
+        </p:grpSp>
+        <p:grpSp>
+          <p:nvGrpSpPr>
+            <p:cNvPr id="8" name="Agrupar 7">
+              <a:extLst>
+                <a:ext uri="{FF2B5EF4-FFF2-40B4-BE49-F238E27FC236}">
+                  <a16:creationId xmlns:a16="http://schemas.microsoft.com/office/drawing/2014/main" id="{73BAF07A-3AC8-F3D1-F6C2-5DAACA1F351F}"/>
+                </a:ext>
+              </a:extLst>
+            </p:cNvPr>
+            <p:cNvGrpSpPr/>
+            <p:nvPr/>
+          </p:nvGrpSpPr>
+          <p:grpSpPr>
+            <a:xfrm>
+              <a:off x="2128161" y="5818267"/>
+              <a:ext cx="2444882" cy="560516"/>
+              <a:chOff x="2132103" y="5725313"/>
+              <a:chExt cx="2655972" cy="560516"/>
+            </a:xfrm>
+          </p:grpSpPr>
+          <p:grpSp>
+            <p:nvGrpSpPr>
+              <p:cNvPr id="20" name="Agrupar 19">
+                <a:extLst>
+                  <a:ext uri="{FF2B5EF4-FFF2-40B4-BE49-F238E27FC236}">
+                    <a16:creationId xmlns:a16="http://schemas.microsoft.com/office/drawing/2014/main" id="{0482DCE3-3641-C822-94B9-F4E38D028103}"/>
+                  </a:ext>
+                </a:extLst>
+              </p:cNvPr>
+              <p:cNvGrpSpPr/>
+              <p:nvPr/>
+            </p:nvGrpSpPr>
+            <p:grpSpPr>
+              <a:xfrm>
+                <a:off x="2132103" y="5729254"/>
+                <a:ext cx="503812" cy="553794"/>
+                <a:chOff x="2135694" y="1127760"/>
+                <a:chExt cx="503812" cy="553794"/>
+              </a:xfrm>
+            </p:grpSpPr>
+            <p:sp>
+              <p:nvSpPr>
+                <p:cNvPr id="27" name="Seta: Curvada Para Cima 26">
+                  <a:extLst>
+                    <a:ext uri="{FF2B5EF4-FFF2-40B4-BE49-F238E27FC236}">
+                      <a16:creationId xmlns:a16="http://schemas.microsoft.com/office/drawing/2014/main" id="{0DD615A4-35C7-11F3-9623-0766BCC75411}"/>
+                    </a:ext>
+                  </a:extLst>
+                </p:cNvPr>
+                <p:cNvSpPr/>
+                <p:nvPr/>
+              </p:nvSpPr>
+              <p:spPr>
+                <a:xfrm>
+                  <a:off x="2199640" y="1127760"/>
+                  <a:ext cx="375920" cy="157480"/>
+                </a:xfrm>
+                <a:prstGeom prst="curvedUpArrow">
+                  <a:avLst/>
+                </a:prstGeom>
+              </p:spPr>
+              <p:style>
+                <a:lnRef idx="2">
+                  <a:schemeClr val="accent1">
+                    <a:shade val="50000"/>
+                  </a:schemeClr>
+                </a:lnRef>
+                <a:fillRef idx="1">
+                  <a:schemeClr val="accent1"/>
+                </a:fillRef>
+                <a:effectRef idx="0">
+                  <a:schemeClr val="accent1"/>
+                </a:effectRef>
+                <a:fontRef idx="minor">
+                  <a:schemeClr val="lt1"/>
+                </a:fontRef>
+              </p:style>
+              <p:txBody>
+                <a:bodyPr rtlCol="0" anchor="ctr"/>
+                <a:lstStyle/>
+                <a:p>
+                  <a:pPr algn="ctr"/>
+                  <a:endParaRPr lang="pt-PT">
+                    <a:solidFill>
+                      <a:schemeClr val="tx1"/>
+                    </a:solidFill>
+                  </a:endParaRPr>
+                </a:p>
+              </p:txBody>
+            </p:sp>
+            <p:sp>
+              <p:nvSpPr>
+                <p:cNvPr id="28" name="CaixaDeTexto 27">
+                  <a:extLst>
+                    <a:ext uri="{FF2B5EF4-FFF2-40B4-BE49-F238E27FC236}">
+                      <a16:creationId xmlns:a16="http://schemas.microsoft.com/office/drawing/2014/main" id="{50064863-B023-F6FC-B68C-17885272DD6A}"/>
+                    </a:ext>
+                  </a:extLst>
+                </p:cNvPr>
+                <p:cNvSpPr txBox="1"/>
+                <p:nvPr/>
+              </p:nvSpPr>
+              <p:spPr>
+                <a:xfrm>
+                  <a:off x="2135694" y="1239519"/>
+                  <a:ext cx="503812" cy="442035"/>
+                </a:xfrm>
+                <a:prstGeom prst="rect">
+                  <a:avLst/>
+                </a:prstGeom>
+                <a:noFill/>
+              </p:spPr>
+              <p:txBody>
+                <a:bodyPr wrap="square" lIns="36000" tIns="36000" rIns="36000" bIns="36000" rtlCol="0">
+                  <a:spAutoFit/>
+                </a:bodyPr>
+                <a:lstStyle/>
+                <a:p>
+                  <a:pPr algn="ctr"/>
+                  <a:r>
+                    <a:rPr lang="pt-PT" sz="1400" dirty="0"/>
+                    <a:t>&gt;?</a:t>
+                  </a:r>
+                </a:p>
+                <a:p>
+                  <a:pPr algn="ctr"/>
+                  <a:r>
+                    <a:rPr lang="pt-PT" sz="1000" dirty="0" err="1"/>
+                    <a:t>swap</a:t>
+                  </a:r>
+                  <a:endParaRPr lang="pt-PT" sz="1000" dirty="0"/>
+                </a:p>
+              </p:txBody>
+            </p:sp>
+          </p:grpSp>
+          <p:sp>
+            <p:nvSpPr>
+              <p:cNvPr id="21" name="Seta: Curvada Para Cima 20">
+                <a:extLst>
+                  <a:ext uri="{FF2B5EF4-FFF2-40B4-BE49-F238E27FC236}">
+                    <a16:creationId xmlns:a16="http://schemas.microsoft.com/office/drawing/2014/main" id="{D05E701E-26FB-8CDF-517F-DC83595E7FF9}"/>
+                  </a:ext>
+                </a:extLst>
+              </p:cNvPr>
+              <p:cNvSpPr/>
+              <p:nvPr/>
+            </p:nvSpPr>
+            <p:spPr>
+              <a:xfrm>
+                <a:off x="2915830" y="5729255"/>
+                <a:ext cx="375920" cy="157480"/>
+              </a:xfrm>
+              <a:prstGeom prst="curvedUpArrow">
+                <a:avLst/>
+              </a:prstGeom>
+            </p:spPr>
+            <p:style>
+              <a:lnRef idx="2">
+                <a:schemeClr val="accent1">
+                  <a:shade val="50000"/>
+                </a:schemeClr>
+              </a:lnRef>
+              <a:fillRef idx="1">
+                <a:schemeClr val="accent1"/>
+              </a:fillRef>
+              <a:effectRef idx="0">
+                <a:schemeClr val="accent1"/>
+              </a:effectRef>
+              <a:fontRef idx="minor">
+                <a:schemeClr val="lt1"/>
+              </a:fontRef>
+            </p:style>
+            <p:txBody>
+              <a:bodyPr rtlCol="0" anchor="ctr"/>
+              <a:lstStyle/>
+              <a:p>
+                <a:pPr algn="ctr"/>
+                <a:endParaRPr lang="pt-PT">
+                  <a:solidFill>
+                    <a:schemeClr val="tx1"/>
+                  </a:solidFill>
+                </a:endParaRPr>
+              </a:p>
+            </p:txBody>
+          </p:sp>
+          <p:sp>
+            <p:nvSpPr>
+              <p:cNvPr id="22" name="CaixaDeTexto 21">
+                <a:extLst>
+                  <a:ext uri="{FF2B5EF4-FFF2-40B4-BE49-F238E27FC236}">
+                    <a16:creationId xmlns:a16="http://schemas.microsoft.com/office/drawing/2014/main" id="{E9D6747F-5D4D-9D43-A389-1049F402BCA8}"/>
+                  </a:ext>
+                </a:extLst>
+              </p:cNvPr>
+              <p:cNvSpPr txBox="1"/>
+              <p:nvPr/>
+            </p:nvSpPr>
+            <p:spPr>
+              <a:xfrm>
+                <a:off x="2851884" y="5841014"/>
+                <a:ext cx="503812" cy="442035"/>
+              </a:xfrm>
+              <a:prstGeom prst="rect">
+                <a:avLst/>
+              </a:prstGeom>
+              <a:noFill/>
+            </p:spPr>
+            <p:txBody>
+              <a:bodyPr wrap="square" lIns="36000" tIns="36000" rIns="36000" bIns="36000" rtlCol="0">
+                <a:spAutoFit/>
+              </a:bodyPr>
+              <a:lstStyle/>
+              <a:p>
+                <a:pPr algn="ctr"/>
+                <a:r>
+                  <a:rPr lang="pt-PT" sz="1400" dirty="0"/>
+                  <a:t>&gt;?</a:t>
+                </a:r>
+              </a:p>
+              <a:p>
+                <a:pPr algn="ctr"/>
+                <a:r>
+                  <a:rPr lang="pt-PT" sz="1000" dirty="0" err="1"/>
+                  <a:t>swap</a:t>
+                </a:r>
+                <a:endParaRPr lang="pt-PT" sz="1000" dirty="0"/>
+              </a:p>
+            </p:txBody>
+          </p:sp>
+          <p:sp>
+            <p:nvSpPr>
+              <p:cNvPr id="23" name="CaixaDeTexto 22">
+                <a:extLst>
+                  <a:ext uri="{FF2B5EF4-FFF2-40B4-BE49-F238E27FC236}">
+                    <a16:creationId xmlns:a16="http://schemas.microsoft.com/office/drawing/2014/main" id="{F693DB25-6984-6B77-5320-947BA77B0621}"/>
+                  </a:ext>
+                </a:extLst>
+              </p:cNvPr>
+              <p:cNvSpPr txBox="1"/>
+              <p:nvPr/>
+            </p:nvSpPr>
+            <p:spPr>
+              <a:xfrm>
+                <a:off x="3578388" y="5839131"/>
+                <a:ext cx="503812" cy="442035"/>
+              </a:xfrm>
+              <a:prstGeom prst="rect">
+                <a:avLst/>
+              </a:prstGeom>
+              <a:noFill/>
+            </p:spPr>
+            <p:txBody>
+              <a:bodyPr wrap="square" lIns="36000" tIns="36000" rIns="36000" bIns="36000" rtlCol="0">
+                <a:spAutoFit/>
+              </a:bodyPr>
+              <a:lstStyle/>
+              <a:p>
+                <a:pPr algn="ctr"/>
+                <a:r>
+                  <a:rPr lang="pt-PT" sz="1400" dirty="0"/>
+                  <a:t>&gt;?</a:t>
+                </a:r>
+              </a:p>
+              <a:p>
+                <a:pPr algn="ctr"/>
+                <a:r>
+                  <a:rPr lang="pt-PT" sz="1000" dirty="0" err="1"/>
+                  <a:t>swap</a:t>
+                </a:r>
+                <a:endParaRPr lang="pt-PT" sz="1000" dirty="0"/>
+              </a:p>
+            </p:txBody>
+          </p:sp>
+          <p:sp>
+            <p:nvSpPr>
+              <p:cNvPr id="24" name="CaixaDeTexto 23">
+                <a:extLst>
+                  <a:ext uri="{FF2B5EF4-FFF2-40B4-BE49-F238E27FC236}">
+                    <a16:creationId xmlns:a16="http://schemas.microsoft.com/office/drawing/2014/main" id="{04F00200-E70B-0593-83FE-CB273B37849C}"/>
+                  </a:ext>
+                </a:extLst>
+              </p:cNvPr>
+              <p:cNvSpPr txBox="1"/>
+              <p:nvPr/>
+            </p:nvSpPr>
+            <p:spPr>
+              <a:xfrm>
+                <a:off x="4284263" y="5843794"/>
+                <a:ext cx="503812" cy="442035"/>
+              </a:xfrm>
+              <a:prstGeom prst="rect">
+                <a:avLst/>
+              </a:prstGeom>
+              <a:noFill/>
+            </p:spPr>
+            <p:txBody>
+              <a:bodyPr wrap="square" lIns="36000" tIns="36000" rIns="36000" bIns="36000" rtlCol="0">
+                <a:spAutoFit/>
+              </a:bodyPr>
+              <a:lstStyle/>
+              <a:p>
+                <a:pPr algn="ctr"/>
+                <a:r>
+                  <a:rPr lang="pt-PT" sz="1400" dirty="0"/>
+                  <a:t>&gt;?</a:t>
+                </a:r>
+              </a:p>
+              <a:p>
+                <a:pPr algn="ctr"/>
+                <a:r>
+                  <a:rPr lang="pt-PT" sz="1000" dirty="0" err="1"/>
+                  <a:t>swap</a:t>
+                </a:r>
+                <a:endParaRPr lang="pt-PT" sz="1000" dirty="0"/>
+              </a:p>
+            </p:txBody>
+          </p:sp>
+          <p:sp>
+            <p:nvSpPr>
+              <p:cNvPr id="25" name="Seta: Curvada Para Cima 24">
+                <a:extLst>
+                  <a:ext uri="{FF2B5EF4-FFF2-40B4-BE49-F238E27FC236}">
+                    <a16:creationId xmlns:a16="http://schemas.microsoft.com/office/drawing/2014/main" id="{01F1C394-A804-7938-E994-E5E5734E727D}"/>
+                  </a:ext>
+                </a:extLst>
+              </p:cNvPr>
+              <p:cNvSpPr/>
+              <p:nvPr/>
+            </p:nvSpPr>
+            <p:spPr>
+              <a:xfrm>
+                <a:off x="3637793" y="5726904"/>
+                <a:ext cx="375920" cy="157480"/>
+              </a:xfrm>
+              <a:prstGeom prst="curvedUpArrow">
+                <a:avLst/>
+              </a:prstGeom>
+            </p:spPr>
+            <p:style>
+              <a:lnRef idx="2">
+                <a:schemeClr val="accent1">
+                  <a:shade val="50000"/>
+                </a:schemeClr>
+              </a:lnRef>
+              <a:fillRef idx="1">
+                <a:schemeClr val="accent1"/>
+              </a:fillRef>
+              <a:effectRef idx="0">
+                <a:schemeClr val="accent1"/>
+              </a:effectRef>
+              <a:fontRef idx="minor">
+                <a:schemeClr val="lt1"/>
+              </a:fontRef>
+            </p:style>
+            <p:txBody>
+              <a:bodyPr rtlCol="0" anchor="ctr"/>
+              <a:lstStyle/>
+              <a:p>
+                <a:pPr algn="ctr"/>
+                <a:endParaRPr lang="pt-PT">
+                  <a:solidFill>
+                    <a:schemeClr val="tx1"/>
+                  </a:solidFill>
+                </a:endParaRPr>
+              </a:p>
+            </p:txBody>
+          </p:sp>
+          <p:sp>
+            <p:nvSpPr>
+              <p:cNvPr id="26" name="Seta: Curvada Para Cima 25">
+                <a:extLst>
+                  <a:ext uri="{FF2B5EF4-FFF2-40B4-BE49-F238E27FC236}">
+                    <a16:creationId xmlns:a16="http://schemas.microsoft.com/office/drawing/2014/main" id="{D835D55B-FA19-DD12-3A7E-1CE650D386BF}"/>
+                  </a:ext>
+                </a:extLst>
+              </p:cNvPr>
+              <p:cNvSpPr/>
+              <p:nvPr/>
+            </p:nvSpPr>
+            <p:spPr>
+              <a:xfrm>
+                <a:off x="4348105" y="5725313"/>
+                <a:ext cx="375920" cy="157480"/>
+              </a:xfrm>
+              <a:prstGeom prst="curvedUpArrow">
+                <a:avLst/>
+              </a:prstGeom>
+            </p:spPr>
+            <p:style>
+              <a:lnRef idx="2">
+                <a:schemeClr val="accent1">
+                  <a:shade val="50000"/>
+                </a:schemeClr>
+              </a:lnRef>
+              <a:fillRef idx="1">
+                <a:schemeClr val="accent1"/>
+              </a:fillRef>
+              <a:effectRef idx="0">
+                <a:schemeClr val="accent1"/>
+              </a:effectRef>
+              <a:fontRef idx="minor">
+                <a:schemeClr val="lt1"/>
+              </a:fontRef>
+            </p:style>
+            <p:txBody>
+              <a:bodyPr rtlCol="0" anchor="ctr"/>
+              <a:lstStyle/>
+              <a:p>
+                <a:pPr algn="ctr"/>
+                <a:endParaRPr lang="pt-PT">
+                  <a:solidFill>
+                    <a:schemeClr val="tx1"/>
+                  </a:solidFill>
+                </a:endParaRPr>
+              </a:p>
+            </p:txBody>
+          </p:sp>
+        </p:grpSp>
+        <p:grpSp>
+          <p:nvGrpSpPr>
+            <p:cNvPr id="9" name="Agrupar 8">
+              <a:extLst>
+                <a:ext uri="{FF2B5EF4-FFF2-40B4-BE49-F238E27FC236}">
+                  <a16:creationId xmlns:a16="http://schemas.microsoft.com/office/drawing/2014/main" id="{4BE3C16A-6D91-C2EF-4CAC-E4835A17DE11}"/>
+                </a:ext>
+              </a:extLst>
+            </p:cNvPr>
+            <p:cNvGrpSpPr/>
+            <p:nvPr/>
+          </p:nvGrpSpPr>
+          <p:grpSpPr>
+            <a:xfrm>
+              <a:off x="2183488" y="4799783"/>
+              <a:ext cx="2208302" cy="607706"/>
+              <a:chOff x="2183488" y="4799783"/>
+              <a:chExt cx="2208302" cy="607706"/>
+            </a:xfrm>
+          </p:grpSpPr>
+          <p:grpSp>
+            <p:nvGrpSpPr>
+              <p:cNvPr id="13" name="Agrupar 12">
+                <a:extLst>
+                  <a:ext uri="{FF2B5EF4-FFF2-40B4-BE49-F238E27FC236}">
+                    <a16:creationId xmlns:a16="http://schemas.microsoft.com/office/drawing/2014/main" id="{0BADAFDF-A769-9729-0FF2-52A2A50437F6}"/>
+                  </a:ext>
+                </a:extLst>
+              </p:cNvPr>
+              <p:cNvGrpSpPr/>
+              <p:nvPr/>
+            </p:nvGrpSpPr>
+            <p:grpSpPr>
+              <a:xfrm>
+                <a:off x="2183488" y="4799783"/>
+                <a:ext cx="1029490" cy="198120"/>
+                <a:chOff x="2199640" y="2326640"/>
+                <a:chExt cx="1093335" cy="198120"/>
+              </a:xfrm>
+            </p:grpSpPr>
+            <p:sp>
+              <p:nvSpPr>
+                <p:cNvPr id="18" name="Seta: Curvada Para Cima 17">
+                  <a:extLst>
+                    <a:ext uri="{FF2B5EF4-FFF2-40B4-BE49-F238E27FC236}">
+                      <a16:creationId xmlns:a16="http://schemas.microsoft.com/office/drawing/2014/main" id="{DD4EB399-F883-C7DE-CE12-67A5EE3BE88D}"/>
+                    </a:ext>
+                  </a:extLst>
+                </p:cNvPr>
+                <p:cNvSpPr/>
+                <p:nvPr/>
+              </p:nvSpPr>
+              <p:spPr>
+                <a:xfrm>
+                  <a:off x="2199640" y="2326640"/>
+                  <a:ext cx="728890" cy="198120"/>
+                </a:xfrm>
+                <a:prstGeom prst="curvedUpArrow">
+                  <a:avLst/>
+                </a:prstGeom>
+              </p:spPr>
+              <p:style>
+                <a:lnRef idx="2">
+                  <a:schemeClr val="accent1">
+                    <a:shade val="50000"/>
+                  </a:schemeClr>
+                </a:lnRef>
+                <a:fillRef idx="1">
+                  <a:schemeClr val="accent1"/>
+                </a:fillRef>
+                <a:effectRef idx="0">
+                  <a:schemeClr val="accent1"/>
+                </a:effectRef>
+                <a:fontRef idx="minor">
+                  <a:schemeClr val="lt1"/>
+                </a:fontRef>
+              </p:style>
+              <p:txBody>
+                <a:bodyPr rtlCol="0" anchor="ctr"/>
+                <a:lstStyle/>
+                <a:p>
+                  <a:pPr algn="ctr"/>
+                  <a:endParaRPr lang="pt-PT">
+                    <a:solidFill>
+                      <a:schemeClr val="tx1"/>
+                    </a:solidFill>
+                  </a:endParaRPr>
+                </a:p>
+              </p:txBody>
+            </p:sp>
+            <p:sp>
+              <p:nvSpPr>
+                <p:cNvPr id="19" name="Seta: Curvada Para Cima 18">
+                  <a:extLst>
+                    <a:ext uri="{FF2B5EF4-FFF2-40B4-BE49-F238E27FC236}">
+                      <a16:creationId xmlns:a16="http://schemas.microsoft.com/office/drawing/2014/main" id="{DAF89E6A-195D-ACC3-A50A-E09856C6E1C0}"/>
+                    </a:ext>
+                  </a:extLst>
+                </p:cNvPr>
+                <p:cNvSpPr/>
+                <p:nvPr/>
+              </p:nvSpPr>
+              <p:spPr>
+                <a:xfrm>
+                  <a:off x="2564085" y="2326640"/>
+                  <a:ext cx="728890" cy="198120"/>
+                </a:xfrm>
+                <a:prstGeom prst="curvedUpArrow">
+                  <a:avLst/>
+                </a:prstGeom>
+              </p:spPr>
+              <p:style>
+                <a:lnRef idx="2">
+                  <a:schemeClr val="accent1">
+                    <a:shade val="50000"/>
+                  </a:schemeClr>
+                </a:lnRef>
+                <a:fillRef idx="1">
+                  <a:schemeClr val="accent1"/>
+                </a:fillRef>
+                <a:effectRef idx="0">
+                  <a:schemeClr val="accent1"/>
+                </a:effectRef>
+                <a:fontRef idx="minor">
+                  <a:schemeClr val="lt1"/>
+                </a:fontRef>
+              </p:style>
+              <p:txBody>
+                <a:bodyPr rtlCol="0" anchor="ctr"/>
+                <a:lstStyle/>
+                <a:p>
+                  <a:pPr algn="ctr"/>
+                  <a:endParaRPr lang="pt-PT">
+                    <a:solidFill>
+                      <a:schemeClr val="tx1"/>
+                    </a:solidFill>
+                  </a:endParaRPr>
+                </a:p>
+              </p:txBody>
+            </p:sp>
+          </p:grpSp>
+          <p:sp>
+            <p:nvSpPr>
+              <p:cNvPr id="14" name="CaixaDeTexto 13">
+                <a:extLst>
+                  <a:ext uri="{FF2B5EF4-FFF2-40B4-BE49-F238E27FC236}">
+                    <a16:creationId xmlns:a16="http://schemas.microsoft.com/office/drawing/2014/main" id="{83FA3F79-1289-EBCC-B970-313D850779E6}"/>
+                  </a:ext>
+                </a:extLst>
+              </p:cNvPr>
+              <p:cNvSpPr txBox="1"/>
+              <p:nvPr/>
+            </p:nvSpPr>
+            <p:spPr>
+              <a:xfrm>
+                <a:off x="2259770" y="4962068"/>
+                <a:ext cx="456909" cy="442035"/>
+              </a:xfrm>
+              <a:prstGeom prst="rect">
+                <a:avLst/>
+              </a:prstGeom>
+              <a:noFill/>
+            </p:spPr>
+            <p:txBody>
+              <a:bodyPr wrap="square" lIns="36000" tIns="36000" rIns="36000" bIns="36000" rtlCol="0">
+                <a:spAutoFit/>
+              </a:bodyPr>
+              <a:lstStyle/>
+              <a:p>
+                <a:pPr algn="ctr"/>
+                <a:r>
+                  <a:rPr lang="pt-PT" sz="1400" dirty="0"/>
+                  <a:t>&gt;?</a:t>
+                </a:r>
+              </a:p>
+              <a:p>
+                <a:pPr algn="ctr"/>
+                <a:r>
+                  <a:rPr lang="pt-PT" sz="1000" dirty="0" err="1"/>
+                  <a:t>swap</a:t>
+                </a:r>
+                <a:endParaRPr lang="pt-PT" sz="1000" dirty="0"/>
+              </a:p>
+            </p:txBody>
+          </p:sp>
+          <p:sp>
+            <p:nvSpPr>
+              <p:cNvPr id="15" name="CaixaDeTexto 14">
+                <a:extLst>
+                  <a:ext uri="{FF2B5EF4-FFF2-40B4-BE49-F238E27FC236}">
+                    <a16:creationId xmlns:a16="http://schemas.microsoft.com/office/drawing/2014/main" id="{B6E83E81-F90A-225A-3A5D-90E6296851E9}"/>
+                  </a:ext>
+                </a:extLst>
+              </p:cNvPr>
+              <p:cNvSpPr txBox="1"/>
+              <p:nvPr/>
+            </p:nvSpPr>
+            <p:spPr>
+              <a:xfrm>
+                <a:off x="2665001" y="4962067"/>
+                <a:ext cx="456909" cy="442035"/>
+              </a:xfrm>
+              <a:prstGeom prst="rect">
+                <a:avLst/>
+              </a:prstGeom>
+              <a:noFill/>
+            </p:spPr>
+            <p:txBody>
+              <a:bodyPr wrap="square" lIns="36000" tIns="36000" rIns="36000" bIns="36000" rtlCol="0">
+                <a:spAutoFit/>
+              </a:bodyPr>
+              <a:lstStyle/>
+              <a:p>
+                <a:pPr algn="ctr"/>
+                <a:r>
+                  <a:rPr lang="pt-PT" sz="1400" dirty="0"/>
+                  <a:t>&gt;?</a:t>
+                </a:r>
+              </a:p>
+              <a:p>
+                <a:pPr algn="ctr"/>
+                <a:r>
+                  <a:rPr lang="pt-PT" sz="1000" dirty="0" err="1"/>
+                  <a:t>swap</a:t>
+                </a:r>
+                <a:endParaRPr lang="pt-PT" sz="1000" dirty="0"/>
+              </a:p>
+            </p:txBody>
+          </p:sp>
+          <p:sp>
+            <p:nvSpPr>
+              <p:cNvPr id="16" name="CaixaDeTexto 15">
+                <a:extLst>
+                  <a:ext uri="{FF2B5EF4-FFF2-40B4-BE49-F238E27FC236}">
+                    <a16:creationId xmlns:a16="http://schemas.microsoft.com/office/drawing/2014/main" id="{85436781-DF55-2521-87D7-891D997E1C99}"/>
+                  </a:ext>
+                </a:extLst>
+              </p:cNvPr>
+              <p:cNvSpPr txBox="1"/>
+              <p:nvPr/>
+            </p:nvSpPr>
+            <p:spPr>
+              <a:xfrm>
+                <a:off x="3560229" y="4963950"/>
+                <a:ext cx="456909" cy="442035"/>
+              </a:xfrm>
+              <a:prstGeom prst="rect">
+                <a:avLst/>
+              </a:prstGeom>
+              <a:noFill/>
+            </p:spPr>
+            <p:txBody>
+              <a:bodyPr wrap="square" lIns="36000" tIns="36000" rIns="36000" bIns="36000" rtlCol="0">
+                <a:spAutoFit/>
+              </a:bodyPr>
+              <a:lstStyle/>
+              <a:p>
+                <a:pPr algn="ctr"/>
+                <a:r>
+                  <a:rPr lang="pt-PT" sz="1400" dirty="0"/>
+                  <a:t>&gt;?</a:t>
+                </a:r>
+              </a:p>
+              <a:p>
+                <a:pPr algn="ctr"/>
+                <a:r>
+                  <a:rPr lang="pt-PT" sz="1000" dirty="0" err="1"/>
+                  <a:t>swap</a:t>
+                </a:r>
+                <a:endParaRPr lang="pt-PT" sz="1000" dirty="0"/>
+              </a:p>
+            </p:txBody>
+          </p:sp>
+          <p:sp>
+            <p:nvSpPr>
+              <p:cNvPr id="17" name="CaixaDeTexto 16">
+                <a:extLst>
+                  <a:ext uri="{FF2B5EF4-FFF2-40B4-BE49-F238E27FC236}">
+                    <a16:creationId xmlns:a16="http://schemas.microsoft.com/office/drawing/2014/main" id="{8534530F-64DC-64A7-3199-1C449E3183B9}"/>
+                  </a:ext>
+                </a:extLst>
+              </p:cNvPr>
+              <p:cNvSpPr txBox="1"/>
+              <p:nvPr/>
+            </p:nvSpPr>
+            <p:spPr>
+              <a:xfrm>
+                <a:off x="3934881" y="4965454"/>
+                <a:ext cx="456909" cy="442035"/>
+              </a:xfrm>
+              <a:prstGeom prst="rect">
+                <a:avLst/>
+              </a:prstGeom>
+              <a:noFill/>
+            </p:spPr>
+            <p:txBody>
+              <a:bodyPr wrap="square" lIns="36000" tIns="36000" rIns="36000" bIns="36000" rtlCol="0">
+                <a:spAutoFit/>
+              </a:bodyPr>
+              <a:lstStyle/>
+              <a:p>
+                <a:pPr algn="ctr"/>
+                <a:r>
+                  <a:rPr lang="pt-PT" sz="1400" dirty="0"/>
+                  <a:t>&gt;?</a:t>
+                </a:r>
+              </a:p>
+              <a:p>
+                <a:pPr algn="ctr"/>
+                <a:r>
+                  <a:rPr lang="pt-PT" sz="1000" dirty="0" err="1"/>
+                  <a:t>swap</a:t>
+                </a:r>
+                <a:endParaRPr lang="pt-PT" sz="1000" dirty="0"/>
+              </a:p>
+            </p:txBody>
+          </p:sp>
+        </p:grpSp>
+        <p:grpSp>
+          <p:nvGrpSpPr>
+            <p:cNvPr id="10" name="Agrupar 9">
+              <a:extLst>
+                <a:ext uri="{FF2B5EF4-FFF2-40B4-BE49-F238E27FC236}">
+                  <a16:creationId xmlns:a16="http://schemas.microsoft.com/office/drawing/2014/main" id="{63843F77-768A-A46A-2F39-E37181CDF8E1}"/>
+                </a:ext>
+              </a:extLst>
+            </p:cNvPr>
+            <p:cNvGrpSpPr/>
+            <p:nvPr/>
+          </p:nvGrpSpPr>
+          <p:grpSpPr>
+            <a:xfrm>
+              <a:off x="3479859" y="4799783"/>
+              <a:ext cx="1029490" cy="198120"/>
+              <a:chOff x="2199640" y="2326640"/>
+              <a:chExt cx="1093335" cy="198120"/>
+            </a:xfrm>
+          </p:grpSpPr>
+          <p:sp>
+            <p:nvSpPr>
+              <p:cNvPr id="11" name="Seta: Curvada Para Cima 10">
+                <a:extLst>
+                  <a:ext uri="{FF2B5EF4-FFF2-40B4-BE49-F238E27FC236}">
+                    <a16:creationId xmlns:a16="http://schemas.microsoft.com/office/drawing/2014/main" id="{5418C864-0E5D-5188-6186-B93618908BB4}"/>
+                  </a:ext>
+                </a:extLst>
+              </p:cNvPr>
+              <p:cNvSpPr/>
+              <p:nvPr/>
+            </p:nvSpPr>
+            <p:spPr>
+              <a:xfrm>
+                <a:off x="2199640" y="2326640"/>
+                <a:ext cx="728890" cy="198120"/>
+              </a:xfrm>
+              <a:prstGeom prst="curvedUpArrow">
+                <a:avLst/>
+              </a:prstGeom>
+            </p:spPr>
+            <p:style>
+              <a:lnRef idx="2">
+                <a:schemeClr val="accent1">
+                  <a:shade val="50000"/>
+                </a:schemeClr>
+              </a:lnRef>
+              <a:fillRef idx="1">
+                <a:schemeClr val="accent1"/>
+              </a:fillRef>
+              <a:effectRef idx="0">
+                <a:schemeClr val="accent1"/>
+              </a:effectRef>
+              <a:fontRef idx="minor">
+                <a:schemeClr val="lt1"/>
+              </a:fontRef>
+            </p:style>
+            <p:txBody>
+              <a:bodyPr rtlCol="0" anchor="ctr"/>
+              <a:lstStyle/>
+              <a:p>
+                <a:pPr algn="ctr"/>
+                <a:endParaRPr lang="pt-PT">
+                  <a:solidFill>
+                    <a:schemeClr val="tx1"/>
+                  </a:solidFill>
+                </a:endParaRPr>
+              </a:p>
+            </p:txBody>
+          </p:sp>
+          <p:sp>
+            <p:nvSpPr>
+              <p:cNvPr id="12" name="Seta: Curvada Para Cima 11">
+                <a:extLst>
+                  <a:ext uri="{FF2B5EF4-FFF2-40B4-BE49-F238E27FC236}">
+                    <a16:creationId xmlns:a16="http://schemas.microsoft.com/office/drawing/2014/main" id="{0777E781-8B97-F551-E739-C45E847C70F3}"/>
+                  </a:ext>
+                </a:extLst>
+              </p:cNvPr>
+              <p:cNvSpPr/>
+              <p:nvPr/>
+            </p:nvSpPr>
+            <p:spPr>
+              <a:xfrm>
+                <a:off x="2564085" y="2326640"/>
+                <a:ext cx="728890" cy="198120"/>
+              </a:xfrm>
+              <a:prstGeom prst="curvedUpArrow">
+                <a:avLst/>
+              </a:prstGeom>
+            </p:spPr>
+            <p:style>
+              <a:lnRef idx="2">
+                <a:schemeClr val="accent1">
+                  <a:shade val="50000"/>
+                </a:schemeClr>
+              </a:lnRef>
+              <a:fillRef idx="1">
+                <a:schemeClr val="accent1"/>
+              </a:fillRef>
+              <a:effectRef idx="0">
+                <a:schemeClr val="accent1"/>
+              </a:effectRef>
+              <a:fontRef idx="minor">
+                <a:schemeClr val="lt1"/>
+              </a:fontRef>
+            </p:style>
+            <p:txBody>
+              <a:bodyPr rtlCol="0" anchor="ctr"/>
+              <a:lstStyle/>
+              <a:p>
+                <a:pPr algn="ctr"/>
+                <a:endParaRPr lang="pt-PT">
+                  <a:solidFill>
+                    <a:schemeClr val="tx1"/>
+                  </a:solidFill>
+                </a:endParaRPr>
+              </a:p>
+            </p:txBody>
+          </p:sp>
+        </p:grpSp>
       </p:grpSp>
     </p:spTree>
   </p:cSld>

--- a/Assignment2/Apresentação1.pptx
+++ b/Assignment2/Apresentação1.pptx
@@ -6,7 +6,7 @@
     <p:sldMasterId id="2147483661" r:id="rId2"/>
   </p:sldMasterIdLst>
   <p:notesMasterIdLst>
-    <p:notesMasterId r:id="rId10"/>
+    <p:notesMasterId r:id="rId11"/>
   </p:notesMasterIdLst>
   <p:sldIdLst>
     <p:sldId id="256" r:id="rId3"/>
@@ -15,7 +15,8 @@
     <p:sldId id="259" r:id="rId6"/>
     <p:sldId id="260" r:id="rId7"/>
     <p:sldId id="261" r:id="rId8"/>
-    <p:sldId id="262" r:id="rId9"/>
+    <p:sldId id="263" r:id="rId9"/>
+    <p:sldId id="262" r:id="rId10"/>
   </p:sldIdLst>
   <p:sldSz cx="12192000" cy="6858000"/>
   <p:notesSz cx="7559675" cy="10691813"/>
@@ -204,7 +205,7 @@
           <a:p>
             <a:fld id="{1EDEE178-F580-46EF-96D2-7E8DC6E16773}" type="datetimeFigureOut">
               <a:rPr lang="pt-PT" smtClean="0"/>
-              <a:t>30/12/2022</a:t>
+              <a:t>31/12/2022</a:t>
             </a:fld>
             <a:endParaRPr lang="pt-PT"/>
           </a:p>
@@ -7707,13 +7708,13 @@
           <p:nvPr>
             <p:extLst>
               <p:ext uri="{D42A27DB-BD31-4B8C-83A1-F6EECF244321}">
-                <p14:modId xmlns:p14="http://schemas.microsoft.com/office/powerpoint/2010/main" val="3420780939"/>
+                <p14:modId xmlns:p14="http://schemas.microsoft.com/office/powerpoint/2010/main" val="3862398909"/>
               </p:ext>
             </p:extLst>
           </p:nvPr>
         </p:nvGraphicFramePr>
         <p:xfrm>
-          <a:off x="7011233" y="761640"/>
+          <a:off x="6885000" y="844800"/>
           <a:ext cx="5164082" cy="5334720"/>
         </p:xfrm>
         <a:graphic>
@@ -12523,54 +12524,8 @@
         </p:blipFill>
         <p:spPr>
           <a:xfrm>
-            <a:off x="5218200" y="3778200"/>
+            <a:off x="7875603" y="637610"/>
             <a:ext cx="4177800" cy="2651040"/>
-          </a:xfrm>
-          <a:prstGeom prst="rect">
-            <a:avLst/>
-          </a:prstGeom>
-          <a:ln w="0">
-            <a:noFill/>
-          </a:ln>
-        </p:spPr>
-      </p:pic>
-      <p:pic>
-        <p:nvPicPr>
-          <p:cNvPr id="114" name="Imagem 113"/>
-          <p:cNvPicPr/>
-          <p:nvPr/>
-        </p:nvPicPr>
-        <p:blipFill>
-          <a:blip r:embed="rId3"/>
-          <a:stretch/>
-        </p:blipFill>
-        <p:spPr>
-          <a:xfrm>
-            <a:off x="9118080" y="4138200"/>
-            <a:ext cx="2998800" cy="2031840"/>
-          </a:xfrm>
-          <a:prstGeom prst="rect">
-            <a:avLst/>
-          </a:prstGeom>
-          <a:ln w="0">
-            <a:noFill/>
-          </a:ln>
-        </p:spPr>
-      </p:pic>
-      <p:pic>
-        <p:nvPicPr>
-          <p:cNvPr id="115" name="Imagem 114"/>
-          <p:cNvPicPr/>
-          <p:nvPr/>
-        </p:nvPicPr>
-        <p:blipFill>
-          <a:blip r:embed="rId4"/>
-          <a:stretch/>
-        </p:blipFill>
-        <p:spPr>
-          <a:xfrm>
-            <a:off x="9118080" y="1978200"/>
-            <a:ext cx="2878920" cy="2159640"/>
           </a:xfrm>
           <a:prstGeom prst="rect">
             <a:avLst/>
@@ -12587,7 +12542,7 @@
           <p:nvPr/>
         </p:nvPicPr>
         <p:blipFill>
-          <a:blip r:embed="rId5"/>
+          <a:blip r:embed="rId3"/>
           <a:stretch/>
         </p:blipFill>
         <p:spPr>
@@ -12732,13 +12687,13 @@
           <p:nvPr/>
         </p:nvPicPr>
         <p:blipFill>
-          <a:blip r:embed="rId6"/>
+          <a:blip r:embed="rId4"/>
           <a:stretch/>
         </p:blipFill>
         <p:spPr>
           <a:xfrm>
-            <a:off x="538560" y="629640"/>
-            <a:ext cx="7670880" cy="2604600"/>
+            <a:off x="431703" y="652462"/>
+            <a:ext cx="7334757" cy="2581778"/>
           </a:xfrm>
           <a:prstGeom prst="rect">
             <a:avLst/>
@@ -12748,6 +12703,248 @@
           </a:ln>
         </p:spPr>
       </p:pic>
+      <mc:AlternateContent xmlns:mc="http://schemas.openxmlformats.org/markup-compatibility/2006">
+        <mc:Choice xmlns:a14="http://schemas.microsoft.com/office/drawing/2010/main" Requires="a14">
+          <p:sp>
+            <p:nvSpPr>
+              <p:cNvPr id="5" name="CaixaDeTexto 4">
+                <a:extLst>
+                  <a:ext uri="{FF2B5EF4-FFF2-40B4-BE49-F238E27FC236}">
+                    <a16:creationId xmlns:a16="http://schemas.microsoft.com/office/drawing/2014/main" id="{664D9A59-86AB-A5FE-4BE9-7D8113989A87}"/>
+                  </a:ext>
+                </a:extLst>
+              </p:cNvPr>
+              <p:cNvSpPr txBox="1"/>
+              <p:nvPr/>
+            </p:nvSpPr>
+            <p:spPr>
+              <a:xfrm>
+                <a:off x="5960428" y="3343060"/>
+                <a:ext cx="6097772" cy="710516"/>
+              </a:xfrm>
+              <a:prstGeom prst="rect">
+                <a:avLst/>
+              </a:prstGeom>
+              <a:noFill/>
+            </p:spPr>
+            <p:txBody>
+              <a:bodyPr wrap="square">
+                <a:spAutoFit/>
+              </a:bodyPr>
+              <a:lstStyle/>
+              <a:p>
+                <a:r>
+                  <a:rPr lang="en-US" sz="1400" dirty="0">
+                    <a:effectLst/>
+                    <a:latin typeface="Arial" panose="020B0604020202020204" pitchFamily="34" charset="0"/>
+                    <a:cs typeface="Arial" panose="020B0604020202020204" pitchFamily="34" charset="0"/>
+                  </a:rPr>
+                  <a:t>The average relative speedup execution time for the CPU and the best GPU configuration is </a:t>
+                </a:r>
+                <a14:m>
+                  <m:oMath xmlns:m="http://schemas.openxmlformats.org/officeDocument/2006/math">
+                    <m:r>
+                      <a:rPr lang="pt-PT" sz="1600" b="0" i="1" smtClean="0">
+                        <a:effectLst/>
+                        <a:latin typeface="Cambria Math" panose="02040503050406030204" pitchFamily="18" charset="0"/>
+                        <a:cs typeface="Arial" panose="020B0604020202020204" pitchFamily="34" charset="0"/>
+                      </a:rPr>
+                      <m:t>𝑆</m:t>
+                    </m:r>
+                    <m:r>
+                      <a:rPr lang="pt-PT" sz="1600" b="0" i="1" smtClean="0">
+                        <a:effectLst/>
+                        <a:latin typeface="Cambria Math" panose="02040503050406030204" pitchFamily="18" charset="0"/>
+                        <a:cs typeface="Arial" panose="020B0604020202020204" pitchFamily="34" charset="0"/>
+                      </a:rPr>
+                      <m:t>=</m:t>
+                    </m:r>
+                    <m:f>
+                      <m:fPr>
+                        <m:ctrlPr>
+                          <a:rPr lang="pt-PT" sz="1600" b="0" i="1" smtClean="0">
+                            <a:effectLst/>
+                            <a:latin typeface="Cambria Math" panose="02040503050406030204" pitchFamily="18" charset="0"/>
+                            <a:cs typeface="Arial" panose="020B0604020202020204" pitchFamily="34" charset="0"/>
+                          </a:rPr>
+                        </m:ctrlPr>
+                      </m:fPr>
+                      <m:num>
+                        <m:sSup>
+                          <m:sSupPr>
+                            <m:ctrlPr>
+                              <a:rPr lang="pt-PT" sz="1600" b="0" i="1" smtClean="0">
+                                <a:effectLst/>
+                                <a:latin typeface="Cambria Math" panose="02040503050406030204" pitchFamily="18" charset="0"/>
+                                <a:cs typeface="Arial" panose="020B0604020202020204" pitchFamily="34" charset="0"/>
+                              </a:rPr>
+                            </m:ctrlPr>
+                          </m:sSupPr>
+                          <m:e>
+                            <m:r>
+                              <a:rPr lang="pt-PT" sz="1600" b="0" i="1" smtClean="0">
+                                <a:effectLst/>
+                                <a:latin typeface="Cambria Math" panose="02040503050406030204" pitchFamily="18" charset="0"/>
+                                <a:cs typeface="Arial" panose="020B0604020202020204" pitchFamily="34" charset="0"/>
+                              </a:rPr>
+                              <m:t>8,91</m:t>
+                            </m:r>
+                            <m:r>
+                              <a:rPr lang="pt-PT" sz="1600" b="0" i="1" smtClean="0">
+                                <a:effectLst/>
+                                <a:latin typeface="Cambria Math" panose="02040503050406030204" pitchFamily="18" charset="0"/>
+                                <a:cs typeface="Arial" panose="020B0604020202020204" pitchFamily="34" charset="0"/>
+                              </a:rPr>
+                              <m:t>𝑥</m:t>
+                            </m:r>
+                            <m:r>
+                              <a:rPr lang="pt-PT" sz="1600" b="0" i="1" smtClean="0">
+                                <a:effectLst/>
+                                <a:latin typeface="Cambria Math" panose="02040503050406030204" pitchFamily="18" charset="0"/>
+                                <a:cs typeface="Arial" panose="020B0604020202020204" pitchFamily="34" charset="0"/>
+                              </a:rPr>
+                              <m:t>10</m:t>
+                            </m:r>
+                          </m:e>
+                          <m:sup>
+                            <m:r>
+                              <a:rPr lang="pt-PT" sz="1600" b="0" i="1" smtClean="0">
+                                <a:effectLst/>
+                                <a:latin typeface="Cambria Math" panose="02040503050406030204" pitchFamily="18" charset="0"/>
+                                <a:cs typeface="Arial" panose="020B0604020202020204" pitchFamily="34" charset="0"/>
+                              </a:rPr>
+                              <m:t>0</m:t>
+                            </m:r>
+                          </m:sup>
+                        </m:sSup>
+                      </m:num>
+                      <m:den>
+                        <m:sSup>
+                          <m:sSupPr>
+                            <m:ctrlPr>
+                              <a:rPr lang="pt-PT" sz="1600" b="0" i="1" smtClean="0">
+                                <a:effectLst/>
+                                <a:latin typeface="Cambria Math" panose="02040503050406030204" pitchFamily="18" charset="0"/>
+                                <a:cs typeface="Arial" panose="020B0604020202020204" pitchFamily="34" charset="0"/>
+                              </a:rPr>
+                            </m:ctrlPr>
+                          </m:sSupPr>
+                          <m:e>
+                            <m:r>
+                              <a:rPr lang="pt-PT" sz="1600" b="0" i="1" smtClean="0">
+                                <a:effectLst/>
+                                <a:latin typeface="Cambria Math" panose="02040503050406030204" pitchFamily="18" charset="0"/>
+                                <a:cs typeface="Arial" panose="020B0604020202020204" pitchFamily="34" charset="0"/>
+                              </a:rPr>
+                              <m:t>1,43</m:t>
+                            </m:r>
+                            <m:r>
+                              <a:rPr lang="pt-PT" sz="1600" b="0" i="1" smtClean="0">
+                                <a:effectLst/>
+                                <a:latin typeface="Cambria Math" panose="02040503050406030204" pitchFamily="18" charset="0"/>
+                                <a:cs typeface="Arial" panose="020B0604020202020204" pitchFamily="34" charset="0"/>
+                              </a:rPr>
+                              <m:t>𝑥</m:t>
+                            </m:r>
+                            <m:r>
+                              <a:rPr lang="pt-PT" sz="1600" b="0" i="1" smtClean="0">
+                                <a:effectLst/>
+                                <a:latin typeface="Cambria Math" panose="02040503050406030204" pitchFamily="18" charset="0"/>
+                                <a:cs typeface="Arial" panose="020B0604020202020204" pitchFamily="34" charset="0"/>
+                              </a:rPr>
+                              <m:t>10</m:t>
+                            </m:r>
+                          </m:e>
+                          <m:sup>
+                            <m:r>
+                              <a:rPr lang="pt-PT" sz="1600" b="0" i="1" smtClean="0">
+                                <a:effectLst/>
+                                <a:latin typeface="Cambria Math" panose="02040503050406030204" pitchFamily="18" charset="0"/>
+                                <a:cs typeface="Arial" panose="020B0604020202020204" pitchFamily="34" charset="0"/>
+                              </a:rPr>
+                              <m:t>−1</m:t>
+                            </m:r>
+                          </m:sup>
+                        </m:sSup>
+                      </m:den>
+                    </m:f>
+                  </m:oMath>
+                </a14:m>
+                <a:r>
+                  <a:rPr lang="pt-PT" sz="1600" dirty="0">
+                    <a:latin typeface="Arial" panose="020B0604020202020204" pitchFamily="34" charset="0"/>
+                    <a:cs typeface="Arial" panose="020B0604020202020204" pitchFamily="34" charset="0"/>
+                  </a:rPr>
+                  <a:t> </a:t>
+                </a:r>
+                <a:r>
+                  <a:rPr lang="pt-PT" sz="1400" dirty="0">
+                    <a:latin typeface="Arial" panose="020B0604020202020204" pitchFamily="34" charset="0"/>
+                    <a:cs typeface="Arial" panose="020B0604020202020204" pitchFamily="34" charset="0"/>
+                  </a:rPr>
+                  <a:t>= 62,30 </a:t>
+                </a:r>
+                <a:r>
+                  <a:rPr lang="pt-PT" sz="1400" dirty="0">
+                    <a:latin typeface="Arial" panose="020B0604020202020204" pitchFamily="34" charset="0"/>
+                    <a:cs typeface="Arial" panose="020B0604020202020204" pitchFamily="34" charset="0"/>
+                    <a:sym typeface="Wingdings" panose="05000000000000000000" pitchFamily="2" charset="2"/>
+                  </a:rPr>
+                  <a:t> 6.230%</a:t>
+                </a:r>
+                <a:endParaRPr lang="pt-PT" sz="1400" dirty="0">
+                  <a:latin typeface="Arial" panose="020B0604020202020204" pitchFamily="34" charset="0"/>
+                  <a:cs typeface="Arial" panose="020B0604020202020204" pitchFamily="34" charset="0"/>
+                </a:endParaRPr>
+              </a:p>
+            </p:txBody>
+          </p:sp>
+        </mc:Choice>
+        <mc:Fallback>
+          <p:sp>
+            <p:nvSpPr>
+              <p:cNvPr id="5" name="CaixaDeTexto 4">
+                <a:extLst>
+                  <a:ext uri="{FF2B5EF4-FFF2-40B4-BE49-F238E27FC236}">
+                    <a16:creationId xmlns:a16="http://schemas.microsoft.com/office/drawing/2014/main" id="{664D9A59-86AB-A5FE-4BE9-7D8113989A87}"/>
+                  </a:ext>
+                </a:extLst>
+              </p:cNvPr>
+              <p:cNvSpPr txBox="1">
+                <a:spLocks noRot="1" noChangeAspect="1" noMove="1" noResize="1" noEditPoints="1" noAdjustHandles="1" noChangeArrowheads="1" noChangeShapeType="1" noTextEdit="1"/>
+              </p:cNvSpPr>
+              <p:nvPr/>
+            </p:nvSpPr>
+            <p:spPr>
+              <a:xfrm>
+                <a:off x="5960428" y="3343060"/>
+                <a:ext cx="6097772" cy="710516"/>
+              </a:xfrm>
+              <a:prstGeom prst="rect">
+                <a:avLst/>
+              </a:prstGeom>
+              <a:blipFill>
+                <a:blip r:embed="rId5"/>
+                <a:stretch>
+                  <a:fillRect l="-300" t="-855"/>
+                </a:stretch>
+              </a:blipFill>
+            </p:spPr>
+            <p:txBody>
+              <a:bodyPr/>
+              <a:lstStyle/>
+              <a:p>
+                <a:r>
+                  <a:rPr lang="pt-PT">
+                    <a:noFill/>
+                  </a:rPr>
+                  <a:t> </a:t>
+                </a:r>
+              </a:p>
+            </p:txBody>
+          </p:sp>
+        </mc:Fallback>
+      </mc:AlternateContent>
     </p:spTree>
   </p:cSld>
   <p:clrMapOvr>
@@ -12773,1225 +12970,6 @@
           <a:chExt cx="0" cy="0"/>
         </a:xfrm>
       </p:grpSpPr>
-      <p:sp>
-        <p:nvSpPr>
-          <p:cNvPr id="122" name="Retângulo 4"/>
-          <p:cNvSpPr/>
-          <p:nvPr/>
-        </p:nvSpPr>
-        <p:spPr>
-          <a:xfrm>
-            <a:off x="6627578" y="247362"/>
-            <a:ext cx="5335822" cy="5677024"/>
-          </a:xfrm>
-          <a:prstGeom prst="rect">
-            <a:avLst/>
-          </a:prstGeom>
-          <a:noFill/>
-          <a:ln w="0">
-            <a:noFill/>
-          </a:ln>
-        </p:spPr>
-        <p:style>
-          <a:lnRef idx="0">
-            <a:scrgbClr r="0" g="0" b="0"/>
-          </a:lnRef>
-          <a:fillRef idx="0">
-            <a:scrgbClr r="0" g="0" b="0"/>
-          </a:fillRef>
-          <a:effectRef idx="0">
-            <a:scrgbClr r="0" g="0" b="0"/>
-          </a:effectRef>
-          <a:fontRef idx="minor"/>
-        </p:style>
-        <p:txBody>
-          <a:bodyPr wrap="square" lIns="90000" tIns="45000" rIns="90000" bIns="45000" anchor="t">
-            <a:spAutoFit/>
-          </a:bodyPr>
-          <a:lstStyle/>
-          <a:p>
-            <a:r>
-              <a:rPr lang="pt-PT" sz="1100" dirty="0">
-                <a:latin typeface="Times New Roman" panose="02020603050405020304" pitchFamily="18" charset="0"/>
-                <a:cs typeface="Times New Roman" panose="02020603050405020304" pitchFamily="18" charset="0"/>
-              </a:rPr>
-              <a:t>for (</a:t>
-            </a:r>
-            <a:r>
-              <a:rPr lang="pt-PT" sz="1100" dirty="0" err="1">
-                <a:latin typeface="Times New Roman" panose="02020603050405020304" pitchFamily="18" charset="0"/>
-                <a:cs typeface="Times New Roman" panose="02020603050405020304" pitchFamily="18" charset="0"/>
-              </a:rPr>
-              <a:t>unsigned</a:t>
-            </a:r>
-            <a:r>
-              <a:rPr lang="pt-PT" sz="1100" dirty="0">
-                <a:latin typeface="Times New Roman" panose="02020603050405020304" pitchFamily="18" charset="0"/>
-                <a:cs typeface="Times New Roman" panose="02020603050405020304" pitchFamily="18" charset="0"/>
-              </a:rPr>
-              <a:t> </a:t>
-            </a:r>
-            <a:r>
-              <a:rPr lang="pt-PT" sz="1100" dirty="0" err="1">
-                <a:latin typeface="Times New Roman" panose="02020603050405020304" pitchFamily="18" charset="0"/>
-                <a:cs typeface="Times New Roman" panose="02020603050405020304" pitchFamily="18" charset="0"/>
-              </a:rPr>
-              <a:t>int</a:t>
-            </a:r>
-            <a:r>
-              <a:rPr lang="pt-PT" sz="1100" dirty="0">
-                <a:latin typeface="Times New Roman" panose="02020603050405020304" pitchFamily="18" charset="0"/>
-                <a:cs typeface="Times New Roman" panose="02020603050405020304" pitchFamily="18" charset="0"/>
-              </a:rPr>
-              <a:t> i = 0; i &lt; </a:t>
-            </a:r>
-            <a:r>
-              <a:rPr lang="en-US" sz="1100" b="0" strike="noStrike" spc="-1" dirty="0" err="1">
-                <a:solidFill>
-                  <a:srgbClr val="000000"/>
-                </a:solidFill>
-                <a:latin typeface="Times New Roman"/>
-                <a:ea typeface="DejaVu Sans"/>
-              </a:rPr>
-              <a:t>arrSize</a:t>
-            </a:r>
-            <a:r>
-              <a:rPr lang="en-US" sz="1100" b="0" strike="noStrike" spc="-1" dirty="0">
-                <a:solidFill>
-                  <a:srgbClr val="000000"/>
-                </a:solidFill>
-                <a:latin typeface="Times New Roman"/>
-                <a:ea typeface="DejaVu Sans"/>
-              </a:rPr>
-              <a:t> </a:t>
-            </a:r>
-            <a:r>
-              <a:rPr lang="pt-PT" sz="1100" dirty="0">
-                <a:latin typeface="Times New Roman" panose="02020603050405020304" pitchFamily="18" charset="0"/>
-                <a:cs typeface="Times New Roman" panose="02020603050405020304" pitchFamily="18" charset="0"/>
-              </a:rPr>
-              <a:t>; i++) {</a:t>
-            </a:r>
-            <a:endParaRPr lang="en-US" sz="1100" b="0" strike="noStrike" spc="-1" dirty="0">
-              <a:solidFill>
-                <a:srgbClr val="000000"/>
-              </a:solidFill>
-              <a:latin typeface="Times New Roman"/>
-              <a:ea typeface="DejaVu Sans"/>
-            </a:endParaRPr>
-          </a:p>
-          <a:p>
-            <a:pPr>
-              <a:lnSpc>
-                <a:spcPct val="100000"/>
-              </a:lnSpc>
-            </a:pPr>
-            <a:endParaRPr lang="en-US" sz="1100" spc="-1" dirty="0">
-              <a:solidFill>
-                <a:srgbClr val="000000"/>
-              </a:solidFill>
-              <a:latin typeface="Times New Roman"/>
-              <a:ea typeface="DejaVu Sans"/>
-            </a:endParaRPr>
-          </a:p>
-          <a:p>
-            <a:pPr>
-              <a:lnSpc>
-                <a:spcPct val="100000"/>
-              </a:lnSpc>
-            </a:pPr>
-            <a:r>
-              <a:rPr lang="en-US" sz="1100" b="0" strike="noStrike" spc="-1" dirty="0">
-                <a:solidFill>
-                  <a:srgbClr val="000000"/>
-                </a:solidFill>
-                <a:latin typeface="Times New Roman"/>
-                <a:ea typeface="DejaVu Sans"/>
-              </a:rPr>
-              <a:t>unsigned int </a:t>
-            </a:r>
-            <a:r>
-              <a:rPr lang="en-US" sz="1100" b="0" strike="noStrike" spc="-1" dirty="0" err="1">
-                <a:solidFill>
-                  <a:srgbClr val="000000"/>
-                </a:solidFill>
-                <a:latin typeface="Times New Roman"/>
-                <a:ea typeface="DejaVu Sans"/>
-              </a:rPr>
-              <a:t>idx</a:t>
-            </a:r>
-            <a:r>
-              <a:rPr lang="en-US" sz="1100" b="0" strike="noStrike" spc="-1" dirty="0">
-                <a:solidFill>
-                  <a:srgbClr val="000000"/>
-                </a:solidFill>
-                <a:latin typeface="Times New Roman"/>
-                <a:ea typeface="DejaVu Sans"/>
-              </a:rPr>
-              <a:t>=</a:t>
-            </a:r>
-            <a:r>
-              <a:rPr lang="en-US" sz="1100" b="0" strike="noStrike" spc="-1" dirty="0" err="1">
-                <a:solidFill>
-                  <a:srgbClr val="000000"/>
-                </a:solidFill>
-                <a:latin typeface="Times New Roman"/>
-                <a:ea typeface="DejaVu Sans"/>
-              </a:rPr>
-              <a:t>treadIdx.x</a:t>
-            </a:r>
-            <a:r>
-              <a:rPr lang="en-US" sz="1100" b="0" strike="noStrike" spc="-1" dirty="0">
-                <a:solidFill>
-                  <a:srgbClr val="000000"/>
-                </a:solidFill>
-                <a:latin typeface="Times New Roman"/>
-                <a:ea typeface="DejaVu Sans"/>
-              </a:rPr>
-              <a:t>;</a:t>
-            </a:r>
-          </a:p>
-          <a:p>
-            <a:r>
-              <a:rPr lang="en-US" sz="1100" b="0" strike="noStrike" spc="-1" dirty="0">
-                <a:solidFill>
-                  <a:srgbClr val="000000"/>
-                </a:solidFill>
-                <a:latin typeface="Times New Roman"/>
-                <a:ea typeface="DejaVu Sans"/>
-              </a:rPr>
-              <a:t>unsigned int </a:t>
-            </a:r>
-            <a:r>
-              <a:rPr lang="en-US" sz="1100" b="0" strike="noStrike" spc="-1" dirty="0" err="1">
-                <a:solidFill>
-                  <a:srgbClr val="000000"/>
-                </a:solidFill>
-                <a:latin typeface="Times New Roman"/>
-                <a:ea typeface="DejaVu Sans"/>
-              </a:rPr>
-              <a:t>arrSize</a:t>
-            </a:r>
-            <a:r>
-              <a:rPr lang="en-US" sz="1100" b="0" strike="noStrike" spc="-1" dirty="0">
-                <a:solidFill>
-                  <a:srgbClr val="000000"/>
-                </a:solidFill>
-                <a:latin typeface="Times New Roman"/>
-                <a:ea typeface="DejaVu Sans"/>
-              </a:rPr>
-              <a:t> =</a:t>
-            </a:r>
-            <a:r>
-              <a:rPr lang="en-US" sz="1100" dirty="0">
-                <a:latin typeface="Times New Roman" panose="02020603050405020304" pitchFamily="18" charset="0"/>
-                <a:cs typeface="Times New Roman" panose="02020603050405020304" pitchFamily="18" charset="0"/>
-              </a:rPr>
-              <a:t> (</a:t>
-            </a:r>
-            <a:r>
-              <a:rPr lang="en-US" sz="1100" dirty="0" err="1">
-                <a:latin typeface="Times New Roman" panose="02020603050405020304" pitchFamily="18" charset="0"/>
-                <a:cs typeface="Times New Roman" panose="02020603050405020304" pitchFamily="18" charset="0"/>
-              </a:rPr>
-              <a:t>size_t</a:t>
-            </a:r>
-            <a:r>
-              <a:rPr lang="en-US" sz="1100" dirty="0">
-                <a:latin typeface="Times New Roman" panose="02020603050405020304" pitchFamily="18" charset="0"/>
-                <a:cs typeface="Times New Roman" panose="02020603050405020304" pitchFamily="18" charset="0"/>
-              </a:rPr>
-              <a:t>) N_ARRAYS * (</a:t>
-            </a:r>
-            <a:r>
-              <a:rPr lang="en-US" sz="1100" dirty="0" err="1">
-                <a:latin typeface="Times New Roman" panose="02020603050405020304" pitchFamily="18" charset="0"/>
-                <a:cs typeface="Times New Roman" panose="02020603050405020304" pitchFamily="18" charset="0"/>
-              </a:rPr>
-              <a:t>size_t</a:t>
-            </a:r>
-            <a:r>
-              <a:rPr lang="en-US" sz="1100" dirty="0">
-                <a:latin typeface="Times New Roman" panose="02020603050405020304" pitchFamily="18" charset="0"/>
-                <a:cs typeface="Times New Roman" panose="02020603050405020304" pitchFamily="18" charset="0"/>
-              </a:rPr>
-              <a:t>) ARRAY_LENGTH</a:t>
-            </a:r>
-            <a:r>
-              <a:rPr lang="en-US" sz="1100" b="0" strike="noStrike" spc="-1" dirty="0">
-                <a:solidFill>
-                  <a:srgbClr val="000000"/>
-                </a:solidFill>
-                <a:latin typeface="Times New Roman"/>
-                <a:ea typeface="DejaVu Sans"/>
-              </a:rPr>
-              <a:t>;</a:t>
-            </a:r>
-            <a:endParaRPr lang="en-GB" sz="1100" b="0" strike="noStrike" spc="-1" dirty="0">
-              <a:latin typeface="Arial"/>
-            </a:endParaRPr>
-          </a:p>
-          <a:p>
-            <a:pPr>
-              <a:lnSpc>
-                <a:spcPct val="100000"/>
-              </a:lnSpc>
-            </a:pPr>
-            <a:r>
-              <a:rPr lang="en-US" sz="1100" b="0" strike="noStrike" spc="-1" dirty="0">
-                <a:solidFill>
-                  <a:srgbClr val="000000"/>
-                </a:solidFill>
-                <a:latin typeface="Times New Roman"/>
-                <a:ea typeface="DejaVu Sans"/>
-              </a:rPr>
-              <a:t>unsigned int j, </a:t>
-            </a:r>
-            <a:r>
-              <a:rPr lang="en-US" sz="1100" b="0" strike="noStrike" spc="-1" dirty="0" err="1">
-                <a:solidFill>
-                  <a:srgbClr val="000000"/>
-                </a:solidFill>
-                <a:latin typeface="Times New Roman"/>
-                <a:ea typeface="DejaVu Sans"/>
-              </a:rPr>
-              <a:t>tmp</a:t>
-            </a:r>
-            <a:r>
-              <a:rPr lang="en-US" sz="1100" b="0" strike="noStrike" spc="-1" dirty="0">
-                <a:solidFill>
-                  <a:srgbClr val="000000"/>
-                </a:solidFill>
-                <a:latin typeface="Times New Roman"/>
-                <a:ea typeface="DejaVu Sans"/>
-              </a:rPr>
-              <a:t>;</a:t>
-            </a:r>
-            <a:endParaRPr lang="en-GB" sz="1100" b="0" strike="noStrike" spc="-1" dirty="0">
-              <a:latin typeface="Arial"/>
-            </a:endParaRPr>
-          </a:p>
-          <a:p>
-            <a:pPr>
-              <a:lnSpc>
-                <a:spcPct val="100000"/>
-              </a:lnSpc>
-              <a:tabLst>
-                <a:tab pos="271463" algn="l"/>
-                <a:tab pos="541338" algn="l"/>
-                <a:tab pos="804863" algn="l"/>
-              </a:tabLst>
-            </a:pPr>
-            <a:r>
-              <a:rPr lang="en-GB" sz="1100" b="0" strike="noStrike" spc="-1" dirty="0">
-                <a:latin typeface="Times New Roman" panose="02020603050405020304" pitchFamily="18" charset="0"/>
-                <a:cs typeface="Times New Roman" panose="02020603050405020304" pitchFamily="18" charset="0"/>
-              </a:rPr>
-              <a:t>data += </a:t>
-            </a:r>
-            <a:r>
-              <a:rPr lang="en-GB" sz="1100" b="0" strike="noStrike" spc="-1" dirty="0" err="1">
-                <a:latin typeface="Times New Roman" panose="02020603050405020304" pitchFamily="18" charset="0"/>
-                <a:cs typeface="Times New Roman" panose="02020603050405020304" pitchFamily="18" charset="0"/>
-              </a:rPr>
-              <a:t>idx</a:t>
-            </a:r>
-            <a:r>
-              <a:rPr lang="en-GB" sz="1100" b="0" strike="noStrike" spc="-1" dirty="0">
-                <a:latin typeface="Times New Roman" panose="02020603050405020304" pitchFamily="18" charset="0"/>
-                <a:cs typeface="Times New Roman" panose="02020603050405020304" pitchFamily="18" charset="0"/>
-              </a:rPr>
-              <a:t>*2;			</a:t>
-            </a:r>
-            <a:r>
-              <a:rPr lang="en-US" sz="1100" b="0" strike="noStrike" spc="-1" dirty="0">
-                <a:latin typeface="Times New Roman" panose="02020603050405020304" pitchFamily="18" charset="0"/>
-                <a:cs typeface="Times New Roman" panose="02020603050405020304" pitchFamily="18" charset="0"/>
-              </a:rPr>
-              <a:t> // adjust pointer to the array to be ordered</a:t>
-            </a:r>
-            <a:endParaRPr lang="en-GB" sz="1100" b="0" strike="noStrike" spc="-1" dirty="0">
-              <a:latin typeface="Times New Roman" panose="02020603050405020304" pitchFamily="18" charset="0"/>
-              <a:cs typeface="Times New Roman" panose="02020603050405020304" pitchFamily="18" charset="0"/>
-            </a:endParaRPr>
-          </a:p>
-          <a:p>
-            <a:pPr>
-              <a:lnSpc>
-                <a:spcPct val="100000"/>
-              </a:lnSpc>
-              <a:tabLst>
-                <a:tab pos="271463" algn="l"/>
-                <a:tab pos="541338" algn="l"/>
-                <a:tab pos="804863" algn="l"/>
-              </a:tabLst>
-            </a:pPr>
-            <a:endParaRPr lang="en-GB" sz="1100" b="0" strike="noStrike" spc="-1" dirty="0">
-              <a:latin typeface="Times New Roman" panose="02020603050405020304" pitchFamily="18" charset="0"/>
-              <a:cs typeface="Times New Roman" panose="02020603050405020304" pitchFamily="18" charset="0"/>
-            </a:endParaRPr>
-          </a:p>
-          <a:p>
-            <a:pPr>
-              <a:lnSpc>
-                <a:spcPct val="100000"/>
-              </a:lnSpc>
-              <a:tabLst>
-                <a:tab pos="271463" algn="l"/>
-                <a:tab pos="541338" algn="l"/>
-                <a:tab pos="804863" algn="l"/>
-              </a:tabLst>
-            </a:pPr>
-            <a:r>
-              <a:rPr lang="en-GB" sz="1100" b="0" strike="noStrike" spc="-1" dirty="0">
-                <a:latin typeface="Times New Roman" panose="02020603050405020304" pitchFamily="18" charset="0"/>
-                <a:cs typeface="Times New Roman" panose="02020603050405020304" pitchFamily="18" charset="0"/>
-              </a:rPr>
-              <a:t>if(</a:t>
-            </a:r>
-            <a:r>
-              <a:rPr lang="en-GB" sz="1100" spc="-1" dirty="0">
-                <a:latin typeface="Times New Roman" panose="02020603050405020304" pitchFamily="18" charset="0"/>
-                <a:cs typeface="Times New Roman" panose="02020603050405020304" pitchFamily="18" charset="0"/>
-              </a:rPr>
-              <a:t>i%2==0</a:t>
-            </a:r>
-            <a:r>
-              <a:rPr lang="en-GB" sz="1100" b="0" strike="noStrike" spc="-1" dirty="0">
-                <a:latin typeface="Times New Roman" panose="02020603050405020304" pitchFamily="18" charset="0"/>
-                <a:cs typeface="Times New Roman" panose="02020603050405020304" pitchFamily="18" charset="0"/>
-              </a:rPr>
-              <a:t>) </a:t>
-            </a:r>
-          </a:p>
-          <a:p>
-            <a:pPr>
-              <a:lnSpc>
-                <a:spcPct val="100000"/>
-              </a:lnSpc>
-              <a:tabLst>
-                <a:tab pos="271463" algn="l"/>
-                <a:tab pos="541338" algn="l"/>
-                <a:tab pos="804863" algn="l"/>
-              </a:tabLst>
-            </a:pPr>
-            <a:r>
-              <a:rPr lang="en-GB" sz="1100" b="0" strike="noStrike" spc="-1" dirty="0">
-                <a:latin typeface="Times New Roman" panose="02020603050405020304" pitchFamily="18" charset="0"/>
-                <a:cs typeface="Times New Roman" panose="02020603050405020304" pitchFamily="18" charset="0"/>
-              </a:rPr>
-              <a:t>{</a:t>
-            </a:r>
-          </a:p>
-          <a:p>
-            <a:pPr>
-              <a:tabLst>
-                <a:tab pos="271463" algn="l"/>
-                <a:tab pos="541338" algn="l"/>
-                <a:tab pos="804863" algn="l"/>
-              </a:tabLst>
-            </a:pPr>
-            <a:r>
-              <a:rPr lang="en-GB" sz="1100" b="0" strike="noStrike" spc="-1" dirty="0">
-                <a:latin typeface="Times New Roman" panose="02020603050405020304" pitchFamily="18" charset="0"/>
-                <a:cs typeface="Times New Roman" panose="02020603050405020304" pitchFamily="18" charset="0"/>
-              </a:rPr>
-              <a:t>	j=2*</a:t>
-            </a:r>
-            <a:r>
-              <a:rPr lang="en-GB" sz="1100" b="0" strike="noStrike" spc="-1" dirty="0" err="1">
-                <a:latin typeface="Times New Roman" panose="02020603050405020304" pitchFamily="18" charset="0"/>
-                <a:cs typeface="Times New Roman" panose="02020603050405020304" pitchFamily="18" charset="0"/>
-              </a:rPr>
-              <a:t>idx</a:t>
-            </a:r>
-            <a:r>
-              <a:rPr lang="en-GB" sz="1100" b="0" strike="noStrike" spc="-1" dirty="0">
-                <a:latin typeface="Times New Roman" panose="02020603050405020304" pitchFamily="18" charset="0"/>
-                <a:cs typeface="Times New Roman" panose="02020603050405020304" pitchFamily="18" charset="0"/>
-              </a:rPr>
-              <a:t>;</a:t>
-            </a:r>
-          </a:p>
-          <a:p>
-            <a:pPr>
-              <a:lnSpc>
-                <a:spcPct val="100000"/>
-              </a:lnSpc>
-              <a:tabLst>
-                <a:tab pos="271463" algn="l"/>
-                <a:tab pos="541338" algn="l"/>
-                <a:tab pos="804863" algn="l"/>
-              </a:tabLst>
-            </a:pPr>
-            <a:r>
-              <a:rPr lang="en-GB" sz="1100" spc="-1" dirty="0">
-                <a:latin typeface="Times New Roman" panose="02020603050405020304" pitchFamily="18" charset="0"/>
-                <a:cs typeface="Times New Roman" panose="02020603050405020304" pitchFamily="18" charset="0"/>
-              </a:rPr>
-              <a:t>	</a:t>
-            </a:r>
-            <a:r>
-              <a:rPr lang="en-GB" sz="1100" b="0" strike="noStrike" spc="-1" dirty="0">
-                <a:latin typeface="Times New Roman" panose="02020603050405020304" pitchFamily="18" charset="0"/>
-                <a:cs typeface="Times New Roman" panose="02020603050405020304" pitchFamily="18" charset="0"/>
-              </a:rPr>
-              <a:t>if (data[</a:t>
-            </a:r>
-            <a:r>
-              <a:rPr lang="en-GB" sz="1100" spc="-1" dirty="0">
-                <a:latin typeface="Times New Roman" panose="02020603050405020304" pitchFamily="18" charset="0"/>
-                <a:cs typeface="Times New Roman" panose="02020603050405020304" pitchFamily="18" charset="0"/>
-              </a:rPr>
-              <a:t>j</a:t>
-            </a:r>
-            <a:r>
-              <a:rPr lang="en-GB" sz="1100" b="0" strike="noStrike" spc="-1" dirty="0">
-                <a:latin typeface="Times New Roman" panose="02020603050405020304" pitchFamily="18" charset="0"/>
-                <a:cs typeface="Times New Roman" panose="02020603050405020304" pitchFamily="18" charset="0"/>
-              </a:rPr>
-              <a:t>]&gt;</a:t>
-            </a:r>
-            <a:r>
-              <a:rPr lang="en-GB" sz="1100" spc="-1" dirty="0">
-                <a:latin typeface="Times New Roman" panose="02020603050405020304" pitchFamily="18" charset="0"/>
-                <a:cs typeface="Times New Roman" panose="02020603050405020304" pitchFamily="18" charset="0"/>
-              </a:rPr>
-              <a:t>data</a:t>
-            </a:r>
-            <a:r>
-              <a:rPr lang="en-GB" sz="1100" b="0" strike="noStrike" spc="-1" dirty="0">
-                <a:latin typeface="Times New Roman" panose="02020603050405020304" pitchFamily="18" charset="0"/>
-                <a:cs typeface="Times New Roman" panose="02020603050405020304" pitchFamily="18" charset="0"/>
-              </a:rPr>
-              <a:t>[</a:t>
-            </a:r>
-            <a:r>
-              <a:rPr lang="en-GB" sz="1100" spc="-1" dirty="0">
-                <a:latin typeface="Times New Roman" panose="02020603050405020304" pitchFamily="18" charset="0"/>
-                <a:cs typeface="Times New Roman" panose="02020603050405020304" pitchFamily="18" charset="0"/>
-              </a:rPr>
-              <a:t>j</a:t>
-            </a:r>
-            <a:r>
-              <a:rPr lang="en-GB" sz="1100" b="0" strike="noStrike" spc="-1" dirty="0">
-                <a:latin typeface="Times New Roman" panose="02020603050405020304" pitchFamily="18" charset="0"/>
-                <a:cs typeface="Times New Roman" panose="02020603050405020304" pitchFamily="18" charset="0"/>
-              </a:rPr>
-              <a:t>] )          // swapping</a:t>
-            </a:r>
-          </a:p>
-          <a:p>
-            <a:pPr>
-              <a:lnSpc>
-                <a:spcPct val="100000"/>
-              </a:lnSpc>
-              <a:tabLst>
-                <a:tab pos="271463" algn="l"/>
-                <a:tab pos="541338" algn="l"/>
-                <a:tab pos="804863" algn="l"/>
-              </a:tabLst>
-            </a:pPr>
-            <a:r>
-              <a:rPr lang="en-GB" sz="1100" b="0" strike="noStrike" spc="-1" dirty="0">
-                <a:latin typeface="Times New Roman" panose="02020603050405020304" pitchFamily="18" charset="0"/>
-                <a:cs typeface="Times New Roman" panose="02020603050405020304" pitchFamily="18" charset="0"/>
-              </a:rPr>
-              <a:t>	{</a:t>
-            </a:r>
-          </a:p>
-          <a:p>
-            <a:pPr>
-              <a:lnSpc>
-                <a:spcPct val="100000"/>
-              </a:lnSpc>
-              <a:tabLst>
-                <a:tab pos="271463" algn="l"/>
-                <a:tab pos="541338" algn="l"/>
-                <a:tab pos="804863" algn="l"/>
-              </a:tabLst>
-            </a:pPr>
-            <a:r>
-              <a:rPr lang="en-GB" sz="1100" b="0" strike="noStrike" spc="-1" dirty="0">
-                <a:latin typeface="Times New Roman" panose="02020603050405020304" pitchFamily="18" charset="0"/>
-                <a:cs typeface="Times New Roman" panose="02020603050405020304" pitchFamily="18" charset="0"/>
-              </a:rPr>
-              <a:t>		</a:t>
-            </a:r>
-            <a:r>
-              <a:rPr lang="en-GB" sz="1100" b="0" strike="noStrike" spc="-1" dirty="0" err="1">
-                <a:latin typeface="Times New Roman" panose="02020603050405020304" pitchFamily="18" charset="0"/>
-                <a:cs typeface="Times New Roman" panose="02020603050405020304" pitchFamily="18" charset="0"/>
-              </a:rPr>
-              <a:t>tmp</a:t>
-            </a:r>
-            <a:r>
-              <a:rPr lang="en-GB" sz="1100" b="0" strike="noStrike" spc="-1" dirty="0">
-                <a:latin typeface="Times New Roman" panose="02020603050405020304" pitchFamily="18" charset="0"/>
-                <a:cs typeface="Times New Roman" panose="02020603050405020304" pitchFamily="18" charset="0"/>
-              </a:rPr>
-              <a:t> = data[</a:t>
-            </a:r>
-            <a:r>
-              <a:rPr lang="en-GB" sz="1100" spc="-1" dirty="0">
-                <a:latin typeface="Times New Roman" panose="02020603050405020304" pitchFamily="18" charset="0"/>
-                <a:cs typeface="Times New Roman" panose="02020603050405020304" pitchFamily="18" charset="0"/>
-              </a:rPr>
-              <a:t>j</a:t>
-            </a:r>
-            <a:r>
-              <a:rPr lang="en-GB" sz="1100" b="0" strike="noStrike" spc="-1" dirty="0">
-                <a:latin typeface="Times New Roman" panose="02020603050405020304" pitchFamily="18" charset="0"/>
-                <a:cs typeface="Times New Roman" panose="02020603050405020304" pitchFamily="18" charset="0"/>
-              </a:rPr>
-              <a:t>];</a:t>
-            </a:r>
-          </a:p>
-          <a:p>
-            <a:pPr>
-              <a:lnSpc>
-                <a:spcPct val="100000"/>
-              </a:lnSpc>
-              <a:tabLst>
-                <a:tab pos="271463" algn="l"/>
-                <a:tab pos="541338" algn="l"/>
-                <a:tab pos="804863" algn="l"/>
-              </a:tabLst>
-            </a:pPr>
-            <a:r>
-              <a:rPr lang="en-GB" sz="1100" b="0" strike="noStrike" spc="-1" dirty="0">
-                <a:latin typeface="Times New Roman" panose="02020603050405020304" pitchFamily="18" charset="0"/>
-                <a:cs typeface="Times New Roman" panose="02020603050405020304" pitchFamily="18" charset="0"/>
-              </a:rPr>
-              <a:t>		data[</a:t>
-            </a:r>
-            <a:r>
-              <a:rPr lang="en-GB" sz="1100" spc="-1" dirty="0">
-                <a:latin typeface="Times New Roman" panose="02020603050405020304" pitchFamily="18" charset="0"/>
-                <a:cs typeface="Times New Roman" panose="02020603050405020304" pitchFamily="18" charset="0"/>
-              </a:rPr>
-              <a:t>j</a:t>
-            </a:r>
-            <a:r>
-              <a:rPr lang="en-GB" sz="1100" b="0" strike="noStrike" spc="-1" dirty="0">
-                <a:latin typeface="Times New Roman" panose="02020603050405020304" pitchFamily="18" charset="0"/>
-                <a:cs typeface="Times New Roman" panose="02020603050405020304" pitchFamily="18" charset="0"/>
-              </a:rPr>
-              <a:t>]=data[j+1];</a:t>
-            </a:r>
-          </a:p>
-          <a:p>
-            <a:pPr>
-              <a:lnSpc>
-                <a:spcPct val="100000"/>
-              </a:lnSpc>
-              <a:tabLst>
-                <a:tab pos="271463" algn="l"/>
-                <a:tab pos="541338" algn="l"/>
-                <a:tab pos="804863" algn="l"/>
-              </a:tabLst>
-            </a:pPr>
-            <a:r>
-              <a:rPr lang="en-GB" sz="1100" b="0" strike="noStrike" spc="-1" dirty="0">
-                <a:latin typeface="Times New Roman" panose="02020603050405020304" pitchFamily="18" charset="0"/>
-                <a:cs typeface="Times New Roman" panose="02020603050405020304" pitchFamily="18" charset="0"/>
-              </a:rPr>
-              <a:t>		data[j+1]=</a:t>
-            </a:r>
-            <a:r>
-              <a:rPr lang="en-GB" sz="1100" b="0" strike="noStrike" spc="-1" dirty="0" err="1">
-                <a:latin typeface="Times New Roman" panose="02020603050405020304" pitchFamily="18" charset="0"/>
-                <a:cs typeface="Times New Roman" panose="02020603050405020304" pitchFamily="18" charset="0"/>
-              </a:rPr>
-              <a:t>tmp</a:t>
-            </a:r>
-            <a:r>
-              <a:rPr lang="en-GB" sz="1100" b="0" strike="noStrike" spc="-1" dirty="0">
-                <a:latin typeface="Times New Roman" panose="02020603050405020304" pitchFamily="18" charset="0"/>
-                <a:cs typeface="Times New Roman" panose="02020603050405020304" pitchFamily="18" charset="0"/>
-              </a:rPr>
-              <a:t>; </a:t>
-            </a:r>
-          </a:p>
-          <a:p>
-            <a:pPr>
-              <a:lnSpc>
-                <a:spcPct val="100000"/>
-              </a:lnSpc>
-              <a:tabLst>
-                <a:tab pos="271463" algn="l"/>
-                <a:tab pos="541338" algn="l"/>
-                <a:tab pos="804863" algn="l"/>
-              </a:tabLst>
-            </a:pPr>
-            <a:r>
-              <a:rPr lang="en-GB" sz="1100" b="0" strike="noStrike" spc="-1" dirty="0">
-                <a:latin typeface="Times New Roman" panose="02020603050405020304" pitchFamily="18" charset="0"/>
-                <a:cs typeface="Times New Roman" panose="02020603050405020304" pitchFamily="18" charset="0"/>
-              </a:rPr>
-              <a:t>		</a:t>
-            </a:r>
-            <a:r>
-              <a:rPr lang="pt-PT" sz="1100" b="0" strike="noStrike" spc="-1" dirty="0">
-                <a:solidFill>
-                  <a:srgbClr val="000000"/>
-                </a:solidFill>
-                <a:latin typeface="Times New Roman"/>
-                <a:ea typeface="DejaVu Sans"/>
-              </a:rPr>
-              <a:t> </a:t>
-            </a:r>
-            <a:r>
-              <a:rPr lang="pt-PT" sz="1100" b="0" strike="noStrike" spc="-1" dirty="0" err="1">
-                <a:solidFill>
-                  <a:srgbClr val="000000"/>
-                </a:solidFill>
-                <a:latin typeface="Times New Roman"/>
-                <a:ea typeface="DejaVu Sans"/>
-              </a:rPr>
-              <a:t>noSwap</a:t>
-            </a:r>
-            <a:r>
-              <a:rPr lang="pt-PT" sz="1100" b="0" strike="noStrike" spc="-1" dirty="0">
-                <a:solidFill>
-                  <a:srgbClr val="000000"/>
-                </a:solidFill>
-                <a:latin typeface="Times New Roman"/>
-                <a:ea typeface="DejaVu Sans"/>
-              </a:rPr>
-              <a:t> = false</a:t>
-            </a:r>
-            <a:r>
-              <a:rPr lang="en-GB" sz="1100" b="0" strike="noStrike" spc="-1" dirty="0">
-                <a:latin typeface="Times New Roman" panose="02020603050405020304" pitchFamily="18" charset="0"/>
-                <a:cs typeface="Times New Roman" panose="02020603050405020304" pitchFamily="18" charset="0"/>
-              </a:rPr>
-              <a:t>;</a:t>
-            </a:r>
-          </a:p>
-          <a:p>
-            <a:pPr>
-              <a:lnSpc>
-                <a:spcPct val="100000"/>
-              </a:lnSpc>
-              <a:tabLst>
-                <a:tab pos="271463" algn="l"/>
-                <a:tab pos="541338" algn="l"/>
-                <a:tab pos="804863" algn="l"/>
-              </a:tabLst>
-            </a:pPr>
-            <a:r>
-              <a:rPr lang="en-GB" sz="1100" b="0" strike="noStrike" spc="-1" dirty="0">
-                <a:latin typeface="Times New Roman" panose="02020603050405020304" pitchFamily="18" charset="0"/>
-                <a:cs typeface="Times New Roman" panose="02020603050405020304" pitchFamily="18" charset="0"/>
-              </a:rPr>
-              <a:t>	}</a:t>
-            </a:r>
-            <a:r>
-              <a:rPr lang="pt-PT" sz="1100" b="0" strike="noStrike" spc="-1" dirty="0">
-                <a:solidFill>
-                  <a:srgbClr val="000000"/>
-                </a:solidFill>
-                <a:latin typeface="Times New Roman"/>
-                <a:ea typeface="DejaVu Sans"/>
-              </a:rPr>
-              <a:t> </a:t>
-            </a:r>
-            <a:r>
-              <a:rPr lang="pt-PT" sz="1100" b="0" strike="noStrike" spc="-1" dirty="0" err="1">
-                <a:solidFill>
-                  <a:srgbClr val="000000"/>
-                </a:solidFill>
-                <a:latin typeface="Times New Roman"/>
-                <a:ea typeface="DejaVu Sans"/>
-              </a:rPr>
-              <a:t>if</a:t>
-            </a:r>
-            <a:r>
-              <a:rPr lang="pt-PT" sz="1100" b="0" strike="noStrike" spc="-1" dirty="0">
-                <a:solidFill>
-                  <a:srgbClr val="000000"/>
-                </a:solidFill>
-                <a:latin typeface="Times New Roman"/>
-                <a:ea typeface="DejaVu Sans"/>
-              </a:rPr>
-              <a:t> (</a:t>
-            </a:r>
-            <a:r>
-              <a:rPr lang="pt-PT" sz="1100" b="0" strike="noStrike" spc="-1" dirty="0" err="1">
-                <a:solidFill>
-                  <a:srgbClr val="000000"/>
-                </a:solidFill>
-                <a:latin typeface="Times New Roman"/>
-                <a:ea typeface="DejaVu Sans"/>
-              </a:rPr>
-              <a:t>noSwap</a:t>
-            </a:r>
-            <a:r>
-              <a:rPr lang="pt-PT" sz="1100" b="0" strike="noStrike" spc="-1" dirty="0">
-                <a:solidFill>
-                  <a:srgbClr val="000000"/>
-                </a:solidFill>
-                <a:latin typeface="Times New Roman"/>
-                <a:ea typeface="DejaVu Sans"/>
-              </a:rPr>
-              <a:t>) break;</a:t>
-            </a:r>
-            <a:endParaRPr lang="en-GB" sz="1100" b="0" strike="noStrike" spc="-1" dirty="0">
-              <a:latin typeface="Times New Roman" panose="02020603050405020304" pitchFamily="18" charset="0"/>
-              <a:cs typeface="Times New Roman" panose="02020603050405020304" pitchFamily="18" charset="0"/>
-            </a:endParaRPr>
-          </a:p>
-          <a:p>
-            <a:pPr>
-              <a:lnSpc>
-                <a:spcPct val="100000"/>
-              </a:lnSpc>
-              <a:tabLst>
-                <a:tab pos="271463" algn="l"/>
-                <a:tab pos="541338" algn="l"/>
-                <a:tab pos="804863" algn="l"/>
-              </a:tabLst>
-            </a:pPr>
-            <a:r>
-              <a:rPr lang="en-GB" sz="1100" b="0" strike="noStrike" spc="-1" dirty="0">
-                <a:latin typeface="Times New Roman" panose="02020603050405020304" pitchFamily="18" charset="0"/>
-                <a:cs typeface="Times New Roman" panose="02020603050405020304" pitchFamily="18" charset="0"/>
-              </a:rPr>
-              <a:t>} </a:t>
-            </a:r>
-          </a:p>
-          <a:p>
-            <a:pPr>
-              <a:lnSpc>
-                <a:spcPct val="100000"/>
-              </a:lnSpc>
-              <a:tabLst>
-                <a:tab pos="271463" algn="l"/>
-                <a:tab pos="541338" algn="l"/>
-                <a:tab pos="804863" algn="l"/>
-              </a:tabLst>
-            </a:pPr>
-            <a:endParaRPr lang="en-GB" sz="1100" b="0" strike="noStrike" spc="-1" dirty="0">
-              <a:latin typeface="Times New Roman" panose="02020603050405020304" pitchFamily="18" charset="0"/>
-              <a:cs typeface="Times New Roman" panose="02020603050405020304" pitchFamily="18" charset="0"/>
-            </a:endParaRPr>
-          </a:p>
-          <a:p>
-            <a:pPr>
-              <a:lnSpc>
-                <a:spcPct val="100000"/>
-              </a:lnSpc>
-              <a:tabLst>
-                <a:tab pos="271463" algn="l"/>
-                <a:tab pos="541338" algn="l"/>
-                <a:tab pos="804863" algn="l"/>
-              </a:tabLst>
-            </a:pPr>
-            <a:r>
-              <a:rPr lang="en-GB" sz="1100" b="0" strike="noStrike" spc="-1" dirty="0">
-                <a:latin typeface="Times New Roman" panose="02020603050405020304" pitchFamily="18" charset="0"/>
-                <a:cs typeface="Times New Roman" panose="02020603050405020304" pitchFamily="18" charset="0"/>
-              </a:rPr>
-              <a:t>else </a:t>
-            </a:r>
-          </a:p>
-          <a:p>
-            <a:pPr>
-              <a:lnSpc>
-                <a:spcPct val="100000"/>
-              </a:lnSpc>
-              <a:tabLst>
-                <a:tab pos="271463" algn="l"/>
-                <a:tab pos="541338" algn="l"/>
-                <a:tab pos="804863" algn="l"/>
-              </a:tabLst>
-            </a:pPr>
-            <a:r>
-              <a:rPr lang="en-GB" sz="1100" b="0" strike="noStrike" spc="-1" dirty="0">
-                <a:latin typeface="Times New Roman" panose="02020603050405020304" pitchFamily="18" charset="0"/>
-                <a:cs typeface="Times New Roman" panose="02020603050405020304" pitchFamily="18" charset="0"/>
-              </a:rPr>
-              <a:t>{</a:t>
-            </a:r>
-          </a:p>
-          <a:p>
-            <a:pPr>
-              <a:tabLst>
-                <a:tab pos="271463" algn="l"/>
-                <a:tab pos="541338" algn="l"/>
-                <a:tab pos="804863" algn="l"/>
-              </a:tabLst>
-            </a:pPr>
-            <a:r>
-              <a:rPr lang="en-GB" sz="1100" spc="-1" dirty="0">
-                <a:latin typeface="Times New Roman" panose="02020603050405020304" pitchFamily="18" charset="0"/>
-                <a:cs typeface="Times New Roman" panose="02020603050405020304" pitchFamily="18" charset="0"/>
-              </a:rPr>
-              <a:t>	</a:t>
-            </a:r>
-            <a:r>
-              <a:rPr lang="en-GB" sz="1100" b="0" strike="noStrike" spc="-1" dirty="0">
-                <a:latin typeface="Times New Roman" panose="02020603050405020304" pitchFamily="18" charset="0"/>
-                <a:cs typeface="Times New Roman" panose="02020603050405020304" pitchFamily="18" charset="0"/>
-              </a:rPr>
-              <a:t>j=2*idx+1;</a:t>
-            </a:r>
-          </a:p>
-          <a:p>
-            <a:pPr>
-              <a:tabLst>
-                <a:tab pos="271463" algn="l"/>
-                <a:tab pos="541338" algn="l"/>
-                <a:tab pos="804863" algn="l"/>
-              </a:tabLst>
-            </a:pPr>
-            <a:r>
-              <a:rPr lang="en-GB" sz="1100" spc="-1" dirty="0">
-                <a:latin typeface="Times New Roman" panose="02020603050405020304" pitchFamily="18" charset="0"/>
-                <a:cs typeface="Times New Roman" panose="02020603050405020304" pitchFamily="18" charset="0"/>
-              </a:rPr>
-              <a:t>	if (j&lt;arrSize-1)</a:t>
-            </a:r>
-          </a:p>
-          <a:p>
-            <a:pPr>
-              <a:tabLst>
-                <a:tab pos="271463" algn="l"/>
-                <a:tab pos="541338" algn="l"/>
-                <a:tab pos="804863" algn="l"/>
-              </a:tabLst>
-            </a:pPr>
-            <a:r>
-              <a:rPr lang="en-GB" sz="1100" b="0" strike="noStrike" spc="-1" dirty="0">
-                <a:latin typeface="Times New Roman" panose="02020603050405020304" pitchFamily="18" charset="0"/>
-                <a:cs typeface="Times New Roman" panose="02020603050405020304" pitchFamily="18" charset="0"/>
-              </a:rPr>
-              <a:t>	{</a:t>
-            </a:r>
-          </a:p>
-          <a:p>
-            <a:pPr>
-              <a:lnSpc>
-                <a:spcPct val="100000"/>
-              </a:lnSpc>
-              <a:tabLst>
-                <a:tab pos="271463" algn="l"/>
-                <a:tab pos="541338" algn="l"/>
-                <a:tab pos="804863" algn="l"/>
-              </a:tabLst>
-            </a:pPr>
-            <a:r>
-              <a:rPr lang="en-GB" sz="1100" b="0" strike="noStrike" spc="-1" dirty="0">
-                <a:latin typeface="Times New Roman" panose="02020603050405020304" pitchFamily="18" charset="0"/>
-                <a:cs typeface="Times New Roman" panose="02020603050405020304" pitchFamily="18" charset="0"/>
-              </a:rPr>
-              <a:t>		if (data[</a:t>
-            </a:r>
-            <a:r>
-              <a:rPr lang="en-GB" sz="1100" spc="-1" dirty="0">
-                <a:latin typeface="Times New Roman" panose="02020603050405020304" pitchFamily="18" charset="0"/>
-                <a:cs typeface="Times New Roman" panose="02020603050405020304" pitchFamily="18" charset="0"/>
-              </a:rPr>
-              <a:t>j</a:t>
-            </a:r>
-            <a:r>
-              <a:rPr lang="en-GB" sz="1100" b="0" strike="noStrike" spc="-1" dirty="0">
-                <a:latin typeface="Times New Roman" panose="02020603050405020304" pitchFamily="18" charset="0"/>
-                <a:cs typeface="Times New Roman" panose="02020603050405020304" pitchFamily="18" charset="0"/>
-              </a:rPr>
-              <a:t>]&gt;</a:t>
-            </a:r>
-            <a:r>
-              <a:rPr lang="en-GB" sz="1100" spc="-1" dirty="0">
-                <a:latin typeface="Times New Roman" panose="02020603050405020304" pitchFamily="18" charset="0"/>
-                <a:cs typeface="Times New Roman" panose="02020603050405020304" pitchFamily="18" charset="0"/>
-              </a:rPr>
-              <a:t>data</a:t>
-            </a:r>
-            <a:r>
-              <a:rPr lang="en-GB" sz="1100" b="0" strike="noStrike" spc="-1" dirty="0">
-                <a:latin typeface="Times New Roman" panose="02020603050405020304" pitchFamily="18" charset="0"/>
-                <a:cs typeface="Times New Roman" panose="02020603050405020304" pitchFamily="18" charset="0"/>
-              </a:rPr>
-              <a:t>[</a:t>
-            </a:r>
-            <a:r>
-              <a:rPr lang="en-GB" sz="1100" spc="-1" dirty="0">
-                <a:latin typeface="Times New Roman" panose="02020603050405020304" pitchFamily="18" charset="0"/>
-                <a:cs typeface="Times New Roman" panose="02020603050405020304" pitchFamily="18" charset="0"/>
-              </a:rPr>
-              <a:t>j</a:t>
-            </a:r>
-            <a:r>
-              <a:rPr lang="en-GB" sz="1100" b="0" strike="noStrike" spc="-1" dirty="0">
-                <a:latin typeface="Times New Roman" panose="02020603050405020304" pitchFamily="18" charset="0"/>
-                <a:cs typeface="Times New Roman" panose="02020603050405020304" pitchFamily="18" charset="0"/>
-              </a:rPr>
-              <a:t>] )          // swapping</a:t>
-            </a:r>
-          </a:p>
-          <a:p>
-            <a:pPr>
-              <a:lnSpc>
-                <a:spcPct val="100000"/>
-              </a:lnSpc>
-              <a:tabLst>
-                <a:tab pos="271463" algn="l"/>
-                <a:tab pos="541338" algn="l"/>
-                <a:tab pos="804863" algn="l"/>
-              </a:tabLst>
-            </a:pPr>
-            <a:r>
-              <a:rPr lang="en-GB" sz="1100" b="0" strike="noStrike" spc="-1" dirty="0">
-                <a:latin typeface="Times New Roman" panose="02020603050405020304" pitchFamily="18" charset="0"/>
-                <a:cs typeface="Times New Roman" panose="02020603050405020304" pitchFamily="18" charset="0"/>
-              </a:rPr>
-              <a:t>		{</a:t>
-            </a:r>
-          </a:p>
-          <a:p>
-            <a:pPr>
-              <a:lnSpc>
-                <a:spcPct val="100000"/>
-              </a:lnSpc>
-              <a:tabLst>
-                <a:tab pos="271463" algn="l"/>
-                <a:tab pos="541338" algn="l"/>
-                <a:tab pos="804863" algn="l"/>
-              </a:tabLst>
-            </a:pPr>
-            <a:r>
-              <a:rPr lang="en-GB" sz="1100" b="0" strike="noStrike" spc="-1" dirty="0">
-                <a:latin typeface="Times New Roman" panose="02020603050405020304" pitchFamily="18" charset="0"/>
-                <a:cs typeface="Times New Roman" panose="02020603050405020304" pitchFamily="18" charset="0"/>
-              </a:rPr>
-              <a:t>			</a:t>
-            </a:r>
-            <a:r>
-              <a:rPr lang="en-GB" sz="1100" b="0" strike="noStrike" spc="-1" dirty="0" err="1">
-                <a:latin typeface="Times New Roman" panose="02020603050405020304" pitchFamily="18" charset="0"/>
-                <a:cs typeface="Times New Roman" panose="02020603050405020304" pitchFamily="18" charset="0"/>
-              </a:rPr>
-              <a:t>tmp</a:t>
-            </a:r>
-            <a:r>
-              <a:rPr lang="en-GB" sz="1100" b="0" strike="noStrike" spc="-1" dirty="0">
-                <a:latin typeface="Times New Roman" panose="02020603050405020304" pitchFamily="18" charset="0"/>
-                <a:cs typeface="Times New Roman" panose="02020603050405020304" pitchFamily="18" charset="0"/>
-              </a:rPr>
-              <a:t> = data[</a:t>
-            </a:r>
-            <a:r>
-              <a:rPr lang="en-GB" sz="1100" spc="-1" dirty="0">
-                <a:latin typeface="Times New Roman" panose="02020603050405020304" pitchFamily="18" charset="0"/>
-                <a:cs typeface="Times New Roman" panose="02020603050405020304" pitchFamily="18" charset="0"/>
-              </a:rPr>
-              <a:t>j</a:t>
-            </a:r>
-            <a:r>
-              <a:rPr lang="en-GB" sz="1100" b="0" strike="noStrike" spc="-1" dirty="0">
-                <a:latin typeface="Times New Roman" panose="02020603050405020304" pitchFamily="18" charset="0"/>
-                <a:cs typeface="Times New Roman" panose="02020603050405020304" pitchFamily="18" charset="0"/>
-              </a:rPr>
-              <a:t>];</a:t>
-            </a:r>
-          </a:p>
-          <a:p>
-            <a:pPr>
-              <a:lnSpc>
-                <a:spcPct val="100000"/>
-              </a:lnSpc>
-              <a:tabLst>
-                <a:tab pos="271463" algn="l"/>
-                <a:tab pos="541338" algn="l"/>
-                <a:tab pos="804863" algn="l"/>
-              </a:tabLst>
-            </a:pPr>
-            <a:r>
-              <a:rPr lang="en-GB" sz="1100" b="0" strike="noStrike" spc="-1" dirty="0">
-                <a:latin typeface="Times New Roman" panose="02020603050405020304" pitchFamily="18" charset="0"/>
-                <a:cs typeface="Times New Roman" panose="02020603050405020304" pitchFamily="18" charset="0"/>
-              </a:rPr>
-              <a:t>			data[</a:t>
-            </a:r>
-            <a:r>
-              <a:rPr lang="en-GB" sz="1100" spc="-1" dirty="0">
-                <a:latin typeface="Times New Roman" panose="02020603050405020304" pitchFamily="18" charset="0"/>
-                <a:cs typeface="Times New Roman" panose="02020603050405020304" pitchFamily="18" charset="0"/>
-              </a:rPr>
-              <a:t>j</a:t>
-            </a:r>
-            <a:r>
-              <a:rPr lang="en-GB" sz="1100" b="0" strike="noStrike" spc="-1" dirty="0">
-                <a:latin typeface="Times New Roman" panose="02020603050405020304" pitchFamily="18" charset="0"/>
-                <a:cs typeface="Times New Roman" panose="02020603050405020304" pitchFamily="18" charset="0"/>
-              </a:rPr>
-              <a:t>]=data[j+1];</a:t>
-            </a:r>
-          </a:p>
-          <a:p>
-            <a:pPr>
-              <a:lnSpc>
-                <a:spcPct val="100000"/>
-              </a:lnSpc>
-              <a:tabLst>
-                <a:tab pos="271463" algn="l"/>
-                <a:tab pos="541338" algn="l"/>
-                <a:tab pos="804863" algn="l"/>
-              </a:tabLst>
-            </a:pPr>
-            <a:r>
-              <a:rPr lang="en-GB" sz="1100" b="0" strike="noStrike" spc="-1" dirty="0">
-                <a:latin typeface="Times New Roman" panose="02020603050405020304" pitchFamily="18" charset="0"/>
-                <a:cs typeface="Times New Roman" panose="02020603050405020304" pitchFamily="18" charset="0"/>
-              </a:rPr>
-              <a:t>			data[j+1]=</a:t>
-            </a:r>
-            <a:r>
-              <a:rPr lang="en-GB" sz="1100" b="0" strike="noStrike" spc="-1" dirty="0" err="1">
-                <a:latin typeface="Times New Roman" panose="02020603050405020304" pitchFamily="18" charset="0"/>
-                <a:cs typeface="Times New Roman" panose="02020603050405020304" pitchFamily="18" charset="0"/>
-              </a:rPr>
-              <a:t>tmp</a:t>
-            </a:r>
-            <a:r>
-              <a:rPr lang="en-GB" sz="1100" b="0" strike="noStrike" spc="-1" dirty="0">
-                <a:latin typeface="Times New Roman" panose="02020603050405020304" pitchFamily="18" charset="0"/>
-                <a:cs typeface="Times New Roman" panose="02020603050405020304" pitchFamily="18" charset="0"/>
-              </a:rPr>
-              <a:t>; </a:t>
-            </a:r>
-          </a:p>
-          <a:p>
-            <a:pPr>
-              <a:lnSpc>
-                <a:spcPct val="100000"/>
-              </a:lnSpc>
-              <a:tabLst>
-                <a:tab pos="271463" algn="l"/>
-                <a:tab pos="541338" algn="l"/>
-                <a:tab pos="804863" algn="l"/>
-              </a:tabLst>
-            </a:pPr>
-            <a:r>
-              <a:rPr lang="en-GB" sz="1100" b="0" strike="noStrike" spc="-1" dirty="0">
-                <a:latin typeface="Times New Roman" panose="02020603050405020304" pitchFamily="18" charset="0"/>
-                <a:cs typeface="Times New Roman" panose="02020603050405020304" pitchFamily="18" charset="0"/>
-              </a:rPr>
-              <a:t>		</a:t>
-            </a:r>
-            <a:r>
-              <a:rPr lang="pt-PT" sz="1100" b="0" strike="noStrike" spc="-1" dirty="0">
-                <a:solidFill>
-                  <a:srgbClr val="000000"/>
-                </a:solidFill>
-                <a:latin typeface="Times New Roman"/>
-                <a:ea typeface="DejaVu Sans"/>
-              </a:rPr>
-              <a:t> 	</a:t>
-            </a:r>
-            <a:r>
-              <a:rPr lang="pt-PT" sz="1100" b="0" strike="noStrike" spc="-1" dirty="0" err="1">
-                <a:solidFill>
-                  <a:srgbClr val="000000"/>
-                </a:solidFill>
-                <a:latin typeface="Times New Roman"/>
-                <a:ea typeface="DejaVu Sans"/>
-              </a:rPr>
-              <a:t>noSwap</a:t>
-            </a:r>
-            <a:r>
-              <a:rPr lang="pt-PT" sz="1100" b="0" strike="noStrike" spc="-1" dirty="0">
-                <a:solidFill>
-                  <a:srgbClr val="000000"/>
-                </a:solidFill>
-                <a:latin typeface="Times New Roman"/>
-                <a:ea typeface="DejaVu Sans"/>
-              </a:rPr>
-              <a:t> = false</a:t>
-            </a:r>
-            <a:r>
-              <a:rPr lang="en-GB" sz="1100" b="0" strike="noStrike" spc="-1" dirty="0">
-                <a:latin typeface="Times New Roman" panose="02020603050405020304" pitchFamily="18" charset="0"/>
-                <a:cs typeface="Times New Roman" panose="02020603050405020304" pitchFamily="18" charset="0"/>
-              </a:rPr>
-              <a:t>;</a:t>
-            </a:r>
-          </a:p>
-          <a:p>
-            <a:pPr>
-              <a:lnSpc>
-                <a:spcPct val="100000"/>
-              </a:lnSpc>
-              <a:tabLst>
-                <a:tab pos="271463" algn="l"/>
-                <a:tab pos="541338" algn="l"/>
-                <a:tab pos="804863" algn="l"/>
-              </a:tabLst>
-            </a:pPr>
-            <a:r>
-              <a:rPr lang="en-GB" sz="1100" b="0" strike="noStrike" spc="-1" dirty="0">
-                <a:latin typeface="Times New Roman" panose="02020603050405020304" pitchFamily="18" charset="0"/>
-                <a:cs typeface="Times New Roman" panose="02020603050405020304" pitchFamily="18" charset="0"/>
-              </a:rPr>
-              <a:t>		}</a:t>
-            </a:r>
-            <a:endParaRPr lang="pt-PT" sz="1100" b="0" strike="noStrike" spc="-1" dirty="0">
-              <a:solidFill>
-                <a:srgbClr val="000000"/>
-              </a:solidFill>
-              <a:latin typeface="Times New Roman"/>
-              <a:ea typeface="DejaVu Sans"/>
-            </a:endParaRPr>
-          </a:p>
-          <a:p>
-            <a:pPr>
-              <a:lnSpc>
-                <a:spcPct val="100000"/>
-              </a:lnSpc>
-              <a:tabLst>
-                <a:tab pos="271463" algn="l"/>
-                <a:tab pos="541338" algn="l"/>
-                <a:tab pos="804863" algn="l"/>
-              </a:tabLst>
-            </a:pPr>
-            <a:r>
-              <a:rPr lang="pt-PT" sz="1100" spc="-1" dirty="0">
-                <a:solidFill>
-                  <a:srgbClr val="000000"/>
-                </a:solidFill>
-                <a:latin typeface="Times New Roman"/>
-                <a:cs typeface="Times New Roman" panose="02020603050405020304" pitchFamily="18" charset="0"/>
-              </a:rPr>
-              <a:t>	}</a:t>
-            </a:r>
-            <a:endParaRPr lang="en-GB" sz="1100" b="0" strike="noStrike" spc="-1" dirty="0">
-              <a:latin typeface="Times New Roman" panose="02020603050405020304" pitchFamily="18" charset="0"/>
-              <a:cs typeface="Times New Roman" panose="02020603050405020304" pitchFamily="18" charset="0"/>
-            </a:endParaRPr>
-          </a:p>
-          <a:p>
-            <a:pPr>
-              <a:lnSpc>
-                <a:spcPct val="100000"/>
-              </a:lnSpc>
-              <a:tabLst>
-                <a:tab pos="271463" algn="l"/>
-                <a:tab pos="541338" algn="l"/>
-                <a:tab pos="804863" algn="l"/>
-              </a:tabLst>
-            </a:pPr>
-            <a:r>
-              <a:rPr lang="en-GB" sz="1100" b="0" strike="noStrike" spc="-1" dirty="0">
-                <a:latin typeface="Times New Roman" panose="02020603050405020304" pitchFamily="18" charset="0"/>
-                <a:cs typeface="Times New Roman" panose="02020603050405020304" pitchFamily="18" charset="0"/>
-              </a:rPr>
-              <a:t>} </a:t>
-            </a:r>
-          </a:p>
-        </p:txBody>
-      </p:sp>
       <p:grpSp>
         <p:nvGrpSpPr>
           <p:cNvPr id="123" name="Agrupar 122"/>
@@ -14114,6 +13092,124 @@
           </p:txBody>
         </p:sp>
       </p:grpSp>
+      <p:pic>
+        <p:nvPicPr>
+          <p:cNvPr id="2" name="Imagem 1">
+            <a:extLst>
+              <a:ext uri="{FF2B5EF4-FFF2-40B4-BE49-F238E27FC236}">
+                <a16:creationId xmlns:a16="http://schemas.microsoft.com/office/drawing/2014/main" id="{12E4586A-E53B-E3D0-B9AF-09B3701470EB}"/>
+              </a:ext>
+            </a:extLst>
+          </p:cNvPr>
+          <p:cNvPicPr/>
+          <p:nvPr/>
+        </p:nvPicPr>
+        <p:blipFill>
+          <a:blip r:embed="rId2"/>
+          <a:stretch/>
+        </p:blipFill>
+        <p:spPr>
+          <a:xfrm>
+            <a:off x="7368823" y="3166426"/>
+            <a:ext cx="2998800" cy="2031840"/>
+          </a:xfrm>
+          <a:prstGeom prst="rect">
+            <a:avLst/>
+          </a:prstGeom>
+          <a:ln w="0">
+            <a:noFill/>
+          </a:ln>
+        </p:spPr>
+      </p:pic>
+      <p:pic>
+        <p:nvPicPr>
+          <p:cNvPr id="3" name="Imagem 2">
+            <a:extLst>
+              <a:ext uri="{FF2B5EF4-FFF2-40B4-BE49-F238E27FC236}">
+                <a16:creationId xmlns:a16="http://schemas.microsoft.com/office/drawing/2014/main" id="{894F7FB4-B933-156B-B518-7815C48728C8}"/>
+              </a:ext>
+            </a:extLst>
+          </p:cNvPr>
+          <p:cNvPicPr/>
+          <p:nvPr/>
+        </p:nvPicPr>
+        <p:blipFill>
+          <a:blip r:embed="rId3"/>
+          <a:stretch/>
+        </p:blipFill>
+        <p:spPr>
+          <a:xfrm>
+            <a:off x="7428763" y="579914"/>
+            <a:ext cx="2878920" cy="2159640"/>
+          </a:xfrm>
+          <a:prstGeom prst="rect">
+            <a:avLst/>
+          </a:prstGeom>
+          <a:ln w="0">
+            <a:noFill/>
+          </a:ln>
+        </p:spPr>
+      </p:pic>
+      <p:pic>
+        <p:nvPicPr>
+          <p:cNvPr id="5" name="Imagem 4">
+            <a:extLst>
+              <a:ext uri="{FF2B5EF4-FFF2-40B4-BE49-F238E27FC236}">
+                <a16:creationId xmlns:a16="http://schemas.microsoft.com/office/drawing/2014/main" id="{A6C800AD-6F97-73ED-FC6B-03C6A18D39E7}"/>
+              </a:ext>
+            </a:extLst>
+          </p:cNvPr>
+          <p:cNvPicPr>
+            <a:picLocks noChangeAspect="1"/>
+          </p:cNvPicPr>
+          <p:nvPr/>
+        </p:nvPicPr>
+        <p:blipFill>
+          <a:blip r:embed="rId4"/>
+          <a:stretch>
+            <a:fillRect/>
+          </a:stretch>
+        </p:blipFill>
+        <p:spPr>
+          <a:xfrm>
+            <a:off x="670441" y="1006426"/>
+            <a:ext cx="6045200" cy="1441450"/>
+          </a:xfrm>
+          <a:prstGeom prst="rect">
+            <a:avLst/>
+          </a:prstGeom>
+        </p:spPr>
+      </p:pic>
+      <p:pic>
+        <p:nvPicPr>
+          <p:cNvPr id="7" name="Imagem 6">
+            <a:extLst>
+              <a:ext uri="{FF2B5EF4-FFF2-40B4-BE49-F238E27FC236}">
+                <a16:creationId xmlns:a16="http://schemas.microsoft.com/office/drawing/2014/main" id="{3E9A9559-981C-49A3-93D2-F4FE632F3BA4}"/>
+              </a:ext>
+            </a:extLst>
+          </p:cNvPr>
+          <p:cNvPicPr>
+            <a:picLocks noChangeAspect="1"/>
+          </p:cNvPicPr>
+          <p:nvPr/>
+        </p:nvPicPr>
+        <p:blipFill>
+          <a:blip r:embed="rId5"/>
+          <a:stretch>
+            <a:fillRect/>
+          </a:stretch>
+        </p:blipFill>
+        <p:spPr>
+          <a:xfrm>
+            <a:off x="670441" y="3569512"/>
+            <a:ext cx="6045200" cy="1441450"/>
+          </a:xfrm>
+          <a:prstGeom prst="rect">
+            <a:avLst/>
+          </a:prstGeom>
+        </p:spPr>
+      </p:pic>
     </p:spTree>
   </p:cSld>
   <p:clrMapOvr>
@@ -14291,6 +13387,1571 @@
           </a:prstGeom>
         </p:spPr>
       </p:pic>
+      <p:cxnSp>
+        <p:nvCxnSpPr>
+          <p:cNvPr id="24" name="Conexão reta unidirecional 23">
+            <a:extLst>
+              <a:ext uri="{FF2B5EF4-FFF2-40B4-BE49-F238E27FC236}">
+                <a16:creationId xmlns:a16="http://schemas.microsoft.com/office/drawing/2014/main" id="{70E6A709-B44B-203B-FC34-B8B43574D7BA}"/>
+              </a:ext>
+            </a:extLst>
+          </p:cNvPr>
+          <p:cNvCxnSpPr/>
+          <p:nvPr/>
+        </p:nvCxnSpPr>
+        <p:spPr>
+          <a:xfrm>
+            <a:off x="3547533" y="597820"/>
+            <a:ext cx="0" cy="5108218"/>
+          </a:xfrm>
+          <a:prstGeom prst="straightConnector1">
+            <a:avLst/>
+          </a:prstGeom>
+          <a:ln>
+            <a:tailEnd type="triangle"/>
+          </a:ln>
+        </p:spPr>
+        <p:style>
+          <a:lnRef idx="1">
+            <a:schemeClr val="accent1"/>
+          </a:lnRef>
+          <a:fillRef idx="0">
+            <a:schemeClr val="accent1"/>
+          </a:fillRef>
+          <a:effectRef idx="0">
+            <a:schemeClr val="accent1"/>
+          </a:effectRef>
+          <a:fontRef idx="minor">
+            <a:schemeClr val="tx1"/>
+          </a:fontRef>
+        </p:style>
+      </p:cxnSp>
+      <p:grpSp>
+        <p:nvGrpSpPr>
+          <p:cNvPr id="37" name="Agrupar 36">
+            <a:extLst>
+              <a:ext uri="{FF2B5EF4-FFF2-40B4-BE49-F238E27FC236}">
+                <a16:creationId xmlns:a16="http://schemas.microsoft.com/office/drawing/2014/main" id="{D465570C-E98B-2A0C-FA5F-17F7556C5B79}"/>
+              </a:ext>
+            </a:extLst>
+          </p:cNvPr>
+          <p:cNvGrpSpPr/>
+          <p:nvPr/>
+        </p:nvGrpSpPr>
+        <p:grpSpPr>
+          <a:xfrm>
+            <a:off x="193040" y="553350"/>
+            <a:ext cx="3156328" cy="5184021"/>
+            <a:chOff x="193040" y="553350"/>
+            <a:chExt cx="3156328" cy="5184021"/>
+          </a:xfrm>
+        </p:grpSpPr>
+        <p:grpSp>
+          <p:nvGrpSpPr>
+            <p:cNvPr id="34" name="Agrupar 33">
+              <a:extLst>
+                <a:ext uri="{FF2B5EF4-FFF2-40B4-BE49-F238E27FC236}">
+                  <a16:creationId xmlns:a16="http://schemas.microsoft.com/office/drawing/2014/main" id="{413BC12B-7736-F27E-3217-02575F87470C}"/>
+                </a:ext>
+              </a:extLst>
+            </p:cNvPr>
+            <p:cNvGrpSpPr/>
+            <p:nvPr/>
+          </p:nvGrpSpPr>
+          <p:grpSpPr>
+            <a:xfrm>
+              <a:off x="363082" y="553350"/>
+              <a:ext cx="2986286" cy="4856850"/>
+              <a:chOff x="363082" y="553350"/>
+              <a:chExt cx="2986286" cy="4856850"/>
+            </a:xfrm>
+          </p:grpSpPr>
+          <p:sp>
+            <p:nvSpPr>
+              <p:cNvPr id="29" name="Retângulo 28">
+                <a:extLst>
+                  <a:ext uri="{FF2B5EF4-FFF2-40B4-BE49-F238E27FC236}">
+                    <a16:creationId xmlns:a16="http://schemas.microsoft.com/office/drawing/2014/main" id="{4A7D6D07-7C06-243F-CFA3-30DB4F9324E7}"/>
+                  </a:ext>
+                </a:extLst>
+              </p:cNvPr>
+              <p:cNvSpPr/>
+              <p:nvPr/>
+            </p:nvSpPr>
+            <p:spPr>
+              <a:xfrm>
+                <a:off x="1004104" y="2973610"/>
+                <a:ext cx="2345264" cy="2436590"/>
+              </a:xfrm>
+              <a:prstGeom prst="rect">
+                <a:avLst/>
+              </a:prstGeom>
+              <a:noFill/>
+              <a:ln w="19050">
+                <a:solidFill>
+                  <a:schemeClr val="accent2"/>
+                </a:solidFill>
+                <a:prstDash val="dash"/>
+              </a:ln>
+            </p:spPr>
+            <p:style>
+              <a:lnRef idx="2">
+                <a:schemeClr val="accent1">
+                  <a:shade val="50000"/>
+                </a:schemeClr>
+              </a:lnRef>
+              <a:fillRef idx="1">
+                <a:schemeClr val="accent1"/>
+              </a:fillRef>
+              <a:effectRef idx="0">
+                <a:schemeClr val="accent1"/>
+              </a:effectRef>
+              <a:fontRef idx="minor">
+                <a:schemeClr val="lt1"/>
+              </a:fontRef>
+            </p:style>
+            <p:txBody>
+              <a:bodyPr rtlCol="0" anchor="ctr"/>
+              <a:lstStyle/>
+              <a:p>
+                <a:pPr algn="ctr"/>
+                <a:endParaRPr lang="pt-PT"/>
+              </a:p>
+            </p:txBody>
+          </p:sp>
+          <p:grpSp>
+            <p:nvGrpSpPr>
+              <p:cNvPr id="33" name="Agrupar 32">
+                <a:extLst>
+                  <a:ext uri="{FF2B5EF4-FFF2-40B4-BE49-F238E27FC236}">
+                    <a16:creationId xmlns:a16="http://schemas.microsoft.com/office/drawing/2014/main" id="{4D94B8B5-9CCF-CB29-C1B0-B2535B4B34F4}"/>
+                  </a:ext>
+                </a:extLst>
+              </p:cNvPr>
+              <p:cNvGrpSpPr/>
+              <p:nvPr/>
+            </p:nvGrpSpPr>
+            <p:grpSpPr>
+              <a:xfrm>
+                <a:off x="363082" y="553350"/>
+                <a:ext cx="2986286" cy="3777054"/>
+                <a:chOff x="363082" y="553350"/>
+                <a:chExt cx="2986286" cy="3777054"/>
+              </a:xfrm>
+            </p:grpSpPr>
+            <p:sp>
+              <p:nvSpPr>
+                <p:cNvPr id="27" name="Retângulo 26">
+                  <a:extLst>
+                    <a:ext uri="{FF2B5EF4-FFF2-40B4-BE49-F238E27FC236}">
+                      <a16:creationId xmlns:a16="http://schemas.microsoft.com/office/drawing/2014/main" id="{DB1F8082-E615-6305-2C53-10FE4F5C5A51}"/>
+                    </a:ext>
+                  </a:extLst>
+                </p:cNvPr>
+                <p:cNvSpPr/>
+                <p:nvPr/>
+              </p:nvSpPr>
+              <p:spPr>
+                <a:xfrm>
+                  <a:off x="1004104" y="1363249"/>
+                  <a:ext cx="2345264" cy="1557750"/>
+                </a:xfrm>
+                <a:prstGeom prst="rect">
+                  <a:avLst/>
+                </a:prstGeom>
+                <a:noFill/>
+                <a:ln w="19050">
+                  <a:solidFill>
+                    <a:schemeClr val="accent2"/>
+                  </a:solidFill>
+                  <a:prstDash val="dash"/>
+                </a:ln>
+              </p:spPr>
+              <p:style>
+                <a:lnRef idx="2">
+                  <a:schemeClr val="accent1">
+                    <a:shade val="50000"/>
+                  </a:schemeClr>
+                </a:lnRef>
+                <a:fillRef idx="1">
+                  <a:schemeClr val="accent1"/>
+                </a:fillRef>
+                <a:effectRef idx="0">
+                  <a:schemeClr val="accent1"/>
+                </a:effectRef>
+                <a:fontRef idx="minor">
+                  <a:schemeClr val="lt1"/>
+                </a:fontRef>
+              </p:style>
+              <p:txBody>
+                <a:bodyPr rtlCol="0" anchor="ctr"/>
+                <a:lstStyle/>
+                <a:p>
+                  <a:pPr algn="ctr"/>
+                  <a:endParaRPr lang="pt-PT"/>
+                </a:p>
+              </p:txBody>
+            </p:sp>
+            <p:sp>
+              <p:nvSpPr>
+                <p:cNvPr id="28" name="Retângulo 27">
+                  <a:extLst>
+                    <a:ext uri="{FF2B5EF4-FFF2-40B4-BE49-F238E27FC236}">
+                      <a16:creationId xmlns:a16="http://schemas.microsoft.com/office/drawing/2014/main" id="{2E181DCC-F1D3-8DC9-66AC-E193353295AF}"/>
+                    </a:ext>
+                  </a:extLst>
+                </p:cNvPr>
+                <p:cNvSpPr/>
+                <p:nvPr/>
+              </p:nvSpPr>
+              <p:spPr>
+                <a:xfrm>
+                  <a:off x="1004104" y="553350"/>
+                  <a:ext cx="2345264" cy="757288"/>
+                </a:xfrm>
+                <a:prstGeom prst="rect">
+                  <a:avLst/>
+                </a:prstGeom>
+                <a:noFill/>
+                <a:ln w="19050">
+                  <a:solidFill>
+                    <a:schemeClr val="accent2"/>
+                  </a:solidFill>
+                  <a:prstDash val="dash"/>
+                </a:ln>
+              </p:spPr>
+              <p:style>
+                <a:lnRef idx="2">
+                  <a:schemeClr val="accent1">
+                    <a:shade val="50000"/>
+                  </a:schemeClr>
+                </a:lnRef>
+                <a:fillRef idx="1">
+                  <a:schemeClr val="accent1"/>
+                </a:fillRef>
+                <a:effectRef idx="0">
+                  <a:schemeClr val="accent1"/>
+                </a:effectRef>
+                <a:fontRef idx="minor">
+                  <a:schemeClr val="lt1"/>
+                </a:fontRef>
+              </p:style>
+              <p:txBody>
+                <a:bodyPr rtlCol="0" anchor="ctr"/>
+                <a:lstStyle/>
+                <a:p>
+                  <a:pPr algn="ctr"/>
+                  <a:endParaRPr lang="pt-PT"/>
+                </a:p>
+              </p:txBody>
+            </p:sp>
+            <p:sp>
+              <p:nvSpPr>
+                <p:cNvPr id="30" name="CaixaDeTexto 29">
+                  <a:extLst>
+                    <a:ext uri="{FF2B5EF4-FFF2-40B4-BE49-F238E27FC236}">
+                      <a16:creationId xmlns:a16="http://schemas.microsoft.com/office/drawing/2014/main" id="{C3729CCA-39A0-B2F2-10EB-031897E2F718}"/>
+                    </a:ext>
+                  </a:extLst>
+                </p:cNvPr>
+                <p:cNvSpPr txBox="1"/>
+                <p:nvPr/>
+              </p:nvSpPr>
+              <p:spPr>
+                <a:xfrm>
+                  <a:off x="368994" y="817221"/>
+                  <a:ext cx="635110" cy="276999"/>
+                </a:xfrm>
+                <a:prstGeom prst="rect">
+                  <a:avLst/>
+                </a:prstGeom>
+                <a:noFill/>
+              </p:spPr>
+              <p:txBody>
+                <a:bodyPr wrap="none" rtlCol="0">
+                  <a:spAutoFit/>
+                </a:bodyPr>
+                <a:lstStyle/>
+                <a:p>
+                  <a:r>
+                    <a:rPr lang="pt-PT" sz="1200" b="1" dirty="0" err="1">
+                      <a:solidFill>
+                        <a:schemeClr val="accent1"/>
+                      </a:solidFill>
+                      <a:latin typeface="Arial Narrow" panose="020B0606020202030204" pitchFamily="34" charset="0"/>
+                    </a:rPr>
+                    <a:t>Stage</a:t>
+                  </a:r>
+                  <a:r>
+                    <a:rPr lang="pt-PT" sz="1200" b="1" dirty="0">
+                      <a:solidFill>
+                        <a:schemeClr val="accent1"/>
+                      </a:solidFill>
+                      <a:latin typeface="Arial Narrow" panose="020B0606020202030204" pitchFamily="34" charset="0"/>
+                    </a:rPr>
+                    <a:t> 1</a:t>
+                  </a:r>
+                </a:p>
+              </p:txBody>
+            </p:sp>
+            <p:sp>
+              <p:nvSpPr>
+                <p:cNvPr id="31" name="CaixaDeTexto 30">
+                  <a:extLst>
+                    <a:ext uri="{FF2B5EF4-FFF2-40B4-BE49-F238E27FC236}">
+                      <a16:creationId xmlns:a16="http://schemas.microsoft.com/office/drawing/2014/main" id="{739D2DE8-EB11-597E-B7E6-C0F834CF7085}"/>
+                    </a:ext>
+                  </a:extLst>
+                </p:cNvPr>
+                <p:cNvSpPr txBox="1"/>
+                <p:nvPr/>
+              </p:nvSpPr>
+              <p:spPr>
+                <a:xfrm>
+                  <a:off x="368994" y="2003624"/>
+                  <a:ext cx="635110" cy="276999"/>
+                </a:xfrm>
+                <a:prstGeom prst="rect">
+                  <a:avLst/>
+                </a:prstGeom>
+                <a:noFill/>
+              </p:spPr>
+              <p:txBody>
+                <a:bodyPr wrap="none" rtlCol="0">
+                  <a:spAutoFit/>
+                </a:bodyPr>
+                <a:lstStyle/>
+                <a:p>
+                  <a:r>
+                    <a:rPr lang="pt-PT" sz="1200" b="1" dirty="0" err="1">
+                      <a:solidFill>
+                        <a:schemeClr val="accent1"/>
+                      </a:solidFill>
+                      <a:latin typeface="Arial Narrow" panose="020B0606020202030204" pitchFamily="34" charset="0"/>
+                    </a:rPr>
+                    <a:t>Stage</a:t>
+                  </a:r>
+                  <a:r>
+                    <a:rPr lang="pt-PT" sz="1200" b="1" dirty="0">
+                      <a:solidFill>
+                        <a:schemeClr val="accent1"/>
+                      </a:solidFill>
+                      <a:latin typeface="Arial Narrow" panose="020B0606020202030204" pitchFamily="34" charset="0"/>
+                    </a:rPr>
+                    <a:t> 2</a:t>
+                  </a:r>
+                </a:p>
+              </p:txBody>
+            </p:sp>
+            <p:sp>
+              <p:nvSpPr>
+                <p:cNvPr id="32" name="CaixaDeTexto 31">
+                  <a:extLst>
+                    <a:ext uri="{FF2B5EF4-FFF2-40B4-BE49-F238E27FC236}">
+                      <a16:creationId xmlns:a16="http://schemas.microsoft.com/office/drawing/2014/main" id="{2E5E5851-1606-DE91-40A6-B7F889106FD5}"/>
+                    </a:ext>
+                  </a:extLst>
+                </p:cNvPr>
+                <p:cNvSpPr txBox="1"/>
+                <p:nvPr/>
+              </p:nvSpPr>
+              <p:spPr>
+                <a:xfrm>
+                  <a:off x="363082" y="4053405"/>
+                  <a:ext cx="635110" cy="276999"/>
+                </a:xfrm>
+                <a:prstGeom prst="rect">
+                  <a:avLst/>
+                </a:prstGeom>
+                <a:noFill/>
+              </p:spPr>
+              <p:txBody>
+                <a:bodyPr wrap="none" rtlCol="0">
+                  <a:spAutoFit/>
+                </a:bodyPr>
+                <a:lstStyle/>
+                <a:p>
+                  <a:r>
+                    <a:rPr lang="pt-PT" sz="1200" b="1" dirty="0" err="1">
+                      <a:solidFill>
+                        <a:schemeClr val="accent1"/>
+                      </a:solidFill>
+                      <a:latin typeface="Arial Narrow" panose="020B0606020202030204" pitchFamily="34" charset="0"/>
+                    </a:rPr>
+                    <a:t>Stage</a:t>
+                  </a:r>
+                  <a:r>
+                    <a:rPr lang="pt-PT" sz="1200" b="1" dirty="0">
+                      <a:solidFill>
+                        <a:schemeClr val="accent1"/>
+                      </a:solidFill>
+                      <a:latin typeface="Arial Narrow" panose="020B0606020202030204" pitchFamily="34" charset="0"/>
+                    </a:rPr>
+                    <a:t> 3</a:t>
+                  </a:r>
+                </a:p>
+              </p:txBody>
+            </p:sp>
+          </p:grpSp>
+        </p:grpSp>
+        <p:sp>
+          <p:nvSpPr>
+            <p:cNvPr id="35" name="Retângulo 34">
+              <a:extLst>
+                <a:ext uri="{FF2B5EF4-FFF2-40B4-BE49-F238E27FC236}">
+                  <a16:creationId xmlns:a16="http://schemas.microsoft.com/office/drawing/2014/main" id="{E5EAD3F4-3794-EBCD-458E-5F9BDB73C5B1}"/>
+                </a:ext>
+              </a:extLst>
+            </p:cNvPr>
+            <p:cNvSpPr/>
+            <p:nvPr/>
+          </p:nvSpPr>
+          <p:spPr>
+            <a:xfrm>
+              <a:off x="1004104" y="5441532"/>
+              <a:ext cx="2345264" cy="295839"/>
+            </a:xfrm>
+            <a:prstGeom prst="rect">
+              <a:avLst/>
+            </a:prstGeom>
+            <a:noFill/>
+            <a:ln w="19050">
+              <a:solidFill>
+                <a:schemeClr val="accent2"/>
+              </a:solidFill>
+              <a:prstDash val="dash"/>
+            </a:ln>
+          </p:spPr>
+          <p:style>
+            <a:lnRef idx="2">
+              <a:schemeClr val="accent1">
+                <a:shade val="50000"/>
+              </a:schemeClr>
+            </a:lnRef>
+            <a:fillRef idx="1">
+              <a:schemeClr val="accent1"/>
+            </a:fillRef>
+            <a:effectRef idx="0">
+              <a:schemeClr val="accent1"/>
+            </a:effectRef>
+            <a:fontRef idx="minor">
+              <a:schemeClr val="lt1"/>
+            </a:fontRef>
+          </p:style>
+          <p:txBody>
+            <a:bodyPr rtlCol="0" anchor="ctr"/>
+            <a:lstStyle/>
+            <a:p>
+              <a:pPr algn="ctr"/>
+              <a:endParaRPr lang="pt-PT"/>
+            </a:p>
+          </p:txBody>
+        </p:sp>
+        <p:sp>
+          <p:nvSpPr>
+            <p:cNvPr id="36" name="CaixaDeTexto 35">
+              <a:extLst>
+                <a:ext uri="{FF2B5EF4-FFF2-40B4-BE49-F238E27FC236}">
+                  <a16:creationId xmlns:a16="http://schemas.microsoft.com/office/drawing/2014/main" id="{32F08094-326D-EC23-2CD4-4AA3748474BE}"/>
+                </a:ext>
+              </a:extLst>
+            </p:cNvPr>
+            <p:cNvSpPr txBox="1"/>
+            <p:nvPr/>
+          </p:nvSpPr>
+          <p:spPr>
+            <a:xfrm>
+              <a:off x="193040" y="5450951"/>
+              <a:ext cx="1015145" cy="276999"/>
+            </a:xfrm>
+            <a:prstGeom prst="rect">
+              <a:avLst/>
+            </a:prstGeom>
+            <a:noFill/>
+          </p:spPr>
+          <p:txBody>
+            <a:bodyPr wrap="square" rtlCol="0">
+              <a:spAutoFit/>
+            </a:bodyPr>
+            <a:lstStyle/>
+            <a:p>
+              <a:r>
+                <a:rPr lang="pt-PT" sz="1200" b="1" dirty="0" err="1">
+                  <a:solidFill>
+                    <a:schemeClr val="accent1"/>
+                  </a:solidFill>
+                  <a:latin typeface="Arial Narrow" panose="020B0606020202030204" pitchFamily="34" charset="0"/>
+                </a:rPr>
+                <a:t>Sorted</a:t>
+              </a:r>
+              <a:r>
+                <a:rPr lang="pt-PT" sz="1200" b="1" dirty="0">
+                  <a:solidFill>
+                    <a:schemeClr val="accent1"/>
+                  </a:solidFill>
+                  <a:latin typeface="Arial Narrow" panose="020B0606020202030204" pitchFamily="34" charset="0"/>
+                </a:rPr>
+                <a:t> </a:t>
+              </a:r>
+              <a:r>
+                <a:rPr lang="pt-PT" sz="1200" b="1" dirty="0" err="1">
+                  <a:solidFill>
+                    <a:schemeClr val="accent1"/>
+                  </a:solidFill>
+                  <a:latin typeface="Arial Narrow" panose="020B0606020202030204" pitchFamily="34" charset="0"/>
+                </a:rPr>
+                <a:t>List</a:t>
+              </a:r>
+              <a:endParaRPr lang="pt-PT" sz="1200" b="1" dirty="0">
+                <a:solidFill>
+                  <a:schemeClr val="accent1"/>
+                </a:solidFill>
+                <a:latin typeface="Arial Narrow" panose="020B0606020202030204" pitchFamily="34" charset="0"/>
+              </a:endParaRPr>
+            </a:p>
+          </p:txBody>
+        </p:sp>
+      </p:grpSp>
+      <p:grpSp>
+        <p:nvGrpSpPr>
+          <p:cNvPr id="83" name="Agrupar 82">
+            <a:extLst>
+              <a:ext uri="{FF2B5EF4-FFF2-40B4-BE49-F238E27FC236}">
+                <a16:creationId xmlns:a16="http://schemas.microsoft.com/office/drawing/2014/main" id="{2F1C2DC5-9DF0-34D2-AAE5-EA2CF0F6FC46}"/>
+              </a:ext>
+            </a:extLst>
+          </p:cNvPr>
+          <p:cNvGrpSpPr/>
+          <p:nvPr/>
+        </p:nvGrpSpPr>
+        <p:grpSpPr>
+          <a:xfrm>
+            <a:off x="4159222" y="553350"/>
+            <a:ext cx="3086054" cy="5184022"/>
+            <a:chOff x="4159222" y="314021"/>
+            <a:chExt cx="3086054" cy="5839129"/>
+          </a:xfrm>
+        </p:grpSpPr>
+        <p:grpSp>
+          <p:nvGrpSpPr>
+            <p:cNvPr id="77" name="Agrupar 76">
+              <a:extLst>
+                <a:ext uri="{FF2B5EF4-FFF2-40B4-BE49-F238E27FC236}">
+                  <a16:creationId xmlns:a16="http://schemas.microsoft.com/office/drawing/2014/main" id="{1C65FE93-6651-92C9-B618-85436F68F796}"/>
+                </a:ext>
+              </a:extLst>
+            </p:cNvPr>
+            <p:cNvGrpSpPr/>
+            <p:nvPr/>
+          </p:nvGrpSpPr>
+          <p:grpSpPr>
+            <a:xfrm>
+              <a:off x="4160432" y="314021"/>
+              <a:ext cx="3084844" cy="5839129"/>
+              <a:chOff x="4781875" y="80776"/>
+              <a:chExt cx="3084844" cy="6727040"/>
+            </a:xfrm>
+          </p:grpSpPr>
+          <p:pic>
+            <p:nvPicPr>
+              <p:cNvPr id="71" name="Imagem 70">
+                <a:extLst>
+                  <a:ext uri="{FF2B5EF4-FFF2-40B4-BE49-F238E27FC236}">
+                    <a16:creationId xmlns:a16="http://schemas.microsoft.com/office/drawing/2014/main" id="{87F18734-55D8-8F03-D2A8-42B005B64ADF}"/>
+                  </a:ext>
+                </a:extLst>
+              </p:cNvPr>
+              <p:cNvPicPr>
+                <a:picLocks noChangeAspect="1"/>
+              </p:cNvPicPr>
+              <p:nvPr/>
+            </p:nvPicPr>
+            <p:blipFill>
+              <a:blip r:embed="rId3"/>
+              <a:stretch>
+                <a:fillRect/>
+              </a:stretch>
+            </p:blipFill>
+            <p:spPr>
+              <a:xfrm>
+                <a:off x="4806262" y="4058089"/>
+                <a:ext cx="3048264" cy="804742"/>
+              </a:xfrm>
+              <a:prstGeom prst="rect">
+                <a:avLst/>
+              </a:prstGeom>
+            </p:spPr>
+          </p:pic>
+          <p:pic>
+            <p:nvPicPr>
+              <p:cNvPr id="55" name="Imagem 54">
+                <a:extLst>
+                  <a:ext uri="{FF2B5EF4-FFF2-40B4-BE49-F238E27FC236}">
+                    <a16:creationId xmlns:a16="http://schemas.microsoft.com/office/drawing/2014/main" id="{5D5D80A2-B26F-EA27-3C07-6E126739C1A0}"/>
+                  </a:ext>
+                </a:extLst>
+              </p:cNvPr>
+              <p:cNvPicPr>
+                <a:picLocks noChangeAspect="1"/>
+              </p:cNvPicPr>
+              <p:nvPr/>
+            </p:nvPicPr>
+            <p:blipFill>
+              <a:blip r:embed="rId4"/>
+              <a:stretch>
+                <a:fillRect/>
+              </a:stretch>
+            </p:blipFill>
+            <p:spPr>
+              <a:xfrm>
+                <a:off x="4800165" y="335862"/>
+                <a:ext cx="3060457" cy="810838"/>
+              </a:xfrm>
+              <a:prstGeom prst="rect">
+                <a:avLst/>
+              </a:prstGeom>
+            </p:spPr>
+          </p:pic>
+          <p:pic>
+            <p:nvPicPr>
+              <p:cNvPr id="17" name="Imagem 16">
+                <a:extLst>
+                  <a:ext uri="{FF2B5EF4-FFF2-40B4-BE49-F238E27FC236}">
+                    <a16:creationId xmlns:a16="http://schemas.microsoft.com/office/drawing/2014/main" id="{26560FE9-02EA-7ADE-0C6A-BBD394B10422}"/>
+                  </a:ext>
+                </a:extLst>
+              </p:cNvPr>
+              <p:cNvPicPr>
+                <a:picLocks noChangeAspect="1"/>
+              </p:cNvPicPr>
+              <p:nvPr/>
+            </p:nvPicPr>
+            <p:blipFill>
+              <a:blip r:embed="rId5"/>
+              <a:stretch>
+                <a:fillRect/>
+              </a:stretch>
+            </p:blipFill>
+            <p:spPr>
+              <a:xfrm>
+                <a:off x="4800165" y="1203566"/>
+                <a:ext cx="3066554" cy="804742"/>
+              </a:xfrm>
+              <a:prstGeom prst="rect">
+                <a:avLst/>
+              </a:prstGeom>
+            </p:spPr>
+          </p:pic>
+          <p:pic>
+            <p:nvPicPr>
+              <p:cNvPr id="20" name="Imagem 19">
+                <a:extLst>
+                  <a:ext uri="{FF2B5EF4-FFF2-40B4-BE49-F238E27FC236}">
+                    <a16:creationId xmlns:a16="http://schemas.microsoft.com/office/drawing/2014/main" id="{D0FB3DF8-BF1B-843F-8A25-42EF11A6E02B}"/>
+                  </a:ext>
+                </a:extLst>
+              </p:cNvPr>
+              <p:cNvPicPr>
+                <a:picLocks noChangeAspect="1"/>
+              </p:cNvPicPr>
+              <p:nvPr/>
+            </p:nvPicPr>
+            <p:blipFill>
+              <a:blip r:embed="rId6"/>
+              <a:stretch>
+                <a:fillRect/>
+              </a:stretch>
+            </p:blipFill>
+            <p:spPr>
+              <a:xfrm>
+                <a:off x="4781875" y="6003074"/>
+                <a:ext cx="3072650" cy="804742"/>
+              </a:xfrm>
+              <a:prstGeom prst="rect">
+                <a:avLst/>
+              </a:prstGeom>
+            </p:spPr>
+          </p:pic>
+          <p:pic>
+            <p:nvPicPr>
+              <p:cNvPr id="46" name="Imagem 45">
+                <a:extLst>
+                  <a:ext uri="{FF2B5EF4-FFF2-40B4-BE49-F238E27FC236}">
+                    <a16:creationId xmlns:a16="http://schemas.microsoft.com/office/drawing/2014/main" id="{7E104EDC-6E37-180F-2286-44C1CE1A895B}"/>
+                  </a:ext>
+                </a:extLst>
+              </p:cNvPr>
+              <p:cNvPicPr>
+                <a:picLocks noChangeAspect="1"/>
+              </p:cNvPicPr>
+              <p:nvPr/>
+            </p:nvPicPr>
+            <p:blipFill>
+              <a:blip r:embed="rId7"/>
+              <a:stretch>
+                <a:fillRect/>
+              </a:stretch>
+            </p:blipFill>
+            <p:spPr>
+              <a:xfrm>
+                <a:off x="4800165" y="2057942"/>
+                <a:ext cx="3054361" cy="804742"/>
+              </a:xfrm>
+              <a:prstGeom prst="rect">
+                <a:avLst/>
+              </a:prstGeom>
+            </p:spPr>
+          </p:pic>
+          <p:cxnSp>
+            <p:nvCxnSpPr>
+              <p:cNvPr id="40" name="Conexão reta 39">
+                <a:extLst>
+                  <a:ext uri="{FF2B5EF4-FFF2-40B4-BE49-F238E27FC236}">
+                    <a16:creationId xmlns:a16="http://schemas.microsoft.com/office/drawing/2014/main" id="{6ADE0C8D-11D0-66DB-0ECD-75CE2E5F1486}"/>
+                  </a:ext>
+                </a:extLst>
+              </p:cNvPr>
+              <p:cNvCxnSpPr>
+                <a:cxnSpLocks/>
+              </p:cNvCxnSpPr>
+              <p:nvPr/>
+            </p:nvCxnSpPr>
+            <p:spPr>
+              <a:xfrm>
+                <a:off x="5804053" y="201465"/>
+                <a:ext cx="0" cy="2717800"/>
+              </a:xfrm>
+              <a:prstGeom prst="line">
+                <a:avLst/>
+              </a:prstGeom>
+              <a:ln>
+                <a:solidFill>
+                  <a:schemeClr val="accent4"/>
+                </a:solidFill>
+                <a:prstDash val="sysDash"/>
+              </a:ln>
+            </p:spPr>
+            <p:style>
+              <a:lnRef idx="1">
+                <a:schemeClr val="accent1"/>
+              </a:lnRef>
+              <a:fillRef idx="0">
+                <a:schemeClr val="accent1"/>
+              </a:fillRef>
+              <a:effectRef idx="0">
+                <a:schemeClr val="accent1"/>
+              </a:effectRef>
+              <a:fontRef idx="minor">
+                <a:schemeClr val="tx1"/>
+              </a:fontRef>
+            </p:style>
+          </p:cxnSp>
+          <p:pic>
+            <p:nvPicPr>
+              <p:cNvPr id="50" name="Imagem 49">
+                <a:extLst>
+                  <a:ext uri="{FF2B5EF4-FFF2-40B4-BE49-F238E27FC236}">
+                    <a16:creationId xmlns:a16="http://schemas.microsoft.com/office/drawing/2014/main" id="{532C931A-1826-39A2-6A1B-FD88F4DBAC41}"/>
+                  </a:ext>
+                </a:extLst>
+              </p:cNvPr>
+              <p:cNvPicPr>
+                <a:picLocks noChangeAspect="1"/>
+              </p:cNvPicPr>
+              <p:nvPr/>
+            </p:nvPicPr>
+            <p:blipFill>
+              <a:blip r:embed="rId8"/>
+              <a:stretch>
+                <a:fillRect/>
+              </a:stretch>
+            </p:blipFill>
+            <p:spPr>
+              <a:xfrm>
+                <a:off x="4800165" y="3180246"/>
+                <a:ext cx="3054361" cy="810838"/>
+              </a:xfrm>
+              <a:prstGeom prst="rect">
+                <a:avLst/>
+              </a:prstGeom>
+            </p:spPr>
+          </p:pic>
+          <p:cxnSp>
+            <p:nvCxnSpPr>
+              <p:cNvPr id="42" name="Conexão reta 41">
+                <a:extLst>
+                  <a:ext uri="{FF2B5EF4-FFF2-40B4-BE49-F238E27FC236}">
+                    <a16:creationId xmlns:a16="http://schemas.microsoft.com/office/drawing/2014/main" id="{4DC3FD41-E6A3-2F61-F9AF-D9D237420913}"/>
+                  </a:ext>
+                </a:extLst>
+              </p:cNvPr>
+              <p:cNvCxnSpPr>
+                <a:cxnSpLocks/>
+              </p:cNvCxnSpPr>
+              <p:nvPr/>
+            </p:nvCxnSpPr>
+            <p:spPr>
+              <a:xfrm>
+                <a:off x="6477153" y="201465"/>
+                <a:ext cx="0" cy="4713025"/>
+              </a:xfrm>
+              <a:prstGeom prst="line">
+                <a:avLst/>
+              </a:prstGeom>
+              <a:ln>
+                <a:solidFill>
+                  <a:schemeClr val="accent4"/>
+                </a:solidFill>
+                <a:prstDash val="sysDash"/>
+              </a:ln>
+            </p:spPr>
+            <p:style>
+              <a:lnRef idx="1">
+                <a:schemeClr val="accent1"/>
+              </a:lnRef>
+              <a:fillRef idx="0">
+                <a:schemeClr val="accent1"/>
+              </a:fillRef>
+              <a:effectRef idx="0">
+                <a:schemeClr val="accent1"/>
+              </a:effectRef>
+              <a:fontRef idx="minor">
+                <a:schemeClr val="tx1"/>
+              </a:fontRef>
+            </p:style>
+          </p:cxnSp>
+          <p:cxnSp>
+            <p:nvCxnSpPr>
+              <p:cNvPr id="58" name="Conexão reta 57">
+                <a:extLst>
+                  <a:ext uri="{FF2B5EF4-FFF2-40B4-BE49-F238E27FC236}">
+                    <a16:creationId xmlns:a16="http://schemas.microsoft.com/office/drawing/2014/main" id="{1B8A3512-810F-2011-44D6-D62E996E1394}"/>
+                  </a:ext>
+                </a:extLst>
+              </p:cNvPr>
+              <p:cNvCxnSpPr>
+                <a:cxnSpLocks/>
+              </p:cNvCxnSpPr>
+              <p:nvPr/>
+            </p:nvCxnSpPr>
+            <p:spPr>
+              <a:xfrm>
+                <a:off x="7160413" y="201465"/>
+                <a:ext cx="0" cy="2717800"/>
+              </a:xfrm>
+              <a:prstGeom prst="line">
+                <a:avLst/>
+              </a:prstGeom>
+              <a:ln>
+                <a:solidFill>
+                  <a:schemeClr val="accent4"/>
+                </a:solidFill>
+                <a:prstDash val="sysDash"/>
+              </a:ln>
+            </p:spPr>
+            <p:style>
+              <a:lnRef idx="1">
+                <a:schemeClr val="accent1"/>
+              </a:lnRef>
+              <a:fillRef idx="0">
+                <a:schemeClr val="accent1"/>
+              </a:fillRef>
+              <a:effectRef idx="0">
+                <a:schemeClr val="accent1"/>
+              </a:effectRef>
+              <a:fontRef idx="minor">
+                <a:schemeClr val="tx1"/>
+              </a:fontRef>
+            </p:style>
+          </p:cxnSp>
+          <p:sp>
+            <p:nvSpPr>
+              <p:cNvPr id="59" name="CaixaDeTexto 58">
+                <a:extLst>
+                  <a:ext uri="{FF2B5EF4-FFF2-40B4-BE49-F238E27FC236}">
+                    <a16:creationId xmlns:a16="http://schemas.microsoft.com/office/drawing/2014/main" id="{FBBB09BE-A062-8DD4-9A07-625887A90C21}"/>
+                  </a:ext>
+                </a:extLst>
+              </p:cNvPr>
+              <p:cNvSpPr txBox="1"/>
+              <p:nvPr/>
+            </p:nvSpPr>
+            <p:spPr>
+              <a:xfrm>
+                <a:off x="5070875" y="83231"/>
+                <a:ext cx="611065" cy="283662"/>
+              </a:xfrm>
+              <a:prstGeom prst="rect">
+                <a:avLst/>
+              </a:prstGeom>
+              <a:noFill/>
+            </p:spPr>
+            <p:txBody>
+              <a:bodyPr wrap="none" rtlCol="0">
+                <a:spAutoFit/>
+              </a:bodyPr>
+              <a:lstStyle/>
+              <a:p>
+                <a:r>
+                  <a:rPr lang="pt-PT" sz="1000" dirty="0" err="1">
+                    <a:solidFill>
+                      <a:schemeClr val="accent1">
+                        <a:lumMod val="50000"/>
+                      </a:schemeClr>
+                    </a:solidFill>
+                  </a:rPr>
+                  <a:t>Sub-list</a:t>
+                </a:r>
+                <a:endParaRPr lang="pt-PT" sz="1000" dirty="0">
+                  <a:solidFill>
+                    <a:schemeClr val="accent1">
+                      <a:lumMod val="50000"/>
+                    </a:schemeClr>
+                  </a:solidFill>
+                </a:endParaRPr>
+              </a:p>
+            </p:txBody>
+          </p:sp>
+          <p:sp>
+            <p:nvSpPr>
+              <p:cNvPr id="60" name="CaixaDeTexto 59">
+                <a:extLst>
+                  <a:ext uri="{FF2B5EF4-FFF2-40B4-BE49-F238E27FC236}">
+                    <a16:creationId xmlns:a16="http://schemas.microsoft.com/office/drawing/2014/main" id="{9C2486A1-1EC1-FDD3-863B-F2AD0A84F3D9}"/>
+                  </a:ext>
+                </a:extLst>
+              </p:cNvPr>
+              <p:cNvSpPr txBox="1"/>
+              <p:nvPr/>
+            </p:nvSpPr>
+            <p:spPr>
+              <a:xfrm>
+                <a:off x="5846141" y="80776"/>
+                <a:ext cx="611065" cy="283662"/>
+              </a:xfrm>
+              <a:prstGeom prst="rect">
+                <a:avLst/>
+              </a:prstGeom>
+              <a:noFill/>
+            </p:spPr>
+            <p:txBody>
+              <a:bodyPr wrap="none" rtlCol="0">
+                <a:spAutoFit/>
+              </a:bodyPr>
+              <a:lstStyle/>
+              <a:p>
+                <a:r>
+                  <a:rPr lang="pt-PT" sz="1000" dirty="0" err="1">
+                    <a:solidFill>
+                      <a:schemeClr val="accent1">
+                        <a:lumMod val="50000"/>
+                      </a:schemeClr>
+                    </a:solidFill>
+                  </a:rPr>
+                  <a:t>Sub-list</a:t>
+                </a:r>
+                <a:endParaRPr lang="pt-PT" sz="1000" dirty="0">
+                  <a:solidFill>
+                    <a:schemeClr val="accent1">
+                      <a:lumMod val="50000"/>
+                    </a:schemeClr>
+                  </a:solidFill>
+                </a:endParaRPr>
+              </a:p>
+            </p:txBody>
+          </p:sp>
+          <p:sp>
+            <p:nvSpPr>
+              <p:cNvPr id="61" name="CaixaDeTexto 60">
+                <a:extLst>
+                  <a:ext uri="{FF2B5EF4-FFF2-40B4-BE49-F238E27FC236}">
+                    <a16:creationId xmlns:a16="http://schemas.microsoft.com/office/drawing/2014/main" id="{9D8A3736-C70B-980B-05A6-FCAFB67F2E1D}"/>
+                  </a:ext>
+                </a:extLst>
+              </p:cNvPr>
+              <p:cNvSpPr txBox="1"/>
+              <p:nvPr/>
+            </p:nvSpPr>
+            <p:spPr>
+              <a:xfrm>
+                <a:off x="6534891" y="80776"/>
+                <a:ext cx="611065" cy="283662"/>
+              </a:xfrm>
+              <a:prstGeom prst="rect">
+                <a:avLst/>
+              </a:prstGeom>
+              <a:noFill/>
+            </p:spPr>
+            <p:txBody>
+              <a:bodyPr wrap="none" rtlCol="0">
+                <a:spAutoFit/>
+              </a:bodyPr>
+              <a:lstStyle/>
+              <a:p>
+                <a:r>
+                  <a:rPr lang="pt-PT" sz="1000" dirty="0" err="1">
+                    <a:solidFill>
+                      <a:schemeClr val="accent1">
+                        <a:lumMod val="50000"/>
+                      </a:schemeClr>
+                    </a:solidFill>
+                  </a:rPr>
+                  <a:t>Sub-list</a:t>
+                </a:r>
+                <a:endParaRPr lang="pt-PT" sz="1000" dirty="0">
+                  <a:solidFill>
+                    <a:schemeClr val="accent1">
+                      <a:lumMod val="50000"/>
+                    </a:schemeClr>
+                  </a:solidFill>
+                </a:endParaRPr>
+              </a:p>
+            </p:txBody>
+          </p:sp>
+          <p:sp>
+            <p:nvSpPr>
+              <p:cNvPr id="62" name="CaixaDeTexto 61">
+                <a:extLst>
+                  <a:ext uri="{FF2B5EF4-FFF2-40B4-BE49-F238E27FC236}">
+                    <a16:creationId xmlns:a16="http://schemas.microsoft.com/office/drawing/2014/main" id="{E186534B-9734-868A-CB37-2D0A7F12EE26}"/>
+                  </a:ext>
+                </a:extLst>
+              </p:cNvPr>
+              <p:cNvSpPr txBox="1"/>
+              <p:nvPr/>
+            </p:nvSpPr>
+            <p:spPr>
+              <a:xfrm>
+                <a:off x="7226626" y="80776"/>
+                <a:ext cx="611065" cy="305409"/>
+              </a:xfrm>
+              <a:prstGeom prst="rect">
+                <a:avLst/>
+              </a:prstGeom>
+              <a:noFill/>
+            </p:spPr>
+            <p:txBody>
+              <a:bodyPr wrap="none" rtlCol="0">
+                <a:spAutoFit/>
+              </a:bodyPr>
+              <a:lstStyle/>
+              <a:p>
+                <a:r>
+                  <a:rPr lang="pt-PT" sz="1000" dirty="0" err="1">
+                    <a:solidFill>
+                      <a:schemeClr val="accent1">
+                        <a:lumMod val="50000"/>
+                      </a:schemeClr>
+                    </a:solidFill>
+                  </a:rPr>
+                  <a:t>Sub-list</a:t>
+                </a:r>
+                <a:endParaRPr lang="pt-PT" sz="1000" dirty="0">
+                  <a:solidFill>
+                    <a:schemeClr val="accent1">
+                      <a:lumMod val="50000"/>
+                    </a:schemeClr>
+                  </a:solidFill>
+                </a:endParaRPr>
+              </a:p>
+            </p:txBody>
+          </p:sp>
+          <p:sp>
+            <p:nvSpPr>
+              <p:cNvPr id="68" name="CaixaDeTexto 67">
+                <a:extLst>
+                  <a:ext uri="{FF2B5EF4-FFF2-40B4-BE49-F238E27FC236}">
+                    <a16:creationId xmlns:a16="http://schemas.microsoft.com/office/drawing/2014/main" id="{2C90C908-2C59-7F35-F3C1-D3C072509086}"/>
+                  </a:ext>
+                </a:extLst>
+              </p:cNvPr>
+              <p:cNvSpPr txBox="1"/>
+              <p:nvPr/>
+            </p:nvSpPr>
+            <p:spPr>
+              <a:xfrm>
+                <a:off x="5436635" y="2926645"/>
+                <a:ext cx="611065" cy="283662"/>
+              </a:xfrm>
+              <a:prstGeom prst="rect">
+                <a:avLst/>
+              </a:prstGeom>
+              <a:noFill/>
+            </p:spPr>
+            <p:txBody>
+              <a:bodyPr wrap="none" rtlCol="0">
+                <a:spAutoFit/>
+              </a:bodyPr>
+              <a:lstStyle/>
+              <a:p>
+                <a:r>
+                  <a:rPr lang="pt-PT" sz="1000" dirty="0" err="1">
+                    <a:solidFill>
+                      <a:schemeClr val="accent1">
+                        <a:lumMod val="50000"/>
+                      </a:schemeClr>
+                    </a:solidFill>
+                  </a:rPr>
+                  <a:t>Sub-list</a:t>
+                </a:r>
+                <a:endParaRPr lang="pt-PT" sz="1000" dirty="0">
+                  <a:solidFill>
+                    <a:schemeClr val="accent1">
+                      <a:lumMod val="50000"/>
+                    </a:schemeClr>
+                  </a:solidFill>
+                </a:endParaRPr>
+              </a:p>
+            </p:txBody>
+          </p:sp>
+          <p:sp>
+            <p:nvSpPr>
+              <p:cNvPr id="70" name="CaixaDeTexto 69">
+                <a:extLst>
+                  <a:ext uri="{FF2B5EF4-FFF2-40B4-BE49-F238E27FC236}">
+                    <a16:creationId xmlns:a16="http://schemas.microsoft.com/office/drawing/2014/main" id="{79AD2E4A-7CBF-ECC8-637D-9FE390FADAAB}"/>
+                  </a:ext>
+                </a:extLst>
+              </p:cNvPr>
+              <p:cNvSpPr txBox="1"/>
+              <p:nvPr/>
+            </p:nvSpPr>
+            <p:spPr>
+              <a:xfrm>
+                <a:off x="6866361" y="2926645"/>
+                <a:ext cx="611065" cy="283662"/>
+              </a:xfrm>
+              <a:prstGeom prst="rect">
+                <a:avLst/>
+              </a:prstGeom>
+              <a:noFill/>
+            </p:spPr>
+            <p:txBody>
+              <a:bodyPr wrap="none" rtlCol="0">
+                <a:spAutoFit/>
+              </a:bodyPr>
+              <a:lstStyle/>
+              <a:p>
+                <a:r>
+                  <a:rPr lang="pt-PT" sz="1000" dirty="0" err="1">
+                    <a:solidFill>
+                      <a:schemeClr val="accent1">
+                        <a:lumMod val="50000"/>
+                      </a:schemeClr>
+                    </a:solidFill>
+                  </a:rPr>
+                  <a:t>Sub-list</a:t>
+                </a:r>
+                <a:endParaRPr lang="pt-PT" sz="1000" dirty="0">
+                  <a:solidFill>
+                    <a:schemeClr val="accent1">
+                      <a:lumMod val="50000"/>
+                    </a:schemeClr>
+                  </a:solidFill>
+                </a:endParaRPr>
+              </a:p>
+            </p:txBody>
+          </p:sp>
+          <p:pic>
+            <p:nvPicPr>
+              <p:cNvPr id="72" name="Imagem 71">
+                <a:extLst>
+                  <a:ext uri="{FF2B5EF4-FFF2-40B4-BE49-F238E27FC236}">
+                    <a16:creationId xmlns:a16="http://schemas.microsoft.com/office/drawing/2014/main" id="{84A4B40D-58B0-F4EE-1B8F-F7E411F15537}"/>
+                  </a:ext>
+                </a:extLst>
+              </p:cNvPr>
+              <p:cNvPicPr>
+                <a:picLocks noChangeAspect="1"/>
+              </p:cNvPicPr>
+              <p:nvPr/>
+            </p:nvPicPr>
+            <p:blipFill>
+              <a:blip r:embed="rId9"/>
+              <a:stretch>
+                <a:fillRect/>
+              </a:stretch>
+            </p:blipFill>
+            <p:spPr>
+              <a:xfrm>
+                <a:off x="4800164" y="5131327"/>
+                <a:ext cx="3054361" cy="804742"/>
+              </a:xfrm>
+              <a:prstGeom prst="rect">
+                <a:avLst/>
+              </a:prstGeom>
+            </p:spPr>
+          </p:pic>
+          <p:sp>
+            <p:nvSpPr>
+              <p:cNvPr id="73" name="CaixaDeTexto 72">
+                <a:extLst>
+                  <a:ext uri="{FF2B5EF4-FFF2-40B4-BE49-F238E27FC236}">
+                    <a16:creationId xmlns:a16="http://schemas.microsoft.com/office/drawing/2014/main" id="{EEE848D8-8582-BA5D-A051-5E4E70693EE7}"/>
+                  </a:ext>
+                </a:extLst>
+              </p:cNvPr>
+              <p:cNvSpPr txBox="1"/>
+              <p:nvPr/>
+            </p:nvSpPr>
+            <p:spPr>
+              <a:xfrm>
+                <a:off x="6193261" y="4893988"/>
+                <a:ext cx="625492" cy="283662"/>
+              </a:xfrm>
+              <a:prstGeom prst="rect">
+                <a:avLst/>
+              </a:prstGeom>
+              <a:noFill/>
+            </p:spPr>
+            <p:txBody>
+              <a:bodyPr wrap="none" rtlCol="0">
+                <a:spAutoFit/>
+              </a:bodyPr>
+              <a:lstStyle/>
+              <a:p>
+                <a:r>
+                  <a:rPr lang="pt-PT" sz="1000" dirty="0" err="1">
+                    <a:solidFill>
+                      <a:schemeClr val="accent1">
+                        <a:lumMod val="50000"/>
+                      </a:schemeClr>
+                    </a:solidFill>
+                  </a:rPr>
+                  <a:t>Full</a:t>
+                </a:r>
+                <a:r>
+                  <a:rPr lang="pt-PT" sz="1000" dirty="0">
+                    <a:solidFill>
+                      <a:schemeClr val="accent4">
+                        <a:lumMod val="75000"/>
+                      </a:schemeClr>
+                    </a:solidFill>
+                  </a:rPr>
+                  <a:t> </a:t>
+                </a:r>
+                <a:r>
+                  <a:rPr lang="pt-PT" sz="1000" dirty="0" err="1">
+                    <a:solidFill>
+                      <a:schemeClr val="accent1">
+                        <a:lumMod val="50000"/>
+                      </a:schemeClr>
+                    </a:solidFill>
+                  </a:rPr>
+                  <a:t>List</a:t>
+                </a:r>
+                <a:endParaRPr lang="pt-PT" sz="1000" dirty="0">
+                  <a:solidFill>
+                    <a:schemeClr val="accent1">
+                      <a:lumMod val="50000"/>
+                    </a:schemeClr>
+                  </a:solidFill>
+                </a:endParaRPr>
+              </a:p>
+            </p:txBody>
+          </p:sp>
+          <p:cxnSp>
+            <p:nvCxnSpPr>
+              <p:cNvPr id="75" name="Conexão reta 74">
+                <a:extLst>
+                  <a:ext uri="{FF2B5EF4-FFF2-40B4-BE49-F238E27FC236}">
+                    <a16:creationId xmlns:a16="http://schemas.microsoft.com/office/drawing/2014/main" id="{7739EAAC-45BF-2842-634D-B12659E02DFF}"/>
+                  </a:ext>
+                </a:extLst>
+              </p:cNvPr>
+              <p:cNvCxnSpPr/>
+              <p:nvPr/>
+            </p:nvCxnSpPr>
+            <p:spPr>
+              <a:xfrm>
+                <a:off x="5122487" y="2926645"/>
+                <a:ext cx="2732038" cy="0"/>
+              </a:xfrm>
+              <a:prstGeom prst="line">
+                <a:avLst/>
+              </a:prstGeom>
+              <a:ln>
+                <a:solidFill>
+                  <a:schemeClr val="accent4"/>
+                </a:solidFill>
+                <a:prstDash val="sysDash"/>
+              </a:ln>
+            </p:spPr>
+            <p:style>
+              <a:lnRef idx="1">
+                <a:schemeClr val="accent1"/>
+              </a:lnRef>
+              <a:fillRef idx="0">
+                <a:schemeClr val="accent1"/>
+              </a:fillRef>
+              <a:effectRef idx="0">
+                <a:schemeClr val="accent1"/>
+              </a:effectRef>
+              <a:fontRef idx="minor">
+                <a:schemeClr val="tx1"/>
+              </a:fontRef>
+            </p:style>
+          </p:cxnSp>
+          <p:cxnSp>
+            <p:nvCxnSpPr>
+              <p:cNvPr id="76" name="Conexão reta 75">
+                <a:extLst>
+                  <a:ext uri="{FF2B5EF4-FFF2-40B4-BE49-F238E27FC236}">
+                    <a16:creationId xmlns:a16="http://schemas.microsoft.com/office/drawing/2014/main" id="{4240C1EA-18EB-B034-3E7C-9EEA840AB46C}"/>
+                  </a:ext>
+                </a:extLst>
+              </p:cNvPr>
+              <p:cNvCxnSpPr/>
+              <p:nvPr/>
+            </p:nvCxnSpPr>
+            <p:spPr>
+              <a:xfrm>
+                <a:off x="5122487" y="4914490"/>
+                <a:ext cx="2732038" cy="0"/>
+              </a:xfrm>
+              <a:prstGeom prst="line">
+                <a:avLst/>
+              </a:prstGeom>
+              <a:ln>
+                <a:solidFill>
+                  <a:schemeClr val="accent4"/>
+                </a:solidFill>
+                <a:prstDash val="sysDash"/>
+              </a:ln>
+            </p:spPr>
+            <p:style>
+              <a:lnRef idx="1">
+                <a:schemeClr val="accent1"/>
+              </a:lnRef>
+              <a:fillRef idx="0">
+                <a:schemeClr val="accent1"/>
+              </a:fillRef>
+              <a:effectRef idx="0">
+                <a:schemeClr val="accent1"/>
+              </a:effectRef>
+              <a:fontRef idx="minor">
+                <a:schemeClr val="tx1"/>
+              </a:fontRef>
+            </p:style>
+          </p:cxnSp>
+        </p:grpSp>
+        <p:sp>
+          <p:nvSpPr>
+            <p:cNvPr id="78" name="Retângulo 77">
+              <a:extLst>
+                <a:ext uri="{FF2B5EF4-FFF2-40B4-BE49-F238E27FC236}">
+                  <a16:creationId xmlns:a16="http://schemas.microsoft.com/office/drawing/2014/main" id="{EFEB9C21-A934-6DE0-0779-EAABF4D1F983}"/>
+                </a:ext>
+              </a:extLst>
+            </p:cNvPr>
+            <p:cNvSpPr/>
+            <p:nvPr/>
+          </p:nvSpPr>
+          <p:spPr>
+            <a:xfrm>
+              <a:off x="4159222" y="350917"/>
+              <a:ext cx="1022179" cy="2430113"/>
+            </a:xfrm>
+            <a:prstGeom prst="rect">
+              <a:avLst/>
+            </a:prstGeom>
+            <a:solidFill>
+              <a:schemeClr val="accent6">
+                <a:alpha val="10000"/>
+              </a:schemeClr>
+            </a:solidFill>
+            <a:ln>
+              <a:noFill/>
+            </a:ln>
+          </p:spPr>
+          <p:style>
+            <a:lnRef idx="2">
+              <a:schemeClr val="accent1">
+                <a:shade val="50000"/>
+              </a:schemeClr>
+            </a:lnRef>
+            <a:fillRef idx="1">
+              <a:schemeClr val="accent1"/>
+            </a:fillRef>
+            <a:effectRef idx="0">
+              <a:schemeClr val="accent1"/>
+            </a:effectRef>
+            <a:fontRef idx="minor">
+              <a:schemeClr val="lt1"/>
+            </a:fontRef>
+          </p:style>
+          <p:txBody>
+            <a:bodyPr rtlCol="0" anchor="ctr"/>
+            <a:lstStyle/>
+            <a:p>
+              <a:pPr algn="ctr"/>
+              <a:endParaRPr lang="pt-PT" dirty="0"/>
+            </a:p>
+          </p:txBody>
+        </p:sp>
+        <p:sp>
+          <p:nvSpPr>
+            <p:cNvPr id="80" name="Retângulo 79">
+              <a:extLst>
+                <a:ext uri="{FF2B5EF4-FFF2-40B4-BE49-F238E27FC236}">
+                  <a16:creationId xmlns:a16="http://schemas.microsoft.com/office/drawing/2014/main" id="{CB768252-0409-D3E9-E663-C7B45D203D1E}"/>
+                </a:ext>
+              </a:extLst>
+            </p:cNvPr>
+            <p:cNvSpPr/>
+            <p:nvPr/>
+          </p:nvSpPr>
+          <p:spPr>
+            <a:xfrm>
+              <a:off x="4159222" y="2784259"/>
+              <a:ext cx="1695279" cy="1719059"/>
+            </a:xfrm>
+            <a:prstGeom prst="rect">
+              <a:avLst/>
+            </a:prstGeom>
+            <a:solidFill>
+              <a:schemeClr val="accent6">
+                <a:alpha val="10000"/>
+              </a:schemeClr>
+            </a:solidFill>
+            <a:ln>
+              <a:noFill/>
+            </a:ln>
+          </p:spPr>
+          <p:style>
+            <a:lnRef idx="2">
+              <a:schemeClr val="accent1">
+                <a:shade val="50000"/>
+              </a:schemeClr>
+            </a:lnRef>
+            <a:fillRef idx="1">
+              <a:schemeClr val="accent1"/>
+            </a:fillRef>
+            <a:effectRef idx="0">
+              <a:schemeClr val="accent1"/>
+            </a:effectRef>
+            <a:fontRef idx="minor">
+              <a:schemeClr val="lt1"/>
+            </a:fontRef>
+          </p:style>
+          <p:txBody>
+            <a:bodyPr rtlCol="0" anchor="ctr"/>
+            <a:lstStyle/>
+            <a:p>
+              <a:pPr algn="ctr"/>
+              <a:endParaRPr lang="pt-PT"/>
+            </a:p>
+          </p:txBody>
+        </p:sp>
+        <p:sp>
+          <p:nvSpPr>
+            <p:cNvPr id="81" name="Retângulo 80">
+              <a:extLst>
+                <a:ext uri="{FF2B5EF4-FFF2-40B4-BE49-F238E27FC236}">
+                  <a16:creationId xmlns:a16="http://schemas.microsoft.com/office/drawing/2014/main" id="{E4A07C83-986D-54F7-28D2-001871B6D6E8}"/>
+                </a:ext>
+              </a:extLst>
+            </p:cNvPr>
+            <p:cNvSpPr/>
+            <p:nvPr/>
+          </p:nvSpPr>
+          <p:spPr>
+            <a:xfrm>
+              <a:off x="4159222" y="4516133"/>
+              <a:ext cx="3086054" cy="1624152"/>
+            </a:xfrm>
+            <a:prstGeom prst="rect">
+              <a:avLst/>
+            </a:prstGeom>
+            <a:solidFill>
+              <a:schemeClr val="accent6">
+                <a:alpha val="10000"/>
+              </a:schemeClr>
+            </a:solidFill>
+            <a:ln>
+              <a:noFill/>
+            </a:ln>
+          </p:spPr>
+          <p:style>
+            <a:lnRef idx="2">
+              <a:schemeClr val="accent1">
+                <a:shade val="50000"/>
+              </a:schemeClr>
+            </a:lnRef>
+            <a:fillRef idx="1">
+              <a:schemeClr val="accent1"/>
+            </a:fillRef>
+            <a:effectRef idx="0">
+              <a:schemeClr val="accent1"/>
+            </a:effectRef>
+            <a:fontRef idx="minor">
+              <a:schemeClr val="lt1"/>
+            </a:fontRef>
+          </p:style>
+          <p:txBody>
+            <a:bodyPr rtlCol="0" anchor="ctr"/>
+            <a:lstStyle/>
+            <a:p>
+              <a:pPr algn="ctr"/>
+              <a:endParaRPr lang="pt-PT"/>
+            </a:p>
+          </p:txBody>
+        </p:sp>
+      </p:grpSp>
+      <p:sp>
+        <p:nvSpPr>
+          <p:cNvPr id="82" name="Retângulo 81">
+            <a:extLst>
+              <a:ext uri="{FF2B5EF4-FFF2-40B4-BE49-F238E27FC236}">
+                <a16:creationId xmlns:a16="http://schemas.microsoft.com/office/drawing/2014/main" id="{BEEFBF4C-8AE6-5829-AD69-A1EB65857D03}"/>
+              </a:ext>
+            </a:extLst>
+          </p:cNvPr>
+          <p:cNvSpPr/>
+          <p:nvPr/>
+        </p:nvSpPr>
+        <p:spPr>
+          <a:xfrm>
+            <a:off x="1012182" y="1363249"/>
+            <a:ext cx="2337186" cy="1557750"/>
+          </a:xfrm>
+          <a:prstGeom prst="rect">
+            <a:avLst/>
+          </a:prstGeom>
+          <a:solidFill>
+            <a:schemeClr val="accent6">
+              <a:alpha val="14000"/>
+            </a:schemeClr>
+          </a:solidFill>
+          <a:ln>
+            <a:noFill/>
+          </a:ln>
+        </p:spPr>
+        <p:style>
+          <a:lnRef idx="2">
+            <a:schemeClr val="accent1">
+              <a:shade val="50000"/>
+            </a:schemeClr>
+          </a:lnRef>
+          <a:fillRef idx="1">
+            <a:schemeClr val="accent1"/>
+          </a:fillRef>
+          <a:effectRef idx="0">
+            <a:schemeClr val="accent1"/>
+          </a:effectRef>
+          <a:fontRef idx="minor">
+            <a:schemeClr val="lt1"/>
+          </a:fontRef>
+        </p:style>
+        <p:txBody>
+          <a:bodyPr rtlCol="0" anchor="ctr"/>
+          <a:lstStyle/>
+          <a:p>
+            <a:pPr algn="ctr"/>
+            <a:endParaRPr lang="pt-PT"/>
+          </a:p>
+        </p:txBody>
+      </p:sp>
     </p:spTree>
   </p:cSld>
   <p:clrMapOvr>
@@ -14300,6 +14961,1581 @@
 </file>
 
 <file path=ppt/slides/slide7.xml><?xml version="1.0" encoding="utf-8"?>
+<p:sld xmlns:a="http://schemas.openxmlformats.org/drawingml/2006/main" xmlns:r="http://schemas.openxmlformats.org/officeDocument/2006/relationships" xmlns:p="http://schemas.openxmlformats.org/presentationml/2006/main">
+  <p:cSld>
+    <p:spTree>
+      <p:nvGrpSpPr>
+        <p:cNvPr id="1" name=""/>
+        <p:cNvGrpSpPr/>
+        <p:nvPr/>
+      </p:nvGrpSpPr>
+      <p:grpSpPr>
+        <a:xfrm>
+          <a:off x="0" y="0"/>
+          <a:ext cx="0" cy="0"/>
+          <a:chOff x="0" y="0"/>
+          <a:chExt cx="0" cy="0"/>
+        </a:xfrm>
+      </p:grpSpPr>
+      <mc:AlternateContent xmlns:mc="http://schemas.openxmlformats.org/markup-compatibility/2006">
+        <mc:Choice xmlns:a14="http://schemas.microsoft.com/office/drawing/2010/main" Requires="a14">
+          <p:sp>
+            <p:nvSpPr>
+              <p:cNvPr id="2" name="CaixaDeTexto 1">
+                <a:extLst>
+                  <a:ext uri="{FF2B5EF4-FFF2-40B4-BE49-F238E27FC236}">
+                    <a16:creationId xmlns:a16="http://schemas.microsoft.com/office/drawing/2014/main" id="{0716E6EC-A8E5-FF40-AF49-908455D2334B}"/>
+                  </a:ext>
+                </a:extLst>
+              </p:cNvPr>
+              <p:cNvSpPr txBox="1"/>
+              <p:nvPr/>
+            </p:nvSpPr>
+            <p:spPr>
+              <a:xfrm>
+                <a:off x="3691467" y="521295"/>
+                <a:ext cx="7963894" cy="4036041"/>
+              </a:xfrm>
+              <a:prstGeom prst="rect">
+                <a:avLst/>
+              </a:prstGeom>
+              <a:noFill/>
+            </p:spPr>
+            <p:txBody>
+              <a:bodyPr wrap="square" rtlCol="0">
+                <a:spAutoFit/>
+              </a:bodyPr>
+              <a:lstStyle/>
+              <a:p>
+                <a:pPr marL="285750" indent="-285750">
+                  <a:spcAft>
+                    <a:spcPts val="600"/>
+                  </a:spcAft>
+                  <a:buFontTx/>
+                  <a:buChar char="-"/>
+                </a:pPr>
+                <a:r>
+                  <a:rPr lang="pt-PT" sz="1400" dirty="0">
+                    <a:latin typeface="+mj-lt"/>
+                  </a:rPr>
+                  <a:t>For a N x N </a:t>
+                </a:r>
+                <a:r>
+                  <a:rPr lang="pt-PT" sz="1400" dirty="0" err="1">
+                    <a:latin typeface="+mj-lt"/>
+                  </a:rPr>
+                  <a:t>matrix</a:t>
+                </a:r>
+                <a:r>
+                  <a:rPr lang="pt-PT" sz="1400" dirty="0">
+                    <a:latin typeface="+mj-lt"/>
+                  </a:rPr>
+                  <a:t>, the </a:t>
+                </a:r>
+                <a:r>
+                  <a:rPr lang="pt-PT" sz="1400" dirty="0" err="1">
+                    <a:latin typeface="+mj-lt"/>
+                  </a:rPr>
+                  <a:t>number</a:t>
+                </a:r>
+                <a:r>
+                  <a:rPr lang="pt-PT" sz="1400" dirty="0">
+                    <a:latin typeface="+mj-lt"/>
+                  </a:rPr>
+                  <a:t> </a:t>
+                </a:r>
+                <a:r>
+                  <a:rPr lang="pt-PT" sz="1400" dirty="0" err="1">
+                    <a:latin typeface="+mj-lt"/>
+                  </a:rPr>
+                  <a:t>of</a:t>
+                </a:r>
+                <a:r>
+                  <a:rPr lang="pt-PT" sz="1400" dirty="0">
+                    <a:latin typeface="+mj-lt"/>
+                  </a:rPr>
+                  <a:t> the </a:t>
+                </a:r>
+                <a:r>
+                  <a:rPr lang="pt-PT" sz="1400" dirty="0" err="1">
+                    <a:latin typeface="+mj-lt"/>
+                  </a:rPr>
+                  <a:t>initial</a:t>
+                </a:r>
+                <a:r>
+                  <a:rPr lang="pt-PT" sz="1400" dirty="0">
+                    <a:latin typeface="+mj-lt"/>
+                  </a:rPr>
+                  <a:t> </a:t>
+                </a:r>
+                <a:r>
+                  <a:rPr lang="pt-PT" sz="1400" dirty="0" err="1">
+                    <a:latin typeface="+mj-lt"/>
+                  </a:rPr>
+                  <a:t>sub-list</a:t>
+                </a:r>
+                <a:r>
+                  <a:rPr lang="pt-PT" sz="1400" dirty="0">
+                    <a:latin typeface="+mj-lt"/>
+                  </a:rPr>
+                  <a:t> </a:t>
+                </a:r>
+                <a:r>
+                  <a:rPr lang="pt-PT" sz="1400" dirty="0" err="1">
+                    <a:latin typeface="+mj-lt"/>
+                  </a:rPr>
+                  <a:t>would</a:t>
+                </a:r>
+                <a:r>
+                  <a:rPr lang="pt-PT" sz="1400" dirty="0">
+                    <a:latin typeface="+mj-lt"/>
+                  </a:rPr>
+                  <a:t> </a:t>
+                </a:r>
+                <a:r>
+                  <a:rPr lang="pt-PT" sz="1400" dirty="0" err="1">
+                    <a:latin typeface="+mj-lt"/>
+                  </a:rPr>
+                  <a:t>be</a:t>
+                </a:r>
+                <a:r>
+                  <a:rPr lang="pt-PT" sz="1400" dirty="0">
+                    <a:latin typeface="+mj-lt"/>
+                  </a:rPr>
+                  <a:t> </a:t>
+                </a:r>
+                <a14:m>
+                  <m:oMath xmlns:m="http://schemas.openxmlformats.org/officeDocument/2006/math">
+                    <m:rad>
+                      <m:radPr>
+                        <m:degHide m:val="on"/>
+                        <m:ctrlPr>
+                          <a:rPr lang="pt-PT" sz="1400" i="1" smtClean="0">
+                            <a:latin typeface="Cambria Math" panose="02040503050406030204" pitchFamily="18" charset="0"/>
+                          </a:rPr>
+                        </m:ctrlPr>
+                      </m:radPr>
+                      <m:deg/>
+                      <m:e>
+                        <m:r>
+                          <a:rPr lang="pt-PT" sz="1400" b="0" i="1" smtClean="0">
+                            <a:latin typeface="Cambria Math" panose="02040503050406030204" pitchFamily="18" charset="0"/>
+                          </a:rPr>
+                          <m:t>𝑁𝑥𝑁</m:t>
+                        </m:r>
+                      </m:e>
+                    </m:rad>
+                    <m:r>
+                      <a:rPr lang="pt-PT" sz="1400" b="0" i="1" smtClean="0">
+                        <a:latin typeface="Cambria Math" panose="02040503050406030204" pitchFamily="18" charset="0"/>
+                      </a:rPr>
+                      <m:t>=</m:t>
+                    </m:r>
+                    <m:r>
+                      <a:rPr lang="pt-PT" sz="1400" b="0" i="1" smtClean="0">
+                        <a:latin typeface="Cambria Math" panose="02040503050406030204" pitchFamily="18" charset="0"/>
+                      </a:rPr>
+                      <m:t>𝑁</m:t>
+                    </m:r>
+                    <m:r>
+                      <a:rPr lang="pt-PT" sz="1400" b="0" i="1" smtClean="0">
+                        <a:latin typeface="Cambria Math" panose="02040503050406030204" pitchFamily="18" charset="0"/>
+                      </a:rPr>
+                      <m:t>.</m:t>
+                    </m:r>
+                  </m:oMath>
+                </a14:m>
+                <a:endParaRPr lang="pt-PT" sz="1400" dirty="0">
+                  <a:effectLst/>
+                  <a:latin typeface="+mj-lt"/>
+                  <a:ea typeface="Calibri" panose="020F0502020204030204" pitchFamily="34" charset="0"/>
+                  <a:cs typeface="Times New Roman" panose="02020603050405020304" pitchFamily="18" charset="0"/>
+                </a:endParaRPr>
+              </a:p>
+              <a:p>
+                <a:pPr marL="285750" indent="-285750">
+                  <a:spcAft>
+                    <a:spcPts val="600"/>
+                  </a:spcAft>
+                  <a:buFontTx/>
+                  <a:buChar char="-"/>
+                </a:pPr>
+                <a:r>
+                  <a:rPr lang="pt-PT" sz="1400" dirty="0" err="1">
+                    <a:latin typeface="+mj-lt"/>
+                    <a:ea typeface="Calibri" panose="020F0502020204030204" pitchFamily="34" charset="0"/>
+                    <a:cs typeface="Times New Roman" panose="02020603050405020304" pitchFamily="18" charset="0"/>
+                  </a:rPr>
+                  <a:t>Each</a:t>
+                </a:r>
+                <a:r>
+                  <a:rPr lang="pt-PT" sz="1400" dirty="0">
+                    <a:latin typeface="+mj-lt"/>
+                    <a:ea typeface="Calibri" panose="020F0502020204030204" pitchFamily="34" charset="0"/>
+                    <a:cs typeface="Times New Roman" panose="02020603050405020304" pitchFamily="18" charset="0"/>
+                  </a:rPr>
+                  <a:t> (</a:t>
+                </a:r>
+                <a:r>
+                  <a:rPr lang="pt-PT" sz="1400" dirty="0" err="1">
+                    <a:latin typeface="+mj-lt"/>
+                    <a:ea typeface="Calibri" panose="020F0502020204030204" pitchFamily="34" charset="0"/>
+                    <a:cs typeface="Times New Roman" panose="02020603050405020304" pitchFamily="18" charset="0"/>
+                  </a:rPr>
+                  <a:t>sub</a:t>
+                </a:r>
+                <a:r>
+                  <a:rPr lang="pt-PT" sz="1400" dirty="0">
+                    <a:latin typeface="+mj-lt"/>
+                    <a:ea typeface="Calibri" panose="020F0502020204030204" pitchFamily="34" charset="0"/>
+                    <a:cs typeface="Times New Roman" panose="02020603050405020304" pitchFamily="18" charset="0"/>
+                  </a:rPr>
+                  <a:t>)</a:t>
+                </a:r>
+                <a:r>
+                  <a:rPr lang="pt-PT" sz="1400" dirty="0" err="1">
+                    <a:latin typeface="+mj-lt"/>
+                    <a:ea typeface="Calibri" panose="020F0502020204030204" pitchFamily="34" charset="0"/>
+                    <a:cs typeface="Times New Roman" panose="02020603050405020304" pitchFamily="18" charset="0"/>
+                  </a:rPr>
+                  <a:t>list</a:t>
+                </a:r>
+                <a:r>
+                  <a:rPr lang="pt-PT" sz="1400" dirty="0">
+                    <a:latin typeface="+mj-lt"/>
+                    <a:ea typeface="Calibri" panose="020F0502020204030204" pitchFamily="34" charset="0"/>
+                    <a:cs typeface="Times New Roman" panose="02020603050405020304" pitchFamily="18" charset="0"/>
+                  </a:rPr>
+                  <a:t> </a:t>
+                </a:r>
+                <a:r>
+                  <a:rPr lang="pt-PT" sz="1400" dirty="0" err="1">
+                    <a:latin typeface="+mj-lt"/>
+                    <a:ea typeface="Calibri" panose="020F0502020204030204" pitchFamily="34" charset="0"/>
+                    <a:cs typeface="Times New Roman" panose="02020603050405020304" pitchFamily="18" charset="0"/>
+                  </a:rPr>
+                  <a:t>sorting</a:t>
+                </a:r>
+                <a:r>
+                  <a:rPr lang="pt-PT" sz="1400" dirty="0">
+                    <a:latin typeface="+mj-lt"/>
+                    <a:ea typeface="Calibri" panose="020F0502020204030204" pitchFamily="34" charset="0"/>
+                    <a:cs typeface="Times New Roman" panose="02020603050405020304" pitchFamily="18" charset="0"/>
+                  </a:rPr>
+                  <a:t> </a:t>
+                </a:r>
+                <a:r>
+                  <a:rPr lang="pt-PT" sz="1400" dirty="0" err="1">
+                    <a:latin typeface="+mj-lt"/>
+                    <a:ea typeface="Calibri" panose="020F0502020204030204" pitchFamily="34" charset="0"/>
+                    <a:cs typeface="Times New Roman" panose="02020603050405020304" pitchFamily="18" charset="0"/>
+                  </a:rPr>
+                  <a:t>is</a:t>
+                </a:r>
+                <a:r>
+                  <a:rPr lang="pt-PT" sz="1400" dirty="0">
+                    <a:latin typeface="+mj-lt"/>
+                    <a:ea typeface="Calibri" panose="020F0502020204030204" pitchFamily="34" charset="0"/>
+                    <a:cs typeface="Times New Roman" panose="02020603050405020304" pitchFamily="18" charset="0"/>
+                  </a:rPr>
+                  <a:t> </a:t>
+                </a:r>
+                <a:r>
+                  <a:rPr lang="pt-PT" sz="1400" dirty="0" err="1">
+                    <a:latin typeface="+mj-lt"/>
+                    <a:ea typeface="Calibri" panose="020F0502020204030204" pitchFamily="34" charset="0"/>
+                    <a:cs typeface="Times New Roman" panose="02020603050405020304" pitchFamily="18" charset="0"/>
+                  </a:rPr>
+                  <a:t>comprised</a:t>
+                </a:r>
+                <a:r>
+                  <a:rPr lang="pt-PT" sz="1400" dirty="0">
+                    <a:latin typeface="+mj-lt"/>
+                    <a:ea typeface="Calibri" panose="020F0502020204030204" pitchFamily="34" charset="0"/>
+                    <a:cs typeface="Times New Roman" panose="02020603050405020304" pitchFamily="18" charset="0"/>
+                  </a:rPr>
+                  <a:t> </a:t>
+                </a:r>
+                <a:r>
+                  <a:rPr lang="pt-PT" sz="1400" dirty="0" err="1">
+                    <a:latin typeface="+mj-lt"/>
+                    <a:ea typeface="Calibri" panose="020F0502020204030204" pitchFamily="34" charset="0"/>
+                    <a:cs typeface="Times New Roman" panose="02020603050405020304" pitchFamily="18" charset="0"/>
+                  </a:rPr>
+                  <a:t>of</a:t>
+                </a:r>
+                <a:r>
+                  <a:rPr lang="pt-PT" sz="1400" dirty="0">
+                    <a:latin typeface="+mj-lt"/>
+                    <a:ea typeface="Calibri" panose="020F0502020204030204" pitchFamily="34" charset="0"/>
+                    <a:cs typeface="Times New Roman" panose="02020603050405020304" pitchFamily="18" charset="0"/>
+                  </a:rPr>
+                  <a:t> 3 </a:t>
+                </a:r>
+                <a:r>
+                  <a:rPr lang="pt-PT" sz="1400" dirty="0" err="1">
+                    <a:latin typeface="+mj-lt"/>
+                    <a:ea typeface="Calibri" panose="020F0502020204030204" pitchFamily="34" charset="0"/>
+                    <a:cs typeface="Times New Roman" panose="02020603050405020304" pitchFamily="18" charset="0"/>
+                  </a:rPr>
+                  <a:t>stages</a:t>
+                </a:r>
+                <a:endParaRPr lang="pt-PT" sz="1400" dirty="0">
+                  <a:latin typeface="+mj-lt"/>
+                  <a:ea typeface="Calibri" panose="020F0502020204030204" pitchFamily="34" charset="0"/>
+                  <a:cs typeface="Times New Roman" panose="02020603050405020304" pitchFamily="18" charset="0"/>
+                </a:endParaRPr>
+              </a:p>
+              <a:p>
+                <a:pPr marL="285750" indent="-285750">
+                  <a:spcAft>
+                    <a:spcPts val="600"/>
+                  </a:spcAft>
+                  <a:buFontTx/>
+                  <a:buChar char="-"/>
+                </a:pPr>
+                <a:r>
+                  <a:rPr lang="pt-PT" sz="1400" dirty="0" err="1">
+                    <a:latin typeface="+mj-lt"/>
+                    <a:ea typeface="Calibri" panose="020F0502020204030204" pitchFamily="34" charset="0"/>
+                    <a:cs typeface="Times New Roman" panose="02020603050405020304" pitchFamily="18" charset="0"/>
+                  </a:rPr>
+                  <a:t>Being</a:t>
+                </a:r>
+                <a:r>
+                  <a:rPr lang="pt-PT" sz="1400" dirty="0">
+                    <a:latin typeface="+mj-lt"/>
+                    <a:ea typeface="Calibri" panose="020F0502020204030204" pitchFamily="34" charset="0"/>
+                    <a:cs typeface="Times New Roman" panose="02020603050405020304" pitchFamily="18" charset="0"/>
+                  </a:rPr>
+                  <a:t> the </a:t>
+                </a:r>
+                <a:r>
+                  <a:rPr lang="pt-PT" sz="1400" dirty="0" err="1">
+                    <a:latin typeface="+mj-lt"/>
+                    <a:ea typeface="Calibri" panose="020F0502020204030204" pitchFamily="34" charset="0"/>
+                    <a:cs typeface="Times New Roman" panose="02020603050405020304" pitchFamily="18" charset="0"/>
+                  </a:rPr>
+                  <a:t>number</a:t>
+                </a:r>
+                <a:r>
+                  <a:rPr lang="pt-PT" sz="1400" dirty="0">
+                    <a:latin typeface="+mj-lt"/>
+                    <a:ea typeface="Calibri" panose="020F0502020204030204" pitchFamily="34" charset="0"/>
+                    <a:cs typeface="Times New Roman" panose="02020603050405020304" pitchFamily="18" charset="0"/>
+                  </a:rPr>
+                  <a:t> </a:t>
+                </a:r>
+                <a:r>
+                  <a:rPr lang="pt-PT" sz="1400" dirty="0" err="1">
+                    <a:latin typeface="+mj-lt"/>
+                    <a:ea typeface="Calibri" panose="020F0502020204030204" pitchFamily="34" charset="0"/>
+                    <a:cs typeface="Times New Roman" panose="02020603050405020304" pitchFamily="18" charset="0"/>
+                  </a:rPr>
+                  <a:t>of</a:t>
+                </a:r>
+                <a:r>
+                  <a:rPr lang="pt-PT" sz="1400" dirty="0">
+                    <a:latin typeface="+mj-lt"/>
+                    <a:ea typeface="Calibri" panose="020F0502020204030204" pitchFamily="34" charset="0"/>
+                    <a:cs typeface="Times New Roman" panose="02020603050405020304" pitchFamily="18" charset="0"/>
+                  </a:rPr>
+                  <a:t> </a:t>
+                </a:r>
+                <a:r>
+                  <a:rPr lang="pt-PT" sz="1400" dirty="0" err="1">
+                    <a:latin typeface="+mj-lt"/>
+                    <a:ea typeface="Calibri" panose="020F0502020204030204" pitchFamily="34" charset="0"/>
+                    <a:cs typeface="Times New Roman" panose="02020603050405020304" pitchFamily="18" charset="0"/>
+                  </a:rPr>
+                  <a:t>elements</a:t>
+                </a:r>
+                <a:r>
+                  <a:rPr lang="pt-PT" sz="1400" dirty="0">
+                    <a:latin typeface="+mj-lt"/>
+                    <a:ea typeface="Calibri" panose="020F0502020204030204" pitchFamily="34" charset="0"/>
+                    <a:cs typeface="Times New Roman" panose="02020603050405020304" pitchFamily="18" charset="0"/>
+                  </a:rPr>
+                  <a:t> to </a:t>
+                </a:r>
+                <a:r>
+                  <a:rPr lang="pt-PT" sz="1400" dirty="0" err="1">
+                    <a:latin typeface="+mj-lt"/>
+                    <a:ea typeface="Calibri" panose="020F0502020204030204" pitchFamily="34" charset="0"/>
+                    <a:cs typeface="Times New Roman" panose="02020603050405020304" pitchFamily="18" charset="0"/>
+                  </a:rPr>
+                  <a:t>be</a:t>
+                </a:r>
+                <a:r>
+                  <a:rPr lang="pt-PT" sz="1400" dirty="0">
+                    <a:latin typeface="+mj-lt"/>
+                    <a:ea typeface="Calibri" panose="020F0502020204030204" pitchFamily="34" charset="0"/>
+                    <a:cs typeface="Times New Roman" panose="02020603050405020304" pitchFamily="18" charset="0"/>
+                  </a:rPr>
+                  <a:t> </a:t>
+                </a:r>
+                <a:r>
+                  <a:rPr lang="pt-PT" sz="1400" dirty="0" err="1">
+                    <a:latin typeface="+mj-lt"/>
+                    <a:ea typeface="Calibri" panose="020F0502020204030204" pitchFamily="34" charset="0"/>
+                    <a:cs typeface="Times New Roman" panose="02020603050405020304" pitchFamily="18" charset="0"/>
+                  </a:rPr>
+                  <a:t>ordered</a:t>
+                </a:r>
+                <a:r>
+                  <a:rPr lang="pt-PT" sz="1400" dirty="0">
+                    <a:latin typeface="+mj-lt"/>
+                    <a:ea typeface="Calibri" panose="020F0502020204030204" pitchFamily="34" charset="0"/>
+                    <a:cs typeface="Times New Roman" panose="02020603050405020304" pitchFamily="18" charset="0"/>
+                  </a:rPr>
+                  <a:t> “m”, the </a:t>
+                </a:r>
+                <a:r>
+                  <a:rPr lang="pt-PT" sz="1400" dirty="0" err="1">
+                    <a:latin typeface="+mj-lt"/>
+                    <a:ea typeface="Calibri" panose="020F0502020204030204" pitchFamily="34" charset="0"/>
+                    <a:cs typeface="Times New Roman" panose="02020603050405020304" pitchFamily="18" charset="0"/>
+                  </a:rPr>
+                  <a:t>number</a:t>
+                </a:r>
+                <a:r>
+                  <a:rPr lang="pt-PT" sz="1400" dirty="0">
+                    <a:latin typeface="+mj-lt"/>
+                    <a:ea typeface="Calibri" panose="020F0502020204030204" pitchFamily="34" charset="0"/>
+                    <a:cs typeface="Times New Roman" panose="02020603050405020304" pitchFamily="18" charset="0"/>
+                  </a:rPr>
+                  <a:t> </a:t>
+                </a:r>
+                <a:r>
+                  <a:rPr lang="pt-PT" sz="1400" dirty="0" err="1">
+                    <a:latin typeface="+mj-lt"/>
+                    <a:ea typeface="Calibri" panose="020F0502020204030204" pitchFamily="34" charset="0"/>
+                    <a:cs typeface="Times New Roman" panose="02020603050405020304" pitchFamily="18" charset="0"/>
+                  </a:rPr>
+                  <a:t>of</a:t>
+                </a:r>
+                <a:r>
+                  <a:rPr lang="pt-PT" sz="1400" dirty="0">
+                    <a:latin typeface="+mj-lt"/>
+                    <a:ea typeface="Calibri" panose="020F0502020204030204" pitchFamily="34" charset="0"/>
+                    <a:cs typeface="Times New Roman" panose="02020603050405020304" pitchFamily="18" charset="0"/>
+                  </a:rPr>
+                  <a:t> </a:t>
+                </a:r>
+                <a:r>
+                  <a:rPr lang="pt-PT" sz="1400" dirty="0" err="1">
+                    <a:latin typeface="+mj-lt"/>
+                    <a:ea typeface="Calibri" panose="020F0502020204030204" pitchFamily="34" charset="0"/>
+                    <a:cs typeface="Times New Roman" panose="02020603050405020304" pitchFamily="18" charset="0"/>
+                  </a:rPr>
+                  <a:t>independent</a:t>
+                </a:r>
+                <a:r>
+                  <a:rPr lang="pt-PT" sz="1400" dirty="0">
+                    <a:latin typeface="+mj-lt"/>
+                    <a:ea typeface="Calibri" panose="020F0502020204030204" pitchFamily="34" charset="0"/>
+                    <a:cs typeface="Times New Roman" panose="02020603050405020304" pitchFamily="18" charset="0"/>
+                  </a:rPr>
+                  <a:t> </a:t>
+                </a:r>
+                <a:r>
+                  <a:rPr lang="pt-PT" sz="1400" dirty="0" err="1">
+                    <a:latin typeface="+mj-lt"/>
+                    <a:ea typeface="Calibri" panose="020F0502020204030204" pitchFamily="34" charset="0"/>
+                    <a:cs typeface="Times New Roman" panose="02020603050405020304" pitchFamily="18" charset="0"/>
+                  </a:rPr>
+                  <a:t>threads</a:t>
+                </a:r>
+                <a:r>
+                  <a:rPr lang="pt-PT" sz="1400" dirty="0">
+                    <a:latin typeface="+mj-lt"/>
+                    <a:ea typeface="Calibri" panose="020F0502020204030204" pitchFamily="34" charset="0"/>
+                    <a:cs typeface="Times New Roman" panose="02020603050405020304" pitchFamily="18" charset="0"/>
+                  </a:rPr>
+                  <a:t> for </a:t>
+                </a:r>
+                <a:r>
+                  <a:rPr lang="pt-PT" sz="1400" dirty="0" err="1">
+                    <a:latin typeface="+mj-lt"/>
+                    <a:ea typeface="Calibri" panose="020F0502020204030204" pitchFamily="34" charset="0"/>
+                    <a:cs typeface="Times New Roman" panose="02020603050405020304" pitchFamily="18" charset="0"/>
+                  </a:rPr>
+                  <a:t>Stage</a:t>
+                </a:r>
+                <a:r>
+                  <a:rPr lang="pt-PT" sz="1400" dirty="0">
+                    <a:latin typeface="+mj-lt"/>
+                    <a:ea typeface="Calibri" panose="020F0502020204030204" pitchFamily="34" charset="0"/>
+                    <a:cs typeface="Times New Roman" panose="02020603050405020304" pitchFamily="18" charset="0"/>
+                  </a:rPr>
+                  <a:t> 1 </a:t>
+                </a:r>
+                <a:r>
+                  <a:rPr lang="pt-PT" sz="1400" dirty="0" err="1">
+                    <a:latin typeface="+mj-lt"/>
+                    <a:ea typeface="Calibri" panose="020F0502020204030204" pitchFamily="34" charset="0"/>
+                    <a:cs typeface="Times New Roman" panose="02020603050405020304" pitchFamily="18" charset="0"/>
+                  </a:rPr>
+                  <a:t>would</a:t>
+                </a:r>
+                <a:r>
+                  <a:rPr lang="pt-PT" sz="1400" dirty="0">
+                    <a:latin typeface="+mj-lt"/>
+                    <a:ea typeface="Calibri" panose="020F0502020204030204" pitchFamily="34" charset="0"/>
+                    <a:cs typeface="Times New Roman" panose="02020603050405020304" pitchFamily="18" charset="0"/>
+                  </a:rPr>
+                  <a:t> </a:t>
+                </a:r>
+                <a:r>
+                  <a:rPr lang="pt-PT" sz="1400" dirty="0" err="1">
+                    <a:latin typeface="+mj-lt"/>
+                    <a:ea typeface="Calibri" panose="020F0502020204030204" pitchFamily="34" charset="0"/>
+                    <a:cs typeface="Times New Roman" panose="02020603050405020304" pitchFamily="18" charset="0"/>
+                  </a:rPr>
+                  <a:t>be</a:t>
+                </a:r>
+                <a:r>
+                  <a:rPr lang="pt-PT" sz="1400" dirty="0">
+                    <a:latin typeface="+mj-lt"/>
+                    <a:ea typeface="Calibri" panose="020F0502020204030204" pitchFamily="34" charset="0"/>
+                    <a:cs typeface="Times New Roman" panose="02020603050405020304" pitchFamily="18" charset="0"/>
+                  </a:rPr>
+                  <a:t> m/2, </a:t>
+                </a:r>
+                <a:r>
+                  <a:rPr lang="pt-PT" sz="1400" dirty="0" err="1">
+                    <a:latin typeface="+mj-lt"/>
+                    <a:ea typeface="Calibri" panose="020F0502020204030204" pitchFamily="34" charset="0"/>
+                    <a:cs typeface="Times New Roman" panose="02020603050405020304" pitchFamily="18" charset="0"/>
+                  </a:rPr>
+                  <a:t>having</a:t>
+                </a:r>
+                <a:r>
+                  <a:rPr lang="pt-PT" sz="1400" dirty="0">
+                    <a:latin typeface="+mj-lt"/>
+                    <a:ea typeface="Calibri" panose="020F0502020204030204" pitchFamily="34" charset="0"/>
+                    <a:cs typeface="Times New Roman" panose="02020603050405020304" pitchFamily="18" charset="0"/>
+                  </a:rPr>
+                  <a:t> </a:t>
+                </a:r>
+                <a:r>
+                  <a:rPr lang="pt-PT" sz="1400" dirty="0" err="1">
+                    <a:latin typeface="+mj-lt"/>
+                    <a:ea typeface="Calibri" panose="020F0502020204030204" pitchFamily="34" charset="0"/>
+                    <a:cs typeface="Times New Roman" panose="02020603050405020304" pitchFamily="18" charset="0"/>
+                  </a:rPr>
+                  <a:t>only</a:t>
+                </a:r>
+                <a:r>
+                  <a:rPr lang="pt-PT" sz="1400" dirty="0">
+                    <a:latin typeface="+mj-lt"/>
+                    <a:ea typeface="Calibri" panose="020F0502020204030204" pitchFamily="34" charset="0"/>
+                    <a:cs typeface="Times New Roman" panose="02020603050405020304" pitchFamily="18" charset="0"/>
+                  </a:rPr>
+                  <a:t> </a:t>
+                </a:r>
+                <a:r>
+                  <a:rPr lang="pt-PT" sz="1400" dirty="0" err="1">
+                    <a:latin typeface="+mj-lt"/>
+                    <a:ea typeface="Calibri" panose="020F0502020204030204" pitchFamily="34" charset="0"/>
+                    <a:cs typeface="Times New Roman" panose="02020603050405020304" pitchFamily="18" charset="0"/>
+                  </a:rPr>
+                  <a:t>one</a:t>
+                </a:r>
+                <a:r>
+                  <a:rPr lang="pt-PT" sz="1400" dirty="0">
+                    <a:latin typeface="+mj-lt"/>
+                    <a:ea typeface="Calibri" panose="020F0502020204030204" pitchFamily="34" charset="0"/>
+                    <a:cs typeface="Times New Roman" panose="02020603050405020304" pitchFamily="18" charset="0"/>
+                  </a:rPr>
+                  <a:t> </a:t>
+                </a:r>
+                <a:r>
+                  <a:rPr lang="pt-PT" sz="1400" dirty="0" err="1">
+                    <a:latin typeface="+mj-lt"/>
+                    <a:ea typeface="Calibri" panose="020F0502020204030204" pitchFamily="34" charset="0"/>
+                    <a:cs typeface="Times New Roman" panose="02020603050405020304" pitchFamily="18" charset="0"/>
+                  </a:rPr>
+                  <a:t>pass</a:t>
+                </a:r>
+                <a:r>
+                  <a:rPr lang="pt-PT" sz="1400" dirty="0">
+                    <a:latin typeface="+mj-lt"/>
+                    <a:ea typeface="Calibri" panose="020F0502020204030204" pitchFamily="34" charset="0"/>
+                    <a:cs typeface="Times New Roman" panose="02020603050405020304" pitchFamily="18" charset="0"/>
+                  </a:rPr>
+                  <a:t>.</a:t>
+                </a:r>
+              </a:p>
+              <a:p>
+                <a:pPr marL="285750" indent="-285750">
+                  <a:spcAft>
+                    <a:spcPts val="600"/>
+                  </a:spcAft>
+                  <a:buFontTx/>
+                  <a:buChar char="-"/>
+                </a:pPr>
+                <a:r>
+                  <a:rPr lang="pt-PT" sz="1400" dirty="0">
+                    <a:effectLst/>
+                    <a:latin typeface="+mj-lt"/>
+                    <a:ea typeface="Calibri" panose="020F0502020204030204" pitchFamily="34" charset="0"/>
+                    <a:cs typeface="Times New Roman" panose="02020603050405020304" pitchFamily="18" charset="0"/>
+                  </a:rPr>
+                  <a:t>For </a:t>
+                </a:r>
+                <a:r>
+                  <a:rPr lang="pt-PT" sz="1400" dirty="0" err="1">
+                    <a:effectLst/>
+                    <a:latin typeface="+mj-lt"/>
+                    <a:ea typeface="Calibri" panose="020F0502020204030204" pitchFamily="34" charset="0"/>
+                    <a:cs typeface="Times New Roman" panose="02020603050405020304" pitchFamily="18" charset="0"/>
+                  </a:rPr>
+                  <a:t>Stage</a:t>
+                </a:r>
+                <a:r>
+                  <a:rPr lang="pt-PT" sz="1400" dirty="0">
+                    <a:effectLst/>
+                    <a:latin typeface="+mj-lt"/>
+                    <a:ea typeface="Calibri" panose="020F0502020204030204" pitchFamily="34" charset="0"/>
+                    <a:cs typeface="Times New Roman" panose="02020603050405020304" pitchFamily="18" charset="0"/>
+                  </a:rPr>
+                  <a:t> 2, </a:t>
+                </a:r>
+                <a:r>
+                  <a:rPr lang="pt-PT" sz="1400" dirty="0">
+                    <a:latin typeface="+mj-lt"/>
+                    <a:ea typeface="Calibri" panose="020F0502020204030204" pitchFamily="34" charset="0"/>
+                    <a:cs typeface="Times New Roman" panose="02020603050405020304" pitchFamily="18" charset="0"/>
+                  </a:rPr>
+                  <a:t>the </a:t>
+                </a:r>
+                <a:r>
+                  <a:rPr lang="pt-PT" sz="1400" dirty="0" err="1">
+                    <a:latin typeface="+mj-lt"/>
+                    <a:ea typeface="Calibri" panose="020F0502020204030204" pitchFamily="34" charset="0"/>
+                    <a:cs typeface="Times New Roman" panose="02020603050405020304" pitchFamily="18" charset="0"/>
+                  </a:rPr>
+                  <a:t>number</a:t>
+                </a:r>
+                <a:r>
+                  <a:rPr lang="pt-PT" sz="1400" dirty="0">
+                    <a:latin typeface="+mj-lt"/>
+                    <a:ea typeface="Calibri" panose="020F0502020204030204" pitchFamily="34" charset="0"/>
+                    <a:cs typeface="Times New Roman" panose="02020603050405020304" pitchFamily="18" charset="0"/>
+                  </a:rPr>
+                  <a:t> </a:t>
+                </a:r>
+                <a:r>
+                  <a:rPr lang="pt-PT" sz="1400" dirty="0" err="1">
+                    <a:latin typeface="+mj-lt"/>
+                    <a:ea typeface="Calibri" panose="020F0502020204030204" pitchFamily="34" charset="0"/>
+                    <a:cs typeface="Times New Roman" panose="02020603050405020304" pitchFamily="18" charset="0"/>
+                  </a:rPr>
+                  <a:t>of</a:t>
+                </a:r>
+                <a:r>
+                  <a:rPr lang="pt-PT" sz="1400" dirty="0">
+                    <a:latin typeface="+mj-lt"/>
+                    <a:ea typeface="Calibri" panose="020F0502020204030204" pitchFamily="34" charset="0"/>
+                    <a:cs typeface="Times New Roman" panose="02020603050405020304" pitchFamily="18" charset="0"/>
+                  </a:rPr>
+                  <a:t> </a:t>
+                </a:r>
+                <a:r>
+                  <a:rPr lang="pt-PT" sz="1400" dirty="0" err="1">
+                    <a:latin typeface="+mj-lt"/>
+                    <a:ea typeface="Calibri" panose="020F0502020204030204" pitchFamily="34" charset="0"/>
+                    <a:cs typeface="Times New Roman" panose="02020603050405020304" pitchFamily="18" charset="0"/>
+                  </a:rPr>
+                  <a:t>independent</a:t>
+                </a:r>
+                <a:r>
+                  <a:rPr lang="pt-PT" sz="1400" dirty="0">
+                    <a:latin typeface="+mj-lt"/>
+                    <a:ea typeface="Calibri" panose="020F0502020204030204" pitchFamily="34" charset="0"/>
+                    <a:cs typeface="Times New Roman" panose="02020603050405020304" pitchFamily="18" charset="0"/>
+                  </a:rPr>
+                  <a:t> </a:t>
+                </a:r>
+                <a:r>
+                  <a:rPr lang="pt-PT" sz="1400" dirty="0" err="1">
+                    <a:latin typeface="+mj-lt"/>
+                    <a:ea typeface="Calibri" panose="020F0502020204030204" pitchFamily="34" charset="0"/>
+                    <a:cs typeface="Times New Roman" panose="02020603050405020304" pitchFamily="18" charset="0"/>
+                  </a:rPr>
+                  <a:t>threads</a:t>
+                </a:r>
+                <a:r>
+                  <a:rPr lang="pt-PT" sz="1400" dirty="0">
+                    <a:latin typeface="+mj-lt"/>
+                    <a:ea typeface="Calibri" panose="020F0502020204030204" pitchFamily="34" charset="0"/>
+                    <a:cs typeface="Times New Roman" panose="02020603050405020304" pitchFamily="18" charset="0"/>
+                  </a:rPr>
+                  <a:t> </a:t>
+                </a:r>
+                <a:r>
+                  <a:rPr lang="pt-PT" sz="1400" dirty="0" err="1">
+                    <a:latin typeface="+mj-lt"/>
+                    <a:ea typeface="Calibri" panose="020F0502020204030204" pitchFamily="34" charset="0"/>
+                    <a:cs typeface="Times New Roman" panose="02020603050405020304" pitchFamily="18" charset="0"/>
+                  </a:rPr>
+                  <a:t>would</a:t>
+                </a:r>
+                <a:r>
+                  <a:rPr lang="pt-PT" sz="1400" dirty="0">
+                    <a:latin typeface="+mj-lt"/>
+                    <a:ea typeface="Calibri" panose="020F0502020204030204" pitchFamily="34" charset="0"/>
+                    <a:cs typeface="Times New Roman" panose="02020603050405020304" pitchFamily="18" charset="0"/>
+                  </a:rPr>
+                  <a:t> </a:t>
+                </a:r>
+                <a:r>
+                  <a:rPr lang="pt-PT" sz="1400" dirty="0" err="1">
+                    <a:latin typeface="+mj-lt"/>
+                    <a:ea typeface="Calibri" panose="020F0502020204030204" pitchFamily="34" charset="0"/>
+                    <a:cs typeface="Times New Roman" panose="02020603050405020304" pitchFamily="18" charset="0"/>
+                  </a:rPr>
+                  <a:t>also</a:t>
+                </a:r>
+                <a:r>
+                  <a:rPr lang="pt-PT" sz="1400" dirty="0">
+                    <a:latin typeface="+mj-lt"/>
+                    <a:ea typeface="Calibri" panose="020F0502020204030204" pitchFamily="34" charset="0"/>
+                    <a:cs typeface="Times New Roman" panose="02020603050405020304" pitchFamily="18" charset="0"/>
+                  </a:rPr>
+                  <a:t> </a:t>
+                </a:r>
+                <a:r>
+                  <a:rPr lang="pt-PT" sz="1400" dirty="0" err="1">
+                    <a:latin typeface="+mj-lt"/>
+                    <a:ea typeface="Calibri" panose="020F0502020204030204" pitchFamily="34" charset="0"/>
+                    <a:cs typeface="Times New Roman" panose="02020603050405020304" pitchFamily="18" charset="0"/>
+                  </a:rPr>
+                  <a:t>be</a:t>
+                </a:r>
+                <a:r>
+                  <a:rPr lang="pt-PT" sz="1400" dirty="0">
+                    <a:latin typeface="+mj-lt"/>
+                    <a:ea typeface="Calibri" panose="020F0502020204030204" pitchFamily="34" charset="0"/>
+                    <a:cs typeface="Times New Roman" panose="02020603050405020304" pitchFamily="18" charset="0"/>
+                  </a:rPr>
+                  <a:t> m/2, </a:t>
+                </a:r>
+                <a:r>
+                  <a:rPr lang="pt-PT" sz="1400" dirty="0" err="1">
+                    <a:latin typeface="+mj-lt"/>
+                    <a:ea typeface="Calibri" panose="020F0502020204030204" pitchFamily="34" charset="0"/>
+                    <a:cs typeface="Times New Roman" panose="02020603050405020304" pitchFamily="18" charset="0"/>
+                  </a:rPr>
+                  <a:t>but</a:t>
+                </a:r>
+                <a:r>
+                  <a:rPr lang="pt-PT" sz="1400" dirty="0">
+                    <a:latin typeface="+mj-lt"/>
+                    <a:ea typeface="Calibri" panose="020F0502020204030204" pitchFamily="34" charset="0"/>
+                    <a:cs typeface="Times New Roman" panose="02020603050405020304" pitchFamily="18" charset="0"/>
+                  </a:rPr>
+                  <a:t> </a:t>
+                </a:r>
+                <a:r>
+                  <a:rPr lang="pt-PT" sz="1400" dirty="0" err="1">
+                    <a:latin typeface="+mj-lt"/>
+                    <a:ea typeface="Calibri" panose="020F0502020204030204" pitchFamily="34" charset="0"/>
+                    <a:cs typeface="Times New Roman" panose="02020603050405020304" pitchFamily="18" charset="0"/>
+                  </a:rPr>
+                  <a:t>this</a:t>
+                </a:r>
+                <a:r>
+                  <a:rPr lang="pt-PT" sz="1400" dirty="0">
+                    <a:latin typeface="+mj-lt"/>
+                    <a:ea typeface="Calibri" panose="020F0502020204030204" pitchFamily="34" charset="0"/>
+                    <a:cs typeface="Times New Roman" panose="02020603050405020304" pitchFamily="18" charset="0"/>
+                  </a:rPr>
+                  <a:t> fase </a:t>
+                </a:r>
+                <a:r>
+                  <a:rPr lang="pt-PT" sz="1400" dirty="0" err="1">
+                    <a:latin typeface="+mj-lt"/>
+                    <a:ea typeface="Calibri" panose="020F0502020204030204" pitchFamily="34" charset="0"/>
+                    <a:cs typeface="Times New Roman" panose="02020603050405020304" pitchFamily="18" charset="0"/>
+                  </a:rPr>
+                  <a:t>needs</a:t>
+                </a:r>
+                <a:r>
+                  <a:rPr lang="pt-PT" sz="1400" dirty="0">
+                    <a:latin typeface="+mj-lt"/>
+                    <a:ea typeface="Calibri" panose="020F0502020204030204" pitchFamily="34" charset="0"/>
+                    <a:cs typeface="Times New Roman" panose="02020603050405020304" pitchFamily="18" charset="0"/>
+                  </a:rPr>
+                  <a:t> 2 passes.</a:t>
+                </a:r>
+              </a:p>
+              <a:p>
+                <a:pPr marL="285750" indent="-285750">
+                  <a:spcAft>
+                    <a:spcPts val="600"/>
+                  </a:spcAft>
+                  <a:buFontTx/>
+                  <a:buChar char="-"/>
+                </a:pPr>
+                <a:r>
+                  <a:rPr lang="pt-PT" sz="1400" dirty="0">
+                    <a:effectLst/>
+                    <a:latin typeface="+mj-lt"/>
+                    <a:ea typeface="Calibri" panose="020F0502020204030204" pitchFamily="34" charset="0"/>
+                    <a:cs typeface="Times New Roman" panose="02020603050405020304" pitchFamily="18" charset="0"/>
+                  </a:rPr>
+                  <a:t>For </a:t>
+                </a:r>
+                <a:r>
+                  <a:rPr lang="pt-PT" sz="1400" dirty="0" err="1">
+                    <a:effectLst/>
+                    <a:latin typeface="+mj-lt"/>
+                    <a:ea typeface="Calibri" panose="020F0502020204030204" pitchFamily="34" charset="0"/>
+                    <a:cs typeface="Times New Roman" panose="02020603050405020304" pitchFamily="18" charset="0"/>
+                  </a:rPr>
+                  <a:t>Stage</a:t>
+                </a:r>
+                <a:r>
+                  <a:rPr lang="pt-PT" sz="1400" dirty="0">
+                    <a:effectLst/>
+                    <a:latin typeface="+mj-lt"/>
+                    <a:ea typeface="Calibri" panose="020F0502020204030204" pitchFamily="34" charset="0"/>
+                    <a:cs typeface="Times New Roman" panose="02020603050405020304" pitchFamily="18" charset="0"/>
+                  </a:rPr>
+                  <a:t> 3, </a:t>
+                </a:r>
+                <a:r>
+                  <a:rPr lang="pt-PT" sz="1400" dirty="0">
+                    <a:latin typeface="+mj-lt"/>
+                    <a:ea typeface="Calibri" panose="020F0502020204030204" pitchFamily="34" charset="0"/>
+                    <a:cs typeface="Times New Roman" panose="02020603050405020304" pitchFamily="18" charset="0"/>
+                  </a:rPr>
+                  <a:t>the </a:t>
+                </a:r>
+                <a:r>
+                  <a:rPr lang="pt-PT" sz="1400" dirty="0" err="1">
+                    <a:latin typeface="+mj-lt"/>
+                    <a:ea typeface="Calibri" panose="020F0502020204030204" pitchFamily="34" charset="0"/>
+                    <a:cs typeface="Times New Roman" panose="02020603050405020304" pitchFamily="18" charset="0"/>
+                  </a:rPr>
+                  <a:t>number</a:t>
+                </a:r>
+                <a:r>
+                  <a:rPr lang="pt-PT" sz="1400" dirty="0">
+                    <a:latin typeface="+mj-lt"/>
+                    <a:ea typeface="Calibri" panose="020F0502020204030204" pitchFamily="34" charset="0"/>
+                    <a:cs typeface="Times New Roman" panose="02020603050405020304" pitchFamily="18" charset="0"/>
+                  </a:rPr>
+                  <a:t> </a:t>
+                </a:r>
+                <a:r>
+                  <a:rPr lang="pt-PT" sz="1400" dirty="0" err="1">
+                    <a:latin typeface="+mj-lt"/>
+                    <a:ea typeface="Calibri" panose="020F0502020204030204" pitchFamily="34" charset="0"/>
+                    <a:cs typeface="Times New Roman" panose="02020603050405020304" pitchFamily="18" charset="0"/>
+                  </a:rPr>
+                  <a:t>of</a:t>
+                </a:r>
+                <a:r>
+                  <a:rPr lang="pt-PT" sz="1400" dirty="0">
+                    <a:latin typeface="+mj-lt"/>
+                    <a:ea typeface="Calibri" panose="020F0502020204030204" pitchFamily="34" charset="0"/>
+                    <a:cs typeface="Times New Roman" panose="02020603050405020304" pitchFamily="18" charset="0"/>
+                  </a:rPr>
+                  <a:t> </a:t>
+                </a:r>
+                <a:r>
+                  <a:rPr lang="pt-PT" sz="1400" dirty="0" err="1">
+                    <a:latin typeface="+mj-lt"/>
+                    <a:ea typeface="Calibri" panose="020F0502020204030204" pitchFamily="34" charset="0"/>
+                    <a:cs typeface="Times New Roman" panose="02020603050405020304" pitchFamily="18" charset="0"/>
+                  </a:rPr>
+                  <a:t>independent</a:t>
+                </a:r>
+                <a:r>
+                  <a:rPr lang="pt-PT" sz="1400" dirty="0">
+                    <a:latin typeface="+mj-lt"/>
+                    <a:ea typeface="Calibri" panose="020F0502020204030204" pitchFamily="34" charset="0"/>
+                    <a:cs typeface="Times New Roman" panose="02020603050405020304" pitchFamily="18" charset="0"/>
+                  </a:rPr>
+                  <a:t> </a:t>
+                </a:r>
+                <a:r>
+                  <a:rPr lang="pt-PT" sz="1400" dirty="0" err="1">
+                    <a:latin typeface="+mj-lt"/>
+                    <a:ea typeface="Calibri" panose="020F0502020204030204" pitchFamily="34" charset="0"/>
+                    <a:cs typeface="Times New Roman" panose="02020603050405020304" pitchFamily="18" charset="0"/>
+                  </a:rPr>
+                  <a:t>threads</a:t>
+                </a:r>
+                <a:r>
+                  <a:rPr lang="pt-PT" sz="1400" dirty="0">
+                    <a:latin typeface="+mj-lt"/>
+                    <a:ea typeface="Calibri" panose="020F0502020204030204" pitchFamily="34" charset="0"/>
+                    <a:cs typeface="Times New Roman" panose="02020603050405020304" pitchFamily="18" charset="0"/>
+                  </a:rPr>
+                  <a:t> </a:t>
+                </a:r>
+                <a:r>
+                  <a:rPr lang="pt-PT" sz="1400" dirty="0" err="1">
+                    <a:latin typeface="+mj-lt"/>
+                    <a:ea typeface="Calibri" panose="020F0502020204030204" pitchFamily="34" charset="0"/>
+                    <a:cs typeface="Times New Roman" panose="02020603050405020304" pitchFamily="18" charset="0"/>
+                  </a:rPr>
+                  <a:t>would</a:t>
+                </a:r>
+                <a:r>
+                  <a:rPr lang="pt-PT" sz="1400" dirty="0">
+                    <a:latin typeface="+mj-lt"/>
+                    <a:ea typeface="Calibri" panose="020F0502020204030204" pitchFamily="34" charset="0"/>
+                    <a:cs typeface="Times New Roman" panose="02020603050405020304" pitchFamily="18" charset="0"/>
+                  </a:rPr>
+                  <a:t> </a:t>
+                </a:r>
+                <a:r>
+                  <a:rPr lang="pt-PT" sz="1400" dirty="0" err="1">
+                    <a:latin typeface="+mj-lt"/>
+                    <a:ea typeface="Calibri" panose="020F0502020204030204" pitchFamily="34" charset="0"/>
+                    <a:cs typeface="Times New Roman" panose="02020603050405020304" pitchFamily="18" charset="0"/>
+                  </a:rPr>
+                  <a:t>once</a:t>
+                </a:r>
+                <a:r>
+                  <a:rPr lang="pt-PT" sz="1400" dirty="0">
+                    <a:latin typeface="+mj-lt"/>
+                    <a:ea typeface="Calibri" panose="020F0502020204030204" pitchFamily="34" charset="0"/>
+                    <a:cs typeface="Times New Roman" panose="02020603050405020304" pitchFamily="18" charset="0"/>
+                  </a:rPr>
+                  <a:t> more </a:t>
+                </a:r>
+                <a:r>
+                  <a:rPr lang="pt-PT" sz="1400" dirty="0" err="1">
+                    <a:latin typeface="+mj-lt"/>
+                    <a:ea typeface="Calibri" panose="020F0502020204030204" pitchFamily="34" charset="0"/>
+                    <a:cs typeface="Times New Roman" panose="02020603050405020304" pitchFamily="18" charset="0"/>
+                  </a:rPr>
+                  <a:t>be</a:t>
+                </a:r>
+                <a:r>
+                  <a:rPr lang="pt-PT" sz="1400" dirty="0">
+                    <a:latin typeface="+mj-lt"/>
+                    <a:ea typeface="Calibri" panose="020F0502020204030204" pitchFamily="34" charset="0"/>
+                    <a:cs typeface="Times New Roman" panose="02020603050405020304" pitchFamily="18" charset="0"/>
+                  </a:rPr>
+                  <a:t> m/2, </a:t>
+                </a:r>
+                <a:r>
+                  <a:rPr lang="pt-PT" sz="1400" dirty="0" err="1">
+                    <a:latin typeface="+mj-lt"/>
+                    <a:ea typeface="Calibri" panose="020F0502020204030204" pitchFamily="34" charset="0"/>
+                    <a:cs typeface="Times New Roman" panose="02020603050405020304" pitchFamily="18" charset="0"/>
+                  </a:rPr>
+                  <a:t>with</a:t>
+                </a:r>
+                <a:r>
+                  <a:rPr lang="pt-PT" sz="1400" dirty="0">
+                    <a:latin typeface="+mj-lt"/>
+                    <a:ea typeface="Calibri" panose="020F0502020204030204" pitchFamily="34" charset="0"/>
+                    <a:cs typeface="Times New Roman" panose="02020603050405020304" pitchFamily="18" charset="0"/>
+                  </a:rPr>
+                  <a:t> 3 passes </a:t>
+                </a:r>
+                <a:r>
+                  <a:rPr lang="pt-PT" sz="1400" dirty="0" err="1">
+                    <a:latin typeface="+mj-lt"/>
+                    <a:ea typeface="Calibri" panose="020F0502020204030204" pitchFamily="34" charset="0"/>
+                    <a:cs typeface="Times New Roman" panose="02020603050405020304" pitchFamily="18" charset="0"/>
+                  </a:rPr>
+                  <a:t>nedded</a:t>
+                </a:r>
+                <a:r>
+                  <a:rPr lang="pt-PT" sz="1400" dirty="0">
+                    <a:latin typeface="+mj-lt"/>
+                    <a:ea typeface="Calibri" panose="020F0502020204030204" pitchFamily="34" charset="0"/>
+                    <a:cs typeface="Times New Roman" panose="02020603050405020304" pitchFamily="18" charset="0"/>
+                  </a:rPr>
+                  <a:t>.</a:t>
+                </a:r>
+              </a:p>
+              <a:p>
+                <a:pPr marL="285750" indent="-285750">
+                  <a:spcAft>
+                    <a:spcPts val="600"/>
+                  </a:spcAft>
+                  <a:buFontTx/>
+                  <a:buChar char="-"/>
+                </a:pPr>
+                <a:r>
+                  <a:rPr lang="pt-PT" sz="1400" dirty="0">
+                    <a:latin typeface="+mj-lt"/>
+                    <a:ea typeface="Calibri" panose="020F0502020204030204" pitchFamily="34" charset="0"/>
+                    <a:cs typeface="Times New Roman" panose="02020603050405020304" pitchFamily="18" charset="0"/>
+                  </a:rPr>
+                  <a:t>Total </a:t>
+                </a:r>
+                <a:r>
+                  <a:rPr lang="pt-PT" sz="1400" dirty="0" err="1">
+                    <a:latin typeface="+mj-lt"/>
+                    <a:ea typeface="Calibri" panose="020F0502020204030204" pitchFamily="34" charset="0"/>
+                    <a:cs typeface="Times New Roman" panose="02020603050405020304" pitchFamily="18" charset="0"/>
+                  </a:rPr>
+                  <a:t>space</a:t>
+                </a:r>
+                <a:r>
+                  <a:rPr lang="pt-PT" sz="1400" dirty="0">
+                    <a:latin typeface="+mj-lt"/>
+                    <a:ea typeface="Calibri" panose="020F0502020204030204" pitchFamily="34" charset="0"/>
+                    <a:cs typeface="Times New Roman" panose="02020603050405020304" pitchFamily="18" charset="0"/>
+                  </a:rPr>
+                  <a:t> </a:t>
+                </a:r>
+                <a:r>
+                  <a:rPr lang="pt-PT" sz="1400" dirty="0" err="1">
+                    <a:latin typeface="+mj-lt"/>
+                    <a:ea typeface="Calibri" panose="020F0502020204030204" pitchFamily="34" charset="0"/>
+                    <a:cs typeface="Times New Roman" panose="02020603050405020304" pitchFamily="18" charset="0"/>
+                  </a:rPr>
+                  <a:t>complexity</a:t>
+                </a:r>
+                <a:r>
+                  <a:rPr lang="pt-PT" sz="1400" dirty="0">
+                    <a:latin typeface="+mj-lt"/>
+                    <a:ea typeface="Calibri" panose="020F0502020204030204" pitchFamily="34" charset="0"/>
+                    <a:cs typeface="Times New Roman" panose="02020603050405020304" pitchFamily="18" charset="0"/>
+                  </a:rPr>
+                  <a:t> = O(</a:t>
+                </a:r>
+                <a:r>
+                  <a:rPr lang="pt-PT" sz="1400" dirty="0"/>
+                  <a:t>n.log</a:t>
+                </a:r>
+                <a:r>
+                  <a:rPr lang="pt-PT" sz="1400" baseline="30000" dirty="0"/>
+                  <a:t>2</a:t>
+                </a:r>
+                <a:r>
+                  <a:rPr lang="pt-PT" sz="1400" dirty="0"/>
+                  <a:t>n</a:t>
+                </a:r>
+                <a:r>
+                  <a:rPr lang="pt-PT" sz="1400" dirty="0">
+                    <a:latin typeface="+mj-lt"/>
+                    <a:ea typeface="Calibri" panose="020F0502020204030204" pitchFamily="34" charset="0"/>
+                    <a:cs typeface="Times New Roman" panose="02020603050405020304" pitchFamily="18" charset="0"/>
+                  </a:rPr>
+                  <a:t>). For n=1024x1024 </a:t>
+                </a:r>
+                <a:r>
+                  <a:rPr lang="pt-PT" sz="1400" dirty="0">
+                    <a:latin typeface="+mj-lt"/>
+                    <a:ea typeface="Calibri" panose="020F0502020204030204" pitchFamily="34" charset="0"/>
+                    <a:cs typeface="Times New Roman" panose="02020603050405020304" pitchFamily="18" charset="0"/>
+                    <a:sym typeface="Wingdings" panose="05000000000000000000" pitchFamily="2" charset="2"/>
+                  </a:rPr>
+                  <a:t> </a:t>
+                </a:r>
+                <a:r>
+                  <a:rPr lang="pt-PT" sz="1400" dirty="0">
+                    <a:latin typeface="+mj-lt"/>
+                    <a:ea typeface="Calibri" panose="020F0502020204030204" pitchFamily="34" charset="0"/>
+                    <a:cs typeface="Times New Roman" panose="02020603050405020304" pitchFamily="18" charset="0"/>
+                  </a:rPr>
+                  <a:t>1024</a:t>
+                </a:r>
+                <a:r>
+                  <a:rPr lang="pt-PT" sz="1400" baseline="30000" dirty="0"/>
+                  <a:t>2</a:t>
+                </a:r>
+                <a:r>
+                  <a:rPr lang="pt-PT" sz="1400" dirty="0">
+                    <a:latin typeface="+mj-lt"/>
+                    <a:ea typeface="Calibri" panose="020F0502020204030204" pitchFamily="34" charset="0"/>
+                    <a:cs typeface="Times New Roman" panose="02020603050405020304" pitchFamily="18" charset="0"/>
+                  </a:rPr>
+                  <a:t>x(</a:t>
+                </a:r>
+                <a:r>
+                  <a:rPr lang="pt-PT" sz="1400" dirty="0"/>
+                  <a:t>log</a:t>
+                </a:r>
+                <a:r>
+                  <a:rPr lang="pt-PT" sz="1400" dirty="0">
+                    <a:latin typeface="+mj-lt"/>
+                    <a:ea typeface="Calibri" panose="020F0502020204030204" pitchFamily="34" charset="0"/>
+                    <a:cs typeface="Times New Roman" panose="02020603050405020304" pitchFamily="18" charset="0"/>
+                  </a:rPr>
+                  <a:t>1024</a:t>
+                </a:r>
+                <a:r>
+                  <a:rPr lang="pt-PT" sz="1400" baseline="30000" dirty="0"/>
+                  <a:t>2</a:t>
+                </a:r>
+                <a:r>
+                  <a:rPr lang="pt-PT" sz="1400" dirty="0">
+                    <a:latin typeface="+mj-lt"/>
+                    <a:ea typeface="Calibri" panose="020F0502020204030204" pitchFamily="34" charset="0"/>
+                    <a:cs typeface="Times New Roman" panose="02020603050405020304" pitchFamily="18" charset="0"/>
+                  </a:rPr>
+                  <a:t>)</a:t>
+                </a:r>
+                <a:r>
+                  <a:rPr lang="pt-PT" sz="1400" baseline="30000" dirty="0"/>
+                  <a:t> 2</a:t>
+                </a:r>
+                <a:r>
+                  <a:rPr lang="pt-PT" sz="1400" dirty="0">
+                    <a:latin typeface="+mj-lt"/>
+                    <a:ea typeface="Calibri" panose="020F0502020204030204" pitchFamily="34" charset="0"/>
+                    <a:cs typeface="Times New Roman" panose="02020603050405020304" pitchFamily="18" charset="0"/>
+                  </a:rPr>
+                  <a:t> </a:t>
+                </a:r>
+                <a:r>
+                  <a:rPr lang="pt-PT" sz="1400" dirty="0">
+                    <a:latin typeface="+mj-lt"/>
+                    <a:ea typeface="Calibri" panose="020F0502020204030204" pitchFamily="34" charset="0"/>
+                    <a:cs typeface="Times New Roman" panose="02020603050405020304" pitchFamily="18" charset="0"/>
+                    <a:sym typeface="Wingdings" panose="05000000000000000000" pitchFamily="2" charset="2"/>
+                  </a:rPr>
+                  <a:t></a:t>
+                </a:r>
+                <a:r>
+                  <a:rPr lang="pt-PT" sz="1400" dirty="0">
+                    <a:latin typeface="+mj-lt"/>
+                    <a:ea typeface="Calibri" panose="020F0502020204030204" pitchFamily="34" charset="0"/>
+                    <a:cs typeface="Times New Roman" panose="02020603050405020304" pitchFamily="18" charset="0"/>
+                  </a:rPr>
+                  <a:t> 1024</a:t>
+                </a:r>
+                <a:r>
+                  <a:rPr lang="pt-PT" sz="1400" baseline="30000" dirty="0"/>
+                  <a:t>2</a:t>
+                </a:r>
+                <a:r>
+                  <a:rPr lang="pt-PT" sz="1400" dirty="0">
+                    <a:latin typeface="+mj-lt"/>
+                    <a:ea typeface="Calibri" panose="020F0502020204030204" pitchFamily="34" charset="0"/>
+                    <a:cs typeface="Times New Roman" panose="02020603050405020304" pitchFamily="18" charset="0"/>
+                  </a:rPr>
+                  <a:t>x(2</a:t>
+                </a:r>
+                <a:r>
+                  <a:rPr lang="pt-PT" sz="1400" dirty="0"/>
+                  <a:t>log</a:t>
+                </a:r>
+                <a:r>
+                  <a:rPr lang="pt-PT" sz="1400" dirty="0">
+                    <a:latin typeface="+mj-lt"/>
+                    <a:ea typeface="Calibri" panose="020F0502020204030204" pitchFamily="34" charset="0"/>
+                    <a:cs typeface="Times New Roman" panose="02020603050405020304" pitchFamily="18" charset="0"/>
+                  </a:rPr>
+                  <a:t>1024)</a:t>
+                </a:r>
+                <a:r>
+                  <a:rPr lang="pt-PT" sz="1400" baseline="30000" dirty="0"/>
+                  <a:t> 2</a:t>
+                </a:r>
+                <a:r>
+                  <a:rPr lang="pt-PT" sz="1400" dirty="0">
+                    <a:latin typeface="+mj-lt"/>
+                    <a:ea typeface="Calibri" panose="020F0502020204030204" pitchFamily="34" charset="0"/>
+                    <a:cs typeface="Times New Roman" panose="02020603050405020304" pitchFamily="18" charset="0"/>
+                  </a:rPr>
+                  <a:t> = 38,008x10</a:t>
+                </a:r>
+                <a:r>
+                  <a:rPr lang="pt-PT" sz="1400" baseline="30000" dirty="0">
+                    <a:latin typeface="+mj-lt"/>
+                    <a:ea typeface="Calibri" panose="020F0502020204030204" pitchFamily="34" charset="0"/>
+                    <a:cs typeface="Times New Roman" panose="02020603050405020304" pitchFamily="18" charset="0"/>
+                  </a:rPr>
+                  <a:t>6 </a:t>
+                </a:r>
+                <a:r>
+                  <a:rPr lang="pt-PT" sz="1400" dirty="0" err="1"/>
+                  <a:t>comparisons</a:t>
+                </a:r>
+                <a:r>
+                  <a:rPr lang="pt-PT" sz="1400" dirty="0"/>
+                  <a:t>.</a:t>
+                </a:r>
+                <a:endParaRPr lang="pt-PT" sz="1400" dirty="0">
+                  <a:latin typeface="+mj-lt"/>
+                  <a:ea typeface="Calibri" panose="020F0502020204030204" pitchFamily="34" charset="0"/>
+                  <a:cs typeface="Times New Roman" panose="02020603050405020304" pitchFamily="18" charset="0"/>
+                </a:endParaRPr>
+              </a:p>
+              <a:p>
+                <a:pPr marL="285750" indent="-285750">
+                  <a:spcAft>
+                    <a:spcPts val="600"/>
+                  </a:spcAft>
+                  <a:buFontTx/>
+                  <a:buChar char="-"/>
+                </a:pPr>
+                <a:r>
+                  <a:rPr lang="pt-PT" sz="1400" dirty="0"/>
+                  <a:t>Total time </a:t>
+                </a:r>
+                <a:r>
+                  <a:rPr lang="pt-PT" sz="1400" dirty="0" err="1"/>
+                  <a:t>complexity</a:t>
+                </a:r>
+                <a:r>
+                  <a:rPr lang="pt-PT" sz="1400" dirty="0"/>
+                  <a:t> </a:t>
+                </a:r>
+                <a:r>
+                  <a:rPr lang="pt-PT" sz="1400" dirty="0" err="1"/>
+                  <a:t>is</a:t>
+                </a:r>
+                <a:r>
+                  <a:rPr lang="pt-PT" sz="1400" dirty="0"/>
+                  <a:t> O(log</a:t>
+                </a:r>
+                <a:r>
+                  <a:rPr lang="pt-PT" sz="1400" baseline="30000" dirty="0"/>
+                  <a:t>2</a:t>
+                </a:r>
+                <a:r>
+                  <a:rPr lang="pt-PT" sz="1400" dirty="0"/>
+                  <a:t>n). For </a:t>
+                </a:r>
+                <a:r>
+                  <a:rPr lang="pt-PT" sz="1400" dirty="0">
+                    <a:latin typeface="+mj-lt"/>
+                    <a:ea typeface="Calibri" panose="020F0502020204030204" pitchFamily="34" charset="0"/>
+                    <a:cs typeface="Times New Roman" panose="02020603050405020304" pitchFamily="18" charset="0"/>
+                  </a:rPr>
+                  <a:t>n=1024</a:t>
+                </a:r>
+                <a:r>
+                  <a:rPr lang="pt-PT" sz="1400" baseline="30000" dirty="0"/>
+                  <a:t>2</a:t>
+                </a:r>
+                <a:r>
+                  <a:rPr lang="pt-PT" sz="1400" dirty="0">
+                    <a:latin typeface="+mj-lt"/>
+                    <a:ea typeface="Calibri" panose="020F0502020204030204" pitchFamily="34" charset="0"/>
+                    <a:cs typeface="Times New Roman" panose="02020603050405020304" pitchFamily="18" charset="0"/>
+                  </a:rPr>
+                  <a:t> </a:t>
+                </a:r>
+                <a:r>
+                  <a:rPr lang="pt-PT" sz="1400" dirty="0">
+                    <a:latin typeface="+mj-lt"/>
+                    <a:ea typeface="Calibri" panose="020F0502020204030204" pitchFamily="34" charset="0"/>
+                    <a:cs typeface="Times New Roman" panose="02020603050405020304" pitchFamily="18" charset="0"/>
+                    <a:sym typeface="Wingdings" panose="05000000000000000000" pitchFamily="2" charset="2"/>
+                  </a:rPr>
+                  <a:t> </a:t>
+                </a:r>
+                <a:r>
+                  <a:rPr lang="pt-PT" sz="1400" dirty="0"/>
+                  <a:t>(log</a:t>
+                </a:r>
+                <a:r>
+                  <a:rPr lang="pt-PT" sz="1400" dirty="0">
+                    <a:latin typeface="+mj-lt"/>
+                    <a:ea typeface="Calibri" panose="020F0502020204030204" pitchFamily="34" charset="0"/>
+                    <a:cs typeface="Times New Roman" panose="02020603050405020304" pitchFamily="18" charset="0"/>
+                  </a:rPr>
+                  <a:t>1024</a:t>
+                </a:r>
+                <a:r>
+                  <a:rPr lang="pt-PT" sz="1400" baseline="30000" dirty="0"/>
+                  <a:t>2</a:t>
+                </a:r>
+                <a:r>
+                  <a:rPr lang="pt-PT" sz="1400" dirty="0"/>
+                  <a:t>)</a:t>
+                </a:r>
+                <a:r>
+                  <a:rPr lang="pt-PT" sz="1400" baseline="30000" dirty="0"/>
+                  <a:t>2</a:t>
+                </a:r>
+                <a:r>
+                  <a:rPr lang="pt-PT" sz="1400" dirty="0"/>
+                  <a:t> = (2log1024)</a:t>
+                </a:r>
+                <a:r>
+                  <a:rPr lang="pt-PT" sz="1400" baseline="30000" dirty="0"/>
+                  <a:t>2</a:t>
+                </a:r>
+                <a:r>
+                  <a:rPr lang="pt-PT" sz="1400" baseline="-25000" dirty="0"/>
+                  <a:t> </a:t>
+                </a:r>
+                <a:r>
+                  <a:rPr lang="pt-PT" sz="1400" dirty="0"/>
+                  <a:t>= 3,625x10</a:t>
+                </a:r>
+                <a:r>
+                  <a:rPr lang="pt-PT" sz="1400" baseline="30000" dirty="0"/>
+                  <a:t>1</a:t>
+                </a:r>
+              </a:p>
+              <a:p>
+                <a:pPr marL="285750" indent="-285750">
+                  <a:spcAft>
+                    <a:spcPts val="600"/>
+                  </a:spcAft>
+                  <a:buFontTx/>
+                  <a:buChar char="-"/>
+                </a:pPr>
+                <a:r>
+                  <a:rPr lang="pt-PT" sz="1400" dirty="0"/>
+                  <a:t>The time </a:t>
+                </a:r>
+                <a:r>
+                  <a:rPr lang="pt-PT" sz="1400" dirty="0" err="1"/>
+                  <a:t>complexity</a:t>
+                </a:r>
+                <a:r>
+                  <a:rPr lang="pt-PT" sz="1400" dirty="0"/>
+                  <a:t> </a:t>
+                </a:r>
+                <a:r>
+                  <a:rPr lang="pt-PT" sz="1400" dirty="0" err="1"/>
+                  <a:t>of</a:t>
+                </a:r>
+                <a:r>
+                  <a:rPr lang="pt-PT" sz="1400" dirty="0"/>
+                  <a:t> the </a:t>
+                </a:r>
+                <a:r>
+                  <a:rPr lang="pt-PT" sz="1400" dirty="0" err="1"/>
+                  <a:t>buble</a:t>
+                </a:r>
+                <a:r>
+                  <a:rPr lang="pt-PT" sz="1400" dirty="0"/>
+                  <a:t> </a:t>
+                </a:r>
+                <a:r>
+                  <a:rPr lang="pt-PT" sz="1400" dirty="0" err="1"/>
+                  <a:t>sort</a:t>
+                </a:r>
+                <a:r>
+                  <a:rPr lang="pt-PT" sz="1400" dirty="0"/>
+                  <a:t> </a:t>
+                </a:r>
+                <a:r>
+                  <a:rPr lang="pt-PT" sz="1400" dirty="0" err="1"/>
+                  <a:t>is</a:t>
+                </a:r>
+                <a:r>
+                  <a:rPr lang="pt-PT" sz="1400" dirty="0"/>
+                  <a:t> for the </a:t>
+                </a:r>
+                <a:r>
+                  <a:rPr lang="pt-PT" sz="1400" dirty="0" err="1"/>
+                  <a:t>worst</a:t>
+                </a:r>
+                <a:r>
+                  <a:rPr lang="pt-PT" sz="1400" dirty="0"/>
+                  <a:t> case </a:t>
+                </a:r>
+                <a:r>
+                  <a:rPr lang="pt-PT" sz="1400" dirty="0" err="1"/>
+                  <a:t>is</a:t>
+                </a:r>
+                <a:r>
+                  <a:rPr lang="pt-PT" sz="1400" dirty="0"/>
+                  <a:t> O(n²), </a:t>
+                </a:r>
+                <a:r>
+                  <a:rPr lang="pt-PT" sz="1400" dirty="0" err="1"/>
+                  <a:t>runed</a:t>
+                </a:r>
+                <a:r>
+                  <a:rPr lang="pt-PT" sz="1400" dirty="0"/>
+                  <a:t> in sequencial, </a:t>
+                </a:r>
+                <a:r>
+                  <a:rPr lang="pt-PT" sz="1400" dirty="0" err="1"/>
+                  <a:t>wich</a:t>
+                </a:r>
+                <a:r>
+                  <a:rPr lang="pt-PT" sz="1400" dirty="0"/>
+                  <a:t> </a:t>
+                </a:r>
+                <a:r>
+                  <a:rPr lang="pt-PT" sz="1400" dirty="0" err="1"/>
+                  <a:t>is</a:t>
+                </a:r>
+                <a:r>
+                  <a:rPr lang="pt-PT" sz="1400" dirty="0"/>
+                  <a:t> </a:t>
+                </a:r>
+                <a:r>
+                  <a:rPr lang="pt-PT" sz="1400" dirty="0" err="1"/>
+                  <a:t>worst</a:t>
+                </a:r>
+                <a:r>
+                  <a:rPr lang="pt-PT" sz="1400" dirty="0"/>
+                  <a:t> </a:t>
+                </a:r>
+                <a:r>
+                  <a:rPr lang="pt-PT" sz="1400" dirty="0" err="1"/>
+                  <a:t>than</a:t>
+                </a:r>
+                <a:r>
+                  <a:rPr lang="pt-PT" sz="1400" dirty="0"/>
+                  <a:t> the basic </a:t>
+                </a:r>
+                <a:r>
+                  <a:rPr lang="pt-PT" sz="1400" dirty="0" err="1"/>
+                  <a:t>bitonic</a:t>
+                </a:r>
+                <a:r>
+                  <a:rPr lang="pt-PT" sz="1400" dirty="0"/>
+                  <a:t> </a:t>
+                </a:r>
+                <a:r>
+                  <a:rPr lang="pt-PT" sz="1400" dirty="0" err="1"/>
+                  <a:t>sort</a:t>
+                </a:r>
+                <a:r>
+                  <a:rPr lang="pt-PT" sz="1400" dirty="0"/>
+                  <a:t>.</a:t>
+                </a:r>
+              </a:p>
+              <a:p>
+                <a:pPr>
+                  <a:spcAft>
+                    <a:spcPts val="600"/>
+                  </a:spcAft>
+                </a:pPr>
+                <a:r>
+                  <a:rPr lang="pt-PT" sz="1400" dirty="0">
+                    <a:latin typeface="+mj-lt"/>
+                    <a:ea typeface="Calibri" panose="020F0502020204030204" pitchFamily="34" charset="0"/>
+                    <a:cs typeface="Times New Roman" panose="02020603050405020304" pitchFamily="18" charset="0"/>
+                  </a:rPr>
+                  <a:t>.</a:t>
+                </a:r>
+                <a:endParaRPr lang="pt-PT" sz="1400" dirty="0">
+                  <a:effectLst/>
+                  <a:latin typeface="+mj-lt"/>
+                  <a:ea typeface="Calibri" panose="020F0502020204030204" pitchFamily="34" charset="0"/>
+                  <a:cs typeface="Times New Roman" panose="02020603050405020304" pitchFamily="18" charset="0"/>
+                </a:endParaRPr>
+              </a:p>
+              <a:p>
+                <a:r>
+                  <a:rPr lang="pt-PT" sz="1400" dirty="0">
+                    <a:latin typeface="+mj-lt"/>
+                  </a:rPr>
+                  <a:t> </a:t>
+                </a:r>
+              </a:p>
+            </p:txBody>
+          </p:sp>
+        </mc:Choice>
+        <mc:Fallback>
+          <p:sp>
+            <p:nvSpPr>
+              <p:cNvPr id="2" name="CaixaDeTexto 1">
+                <a:extLst>
+                  <a:ext uri="{FF2B5EF4-FFF2-40B4-BE49-F238E27FC236}">
+                    <a16:creationId xmlns:a16="http://schemas.microsoft.com/office/drawing/2014/main" id="{0716E6EC-A8E5-FF40-AF49-908455D2334B}"/>
+                  </a:ext>
+                </a:extLst>
+              </p:cNvPr>
+              <p:cNvSpPr txBox="1">
+                <a:spLocks noRot="1" noChangeAspect="1" noMove="1" noResize="1" noEditPoints="1" noAdjustHandles="1" noChangeArrowheads="1" noChangeShapeType="1" noTextEdit="1"/>
+              </p:cNvSpPr>
+              <p:nvPr/>
+            </p:nvSpPr>
+            <p:spPr>
+              <a:xfrm>
+                <a:off x="3691467" y="521295"/>
+                <a:ext cx="7963894" cy="4036041"/>
+              </a:xfrm>
+              <a:prstGeom prst="rect">
+                <a:avLst/>
+              </a:prstGeom>
+              <a:blipFill>
+                <a:blip r:embed="rId2"/>
+                <a:stretch>
+                  <a:fillRect l="-230"/>
+                </a:stretch>
+              </a:blipFill>
+            </p:spPr>
+            <p:txBody>
+              <a:bodyPr/>
+              <a:lstStyle/>
+              <a:p>
+                <a:r>
+                  <a:rPr lang="pt-PT">
+                    <a:noFill/>
+                  </a:rPr>
+                  <a:t> </a:t>
+                </a:r>
+              </a:p>
+            </p:txBody>
+          </p:sp>
+        </mc:Fallback>
+      </mc:AlternateContent>
+      <p:sp>
+        <p:nvSpPr>
+          <p:cNvPr id="4" name="CaixaDeTexto 3">
+            <a:extLst>
+              <a:ext uri="{FF2B5EF4-FFF2-40B4-BE49-F238E27FC236}">
+                <a16:creationId xmlns:a16="http://schemas.microsoft.com/office/drawing/2014/main" id="{6AF81654-4A7E-0B7B-028D-8D1FD291D139}"/>
+              </a:ext>
+            </a:extLst>
+          </p:cNvPr>
+          <p:cNvSpPr txBox="1"/>
+          <p:nvPr/>
+        </p:nvSpPr>
+        <p:spPr>
+          <a:xfrm>
+            <a:off x="2134484" y="4028381"/>
+            <a:ext cx="8327953" cy="2308324"/>
+          </a:xfrm>
+          <a:prstGeom prst="rect">
+            <a:avLst/>
+          </a:prstGeom>
+          <a:noFill/>
+        </p:spPr>
+        <p:txBody>
+          <a:bodyPr wrap="square">
+            <a:spAutoFit/>
+          </a:bodyPr>
+          <a:lstStyle/>
+          <a:p>
+            <a:pPr algn="just"/>
+            <a:r>
+              <a:rPr lang="en-US" sz="1600" dirty="0"/>
+              <a:t>Current graphics processors do not support scatter operations i.e., the fragment processor cannot write to arbitrary memory locations. This restriction avoids a write-after-a-read hazard between multiple fragment processors accessing the same memory location. Therefore, most sorting algorithms such as Quicksort cannot be efﬁciently implemented on GPUs. On the other hand, sorting network algorithms are a class of algorithms that map well to the GPUs.</a:t>
+            </a:r>
+          </a:p>
+          <a:p>
+            <a:pPr algn="just"/>
+            <a:r>
+              <a:rPr lang="pt-PT" sz="1600" dirty="0"/>
+              <a:t>https://www.researchgate.net/publication/228359315_A_cache-efficient_sorting_algorithm_for_database_and_data_mining_computations_using_graphics_processors</a:t>
+            </a:r>
+          </a:p>
+        </p:txBody>
+      </p:sp>
+    </p:spTree>
+    <p:extLst>
+      <p:ext uri="{BB962C8B-B14F-4D97-AF65-F5344CB8AC3E}">
+        <p14:creationId xmlns:p14="http://schemas.microsoft.com/office/powerpoint/2010/main" val="4086735778"/>
+      </p:ext>
+    </p:extLst>
+  </p:cSld>
+  <p:clrMapOvr>
+    <a:masterClrMapping/>
+  </p:clrMapOvr>
+</p:sld>
+</file>
+
+<file path=ppt/slides/slide8.xml><?xml version="1.0" encoding="utf-8"?>
 <p:sld xmlns:a="http://schemas.openxmlformats.org/drawingml/2006/main" xmlns:r="http://schemas.openxmlformats.org/officeDocument/2006/relationships" xmlns:p="http://schemas.openxmlformats.org/presentationml/2006/main">
   <p:cSld>
     <p:spTree>
@@ -14414,7 +16650,7 @@
                   <a:latin typeface="Arial" panose="020B0604020202020204" pitchFamily="34" charset="0"/>
                   <a:cs typeface="Arial" panose="020B0604020202020204" pitchFamily="34" charset="0"/>
                 </a:rPr>
-                <a:t>7</a:t>
+                <a:t>8</a:t>
               </a:fld>
               <a:r>
                 <a:rPr lang="en-GB" sz="1100" spc="-1" dirty="0">
@@ -19891,6 +22127,354 @@
           </a:graphicData>
         </a:graphic>
       </p:graphicFrame>
+      <p:grpSp>
+        <p:nvGrpSpPr>
+          <p:cNvPr id="133" name="Agrupar 132">
+            <a:extLst>
+              <a:ext uri="{FF2B5EF4-FFF2-40B4-BE49-F238E27FC236}">
+                <a16:creationId xmlns:a16="http://schemas.microsoft.com/office/drawing/2014/main" id="{71928E0B-5045-ED91-7E97-AD240AC90532}"/>
+              </a:ext>
+            </a:extLst>
+          </p:cNvPr>
+          <p:cNvGrpSpPr/>
+          <p:nvPr/>
+        </p:nvGrpSpPr>
+        <p:grpSpPr>
+          <a:xfrm>
+            <a:off x="1141026" y="222184"/>
+            <a:ext cx="3609394" cy="6151936"/>
+            <a:chOff x="363082" y="553350"/>
+            <a:chExt cx="2986286" cy="4856850"/>
+          </a:xfrm>
+        </p:grpSpPr>
+        <p:sp>
+          <p:nvSpPr>
+            <p:cNvPr id="134" name="Retângulo 133">
+              <a:extLst>
+                <a:ext uri="{FF2B5EF4-FFF2-40B4-BE49-F238E27FC236}">
+                  <a16:creationId xmlns:a16="http://schemas.microsoft.com/office/drawing/2014/main" id="{D64347C9-8119-32DA-DFFC-C1D83D761D69}"/>
+                </a:ext>
+              </a:extLst>
+            </p:cNvPr>
+            <p:cNvSpPr/>
+            <p:nvPr/>
+          </p:nvSpPr>
+          <p:spPr>
+            <a:xfrm>
+              <a:off x="1004104" y="2973610"/>
+              <a:ext cx="2345264" cy="2436590"/>
+            </a:xfrm>
+            <a:prstGeom prst="rect">
+              <a:avLst/>
+            </a:prstGeom>
+            <a:noFill/>
+            <a:ln w="19050">
+              <a:solidFill>
+                <a:schemeClr val="accent2"/>
+              </a:solidFill>
+              <a:prstDash val="dash"/>
+            </a:ln>
+          </p:spPr>
+          <p:style>
+            <a:lnRef idx="2">
+              <a:schemeClr val="accent1">
+                <a:shade val="50000"/>
+              </a:schemeClr>
+            </a:lnRef>
+            <a:fillRef idx="1">
+              <a:schemeClr val="accent1"/>
+            </a:fillRef>
+            <a:effectRef idx="0">
+              <a:schemeClr val="accent1"/>
+            </a:effectRef>
+            <a:fontRef idx="minor">
+              <a:schemeClr val="lt1"/>
+            </a:fontRef>
+          </p:style>
+          <p:txBody>
+            <a:bodyPr rtlCol="0" anchor="ctr"/>
+            <a:lstStyle/>
+            <a:p>
+              <a:pPr algn="ctr"/>
+              <a:endParaRPr lang="pt-PT"/>
+            </a:p>
+          </p:txBody>
+        </p:sp>
+        <p:grpSp>
+          <p:nvGrpSpPr>
+            <p:cNvPr id="135" name="Agrupar 134">
+              <a:extLst>
+                <a:ext uri="{FF2B5EF4-FFF2-40B4-BE49-F238E27FC236}">
+                  <a16:creationId xmlns:a16="http://schemas.microsoft.com/office/drawing/2014/main" id="{35C1500C-02B6-8A37-2CB0-012062A5E740}"/>
+                </a:ext>
+              </a:extLst>
+            </p:cNvPr>
+            <p:cNvGrpSpPr/>
+            <p:nvPr/>
+          </p:nvGrpSpPr>
+          <p:grpSpPr>
+            <a:xfrm>
+              <a:off x="363082" y="553350"/>
+              <a:ext cx="2986286" cy="3777054"/>
+              <a:chOff x="363082" y="553350"/>
+              <a:chExt cx="2986286" cy="3777054"/>
+            </a:xfrm>
+          </p:grpSpPr>
+          <p:sp>
+            <p:nvSpPr>
+              <p:cNvPr id="136" name="Retângulo 135">
+                <a:extLst>
+                  <a:ext uri="{FF2B5EF4-FFF2-40B4-BE49-F238E27FC236}">
+                    <a16:creationId xmlns:a16="http://schemas.microsoft.com/office/drawing/2014/main" id="{632D8E95-FC94-FE71-75A1-8413CCC94BC8}"/>
+                  </a:ext>
+                </a:extLst>
+              </p:cNvPr>
+              <p:cNvSpPr/>
+              <p:nvPr/>
+            </p:nvSpPr>
+            <p:spPr>
+              <a:xfrm>
+                <a:off x="1004104" y="1363249"/>
+                <a:ext cx="2345264" cy="1557750"/>
+              </a:xfrm>
+              <a:prstGeom prst="rect">
+                <a:avLst/>
+              </a:prstGeom>
+              <a:noFill/>
+              <a:ln w="19050">
+                <a:solidFill>
+                  <a:schemeClr val="accent2"/>
+                </a:solidFill>
+                <a:prstDash val="dash"/>
+              </a:ln>
+            </p:spPr>
+            <p:style>
+              <a:lnRef idx="2">
+                <a:schemeClr val="accent1">
+                  <a:shade val="50000"/>
+                </a:schemeClr>
+              </a:lnRef>
+              <a:fillRef idx="1">
+                <a:schemeClr val="accent1"/>
+              </a:fillRef>
+              <a:effectRef idx="0">
+                <a:schemeClr val="accent1"/>
+              </a:effectRef>
+              <a:fontRef idx="minor">
+                <a:schemeClr val="lt1"/>
+              </a:fontRef>
+            </p:style>
+            <p:txBody>
+              <a:bodyPr rtlCol="0" anchor="ctr"/>
+              <a:lstStyle/>
+              <a:p>
+                <a:pPr algn="ctr"/>
+                <a:endParaRPr lang="pt-PT"/>
+              </a:p>
+            </p:txBody>
+          </p:sp>
+          <p:sp>
+            <p:nvSpPr>
+              <p:cNvPr id="137" name="Retângulo 136">
+                <a:extLst>
+                  <a:ext uri="{FF2B5EF4-FFF2-40B4-BE49-F238E27FC236}">
+                    <a16:creationId xmlns:a16="http://schemas.microsoft.com/office/drawing/2014/main" id="{F3791D02-9EE2-4AAB-F498-090DD60D86C3}"/>
+                  </a:ext>
+                </a:extLst>
+              </p:cNvPr>
+              <p:cNvSpPr/>
+              <p:nvPr/>
+            </p:nvSpPr>
+            <p:spPr>
+              <a:xfrm>
+                <a:off x="1004104" y="553350"/>
+                <a:ext cx="2345264" cy="757288"/>
+              </a:xfrm>
+              <a:prstGeom prst="rect">
+                <a:avLst/>
+              </a:prstGeom>
+              <a:noFill/>
+              <a:ln w="19050">
+                <a:solidFill>
+                  <a:schemeClr val="accent2"/>
+                </a:solidFill>
+                <a:prstDash val="dash"/>
+              </a:ln>
+            </p:spPr>
+            <p:style>
+              <a:lnRef idx="2">
+                <a:schemeClr val="accent1">
+                  <a:shade val="50000"/>
+                </a:schemeClr>
+              </a:lnRef>
+              <a:fillRef idx="1">
+                <a:schemeClr val="accent1"/>
+              </a:fillRef>
+              <a:effectRef idx="0">
+                <a:schemeClr val="accent1"/>
+              </a:effectRef>
+              <a:fontRef idx="minor">
+                <a:schemeClr val="lt1"/>
+              </a:fontRef>
+            </p:style>
+            <p:txBody>
+              <a:bodyPr rtlCol="0" anchor="ctr"/>
+              <a:lstStyle/>
+              <a:p>
+                <a:pPr algn="ctr"/>
+                <a:endParaRPr lang="pt-PT"/>
+              </a:p>
+            </p:txBody>
+          </p:sp>
+          <p:sp>
+            <p:nvSpPr>
+              <p:cNvPr id="138" name="CaixaDeTexto 137">
+                <a:extLst>
+                  <a:ext uri="{FF2B5EF4-FFF2-40B4-BE49-F238E27FC236}">
+                    <a16:creationId xmlns:a16="http://schemas.microsoft.com/office/drawing/2014/main" id="{4F0269CB-1E86-0D76-B8EF-7E1BD5454FF1}"/>
+                  </a:ext>
+                </a:extLst>
+              </p:cNvPr>
+              <p:cNvSpPr txBox="1"/>
+              <p:nvPr/>
+            </p:nvSpPr>
+            <p:spPr>
+              <a:xfrm>
+                <a:off x="368994" y="817221"/>
+                <a:ext cx="635110" cy="276999"/>
+              </a:xfrm>
+              <a:prstGeom prst="rect">
+                <a:avLst/>
+              </a:prstGeom>
+              <a:noFill/>
+            </p:spPr>
+            <p:txBody>
+              <a:bodyPr wrap="none" rtlCol="0">
+                <a:spAutoFit/>
+              </a:bodyPr>
+              <a:lstStyle/>
+              <a:p>
+                <a:r>
+                  <a:rPr lang="pt-PT" sz="1200" b="1" dirty="0" err="1">
+                    <a:solidFill>
+                      <a:schemeClr val="accent1"/>
+                    </a:solidFill>
+                    <a:latin typeface="Arial Narrow" panose="020B0606020202030204" pitchFamily="34" charset="0"/>
+                  </a:rPr>
+                  <a:t>Stage</a:t>
+                </a:r>
+                <a:r>
+                  <a:rPr lang="pt-PT" sz="1200" b="1" dirty="0">
+                    <a:solidFill>
+                      <a:schemeClr val="accent1"/>
+                    </a:solidFill>
+                    <a:latin typeface="Arial Narrow" panose="020B0606020202030204" pitchFamily="34" charset="0"/>
+                  </a:rPr>
+                  <a:t> 1</a:t>
+                </a:r>
+              </a:p>
+            </p:txBody>
+          </p:sp>
+          <p:sp>
+            <p:nvSpPr>
+              <p:cNvPr id="139" name="CaixaDeTexto 138">
+                <a:extLst>
+                  <a:ext uri="{FF2B5EF4-FFF2-40B4-BE49-F238E27FC236}">
+                    <a16:creationId xmlns:a16="http://schemas.microsoft.com/office/drawing/2014/main" id="{1F53C1CC-C76E-905A-3FED-2119C8B48F91}"/>
+                  </a:ext>
+                </a:extLst>
+              </p:cNvPr>
+              <p:cNvSpPr txBox="1"/>
+              <p:nvPr/>
+            </p:nvSpPr>
+            <p:spPr>
+              <a:xfrm>
+                <a:off x="368994" y="2003624"/>
+                <a:ext cx="635110" cy="276999"/>
+              </a:xfrm>
+              <a:prstGeom prst="rect">
+                <a:avLst/>
+              </a:prstGeom>
+              <a:noFill/>
+            </p:spPr>
+            <p:txBody>
+              <a:bodyPr wrap="none" rtlCol="0">
+                <a:spAutoFit/>
+              </a:bodyPr>
+              <a:lstStyle/>
+              <a:p>
+                <a:r>
+                  <a:rPr lang="pt-PT" sz="1200" b="1" dirty="0" err="1">
+                    <a:solidFill>
+                      <a:schemeClr val="accent1"/>
+                    </a:solidFill>
+                    <a:latin typeface="Arial Narrow" panose="020B0606020202030204" pitchFamily="34" charset="0"/>
+                  </a:rPr>
+                  <a:t>Stage</a:t>
+                </a:r>
+                <a:r>
+                  <a:rPr lang="pt-PT" sz="1200" b="1" dirty="0">
+                    <a:solidFill>
+                      <a:schemeClr val="accent1"/>
+                    </a:solidFill>
+                    <a:latin typeface="Arial Narrow" panose="020B0606020202030204" pitchFamily="34" charset="0"/>
+                  </a:rPr>
+                  <a:t> 2</a:t>
+                </a:r>
+              </a:p>
+            </p:txBody>
+          </p:sp>
+          <p:sp>
+            <p:nvSpPr>
+              <p:cNvPr id="140" name="CaixaDeTexto 139">
+                <a:extLst>
+                  <a:ext uri="{FF2B5EF4-FFF2-40B4-BE49-F238E27FC236}">
+                    <a16:creationId xmlns:a16="http://schemas.microsoft.com/office/drawing/2014/main" id="{DCC56A33-DE57-822D-00BA-A5F36BC7D8CE}"/>
+                  </a:ext>
+                </a:extLst>
+              </p:cNvPr>
+              <p:cNvSpPr txBox="1"/>
+              <p:nvPr/>
+            </p:nvSpPr>
+            <p:spPr>
+              <a:xfrm>
+                <a:off x="363082" y="4053405"/>
+                <a:ext cx="635110" cy="276999"/>
+              </a:xfrm>
+              <a:prstGeom prst="rect">
+                <a:avLst/>
+              </a:prstGeom>
+              <a:noFill/>
+            </p:spPr>
+            <p:txBody>
+              <a:bodyPr wrap="none" rtlCol="0">
+                <a:spAutoFit/>
+              </a:bodyPr>
+              <a:lstStyle/>
+              <a:p>
+                <a:r>
+                  <a:rPr lang="pt-PT" sz="1200" b="1" dirty="0" err="1">
+                    <a:solidFill>
+                      <a:schemeClr val="accent1"/>
+                    </a:solidFill>
+                    <a:latin typeface="Arial Narrow" panose="020B0606020202030204" pitchFamily="34" charset="0"/>
+                  </a:rPr>
+                  <a:t>Stage</a:t>
+                </a:r>
+                <a:r>
+                  <a:rPr lang="pt-PT" sz="1200" b="1" dirty="0">
+                    <a:solidFill>
+                      <a:schemeClr val="accent1"/>
+                    </a:solidFill>
+                    <a:latin typeface="Arial Narrow" panose="020B0606020202030204" pitchFamily="34" charset="0"/>
+                  </a:rPr>
+                  <a:t> 3</a:t>
+                </a:r>
+              </a:p>
+            </p:txBody>
+          </p:sp>
+        </p:grpSp>
+      </p:grpSp>
       <p:grpSp>
         <p:nvGrpSpPr>
           <p:cNvPr id="3" name="Agrupar 2">
@@ -22393,6 +24977,1296 @@
           </p:sp>
         </p:grpSp>
       </p:grpSp>
+      <p:pic>
+        <p:nvPicPr>
+          <p:cNvPr id="141" name="Imagem 140">
+            <a:extLst>
+              <a:ext uri="{FF2B5EF4-FFF2-40B4-BE49-F238E27FC236}">
+                <a16:creationId xmlns:a16="http://schemas.microsoft.com/office/drawing/2014/main" id="{AA7ADA3F-BAD5-A33D-0FF7-1978D422E7E0}"/>
+              </a:ext>
+            </a:extLst>
+          </p:cNvPr>
+          <p:cNvPicPr>
+            <a:picLocks noChangeAspect="1"/>
+          </p:cNvPicPr>
+          <p:nvPr/>
+        </p:nvPicPr>
+        <p:blipFill>
+          <a:blip r:embed="rId2"/>
+          <a:stretch>
+            <a:fillRect/>
+          </a:stretch>
+        </p:blipFill>
+        <p:spPr>
+          <a:xfrm>
+            <a:off x="8337574" y="622004"/>
+            <a:ext cx="3333750" cy="3038475"/>
+          </a:xfrm>
+          <a:prstGeom prst="rect">
+            <a:avLst/>
+          </a:prstGeom>
+        </p:spPr>
+      </p:pic>
+      <p:sp>
+        <p:nvSpPr>
+          <p:cNvPr id="143" name="CaixaDeTexto 142">
+            <a:extLst>
+              <a:ext uri="{FF2B5EF4-FFF2-40B4-BE49-F238E27FC236}">
+                <a16:creationId xmlns:a16="http://schemas.microsoft.com/office/drawing/2014/main" id="{20673640-C18B-D71F-29F7-84A327FCA49B}"/>
+              </a:ext>
+            </a:extLst>
+          </p:cNvPr>
+          <p:cNvSpPr txBox="1"/>
+          <p:nvPr/>
+        </p:nvSpPr>
+        <p:spPr>
+          <a:xfrm>
+            <a:off x="1861293" y="5947467"/>
+            <a:ext cx="9364236" cy="276999"/>
+          </a:xfrm>
+          <a:prstGeom prst="rect">
+            <a:avLst/>
+          </a:prstGeom>
+          <a:noFill/>
+        </p:spPr>
+        <p:txBody>
+          <a:bodyPr wrap="square">
+            <a:spAutoFit/>
+          </a:bodyPr>
+          <a:lstStyle/>
+          <a:p>
+            <a:r>
+              <a:rPr lang="pt-PT" sz="1200" dirty="0"/>
+              <a:t>https://developer.nvidia.com/gpugems/gpugems2/part-vi-simulation-and-numerical-algorithms/chapter-46-improved-gpu-sorting</a:t>
+            </a:r>
+          </a:p>
+        </p:txBody>
+      </p:sp>
+      <p:sp>
+        <p:nvSpPr>
+          <p:cNvPr id="142" name="Retângulo 4">
+            <a:extLst>
+              <a:ext uri="{FF2B5EF4-FFF2-40B4-BE49-F238E27FC236}">
+                <a16:creationId xmlns:a16="http://schemas.microsoft.com/office/drawing/2014/main" id="{913F817C-7D6C-35AF-1B34-3108A7F30F51}"/>
+              </a:ext>
+            </a:extLst>
+          </p:cNvPr>
+          <p:cNvSpPr/>
+          <p:nvPr/>
+        </p:nvSpPr>
+        <p:spPr>
+          <a:xfrm>
+            <a:off x="7107909" y="3992562"/>
+            <a:ext cx="5335822" cy="5677024"/>
+          </a:xfrm>
+          <a:prstGeom prst="rect">
+            <a:avLst/>
+          </a:prstGeom>
+          <a:noFill/>
+          <a:ln w="0">
+            <a:noFill/>
+          </a:ln>
+        </p:spPr>
+        <p:style>
+          <a:lnRef idx="0">
+            <a:scrgbClr r="0" g="0" b="0"/>
+          </a:lnRef>
+          <a:fillRef idx="0">
+            <a:scrgbClr r="0" g="0" b="0"/>
+          </a:fillRef>
+          <a:effectRef idx="0">
+            <a:scrgbClr r="0" g="0" b="0"/>
+          </a:effectRef>
+          <a:fontRef idx="minor"/>
+        </p:style>
+        <p:txBody>
+          <a:bodyPr wrap="square" lIns="90000" tIns="45000" rIns="90000" bIns="45000" anchor="t">
+            <a:spAutoFit/>
+          </a:bodyPr>
+          <a:lstStyle/>
+          <a:p>
+            <a:r>
+              <a:rPr lang="pt-PT" sz="1100" dirty="0">
+                <a:latin typeface="Times New Roman" panose="02020603050405020304" pitchFamily="18" charset="0"/>
+                <a:cs typeface="Times New Roman" panose="02020603050405020304" pitchFamily="18" charset="0"/>
+              </a:rPr>
+              <a:t>for (</a:t>
+            </a:r>
+            <a:r>
+              <a:rPr lang="pt-PT" sz="1100" dirty="0" err="1">
+                <a:latin typeface="Times New Roman" panose="02020603050405020304" pitchFamily="18" charset="0"/>
+                <a:cs typeface="Times New Roman" panose="02020603050405020304" pitchFamily="18" charset="0"/>
+              </a:rPr>
+              <a:t>unsigned</a:t>
+            </a:r>
+            <a:r>
+              <a:rPr lang="pt-PT" sz="1100" dirty="0">
+                <a:latin typeface="Times New Roman" panose="02020603050405020304" pitchFamily="18" charset="0"/>
+                <a:cs typeface="Times New Roman" panose="02020603050405020304" pitchFamily="18" charset="0"/>
+              </a:rPr>
+              <a:t> </a:t>
+            </a:r>
+            <a:r>
+              <a:rPr lang="pt-PT" sz="1100" dirty="0" err="1">
+                <a:latin typeface="Times New Roman" panose="02020603050405020304" pitchFamily="18" charset="0"/>
+                <a:cs typeface="Times New Roman" panose="02020603050405020304" pitchFamily="18" charset="0"/>
+              </a:rPr>
+              <a:t>int</a:t>
+            </a:r>
+            <a:r>
+              <a:rPr lang="pt-PT" sz="1100" dirty="0">
+                <a:latin typeface="Times New Roman" panose="02020603050405020304" pitchFamily="18" charset="0"/>
+                <a:cs typeface="Times New Roman" panose="02020603050405020304" pitchFamily="18" charset="0"/>
+              </a:rPr>
+              <a:t> i = 0; i &lt; </a:t>
+            </a:r>
+            <a:r>
+              <a:rPr lang="en-US" sz="1100" b="0" strike="noStrike" spc="-1" dirty="0" err="1">
+                <a:solidFill>
+                  <a:srgbClr val="000000"/>
+                </a:solidFill>
+                <a:latin typeface="Times New Roman"/>
+                <a:ea typeface="DejaVu Sans"/>
+              </a:rPr>
+              <a:t>arrSize</a:t>
+            </a:r>
+            <a:r>
+              <a:rPr lang="en-US" sz="1100" b="0" strike="noStrike" spc="-1" dirty="0">
+                <a:solidFill>
+                  <a:srgbClr val="000000"/>
+                </a:solidFill>
+                <a:latin typeface="Times New Roman"/>
+                <a:ea typeface="DejaVu Sans"/>
+              </a:rPr>
+              <a:t> </a:t>
+            </a:r>
+            <a:r>
+              <a:rPr lang="pt-PT" sz="1100" dirty="0">
+                <a:latin typeface="Times New Roman" panose="02020603050405020304" pitchFamily="18" charset="0"/>
+                <a:cs typeface="Times New Roman" panose="02020603050405020304" pitchFamily="18" charset="0"/>
+              </a:rPr>
+              <a:t>; i++) {</a:t>
+            </a:r>
+            <a:endParaRPr lang="en-US" sz="1100" b="0" strike="noStrike" spc="-1" dirty="0">
+              <a:solidFill>
+                <a:srgbClr val="000000"/>
+              </a:solidFill>
+              <a:latin typeface="Times New Roman"/>
+              <a:ea typeface="DejaVu Sans"/>
+            </a:endParaRPr>
+          </a:p>
+          <a:p>
+            <a:pPr>
+              <a:lnSpc>
+                <a:spcPct val="100000"/>
+              </a:lnSpc>
+            </a:pPr>
+            <a:endParaRPr lang="en-US" sz="1100" spc="-1" dirty="0">
+              <a:solidFill>
+                <a:srgbClr val="000000"/>
+              </a:solidFill>
+              <a:latin typeface="Times New Roman"/>
+              <a:ea typeface="DejaVu Sans"/>
+            </a:endParaRPr>
+          </a:p>
+          <a:p>
+            <a:pPr>
+              <a:lnSpc>
+                <a:spcPct val="100000"/>
+              </a:lnSpc>
+            </a:pPr>
+            <a:r>
+              <a:rPr lang="en-US" sz="1100" b="0" strike="noStrike" spc="-1" dirty="0">
+                <a:solidFill>
+                  <a:srgbClr val="000000"/>
+                </a:solidFill>
+                <a:latin typeface="Times New Roman"/>
+                <a:ea typeface="DejaVu Sans"/>
+              </a:rPr>
+              <a:t>unsigned int </a:t>
+            </a:r>
+            <a:r>
+              <a:rPr lang="en-US" sz="1100" b="0" strike="noStrike" spc="-1" dirty="0" err="1">
+                <a:solidFill>
+                  <a:srgbClr val="000000"/>
+                </a:solidFill>
+                <a:latin typeface="Times New Roman"/>
+                <a:ea typeface="DejaVu Sans"/>
+              </a:rPr>
+              <a:t>idx</a:t>
+            </a:r>
+            <a:r>
+              <a:rPr lang="en-US" sz="1100" b="0" strike="noStrike" spc="-1" dirty="0">
+                <a:solidFill>
+                  <a:srgbClr val="000000"/>
+                </a:solidFill>
+                <a:latin typeface="Times New Roman"/>
+                <a:ea typeface="DejaVu Sans"/>
+              </a:rPr>
+              <a:t>=</a:t>
+            </a:r>
+            <a:r>
+              <a:rPr lang="en-US" sz="1100" b="0" strike="noStrike" spc="-1" dirty="0" err="1">
+                <a:solidFill>
+                  <a:srgbClr val="000000"/>
+                </a:solidFill>
+                <a:latin typeface="Times New Roman"/>
+                <a:ea typeface="DejaVu Sans"/>
+              </a:rPr>
+              <a:t>treadIdx.x</a:t>
+            </a:r>
+            <a:r>
+              <a:rPr lang="en-US" sz="1100" b="0" strike="noStrike" spc="-1" dirty="0">
+                <a:solidFill>
+                  <a:srgbClr val="000000"/>
+                </a:solidFill>
+                <a:latin typeface="Times New Roman"/>
+                <a:ea typeface="DejaVu Sans"/>
+              </a:rPr>
+              <a:t>;</a:t>
+            </a:r>
+          </a:p>
+          <a:p>
+            <a:r>
+              <a:rPr lang="en-US" sz="1100" b="0" strike="noStrike" spc="-1" dirty="0">
+                <a:solidFill>
+                  <a:srgbClr val="000000"/>
+                </a:solidFill>
+                <a:latin typeface="Times New Roman"/>
+                <a:ea typeface="DejaVu Sans"/>
+              </a:rPr>
+              <a:t>unsigned int </a:t>
+            </a:r>
+            <a:r>
+              <a:rPr lang="en-US" sz="1100" b="0" strike="noStrike" spc="-1" dirty="0" err="1">
+                <a:solidFill>
+                  <a:srgbClr val="000000"/>
+                </a:solidFill>
+                <a:latin typeface="Times New Roman"/>
+                <a:ea typeface="DejaVu Sans"/>
+              </a:rPr>
+              <a:t>arrSize</a:t>
+            </a:r>
+            <a:r>
+              <a:rPr lang="en-US" sz="1100" b="0" strike="noStrike" spc="-1" dirty="0">
+                <a:solidFill>
+                  <a:srgbClr val="000000"/>
+                </a:solidFill>
+                <a:latin typeface="Times New Roman"/>
+                <a:ea typeface="DejaVu Sans"/>
+              </a:rPr>
+              <a:t> =</a:t>
+            </a:r>
+            <a:r>
+              <a:rPr lang="en-US" sz="1100" dirty="0">
+                <a:latin typeface="Times New Roman" panose="02020603050405020304" pitchFamily="18" charset="0"/>
+                <a:cs typeface="Times New Roman" panose="02020603050405020304" pitchFamily="18" charset="0"/>
+              </a:rPr>
+              <a:t> (</a:t>
+            </a:r>
+            <a:r>
+              <a:rPr lang="en-US" sz="1100" dirty="0" err="1">
+                <a:latin typeface="Times New Roman" panose="02020603050405020304" pitchFamily="18" charset="0"/>
+                <a:cs typeface="Times New Roman" panose="02020603050405020304" pitchFamily="18" charset="0"/>
+              </a:rPr>
+              <a:t>size_t</a:t>
+            </a:r>
+            <a:r>
+              <a:rPr lang="en-US" sz="1100" dirty="0">
+                <a:latin typeface="Times New Roman" panose="02020603050405020304" pitchFamily="18" charset="0"/>
+                <a:cs typeface="Times New Roman" panose="02020603050405020304" pitchFamily="18" charset="0"/>
+              </a:rPr>
+              <a:t>) N_ARRAYS * (</a:t>
+            </a:r>
+            <a:r>
+              <a:rPr lang="en-US" sz="1100" dirty="0" err="1">
+                <a:latin typeface="Times New Roman" panose="02020603050405020304" pitchFamily="18" charset="0"/>
+                <a:cs typeface="Times New Roman" panose="02020603050405020304" pitchFamily="18" charset="0"/>
+              </a:rPr>
+              <a:t>size_t</a:t>
+            </a:r>
+            <a:r>
+              <a:rPr lang="en-US" sz="1100" dirty="0">
+                <a:latin typeface="Times New Roman" panose="02020603050405020304" pitchFamily="18" charset="0"/>
+                <a:cs typeface="Times New Roman" panose="02020603050405020304" pitchFamily="18" charset="0"/>
+              </a:rPr>
+              <a:t>) ARRAY_LENGTH</a:t>
+            </a:r>
+            <a:r>
+              <a:rPr lang="en-US" sz="1100" b="0" strike="noStrike" spc="-1" dirty="0">
+                <a:solidFill>
+                  <a:srgbClr val="000000"/>
+                </a:solidFill>
+                <a:latin typeface="Times New Roman"/>
+                <a:ea typeface="DejaVu Sans"/>
+              </a:rPr>
+              <a:t>;</a:t>
+            </a:r>
+            <a:endParaRPr lang="en-GB" sz="1100" b="0" strike="noStrike" spc="-1" dirty="0">
+              <a:latin typeface="Arial"/>
+            </a:endParaRPr>
+          </a:p>
+          <a:p>
+            <a:pPr>
+              <a:lnSpc>
+                <a:spcPct val="100000"/>
+              </a:lnSpc>
+            </a:pPr>
+            <a:r>
+              <a:rPr lang="en-US" sz="1100" b="0" strike="noStrike" spc="-1" dirty="0">
+                <a:solidFill>
+                  <a:srgbClr val="000000"/>
+                </a:solidFill>
+                <a:latin typeface="Times New Roman"/>
+                <a:ea typeface="DejaVu Sans"/>
+              </a:rPr>
+              <a:t>unsigned int j, </a:t>
+            </a:r>
+            <a:r>
+              <a:rPr lang="en-US" sz="1100" b="0" strike="noStrike" spc="-1" dirty="0" err="1">
+                <a:solidFill>
+                  <a:srgbClr val="000000"/>
+                </a:solidFill>
+                <a:latin typeface="Times New Roman"/>
+                <a:ea typeface="DejaVu Sans"/>
+              </a:rPr>
+              <a:t>tmp</a:t>
+            </a:r>
+            <a:r>
+              <a:rPr lang="en-US" sz="1100" b="0" strike="noStrike" spc="-1" dirty="0">
+                <a:solidFill>
+                  <a:srgbClr val="000000"/>
+                </a:solidFill>
+                <a:latin typeface="Times New Roman"/>
+                <a:ea typeface="DejaVu Sans"/>
+              </a:rPr>
+              <a:t>;</a:t>
+            </a:r>
+            <a:endParaRPr lang="en-GB" sz="1100" b="0" strike="noStrike" spc="-1" dirty="0">
+              <a:latin typeface="Arial"/>
+            </a:endParaRPr>
+          </a:p>
+          <a:p>
+            <a:pPr>
+              <a:lnSpc>
+                <a:spcPct val="100000"/>
+              </a:lnSpc>
+              <a:tabLst>
+                <a:tab pos="271463" algn="l"/>
+                <a:tab pos="541338" algn="l"/>
+                <a:tab pos="804863" algn="l"/>
+              </a:tabLst>
+            </a:pPr>
+            <a:r>
+              <a:rPr lang="en-GB" sz="1100" b="0" strike="noStrike" spc="-1" dirty="0">
+                <a:latin typeface="Times New Roman" panose="02020603050405020304" pitchFamily="18" charset="0"/>
+                <a:cs typeface="Times New Roman" panose="02020603050405020304" pitchFamily="18" charset="0"/>
+              </a:rPr>
+              <a:t>data += </a:t>
+            </a:r>
+            <a:r>
+              <a:rPr lang="en-GB" sz="1100" b="0" strike="noStrike" spc="-1" dirty="0" err="1">
+                <a:latin typeface="Times New Roman" panose="02020603050405020304" pitchFamily="18" charset="0"/>
+                <a:cs typeface="Times New Roman" panose="02020603050405020304" pitchFamily="18" charset="0"/>
+              </a:rPr>
+              <a:t>idx</a:t>
+            </a:r>
+            <a:r>
+              <a:rPr lang="en-GB" sz="1100" b="0" strike="noStrike" spc="-1" dirty="0">
+                <a:latin typeface="Times New Roman" panose="02020603050405020304" pitchFamily="18" charset="0"/>
+                <a:cs typeface="Times New Roman" panose="02020603050405020304" pitchFamily="18" charset="0"/>
+              </a:rPr>
+              <a:t>*2;			</a:t>
+            </a:r>
+            <a:r>
+              <a:rPr lang="en-US" sz="1100" b="0" strike="noStrike" spc="-1" dirty="0">
+                <a:latin typeface="Times New Roman" panose="02020603050405020304" pitchFamily="18" charset="0"/>
+                <a:cs typeface="Times New Roman" panose="02020603050405020304" pitchFamily="18" charset="0"/>
+              </a:rPr>
+              <a:t> // adjust pointer to the array to be ordered</a:t>
+            </a:r>
+            <a:endParaRPr lang="en-GB" sz="1100" b="0" strike="noStrike" spc="-1" dirty="0">
+              <a:latin typeface="Times New Roman" panose="02020603050405020304" pitchFamily="18" charset="0"/>
+              <a:cs typeface="Times New Roman" panose="02020603050405020304" pitchFamily="18" charset="0"/>
+            </a:endParaRPr>
+          </a:p>
+          <a:p>
+            <a:pPr>
+              <a:lnSpc>
+                <a:spcPct val="100000"/>
+              </a:lnSpc>
+              <a:tabLst>
+                <a:tab pos="271463" algn="l"/>
+                <a:tab pos="541338" algn="l"/>
+                <a:tab pos="804863" algn="l"/>
+              </a:tabLst>
+            </a:pPr>
+            <a:endParaRPr lang="en-GB" sz="1100" b="0" strike="noStrike" spc="-1" dirty="0">
+              <a:latin typeface="Times New Roman" panose="02020603050405020304" pitchFamily="18" charset="0"/>
+              <a:cs typeface="Times New Roman" panose="02020603050405020304" pitchFamily="18" charset="0"/>
+            </a:endParaRPr>
+          </a:p>
+          <a:p>
+            <a:pPr>
+              <a:lnSpc>
+                <a:spcPct val="100000"/>
+              </a:lnSpc>
+              <a:tabLst>
+                <a:tab pos="271463" algn="l"/>
+                <a:tab pos="541338" algn="l"/>
+                <a:tab pos="804863" algn="l"/>
+              </a:tabLst>
+            </a:pPr>
+            <a:r>
+              <a:rPr lang="en-GB" sz="1100" b="0" strike="noStrike" spc="-1" dirty="0">
+                <a:latin typeface="Times New Roman" panose="02020603050405020304" pitchFamily="18" charset="0"/>
+                <a:cs typeface="Times New Roman" panose="02020603050405020304" pitchFamily="18" charset="0"/>
+              </a:rPr>
+              <a:t>if(</a:t>
+            </a:r>
+            <a:r>
+              <a:rPr lang="en-GB" sz="1100" spc="-1" dirty="0">
+                <a:latin typeface="Times New Roman" panose="02020603050405020304" pitchFamily="18" charset="0"/>
+                <a:cs typeface="Times New Roman" panose="02020603050405020304" pitchFamily="18" charset="0"/>
+              </a:rPr>
+              <a:t>i%2==0</a:t>
+            </a:r>
+            <a:r>
+              <a:rPr lang="en-GB" sz="1100" b="0" strike="noStrike" spc="-1" dirty="0">
+                <a:latin typeface="Times New Roman" panose="02020603050405020304" pitchFamily="18" charset="0"/>
+                <a:cs typeface="Times New Roman" panose="02020603050405020304" pitchFamily="18" charset="0"/>
+              </a:rPr>
+              <a:t>) </a:t>
+            </a:r>
+          </a:p>
+          <a:p>
+            <a:pPr>
+              <a:lnSpc>
+                <a:spcPct val="100000"/>
+              </a:lnSpc>
+              <a:tabLst>
+                <a:tab pos="271463" algn="l"/>
+                <a:tab pos="541338" algn="l"/>
+                <a:tab pos="804863" algn="l"/>
+              </a:tabLst>
+            </a:pPr>
+            <a:r>
+              <a:rPr lang="en-GB" sz="1100" b="0" strike="noStrike" spc="-1" dirty="0">
+                <a:latin typeface="Times New Roman" panose="02020603050405020304" pitchFamily="18" charset="0"/>
+                <a:cs typeface="Times New Roman" panose="02020603050405020304" pitchFamily="18" charset="0"/>
+              </a:rPr>
+              <a:t>{</a:t>
+            </a:r>
+          </a:p>
+          <a:p>
+            <a:pPr>
+              <a:tabLst>
+                <a:tab pos="271463" algn="l"/>
+                <a:tab pos="541338" algn="l"/>
+                <a:tab pos="804863" algn="l"/>
+              </a:tabLst>
+            </a:pPr>
+            <a:r>
+              <a:rPr lang="en-GB" sz="1100" b="0" strike="noStrike" spc="-1" dirty="0">
+                <a:latin typeface="Times New Roman" panose="02020603050405020304" pitchFamily="18" charset="0"/>
+                <a:cs typeface="Times New Roman" panose="02020603050405020304" pitchFamily="18" charset="0"/>
+              </a:rPr>
+              <a:t>	j=2*</a:t>
+            </a:r>
+            <a:r>
+              <a:rPr lang="en-GB" sz="1100" b="0" strike="noStrike" spc="-1" dirty="0" err="1">
+                <a:latin typeface="Times New Roman" panose="02020603050405020304" pitchFamily="18" charset="0"/>
+                <a:cs typeface="Times New Roman" panose="02020603050405020304" pitchFamily="18" charset="0"/>
+              </a:rPr>
+              <a:t>idx</a:t>
+            </a:r>
+            <a:r>
+              <a:rPr lang="en-GB" sz="1100" b="0" strike="noStrike" spc="-1" dirty="0">
+                <a:latin typeface="Times New Roman" panose="02020603050405020304" pitchFamily="18" charset="0"/>
+                <a:cs typeface="Times New Roman" panose="02020603050405020304" pitchFamily="18" charset="0"/>
+              </a:rPr>
+              <a:t>;</a:t>
+            </a:r>
+          </a:p>
+          <a:p>
+            <a:pPr>
+              <a:lnSpc>
+                <a:spcPct val="100000"/>
+              </a:lnSpc>
+              <a:tabLst>
+                <a:tab pos="271463" algn="l"/>
+                <a:tab pos="541338" algn="l"/>
+                <a:tab pos="804863" algn="l"/>
+              </a:tabLst>
+            </a:pPr>
+            <a:r>
+              <a:rPr lang="en-GB" sz="1100" spc="-1" dirty="0">
+                <a:latin typeface="Times New Roman" panose="02020603050405020304" pitchFamily="18" charset="0"/>
+                <a:cs typeface="Times New Roman" panose="02020603050405020304" pitchFamily="18" charset="0"/>
+              </a:rPr>
+              <a:t>	</a:t>
+            </a:r>
+            <a:r>
+              <a:rPr lang="en-GB" sz="1100" b="0" strike="noStrike" spc="-1" dirty="0">
+                <a:latin typeface="Times New Roman" panose="02020603050405020304" pitchFamily="18" charset="0"/>
+                <a:cs typeface="Times New Roman" panose="02020603050405020304" pitchFamily="18" charset="0"/>
+              </a:rPr>
+              <a:t>if (data[</a:t>
+            </a:r>
+            <a:r>
+              <a:rPr lang="en-GB" sz="1100" spc="-1" dirty="0">
+                <a:latin typeface="Times New Roman" panose="02020603050405020304" pitchFamily="18" charset="0"/>
+                <a:cs typeface="Times New Roman" panose="02020603050405020304" pitchFamily="18" charset="0"/>
+              </a:rPr>
+              <a:t>j</a:t>
+            </a:r>
+            <a:r>
+              <a:rPr lang="en-GB" sz="1100" b="0" strike="noStrike" spc="-1" dirty="0">
+                <a:latin typeface="Times New Roman" panose="02020603050405020304" pitchFamily="18" charset="0"/>
+                <a:cs typeface="Times New Roman" panose="02020603050405020304" pitchFamily="18" charset="0"/>
+              </a:rPr>
+              <a:t>]&gt;</a:t>
+            </a:r>
+            <a:r>
+              <a:rPr lang="en-GB" sz="1100" spc="-1" dirty="0">
+                <a:latin typeface="Times New Roman" panose="02020603050405020304" pitchFamily="18" charset="0"/>
+                <a:cs typeface="Times New Roman" panose="02020603050405020304" pitchFamily="18" charset="0"/>
+              </a:rPr>
+              <a:t>data</a:t>
+            </a:r>
+            <a:r>
+              <a:rPr lang="en-GB" sz="1100" b="0" strike="noStrike" spc="-1" dirty="0">
+                <a:latin typeface="Times New Roman" panose="02020603050405020304" pitchFamily="18" charset="0"/>
+                <a:cs typeface="Times New Roman" panose="02020603050405020304" pitchFamily="18" charset="0"/>
+              </a:rPr>
+              <a:t>[</a:t>
+            </a:r>
+            <a:r>
+              <a:rPr lang="en-GB" sz="1100" spc="-1" dirty="0">
+                <a:latin typeface="Times New Roman" panose="02020603050405020304" pitchFamily="18" charset="0"/>
+                <a:cs typeface="Times New Roman" panose="02020603050405020304" pitchFamily="18" charset="0"/>
+              </a:rPr>
+              <a:t>j</a:t>
+            </a:r>
+            <a:r>
+              <a:rPr lang="en-GB" sz="1100" b="0" strike="noStrike" spc="-1" dirty="0">
+                <a:latin typeface="Times New Roman" panose="02020603050405020304" pitchFamily="18" charset="0"/>
+                <a:cs typeface="Times New Roman" panose="02020603050405020304" pitchFamily="18" charset="0"/>
+              </a:rPr>
+              <a:t>] )          // swapping</a:t>
+            </a:r>
+          </a:p>
+          <a:p>
+            <a:pPr>
+              <a:lnSpc>
+                <a:spcPct val="100000"/>
+              </a:lnSpc>
+              <a:tabLst>
+                <a:tab pos="271463" algn="l"/>
+                <a:tab pos="541338" algn="l"/>
+                <a:tab pos="804863" algn="l"/>
+              </a:tabLst>
+            </a:pPr>
+            <a:r>
+              <a:rPr lang="en-GB" sz="1100" b="0" strike="noStrike" spc="-1" dirty="0">
+                <a:latin typeface="Times New Roman" panose="02020603050405020304" pitchFamily="18" charset="0"/>
+                <a:cs typeface="Times New Roman" panose="02020603050405020304" pitchFamily="18" charset="0"/>
+              </a:rPr>
+              <a:t>	{</a:t>
+            </a:r>
+          </a:p>
+          <a:p>
+            <a:pPr>
+              <a:lnSpc>
+                <a:spcPct val="100000"/>
+              </a:lnSpc>
+              <a:tabLst>
+                <a:tab pos="271463" algn="l"/>
+                <a:tab pos="541338" algn="l"/>
+                <a:tab pos="804863" algn="l"/>
+              </a:tabLst>
+            </a:pPr>
+            <a:r>
+              <a:rPr lang="en-GB" sz="1100" b="0" strike="noStrike" spc="-1" dirty="0">
+                <a:latin typeface="Times New Roman" panose="02020603050405020304" pitchFamily="18" charset="0"/>
+                <a:cs typeface="Times New Roman" panose="02020603050405020304" pitchFamily="18" charset="0"/>
+              </a:rPr>
+              <a:t>		</a:t>
+            </a:r>
+            <a:r>
+              <a:rPr lang="en-GB" sz="1100" b="0" strike="noStrike" spc="-1" dirty="0" err="1">
+                <a:latin typeface="Times New Roman" panose="02020603050405020304" pitchFamily="18" charset="0"/>
+                <a:cs typeface="Times New Roman" panose="02020603050405020304" pitchFamily="18" charset="0"/>
+              </a:rPr>
+              <a:t>tmp</a:t>
+            </a:r>
+            <a:r>
+              <a:rPr lang="en-GB" sz="1100" b="0" strike="noStrike" spc="-1" dirty="0">
+                <a:latin typeface="Times New Roman" panose="02020603050405020304" pitchFamily="18" charset="0"/>
+                <a:cs typeface="Times New Roman" panose="02020603050405020304" pitchFamily="18" charset="0"/>
+              </a:rPr>
+              <a:t> = data[</a:t>
+            </a:r>
+            <a:r>
+              <a:rPr lang="en-GB" sz="1100" spc="-1" dirty="0">
+                <a:latin typeface="Times New Roman" panose="02020603050405020304" pitchFamily="18" charset="0"/>
+                <a:cs typeface="Times New Roman" panose="02020603050405020304" pitchFamily="18" charset="0"/>
+              </a:rPr>
+              <a:t>j</a:t>
+            </a:r>
+            <a:r>
+              <a:rPr lang="en-GB" sz="1100" b="0" strike="noStrike" spc="-1" dirty="0">
+                <a:latin typeface="Times New Roman" panose="02020603050405020304" pitchFamily="18" charset="0"/>
+                <a:cs typeface="Times New Roman" panose="02020603050405020304" pitchFamily="18" charset="0"/>
+              </a:rPr>
+              <a:t>];</a:t>
+            </a:r>
+          </a:p>
+          <a:p>
+            <a:pPr>
+              <a:lnSpc>
+                <a:spcPct val="100000"/>
+              </a:lnSpc>
+              <a:tabLst>
+                <a:tab pos="271463" algn="l"/>
+                <a:tab pos="541338" algn="l"/>
+                <a:tab pos="804863" algn="l"/>
+              </a:tabLst>
+            </a:pPr>
+            <a:r>
+              <a:rPr lang="en-GB" sz="1100" b="0" strike="noStrike" spc="-1" dirty="0">
+                <a:latin typeface="Times New Roman" panose="02020603050405020304" pitchFamily="18" charset="0"/>
+                <a:cs typeface="Times New Roman" panose="02020603050405020304" pitchFamily="18" charset="0"/>
+              </a:rPr>
+              <a:t>		data[</a:t>
+            </a:r>
+            <a:r>
+              <a:rPr lang="en-GB" sz="1100" spc="-1" dirty="0">
+                <a:latin typeface="Times New Roman" panose="02020603050405020304" pitchFamily="18" charset="0"/>
+                <a:cs typeface="Times New Roman" panose="02020603050405020304" pitchFamily="18" charset="0"/>
+              </a:rPr>
+              <a:t>j</a:t>
+            </a:r>
+            <a:r>
+              <a:rPr lang="en-GB" sz="1100" b="0" strike="noStrike" spc="-1" dirty="0">
+                <a:latin typeface="Times New Roman" panose="02020603050405020304" pitchFamily="18" charset="0"/>
+                <a:cs typeface="Times New Roman" panose="02020603050405020304" pitchFamily="18" charset="0"/>
+              </a:rPr>
+              <a:t>]=data[j+1];</a:t>
+            </a:r>
+          </a:p>
+          <a:p>
+            <a:pPr>
+              <a:lnSpc>
+                <a:spcPct val="100000"/>
+              </a:lnSpc>
+              <a:tabLst>
+                <a:tab pos="271463" algn="l"/>
+                <a:tab pos="541338" algn="l"/>
+                <a:tab pos="804863" algn="l"/>
+              </a:tabLst>
+            </a:pPr>
+            <a:r>
+              <a:rPr lang="en-GB" sz="1100" b="0" strike="noStrike" spc="-1" dirty="0">
+                <a:latin typeface="Times New Roman" panose="02020603050405020304" pitchFamily="18" charset="0"/>
+                <a:cs typeface="Times New Roman" panose="02020603050405020304" pitchFamily="18" charset="0"/>
+              </a:rPr>
+              <a:t>		data[j+1]=</a:t>
+            </a:r>
+            <a:r>
+              <a:rPr lang="en-GB" sz="1100" b="0" strike="noStrike" spc="-1" dirty="0" err="1">
+                <a:latin typeface="Times New Roman" panose="02020603050405020304" pitchFamily="18" charset="0"/>
+                <a:cs typeface="Times New Roman" panose="02020603050405020304" pitchFamily="18" charset="0"/>
+              </a:rPr>
+              <a:t>tmp</a:t>
+            </a:r>
+            <a:r>
+              <a:rPr lang="en-GB" sz="1100" b="0" strike="noStrike" spc="-1" dirty="0">
+                <a:latin typeface="Times New Roman" panose="02020603050405020304" pitchFamily="18" charset="0"/>
+                <a:cs typeface="Times New Roman" panose="02020603050405020304" pitchFamily="18" charset="0"/>
+              </a:rPr>
+              <a:t>; </a:t>
+            </a:r>
+          </a:p>
+          <a:p>
+            <a:pPr>
+              <a:lnSpc>
+                <a:spcPct val="100000"/>
+              </a:lnSpc>
+              <a:tabLst>
+                <a:tab pos="271463" algn="l"/>
+                <a:tab pos="541338" algn="l"/>
+                <a:tab pos="804863" algn="l"/>
+              </a:tabLst>
+            </a:pPr>
+            <a:r>
+              <a:rPr lang="en-GB" sz="1100" b="0" strike="noStrike" spc="-1" dirty="0">
+                <a:latin typeface="Times New Roman" panose="02020603050405020304" pitchFamily="18" charset="0"/>
+                <a:cs typeface="Times New Roman" panose="02020603050405020304" pitchFamily="18" charset="0"/>
+              </a:rPr>
+              <a:t>		</a:t>
+            </a:r>
+            <a:r>
+              <a:rPr lang="pt-PT" sz="1100" b="0" strike="noStrike" spc="-1" dirty="0">
+                <a:solidFill>
+                  <a:srgbClr val="000000"/>
+                </a:solidFill>
+                <a:latin typeface="Times New Roman"/>
+                <a:ea typeface="DejaVu Sans"/>
+              </a:rPr>
+              <a:t> </a:t>
+            </a:r>
+            <a:r>
+              <a:rPr lang="pt-PT" sz="1100" b="0" strike="noStrike" spc="-1" dirty="0" err="1">
+                <a:solidFill>
+                  <a:srgbClr val="000000"/>
+                </a:solidFill>
+                <a:latin typeface="Times New Roman"/>
+                <a:ea typeface="DejaVu Sans"/>
+              </a:rPr>
+              <a:t>noSwap</a:t>
+            </a:r>
+            <a:r>
+              <a:rPr lang="pt-PT" sz="1100" b="0" strike="noStrike" spc="-1" dirty="0">
+                <a:solidFill>
+                  <a:srgbClr val="000000"/>
+                </a:solidFill>
+                <a:latin typeface="Times New Roman"/>
+                <a:ea typeface="DejaVu Sans"/>
+              </a:rPr>
+              <a:t> = false</a:t>
+            </a:r>
+            <a:r>
+              <a:rPr lang="en-GB" sz="1100" b="0" strike="noStrike" spc="-1" dirty="0">
+                <a:latin typeface="Times New Roman" panose="02020603050405020304" pitchFamily="18" charset="0"/>
+                <a:cs typeface="Times New Roman" panose="02020603050405020304" pitchFamily="18" charset="0"/>
+              </a:rPr>
+              <a:t>;</a:t>
+            </a:r>
+          </a:p>
+          <a:p>
+            <a:pPr>
+              <a:lnSpc>
+                <a:spcPct val="100000"/>
+              </a:lnSpc>
+              <a:tabLst>
+                <a:tab pos="271463" algn="l"/>
+                <a:tab pos="541338" algn="l"/>
+                <a:tab pos="804863" algn="l"/>
+              </a:tabLst>
+            </a:pPr>
+            <a:r>
+              <a:rPr lang="en-GB" sz="1100" b="0" strike="noStrike" spc="-1" dirty="0">
+                <a:latin typeface="Times New Roman" panose="02020603050405020304" pitchFamily="18" charset="0"/>
+                <a:cs typeface="Times New Roman" panose="02020603050405020304" pitchFamily="18" charset="0"/>
+              </a:rPr>
+              <a:t>	}</a:t>
+            </a:r>
+            <a:r>
+              <a:rPr lang="pt-PT" sz="1100" b="0" strike="noStrike" spc="-1" dirty="0">
+                <a:solidFill>
+                  <a:srgbClr val="000000"/>
+                </a:solidFill>
+                <a:latin typeface="Times New Roman"/>
+                <a:ea typeface="DejaVu Sans"/>
+              </a:rPr>
+              <a:t> </a:t>
+            </a:r>
+            <a:r>
+              <a:rPr lang="pt-PT" sz="1100" b="0" strike="noStrike" spc="-1" dirty="0" err="1">
+                <a:solidFill>
+                  <a:srgbClr val="000000"/>
+                </a:solidFill>
+                <a:latin typeface="Times New Roman"/>
+                <a:ea typeface="DejaVu Sans"/>
+              </a:rPr>
+              <a:t>if</a:t>
+            </a:r>
+            <a:r>
+              <a:rPr lang="pt-PT" sz="1100" b="0" strike="noStrike" spc="-1" dirty="0">
+                <a:solidFill>
+                  <a:srgbClr val="000000"/>
+                </a:solidFill>
+                <a:latin typeface="Times New Roman"/>
+                <a:ea typeface="DejaVu Sans"/>
+              </a:rPr>
+              <a:t> (</a:t>
+            </a:r>
+            <a:r>
+              <a:rPr lang="pt-PT" sz="1100" b="0" strike="noStrike" spc="-1" dirty="0" err="1">
+                <a:solidFill>
+                  <a:srgbClr val="000000"/>
+                </a:solidFill>
+                <a:latin typeface="Times New Roman"/>
+                <a:ea typeface="DejaVu Sans"/>
+              </a:rPr>
+              <a:t>noSwap</a:t>
+            </a:r>
+            <a:r>
+              <a:rPr lang="pt-PT" sz="1100" b="0" strike="noStrike" spc="-1" dirty="0">
+                <a:solidFill>
+                  <a:srgbClr val="000000"/>
+                </a:solidFill>
+                <a:latin typeface="Times New Roman"/>
+                <a:ea typeface="DejaVu Sans"/>
+              </a:rPr>
+              <a:t>) break;</a:t>
+            </a:r>
+            <a:endParaRPr lang="en-GB" sz="1100" b="0" strike="noStrike" spc="-1" dirty="0">
+              <a:latin typeface="Times New Roman" panose="02020603050405020304" pitchFamily="18" charset="0"/>
+              <a:cs typeface="Times New Roman" panose="02020603050405020304" pitchFamily="18" charset="0"/>
+            </a:endParaRPr>
+          </a:p>
+          <a:p>
+            <a:pPr>
+              <a:lnSpc>
+                <a:spcPct val="100000"/>
+              </a:lnSpc>
+              <a:tabLst>
+                <a:tab pos="271463" algn="l"/>
+                <a:tab pos="541338" algn="l"/>
+                <a:tab pos="804863" algn="l"/>
+              </a:tabLst>
+            </a:pPr>
+            <a:r>
+              <a:rPr lang="en-GB" sz="1100" b="0" strike="noStrike" spc="-1" dirty="0">
+                <a:latin typeface="Times New Roman" panose="02020603050405020304" pitchFamily="18" charset="0"/>
+                <a:cs typeface="Times New Roman" panose="02020603050405020304" pitchFamily="18" charset="0"/>
+              </a:rPr>
+              <a:t>} </a:t>
+            </a:r>
+          </a:p>
+          <a:p>
+            <a:pPr>
+              <a:lnSpc>
+                <a:spcPct val="100000"/>
+              </a:lnSpc>
+              <a:tabLst>
+                <a:tab pos="271463" algn="l"/>
+                <a:tab pos="541338" algn="l"/>
+                <a:tab pos="804863" algn="l"/>
+              </a:tabLst>
+            </a:pPr>
+            <a:endParaRPr lang="en-GB" sz="1100" b="0" strike="noStrike" spc="-1" dirty="0">
+              <a:latin typeface="Times New Roman" panose="02020603050405020304" pitchFamily="18" charset="0"/>
+              <a:cs typeface="Times New Roman" panose="02020603050405020304" pitchFamily="18" charset="0"/>
+            </a:endParaRPr>
+          </a:p>
+          <a:p>
+            <a:pPr>
+              <a:lnSpc>
+                <a:spcPct val="100000"/>
+              </a:lnSpc>
+              <a:tabLst>
+                <a:tab pos="271463" algn="l"/>
+                <a:tab pos="541338" algn="l"/>
+                <a:tab pos="804863" algn="l"/>
+              </a:tabLst>
+            </a:pPr>
+            <a:r>
+              <a:rPr lang="en-GB" sz="1100" b="0" strike="noStrike" spc="-1" dirty="0">
+                <a:latin typeface="Times New Roman" panose="02020603050405020304" pitchFamily="18" charset="0"/>
+                <a:cs typeface="Times New Roman" panose="02020603050405020304" pitchFamily="18" charset="0"/>
+              </a:rPr>
+              <a:t>else </a:t>
+            </a:r>
+          </a:p>
+          <a:p>
+            <a:pPr>
+              <a:lnSpc>
+                <a:spcPct val="100000"/>
+              </a:lnSpc>
+              <a:tabLst>
+                <a:tab pos="271463" algn="l"/>
+                <a:tab pos="541338" algn="l"/>
+                <a:tab pos="804863" algn="l"/>
+              </a:tabLst>
+            </a:pPr>
+            <a:r>
+              <a:rPr lang="en-GB" sz="1100" b="0" strike="noStrike" spc="-1" dirty="0">
+                <a:latin typeface="Times New Roman" panose="02020603050405020304" pitchFamily="18" charset="0"/>
+                <a:cs typeface="Times New Roman" panose="02020603050405020304" pitchFamily="18" charset="0"/>
+              </a:rPr>
+              <a:t>{</a:t>
+            </a:r>
+          </a:p>
+          <a:p>
+            <a:pPr>
+              <a:tabLst>
+                <a:tab pos="271463" algn="l"/>
+                <a:tab pos="541338" algn="l"/>
+                <a:tab pos="804863" algn="l"/>
+              </a:tabLst>
+            </a:pPr>
+            <a:r>
+              <a:rPr lang="en-GB" sz="1100" spc="-1" dirty="0">
+                <a:latin typeface="Times New Roman" panose="02020603050405020304" pitchFamily="18" charset="0"/>
+                <a:cs typeface="Times New Roman" panose="02020603050405020304" pitchFamily="18" charset="0"/>
+              </a:rPr>
+              <a:t>	</a:t>
+            </a:r>
+            <a:r>
+              <a:rPr lang="en-GB" sz="1100" b="0" strike="noStrike" spc="-1" dirty="0">
+                <a:latin typeface="Times New Roman" panose="02020603050405020304" pitchFamily="18" charset="0"/>
+                <a:cs typeface="Times New Roman" panose="02020603050405020304" pitchFamily="18" charset="0"/>
+              </a:rPr>
+              <a:t>j=2*idx+1;</a:t>
+            </a:r>
+          </a:p>
+          <a:p>
+            <a:pPr>
+              <a:tabLst>
+                <a:tab pos="271463" algn="l"/>
+                <a:tab pos="541338" algn="l"/>
+                <a:tab pos="804863" algn="l"/>
+              </a:tabLst>
+            </a:pPr>
+            <a:r>
+              <a:rPr lang="en-GB" sz="1100" spc="-1" dirty="0">
+                <a:latin typeface="Times New Roman" panose="02020603050405020304" pitchFamily="18" charset="0"/>
+                <a:cs typeface="Times New Roman" panose="02020603050405020304" pitchFamily="18" charset="0"/>
+              </a:rPr>
+              <a:t>	if (j&lt;arrSize-1)</a:t>
+            </a:r>
+          </a:p>
+          <a:p>
+            <a:pPr>
+              <a:tabLst>
+                <a:tab pos="271463" algn="l"/>
+                <a:tab pos="541338" algn="l"/>
+                <a:tab pos="804863" algn="l"/>
+              </a:tabLst>
+            </a:pPr>
+            <a:r>
+              <a:rPr lang="en-GB" sz="1100" b="0" strike="noStrike" spc="-1" dirty="0">
+                <a:latin typeface="Times New Roman" panose="02020603050405020304" pitchFamily="18" charset="0"/>
+                <a:cs typeface="Times New Roman" panose="02020603050405020304" pitchFamily="18" charset="0"/>
+              </a:rPr>
+              <a:t>	{</a:t>
+            </a:r>
+          </a:p>
+          <a:p>
+            <a:pPr>
+              <a:lnSpc>
+                <a:spcPct val="100000"/>
+              </a:lnSpc>
+              <a:tabLst>
+                <a:tab pos="271463" algn="l"/>
+                <a:tab pos="541338" algn="l"/>
+                <a:tab pos="804863" algn="l"/>
+              </a:tabLst>
+            </a:pPr>
+            <a:r>
+              <a:rPr lang="en-GB" sz="1100" b="0" strike="noStrike" spc="-1" dirty="0">
+                <a:latin typeface="Times New Roman" panose="02020603050405020304" pitchFamily="18" charset="0"/>
+                <a:cs typeface="Times New Roman" panose="02020603050405020304" pitchFamily="18" charset="0"/>
+              </a:rPr>
+              <a:t>		if (data[</a:t>
+            </a:r>
+            <a:r>
+              <a:rPr lang="en-GB" sz="1100" spc="-1" dirty="0">
+                <a:latin typeface="Times New Roman" panose="02020603050405020304" pitchFamily="18" charset="0"/>
+                <a:cs typeface="Times New Roman" panose="02020603050405020304" pitchFamily="18" charset="0"/>
+              </a:rPr>
+              <a:t>j</a:t>
+            </a:r>
+            <a:r>
+              <a:rPr lang="en-GB" sz="1100" b="0" strike="noStrike" spc="-1" dirty="0">
+                <a:latin typeface="Times New Roman" panose="02020603050405020304" pitchFamily="18" charset="0"/>
+                <a:cs typeface="Times New Roman" panose="02020603050405020304" pitchFamily="18" charset="0"/>
+              </a:rPr>
+              <a:t>]&gt;</a:t>
+            </a:r>
+            <a:r>
+              <a:rPr lang="en-GB" sz="1100" spc="-1" dirty="0">
+                <a:latin typeface="Times New Roman" panose="02020603050405020304" pitchFamily="18" charset="0"/>
+                <a:cs typeface="Times New Roman" panose="02020603050405020304" pitchFamily="18" charset="0"/>
+              </a:rPr>
+              <a:t>data</a:t>
+            </a:r>
+            <a:r>
+              <a:rPr lang="en-GB" sz="1100" b="0" strike="noStrike" spc="-1" dirty="0">
+                <a:latin typeface="Times New Roman" panose="02020603050405020304" pitchFamily="18" charset="0"/>
+                <a:cs typeface="Times New Roman" panose="02020603050405020304" pitchFamily="18" charset="0"/>
+              </a:rPr>
+              <a:t>[</a:t>
+            </a:r>
+            <a:r>
+              <a:rPr lang="en-GB" sz="1100" spc="-1" dirty="0">
+                <a:latin typeface="Times New Roman" panose="02020603050405020304" pitchFamily="18" charset="0"/>
+                <a:cs typeface="Times New Roman" panose="02020603050405020304" pitchFamily="18" charset="0"/>
+              </a:rPr>
+              <a:t>j</a:t>
+            </a:r>
+            <a:r>
+              <a:rPr lang="en-GB" sz="1100" b="0" strike="noStrike" spc="-1" dirty="0">
+                <a:latin typeface="Times New Roman" panose="02020603050405020304" pitchFamily="18" charset="0"/>
+                <a:cs typeface="Times New Roman" panose="02020603050405020304" pitchFamily="18" charset="0"/>
+              </a:rPr>
+              <a:t>] )          // swapping</a:t>
+            </a:r>
+          </a:p>
+          <a:p>
+            <a:pPr>
+              <a:lnSpc>
+                <a:spcPct val="100000"/>
+              </a:lnSpc>
+              <a:tabLst>
+                <a:tab pos="271463" algn="l"/>
+                <a:tab pos="541338" algn="l"/>
+                <a:tab pos="804863" algn="l"/>
+              </a:tabLst>
+            </a:pPr>
+            <a:r>
+              <a:rPr lang="en-GB" sz="1100" b="0" strike="noStrike" spc="-1" dirty="0">
+                <a:latin typeface="Times New Roman" panose="02020603050405020304" pitchFamily="18" charset="0"/>
+                <a:cs typeface="Times New Roman" panose="02020603050405020304" pitchFamily="18" charset="0"/>
+              </a:rPr>
+              <a:t>		{</a:t>
+            </a:r>
+          </a:p>
+          <a:p>
+            <a:pPr>
+              <a:lnSpc>
+                <a:spcPct val="100000"/>
+              </a:lnSpc>
+              <a:tabLst>
+                <a:tab pos="271463" algn="l"/>
+                <a:tab pos="541338" algn="l"/>
+                <a:tab pos="804863" algn="l"/>
+              </a:tabLst>
+            </a:pPr>
+            <a:r>
+              <a:rPr lang="en-GB" sz="1100" b="0" strike="noStrike" spc="-1" dirty="0">
+                <a:latin typeface="Times New Roman" panose="02020603050405020304" pitchFamily="18" charset="0"/>
+                <a:cs typeface="Times New Roman" panose="02020603050405020304" pitchFamily="18" charset="0"/>
+              </a:rPr>
+              <a:t>			</a:t>
+            </a:r>
+            <a:r>
+              <a:rPr lang="en-GB" sz="1100" b="0" strike="noStrike" spc="-1" dirty="0" err="1">
+                <a:latin typeface="Times New Roman" panose="02020603050405020304" pitchFamily="18" charset="0"/>
+                <a:cs typeface="Times New Roman" panose="02020603050405020304" pitchFamily="18" charset="0"/>
+              </a:rPr>
+              <a:t>tmp</a:t>
+            </a:r>
+            <a:r>
+              <a:rPr lang="en-GB" sz="1100" b="0" strike="noStrike" spc="-1" dirty="0">
+                <a:latin typeface="Times New Roman" panose="02020603050405020304" pitchFamily="18" charset="0"/>
+                <a:cs typeface="Times New Roman" panose="02020603050405020304" pitchFamily="18" charset="0"/>
+              </a:rPr>
+              <a:t> = data[</a:t>
+            </a:r>
+            <a:r>
+              <a:rPr lang="en-GB" sz="1100" spc="-1" dirty="0">
+                <a:latin typeface="Times New Roman" panose="02020603050405020304" pitchFamily="18" charset="0"/>
+                <a:cs typeface="Times New Roman" panose="02020603050405020304" pitchFamily="18" charset="0"/>
+              </a:rPr>
+              <a:t>j</a:t>
+            </a:r>
+            <a:r>
+              <a:rPr lang="en-GB" sz="1100" b="0" strike="noStrike" spc="-1" dirty="0">
+                <a:latin typeface="Times New Roman" panose="02020603050405020304" pitchFamily="18" charset="0"/>
+                <a:cs typeface="Times New Roman" panose="02020603050405020304" pitchFamily="18" charset="0"/>
+              </a:rPr>
+              <a:t>];</a:t>
+            </a:r>
+          </a:p>
+          <a:p>
+            <a:pPr>
+              <a:lnSpc>
+                <a:spcPct val="100000"/>
+              </a:lnSpc>
+              <a:tabLst>
+                <a:tab pos="271463" algn="l"/>
+                <a:tab pos="541338" algn="l"/>
+                <a:tab pos="804863" algn="l"/>
+              </a:tabLst>
+            </a:pPr>
+            <a:r>
+              <a:rPr lang="en-GB" sz="1100" b="0" strike="noStrike" spc="-1" dirty="0">
+                <a:latin typeface="Times New Roman" panose="02020603050405020304" pitchFamily="18" charset="0"/>
+                <a:cs typeface="Times New Roman" panose="02020603050405020304" pitchFamily="18" charset="0"/>
+              </a:rPr>
+              <a:t>			data[</a:t>
+            </a:r>
+            <a:r>
+              <a:rPr lang="en-GB" sz="1100" spc="-1" dirty="0">
+                <a:latin typeface="Times New Roman" panose="02020603050405020304" pitchFamily="18" charset="0"/>
+                <a:cs typeface="Times New Roman" panose="02020603050405020304" pitchFamily="18" charset="0"/>
+              </a:rPr>
+              <a:t>j</a:t>
+            </a:r>
+            <a:r>
+              <a:rPr lang="en-GB" sz="1100" b="0" strike="noStrike" spc="-1" dirty="0">
+                <a:latin typeface="Times New Roman" panose="02020603050405020304" pitchFamily="18" charset="0"/>
+                <a:cs typeface="Times New Roman" panose="02020603050405020304" pitchFamily="18" charset="0"/>
+              </a:rPr>
+              <a:t>]=data[j+1];</a:t>
+            </a:r>
+          </a:p>
+          <a:p>
+            <a:pPr>
+              <a:lnSpc>
+                <a:spcPct val="100000"/>
+              </a:lnSpc>
+              <a:tabLst>
+                <a:tab pos="271463" algn="l"/>
+                <a:tab pos="541338" algn="l"/>
+                <a:tab pos="804863" algn="l"/>
+              </a:tabLst>
+            </a:pPr>
+            <a:r>
+              <a:rPr lang="en-GB" sz="1100" b="0" strike="noStrike" spc="-1" dirty="0">
+                <a:latin typeface="Times New Roman" panose="02020603050405020304" pitchFamily="18" charset="0"/>
+                <a:cs typeface="Times New Roman" panose="02020603050405020304" pitchFamily="18" charset="0"/>
+              </a:rPr>
+              <a:t>			data[j+1]=</a:t>
+            </a:r>
+            <a:r>
+              <a:rPr lang="en-GB" sz="1100" b="0" strike="noStrike" spc="-1" dirty="0" err="1">
+                <a:latin typeface="Times New Roman" panose="02020603050405020304" pitchFamily="18" charset="0"/>
+                <a:cs typeface="Times New Roman" panose="02020603050405020304" pitchFamily="18" charset="0"/>
+              </a:rPr>
+              <a:t>tmp</a:t>
+            </a:r>
+            <a:r>
+              <a:rPr lang="en-GB" sz="1100" b="0" strike="noStrike" spc="-1" dirty="0">
+                <a:latin typeface="Times New Roman" panose="02020603050405020304" pitchFamily="18" charset="0"/>
+                <a:cs typeface="Times New Roman" panose="02020603050405020304" pitchFamily="18" charset="0"/>
+              </a:rPr>
+              <a:t>; </a:t>
+            </a:r>
+          </a:p>
+          <a:p>
+            <a:pPr>
+              <a:lnSpc>
+                <a:spcPct val="100000"/>
+              </a:lnSpc>
+              <a:tabLst>
+                <a:tab pos="271463" algn="l"/>
+                <a:tab pos="541338" algn="l"/>
+                <a:tab pos="804863" algn="l"/>
+              </a:tabLst>
+            </a:pPr>
+            <a:r>
+              <a:rPr lang="en-GB" sz="1100" b="0" strike="noStrike" spc="-1" dirty="0">
+                <a:latin typeface="Times New Roman" panose="02020603050405020304" pitchFamily="18" charset="0"/>
+                <a:cs typeface="Times New Roman" panose="02020603050405020304" pitchFamily="18" charset="0"/>
+              </a:rPr>
+              <a:t>		</a:t>
+            </a:r>
+            <a:r>
+              <a:rPr lang="pt-PT" sz="1100" b="0" strike="noStrike" spc="-1" dirty="0">
+                <a:solidFill>
+                  <a:srgbClr val="000000"/>
+                </a:solidFill>
+                <a:latin typeface="Times New Roman"/>
+                <a:ea typeface="DejaVu Sans"/>
+              </a:rPr>
+              <a:t> 	</a:t>
+            </a:r>
+            <a:r>
+              <a:rPr lang="pt-PT" sz="1100" b="0" strike="noStrike" spc="-1" dirty="0" err="1">
+                <a:solidFill>
+                  <a:srgbClr val="000000"/>
+                </a:solidFill>
+                <a:latin typeface="Times New Roman"/>
+                <a:ea typeface="DejaVu Sans"/>
+              </a:rPr>
+              <a:t>noSwap</a:t>
+            </a:r>
+            <a:r>
+              <a:rPr lang="pt-PT" sz="1100" b="0" strike="noStrike" spc="-1" dirty="0">
+                <a:solidFill>
+                  <a:srgbClr val="000000"/>
+                </a:solidFill>
+                <a:latin typeface="Times New Roman"/>
+                <a:ea typeface="DejaVu Sans"/>
+              </a:rPr>
+              <a:t> = false</a:t>
+            </a:r>
+            <a:r>
+              <a:rPr lang="en-GB" sz="1100" b="0" strike="noStrike" spc="-1" dirty="0">
+                <a:latin typeface="Times New Roman" panose="02020603050405020304" pitchFamily="18" charset="0"/>
+                <a:cs typeface="Times New Roman" panose="02020603050405020304" pitchFamily="18" charset="0"/>
+              </a:rPr>
+              <a:t>;</a:t>
+            </a:r>
+          </a:p>
+          <a:p>
+            <a:pPr>
+              <a:lnSpc>
+                <a:spcPct val="100000"/>
+              </a:lnSpc>
+              <a:tabLst>
+                <a:tab pos="271463" algn="l"/>
+                <a:tab pos="541338" algn="l"/>
+                <a:tab pos="804863" algn="l"/>
+              </a:tabLst>
+            </a:pPr>
+            <a:r>
+              <a:rPr lang="en-GB" sz="1100" b="0" strike="noStrike" spc="-1" dirty="0">
+                <a:latin typeface="Times New Roman" panose="02020603050405020304" pitchFamily="18" charset="0"/>
+                <a:cs typeface="Times New Roman" panose="02020603050405020304" pitchFamily="18" charset="0"/>
+              </a:rPr>
+              <a:t>		}</a:t>
+            </a:r>
+            <a:endParaRPr lang="pt-PT" sz="1100" b="0" strike="noStrike" spc="-1" dirty="0">
+              <a:solidFill>
+                <a:srgbClr val="000000"/>
+              </a:solidFill>
+              <a:latin typeface="Times New Roman"/>
+              <a:ea typeface="DejaVu Sans"/>
+            </a:endParaRPr>
+          </a:p>
+          <a:p>
+            <a:pPr>
+              <a:lnSpc>
+                <a:spcPct val="100000"/>
+              </a:lnSpc>
+              <a:tabLst>
+                <a:tab pos="271463" algn="l"/>
+                <a:tab pos="541338" algn="l"/>
+                <a:tab pos="804863" algn="l"/>
+              </a:tabLst>
+            </a:pPr>
+            <a:r>
+              <a:rPr lang="pt-PT" sz="1100" spc="-1" dirty="0">
+                <a:solidFill>
+                  <a:srgbClr val="000000"/>
+                </a:solidFill>
+                <a:latin typeface="Times New Roman"/>
+                <a:cs typeface="Times New Roman" panose="02020603050405020304" pitchFamily="18" charset="0"/>
+              </a:rPr>
+              <a:t>	}</a:t>
+            </a:r>
+            <a:endParaRPr lang="en-GB" sz="1100" b="0" strike="noStrike" spc="-1" dirty="0">
+              <a:latin typeface="Times New Roman" panose="02020603050405020304" pitchFamily="18" charset="0"/>
+              <a:cs typeface="Times New Roman" panose="02020603050405020304" pitchFamily="18" charset="0"/>
+            </a:endParaRPr>
+          </a:p>
+          <a:p>
+            <a:pPr>
+              <a:lnSpc>
+                <a:spcPct val="100000"/>
+              </a:lnSpc>
+              <a:tabLst>
+                <a:tab pos="271463" algn="l"/>
+                <a:tab pos="541338" algn="l"/>
+                <a:tab pos="804863" algn="l"/>
+              </a:tabLst>
+            </a:pPr>
+            <a:r>
+              <a:rPr lang="en-GB" sz="1100" b="0" strike="noStrike" spc="-1" dirty="0">
+                <a:latin typeface="Times New Roman" panose="02020603050405020304" pitchFamily="18" charset="0"/>
+                <a:cs typeface="Times New Roman" panose="02020603050405020304" pitchFamily="18" charset="0"/>
+              </a:rPr>
+              <a:t>} </a:t>
+            </a:r>
+          </a:p>
+        </p:txBody>
+      </p:sp>
     </p:spTree>
   </p:cSld>
   <p:clrMapOvr>

--- a/Assignment2/Apresentação1.pptx
+++ b/Assignment2/Apresentação1.pptx
@@ -205,7 +205,7 @@
           <a:p>
             <a:fld id="{1EDEE178-F580-46EF-96D2-7E8DC6E16773}" type="datetimeFigureOut">
               <a:rPr lang="pt-PT" smtClean="0"/>
-              <a:t>31/12/2022</a:t>
+              <a:t>01/01/2023</a:t>
             </a:fld>
             <a:endParaRPr lang="pt-PT"/>
           </a:p>
@@ -7445,8 +7445,8 @@
         </p:nvSpPr>
         <p:spPr>
           <a:xfrm>
-            <a:off x="1036800" y="898200"/>
-            <a:ext cx="3984840" cy="302040"/>
+            <a:off x="448510" y="1491936"/>
+            <a:ext cx="3503245" cy="275545"/>
           </a:xfrm>
           <a:prstGeom prst="rect">
             <a:avLst/>
@@ -7480,7 +7480,7 @@
               </a:lnSpc>
             </a:pPr>
             <a:r>
-              <a:rPr lang="pt-PT" sz="1390" b="1" strike="noStrike" spc="-1">
+              <a:rPr lang="pt-PT" sz="1200" b="1" strike="noStrike" spc="-1" dirty="0">
                 <a:solidFill>
                   <a:srgbClr val="000000"/>
                 </a:solidFill>
@@ -7489,7 +7489,7 @@
               </a:rPr>
               <a:t>STREAMING MULTIPROCESSOR (SM) ARCHITECTURE</a:t>
             </a:r>
-            <a:endParaRPr lang="en-GB" sz="1390" b="0" strike="noStrike" spc="-1">
+            <a:endParaRPr lang="en-GB" sz="1200" b="0" strike="noStrike" spc="-1" dirty="0">
               <a:latin typeface="Arial"/>
             </a:endParaRPr>
           </a:p>
@@ -7507,8 +7507,8 @@
         </p:blipFill>
         <p:spPr>
           <a:xfrm>
-            <a:off x="491040" y="1400400"/>
-            <a:ext cx="2926800" cy="4874760"/>
+            <a:off x="448510" y="1848314"/>
+            <a:ext cx="2926800" cy="4552686"/>
           </a:xfrm>
           <a:prstGeom prst="rect">
             <a:avLst/>
@@ -7526,8 +7526,8 @@
         </p:nvGrpSpPr>
         <p:grpSpPr>
           <a:xfrm>
-            <a:off x="3958200" y="1383840"/>
-            <a:ext cx="2225880" cy="2394360"/>
+            <a:off x="3915670" y="1848314"/>
+            <a:ext cx="2251214" cy="2055726"/>
             <a:chOff x="3958200" y="1383840"/>
             <a:chExt cx="2225880" cy="2394360"/>
           </a:xfrm>
@@ -7630,7 +7630,7 @@
         </p:blipFill>
         <p:spPr>
           <a:xfrm>
-            <a:off x="3607200" y="3887640"/>
+            <a:off x="3564670" y="4013480"/>
             <a:ext cx="3088440" cy="2517480"/>
           </a:xfrm>
           <a:prstGeom prst="rect">
@@ -7649,7 +7649,7 @@
         </p:nvSpPr>
         <p:spPr>
           <a:xfrm>
-            <a:off x="7540560" y="311040"/>
+            <a:off x="7704749" y="585171"/>
             <a:ext cx="3439080" cy="225360"/>
           </a:xfrm>
           <a:prstGeom prst="rect">
@@ -7708,35 +7708,35 @@
           <p:nvPr>
             <p:extLst>
               <p:ext uri="{D42A27DB-BD31-4B8C-83A1-F6EECF244321}">
-                <p14:modId xmlns:p14="http://schemas.microsoft.com/office/powerpoint/2010/main" val="3862398909"/>
+                <p14:modId xmlns:p14="http://schemas.microsoft.com/office/powerpoint/2010/main" val="3451064356"/>
               </p:ext>
             </p:extLst>
           </p:nvPr>
         </p:nvGraphicFramePr>
         <p:xfrm>
-          <a:off x="6885000" y="844800"/>
-          <a:ext cx="5164082" cy="5334720"/>
+          <a:off x="7105089" y="901880"/>
+          <a:ext cx="4638401" cy="5334720"/>
         </p:xfrm>
         <a:graphic>
           <a:graphicData uri="http://schemas.openxmlformats.org/drawingml/2006/table">
             <a:tbl>
               <a:tblPr/>
               <a:tblGrid>
-                <a:gridCol w="862232">
+                <a:gridCol w="942997">
                   <a:extLst>
                     <a:ext uri="{9D8B030D-6E8A-4147-A177-3AD203B41FA5}">
                       <a16:colId xmlns:a16="http://schemas.microsoft.com/office/drawing/2014/main" val="20000"/>
                     </a:ext>
                   </a:extLst>
                 </a:gridCol>
-                <a:gridCol w="2871313">
+                <a:gridCol w="2233063">
                   <a:extLst>
                     <a:ext uri="{9D8B030D-6E8A-4147-A177-3AD203B41FA5}">
                       <a16:colId xmlns:a16="http://schemas.microsoft.com/office/drawing/2014/main" val="20001"/>
                     </a:ext>
                   </a:extLst>
                 </a:gridCol>
-                <a:gridCol w="1430537">
+                <a:gridCol w="1462341">
                   <a:extLst>
                     <a:ext uri="{9D8B030D-6E8A-4147-A177-3AD203B41FA5}">
                       <a16:colId xmlns:a16="http://schemas.microsoft.com/office/drawing/2014/main" val="20002"/>
@@ -11027,8 +11027,8 @@
         </p:nvSpPr>
         <p:spPr>
           <a:xfrm>
-            <a:off x="1618200" y="358560"/>
-            <a:ext cx="3454200" cy="541440"/>
+            <a:off x="1382890" y="1218267"/>
+            <a:ext cx="3984840" cy="363600"/>
           </a:xfrm>
           <a:prstGeom prst="rect">
             <a:avLst/>
@@ -11050,17 +11050,111 @@
               </a:lnSpc>
             </a:pPr>
             <a:r>
-              <a:rPr lang="pt-PT" sz="1800" b="1" strike="noStrike" spc="-1">
+              <a:rPr lang="pt-PT" sz="1600" b="1" strike="noStrike" spc="-1" dirty="0">
                 <a:solidFill>
                   <a:srgbClr val="000000"/>
                 </a:solidFill>
                 <a:latin typeface="Arial Narrow"/>
               </a:rPr>
-              <a:t>NVIDIA Device: GeForce GTX 1660 Ti</a:t>
-            </a:r>
-            <a:endParaRPr lang="en-GB" sz="1800" b="0" strike="noStrike" spc="-1">
+              <a:t>NVIDIA </a:t>
+            </a:r>
+            <a:r>
+              <a:rPr lang="pt-PT" sz="1600" b="1" strike="noStrike" spc="-1" dirty="0" err="1">
+                <a:solidFill>
+                  <a:srgbClr val="000000"/>
+                </a:solidFill>
+                <a:latin typeface="Arial Narrow"/>
+              </a:rPr>
+              <a:t>Device</a:t>
+            </a:r>
+            <a:r>
+              <a:rPr lang="pt-PT" sz="1600" b="1" strike="noStrike" spc="-1" dirty="0">
+                <a:solidFill>
+                  <a:srgbClr val="000000"/>
+                </a:solidFill>
+                <a:latin typeface="Arial Narrow"/>
+              </a:rPr>
+              <a:t>: </a:t>
+            </a:r>
+            <a:r>
+              <a:rPr lang="pt-PT" sz="1600" b="1" strike="noStrike" spc="-1" dirty="0" err="1">
+                <a:solidFill>
+                  <a:srgbClr val="000000"/>
+                </a:solidFill>
+                <a:latin typeface="Arial Narrow"/>
+              </a:rPr>
+              <a:t>GeForce</a:t>
+            </a:r>
+            <a:r>
+              <a:rPr lang="pt-PT" sz="1600" b="1" strike="noStrike" spc="-1" dirty="0">
+                <a:solidFill>
+                  <a:srgbClr val="000000"/>
+                </a:solidFill>
+                <a:latin typeface="Arial Narrow"/>
+              </a:rPr>
+              <a:t> GTX 1660 Ti</a:t>
+            </a:r>
+            <a:endParaRPr lang="en-GB" sz="1600" b="0" strike="noStrike" spc="-1" dirty="0">
               <a:latin typeface="Arial"/>
             </a:endParaRPr>
+          </a:p>
+        </p:txBody>
+      </p:sp>
+      <p:sp>
+        <p:nvSpPr>
+          <p:cNvPr id="3" name="CaixaDeTexto 2">
+            <a:extLst>
+              <a:ext uri="{FF2B5EF4-FFF2-40B4-BE49-F238E27FC236}">
+                <a16:creationId xmlns:a16="http://schemas.microsoft.com/office/drawing/2014/main" id="{F1FE89FE-C583-FAA6-8E9C-D4B26EA90F0B}"/>
+              </a:ext>
+            </a:extLst>
+          </p:cNvPr>
+          <p:cNvSpPr txBox="1"/>
+          <p:nvPr/>
+        </p:nvSpPr>
+        <p:spPr>
+          <a:xfrm>
+            <a:off x="258472" y="306437"/>
+            <a:ext cx="6394638" cy="830997"/>
+          </a:xfrm>
+          <a:prstGeom prst="rect">
+            <a:avLst/>
+          </a:prstGeom>
+          <a:noFill/>
+        </p:spPr>
+        <p:txBody>
+          <a:bodyPr wrap="square">
+            <a:spAutoFit/>
+          </a:bodyPr>
+          <a:lstStyle/>
+          <a:p>
+            <a:r>
+              <a:rPr lang="en-US" sz="1200" dirty="0"/>
+              <a:t>The aim of the assignment is to sort sequences of values on two versions of the bubble sort algorithm on a CPU and a GPU.</a:t>
+            </a:r>
+          </a:p>
+          <a:p>
+            <a:r>
+              <a:rPr lang="en-US" sz="1200" dirty="0"/>
+              <a:t>For </a:t>
+            </a:r>
+            <a:r>
+              <a:rPr lang="en-US" sz="1200" dirty="0" err="1"/>
+              <a:t>analising</a:t>
+            </a:r>
+            <a:r>
+              <a:rPr lang="en-US" sz="1200" dirty="0"/>
+              <a:t> the mapping between each running thread and the memory region it accesses we studied the GPU </a:t>
+            </a:r>
+            <a:r>
+              <a:rPr lang="en-US" sz="1200" dirty="0" err="1"/>
+              <a:t>arquitecture</a:t>
+            </a:r>
+            <a:r>
+              <a:rPr lang="en-US" sz="1200" dirty="0"/>
+              <a:t> and organization.</a:t>
+            </a:r>
+            <a:endParaRPr lang="pt-PT" sz="1200" dirty="0"/>
           </a:p>
         </p:txBody>
       </p:sp>
@@ -11097,7 +11191,7 @@
         </p:nvSpPr>
         <p:spPr>
           <a:xfrm>
-            <a:off x="6480000" y="482760"/>
+            <a:off x="6571982" y="1802676"/>
             <a:ext cx="5249520" cy="1613160"/>
           </a:xfrm>
           <a:prstGeom prst="rect">
@@ -11136,16 +11230,26 @@
               </a:lnSpc>
             </a:pPr>
             <a:r>
-              <a:rPr lang="pt-PT" sz="1000" b="0" strike="noStrike" spc="-1">
+              <a:rPr lang="pt-PT" sz="1000" b="0" strike="noStrike" spc="-1" dirty="0" err="1">
                 <a:solidFill>
                   <a:srgbClr val="000000"/>
                 </a:solidFill>
                 <a:latin typeface="Times New Roman"/>
                 <a:ea typeface="DejaVu Sans"/>
               </a:rPr>
-              <a:t>blockDimX = 1 &lt;&lt; 0;</a:t>
-            </a:r>
-            <a:endParaRPr lang="en-GB" sz="1000" b="0" strike="noStrike" spc="-1">
+              <a:t>blockDimX</a:t>
+            </a:r>
+            <a:r>
+              <a:rPr lang="pt-PT" sz="1000" b="0" strike="noStrike" spc="-1" dirty="0">
+                <a:solidFill>
+                  <a:srgbClr val="000000"/>
+                </a:solidFill>
+                <a:latin typeface="Times New Roman"/>
+                <a:ea typeface="DejaVu Sans"/>
+              </a:rPr>
+              <a:t> = 1 &lt;&lt; 0;</a:t>
+            </a:r>
+            <a:endParaRPr lang="en-GB" sz="1000" b="0" strike="noStrike" spc="-1" dirty="0">
               <a:latin typeface="Arial"/>
             </a:endParaRPr>
           </a:p>
@@ -11156,16 +11260,26 @@
               </a:lnSpc>
             </a:pPr>
             <a:r>
-              <a:rPr lang="pt-PT" sz="1000" b="0" strike="noStrike" spc="-1">
+              <a:rPr lang="pt-PT" sz="1000" b="0" strike="noStrike" spc="-1" dirty="0" err="1">
                 <a:solidFill>
                   <a:srgbClr val="000000"/>
                 </a:solidFill>
                 <a:latin typeface="Times New Roman"/>
                 <a:ea typeface="DejaVu Sans"/>
               </a:rPr>
-              <a:t>blockDimY = 1 &lt;&lt; 0;</a:t>
-            </a:r>
-            <a:endParaRPr lang="en-GB" sz="1000" b="0" strike="noStrike" spc="-1">
+              <a:t>blockDimY</a:t>
+            </a:r>
+            <a:r>
+              <a:rPr lang="pt-PT" sz="1000" b="0" strike="noStrike" spc="-1" dirty="0">
+                <a:solidFill>
+                  <a:srgbClr val="000000"/>
+                </a:solidFill>
+                <a:latin typeface="Times New Roman"/>
+                <a:ea typeface="DejaVu Sans"/>
+              </a:rPr>
+              <a:t> = 1 &lt;&lt; 0;</a:t>
+            </a:r>
+            <a:endParaRPr lang="en-GB" sz="1000" b="0" strike="noStrike" spc="-1" dirty="0">
               <a:latin typeface="Arial"/>
             </a:endParaRPr>
           </a:p>
@@ -11176,16 +11290,26 @@
               </a:lnSpc>
             </a:pPr>
             <a:r>
-              <a:rPr lang="pt-PT" sz="1000" b="0" strike="noStrike" spc="-1">
+              <a:rPr lang="pt-PT" sz="1000" b="0" strike="noStrike" spc="-1" dirty="0" err="1">
                 <a:solidFill>
                   <a:srgbClr val="000000"/>
                 </a:solidFill>
                 <a:latin typeface="Times New Roman"/>
                 <a:ea typeface="DejaVu Sans"/>
               </a:rPr>
-              <a:t>blockDimZ = 1 &lt;&lt; 0;</a:t>
-            </a:r>
-            <a:endParaRPr lang="en-GB" sz="1000" b="0" strike="noStrike" spc="-1">
+              <a:t>blockDimZ</a:t>
+            </a:r>
+            <a:r>
+              <a:rPr lang="pt-PT" sz="1000" b="0" strike="noStrike" spc="-1" dirty="0">
+                <a:solidFill>
+                  <a:srgbClr val="000000"/>
+                </a:solidFill>
+                <a:latin typeface="Times New Roman"/>
+                <a:ea typeface="DejaVu Sans"/>
+              </a:rPr>
+              <a:t> = 1 &lt;&lt; 0;</a:t>
+            </a:r>
+            <a:endParaRPr lang="en-GB" sz="1000" b="0" strike="noStrike" spc="-1" dirty="0">
               <a:latin typeface="Arial"/>
             </a:endParaRPr>
           </a:p>
@@ -11196,16 +11320,26 @@
               </a:lnSpc>
             </a:pPr>
             <a:r>
-              <a:rPr lang="pt-PT" sz="1000" b="0" strike="noStrike" spc="-1">
+              <a:rPr lang="pt-PT" sz="1000" b="0" strike="noStrike" spc="-1" dirty="0" err="1">
                 <a:solidFill>
                   <a:srgbClr val="000000"/>
                 </a:solidFill>
                 <a:latin typeface="Times New Roman"/>
                 <a:ea typeface="DejaVu Sans"/>
               </a:rPr>
-              <a:t>gridDimX = 1 &lt;&lt; 10; 	//(2^10=1024)</a:t>
-            </a:r>
-            <a:endParaRPr lang="en-GB" sz="1000" b="0" strike="noStrike" spc="-1">
+              <a:t>gridDimX</a:t>
+            </a:r>
+            <a:r>
+              <a:rPr lang="pt-PT" sz="1000" b="0" strike="noStrike" spc="-1" dirty="0">
+                <a:solidFill>
+                  <a:srgbClr val="000000"/>
+                </a:solidFill>
+                <a:latin typeface="Times New Roman"/>
+                <a:ea typeface="DejaVu Sans"/>
+              </a:rPr>
+              <a:t> = 1 &lt;&lt; 10; 	//(2^10=1024)</a:t>
+            </a:r>
+            <a:endParaRPr lang="en-GB" sz="1000" b="0" strike="noStrike" spc="-1" dirty="0">
               <a:latin typeface="Arial"/>
             </a:endParaRPr>
           </a:p>
@@ -11216,16 +11350,26 @@
               </a:lnSpc>
             </a:pPr>
             <a:r>
-              <a:rPr lang="pt-PT" sz="1000" b="0" strike="noStrike" spc="-1">
+              <a:rPr lang="pt-PT" sz="1000" b="0" strike="noStrike" spc="-1" dirty="0" err="1">
                 <a:solidFill>
                   <a:srgbClr val="000000"/>
                 </a:solidFill>
                 <a:latin typeface="Times New Roman"/>
                 <a:ea typeface="DejaVu Sans"/>
               </a:rPr>
-              <a:t>gridDimY = 1 &lt;&lt; 0;</a:t>
-            </a:r>
-            <a:endParaRPr lang="en-GB" sz="1000" b="0" strike="noStrike" spc="-1">
+              <a:t>gridDimY</a:t>
+            </a:r>
+            <a:r>
+              <a:rPr lang="pt-PT" sz="1000" b="0" strike="noStrike" spc="-1" dirty="0">
+                <a:solidFill>
+                  <a:srgbClr val="000000"/>
+                </a:solidFill>
+                <a:latin typeface="Times New Roman"/>
+                <a:ea typeface="DejaVu Sans"/>
+              </a:rPr>
+              <a:t> = 1 &lt;&lt; 0;</a:t>
+            </a:r>
+            <a:endParaRPr lang="en-GB" sz="1000" b="0" strike="noStrike" spc="-1" dirty="0">
               <a:latin typeface="Arial"/>
             </a:endParaRPr>
           </a:p>
@@ -11236,16 +11380,26 @@
               </a:lnSpc>
             </a:pPr>
             <a:r>
-              <a:rPr lang="pt-PT" sz="1000" b="0" strike="noStrike" spc="-1">
+              <a:rPr lang="pt-PT" sz="1000" b="0" strike="noStrike" spc="-1" dirty="0" err="1">
                 <a:solidFill>
                   <a:srgbClr val="000000"/>
                 </a:solidFill>
                 <a:latin typeface="Times New Roman"/>
                 <a:ea typeface="DejaVu Sans"/>
               </a:rPr>
-              <a:t>gridDimZ = 1 &lt;&lt; 0;</a:t>
-            </a:r>
-            <a:endParaRPr lang="en-GB" sz="1000" b="0" strike="noStrike" spc="-1">
+              <a:t>gridDimZ</a:t>
+            </a:r>
+            <a:r>
+              <a:rPr lang="pt-PT" sz="1000" b="0" strike="noStrike" spc="-1" dirty="0">
+                <a:solidFill>
+                  <a:srgbClr val="000000"/>
+                </a:solidFill>
+                <a:latin typeface="Times New Roman"/>
+                <a:ea typeface="DejaVu Sans"/>
+              </a:rPr>
+              <a:t> = 1 &lt;&lt; 0;</a:t>
+            </a:r>
+            <a:endParaRPr lang="en-GB" sz="1000" b="0" strike="noStrike" spc="-1" dirty="0">
               <a:latin typeface="Arial"/>
             </a:endParaRPr>
           </a:p>
@@ -11255,7 +11409,7 @@
                 <a:spcPct val="100000"/>
               </a:lnSpc>
             </a:pPr>
-            <a:endParaRPr lang="en-GB" sz="1000" b="0" strike="noStrike" spc="-1">
+            <a:endParaRPr lang="en-GB" sz="1000" b="0" strike="noStrike" spc="-1" dirty="0">
               <a:latin typeface="Arial"/>
             </a:endParaRPr>
           </a:p>
@@ -11266,16 +11420,196 @@
               </a:lnSpc>
             </a:pPr>
             <a:r>
-              <a:rPr lang="pt-PT" sz="1000" b="0" strike="noStrike" spc="-1">
+              <a:rPr lang="pt-PT" sz="1000" b="0" strike="noStrike" spc="-1" dirty="0">
                 <a:solidFill>
                   <a:srgbClr val="000000"/>
                 </a:solidFill>
                 <a:latin typeface="Times New Roman"/>
                 <a:ea typeface="DejaVu Sans"/>
               </a:rPr>
-              <a:t>x = (unsigned int) threadIdx.x + (unsigned int) blockDim.x * (unsigned int) blockIdx.x;</a:t>
-            </a:r>
-            <a:endParaRPr lang="en-GB" sz="1000" b="0" strike="noStrike" spc="-1">
+              <a:t>x = (</a:t>
+            </a:r>
+            <a:r>
+              <a:rPr lang="pt-PT" sz="1000" b="0" strike="noStrike" spc="-1" dirty="0" err="1">
+                <a:solidFill>
+                  <a:srgbClr val="000000"/>
+                </a:solidFill>
+                <a:latin typeface="Times New Roman"/>
+                <a:ea typeface="DejaVu Sans"/>
+              </a:rPr>
+              <a:t>unsigned</a:t>
+            </a:r>
+            <a:r>
+              <a:rPr lang="pt-PT" sz="1000" b="0" strike="noStrike" spc="-1" dirty="0">
+                <a:solidFill>
+                  <a:srgbClr val="000000"/>
+                </a:solidFill>
+                <a:latin typeface="Times New Roman"/>
+                <a:ea typeface="DejaVu Sans"/>
+              </a:rPr>
+              <a:t> </a:t>
+            </a:r>
+            <a:r>
+              <a:rPr lang="pt-PT" sz="1000" b="0" strike="noStrike" spc="-1" dirty="0" err="1">
+                <a:solidFill>
+                  <a:srgbClr val="000000"/>
+                </a:solidFill>
+                <a:latin typeface="Times New Roman"/>
+                <a:ea typeface="DejaVu Sans"/>
+              </a:rPr>
+              <a:t>int</a:t>
+            </a:r>
+            <a:r>
+              <a:rPr lang="pt-PT" sz="1000" b="0" strike="noStrike" spc="-1" dirty="0">
+                <a:solidFill>
+                  <a:srgbClr val="000000"/>
+                </a:solidFill>
+                <a:latin typeface="Times New Roman"/>
+                <a:ea typeface="DejaVu Sans"/>
+              </a:rPr>
+              <a:t>) </a:t>
+            </a:r>
+            <a:r>
+              <a:rPr lang="pt-PT" sz="1000" b="0" strike="noStrike" spc="-1" dirty="0" err="1">
+                <a:solidFill>
+                  <a:srgbClr val="000000"/>
+                </a:solidFill>
+                <a:latin typeface="Times New Roman"/>
+                <a:ea typeface="DejaVu Sans"/>
+              </a:rPr>
+              <a:t>threadIdx.x</a:t>
+            </a:r>
+            <a:r>
+              <a:rPr lang="pt-PT" sz="1000" b="0" strike="noStrike" spc="-1" dirty="0">
+                <a:solidFill>
+                  <a:srgbClr val="000000"/>
+                </a:solidFill>
+                <a:latin typeface="Times New Roman"/>
+                <a:ea typeface="DejaVu Sans"/>
+              </a:rPr>
+              <a:t> + (</a:t>
+            </a:r>
+            <a:r>
+              <a:rPr lang="pt-PT" sz="1000" b="0" strike="noStrike" spc="-1" dirty="0" err="1">
+                <a:solidFill>
+                  <a:srgbClr val="000000"/>
+                </a:solidFill>
+                <a:latin typeface="Times New Roman"/>
+                <a:ea typeface="DejaVu Sans"/>
+              </a:rPr>
+              <a:t>unsigned</a:t>
+            </a:r>
+            <a:r>
+              <a:rPr lang="pt-PT" sz="1000" b="0" strike="noStrike" spc="-1" dirty="0">
+                <a:solidFill>
+                  <a:srgbClr val="000000"/>
+                </a:solidFill>
+                <a:latin typeface="Times New Roman"/>
+                <a:ea typeface="DejaVu Sans"/>
+              </a:rPr>
+              <a:t> </a:t>
+            </a:r>
+            <a:r>
+              <a:rPr lang="pt-PT" sz="1000" b="0" strike="noStrike" spc="-1" dirty="0" err="1">
+                <a:solidFill>
+                  <a:srgbClr val="000000"/>
+                </a:solidFill>
+                <a:latin typeface="Times New Roman"/>
+                <a:ea typeface="DejaVu Sans"/>
+              </a:rPr>
+              <a:t>int</a:t>
+            </a:r>
+            <a:r>
+              <a:rPr lang="pt-PT" sz="1000" b="0" strike="noStrike" spc="-1" dirty="0">
+                <a:solidFill>
+                  <a:srgbClr val="000000"/>
+                </a:solidFill>
+                <a:latin typeface="Times New Roman"/>
+                <a:ea typeface="DejaVu Sans"/>
+              </a:rPr>
+              <a:t>) </a:t>
+            </a:r>
+            <a:r>
+              <a:rPr lang="pt-PT" sz="1000" b="0" strike="noStrike" spc="-1" dirty="0" err="1">
+                <a:solidFill>
+                  <a:srgbClr val="000000"/>
+                </a:solidFill>
+                <a:latin typeface="Times New Roman"/>
+                <a:ea typeface="DejaVu Sans"/>
+              </a:rPr>
+              <a:t>blockDim.x</a:t>
+            </a:r>
+            <a:r>
+              <a:rPr lang="pt-PT" sz="1000" b="0" strike="noStrike" spc="-1" dirty="0">
+                <a:solidFill>
+                  <a:srgbClr val="000000"/>
+                </a:solidFill>
+                <a:latin typeface="Times New Roman"/>
+                <a:ea typeface="DejaVu Sans"/>
+              </a:rPr>
+              <a:t> * (</a:t>
+            </a:r>
+            <a:r>
+              <a:rPr lang="pt-PT" sz="1000" b="0" strike="noStrike" spc="-1" dirty="0" err="1">
+                <a:solidFill>
+                  <a:srgbClr val="000000"/>
+                </a:solidFill>
+                <a:latin typeface="Times New Roman"/>
+                <a:ea typeface="DejaVu Sans"/>
+              </a:rPr>
+              <a:t>unsigned</a:t>
+            </a:r>
+            <a:r>
+              <a:rPr lang="pt-PT" sz="1000" b="0" strike="noStrike" spc="-1" dirty="0">
+                <a:solidFill>
+                  <a:srgbClr val="000000"/>
+                </a:solidFill>
+                <a:latin typeface="Times New Roman"/>
+                <a:ea typeface="DejaVu Sans"/>
+              </a:rPr>
+              <a:t> </a:t>
+            </a:r>
+            <a:r>
+              <a:rPr lang="pt-PT" sz="1000" b="0" strike="noStrike" spc="-1" dirty="0" err="1">
+                <a:solidFill>
+                  <a:srgbClr val="000000"/>
+                </a:solidFill>
+                <a:latin typeface="Times New Roman"/>
+                <a:ea typeface="DejaVu Sans"/>
+              </a:rPr>
+              <a:t>int</a:t>
+            </a:r>
+            <a:r>
+              <a:rPr lang="pt-PT" sz="1000" b="0" strike="noStrike" spc="-1" dirty="0">
+                <a:solidFill>
+                  <a:srgbClr val="000000"/>
+                </a:solidFill>
+                <a:latin typeface="Times New Roman"/>
+                <a:ea typeface="DejaVu Sans"/>
+              </a:rPr>
+              <a:t>) </a:t>
+            </a:r>
+            <a:r>
+              <a:rPr lang="pt-PT" sz="1000" b="0" strike="noStrike" spc="-1" dirty="0" err="1">
+                <a:solidFill>
+                  <a:srgbClr val="000000"/>
+                </a:solidFill>
+                <a:latin typeface="Times New Roman"/>
+                <a:ea typeface="DejaVu Sans"/>
+              </a:rPr>
+              <a:t>blockIdx.x</a:t>
+            </a:r>
+            <a:r>
+              <a:rPr lang="pt-PT" sz="1000" b="0" strike="noStrike" spc="-1" dirty="0">
+                <a:solidFill>
+                  <a:srgbClr val="000000"/>
+                </a:solidFill>
+                <a:latin typeface="Times New Roman"/>
+                <a:ea typeface="DejaVu Sans"/>
+              </a:rPr>
+              <a:t>;</a:t>
+            </a:r>
+            <a:endParaRPr lang="en-GB" sz="1000" b="0" strike="noStrike" spc="-1" dirty="0">
               <a:latin typeface="Arial"/>
             </a:endParaRPr>
           </a:p>
@@ -11286,16 +11620,196 @@
               </a:lnSpc>
             </a:pPr>
             <a:r>
-              <a:rPr lang="pt-PT" sz="1000" b="0" strike="noStrike" spc="-1">
+              <a:rPr lang="pt-PT" sz="1000" b="0" strike="noStrike" spc="-1" dirty="0">
                 <a:solidFill>
                   <a:srgbClr val="000000"/>
                 </a:solidFill>
                 <a:latin typeface="Times New Roman"/>
                 <a:ea typeface="DejaVu Sans"/>
               </a:rPr>
-              <a:t>y = (unsigned int) threadIdx.y + (unsigned int) blockDim.y * (unsigned int) blockIdx.y;</a:t>
-            </a:r>
-            <a:endParaRPr lang="en-GB" sz="1000" b="0" strike="noStrike" spc="-1">
+              <a:t>y = (</a:t>
+            </a:r>
+            <a:r>
+              <a:rPr lang="pt-PT" sz="1000" b="0" strike="noStrike" spc="-1" dirty="0" err="1">
+                <a:solidFill>
+                  <a:srgbClr val="000000"/>
+                </a:solidFill>
+                <a:latin typeface="Times New Roman"/>
+                <a:ea typeface="DejaVu Sans"/>
+              </a:rPr>
+              <a:t>unsigned</a:t>
+            </a:r>
+            <a:r>
+              <a:rPr lang="pt-PT" sz="1000" b="0" strike="noStrike" spc="-1" dirty="0">
+                <a:solidFill>
+                  <a:srgbClr val="000000"/>
+                </a:solidFill>
+                <a:latin typeface="Times New Roman"/>
+                <a:ea typeface="DejaVu Sans"/>
+              </a:rPr>
+              <a:t> </a:t>
+            </a:r>
+            <a:r>
+              <a:rPr lang="pt-PT" sz="1000" b="0" strike="noStrike" spc="-1" dirty="0" err="1">
+                <a:solidFill>
+                  <a:srgbClr val="000000"/>
+                </a:solidFill>
+                <a:latin typeface="Times New Roman"/>
+                <a:ea typeface="DejaVu Sans"/>
+              </a:rPr>
+              <a:t>int</a:t>
+            </a:r>
+            <a:r>
+              <a:rPr lang="pt-PT" sz="1000" b="0" strike="noStrike" spc="-1" dirty="0">
+                <a:solidFill>
+                  <a:srgbClr val="000000"/>
+                </a:solidFill>
+                <a:latin typeface="Times New Roman"/>
+                <a:ea typeface="DejaVu Sans"/>
+              </a:rPr>
+              <a:t>) </a:t>
+            </a:r>
+            <a:r>
+              <a:rPr lang="pt-PT" sz="1000" b="0" strike="noStrike" spc="-1" dirty="0" err="1">
+                <a:solidFill>
+                  <a:srgbClr val="000000"/>
+                </a:solidFill>
+                <a:latin typeface="Times New Roman"/>
+                <a:ea typeface="DejaVu Sans"/>
+              </a:rPr>
+              <a:t>threadIdx.y</a:t>
+            </a:r>
+            <a:r>
+              <a:rPr lang="pt-PT" sz="1000" b="0" strike="noStrike" spc="-1" dirty="0">
+                <a:solidFill>
+                  <a:srgbClr val="000000"/>
+                </a:solidFill>
+                <a:latin typeface="Times New Roman"/>
+                <a:ea typeface="DejaVu Sans"/>
+              </a:rPr>
+              <a:t> + (</a:t>
+            </a:r>
+            <a:r>
+              <a:rPr lang="pt-PT" sz="1000" b="0" strike="noStrike" spc="-1" dirty="0" err="1">
+                <a:solidFill>
+                  <a:srgbClr val="000000"/>
+                </a:solidFill>
+                <a:latin typeface="Times New Roman"/>
+                <a:ea typeface="DejaVu Sans"/>
+              </a:rPr>
+              <a:t>unsigned</a:t>
+            </a:r>
+            <a:r>
+              <a:rPr lang="pt-PT" sz="1000" b="0" strike="noStrike" spc="-1" dirty="0">
+                <a:solidFill>
+                  <a:srgbClr val="000000"/>
+                </a:solidFill>
+                <a:latin typeface="Times New Roman"/>
+                <a:ea typeface="DejaVu Sans"/>
+              </a:rPr>
+              <a:t> </a:t>
+            </a:r>
+            <a:r>
+              <a:rPr lang="pt-PT" sz="1000" b="0" strike="noStrike" spc="-1" dirty="0" err="1">
+                <a:solidFill>
+                  <a:srgbClr val="000000"/>
+                </a:solidFill>
+                <a:latin typeface="Times New Roman"/>
+                <a:ea typeface="DejaVu Sans"/>
+              </a:rPr>
+              <a:t>int</a:t>
+            </a:r>
+            <a:r>
+              <a:rPr lang="pt-PT" sz="1000" b="0" strike="noStrike" spc="-1" dirty="0">
+                <a:solidFill>
+                  <a:srgbClr val="000000"/>
+                </a:solidFill>
+                <a:latin typeface="Times New Roman"/>
+                <a:ea typeface="DejaVu Sans"/>
+              </a:rPr>
+              <a:t>) </a:t>
+            </a:r>
+            <a:r>
+              <a:rPr lang="pt-PT" sz="1000" b="0" strike="noStrike" spc="-1" dirty="0" err="1">
+                <a:solidFill>
+                  <a:srgbClr val="000000"/>
+                </a:solidFill>
+                <a:latin typeface="Times New Roman"/>
+                <a:ea typeface="DejaVu Sans"/>
+              </a:rPr>
+              <a:t>blockDim.y</a:t>
+            </a:r>
+            <a:r>
+              <a:rPr lang="pt-PT" sz="1000" b="0" strike="noStrike" spc="-1" dirty="0">
+                <a:solidFill>
+                  <a:srgbClr val="000000"/>
+                </a:solidFill>
+                <a:latin typeface="Times New Roman"/>
+                <a:ea typeface="DejaVu Sans"/>
+              </a:rPr>
+              <a:t> * (</a:t>
+            </a:r>
+            <a:r>
+              <a:rPr lang="pt-PT" sz="1000" b="0" strike="noStrike" spc="-1" dirty="0" err="1">
+                <a:solidFill>
+                  <a:srgbClr val="000000"/>
+                </a:solidFill>
+                <a:latin typeface="Times New Roman"/>
+                <a:ea typeface="DejaVu Sans"/>
+              </a:rPr>
+              <a:t>unsigned</a:t>
+            </a:r>
+            <a:r>
+              <a:rPr lang="pt-PT" sz="1000" b="0" strike="noStrike" spc="-1" dirty="0">
+                <a:solidFill>
+                  <a:srgbClr val="000000"/>
+                </a:solidFill>
+                <a:latin typeface="Times New Roman"/>
+                <a:ea typeface="DejaVu Sans"/>
+              </a:rPr>
+              <a:t> </a:t>
+            </a:r>
+            <a:r>
+              <a:rPr lang="pt-PT" sz="1000" b="0" strike="noStrike" spc="-1" dirty="0" err="1">
+                <a:solidFill>
+                  <a:srgbClr val="000000"/>
+                </a:solidFill>
+                <a:latin typeface="Times New Roman"/>
+                <a:ea typeface="DejaVu Sans"/>
+              </a:rPr>
+              <a:t>int</a:t>
+            </a:r>
+            <a:r>
+              <a:rPr lang="pt-PT" sz="1000" b="0" strike="noStrike" spc="-1" dirty="0">
+                <a:solidFill>
+                  <a:srgbClr val="000000"/>
+                </a:solidFill>
+                <a:latin typeface="Times New Roman"/>
+                <a:ea typeface="DejaVu Sans"/>
+              </a:rPr>
+              <a:t>) </a:t>
+            </a:r>
+            <a:r>
+              <a:rPr lang="pt-PT" sz="1000" b="0" strike="noStrike" spc="-1" dirty="0" err="1">
+                <a:solidFill>
+                  <a:srgbClr val="000000"/>
+                </a:solidFill>
+                <a:latin typeface="Times New Roman"/>
+                <a:ea typeface="DejaVu Sans"/>
+              </a:rPr>
+              <a:t>blockIdx.y</a:t>
+            </a:r>
+            <a:r>
+              <a:rPr lang="pt-PT" sz="1000" b="0" strike="noStrike" spc="-1" dirty="0">
+                <a:solidFill>
+                  <a:srgbClr val="000000"/>
+                </a:solidFill>
+                <a:latin typeface="Times New Roman"/>
+                <a:ea typeface="DejaVu Sans"/>
+              </a:rPr>
+              <a:t>;</a:t>
+            </a:r>
+            <a:endParaRPr lang="en-GB" sz="1000" b="0" strike="noStrike" spc="-1" dirty="0">
               <a:latin typeface="Arial"/>
             </a:endParaRPr>
           </a:p>
@@ -11306,16 +11820,146 @@
               </a:lnSpc>
             </a:pPr>
             <a:r>
-              <a:rPr lang="pt-PT" sz="1000" b="0" strike="noStrike" spc="-1">
+              <a:rPr lang="pt-PT" sz="1000" b="0" strike="noStrike" spc="-1" dirty="0" err="1">
                 <a:solidFill>
                   <a:srgbClr val="000000"/>
                 </a:solidFill>
                 <a:latin typeface="Times New Roman"/>
                 <a:ea typeface="DejaVu Sans"/>
               </a:rPr>
-              <a:t>idx = (unsigned int) blockDim.x * (unsigned int) gridDim.x * y + x;</a:t>
-            </a:r>
-            <a:endParaRPr lang="en-GB" sz="1000" b="0" strike="noStrike" spc="-1">
+              <a:t>idx</a:t>
+            </a:r>
+            <a:r>
+              <a:rPr lang="pt-PT" sz="1000" b="0" strike="noStrike" spc="-1" dirty="0">
+                <a:solidFill>
+                  <a:srgbClr val="000000"/>
+                </a:solidFill>
+                <a:latin typeface="Times New Roman"/>
+                <a:ea typeface="DejaVu Sans"/>
+              </a:rPr>
+              <a:t> = (</a:t>
+            </a:r>
+            <a:r>
+              <a:rPr lang="pt-PT" sz="1000" b="0" strike="noStrike" spc="-1" dirty="0" err="1">
+                <a:solidFill>
+                  <a:srgbClr val="000000"/>
+                </a:solidFill>
+                <a:latin typeface="Times New Roman"/>
+                <a:ea typeface="DejaVu Sans"/>
+              </a:rPr>
+              <a:t>unsigned</a:t>
+            </a:r>
+            <a:r>
+              <a:rPr lang="pt-PT" sz="1000" b="0" strike="noStrike" spc="-1" dirty="0">
+                <a:solidFill>
+                  <a:srgbClr val="000000"/>
+                </a:solidFill>
+                <a:latin typeface="Times New Roman"/>
+                <a:ea typeface="DejaVu Sans"/>
+              </a:rPr>
+              <a:t> </a:t>
+            </a:r>
+            <a:r>
+              <a:rPr lang="pt-PT" sz="1000" b="0" strike="noStrike" spc="-1" dirty="0" err="1">
+                <a:solidFill>
+                  <a:srgbClr val="000000"/>
+                </a:solidFill>
+                <a:latin typeface="Times New Roman"/>
+                <a:ea typeface="DejaVu Sans"/>
+              </a:rPr>
+              <a:t>int</a:t>
+            </a:r>
+            <a:r>
+              <a:rPr lang="pt-PT" sz="1000" b="0" strike="noStrike" spc="-1" dirty="0">
+                <a:solidFill>
+                  <a:srgbClr val="000000"/>
+                </a:solidFill>
+                <a:latin typeface="Times New Roman"/>
+                <a:ea typeface="DejaVu Sans"/>
+              </a:rPr>
+              <a:t>) </a:t>
+            </a:r>
+            <a:r>
+              <a:rPr lang="pt-PT" sz="1000" b="0" strike="noStrike" spc="-1" dirty="0" err="1">
+                <a:solidFill>
+                  <a:srgbClr val="000000"/>
+                </a:solidFill>
+                <a:latin typeface="Times New Roman"/>
+                <a:ea typeface="DejaVu Sans"/>
+              </a:rPr>
+              <a:t>blockDim.x</a:t>
+            </a:r>
+            <a:r>
+              <a:rPr lang="pt-PT" sz="1000" b="0" strike="noStrike" spc="-1" dirty="0">
+                <a:solidFill>
+                  <a:srgbClr val="000000"/>
+                </a:solidFill>
+                <a:latin typeface="Times New Roman"/>
+                <a:ea typeface="DejaVu Sans"/>
+              </a:rPr>
+              <a:t> * (</a:t>
+            </a:r>
+            <a:r>
+              <a:rPr lang="pt-PT" sz="1000" b="0" strike="noStrike" spc="-1" dirty="0" err="1">
+                <a:solidFill>
+                  <a:srgbClr val="000000"/>
+                </a:solidFill>
+                <a:latin typeface="Times New Roman"/>
+                <a:ea typeface="DejaVu Sans"/>
+              </a:rPr>
+              <a:t>unsigned</a:t>
+            </a:r>
+            <a:r>
+              <a:rPr lang="pt-PT" sz="1000" b="0" strike="noStrike" spc="-1" dirty="0">
+                <a:solidFill>
+                  <a:srgbClr val="000000"/>
+                </a:solidFill>
+                <a:latin typeface="Times New Roman"/>
+                <a:ea typeface="DejaVu Sans"/>
+              </a:rPr>
+              <a:t> </a:t>
+            </a:r>
+            <a:r>
+              <a:rPr lang="pt-PT" sz="1000" b="0" strike="noStrike" spc="-1" dirty="0" err="1">
+                <a:solidFill>
+                  <a:srgbClr val="000000"/>
+                </a:solidFill>
+                <a:latin typeface="Times New Roman"/>
+                <a:ea typeface="DejaVu Sans"/>
+              </a:rPr>
+              <a:t>int</a:t>
+            </a:r>
+            <a:r>
+              <a:rPr lang="pt-PT" sz="1000" b="0" strike="noStrike" spc="-1" dirty="0">
+                <a:solidFill>
+                  <a:srgbClr val="000000"/>
+                </a:solidFill>
+                <a:latin typeface="Times New Roman"/>
+                <a:ea typeface="DejaVu Sans"/>
+              </a:rPr>
+              <a:t>) </a:t>
+            </a:r>
+            <a:r>
+              <a:rPr lang="pt-PT" sz="1000" b="0" strike="noStrike" spc="-1" dirty="0" err="1">
+                <a:solidFill>
+                  <a:srgbClr val="000000"/>
+                </a:solidFill>
+                <a:latin typeface="Times New Roman"/>
+                <a:ea typeface="DejaVu Sans"/>
+              </a:rPr>
+              <a:t>gridDim.x</a:t>
+            </a:r>
+            <a:r>
+              <a:rPr lang="pt-PT" sz="1000" b="0" strike="noStrike" spc="-1" dirty="0">
+                <a:solidFill>
+                  <a:srgbClr val="000000"/>
+                </a:solidFill>
+                <a:latin typeface="Times New Roman"/>
+                <a:ea typeface="DejaVu Sans"/>
+              </a:rPr>
+              <a:t> * y + x;</a:t>
+            </a:r>
+            <a:endParaRPr lang="en-GB" sz="1000" b="0" strike="noStrike" spc="-1" dirty="0">
               <a:latin typeface="Arial"/>
             </a:endParaRPr>
           </a:p>
@@ -11329,8 +11973,8 @@
         </p:nvSpPr>
         <p:spPr>
           <a:xfrm>
-            <a:off x="6480000" y="180000"/>
-            <a:ext cx="951840" cy="302760"/>
+            <a:off x="6571982" y="722943"/>
+            <a:ext cx="5225480" cy="952653"/>
           </a:xfrm>
           <a:prstGeom prst="rect">
             <a:avLst/>
@@ -11353,29 +11997,296 @@
           <a:fontRef idx="minor"/>
         </p:style>
         <p:txBody>
-          <a:bodyPr lIns="90000" tIns="45000" rIns="90000" bIns="45000" anchor="t">
+          <a:bodyPr wrap="square" lIns="90000" tIns="45000" rIns="90000" bIns="45000" anchor="t">
             <a:spAutoFit/>
           </a:bodyPr>
           <a:lstStyle/>
           <a:p>
-            <a:pPr>
+            <a:pPr algn="just">
               <a:lnSpc>
                 <a:spcPct val="100000"/>
               </a:lnSpc>
             </a:pPr>
             <a:r>
-              <a:rPr lang="pt-PT" sz="1400" b="0" strike="noStrike" spc="-1">
+              <a:rPr lang="pt-PT" sz="1400" b="0" strike="noStrike" spc="-1" dirty="0" err="1">
                 <a:solidFill>
                   <a:srgbClr val="000000"/>
                 </a:solidFill>
-                <a:latin typeface="Calibri"/>
                 <a:ea typeface="DejaVu Sans"/>
               </a:rPr>
               <a:t>TreadID</a:t>
             </a:r>
-            <a:endParaRPr lang="en-GB" sz="1400" b="0" strike="noStrike" spc="-1">
-              <a:latin typeface="Arial"/>
-            </a:endParaRPr>
+            <a:r>
+              <a:rPr lang="pt-PT" sz="1400" b="0" strike="noStrike" spc="-1" dirty="0">
+                <a:solidFill>
+                  <a:srgbClr val="000000"/>
+                </a:solidFill>
+                <a:ea typeface="DejaVu Sans"/>
+              </a:rPr>
+              <a:t> </a:t>
+            </a:r>
+            <a:r>
+              <a:rPr lang="pt-PT" sz="1400" b="0" strike="noStrike" spc="-1" dirty="0" err="1">
+                <a:solidFill>
+                  <a:srgbClr val="000000"/>
+                </a:solidFill>
+                <a:ea typeface="DejaVu Sans"/>
+              </a:rPr>
+              <a:t>and</a:t>
+            </a:r>
+            <a:r>
+              <a:rPr lang="pt-PT" sz="1400" b="0" strike="noStrike" spc="-1" dirty="0">
+                <a:solidFill>
+                  <a:srgbClr val="000000"/>
+                </a:solidFill>
+                <a:ea typeface="DejaVu Sans"/>
+              </a:rPr>
+              <a:t> </a:t>
+            </a:r>
+            <a:r>
+              <a:rPr lang="pt-PT" sz="1400" b="0" strike="noStrike" spc="-1" dirty="0" err="1">
+                <a:solidFill>
+                  <a:srgbClr val="000000"/>
+                </a:solidFill>
+                <a:ea typeface="DejaVu Sans"/>
+              </a:rPr>
+              <a:t>l</a:t>
+            </a:r>
+            <a:r>
+              <a:rPr lang="pt-PT" sz="1400" dirty="0" err="1">
+                <a:effectLst/>
+              </a:rPr>
+              <a:t>aunch</a:t>
+            </a:r>
+            <a:r>
+              <a:rPr lang="pt-PT" sz="1400" dirty="0">
+                <a:effectLst/>
+              </a:rPr>
+              <a:t> </a:t>
+            </a:r>
+            <a:r>
+              <a:rPr lang="pt-PT" sz="1400" dirty="0" err="1">
+                <a:effectLst/>
+              </a:rPr>
+              <a:t>configuration</a:t>
+            </a:r>
+            <a:r>
+              <a:rPr lang="pt-PT" sz="1400" dirty="0">
+                <a:effectLst/>
+              </a:rPr>
+              <a:t>, </a:t>
+            </a:r>
+            <a:r>
+              <a:rPr lang="pt-PT" sz="1400" dirty="0" err="1">
+                <a:effectLst/>
+              </a:rPr>
+              <a:t>running</a:t>
+            </a:r>
+            <a:r>
+              <a:rPr lang="pt-PT" sz="1400" dirty="0">
+                <a:effectLst/>
+              </a:rPr>
+              <a:t> </a:t>
+            </a:r>
+            <a:r>
+              <a:rPr lang="pt-PT" sz="1400" dirty="0" err="1">
+                <a:effectLst/>
+              </a:rPr>
+              <a:t>both</a:t>
+            </a:r>
+            <a:r>
+              <a:rPr lang="pt-PT" sz="1400" dirty="0">
+                <a:effectLst/>
+              </a:rPr>
+              <a:t> </a:t>
+            </a:r>
+            <a:r>
+              <a:rPr lang="pt-PT" sz="1400" dirty="0" err="1">
+                <a:effectLst/>
+              </a:rPr>
+              <a:t>versions</a:t>
+            </a:r>
+            <a:r>
+              <a:rPr lang="pt-PT" sz="1400" dirty="0">
+                <a:effectLst/>
+              </a:rPr>
+              <a:t> </a:t>
+            </a:r>
+            <a:r>
+              <a:rPr lang="pt-PT" sz="1400" dirty="0" err="1">
+                <a:effectLst/>
+              </a:rPr>
+              <a:t>with</a:t>
+            </a:r>
+            <a:r>
+              <a:rPr lang="pt-PT" sz="1400" dirty="0">
+                <a:effectLst/>
+              </a:rPr>
+              <a:t> </a:t>
+            </a:r>
+            <a:r>
+              <a:rPr lang="pt-PT" sz="1400" dirty="0" err="1">
+                <a:effectLst/>
+              </a:rPr>
+              <a:t>various</a:t>
+            </a:r>
+            <a:r>
+              <a:rPr lang="pt-PT" sz="1400" dirty="0">
+                <a:effectLst/>
+              </a:rPr>
+              <a:t> </a:t>
+            </a:r>
+            <a:r>
+              <a:rPr lang="pt-PT" sz="1400" dirty="0" err="1">
+                <a:effectLst/>
+              </a:rPr>
+              <a:t>blockDimX</a:t>
+            </a:r>
+            <a:r>
+              <a:rPr lang="pt-PT" sz="1400" dirty="0">
+                <a:effectLst/>
+              </a:rPr>
+              <a:t> </a:t>
+            </a:r>
+            <a:r>
+              <a:rPr lang="pt-PT" sz="1400" dirty="0" err="1">
+                <a:effectLst/>
+              </a:rPr>
+              <a:t>and</a:t>
+            </a:r>
+            <a:r>
+              <a:rPr lang="pt-PT" sz="1400" dirty="0">
+                <a:effectLst/>
+              </a:rPr>
+              <a:t> </a:t>
+            </a:r>
+            <a:r>
+              <a:rPr lang="pt-PT" sz="1400" dirty="0" err="1">
+                <a:effectLst/>
+              </a:rPr>
+              <a:t>block</a:t>
+            </a:r>
+            <a:r>
+              <a:rPr lang="pt-PT" sz="1400" dirty="0" err="1"/>
+              <a:t>DimY</a:t>
+            </a:r>
+            <a:r>
+              <a:rPr lang="pt-PT" sz="1400" dirty="0"/>
+              <a:t> </a:t>
+            </a:r>
+            <a:r>
+              <a:rPr lang="pt-PT" sz="1400" dirty="0" err="1"/>
+              <a:t>configurations</a:t>
+            </a:r>
+            <a:r>
+              <a:rPr lang="pt-PT" sz="1400" dirty="0"/>
+              <a:t>, from 2</a:t>
+            </a:r>
+            <a:r>
+              <a:rPr lang="pt-PT" sz="1400" baseline="30000" dirty="0"/>
+              <a:t>0</a:t>
+            </a:r>
+            <a:r>
+              <a:rPr lang="pt-PT" sz="1400" dirty="0"/>
+              <a:t> to 2</a:t>
+            </a:r>
+            <a:r>
+              <a:rPr lang="pt-PT" sz="1400" baseline="30000" dirty="0"/>
+              <a:t>10</a:t>
+            </a:r>
+            <a:r>
+              <a:rPr lang="pt-PT" sz="1400" dirty="0"/>
+              <a:t>, </a:t>
+            </a:r>
+            <a:r>
+              <a:rPr lang="pt-PT" sz="1400" dirty="0" err="1"/>
+              <a:t>comparing</a:t>
+            </a:r>
+            <a:r>
+              <a:rPr lang="pt-PT" sz="1400" dirty="0"/>
+              <a:t> the </a:t>
+            </a:r>
+            <a:r>
+              <a:rPr lang="pt-PT" sz="1400" dirty="0" err="1"/>
+              <a:t>average</a:t>
+            </a:r>
+            <a:r>
+              <a:rPr lang="pt-PT" sz="1400" dirty="0"/>
+              <a:t> time </a:t>
+            </a:r>
+            <a:r>
+              <a:rPr lang="pt-PT" sz="1400" dirty="0" err="1"/>
+              <a:t>execution</a:t>
+            </a:r>
+            <a:r>
+              <a:rPr lang="pt-PT" sz="1400" dirty="0"/>
+              <a:t>, </a:t>
+            </a:r>
+            <a:r>
+              <a:rPr lang="pt-PT" sz="1400" dirty="0" err="1"/>
+              <a:t>using</a:t>
+            </a:r>
+            <a:r>
+              <a:rPr lang="pt-PT" sz="1400" dirty="0"/>
+              <a:t> the </a:t>
+            </a:r>
+            <a:r>
+              <a:rPr lang="pt-PT" sz="1400" dirty="0" err="1"/>
+              <a:t>best</a:t>
+            </a:r>
+            <a:r>
+              <a:rPr lang="pt-PT" sz="1400" dirty="0"/>
+              <a:t> </a:t>
+            </a:r>
+            <a:r>
+              <a:rPr lang="pt-PT" sz="1400" dirty="0" err="1"/>
+              <a:t>Block</a:t>
+            </a:r>
+            <a:r>
+              <a:rPr lang="pt-PT" sz="1400" dirty="0"/>
+              <a:t> performance to </a:t>
+            </a:r>
+            <a:r>
+              <a:rPr lang="pt-PT" sz="1400" dirty="0" err="1"/>
+              <a:t>test</a:t>
+            </a:r>
+            <a:r>
+              <a:rPr lang="pt-PT" sz="1400" dirty="0"/>
+              <a:t> </a:t>
+            </a:r>
+            <a:r>
+              <a:rPr lang="pt-PT" sz="1400" dirty="0" err="1"/>
+              <a:t>various</a:t>
+            </a:r>
+            <a:r>
+              <a:rPr lang="pt-PT" sz="1400" dirty="0"/>
+              <a:t> </a:t>
+            </a:r>
+            <a:r>
+              <a:rPr lang="pt-PT" sz="1400" dirty="0" err="1"/>
+              <a:t>Grid</a:t>
+            </a:r>
+            <a:r>
+              <a:rPr lang="pt-PT" sz="1400" dirty="0"/>
+              <a:t> X </a:t>
+            </a:r>
+            <a:r>
+              <a:rPr lang="pt-PT" sz="1400" dirty="0" err="1"/>
+              <a:t>and</a:t>
+            </a:r>
+            <a:r>
+              <a:rPr lang="pt-PT" sz="1400" dirty="0"/>
+              <a:t> Y </a:t>
+            </a:r>
+            <a:r>
+              <a:rPr lang="pt-PT" sz="1400" dirty="0" err="1"/>
+              <a:t>configurations</a:t>
+            </a:r>
+            <a:r>
+              <a:rPr lang="pt-PT" sz="1400" dirty="0"/>
+              <a:t>.</a:t>
+            </a:r>
+            <a:endParaRPr lang="en-GB" sz="1400" b="0" strike="noStrike" spc="-1" dirty="0"/>
           </a:p>
         </p:txBody>
       </p:sp>
@@ -11387,7 +12298,7 @@
         </p:nvSpPr>
         <p:spPr>
           <a:xfrm>
-            <a:off x="326880" y="2615400"/>
+            <a:off x="462240" y="4067231"/>
             <a:ext cx="3633120" cy="2069280"/>
           </a:xfrm>
           <a:prstGeom prst="rect">
@@ -11731,7 +12642,7 @@
         </p:nvSpPr>
         <p:spPr>
           <a:xfrm>
-            <a:off x="299880" y="2312640"/>
+            <a:off x="435240" y="3764471"/>
             <a:ext cx="2040120" cy="303480"/>
           </a:xfrm>
           <a:prstGeom prst="rect">
@@ -11911,7 +12822,7 @@
         </p:nvSpPr>
         <p:spPr>
           <a:xfrm>
-            <a:off x="4286880" y="2642760"/>
+            <a:off x="4422240" y="4094591"/>
             <a:ext cx="3633120" cy="2070000"/>
           </a:xfrm>
           <a:prstGeom prst="rect">
@@ -12255,7 +13166,7 @@
         </p:nvSpPr>
         <p:spPr>
           <a:xfrm>
-            <a:off x="4259880" y="2340000"/>
+            <a:off x="4395240" y="3791831"/>
             <a:ext cx="2040120" cy="303480"/>
           </a:xfrm>
           <a:prstGeom prst="rect">
@@ -12313,7 +13224,7 @@
         </p:nvSpPr>
         <p:spPr>
           <a:xfrm>
-            <a:off x="360000" y="540000"/>
+            <a:off x="451982" y="1859916"/>
             <a:ext cx="5040000" cy="1266480"/>
           </a:xfrm>
           <a:prstGeom prst="rect">
@@ -12449,7 +13360,7 @@
         </p:nvSpPr>
         <p:spPr>
           <a:xfrm>
-            <a:off x="360000" y="1881000"/>
+            <a:off x="451982" y="3200916"/>
             <a:ext cx="5401800" cy="431640"/>
           </a:xfrm>
           <a:prstGeom prst="rect">
@@ -12484,6 +13395,106 @@
               </a:rPr>
               <a:t>	2²² * 2³ bits = 2²⁵ bits = 33 554 432 bits</a:t>
             </a:r>
+          </a:p>
+        </p:txBody>
+      </p:sp>
+      <p:sp>
+        <p:nvSpPr>
+          <p:cNvPr id="3" name="CaixaDeTexto 2">
+            <a:extLst>
+              <a:ext uri="{FF2B5EF4-FFF2-40B4-BE49-F238E27FC236}">
+                <a16:creationId xmlns:a16="http://schemas.microsoft.com/office/drawing/2014/main" id="{842E3D98-884A-22F1-EA3A-98E9D82B8E01}"/>
+              </a:ext>
+            </a:extLst>
+          </p:cNvPr>
+          <p:cNvSpPr txBox="1"/>
+          <p:nvPr/>
+        </p:nvSpPr>
+        <p:spPr>
+          <a:xfrm>
+            <a:off x="408382" y="721489"/>
+            <a:ext cx="5882382" cy="954107"/>
+          </a:xfrm>
+          <a:prstGeom prst="rect">
+            <a:avLst/>
+          </a:prstGeom>
+          <a:noFill/>
+        </p:spPr>
+        <p:txBody>
+          <a:bodyPr wrap="square">
+            <a:spAutoFit/>
+          </a:bodyPr>
+          <a:lstStyle/>
+          <a:p>
+            <a:pPr algn="just"/>
+            <a:r>
+              <a:rPr lang="en-US" sz="1400" dirty="0"/>
+              <a:t>On one version, the elements are seen as forming the rows of a matrix, each row corresponding to a different sequence to be sorted.</a:t>
+            </a:r>
+          </a:p>
+          <a:p>
+            <a:pPr algn="just"/>
+            <a:r>
+              <a:rPr lang="en-US" sz="1400" dirty="0"/>
+              <a:t>In the second, the elements are seen as forming the columns of a matrix, each column corresponding to a different sequence to be sorted.</a:t>
+            </a:r>
+            <a:endParaRPr lang="pt-PT" sz="1400" dirty="0"/>
+          </a:p>
+        </p:txBody>
+      </p:sp>
+      <p:sp>
+        <p:nvSpPr>
+          <p:cNvPr id="4" name="CaixaDeTexto 3">
+            <a:extLst>
+              <a:ext uri="{FF2B5EF4-FFF2-40B4-BE49-F238E27FC236}">
+                <a16:creationId xmlns:a16="http://schemas.microsoft.com/office/drawing/2014/main" id="{072F9623-BA23-7B38-0318-756883029371}"/>
+              </a:ext>
+            </a:extLst>
+          </p:cNvPr>
+          <p:cNvSpPr txBox="1"/>
+          <p:nvPr/>
+        </p:nvSpPr>
+        <p:spPr>
+          <a:xfrm>
+            <a:off x="4669936" y="173806"/>
+            <a:ext cx="2852127" cy="369332"/>
+          </a:xfrm>
+          <a:prstGeom prst="rect">
+            <a:avLst/>
+          </a:prstGeom>
+          <a:noFill/>
+        </p:spPr>
+        <p:txBody>
+          <a:bodyPr wrap="none" rtlCol="0">
+            <a:spAutoFit/>
+          </a:bodyPr>
+          <a:lstStyle/>
+          <a:p>
+            <a:r>
+              <a:rPr lang="pt-PT" dirty="0"/>
+              <a:t>The </a:t>
+            </a:r>
+            <a:r>
+              <a:rPr lang="pt-PT" dirty="0" err="1"/>
+              <a:t>Bubble</a:t>
+            </a:r>
+            <a:r>
+              <a:rPr lang="pt-PT" dirty="0"/>
+              <a:t> </a:t>
+            </a:r>
+            <a:r>
+              <a:rPr lang="pt-PT" dirty="0" err="1"/>
+              <a:t>Sort</a:t>
+            </a:r>
+            <a:r>
+              <a:rPr lang="pt-PT" dirty="0"/>
+              <a:t> </a:t>
+            </a:r>
+            <a:r>
+              <a:rPr lang="pt-PT" dirty="0" err="1"/>
+              <a:t>Algorithm</a:t>
+            </a:r>
+            <a:endParaRPr lang="pt-PT" dirty="0"/>
           </a:p>
         </p:txBody>
       </p:sp>
@@ -12524,7 +13535,7 @@
         </p:blipFill>
         <p:spPr>
           <a:xfrm>
-            <a:off x="7875603" y="637610"/>
+            <a:off x="7875603" y="511675"/>
             <a:ext cx="4177800" cy="2651040"/>
           </a:xfrm>
           <a:prstGeom prst="rect">
@@ -12547,7 +13558,7 @@
         </p:blipFill>
         <p:spPr>
           <a:xfrm>
-            <a:off x="322560" y="3234240"/>
+            <a:off x="431703" y="2892056"/>
             <a:ext cx="5075640" cy="3424680"/>
           </a:xfrm>
           <a:prstGeom prst="rect">
@@ -12693,7 +13704,7 @@
         <p:spPr>
           <a:xfrm>
             <a:off x="431703" y="652462"/>
-            <a:ext cx="7334757" cy="2581778"/>
+            <a:ext cx="7053617" cy="2239594"/>
           </a:xfrm>
           <a:prstGeom prst="rect">
             <a:avLst/>
@@ -12719,8 +13730,8 @@
             </p:nvSpPr>
             <p:spPr>
               <a:xfrm>
-                <a:off x="5960428" y="3343060"/>
-                <a:ext cx="6097772" cy="710516"/>
+                <a:off x="5955631" y="3433374"/>
+                <a:ext cx="6097772" cy="585673"/>
               </a:xfrm>
               <a:prstGeom prst="rect">
                 <a:avLst/>
@@ -12734,9 +13745,8 @@
               <a:lstStyle/>
               <a:p>
                 <a:r>
-                  <a:rPr lang="en-US" sz="1400" dirty="0">
+                  <a:rPr lang="en-US" sz="1200" dirty="0">
                     <a:effectLst/>
-                    <a:latin typeface="Arial" panose="020B0604020202020204" pitchFamily="34" charset="0"/>
                     <a:cs typeface="Arial" panose="020B0604020202020204" pitchFamily="34" charset="0"/>
                   </a:rPr>
                   <a:t>The average relative speedup execution time for the CPU and the best GPU configuration is </a:t>
@@ -12744,17 +13754,15 @@
                 <a14:m>
                   <m:oMath xmlns:m="http://schemas.openxmlformats.org/officeDocument/2006/math">
                     <m:r>
-                      <a:rPr lang="pt-PT" sz="1600" b="0" i="1" smtClean="0">
+                      <a:rPr lang="pt-PT" sz="1200" b="0" i="1" smtClean="0">
                         <a:effectLst/>
-                        <a:latin typeface="Cambria Math" panose="02040503050406030204" pitchFamily="18" charset="0"/>
                         <a:cs typeface="Arial" panose="020B0604020202020204" pitchFamily="34" charset="0"/>
                       </a:rPr>
                       <m:t>𝑆</m:t>
                     </m:r>
                     <m:r>
-                      <a:rPr lang="pt-PT" sz="1600" b="0" i="1" smtClean="0">
+                      <a:rPr lang="pt-PT" sz="1200" b="0" i="1" smtClean="0">
                         <a:effectLst/>
-                        <a:latin typeface="Cambria Math" panose="02040503050406030204" pitchFamily="18" charset="0"/>
                         <a:cs typeface="Arial" panose="020B0604020202020204" pitchFamily="34" charset="0"/>
                       </a:rPr>
                       <m:t>=</m:t>
@@ -12762,9 +13770,8 @@
                     <m:f>
                       <m:fPr>
                         <m:ctrlPr>
-                          <a:rPr lang="pt-PT" sz="1600" b="0" i="1" smtClean="0">
+                          <a:rPr lang="pt-PT" sz="1200" b="0" i="1" smtClean="0">
                             <a:effectLst/>
-                            <a:latin typeface="Cambria Math" panose="02040503050406030204" pitchFamily="18" charset="0"/>
                             <a:cs typeface="Arial" panose="020B0604020202020204" pitchFamily="34" charset="0"/>
                           </a:rPr>
                         </m:ctrlPr>
@@ -12773,34 +13780,30 @@
                         <m:sSup>
                           <m:sSupPr>
                             <m:ctrlPr>
-                              <a:rPr lang="pt-PT" sz="1600" b="0" i="1" smtClean="0">
+                              <a:rPr lang="pt-PT" sz="1200" b="0" i="1" smtClean="0">
                                 <a:effectLst/>
-                                <a:latin typeface="Cambria Math" panose="02040503050406030204" pitchFamily="18" charset="0"/>
                                 <a:cs typeface="Arial" panose="020B0604020202020204" pitchFamily="34" charset="0"/>
                               </a:rPr>
                             </m:ctrlPr>
                           </m:sSupPr>
                           <m:e>
                             <m:r>
-                              <a:rPr lang="pt-PT" sz="1600" b="0" i="1" smtClean="0">
+                              <a:rPr lang="pt-PT" sz="1200" b="0" i="1" smtClean="0">
                                 <a:effectLst/>
-                                <a:latin typeface="Cambria Math" panose="02040503050406030204" pitchFamily="18" charset="0"/>
                                 <a:cs typeface="Arial" panose="020B0604020202020204" pitchFamily="34" charset="0"/>
                               </a:rPr>
                               <m:t>8,91</m:t>
                             </m:r>
                             <m:r>
-                              <a:rPr lang="pt-PT" sz="1600" b="0" i="1" smtClean="0">
+                              <a:rPr lang="pt-PT" sz="1200" b="0" i="1" smtClean="0">
                                 <a:effectLst/>
-                                <a:latin typeface="Cambria Math" panose="02040503050406030204" pitchFamily="18" charset="0"/>
                                 <a:cs typeface="Arial" panose="020B0604020202020204" pitchFamily="34" charset="0"/>
                               </a:rPr>
                               <m:t>𝑥</m:t>
                             </m:r>
                             <m:r>
-                              <a:rPr lang="pt-PT" sz="1600" b="0" i="1" smtClean="0">
+                              <a:rPr lang="pt-PT" sz="1200" b="0" i="1" smtClean="0">
                                 <a:effectLst/>
-                                <a:latin typeface="Cambria Math" panose="02040503050406030204" pitchFamily="18" charset="0"/>
                                 <a:cs typeface="Arial" panose="020B0604020202020204" pitchFamily="34" charset="0"/>
                               </a:rPr>
                               <m:t>10</m:t>
@@ -12808,9 +13811,8 @@
                           </m:e>
                           <m:sup>
                             <m:r>
-                              <a:rPr lang="pt-PT" sz="1600" b="0" i="1" smtClean="0">
+                              <a:rPr lang="pt-PT" sz="1200" b="0" i="1" smtClean="0">
                                 <a:effectLst/>
-                                <a:latin typeface="Cambria Math" panose="02040503050406030204" pitchFamily="18" charset="0"/>
                                 <a:cs typeface="Arial" panose="020B0604020202020204" pitchFamily="34" charset="0"/>
                               </a:rPr>
                               <m:t>0</m:t>
@@ -12822,34 +13824,30 @@
                         <m:sSup>
                           <m:sSupPr>
                             <m:ctrlPr>
-                              <a:rPr lang="pt-PT" sz="1600" b="0" i="1" smtClean="0">
+                              <a:rPr lang="pt-PT" sz="1200" b="0" i="1" smtClean="0">
                                 <a:effectLst/>
-                                <a:latin typeface="Cambria Math" panose="02040503050406030204" pitchFamily="18" charset="0"/>
                                 <a:cs typeface="Arial" panose="020B0604020202020204" pitchFamily="34" charset="0"/>
                               </a:rPr>
                             </m:ctrlPr>
                           </m:sSupPr>
                           <m:e>
                             <m:r>
-                              <a:rPr lang="pt-PT" sz="1600" b="0" i="1" smtClean="0">
+                              <a:rPr lang="pt-PT" sz="1200" b="0" i="1" smtClean="0">
                                 <a:effectLst/>
-                                <a:latin typeface="Cambria Math" panose="02040503050406030204" pitchFamily="18" charset="0"/>
                                 <a:cs typeface="Arial" panose="020B0604020202020204" pitchFamily="34" charset="0"/>
                               </a:rPr>
                               <m:t>1,43</m:t>
                             </m:r>
                             <m:r>
-                              <a:rPr lang="pt-PT" sz="1600" b="0" i="1" smtClean="0">
+                              <a:rPr lang="pt-PT" sz="1200" b="0" i="1" smtClean="0">
                                 <a:effectLst/>
-                                <a:latin typeface="Cambria Math" panose="02040503050406030204" pitchFamily="18" charset="0"/>
                                 <a:cs typeface="Arial" panose="020B0604020202020204" pitchFamily="34" charset="0"/>
                               </a:rPr>
                               <m:t>𝑥</m:t>
                             </m:r>
                             <m:r>
-                              <a:rPr lang="pt-PT" sz="1600" b="0" i="1" smtClean="0">
+                              <a:rPr lang="pt-PT" sz="1200" b="0" i="1" smtClean="0">
                                 <a:effectLst/>
-                                <a:latin typeface="Cambria Math" panose="02040503050406030204" pitchFamily="18" charset="0"/>
                                 <a:cs typeface="Arial" panose="020B0604020202020204" pitchFamily="34" charset="0"/>
                               </a:rPr>
                               <m:t>10</m:t>
@@ -12857,9 +13855,8 @@
                           </m:e>
                           <m:sup>
                             <m:r>
-                              <a:rPr lang="pt-PT" sz="1600" b="0" i="1" smtClean="0">
+                              <a:rPr lang="pt-PT" sz="1200" b="0" i="1" smtClean="0">
                                 <a:effectLst/>
-                                <a:latin typeface="Cambria Math" panose="02040503050406030204" pitchFamily="18" charset="0"/>
                                 <a:cs typeface="Arial" panose="020B0604020202020204" pitchFamily="34" charset="0"/>
                               </a:rPr>
                               <m:t>−1</m:t>
@@ -12871,29 +13868,19 @@
                   </m:oMath>
                 </a14:m>
                 <a:r>
-                  <a:rPr lang="pt-PT" sz="1600" dirty="0">
-                    <a:latin typeface="Arial" panose="020B0604020202020204" pitchFamily="34" charset="0"/>
+                  <a:rPr lang="pt-PT" sz="1200" dirty="0">
                     <a:cs typeface="Arial" panose="020B0604020202020204" pitchFamily="34" charset="0"/>
                   </a:rPr>
-                  <a:t> </a:t>
+                  <a:t> = 62,30 </a:t>
                 </a:r>
                 <a:r>
-                  <a:rPr lang="pt-PT" sz="1400" dirty="0">
-                    <a:latin typeface="Arial" panose="020B0604020202020204" pitchFamily="34" charset="0"/>
-                    <a:cs typeface="Arial" panose="020B0604020202020204" pitchFamily="34" charset="0"/>
-                  </a:rPr>
-                  <a:t>= 62,30 </a:t>
-                </a:r>
-                <a:r>
-                  <a:rPr lang="pt-PT" sz="1400" dirty="0">
-                    <a:latin typeface="Arial" panose="020B0604020202020204" pitchFamily="34" charset="0"/>
+                  <a:rPr lang="pt-PT" sz="1200" dirty="0">
                     <a:cs typeface="Arial" panose="020B0604020202020204" pitchFamily="34" charset="0"/>
                     <a:sym typeface="Wingdings" panose="05000000000000000000" pitchFamily="2" charset="2"/>
                   </a:rPr>
                   <a:t> 6.230%</a:t>
                 </a:r>
-                <a:endParaRPr lang="pt-PT" sz="1400" dirty="0">
-                  <a:latin typeface="Arial" panose="020B0604020202020204" pitchFamily="34" charset="0"/>
+                <a:endParaRPr lang="pt-PT" sz="1200" dirty="0">
                   <a:cs typeface="Arial" panose="020B0604020202020204" pitchFamily="34" charset="0"/>
                 </a:endParaRPr>
               </a:p>
@@ -12917,8 +13904,8 @@
             </p:nvSpPr>
             <p:spPr>
               <a:xfrm>
-                <a:off x="5960428" y="3343060"/>
-                <a:ext cx="6097772" cy="710516"/>
+                <a:off x="5955631" y="3433374"/>
+                <a:ext cx="6097772" cy="585673"/>
               </a:xfrm>
               <a:prstGeom prst="rect">
                 <a:avLst/>
@@ -12926,7 +13913,7 @@
               <a:blipFill>
                 <a:blip r:embed="rId5"/>
                 <a:stretch>
-                  <a:fillRect l="-300" t="-855"/>
+                  <a:fillRect l="-100" t="-1042"/>
                 </a:stretch>
               </a:blipFill>
             </p:spPr>
@@ -12945,6 +13932,70 @@
           </p:sp>
         </mc:Fallback>
       </mc:AlternateContent>
+      <p:sp>
+        <p:nvSpPr>
+          <p:cNvPr id="2" name="CaixaDeTexto 1">
+            <a:extLst>
+              <a:ext uri="{FF2B5EF4-FFF2-40B4-BE49-F238E27FC236}">
+                <a16:creationId xmlns:a16="http://schemas.microsoft.com/office/drawing/2014/main" id="{661C87D4-B8F3-E896-957B-4DEAF7CCBC98}"/>
+              </a:ext>
+            </a:extLst>
+          </p:cNvPr>
+          <p:cNvSpPr txBox="1"/>
+          <p:nvPr/>
+        </p:nvSpPr>
+        <p:spPr>
+          <a:xfrm>
+            <a:off x="3733751" y="123554"/>
+            <a:ext cx="4711611" cy="369332"/>
+          </a:xfrm>
+          <a:prstGeom prst="rect">
+            <a:avLst/>
+          </a:prstGeom>
+          <a:noFill/>
+        </p:spPr>
+        <p:txBody>
+          <a:bodyPr wrap="none" rtlCol="0">
+            <a:spAutoFit/>
+          </a:bodyPr>
+          <a:lstStyle/>
+          <a:p>
+            <a:r>
+              <a:rPr lang="pt-PT" dirty="0"/>
+              <a:t>Time </a:t>
+            </a:r>
+            <a:r>
+              <a:rPr lang="pt-PT" dirty="0" err="1"/>
+              <a:t>Execution</a:t>
+            </a:r>
+            <a:r>
+              <a:rPr lang="pt-PT" dirty="0"/>
+              <a:t> </a:t>
+            </a:r>
+            <a:r>
+              <a:rPr lang="pt-PT" dirty="0" err="1"/>
+              <a:t>Results</a:t>
+            </a:r>
+            <a:r>
+              <a:rPr lang="pt-PT" dirty="0"/>
+              <a:t> for The </a:t>
+            </a:r>
+            <a:r>
+              <a:rPr lang="pt-PT" dirty="0" err="1"/>
+              <a:t>Row</a:t>
+            </a:r>
+            <a:r>
+              <a:rPr lang="pt-PT" dirty="0"/>
+              <a:t> </a:t>
+            </a:r>
+            <a:r>
+              <a:rPr lang="pt-PT" dirty="0" err="1"/>
+              <a:t>Sorting</a:t>
+            </a:r>
+            <a:endParaRPr lang="pt-PT" dirty="0"/>
+          </a:p>
+        </p:txBody>
+      </p:sp>
     </p:spTree>
   </p:cSld>
   <p:clrMapOvr>
@@ -13110,8 +14161,8 @@
         </p:blipFill>
         <p:spPr>
           <a:xfrm>
-            <a:off x="7368823" y="3166426"/>
-            <a:ext cx="2998800" cy="2031840"/>
+            <a:off x="8669276" y="259200"/>
+            <a:ext cx="3286339" cy="2171118"/>
           </a:xfrm>
           <a:prstGeom prst="rect">
             <a:avLst/>
@@ -13139,8 +14190,8 @@
         </p:blipFill>
         <p:spPr>
           <a:xfrm>
-            <a:off x="7428763" y="579914"/>
-            <a:ext cx="2878920" cy="2159640"/>
+            <a:off x="5595875" y="79380"/>
+            <a:ext cx="3226135" cy="2350938"/>
           </a:xfrm>
           <a:prstGeom prst="rect">
             <a:avLst/>
@@ -13172,8 +14223,8 @@
         </p:blipFill>
         <p:spPr>
           <a:xfrm>
-            <a:off x="670441" y="1006426"/>
-            <a:ext cx="6045200" cy="1441450"/>
+            <a:off x="670441" y="464167"/>
+            <a:ext cx="4841359" cy="1154400"/>
           </a:xfrm>
           <a:prstGeom prst="rect">
             <a:avLst/>
@@ -13202,14 +14253,50 @@
         </p:blipFill>
         <p:spPr>
           <a:xfrm>
-            <a:off x="670441" y="3569512"/>
-            <a:ext cx="6045200" cy="1441450"/>
+            <a:off x="670441" y="1683217"/>
+            <a:ext cx="4841359" cy="1154400"/>
           </a:xfrm>
           <a:prstGeom prst="rect">
             <a:avLst/>
           </a:prstGeom>
         </p:spPr>
       </p:pic>
+      <p:sp>
+        <p:nvSpPr>
+          <p:cNvPr id="6" name="CaixaDeTexto 5">
+            <a:extLst>
+              <a:ext uri="{FF2B5EF4-FFF2-40B4-BE49-F238E27FC236}">
+                <a16:creationId xmlns:a16="http://schemas.microsoft.com/office/drawing/2014/main" id="{E08B7DD2-C923-E528-F185-09523DC85F83}"/>
+              </a:ext>
+            </a:extLst>
+          </p:cNvPr>
+          <p:cNvSpPr txBox="1"/>
+          <p:nvPr/>
+        </p:nvSpPr>
+        <p:spPr>
+          <a:xfrm>
+            <a:off x="604382" y="3050091"/>
+            <a:ext cx="1182872" cy="309600"/>
+          </a:xfrm>
+          <a:prstGeom prst="rect">
+            <a:avLst/>
+          </a:prstGeom>
+          <a:noFill/>
+        </p:spPr>
+        <p:txBody>
+          <a:bodyPr wrap="square">
+            <a:spAutoFit/>
+          </a:bodyPr>
+          <a:lstStyle/>
+          <a:p>
+            <a:r>
+              <a:rPr lang="pt-PT" sz="1400" dirty="0" err="1"/>
+              <a:t>Conclusion</a:t>
+            </a:r>
+            <a:endParaRPr lang="pt-PT" sz="1400" dirty="0"/>
+          </a:p>
+        </p:txBody>
+      </p:sp>
     </p:spTree>
   </p:cSld>
   <p:clrMapOvr>
@@ -13379,7 +14466,7 @@
         </p:blipFill>
         <p:spPr>
           <a:xfrm>
-            <a:off x="1138146" y="597820"/>
+            <a:off x="1148778" y="1182611"/>
             <a:ext cx="2077181" cy="5108218"/>
           </a:xfrm>
           <a:prstGeom prst="rect">
@@ -13401,7 +14488,7 @@
         </p:nvCxnSpPr>
         <p:spPr>
           <a:xfrm>
-            <a:off x="3547533" y="597820"/>
+            <a:off x="3558165" y="1182611"/>
             <a:ext cx="0" cy="5108218"/>
           </a:xfrm>
           <a:prstGeom prst="straightConnector1">
@@ -13440,7 +14527,7 @@
         </p:nvGrpSpPr>
         <p:grpSpPr>
           <a:xfrm>
-            <a:off x="193040" y="553350"/>
+            <a:off x="203672" y="1138141"/>
             <a:ext cx="3156328" cy="5184021"/>
             <a:chOff x="193040" y="553350"/>
             <a:chExt cx="3156328" cy="5184021"/>
@@ -13926,7 +15013,7 @@
         </p:nvGrpSpPr>
         <p:grpSpPr>
           <a:xfrm>
-            <a:off x="4159222" y="553350"/>
+            <a:off x="4169854" y="1138141"/>
             <a:ext cx="3086054" cy="5184022"/>
             <a:chOff x="4159222" y="314021"/>
             <a:chExt cx="3086054" cy="5839129"/>
@@ -14912,7 +15999,7 @@
         </p:nvSpPr>
         <p:spPr>
           <a:xfrm>
-            <a:off x="1012182" y="1363249"/>
+            <a:off x="1022814" y="1948040"/>
             <a:ext cx="2337186" cy="1557750"/>
           </a:xfrm>
           <a:prstGeom prst="rect">
@@ -14949,6 +16036,58 @@
           <a:p>
             <a:pPr algn="ctr"/>
             <a:endParaRPr lang="pt-PT"/>
+          </a:p>
+        </p:txBody>
+      </p:sp>
+      <p:sp>
+        <p:nvSpPr>
+          <p:cNvPr id="3" name="CaixaDeTexto 2">
+            <a:extLst>
+              <a:ext uri="{FF2B5EF4-FFF2-40B4-BE49-F238E27FC236}">
+                <a16:creationId xmlns:a16="http://schemas.microsoft.com/office/drawing/2014/main" id="{369DD8AF-9043-6FBF-1DF9-E63D7767719F}"/>
+              </a:ext>
+            </a:extLst>
+          </p:cNvPr>
+          <p:cNvSpPr txBox="1"/>
+          <p:nvPr/>
+        </p:nvSpPr>
+        <p:spPr>
+          <a:xfrm>
+            <a:off x="4878207" y="165978"/>
+            <a:ext cx="2435586" cy="369332"/>
+          </a:xfrm>
+          <a:prstGeom prst="rect">
+            <a:avLst/>
+          </a:prstGeom>
+          <a:noFill/>
+        </p:spPr>
+        <p:txBody>
+          <a:bodyPr wrap="square">
+            <a:spAutoFit/>
+          </a:bodyPr>
+          <a:lstStyle/>
+          <a:p>
+            <a:r>
+              <a:rPr lang="pt-PT" dirty="0" err="1"/>
+              <a:t>Bitonic</a:t>
+            </a:r>
+            <a:r>
+              <a:rPr lang="pt-PT" dirty="0"/>
+              <a:t> </a:t>
+            </a:r>
+            <a:r>
+              <a:rPr lang="pt-PT" dirty="0" err="1"/>
+              <a:t>Sort</a:t>
+            </a:r>
+            <a:r>
+              <a:rPr lang="pt-PT" dirty="0"/>
+              <a:t> </a:t>
+            </a:r>
+            <a:r>
+              <a:rPr lang="pt-PT" dirty="0" err="1"/>
+              <a:t>Algorithm</a:t>
+            </a:r>
+            <a:endParaRPr lang="pt-PT" dirty="0"/>
           </a:p>
         </p:txBody>
       </p:sp>
@@ -14993,8 +16132,8 @@
             </p:nvSpPr>
             <p:spPr>
               <a:xfrm>
-                <a:off x="3691467" y="521295"/>
-                <a:ext cx="7963894" cy="4036041"/>
+                <a:off x="871870" y="914699"/>
+                <a:ext cx="10783491" cy="2881879"/>
               </a:xfrm>
               <a:prstGeom prst="rect">
                 <a:avLst/>
@@ -16401,21 +17540,6 @@
                   <a:rPr lang="pt-PT" sz="1400" dirty="0"/>
                   <a:t>.</a:t>
                 </a:r>
-              </a:p>
-              <a:p>
-                <a:pPr>
-                  <a:spcAft>
-                    <a:spcPts val="600"/>
-                  </a:spcAft>
-                </a:pPr>
-                <a:r>
-                  <a:rPr lang="pt-PT" sz="1400" dirty="0">
-                    <a:latin typeface="+mj-lt"/>
-                    <a:ea typeface="Calibri" panose="020F0502020204030204" pitchFamily="34" charset="0"/>
-                    <a:cs typeface="Times New Roman" panose="02020603050405020304" pitchFamily="18" charset="0"/>
-                  </a:rPr>
-                  <a:t>.</a:t>
-                </a:r>
                 <a:endParaRPr lang="pt-PT" sz="1400" dirty="0">
                   <a:effectLst/>
                   <a:latin typeface="+mj-lt"/>
@@ -16451,8 +17575,8 @@
             </p:nvSpPr>
             <p:spPr>
               <a:xfrm>
-                <a:off x="3691467" y="521295"/>
-                <a:ext cx="7963894" cy="4036041"/>
+                <a:off x="871870" y="914699"/>
+                <a:ext cx="10783491" cy="2881879"/>
               </a:xfrm>
               <a:prstGeom prst="rect">
                 <a:avLst/>
@@ -16460,7 +17584,7 @@
               <a:blipFill>
                 <a:blip r:embed="rId2"/>
                 <a:stretch>
-                  <a:fillRect l="-230"/>
+                  <a:fillRect l="-57"/>
                 </a:stretch>
               </a:blipFill>
             </p:spPr>
@@ -16494,7 +17618,7 @@
         <p:spPr>
           <a:xfrm>
             <a:off x="2134484" y="4028381"/>
-            <a:ext cx="8327953" cy="2308324"/>
+            <a:ext cx="9520877" cy="1384995"/>
           </a:xfrm>
           <a:prstGeom prst="rect">
             <a:avLst/>
@@ -16509,14 +17633,14 @@
           <a:p>
             <a:pPr algn="just"/>
             <a:r>
-              <a:rPr lang="en-US" sz="1600" dirty="0"/>
+              <a:rPr lang="en-US" sz="1400" dirty="0"/>
               <a:t>Current graphics processors do not support scatter operations i.e., the fragment processor cannot write to arbitrary memory locations. This restriction avoids a write-after-a-read hazard between multiple fragment processors accessing the same memory location. Therefore, most sorting algorithms such as Quicksort cannot be efﬁciently implemented on GPUs. On the other hand, sorting network algorithms are a class of algorithms that map well to the GPUs.</a:t>
             </a:r>
           </a:p>
           <a:p>
             <a:pPr algn="just"/>
             <a:r>
-              <a:rPr lang="pt-PT" sz="1600" dirty="0"/>
+              <a:rPr lang="pt-PT" sz="1400" dirty="0"/>
               <a:t>https://www.researchgate.net/publication/228359315_A_cache-efficient_sorting_algorithm_for_database_and_data_mining_computations_using_graphics_processors</a:t>
             </a:r>
           </a:p>

--- a/Assignment2/Apresentação1.pptx
+++ b/Assignment2/Apresentação1.pptx
@@ -205,7 +205,7 @@
           <a:p>
             <a:fld id="{1EDEE178-F580-46EF-96D2-7E8DC6E16773}" type="datetimeFigureOut">
               <a:rPr lang="pt-PT" smtClean="0"/>
-              <a:t>01/01/2023</a:t>
+              <a:t>02/01/2023</a:t>
             </a:fld>
             <a:endParaRPr lang="pt-PT"/>
           </a:p>
@@ -7035,8 +7035,8 @@
         </p:nvSpPr>
         <p:spPr>
           <a:xfrm>
-            <a:off x="605880" y="4498560"/>
-            <a:ext cx="1372320" cy="592560"/>
+            <a:off x="605880" y="4785903"/>
+            <a:ext cx="1372320" cy="417315"/>
           </a:xfrm>
           <a:prstGeom prst="rect">
             <a:avLst/>
@@ -7053,7 +7053,7 @@
           <a:lstStyle/>
           <a:p>
             <a:r>
-              <a:rPr lang="en-GB" sz="1400" b="0" strike="noStrike" spc="-1">
+              <a:rPr lang="en-GB" sz="1400" b="0" strike="noStrike" spc="-1" dirty="0">
                 <a:solidFill>
                   <a:srgbClr val="000000"/>
                 </a:solidFill>
@@ -7062,7 +7062,7 @@
               </a:rPr>
               <a:t>Grupo 1, Lab 3</a:t>
             </a:r>
-            <a:endParaRPr lang="en-GB" sz="1400" b="0" strike="noStrike" spc="-1">
+            <a:endParaRPr lang="en-GB" sz="1400" b="0" strike="noStrike" spc="-1" dirty="0">
               <a:solidFill>
                 <a:srgbClr val="000000"/>
               </a:solidFill>
@@ -7079,7 +7079,7 @@
         </p:nvSpPr>
         <p:spPr>
           <a:xfrm>
-            <a:off x="838800" y="5268240"/>
+            <a:off x="722340" y="5257608"/>
             <a:ext cx="1139400" cy="898200"/>
           </a:xfrm>
           <a:prstGeom prst="rect">
@@ -7102,7 +7102,7 @@
               </a:lnSpc>
             </a:pPr>
             <a:r>
-              <a:rPr lang="en-GB" sz="1390" b="0" strike="noStrike" spc="-1">
+              <a:rPr lang="en-GB" sz="1390" b="0" strike="noStrike" spc="-1" dirty="0">
                 <a:solidFill>
                   <a:srgbClr val="000000"/>
                 </a:solidFill>
@@ -7118,7 +7118,7 @@
               </a:lnSpc>
             </a:pPr>
             <a:r>
-              <a:rPr lang="en-GB" sz="1390" b="0" strike="noStrike" spc="-1">
+              <a:rPr lang="en-GB" sz="1390" b="0" strike="noStrike" spc="-1" dirty="0">
                 <a:solidFill>
                   <a:srgbClr val="000000"/>
                 </a:solidFill>
@@ -7141,8 +7141,8 @@
         </p:blipFill>
         <p:spPr>
           <a:xfrm>
-            <a:off x="720000" y="878400"/>
-            <a:ext cx="3419640" cy="1281600"/>
+            <a:off x="698735" y="581840"/>
+            <a:ext cx="3259465" cy="1281600"/>
           </a:xfrm>
           <a:prstGeom prst="rect">
             <a:avLst/>
@@ -7160,8 +7160,8 @@
         </p:nvSpPr>
         <p:spPr>
           <a:xfrm>
-            <a:off x="3958200" y="2340000"/>
-            <a:ext cx="4321800" cy="465480"/>
+            <a:off x="3624457" y="2419820"/>
+            <a:ext cx="4943086" cy="465480"/>
           </a:xfrm>
           <a:prstGeom prst="rect">
             <a:avLst/>
@@ -7178,11 +7178,26 @@
           <a:lstStyle/>
           <a:p>
             <a:r>
-              <a:rPr lang="en-GB" sz="2000" b="0" strike="noStrike" spc="-1">
+              <a:rPr lang="en-GB" sz="2400" b="0" strike="noStrike" spc="-1" dirty="0" err="1">
                 <a:latin typeface="Arial"/>
               </a:rPr>
-              <a:t>Arquitecturas de Alto Desempenho</a:t>
-            </a:r>
+              <a:t>Arquitecturas</a:t>
+            </a:r>
+            <a:r>
+              <a:rPr lang="en-GB" sz="2400" b="0" strike="noStrike" spc="-1" dirty="0">
+                <a:latin typeface="Arial"/>
+              </a:rPr>
+              <a:t> de Alto </a:t>
+            </a:r>
+            <a:r>
+              <a:rPr lang="en-GB" sz="2400" b="0" strike="noStrike" spc="-1" dirty="0" err="1">
+                <a:latin typeface="Arial"/>
+              </a:rPr>
+              <a:t>Desempenho</a:t>
+            </a:r>
+            <a:endParaRPr lang="en-GB" sz="2400" b="0" strike="noStrike" spc="-1" dirty="0">
+              <a:latin typeface="Arial"/>
+            </a:endParaRPr>
           </a:p>
         </p:txBody>
       </p:sp>
@@ -7201,13 +7216,13 @@
           <p:nvPr>
             <p:extLst>
               <p:ext uri="{D42A27DB-BD31-4B8C-83A1-F6EECF244321}">
-                <p14:modId xmlns:p14="http://schemas.microsoft.com/office/powerpoint/2010/main" val="3416542422"/>
+                <p14:modId xmlns:p14="http://schemas.microsoft.com/office/powerpoint/2010/main" val="1268412060"/>
               </p:ext>
             </p:extLst>
           </p:nvPr>
         </p:nvGraphicFramePr>
         <p:xfrm>
-          <a:off x="3430829" y="3282040"/>
+          <a:off x="3430829" y="3441680"/>
           <a:ext cx="5883402" cy="741680"/>
         </p:xfrm>
         <a:graphic>
@@ -13714,8 +13729,8 @@
           </a:ln>
         </p:spPr>
       </p:pic>
-      <mc:AlternateContent xmlns:mc="http://schemas.openxmlformats.org/markup-compatibility/2006">
-        <mc:Choice xmlns:a14="http://schemas.microsoft.com/office/drawing/2010/main" Requires="a14">
+      <mc:AlternateContent xmlns:mc="http://schemas.openxmlformats.org/markup-compatibility/2006" xmlns:a14="http://schemas.microsoft.com/office/drawing/2010/main">
+        <mc:Choice Requires="a14">
           <p:sp>
             <p:nvSpPr>
               <p:cNvPr id="5" name="CaixaDeTexto 4">
@@ -13756,6 +13771,7 @@
                     <m:r>
                       <a:rPr lang="pt-PT" sz="1200" b="0" i="1" smtClean="0">
                         <a:effectLst/>
+                        <a:latin typeface="Cambria Math" panose="02040503050406030204" pitchFamily="18" charset="0"/>
                         <a:cs typeface="Arial" panose="020B0604020202020204" pitchFamily="34" charset="0"/>
                       </a:rPr>
                       <m:t>𝑆</m:t>
@@ -13763,6 +13779,7 @@
                     <m:r>
                       <a:rPr lang="pt-PT" sz="1200" b="0" i="1" smtClean="0">
                         <a:effectLst/>
+                        <a:latin typeface="Cambria Math" panose="02040503050406030204" pitchFamily="18" charset="0"/>
                         <a:cs typeface="Arial" panose="020B0604020202020204" pitchFamily="34" charset="0"/>
                       </a:rPr>
                       <m:t>=</m:t>
@@ -13772,6 +13789,7 @@
                         <m:ctrlPr>
                           <a:rPr lang="pt-PT" sz="1200" b="0" i="1" smtClean="0">
                             <a:effectLst/>
+                            <a:latin typeface="Cambria Math" panose="02040503050406030204" pitchFamily="18" charset="0"/>
                             <a:cs typeface="Arial" panose="020B0604020202020204" pitchFamily="34" charset="0"/>
                           </a:rPr>
                         </m:ctrlPr>
@@ -13782,6 +13800,7 @@
                             <m:ctrlPr>
                               <a:rPr lang="pt-PT" sz="1200" b="0" i="1" smtClean="0">
                                 <a:effectLst/>
+                                <a:latin typeface="Cambria Math" panose="02040503050406030204" pitchFamily="18" charset="0"/>
                                 <a:cs typeface="Arial" panose="020B0604020202020204" pitchFamily="34" charset="0"/>
                               </a:rPr>
                             </m:ctrlPr>
@@ -13790,6 +13809,7 @@
                             <m:r>
                               <a:rPr lang="pt-PT" sz="1200" b="0" i="1" smtClean="0">
                                 <a:effectLst/>
+                                <a:latin typeface="Cambria Math" panose="02040503050406030204" pitchFamily="18" charset="0"/>
                                 <a:cs typeface="Arial" panose="020B0604020202020204" pitchFamily="34" charset="0"/>
                               </a:rPr>
                               <m:t>8,91</m:t>
@@ -13797,6 +13817,7 @@
                             <m:r>
                               <a:rPr lang="pt-PT" sz="1200" b="0" i="1" smtClean="0">
                                 <a:effectLst/>
+                                <a:latin typeface="Cambria Math" panose="02040503050406030204" pitchFamily="18" charset="0"/>
                                 <a:cs typeface="Arial" panose="020B0604020202020204" pitchFamily="34" charset="0"/>
                               </a:rPr>
                               <m:t>𝑥</m:t>
@@ -13804,6 +13825,7 @@
                             <m:r>
                               <a:rPr lang="pt-PT" sz="1200" b="0" i="1" smtClean="0">
                                 <a:effectLst/>
+                                <a:latin typeface="Cambria Math" panose="02040503050406030204" pitchFamily="18" charset="0"/>
                                 <a:cs typeface="Arial" panose="020B0604020202020204" pitchFamily="34" charset="0"/>
                               </a:rPr>
                               <m:t>10</m:t>
@@ -13813,6 +13835,7 @@
                             <m:r>
                               <a:rPr lang="pt-PT" sz="1200" b="0" i="1" smtClean="0">
                                 <a:effectLst/>
+                                <a:latin typeface="Cambria Math" panose="02040503050406030204" pitchFamily="18" charset="0"/>
                                 <a:cs typeface="Arial" panose="020B0604020202020204" pitchFamily="34" charset="0"/>
                               </a:rPr>
                               <m:t>0</m:t>
@@ -13826,6 +13849,7 @@
                             <m:ctrlPr>
                               <a:rPr lang="pt-PT" sz="1200" b="0" i="1" smtClean="0">
                                 <a:effectLst/>
+                                <a:latin typeface="Cambria Math" panose="02040503050406030204" pitchFamily="18" charset="0"/>
                                 <a:cs typeface="Arial" panose="020B0604020202020204" pitchFamily="34" charset="0"/>
                               </a:rPr>
                             </m:ctrlPr>
@@ -13834,6 +13858,7 @@
                             <m:r>
                               <a:rPr lang="pt-PT" sz="1200" b="0" i="1" smtClean="0">
                                 <a:effectLst/>
+                                <a:latin typeface="Cambria Math" panose="02040503050406030204" pitchFamily="18" charset="0"/>
                                 <a:cs typeface="Arial" panose="020B0604020202020204" pitchFamily="34" charset="0"/>
                               </a:rPr>
                               <m:t>1,43</m:t>
@@ -13841,6 +13866,7 @@
                             <m:r>
                               <a:rPr lang="pt-PT" sz="1200" b="0" i="1" smtClean="0">
                                 <a:effectLst/>
+                                <a:latin typeface="Cambria Math" panose="02040503050406030204" pitchFamily="18" charset="0"/>
                                 <a:cs typeface="Arial" panose="020B0604020202020204" pitchFamily="34" charset="0"/>
                               </a:rPr>
                               <m:t>𝑥</m:t>
@@ -13848,6 +13874,7 @@
                             <m:r>
                               <a:rPr lang="pt-PT" sz="1200" b="0" i="1" smtClean="0">
                                 <a:effectLst/>
+                                <a:latin typeface="Cambria Math" panose="02040503050406030204" pitchFamily="18" charset="0"/>
                                 <a:cs typeface="Arial" panose="020B0604020202020204" pitchFamily="34" charset="0"/>
                               </a:rPr>
                               <m:t>10</m:t>
@@ -13857,6 +13884,7 @@
                             <m:r>
                               <a:rPr lang="pt-PT" sz="1200" b="0" i="1" smtClean="0">
                                 <a:effectLst/>
+                                <a:latin typeface="Cambria Math" panose="02040503050406030204" pitchFamily="18" charset="0"/>
                                 <a:cs typeface="Arial" panose="020B0604020202020204" pitchFamily="34" charset="0"/>
                               </a:rPr>
                               <m:t>−1</m:t>
@@ -13887,7 +13915,7 @@
             </p:txBody>
           </p:sp>
         </mc:Choice>
-        <mc:Fallback>
+        <mc:Fallback xmlns="">
           <p:sp>
             <p:nvSpPr>
               <p:cNvPr id="5" name="CaixaDeTexto 4">
@@ -16116,8 +16144,8 @@
           <a:chExt cx="0" cy="0"/>
         </a:xfrm>
       </p:grpSpPr>
-      <mc:AlternateContent xmlns:mc="http://schemas.openxmlformats.org/markup-compatibility/2006">
-        <mc:Choice xmlns:a14="http://schemas.microsoft.com/office/drawing/2010/main" Requires="a14">
+      <mc:AlternateContent xmlns:mc="http://schemas.openxmlformats.org/markup-compatibility/2006" xmlns:a14="http://schemas.microsoft.com/office/drawing/2010/main">
+        <mc:Choice Requires="a14">
           <p:sp>
             <p:nvSpPr>
               <p:cNvPr id="2" name="CaixaDeTexto 1">
@@ -17558,7 +17586,7 @@
             </p:txBody>
           </p:sp>
         </mc:Choice>
-        <mc:Fallback>
+        <mc:Fallback xmlns="">
           <p:sp>
             <p:nvSpPr>
               <p:cNvPr id="2" name="CaixaDeTexto 1">
@@ -27391,6 +27419,150 @@
           </a:p>
         </p:txBody>
       </p:sp>
+      <p:sp>
+        <p:nvSpPr>
+          <p:cNvPr id="144" name="CaixaDeTexto 143">
+            <a:extLst>
+              <a:ext uri="{FF2B5EF4-FFF2-40B4-BE49-F238E27FC236}">
+                <a16:creationId xmlns:a16="http://schemas.microsoft.com/office/drawing/2014/main" id="{524E808E-DAF4-0024-9C15-D03B55C0869F}"/>
+              </a:ext>
+            </a:extLst>
+          </p:cNvPr>
+          <p:cNvSpPr txBox="1"/>
+          <p:nvPr/>
+        </p:nvSpPr>
+        <p:spPr>
+          <a:xfrm>
+            <a:off x="5267995" y="3105077"/>
+            <a:ext cx="4578423" cy="3785652"/>
+          </a:xfrm>
+          <a:prstGeom prst="rect">
+            <a:avLst/>
+          </a:prstGeom>
+          <a:noFill/>
+        </p:spPr>
+        <p:txBody>
+          <a:bodyPr wrap="square">
+            <a:spAutoFit/>
+          </a:bodyPr>
+          <a:lstStyle/>
+          <a:p>
+            <a:r>
+              <a:rPr lang="en-US" sz="1200" dirty="0"/>
+              <a:t>Total number of steps are  k=log(n). When this algorithm is parallelized, it would take n processor to sort it with O(</a:t>
+            </a:r>
+            <a:r>
+              <a:rPr lang="en-US" sz="1200" dirty="0" err="1"/>
+              <a:t>logn</a:t>
+            </a:r>
+            <a:r>
+              <a:rPr lang="en-US" sz="1200" dirty="0"/>
+              <a:t>)2 complexity. All steps in </a:t>
+            </a:r>
+            <a:r>
+              <a:rPr lang="en-US" sz="1200" dirty="0" err="1"/>
+              <a:t>bitonic</a:t>
+            </a:r>
+            <a:r>
+              <a:rPr lang="en-US" sz="1200" dirty="0"/>
+              <a:t> sort are creating a </a:t>
+            </a:r>
+            <a:r>
+              <a:rPr lang="en-US" sz="1200" dirty="0" err="1"/>
+              <a:t>bitonic</a:t>
+            </a:r>
+            <a:r>
+              <a:rPr lang="en-US" sz="1200" dirty="0"/>
+              <a:t> sequence and the sorting are (k(k+1))/2. </a:t>
+            </a:r>
+          </a:p>
+          <a:p>
+            <a:r>
+              <a:rPr lang="en-US" sz="1200" dirty="0"/>
+              <a:t>Firstly, pair wise exchange is made to make it easier to find the </a:t>
+            </a:r>
+            <a:r>
+              <a:rPr lang="en-US" sz="1200" dirty="0" err="1"/>
+              <a:t>bitonic</a:t>
+            </a:r>
+            <a:r>
+              <a:rPr lang="en-US" sz="1200" dirty="0"/>
+              <a:t> sequence. Then, it is divided two sub-arrays. Each element in sub-array is compared using (</a:t>
+            </a:r>
+            <a:r>
+              <a:rPr lang="en-US" sz="1200" dirty="0" err="1"/>
+              <a:t>i</a:t>
+            </a:r>
+            <a:r>
+              <a:rPr lang="en-US" sz="1200" dirty="0"/>
+              <a:t>, n /2-1) indices. If ai&gt;</a:t>
+            </a:r>
+            <a:r>
+              <a:rPr lang="en-US" sz="1200" dirty="0" err="1"/>
+              <a:t>ai+n</a:t>
+            </a:r>
+            <a:r>
+              <a:rPr lang="en-US" sz="1200" dirty="0"/>
+              <a:t>/2, swap operation is applied. After all elements are compared, </a:t>
+            </a:r>
+            <a:r>
+              <a:rPr lang="en-US" sz="1200" dirty="0" err="1"/>
+              <a:t>bitonic</a:t>
+            </a:r>
+            <a:r>
+              <a:rPr lang="en-US" sz="1200" dirty="0"/>
+              <a:t> sequence is implemented. The first split of the array is in increasing order; the second split is in decreasing order. It is reached to </a:t>
+            </a:r>
+            <a:r>
+              <a:rPr lang="en-US" sz="1200" dirty="0" err="1"/>
+              <a:t>bitonic</a:t>
+            </a:r>
+            <a:r>
+              <a:rPr lang="en-US" sz="1200" dirty="0"/>
+              <a:t> sequence in 3 steps. Next step is the </a:t>
+            </a:r>
+            <a:r>
+              <a:rPr lang="en-US" sz="1200" dirty="0" err="1"/>
+              <a:t>bitonic</a:t>
+            </a:r>
+            <a:r>
+              <a:rPr lang="en-US" sz="1200" dirty="0"/>
+              <a:t> sorting. These 2 </a:t>
+            </a:r>
+            <a:r>
+              <a:rPr lang="en-US" sz="1200" dirty="0" err="1"/>
+              <a:t>bitonic</a:t>
+            </a:r>
+            <a:r>
+              <a:rPr lang="en-US" sz="1200" dirty="0"/>
+              <a:t> splits are divided again until each split that will have 1 element. </a:t>
+            </a:r>
+          </a:p>
+          <a:p>
+            <a:r>
+              <a:rPr lang="en-US" sz="1200" dirty="0"/>
+              <a:t>Compare and swap approach is applied to all splits. Finally, </a:t>
+            </a:r>
+            <a:r>
+              <a:rPr lang="en-US" sz="1200" dirty="0" err="1"/>
+              <a:t>bitonic</a:t>
+            </a:r>
+            <a:r>
+              <a:rPr lang="en-US" sz="1200" dirty="0"/>
+              <a:t> sorted array is implemented. In parallel implementation of this sorting algorithm, each split and compare operation is applied on different cores. Each core works on different part of an array. These </a:t>
+            </a:r>
+            <a:r>
+              <a:rPr lang="en-US" sz="1200" dirty="0" err="1"/>
+              <a:t>splited</a:t>
+            </a:r>
+            <a:r>
+              <a:rPr lang="en-US" sz="1200" dirty="0"/>
+              <a:t> arrays results don’t affect the other one’s result. Therefore, each CUDA core works on array separately. The result sorted array is got in 6 steps</a:t>
+            </a:r>
+            <a:endParaRPr lang="pt-PT" sz="1200" dirty="0"/>
+          </a:p>
+        </p:txBody>
+      </p:sp>
     </p:spTree>
   </p:cSld>
   <p:clrMapOvr>
